--- a/Documentation/Défense/Shoot4stats.pptx
+++ b/Documentation/Défense/Shoot4stats.pptx
@@ -108,6 +108,11 @@
       </a:defRPr>
     </a:lvl9pPr>
   </p:defaultTextStyle>
+  <p:extLst>
+    <p:ext uri="{EFAFB233-063F-42B5-8137-9DF3F51BA10A}">
+      <p15:sldGuideLst xmlns:p15="http://schemas.microsoft.com/office/powerpoint/2012/main"/>
+    </p:ext>
+  </p:extLst>
 </p:presentation>
 </file>
 
@@ -297,7 +302,7 @@
           <a:p>
             <a:fld id="{48A87A34-81AB-432B-8DAE-1953F412C126}" type="datetimeFigureOut">
               <a:rPr lang="en-US" smtClean="0"/>
-              <a:t>4/19/2017</a:t>
+              <a:t>4/24/2017</a:t>
             </a:fld>
             <a:endParaRPr lang="en-US" dirty="0"/>
           </a:p>
@@ -573,7 +578,7 @@
             <a:fld id="{48A87A34-81AB-432B-8DAE-1953F412C126}" type="datetimeFigureOut">
               <a:rPr lang="en-US" smtClean="0"/>
               <a:pPr/>
-              <a:t>4/19/2017</a:t>
+              <a:t>4/24/2017</a:t>
             </a:fld>
             <a:endParaRPr lang="en-US" dirty="0"/>
           </a:p>
@@ -769,7 +774,7 @@
             <a:fld id="{48A87A34-81AB-432B-8DAE-1953F412C126}" type="datetimeFigureOut">
               <a:rPr lang="en-US" smtClean="0"/>
               <a:pPr/>
-              <a:t>4/19/2017</a:t>
+              <a:t>4/24/2017</a:t>
             </a:fld>
             <a:endParaRPr lang="en-US" dirty="0"/>
           </a:p>
@@ -1044,7 +1049,7 @@
             <a:fld id="{48A87A34-81AB-432B-8DAE-1953F412C126}" type="datetimeFigureOut">
               <a:rPr lang="en-US" smtClean="0"/>
               <a:pPr/>
-              <a:t>4/19/2017</a:t>
+              <a:t>4/24/2017</a:t>
             </a:fld>
             <a:endParaRPr lang="en-US" dirty="0"/>
           </a:p>
@@ -1387,7 +1392,7 @@
             <a:fld id="{48A87A34-81AB-432B-8DAE-1953F412C126}" type="datetimeFigureOut">
               <a:rPr lang="en-US" smtClean="0"/>
               <a:pPr/>
-              <a:t>4/19/2017</a:t>
+              <a:t>4/24/2017</a:t>
             </a:fld>
             <a:endParaRPr lang="en-US" dirty="0"/>
           </a:p>
@@ -2012,7 +2017,7 @@
             <a:fld id="{48A87A34-81AB-432B-8DAE-1953F412C126}" type="datetimeFigureOut">
               <a:rPr lang="en-US" smtClean="0"/>
               <a:pPr/>
-              <a:t>4/19/2017</a:t>
+              <a:t>4/24/2017</a:t>
             </a:fld>
             <a:endParaRPr lang="en-US" dirty="0"/>
           </a:p>
@@ -2874,7 +2879,7 @@
             <a:fld id="{48A87A34-81AB-432B-8DAE-1953F412C126}" type="datetimeFigureOut">
               <a:rPr lang="en-US" smtClean="0"/>
               <a:pPr/>
-              <a:t>4/19/2017</a:t>
+              <a:t>4/24/2017</a:t>
             </a:fld>
             <a:endParaRPr lang="en-US" dirty="0"/>
           </a:p>
@@ -3045,7 +3050,7 @@
           <a:p>
             <a:fld id="{48A87A34-81AB-432B-8DAE-1953F412C126}" type="datetimeFigureOut">
               <a:rPr lang="en-US" smtClean="0"/>
-              <a:t>4/19/2017</a:t>
+              <a:t>4/24/2017</a:t>
             </a:fld>
             <a:endParaRPr lang="en-US" dirty="0"/>
           </a:p>
@@ -3225,7 +3230,7 @@
           <a:p>
             <a:fld id="{48A87A34-81AB-432B-8DAE-1953F412C126}" type="datetimeFigureOut">
               <a:rPr lang="en-US" smtClean="0"/>
-              <a:t>4/19/2017</a:t>
+              <a:t>4/24/2017</a:t>
             </a:fld>
             <a:endParaRPr lang="en-US" dirty="0"/>
           </a:p>
@@ -3395,7 +3400,7 @@
           <a:p>
             <a:fld id="{48A87A34-81AB-432B-8DAE-1953F412C126}" type="datetimeFigureOut">
               <a:rPr lang="en-US" smtClean="0"/>
-              <a:t>4/19/2017</a:t>
+              <a:t>4/24/2017</a:t>
             </a:fld>
             <a:endParaRPr lang="en-US" dirty="0"/>
           </a:p>
@@ -3642,7 +3647,7 @@
           <a:p>
             <a:fld id="{48A87A34-81AB-432B-8DAE-1953F412C126}" type="datetimeFigureOut">
               <a:rPr lang="en-US" smtClean="0"/>
-              <a:t>4/19/2017</a:t>
+              <a:t>4/24/2017</a:t>
             </a:fld>
             <a:endParaRPr lang="en-US" dirty="0"/>
           </a:p>
@@ -3934,7 +3939,7 @@
           <a:p>
             <a:fld id="{48A87A34-81AB-432B-8DAE-1953F412C126}" type="datetimeFigureOut">
               <a:rPr lang="en-US" smtClean="0"/>
-              <a:t>4/19/2017</a:t>
+              <a:t>4/24/2017</a:t>
             </a:fld>
             <a:endParaRPr lang="en-US" dirty="0"/>
           </a:p>
@@ -4378,7 +4383,7 @@
           <a:p>
             <a:fld id="{48A87A34-81AB-432B-8DAE-1953F412C126}" type="datetimeFigureOut">
               <a:rPr lang="en-US" smtClean="0"/>
-              <a:t>4/19/2017</a:t>
+              <a:t>4/24/2017</a:t>
             </a:fld>
             <a:endParaRPr lang="en-US" dirty="0"/>
           </a:p>
@@ -4496,7 +4501,7 @@
           <a:p>
             <a:fld id="{48A87A34-81AB-432B-8DAE-1953F412C126}" type="datetimeFigureOut">
               <a:rPr lang="en-US" smtClean="0"/>
-              <a:t>4/19/2017</a:t>
+              <a:t>4/24/2017</a:t>
             </a:fld>
             <a:endParaRPr lang="en-US" dirty="0"/>
           </a:p>
@@ -4591,7 +4596,7 @@
           <a:p>
             <a:fld id="{48A87A34-81AB-432B-8DAE-1953F412C126}" type="datetimeFigureOut">
               <a:rPr lang="en-US" smtClean="0"/>
-              <a:t>4/19/2017</a:t>
+              <a:t>4/24/2017</a:t>
             </a:fld>
             <a:endParaRPr lang="en-US" dirty="0"/>
           </a:p>
@@ -4870,7 +4875,7 @@
           <a:p>
             <a:fld id="{48A87A34-81AB-432B-8DAE-1953F412C126}" type="datetimeFigureOut">
               <a:rPr lang="en-US" smtClean="0"/>
-              <a:t>4/19/2017</a:t>
+              <a:t>4/24/2017</a:t>
             </a:fld>
             <a:endParaRPr lang="en-US" dirty="0"/>
           </a:p>
@@ -5145,7 +5150,7 @@
           <a:p>
             <a:fld id="{48A87A34-81AB-432B-8DAE-1953F412C126}" type="datetimeFigureOut">
               <a:rPr lang="en-US" smtClean="0"/>
-              <a:t>4/19/2017</a:t>
+              <a:t>4/24/2017</a:t>
             </a:fld>
             <a:endParaRPr lang="en-US" dirty="0"/>
           </a:p>
@@ -5575,7 +5580,7 @@
             <a:fld id="{48A87A34-81AB-432B-8DAE-1953F412C126}" type="datetimeFigureOut">
               <a:rPr lang="en-US" smtClean="0"/>
               <a:pPr/>
-              <a:t>4/19/2017</a:t>
+              <a:t>4/24/2017</a:t>
             </a:fld>
             <a:endParaRPr lang="en-US" dirty="0"/>
           </a:p>
@@ -6358,15 +6363,15 @@
         </p:nvCxnSpPr>
         <p:spPr>
           <a:xfrm>
-            <a:off x="6767384" y="1742303"/>
-            <a:ext cx="531342" cy="547815"/>
+            <a:off x="6767384" y="2019302"/>
+            <a:ext cx="531342" cy="270816"/>
           </a:xfrm>
           <a:prstGeom prst="straightConnector1">
             <a:avLst/>
           </a:prstGeom>
           <a:ln>
             <a:solidFill>
-              <a:srgbClr val="026E00"/>
+              <a:schemeClr val="accent1"/>
             </a:solidFill>
             <a:tailEnd type="triangle"/>
           </a:ln>
@@ -6395,7 +6400,7 @@
         <p:spPr>
           <a:xfrm>
             <a:off x="5914767" y="1372971"/>
-            <a:ext cx="1705233" cy="369332"/>
+            <a:ext cx="1705233" cy="646331"/>
           </a:xfrm>
           <a:prstGeom prst="rect">
             <a:avLst/>
@@ -6411,14 +6416,14 @@
             <a:r>
               <a:rPr lang="en-US" dirty="0" smtClean="0">
                 <a:solidFill>
-                  <a:srgbClr val="026E00"/>
+                  <a:schemeClr val="accent1"/>
                 </a:solidFill>
               </a:rPr>
               <a:t>Node.JS execute</a:t>
             </a:r>
             <a:endParaRPr lang="fr-CH" dirty="0">
               <a:solidFill>
-                <a:srgbClr val="026E00"/>
+                <a:schemeClr val="accent1"/>
               </a:solidFill>
             </a:endParaRPr>
           </a:p>
@@ -7203,7 +7208,7 @@
       </p:sp>
       <p:pic>
         <p:nvPicPr>
-          <p:cNvPr id="4" name="Picture 3"/>
+          <p:cNvPr id="3" name="Picture 2"/>
           <p:cNvPicPr>
             <a:picLocks noChangeAspect="1"/>
           </p:cNvPicPr>
@@ -7217,8 +7222,8 @@
         </p:blipFill>
         <p:spPr>
           <a:xfrm>
-            <a:off x="2035087" y="1069095"/>
-            <a:ext cx="7364285" cy="5576955"/>
+            <a:off x="3212757" y="1018677"/>
+            <a:ext cx="7160228" cy="5839323"/>
           </a:xfrm>
           <a:prstGeom prst="rect">
             <a:avLst/>

--- a/Documentation/Défense/Shoot4stats.pptx
+++ b/Documentation/Défense/Shoot4stats.pptx
@@ -2,14 +2,20 @@
 <file path=ppt/presentation.xml><?xml version="1.0" encoding="utf-8"?>
 <p:presentation xmlns:a="http://schemas.openxmlformats.org/drawingml/2006/main" xmlns:r="http://schemas.openxmlformats.org/officeDocument/2006/relationships" xmlns:p="http://schemas.openxmlformats.org/presentationml/2006/main" autoCompressPictures="0">
   <p:sldMasterIdLst>
-    <p:sldMasterId id="2147483681" r:id="rId1"/>
+    <p:sldMasterId id="2147483699" r:id="rId1"/>
   </p:sldMasterIdLst>
   <p:sldIdLst>
     <p:sldId id="256" r:id="rId2"/>
     <p:sldId id="257" r:id="rId3"/>
     <p:sldId id="258" r:id="rId4"/>
-    <p:sldId id="259" r:id="rId5"/>
-    <p:sldId id="260" r:id="rId6"/>
+    <p:sldId id="265" r:id="rId5"/>
+    <p:sldId id="264" r:id="rId6"/>
+    <p:sldId id="267" r:id="rId7"/>
+    <p:sldId id="263" r:id="rId8"/>
+    <p:sldId id="259" r:id="rId9"/>
+    <p:sldId id="266" r:id="rId10"/>
+    <p:sldId id="260" r:id="rId11"/>
+    <p:sldId id="262" r:id="rId12"/>
   </p:sldIdLst>
   <p:sldSz cx="12192000" cy="6858000"/>
   <p:notesSz cx="6858000" cy="9144000"/>
@@ -145,15 +151,17 @@
         </p:nvSpPr>
         <p:spPr>
           <a:xfrm>
-            <a:off x="1154955" y="1447800"/>
-            <a:ext cx="8825658" cy="3329581"/>
-          </a:xfrm>
-        </p:spPr>
-        <p:txBody>
-          <a:bodyPr anchor="b"/>
+            <a:off x="1370693" y="1769540"/>
+            <a:ext cx="9440034" cy="1828801"/>
+          </a:xfrm>
+        </p:spPr>
+        <p:txBody>
+          <a:bodyPr anchor="b">
+            <a:normAutofit/>
+          </a:bodyPr>
           <a:lstStyle>
-            <a:lvl1pPr>
-              <a:defRPr sz="7200"/>
+            <a:lvl1pPr algn="ctr">
+              <a:defRPr sz="5400"/>
             </a:lvl1pPr>
           </a:lstStyle>
           <a:p>
@@ -177,21 +185,18 @@
         </p:nvSpPr>
         <p:spPr>
           <a:xfrm>
-            <a:off x="1154955" y="4777380"/>
-            <a:ext cx="8825658" cy="861420"/>
+            <a:off x="1370693" y="3598339"/>
+            <a:ext cx="9440034" cy="1049867"/>
           </a:xfrm>
         </p:spPr>
         <p:txBody>
           <a:bodyPr anchor="t"/>
           <a:lstStyle>
-            <a:lvl1pPr marL="0" indent="0" algn="l">
-              <a:buNone/>
-              <a:defRPr cap="all">
+            <a:lvl1pPr marL="0" indent="0" algn="ctr">
+              <a:buNone/>
+              <a:defRPr>
                 <a:solidFill>
-                  <a:schemeClr val="bg2">
-                    <a:lumMod val="40000"/>
-                    <a:lumOff val="60000"/>
-                  </a:schemeClr>
+                  <a:schemeClr val="tx1"/>
                 </a:solidFill>
               </a:defRPr>
             </a:lvl1pPr>
@@ -302,7 +307,7 @@
           <a:p>
             <a:fld id="{48A87A34-81AB-432B-8DAE-1953F412C126}" type="datetimeFigureOut">
               <a:rPr lang="en-US" smtClean="0"/>
-              <a:t>4/24/2017</a:t>
+              <a:t>4/25/2017</a:t>
             </a:fld>
             <a:endParaRPr lang="en-US" dirty="0"/>
           </a:p>
@@ -353,7 +358,7 @@
     </p:spTree>
     <p:extLst>
       <p:ext uri="{BB962C8B-B14F-4D97-AF65-F5344CB8AC3E}">
-        <p14:creationId xmlns:p14="http://schemas.microsoft.com/office/powerpoint/2010/main" val="3206085304"/>
+        <p14:creationId xmlns:p14="http://schemas.microsoft.com/office/powerpoint/2010/main" val="2880305975"/>
       </p:ext>
     </p:extLst>
   </p:cSld>
@@ -380,20 +385,50 @@
           <a:chExt cx="0" cy="0"/>
         </a:xfrm>
       </p:grpSpPr>
-      <p:sp>
-        <p:nvSpPr>
-          <p:cNvPr id="2" name="Title 1"/>
-          <p:cNvSpPr>
-            <a:spLocks noGrp="1"/>
-          </p:cNvSpPr>
-          <p:nvPr>
-            <p:ph type="title"/>
-          </p:nvPr>
-        </p:nvSpPr>
+      <p:pic>
+        <p:nvPicPr>
+          <p:cNvPr id="16" name="Picture 15" descr="Slate-V2-HD-panoPhotoInset.png"/>
+          <p:cNvPicPr>
+            <a:picLocks noChangeAspect="1"/>
+          </p:cNvPicPr>
+          <p:nvPr/>
+        </p:nvPicPr>
+        <p:blipFill>
+          <a:blip r:embed="rId2">
+            <a:extLst>
+              <a:ext uri="{28A0092B-C50C-407E-A947-70E740481C1C}">
+                <a14:useLocalDpi xmlns:a14="http://schemas.microsoft.com/office/drawing/2010/main" val="0"/>
+              </a:ext>
+            </a:extLst>
+          </a:blip>
+          <a:stretch>
+            <a:fillRect/>
+          </a:stretch>
+        </p:blipFill>
         <p:spPr>
           <a:xfrm>
-            <a:off x="1154956" y="4800587"/>
-            <a:ext cx="8825657" cy="566738"/>
+            <a:off x="1013883" y="547807"/>
+            <a:ext cx="10141799" cy="3816806"/>
+          </a:xfrm>
+          <a:prstGeom prst="rect">
+            <a:avLst/>
+          </a:prstGeom>
+        </p:spPr>
+      </p:pic>
+      <p:sp>
+        <p:nvSpPr>
+          <p:cNvPr id="2" name="Title 1"/>
+          <p:cNvSpPr>
+            <a:spLocks noGrp="1"/>
+          </p:cNvSpPr>
+          <p:nvPr>
+            <p:ph type="title"/>
+          </p:nvPr>
+        </p:nvSpPr>
+        <p:spPr>
+          <a:xfrm>
+            <a:off x="913806" y="4565255"/>
+            <a:ext cx="10355326" cy="543472"/>
           </a:xfrm>
         </p:spPr>
         <p:txBody>
@@ -401,8 +436,8 @@
             <a:normAutofit/>
           </a:bodyPr>
           <a:lstStyle>
-            <a:lvl1pPr algn="l">
-              <a:defRPr sz="2400" b="0"/>
+            <a:lvl1pPr algn="ctr">
+              <a:defRPr sz="2800"/>
             </a:lvl1pPr>
           </a:lstStyle>
           <a:p>
@@ -426,18 +461,13 @@
         </p:nvSpPr>
         <p:spPr>
           <a:xfrm>
-            <a:off x="1154955" y="685800"/>
-            <a:ext cx="8825658" cy="3640666"/>
-          </a:xfrm>
-          <a:prstGeom prst="roundRect">
-            <a:avLst>
-              <a:gd name="adj" fmla="val 1858"/>
-            </a:avLst>
-          </a:prstGeom>
+            <a:off x="1169349" y="695009"/>
+            <a:ext cx="9845346" cy="3525671"/>
+          </a:xfrm>
           <a:effectLst>
-            <a:outerShdw blurRad="50800" dist="50800" dir="5400000" algn="tl" rotWithShape="0">
+            <a:outerShdw blurRad="38100" dist="25400" dir="4440000">
               <a:srgbClr val="000000">
-                <a:alpha val="43000"/>
+                <a:alpha val="36000"/>
               </a:srgbClr>
             </a:outerShdw>
           </a:effectLst>
@@ -449,109 +479,107 @@
           <a:lstStyle>
             <a:lvl1pPr marL="0" indent="0" algn="ctr">
               <a:buNone/>
+              <a:defRPr sz="2000"/>
+            </a:lvl1pPr>
+            <a:lvl2pPr marL="457200" indent="0">
+              <a:buNone/>
+              <a:defRPr sz="2000"/>
+            </a:lvl2pPr>
+            <a:lvl3pPr marL="914400" indent="0">
+              <a:buNone/>
+              <a:defRPr sz="2000"/>
+            </a:lvl3pPr>
+            <a:lvl4pPr marL="1371600" indent="0">
+              <a:buNone/>
+              <a:defRPr sz="2000"/>
+            </a:lvl4pPr>
+            <a:lvl5pPr marL="1828800" indent="0">
+              <a:buNone/>
+              <a:defRPr sz="2000"/>
+            </a:lvl5pPr>
+            <a:lvl6pPr marL="2286000" indent="0">
+              <a:buNone/>
+              <a:defRPr sz="2000"/>
+            </a:lvl6pPr>
+            <a:lvl7pPr marL="2743200" indent="0">
+              <a:buNone/>
+              <a:defRPr sz="2000"/>
+            </a:lvl7pPr>
+            <a:lvl8pPr marL="3200400" indent="0">
+              <a:buNone/>
+              <a:defRPr sz="2000"/>
+            </a:lvl8pPr>
+            <a:lvl9pPr marL="3657600" indent="0">
+              <a:buNone/>
+              <a:defRPr sz="2000"/>
+            </a:lvl9pPr>
+          </a:lstStyle>
+          <a:p>
+            <a:r>
+              <a:rPr lang="en-US" smtClean="0"/>
+              <a:t>Click icon to add picture</a:t>
+            </a:r>
+            <a:endParaRPr lang="en-US" dirty="0"/>
+          </a:p>
+        </p:txBody>
+      </p:sp>
+      <p:sp>
+        <p:nvSpPr>
+          <p:cNvPr id="4" name="Text Placeholder 3"/>
+          <p:cNvSpPr>
+            <a:spLocks noGrp="1"/>
+          </p:cNvSpPr>
+          <p:nvPr>
+            <p:ph type="body" sz="half" idx="2"/>
+          </p:nvPr>
+        </p:nvSpPr>
+        <p:spPr>
+          <a:xfrm>
+            <a:off x="913795" y="5108728"/>
+            <a:ext cx="10353762" cy="682472"/>
+          </a:xfrm>
+        </p:spPr>
+        <p:txBody>
+          <a:bodyPr anchor="t"/>
+          <a:lstStyle>
+            <a:lvl1pPr marL="0" indent="0" algn="ctr">
+              <a:buNone/>
               <a:defRPr sz="1600"/>
             </a:lvl1pPr>
             <a:lvl2pPr marL="457200" indent="0">
               <a:buNone/>
-              <a:defRPr sz="1600"/>
+              <a:defRPr sz="1400"/>
             </a:lvl2pPr>
             <a:lvl3pPr marL="914400" indent="0">
               <a:buNone/>
-              <a:defRPr sz="1600"/>
+              <a:defRPr sz="1200"/>
             </a:lvl3pPr>
             <a:lvl4pPr marL="1371600" indent="0">
               <a:buNone/>
-              <a:defRPr sz="1600"/>
+              <a:defRPr sz="1000"/>
             </a:lvl4pPr>
             <a:lvl5pPr marL="1828800" indent="0">
               <a:buNone/>
-              <a:defRPr sz="1600"/>
+              <a:defRPr sz="1000"/>
             </a:lvl5pPr>
             <a:lvl6pPr marL="2286000" indent="0">
               <a:buNone/>
-              <a:defRPr sz="1600"/>
+              <a:defRPr sz="1000"/>
             </a:lvl6pPr>
             <a:lvl7pPr marL="2743200" indent="0">
               <a:buNone/>
-              <a:defRPr sz="1600"/>
+              <a:defRPr sz="1000"/>
             </a:lvl7pPr>
             <a:lvl8pPr marL="3200400" indent="0">
               <a:buNone/>
-              <a:defRPr sz="1600"/>
+              <a:defRPr sz="1000"/>
             </a:lvl8pPr>
             <a:lvl9pPr marL="3657600" indent="0">
               <a:buNone/>
-              <a:defRPr sz="1600"/>
+              <a:defRPr sz="1000"/>
             </a:lvl9pPr>
           </a:lstStyle>
           <a:p>
-            <a:r>
-              <a:rPr lang="en-US" smtClean="0"/>
-              <a:t>Click icon to add picture</a:t>
-            </a:r>
-            <a:endParaRPr lang="en-US" dirty="0"/>
-          </a:p>
-        </p:txBody>
-      </p:sp>
-      <p:sp>
-        <p:nvSpPr>
-          <p:cNvPr id="4" name="Text Placeholder 3"/>
-          <p:cNvSpPr>
-            <a:spLocks noGrp="1"/>
-          </p:cNvSpPr>
-          <p:nvPr>
-            <p:ph type="body" sz="half" idx="2"/>
-          </p:nvPr>
-        </p:nvSpPr>
-        <p:spPr>
-          <a:xfrm>
-            <a:off x="1154956" y="5367325"/>
-            <a:ext cx="8825656" cy="493712"/>
-          </a:xfrm>
-        </p:spPr>
-        <p:txBody>
-          <a:bodyPr>
-            <a:normAutofit/>
-          </a:bodyPr>
-          <a:lstStyle>
-            <a:lvl1pPr marL="0" indent="0">
-              <a:buNone/>
-              <a:defRPr sz="1200"/>
-            </a:lvl1pPr>
-            <a:lvl2pPr marL="457200" indent="0">
-              <a:buNone/>
-              <a:defRPr sz="1200"/>
-            </a:lvl2pPr>
-            <a:lvl3pPr marL="914400" indent="0">
-              <a:buNone/>
-              <a:defRPr sz="1000"/>
-            </a:lvl3pPr>
-            <a:lvl4pPr marL="1371600" indent="0">
-              <a:buNone/>
-              <a:defRPr sz="900"/>
-            </a:lvl4pPr>
-            <a:lvl5pPr marL="1828800" indent="0">
-              <a:buNone/>
-              <a:defRPr sz="900"/>
-            </a:lvl5pPr>
-            <a:lvl6pPr marL="2286000" indent="0">
-              <a:buNone/>
-              <a:defRPr sz="900"/>
-            </a:lvl6pPr>
-            <a:lvl7pPr marL="2743200" indent="0">
-              <a:buNone/>
-              <a:defRPr sz="900"/>
-            </a:lvl7pPr>
-            <a:lvl8pPr marL="3200400" indent="0">
-              <a:buNone/>
-              <a:defRPr sz="900"/>
-            </a:lvl8pPr>
-            <a:lvl9pPr marL="3657600" indent="0">
-              <a:buNone/>
-              <a:defRPr sz="900"/>
-            </a:lvl9pPr>
-          </a:lstStyle>
-          <a:p>
             <a:pPr lvl="0"/>
             <a:r>
               <a:rPr lang="en-US" smtClean="0"/>
@@ -578,7 +606,7 @@
             <a:fld id="{48A87A34-81AB-432B-8DAE-1953F412C126}" type="datetimeFigureOut">
               <a:rPr lang="en-US" smtClean="0"/>
               <a:pPr/>
-              <a:t>4/24/2017</a:t>
+              <a:t>4/25/2017</a:t>
             </a:fld>
             <a:endParaRPr lang="en-US" dirty="0"/>
           </a:p>
@@ -630,7 +658,7 @@
     </p:spTree>
     <p:extLst>
       <p:ext uri="{BB962C8B-B14F-4D97-AF65-F5344CB8AC3E}">
-        <p14:creationId xmlns:p14="http://schemas.microsoft.com/office/powerpoint/2010/main" val="674886849"/>
+        <p14:creationId xmlns:p14="http://schemas.microsoft.com/office/powerpoint/2010/main" val="37237045"/>
       </p:ext>
     </p:extLst>
   </p:cSld>
@@ -669,15 +697,15 @@
         </p:nvSpPr>
         <p:spPr>
           <a:xfrm>
-            <a:off x="1154954" y="1447800"/>
-            <a:ext cx="8825659" cy="1981200"/>
-          </a:xfrm>
-        </p:spPr>
-        <p:txBody>
-          <a:bodyPr/>
+            <a:off x="913795" y="608437"/>
+            <a:ext cx="10353762" cy="3534344"/>
+          </a:xfrm>
+        </p:spPr>
+        <p:txBody>
+          <a:bodyPr anchor="ctr"/>
           <a:lstStyle>
             <a:lvl1pPr>
-              <a:defRPr sz="4800"/>
+              <a:defRPr sz="3200"/>
             </a:lvl1pPr>
           </a:lstStyle>
           <a:p>
@@ -691,7 +719,7 @@
       </p:sp>
       <p:sp>
         <p:nvSpPr>
-          <p:cNvPr id="8" name="Text Placeholder 3"/>
+          <p:cNvPr id="4" name="Text Placeholder 3"/>
           <p:cNvSpPr>
             <a:spLocks noGrp="1"/>
           </p:cNvSpPr>
@@ -701,50 +729,48 @@
         </p:nvSpPr>
         <p:spPr>
           <a:xfrm>
-            <a:off x="1154954" y="3657600"/>
-            <a:ext cx="8825659" cy="2362200"/>
-          </a:xfrm>
-        </p:spPr>
-        <p:txBody>
-          <a:bodyPr anchor="ctr">
-            <a:normAutofit/>
-          </a:bodyPr>
+            <a:off x="913794" y="4295180"/>
+            <a:ext cx="10353763" cy="1501826"/>
+          </a:xfrm>
+        </p:spPr>
+        <p:txBody>
+          <a:bodyPr anchor="ctr"/>
           <a:lstStyle>
-            <a:lvl1pPr marL="0" indent="0">
-              <a:buNone/>
-              <a:defRPr sz="1800"/>
+            <a:lvl1pPr marL="0" indent="0" algn="ctr">
+              <a:buNone/>
+              <a:defRPr sz="1600"/>
             </a:lvl1pPr>
             <a:lvl2pPr marL="457200" indent="0">
               <a:buNone/>
-              <a:defRPr sz="1200"/>
+              <a:defRPr sz="1400"/>
             </a:lvl2pPr>
             <a:lvl3pPr marL="914400" indent="0">
               <a:buNone/>
-              <a:defRPr sz="1000"/>
+              <a:defRPr sz="1200"/>
             </a:lvl3pPr>
             <a:lvl4pPr marL="1371600" indent="0">
               <a:buNone/>
-              <a:defRPr sz="900"/>
+              <a:defRPr sz="1000"/>
             </a:lvl4pPr>
             <a:lvl5pPr marL="1828800" indent="0">
               <a:buNone/>
-              <a:defRPr sz="900"/>
+              <a:defRPr sz="1000"/>
             </a:lvl5pPr>
             <a:lvl6pPr marL="2286000" indent="0">
               <a:buNone/>
-              <a:defRPr sz="900"/>
+              <a:defRPr sz="1000"/>
             </a:lvl6pPr>
             <a:lvl7pPr marL="2743200" indent="0">
               <a:buNone/>
-              <a:defRPr sz="900"/>
+              <a:defRPr sz="1000"/>
             </a:lvl7pPr>
             <a:lvl8pPr marL="3200400" indent="0">
               <a:buNone/>
-              <a:defRPr sz="900"/>
+              <a:defRPr sz="1000"/>
             </a:lvl8pPr>
             <a:lvl9pPr marL="3657600" indent="0">
               <a:buNone/>
-              <a:defRPr sz="900"/>
+              <a:defRPr sz="1000"/>
             </a:lvl9pPr>
           </a:lstStyle>
           <a:p>
@@ -758,7 +784,7 @@
       </p:sp>
       <p:sp>
         <p:nvSpPr>
-          <p:cNvPr id="4" name="Date Placeholder 3"/>
+          <p:cNvPr id="5" name="Date Placeholder 4"/>
           <p:cNvSpPr>
             <a:spLocks noGrp="1"/>
           </p:cNvSpPr>
@@ -774,7 +800,7 @@
             <a:fld id="{48A87A34-81AB-432B-8DAE-1953F412C126}" type="datetimeFigureOut">
               <a:rPr lang="en-US" smtClean="0"/>
               <a:pPr/>
-              <a:t>4/24/2017</a:t>
+              <a:t>4/25/2017</a:t>
             </a:fld>
             <a:endParaRPr lang="en-US" dirty="0"/>
           </a:p>
@@ -782,7 +808,7 @@
       </p:sp>
       <p:sp>
         <p:nvSpPr>
-          <p:cNvPr id="5" name="Footer Placeholder 4"/>
+          <p:cNvPr id="6" name="Footer Placeholder 5"/>
           <p:cNvSpPr>
             <a:spLocks noGrp="1"/>
           </p:cNvSpPr>
@@ -801,7 +827,7 @@
       </p:sp>
       <p:sp>
         <p:nvSpPr>
-          <p:cNvPr id="6" name="Slide Number Placeholder 5"/>
+          <p:cNvPr id="7" name="Slide Number Placeholder 6"/>
           <p:cNvSpPr>
             <a:spLocks noGrp="1"/>
           </p:cNvSpPr>
@@ -826,7 +852,7 @@
     </p:spTree>
     <p:extLst>
       <p:ext uri="{BB962C8B-B14F-4D97-AF65-F5344CB8AC3E}">
-        <p14:creationId xmlns:p14="http://schemas.microsoft.com/office/powerpoint/2010/main" val="3539962206"/>
+        <p14:creationId xmlns:p14="http://schemas.microsoft.com/office/powerpoint/2010/main" val="1276178989"/>
       </p:ext>
     </p:extLst>
   </p:cSld>
@@ -865,15 +891,15 @@
         </p:nvSpPr>
         <p:spPr>
           <a:xfrm>
-            <a:off x="1574801" y="1447800"/>
-            <a:ext cx="7999315" cy="2323374"/>
-          </a:xfrm>
-        </p:spPr>
-        <p:txBody>
-          <a:bodyPr/>
+            <a:off x="1446212" y="609600"/>
+            <a:ext cx="9302752" cy="2992904"/>
+          </a:xfrm>
+        </p:spPr>
+        <p:txBody>
+          <a:bodyPr anchor="ctr"/>
           <a:lstStyle>
             <a:lvl1pPr>
-              <a:defRPr sz="4800"/>
+              <a:defRPr sz="3200"/>
             </a:lvl1pPr>
           </a:lstStyle>
           <a:p>
@@ -887,76 +913,64 @@
       </p:sp>
       <p:sp>
         <p:nvSpPr>
-          <p:cNvPr id="11" name="Text Placeholder 3"/>
-          <p:cNvSpPr>
-            <a:spLocks noGrp="1"/>
-          </p:cNvSpPr>
-          <p:nvPr>
-            <p:ph type="body" sz="half" idx="14"/>
+          <p:cNvPr id="12" name="Text Placeholder 3"/>
+          <p:cNvSpPr>
+            <a:spLocks noGrp="1"/>
+          </p:cNvSpPr>
+          <p:nvPr>
+            <p:ph type="body" sz="half" idx="13"/>
           </p:nvPr>
         </p:nvSpPr>
         <p:spPr>
           <a:xfrm>
-            <a:off x="1930400" y="3771174"/>
-            <a:ext cx="7279649" cy="342174"/>
-          </a:xfrm>
-        </p:spPr>
-        <p:txBody>
-          <a:bodyPr vert="horz" lIns="91440" tIns="45720" rIns="91440" bIns="45720" rtlCol="0" anchor="t">
+            <a:off x="1720644" y="3610032"/>
+            <a:ext cx="8752299" cy="532749"/>
+          </a:xfrm>
+        </p:spPr>
+        <p:txBody>
+          <a:bodyPr anchor="t">
             <a:normAutofit/>
           </a:bodyPr>
           <a:lstStyle>
-            <a:lvl1pPr marL="0" indent="0">
-              <a:buNone/>
-              <a:defRPr lang="en-US" sz="1400" b="0" i="0" kern="1200" cap="small" dirty="0">
-                <a:solidFill>
-                  <a:schemeClr val="bg2">
-                    <a:lumMod val="40000"/>
-                    <a:lumOff val="60000"/>
-                  </a:schemeClr>
-                </a:solidFill>
-                <a:latin typeface="+mj-lt"/>
-                <a:ea typeface="+mj-ea"/>
-                <a:cs typeface="+mj-cs"/>
-              </a:defRPr>
+            <a:lvl1pPr marL="0" indent="0" algn="r">
+              <a:buNone/>
+              <a:defRPr sz="1400"/>
             </a:lvl1pPr>
             <a:lvl2pPr marL="457200" indent="0">
               <a:buNone/>
-              <a:defRPr sz="1200"/>
+              <a:defRPr sz="1400"/>
             </a:lvl2pPr>
             <a:lvl3pPr marL="914400" indent="0">
               <a:buNone/>
-              <a:defRPr sz="1000"/>
+              <a:defRPr sz="1200"/>
             </a:lvl3pPr>
             <a:lvl4pPr marL="1371600" indent="0">
               <a:buNone/>
-              <a:defRPr sz="900"/>
+              <a:defRPr sz="1000"/>
             </a:lvl4pPr>
             <a:lvl5pPr marL="1828800" indent="0">
               <a:buNone/>
-              <a:defRPr sz="900"/>
+              <a:defRPr sz="1000"/>
             </a:lvl5pPr>
             <a:lvl6pPr marL="2286000" indent="0">
               <a:buNone/>
-              <a:defRPr sz="900"/>
+              <a:defRPr sz="1000"/>
             </a:lvl6pPr>
             <a:lvl7pPr marL="2743200" indent="0">
               <a:buNone/>
-              <a:defRPr sz="900"/>
+              <a:defRPr sz="1000"/>
             </a:lvl7pPr>
             <a:lvl8pPr marL="3200400" indent="0">
               <a:buNone/>
-              <a:defRPr sz="900"/>
+              <a:defRPr sz="1000"/>
             </a:lvl8pPr>
             <a:lvl9pPr marL="3657600" indent="0">
               <a:buNone/>
-              <a:defRPr sz="900"/>
+              <a:defRPr sz="1000"/>
             </a:lvl9pPr>
           </a:lstStyle>
           <a:p>
-            <a:pPr marL="0" lvl="0" indent="0">
-              <a:buNone/>
-            </a:pPr>
+            <a:pPr lvl="0"/>
             <a:r>
               <a:rPr lang="en-US" smtClean="0"/>
               <a:t>Edit Master text styles</a:t>
@@ -966,7 +980,7 @@
       </p:sp>
       <p:sp>
         <p:nvSpPr>
-          <p:cNvPr id="10" name="Text Placeholder 3"/>
+          <p:cNvPr id="4" name="Text Placeholder 3"/>
           <p:cNvSpPr>
             <a:spLocks noGrp="1"/>
           </p:cNvSpPr>
@@ -976,8 +990,8 @@
         </p:nvSpPr>
         <p:spPr>
           <a:xfrm>
-            <a:off x="1154954" y="4350657"/>
-            <a:ext cx="8825659" cy="1676400"/>
+            <a:off x="913794" y="4304353"/>
+            <a:ext cx="10353763" cy="1489496"/>
           </a:xfrm>
         </p:spPr>
         <p:txBody>
@@ -985,41 +999,41 @@
             <a:normAutofit/>
           </a:bodyPr>
           <a:lstStyle>
-            <a:lvl1pPr marL="0" indent="0">
-              <a:buNone/>
-              <a:defRPr sz="1800"/>
+            <a:lvl1pPr marL="0" indent="0" algn="ctr">
+              <a:buNone/>
+              <a:defRPr sz="1600"/>
             </a:lvl1pPr>
             <a:lvl2pPr marL="457200" indent="0">
               <a:buNone/>
-              <a:defRPr sz="1200"/>
+              <a:defRPr sz="1400"/>
             </a:lvl2pPr>
             <a:lvl3pPr marL="914400" indent="0">
               <a:buNone/>
-              <a:defRPr sz="1000"/>
+              <a:defRPr sz="1200"/>
             </a:lvl3pPr>
             <a:lvl4pPr marL="1371600" indent="0">
               <a:buNone/>
-              <a:defRPr sz="900"/>
+              <a:defRPr sz="1000"/>
             </a:lvl4pPr>
             <a:lvl5pPr marL="1828800" indent="0">
               <a:buNone/>
-              <a:defRPr sz="900"/>
+              <a:defRPr sz="1000"/>
             </a:lvl5pPr>
             <a:lvl6pPr marL="2286000" indent="0">
               <a:buNone/>
-              <a:defRPr sz="900"/>
+              <a:defRPr sz="1000"/>
             </a:lvl6pPr>
             <a:lvl7pPr marL="2743200" indent="0">
               <a:buNone/>
-              <a:defRPr sz="900"/>
+              <a:defRPr sz="1000"/>
             </a:lvl7pPr>
             <a:lvl8pPr marL="3200400" indent="0">
               <a:buNone/>
-              <a:defRPr sz="900"/>
+              <a:defRPr sz="1000"/>
             </a:lvl8pPr>
             <a:lvl9pPr marL="3657600" indent="0">
               <a:buNone/>
-              <a:defRPr sz="900"/>
+              <a:defRPr sz="1000"/>
             </a:lvl9pPr>
           </a:lstStyle>
           <a:p>
@@ -1033,7 +1047,7 @@
       </p:sp>
       <p:sp>
         <p:nvSpPr>
-          <p:cNvPr id="4" name="Date Placeholder 3"/>
+          <p:cNvPr id="5" name="Date Placeholder 4"/>
           <p:cNvSpPr>
             <a:spLocks noGrp="1"/>
           </p:cNvSpPr>
@@ -1049,7 +1063,7 @@
             <a:fld id="{48A87A34-81AB-432B-8DAE-1953F412C126}" type="datetimeFigureOut">
               <a:rPr lang="en-US" smtClean="0"/>
               <a:pPr/>
-              <a:t>4/24/2017</a:t>
+              <a:t>4/25/2017</a:t>
             </a:fld>
             <a:endParaRPr lang="en-US" dirty="0"/>
           </a:p>
@@ -1057,7 +1071,7 @@
       </p:sp>
       <p:sp>
         <p:nvSpPr>
-          <p:cNvPr id="5" name="Footer Placeholder 4"/>
+          <p:cNvPr id="6" name="Footer Placeholder 5"/>
           <p:cNvSpPr>
             <a:spLocks noGrp="1"/>
           </p:cNvSpPr>
@@ -1076,7 +1090,7 @@
       </p:sp>
       <p:sp>
         <p:nvSpPr>
-          <p:cNvPr id="6" name="Slide Number Placeholder 5"/>
+          <p:cNvPr id="7" name="Slide Number Placeholder 6"/>
           <p:cNvSpPr>
             <a:spLocks noGrp="1"/>
           </p:cNvSpPr>
@@ -1100,46 +1114,115 @@
       </p:sp>
       <p:sp>
         <p:nvSpPr>
-          <p:cNvPr id="12" name="TextBox 11"/>
+          <p:cNvPr id="11" name="TextBox 10"/>
           <p:cNvSpPr txBox="1"/>
           <p:nvPr/>
         </p:nvSpPr>
         <p:spPr>
           <a:xfrm>
-            <a:off x="898295" y="971253"/>
-            <a:ext cx="801912" cy="1969770"/>
+            <a:off x="990600" y="884796"/>
+            <a:ext cx="609600" cy="584776"/>
           </a:xfrm>
           <a:prstGeom prst="rect">
             <a:avLst/>
           </a:prstGeom>
-          <a:noFill/>
-        </p:spPr>
-        <p:txBody>
-          <a:bodyPr wrap="square" rtlCol="0">
-            <a:spAutoFit/>
+        </p:spPr>
+        <p:txBody>
+          <a:bodyPr vert="horz" lIns="91440" tIns="45720" rIns="91440" bIns="45720" rtlCol="0" anchor="ctr">
+            <a:noAutofit/>
           </a:bodyPr>
           <a:lstStyle>
-            <a:defPPr>
-              <a:defRPr lang="en-US"/>
-            </a:defPPr>
-            <a:lvl1pPr algn="r">
-              <a:defRPr sz="12200" b="0" i="0">
-                <a:solidFill>
-                  <a:schemeClr val="bg2">
-                    <a:lumMod val="40000"/>
-                    <a:lumOff val="60000"/>
-                  </a:schemeClr>
-                </a:solidFill>
-                <a:latin typeface="Arial"/>
-                <a:ea typeface="+mj-ea"/>
-                <a:cs typeface="+mj-cs"/>
+            <a:lvl1pPr>
+              <a:spcBef>
+                <a:spcPct val="0"/>
+              </a:spcBef>
+              <a:buNone/>
+              <a:defRPr sz="3200" b="0" cap="all">
+                <a:ln w="3175" cmpd="sng">
+                  <a:noFill/>
+                </a:ln>
+                <a:effectLst>
+                  <a:glow rad="38100">
+                    <a:schemeClr val="bg1">
+                      <a:lumMod val="65000"/>
+                      <a:lumOff val="35000"/>
+                      <a:alpha val="40000"/>
+                    </a:schemeClr>
+                  </a:glow>
+                  <a:outerShdw blurRad="28575" dist="38100" dir="14040000" algn="tl" rotWithShape="0">
+                    <a:srgbClr val="000000">
+                      <a:alpha val="25000"/>
+                    </a:srgbClr>
+                  </a:outerShdw>
+                </a:effectLst>
               </a:defRPr>
             </a:lvl1pPr>
+            <a:lvl2pPr>
+              <a:defRPr>
+                <a:solidFill>
+                  <a:schemeClr val="tx2"/>
+                </a:solidFill>
+              </a:defRPr>
+            </a:lvl2pPr>
+            <a:lvl3pPr>
+              <a:defRPr>
+                <a:solidFill>
+                  <a:schemeClr val="tx2"/>
+                </a:solidFill>
+              </a:defRPr>
+            </a:lvl3pPr>
+            <a:lvl4pPr>
+              <a:defRPr>
+                <a:solidFill>
+                  <a:schemeClr val="tx2"/>
+                </a:solidFill>
+              </a:defRPr>
+            </a:lvl4pPr>
+            <a:lvl5pPr>
+              <a:defRPr>
+                <a:solidFill>
+                  <a:schemeClr val="tx2"/>
+                </a:solidFill>
+              </a:defRPr>
+            </a:lvl5pPr>
+            <a:lvl6pPr>
+              <a:defRPr>
+                <a:solidFill>
+                  <a:schemeClr val="tx2"/>
+                </a:solidFill>
+              </a:defRPr>
+            </a:lvl6pPr>
+            <a:lvl7pPr>
+              <a:defRPr>
+                <a:solidFill>
+                  <a:schemeClr val="tx2"/>
+                </a:solidFill>
+              </a:defRPr>
+            </a:lvl7pPr>
+            <a:lvl8pPr>
+              <a:defRPr>
+                <a:solidFill>
+                  <a:schemeClr val="tx2"/>
+                </a:solidFill>
+              </a:defRPr>
+            </a:lvl8pPr>
+            <a:lvl9pPr>
+              <a:defRPr>
+                <a:solidFill>
+                  <a:schemeClr val="tx2"/>
+                </a:solidFill>
+              </a:defRPr>
+            </a:lvl9pPr>
           </a:lstStyle>
           <a:p>
             <a:pPr lvl="0"/>
             <a:r>
-              <a:rPr lang="en-US" dirty="0"/>
+              <a:rPr lang="en-US" sz="8000" dirty="0">
+                <a:solidFill>
+                  <a:schemeClr val="tx1"/>
+                </a:solidFill>
+                <a:effectLst/>
+              </a:rPr>
               <a:t>“</a:t>
             </a:r>
           </a:p>
@@ -1147,46 +1230,115 @@
       </p:sp>
       <p:sp>
         <p:nvSpPr>
-          <p:cNvPr id="15" name="TextBox 14"/>
+          <p:cNvPr id="13" name="TextBox 12"/>
           <p:cNvSpPr txBox="1"/>
           <p:nvPr/>
         </p:nvSpPr>
         <p:spPr>
           <a:xfrm>
-            <a:off x="9330490" y="2613787"/>
-            <a:ext cx="801912" cy="1969770"/>
+            <a:off x="10504716" y="2928258"/>
+            <a:ext cx="609600" cy="584776"/>
           </a:xfrm>
           <a:prstGeom prst="rect">
             <a:avLst/>
           </a:prstGeom>
-          <a:noFill/>
-        </p:spPr>
-        <p:txBody>
-          <a:bodyPr wrap="square" rtlCol="0">
-            <a:spAutoFit/>
+        </p:spPr>
+        <p:txBody>
+          <a:bodyPr vert="horz" lIns="91440" tIns="45720" rIns="91440" bIns="45720" rtlCol="0" anchor="ctr">
+            <a:noAutofit/>
           </a:bodyPr>
           <a:lstStyle>
-            <a:defPPr>
-              <a:defRPr lang="en-US"/>
-            </a:defPPr>
-            <a:lvl1pPr algn="r">
-              <a:defRPr sz="12200" b="0" i="0">
-                <a:solidFill>
-                  <a:schemeClr val="bg2">
-                    <a:lumMod val="40000"/>
-                    <a:lumOff val="60000"/>
-                  </a:schemeClr>
-                </a:solidFill>
-                <a:latin typeface="Arial"/>
-                <a:ea typeface="+mj-ea"/>
-                <a:cs typeface="+mj-cs"/>
+            <a:lvl1pPr>
+              <a:spcBef>
+                <a:spcPct val="0"/>
+              </a:spcBef>
+              <a:buNone/>
+              <a:defRPr sz="3200" b="0" cap="all">
+                <a:ln w="3175" cmpd="sng">
+                  <a:noFill/>
+                </a:ln>
+                <a:effectLst>
+                  <a:glow rad="38100">
+                    <a:schemeClr val="bg1">
+                      <a:lumMod val="65000"/>
+                      <a:lumOff val="35000"/>
+                      <a:alpha val="40000"/>
+                    </a:schemeClr>
+                  </a:glow>
+                  <a:outerShdw blurRad="28575" dist="38100" dir="14040000" algn="tl" rotWithShape="0">
+                    <a:srgbClr val="000000">
+                      <a:alpha val="25000"/>
+                    </a:srgbClr>
+                  </a:outerShdw>
+                </a:effectLst>
               </a:defRPr>
             </a:lvl1pPr>
+            <a:lvl2pPr>
+              <a:defRPr>
+                <a:solidFill>
+                  <a:schemeClr val="tx2"/>
+                </a:solidFill>
+              </a:defRPr>
+            </a:lvl2pPr>
+            <a:lvl3pPr>
+              <a:defRPr>
+                <a:solidFill>
+                  <a:schemeClr val="tx2"/>
+                </a:solidFill>
+              </a:defRPr>
+            </a:lvl3pPr>
+            <a:lvl4pPr>
+              <a:defRPr>
+                <a:solidFill>
+                  <a:schemeClr val="tx2"/>
+                </a:solidFill>
+              </a:defRPr>
+            </a:lvl4pPr>
+            <a:lvl5pPr>
+              <a:defRPr>
+                <a:solidFill>
+                  <a:schemeClr val="tx2"/>
+                </a:solidFill>
+              </a:defRPr>
+            </a:lvl5pPr>
+            <a:lvl6pPr>
+              <a:defRPr>
+                <a:solidFill>
+                  <a:schemeClr val="tx2"/>
+                </a:solidFill>
+              </a:defRPr>
+            </a:lvl6pPr>
+            <a:lvl7pPr>
+              <a:defRPr>
+                <a:solidFill>
+                  <a:schemeClr val="tx2"/>
+                </a:solidFill>
+              </a:defRPr>
+            </a:lvl7pPr>
+            <a:lvl8pPr>
+              <a:defRPr>
+                <a:solidFill>
+                  <a:schemeClr val="tx2"/>
+                </a:solidFill>
+              </a:defRPr>
+            </a:lvl8pPr>
+            <a:lvl9pPr>
+              <a:defRPr>
+                <a:solidFill>
+                  <a:schemeClr val="tx2"/>
+                </a:solidFill>
+              </a:defRPr>
+            </a:lvl9pPr>
           </a:lstStyle>
           <a:p>
-            <a:pPr lvl="0"/>
-            <a:r>
-              <a:rPr lang="en-US" dirty="0"/>
+            <a:pPr lvl="0" algn="r"/>
+            <a:r>
+              <a:rPr lang="en-US" sz="8000" dirty="0">
+                <a:solidFill>
+                  <a:schemeClr val="tx1"/>
+                </a:solidFill>
+                <a:effectLst/>
+              </a:rPr>
               <a:t>”</a:t>
             </a:r>
           </a:p>
@@ -1195,7 +1347,7 @@
     </p:spTree>
     <p:extLst>
       <p:ext uri="{BB962C8B-B14F-4D97-AF65-F5344CB8AC3E}">
-        <p14:creationId xmlns:p14="http://schemas.microsoft.com/office/powerpoint/2010/main" val="3026889683"/>
+        <p14:creationId xmlns:p14="http://schemas.microsoft.com/office/powerpoint/2010/main" val="3791421050"/>
       </p:ext>
     </p:extLst>
   </p:cSld>
@@ -1234,15 +1386,15 @@
         </p:nvSpPr>
         <p:spPr>
           <a:xfrm>
-            <a:off x="1154954" y="3124201"/>
-            <a:ext cx="8825660" cy="1653180"/>
+            <a:off x="913794" y="2126942"/>
+            <a:ext cx="10353763" cy="2511835"/>
           </a:xfrm>
         </p:spPr>
         <p:txBody>
           <a:bodyPr anchor="b"/>
           <a:lstStyle>
-            <a:lvl1pPr algn="l">
-              <a:defRPr sz="4000" b="0" cap="none"/>
+            <a:lvl1pPr>
+              <a:defRPr sz="3200"/>
             </a:lvl1pPr>
           </a:lstStyle>
           <a:p>
@@ -1256,113 +1408,58 @@
       </p:sp>
       <p:sp>
         <p:nvSpPr>
-          <p:cNvPr id="3" name="Text Placeholder 2"/>
-          <p:cNvSpPr>
-            <a:spLocks noGrp="1"/>
-          </p:cNvSpPr>
-          <p:nvPr>
-            <p:ph type="body" idx="1"/>
+          <p:cNvPr id="4" name="Text Placeholder 3"/>
+          <p:cNvSpPr>
+            <a:spLocks noGrp="1"/>
+          </p:cNvSpPr>
+          <p:nvPr>
+            <p:ph type="body" sz="half" idx="2"/>
           </p:nvPr>
         </p:nvSpPr>
         <p:spPr>
           <a:xfrm>
-            <a:off x="1154954" y="4777381"/>
-            <a:ext cx="8825659" cy="860400"/>
+            <a:off x="913784" y="4650556"/>
+            <a:ext cx="10352199" cy="1140644"/>
           </a:xfrm>
         </p:spPr>
         <p:txBody>
           <a:bodyPr anchor="t"/>
           <a:lstStyle>
-            <a:lvl1pPr marL="0" indent="0" algn="l">
-              <a:buNone/>
-              <a:defRPr sz="2000" cap="none">
-                <a:solidFill>
-                  <a:schemeClr val="bg2">
-                    <a:lumMod val="40000"/>
-                    <a:lumOff val="60000"/>
-                  </a:schemeClr>
-                </a:solidFill>
-              </a:defRPr>
+            <a:lvl1pPr marL="0" indent="0" algn="ctr">
+              <a:buNone/>
+              <a:defRPr sz="1600"/>
             </a:lvl1pPr>
             <a:lvl2pPr marL="457200" indent="0">
               <a:buNone/>
-              <a:defRPr sz="1800">
-                <a:solidFill>
-                  <a:schemeClr val="tx1">
-                    <a:tint val="75000"/>
-                  </a:schemeClr>
-                </a:solidFill>
-              </a:defRPr>
+              <a:defRPr sz="1400"/>
             </a:lvl2pPr>
             <a:lvl3pPr marL="914400" indent="0">
               <a:buNone/>
-              <a:defRPr sz="1600">
-                <a:solidFill>
-                  <a:schemeClr val="tx1">
-                    <a:tint val="75000"/>
-                  </a:schemeClr>
-                </a:solidFill>
-              </a:defRPr>
+              <a:defRPr sz="1200"/>
             </a:lvl3pPr>
             <a:lvl4pPr marL="1371600" indent="0">
               <a:buNone/>
-              <a:defRPr sz="1400">
-                <a:solidFill>
-                  <a:schemeClr val="tx1">
-                    <a:tint val="75000"/>
-                  </a:schemeClr>
-                </a:solidFill>
-              </a:defRPr>
+              <a:defRPr sz="1000"/>
             </a:lvl4pPr>
             <a:lvl5pPr marL="1828800" indent="0">
               <a:buNone/>
-              <a:defRPr sz="1400">
-                <a:solidFill>
-                  <a:schemeClr val="tx1">
-                    <a:tint val="75000"/>
-                  </a:schemeClr>
-                </a:solidFill>
-              </a:defRPr>
+              <a:defRPr sz="1000"/>
             </a:lvl5pPr>
             <a:lvl6pPr marL="2286000" indent="0">
               <a:buNone/>
-              <a:defRPr sz="1400">
-                <a:solidFill>
-                  <a:schemeClr val="tx1">
-                    <a:tint val="75000"/>
-                  </a:schemeClr>
-                </a:solidFill>
-              </a:defRPr>
+              <a:defRPr sz="1000"/>
             </a:lvl6pPr>
             <a:lvl7pPr marL="2743200" indent="0">
               <a:buNone/>
-              <a:defRPr sz="1400">
-                <a:solidFill>
-                  <a:schemeClr val="tx1">
-                    <a:tint val="75000"/>
-                  </a:schemeClr>
-                </a:solidFill>
-              </a:defRPr>
+              <a:defRPr sz="1000"/>
             </a:lvl7pPr>
             <a:lvl8pPr marL="3200400" indent="0">
               <a:buNone/>
-              <a:defRPr sz="1400">
-                <a:solidFill>
-                  <a:schemeClr val="tx1">
-                    <a:tint val="75000"/>
-                  </a:schemeClr>
-                </a:solidFill>
-              </a:defRPr>
+              <a:defRPr sz="1000"/>
             </a:lvl8pPr>
             <a:lvl9pPr marL="3657600" indent="0">
               <a:buNone/>
-              <a:defRPr sz="1400">
-                <a:solidFill>
-                  <a:schemeClr val="tx1">
-                    <a:tint val="75000"/>
-                  </a:schemeClr>
-                </a:solidFill>
-              </a:defRPr>
+              <a:defRPr sz="1000"/>
             </a:lvl9pPr>
           </a:lstStyle>
           <a:p>
@@ -1376,7 +1473,7 @@
       </p:sp>
       <p:sp>
         <p:nvSpPr>
-          <p:cNvPr id="4" name="Date Placeholder 3"/>
+          <p:cNvPr id="5" name="Date Placeholder 4"/>
           <p:cNvSpPr>
             <a:spLocks noGrp="1"/>
           </p:cNvSpPr>
@@ -1392,7 +1489,7 @@
             <a:fld id="{48A87A34-81AB-432B-8DAE-1953F412C126}" type="datetimeFigureOut">
               <a:rPr lang="en-US" smtClean="0"/>
               <a:pPr/>
-              <a:t>4/24/2017</a:t>
+              <a:t>4/25/2017</a:t>
             </a:fld>
             <a:endParaRPr lang="en-US" dirty="0"/>
           </a:p>
@@ -1400,7 +1497,7 @@
       </p:sp>
       <p:sp>
         <p:nvSpPr>
-          <p:cNvPr id="5" name="Footer Placeholder 4"/>
+          <p:cNvPr id="6" name="Footer Placeholder 5"/>
           <p:cNvSpPr>
             <a:spLocks noGrp="1"/>
           </p:cNvSpPr>
@@ -1419,7 +1516,7 @@
       </p:sp>
       <p:sp>
         <p:nvSpPr>
-          <p:cNvPr id="6" name="Slide Number Placeholder 5"/>
+          <p:cNvPr id="7" name="Slide Number Placeholder 6"/>
           <p:cNvSpPr>
             <a:spLocks noGrp="1"/>
           </p:cNvSpPr>
@@ -1444,7 +1541,7 @@
     </p:spTree>
     <p:extLst>
       <p:ext uri="{BB962C8B-B14F-4D97-AF65-F5344CB8AC3E}">
-        <p14:creationId xmlns:p14="http://schemas.microsoft.com/office/powerpoint/2010/main" val="3500627668"/>
+        <p14:creationId xmlns:p14="http://schemas.microsoft.com/office/powerpoint/2010/main" val="1120743783"/>
       </p:ext>
     </p:extLst>
   </p:cSld>
@@ -1473,45 +1570,46 @@
       </p:grpSpPr>
       <p:sp>
         <p:nvSpPr>
-          <p:cNvPr id="2" name="Title 1"/>
+          <p:cNvPr id="15" name="Title 1"/>
           <p:cNvSpPr>
             <a:spLocks noGrp="1"/>
           </p:cNvSpPr>
           <p:nvPr>
             <p:ph type="title"/>
-          </p:nvPr>
-        </p:nvSpPr>
-        <p:spPr/>
-        <p:txBody>
-          <a:bodyPr/>
-          <a:lstStyle>
-            <a:lvl1pPr>
-              <a:defRPr sz="4200"/>
-            </a:lvl1pPr>
-          </a:lstStyle>
-          <a:p>
-            <a:r>
-              <a:rPr lang="en-US" smtClean="0"/>
-              <a:t>Click to edit Master title style</a:t>
-            </a:r>
-            <a:endParaRPr lang="en-US" dirty="0"/>
-          </a:p>
-        </p:txBody>
-      </p:sp>
-      <p:sp>
-        <p:nvSpPr>
-          <p:cNvPr id="3" name="Text Placeholder 2"/>
-          <p:cNvSpPr>
-            <a:spLocks noGrp="1"/>
-          </p:cNvSpPr>
-          <p:nvPr>
-            <p:ph type="body" idx="1"/>
           </p:nvPr>
         </p:nvSpPr>
         <p:spPr>
           <a:xfrm>
-            <a:off x="632947" y="1981200"/>
-            <a:ext cx="2946866" cy="576262"/>
+            <a:off x="913795" y="609600"/>
+            <a:ext cx="10353762" cy="970450"/>
+          </a:xfrm>
+        </p:spPr>
+        <p:txBody>
+          <a:bodyPr/>
+          <a:lstStyle/>
+          <a:p>
+            <a:r>
+              <a:rPr lang="en-US" smtClean="0"/>
+              <a:t>Click to edit Master title style</a:t>
+            </a:r>
+            <a:endParaRPr lang="en-US" dirty="0"/>
+          </a:p>
+        </p:txBody>
+      </p:sp>
+      <p:sp>
+        <p:nvSpPr>
+          <p:cNvPr id="7" name="Text Placeholder 2"/>
+          <p:cNvSpPr>
+            <a:spLocks noGrp="1"/>
+          </p:cNvSpPr>
+          <p:nvPr>
+            <p:ph type="body" idx="1"/>
+          </p:nvPr>
+        </p:nvSpPr>
+        <p:spPr>
+          <a:xfrm>
+            <a:off x="913795" y="1885950"/>
+            <a:ext cx="3300984" cy="576262"/>
           </a:xfrm>
         </p:spPr>
         <p:txBody>
@@ -1519,14 +1617,11 @@
             <a:noAutofit/>
           </a:bodyPr>
           <a:lstStyle>
-            <a:lvl1pPr marL="0" indent="0">
+            <a:lvl1pPr marL="0" indent="0" algn="ctr">
               <a:buNone/>
               <a:defRPr sz="2400" b="0">
                 <a:solidFill>
-                  <a:schemeClr val="bg2">
-                    <a:lumMod val="40000"/>
-                    <a:lumOff val="60000"/>
-                  </a:schemeClr>
+                  <a:schemeClr val="tx1"/>
                 </a:solidFill>
               </a:defRPr>
             </a:lvl1pPr>
@@ -1574,7 +1669,7 @@
       </p:sp>
       <p:sp>
         <p:nvSpPr>
-          <p:cNvPr id="16" name="Text Placeholder 3"/>
+          <p:cNvPr id="8" name="Text Placeholder 3"/>
           <p:cNvSpPr>
             <a:spLocks noGrp="1"/>
           </p:cNvSpPr>
@@ -1584,8 +1679,8 @@
         </p:nvSpPr>
         <p:spPr>
           <a:xfrm>
-            <a:off x="652463" y="2667000"/>
-            <a:ext cx="2927350" cy="3589338"/>
+            <a:off x="913795" y="2571750"/>
+            <a:ext cx="3300984" cy="3219450"/>
           </a:xfrm>
         </p:spPr>
         <p:txBody>
@@ -1593,7 +1688,7 @@
             <a:normAutofit/>
           </a:bodyPr>
           <a:lstStyle>
-            <a:lvl1pPr marL="0" indent="0">
+            <a:lvl1pPr marL="0" indent="0" algn="ctr">
               <a:buNone/>
               <a:defRPr sz="1400"/>
             </a:lvl1pPr>
@@ -1641,7 +1736,7 @@
       </p:sp>
       <p:sp>
         <p:nvSpPr>
-          <p:cNvPr id="5" name="Text Placeholder 4"/>
+          <p:cNvPr id="9" name="Text Placeholder 4"/>
           <p:cNvSpPr>
             <a:spLocks noGrp="1"/>
           </p:cNvSpPr>
@@ -1651,8 +1746,8 @@
         </p:nvSpPr>
         <p:spPr>
           <a:xfrm>
-            <a:off x="3883659" y="1981200"/>
-            <a:ext cx="2936241" cy="576262"/>
+            <a:off x="4446711" y="1885950"/>
+            <a:ext cx="3300984" cy="576262"/>
           </a:xfrm>
         </p:spPr>
         <p:txBody>
@@ -1660,14 +1755,11 @@
             <a:noAutofit/>
           </a:bodyPr>
           <a:lstStyle>
-            <a:lvl1pPr marL="0" indent="0">
+            <a:lvl1pPr marL="0" indent="0" algn="ctr">
               <a:buNone/>
               <a:defRPr sz="2400" b="0">
                 <a:solidFill>
-                  <a:schemeClr val="bg2">
-                    <a:lumMod val="40000"/>
-                    <a:lumOff val="60000"/>
-                  </a:schemeClr>
+                  <a:schemeClr val="tx1"/>
                 </a:solidFill>
               </a:defRPr>
             </a:lvl1pPr>
@@ -1715,7 +1807,7 @@
       </p:sp>
       <p:sp>
         <p:nvSpPr>
-          <p:cNvPr id="19" name="Text Placeholder 3"/>
+          <p:cNvPr id="10" name="Text Placeholder 3"/>
           <p:cNvSpPr>
             <a:spLocks noGrp="1"/>
           </p:cNvSpPr>
@@ -1725,8 +1817,8 @@
         </p:nvSpPr>
         <p:spPr>
           <a:xfrm>
-            <a:off x="3873106" y="2667000"/>
-            <a:ext cx="2946794" cy="3589338"/>
+            <a:off x="4441435" y="2571750"/>
+            <a:ext cx="3300984" cy="3219450"/>
           </a:xfrm>
         </p:spPr>
         <p:txBody>
@@ -1734,7 +1826,7 @@
             <a:normAutofit/>
           </a:bodyPr>
           <a:lstStyle>
-            <a:lvl1pPr marL="0" indent="0">
+            <a:lvl1pPr marL="0" indent="0" algn="ctr">
               <a:buNone/>
               <a:defRPr sz="1400"/>
             </a:lvl1pPr>
@@ -1782,7 +1874,7 @@
       </p:sp>
       <p:sp>
         <p:nvSpPr>
-          <p:cNvPr id="14" name="Text Placeholder 4"/>
+          <p:cNvPr id="11" name="Text Placeholder 4"/>
           <p:cNvSpPr>
             <a:spLocks noGrp="1"/>
           </p:cNvSpPr>
@@ -1792,8 +1884,8 @@
         </p:nvSpPr>
         <p:spPr>
           <a:xfrm>
-            <a:off x="7124700" y="1981200"/>
-            <a:ext cx="2932113" cy="576262"/>
+            <a:off x="7966572" y="1885950"/>
+            <a:ext cx="3300984" cy="576262"/>
           </a:xfrm>
         </p:spPr>
         <p:txBody>
@@ -1801,14 +1893,11 @@
             <a:noAutofit/>
           </a:bodyPr>
           <a:lstStyle>
-            <a:lvl1pPr marL="0" indent="0">
+            <a:lvl1pPr marL="0" indent="0" algn="ctr">
               <a:buNone/>
               <a:defRPr sz="2400" b="0">
                 <a:solidFill>
-                  <a:schemeClr val="bg2">
-                    <a:lumMod val="40000"/>
-                    <a:lumOff val="60000"/>
-                  </a:schemeClr>
+                  <a:schemeClr val="tx1"/>
                 </a:solidFill>
               </a:defRPr>
             </a:lvl1pPr>
@@ -1856,7 +1945,7 @@
       </p:sp>
       <p:sp>
         <p:nvSpPr>
-          <p:cNvPr id="20" name="Text Placeholder 3"/>
+          <p:cNvPr id="12" name="Text Placeholder 3"/>
           <p:cNvSpPr>
             <a:spLocks noGrp="1"/>
           </p:cNvSpPr>
@@ -1866,8 +1955,8 @@
         </p:nvSpPr>
         <p:spPr>
           <a:xfrm>
-            <a:off x="7124700" y="2667000"/>
-            <a:ext cx="2932113" cy="3589338"/>
+            <a:off x="7966572" y="2571750"/>
+            <a:ext cx="3300984" cy="3219450"/>
           </a:xfrm>
         </p:spPr>
         <p:txBody>
@@ -1875,7 +1964,7 @@
             <a:normAutofit/>
           </a:bodyPr>
           <a:lstStyle>
-            <a:lvl1pPr marL="0" indent="0">
+            <a:lvl1pPr marL="0" indent="0" algn="ctr">
               <a:buNone/>
               <a:defRPr sz="1400"/>
             </a:lvl1pPr>
@@ -1921,87 +2010,9 @@
           </a:p>
         </p:txBody>
       </p:sp>
-      <p:cxnSp>
-        <p:nvCxnSpPr>
-          <p:cNvPr id="17" name="Straight Connector 16"/>
-          <p:cNvCxnSpPr/>
-          <p:nvPr/>
-        </p:nvCxnSpPr>
-        <p:spPr>
-          <a:xfrm>
-            <a:off x="3726142" y="2133600"/>
-            <a:ext cx="0" cy="3962400"/>
-          </a:xfrm>
-          <a:prstGeom prst="line">
-            <a:avLst/>
-          </a:prstGeom>
-          <a:ln w="12700" cmpd="sng">
-            <a:solidFill>
-              <a:schemeClr val="bg2">
-                <a:lumMod val="40000"/>
-                <a:lumOff val="60000"/>
-                <a:alpha val="40000"/>
-              </a:schemeClr>
-            </a:solidFill>
-          </a:ln>
-        </p:spPr>
-        <p:style>
-          <a:lnRef idx="2">
-            <a:schemeClr val="accent1"/>
-          </a:lnRef>
-          <a:fillRef idx="0">
-            <a:schemeClr val="accent1"/>
-          </a:fillRef>
-          <a:effectRef idx="1">
-            <a:schemeClr val="accent1"/>
-          </a:effectRef>
-          <a:fontRef idx="minor">
-            <a:schemeClr val="tx1"/>
-          </a:fontRef>
-        </p:style>
-      </p:cxnSp>
-      <p:cxnSp>
-        <p:nvCxnSpPr>
-          <p:cNvPr id="18" name="Straight Connector 17"/>
-          <p:cNvCxnSpPr/>
-          <p:nvPr/>
-        </p:nvCxnSpPr>
-        <p:spPr>
-          <a:xfrm>
-            <a:off x="6962227" y="2133600"/>
-            <a:ext cx="0" cy="3966882"/>
-          </a:xfrm>
-          <a:prstGeom prst="line">
-            <a:avLst/>
-          </a:prstGeom>
-          <a:ln w="12700" cmpd="sng">
-            <a:solidFill>
-              <a:schemeClr val="bg2">
-                <a:lumMod val="40000"/>
-                <a:lumOff val="60000"/>
-                <a:alpha val="40000"/>
-              </a:schemeClr>
-            </a:solidFill>
-          </a:ln>
-        </p:spPr>
-        <p:style>
-          <a:lnRef idx="2">
-            <a:schemeClr val="accent1"/>
-          </a:lnRef>
-          <a:fillRef idx="0">
-            <a:schemeClr val="accent1"/>
-          </a:fillRef>
-          <a:effectRef idx="1">
-            <a:schemeClr val="accent1"/>
-          </a:effectRef>
-          <a:fontRef idx="minor">
-            <a:schemeClr val="tx1"/>
-          </a:fontRef>
-        </p:style>
-      </p:cxnSp>
-      <p:sp>
-        <p:nvSpPr>
-          <p:cNvPr id="7" name="Date Placeholder 3"/>
+      <p:sp>
+        <p:nvSpPr>
+          <p:cNvPr id="3" name="Date Placeholder 2"/>
           <p:cNvSpPr>
             <a:spLocks noGrp="1"/>
           </p:cNvSpPr>
@@ -2017,7 +2028,7 @@
             <a:fld id="{48A87A34-81AB-432B-8DAE-1953F412C126}" type="datetimeFigureOut">
               <a:rPr lang="en-US" smtClean="0"/>
               <a:pPr/>
-              <a:t>4/24/2017</a:t>
+              <a:t>4/25/2017</a:t>
             </a:fld>
             <a:endParaRPr lang="en-US" dirty="0"/>
           </a:p>
@@ -2025,7 +2036,7 @@
       </p:sp>
       <p:sp>
         <p:nvSpPr>
-          <p:cNvPr id="4" name="Footer Placeholder 4"/>
+          <p:cNvPr id="4" name="Footer Placeholder 3"/>
           <p:cNvSpPr>
             <a:spLocks noGrp="1"/>
           </p:cNvSpPr>
@@ -2044,7 +2055,7 @@
       </p:sp>
       <p:sp>
         <p:nvSpPr>
-          <p:cNvPr id="6" name="Slide Number Placeholder 5"/>
+          <p:cNvPr id="5" name="Slide Number Placeholder 4"/>
           <p:cNvSpPr>
             <a:spLocks noGrp="1"/>
           </p:cNvSpPr>
@@ -2069,7 +2080,7 @@
     </p:spTree>
     <p:extLst>
       <p:ext uri="{BB962C8B-B14F-4D97-AF65-F5344CB8AC3E}">
-        <p14:creationId xmlns:p14="http://schemas.microsoft.com/office/powerpoint/2010/main" val="2547916618"/>
+        <p14:creationId xmlns:p14="http://schemas.microsoft.com/office/powerpoint/2010/main" val="2984310859"/>
       </p:ext>
     </p:extLst>
   </p:cSld>
@@ -2096,47 +2107,138 @@
           <a:chExt cx="0" cy="0"/>
         </a:xfrm>
       </p:grpSpPr>
-      <p:sp>
-        <p:nvSpPr>
-          <p:cNvPr id="2" name="Title 1"/>
-          <p:cNvSpPr>
-            <a:spLocks noGrp="1"/>
-          </p:cNvSpPr>
-          <p:nvPr>
-            <p:ph type="title"/>
-          </p:nvPr>
-        </p:nvSpPr>
-        <p:spPr/>
-        <p:txBody>
-          <a:bodyPr/>
-          <a:lstStyle>
-            <a:lvl1pPr>
-              <a:defRPr sz="4200"/>
-            </a:lvl1pPr>
-          </a:lstStyle>
-          <a:p>
-            <a:r>
-              <a:rPr lang="en-US" smtClean="0"/>
-              <a:t>Click to edit Master title style</a:t>
-            </a:r>
-            <a:endParaRPr lang="en-US" dirty="0"/>
-          </a:p>
-        </p:txBody>
-      </p:sp>
-      <p:sp>
-        <p:nvSpPr>
-          <p:cNvPr id="3" name="Text Placeholder 2"/>
-          <p:cNvSpPr>
-            <a:spLocks noGrp="1"/>
-          </p:cNvSpPr>
-          <p:nvPr>
-            <p:ph type="body" idx="1"/>
-          </p:nvPr>
-        </p:nvSpPr>
+      <p:pic>
+        <p:nvPicPr>
+          <p:cNvPr id="2" name="Picture 1" descr="Slate-V2-HD-3colPhotoInset.png"/>
+          <p:cNvPicPr>
+            <a:picLocks noChangeAspect="1"/>
+          </p:cNvPicPr>
+          <p:nvPr/>
+        </p:nvPicPr>
+        <p:blipFill>
+          <a:blip r:embed="rId2">
+            <a:extLst>
+              <a:ext uri="{28A0092B-C50C-407E-A947-70E740481C1C}">
+                <a14:useLocalDpi xmlns:a14="http://schemas.microsoft.com/office/drawing/2010/main" val="0"/>
+              </a:ext>
+            </a:extLst>
+          </a:blip>
+          <a:stretch>
+            <a:fillRect/>
+          </a:stretch>
+        </p:blipFill>
         <p:spPr>
           <a:xfrm>
-            <a:off x="652463" y="4250949"/>
-            <a:ext cx="2940050" cy="576262"/>
+            <a:off x="897962" y="1818214"/>
+            <a:ext cx="3339972" cy="1847851"/>
+          </a:xfrm>
+          <a:prstGeom prst="rect">
+            <a:avLst/>
+          </a:prstGeom>
+        </p:spPr>
+      </p:pic>
+      <p:pic>
+        <p:nvPicPr>
+          <p:cNvPr id="36" name="Picture 35" descr="Slate-V2-HD-3colPhotoInset.png"/>
+          <p:cNvPicPr>
+            <a:picLocks noChangeAspect="1"/>
+          </p:cNvPicPr>
+          <p:nvPr/>
+        </p:nvPicPr>
+        <p:blipFill>
+          <a:blip r:embed="rId2">
+            <a:extLst>
+              <a:ext uri="{28A0092B-C50C-407E-A947-70E740481C1C}">
+                <a14:useLocalDpi xmlns:a14="http://schemas.microsoft.com/office/drawing/2010/main" val="0"/>
+              </a:ext>
+            </a:extLst>
+          </a:blip>
+          <a:stretch>
+            <a:fillRect/>
+          </a:stretch>
+        </p:blipFill>
+        <p:spPr>
+          <a:xfrm>
+            <a:off x="4403800" y="1818214"/>
+            <a:ext cx="3339972" cy="1847851"/>
+          </a:xfrm>
+          <a:prstGeom prst="rect">
+            <a:avLst/>
+          </a:prstGeom>
+        </p:spPr>
+      </p:pic>
+      <p:pic>
+        <p:nvPicPr>
+          <p:cNvPr id="37" name="Picture 36" descr="Slate-V2-HD-3colPhotoInset.png"/>
+          <p:cNvPicPr>
+            <a:picLocks noChangeAspect="1"/>
+          </p:cNvPicPr>
+          <p:nvPr/>
+        </p:nvPicPr>
+        <p:blipFill>
+          <a:blip r:embed="rId2">
+            <a:extLst>
+              <a:ext uri="{28A0092B-C50C-407E-A947-70E740481C1C}">
+                <a14:useLocalDpi xmlns:a14="http://schemas.microsoft.com/office/drawing/2010/main" val="0"/>
+              </a:ext>
+            </a:extLst>
+          </a:blip>
+          <a:stretch>
+            <a:fillRect/>
+          </a:stretch>
+        </p:blipFill>
+        <p:spPr>
+          <a:xfrm>
+            <a:off x="7936051" y="1818214"/>
+            <a:ext cx="3339972" cy="1847851"/>
+          </a:xfrm>
+          <a:prstGeom prst="rect">
+            <a:avLst/>
+          </a:prstGeom>
+        </p:spPr>
+      </p:pic>
+      <p:sp>
+        <p:nvSpPr>
+          <p:cNvPr id="30" name="Title 1"/>
+          <p:cNvSpPr>
+            <a:spLocks noGrp="1"/>
+          </p:cNvSpPr>
+          <p:nvPr>
+            <p:ph type="title"/>
+          </p:nvPr>
+        </p:nvSpPr>
+        <p:spPr>
+          <a:xfrm>
+            <a:off x="913794" y="609600"/>
+            <a:ext cx="10353763" cy="970450"/>
+          </a:xfrm>
+        </p:spPr>
+        <p:txBody>
+          <a:bodyPr/>
+          <a:lstStyle/>
+          <a:p>
+            <a:r>
+              <a:rPr lang="en-US" smtClean="0"/>
+              <a:t>Click to edit Master title style</a:t>
+            </a:r>
+            <a:endParaRPr lang="en-US" dirty="0"/>
+          </a:p>
+        </p:txBody>
+      </p:sp>
+      <p:sp>
+        <p:nvSpPr>
+          <p:cNvPr id="19" name="Text Placeholder 2"/>
+          <p:cNvSpPr>
+            <a:spLocks noGrp="1"/>
+          </p:cNvSpPr>
+          <p:nvPr>
+            <p:ph type="body" idx="1"/>
+          </p:nvPr>
+        </p:nvSpPr>
+        <p:spPr>
+          <a:xfrm>
+            <a:off x="913795" y="3904106"/>
+            <a:ext cx="3300984" cy="576262"/>
           </a:xfrm>
         </p:spPr>
         <p:txBody>
@@ -2144,14 +2246,11 @@
             <a:noAutofit/>
           </a:bodyPr>
           <a:lstStyle>
-            <a:lvl1pPr marL="0" indent="0">
-              <a:buNone/>
-              <a:defRPr sz="2400" b="0">
+            <a:lvl1pPr marL="0" indent="0" algn="ctr">
+              <a:buNone/>
+              <a:defRPr sz="2000" b="0">
                 <a:solidFill>
-                  <a:schemeClr val="bg2">
-                    <a:lumMod val="40000"/>
-                    <a:lumOff val="60000"/>
-                  </a:schemeClr>
+                  <a:schemeClr val="tx1"/>
                 </a:solidFill>
               </a:defRPr>
             </a:lvl1pPr>
@@ -2199,7 +2298,7 @@
       </p:sp>
       <p:sp>
         <p:nvSpPr>
-          <p:cNvPr id="29" name="Picture Placeholder 2"/>
+          <p:cNvPr id="20" name="Picture Placeholder 2"/>
           <p:cNvSpPr>
             <a:spLocks noGrp="1" noChangeAspect="1"/>
           </p:cNvSpPr>
@@ -2209,8 +2308,8 @@
         </p:nvSpPr>
         <p:spPr>
           <a:xfrm>
-            <a:off x="652463" y="2209800"/>
-            <a:ext cx="2940050" cy="1524000"/>
+            <a:off x="1018102" y="1938918"/>
+            <a:ext cx="3092368" cy="1602954"/>
           </a:xfrm>
           <a:prstGeom prst="roundRect">
             <a:avLst>
@@ -2218,9 +2317,9 @@
             </a:avLst>
           </a:prstGeom>
           <a:effectLst>
-            <a:outerShdw blurRad="50800" dist="50800" dir="5400000" algn="tl" rotWithShape="0">
+            <a:outerShdw blurRad="38100" dist="25400" dir="4440000">
               <a:srgbClr val="000000">
-                <a:alpha val="43000"/>
+                <a:alpha val="36000"/>
               </a:srgbClr>
             </a:outerShdw>
           </a:effectLst>
@@ -2278,7 +2377,7 @@
       </p:sp>
       <p:sp>
         <p:nvSpPr>
-          <p:cNvPr id="22" name="Text Placeholder 3"/>
+          <p:cNvPr id="21" name="Text Placeholder 3"/>
           <p:cNvSpPr>
             <a:spLocks noGrp="1"/>
           </p:cNvSpPr>
@@ -2288,8 +2387,8 @@
         </p:nvSpPr>
         <p:spPr>
           <a:xfrm>
-            <a:off x="652463" y="4827211"/>
-            <a:ext cx="2940050" cy="659189"/>
+            <a:off x="913795" y="4480368"/>
+            <a:ext cx="3300984" cy="1310833"/>
           </a:xfrm>
         </p:spPr>
         <p:txBody>
@@ -2297,7 +2396,7 @@
             <a:normAutofit/>
           </a:bodyPr>
           <a:lstStyle>
-            <a:lvl1pPr marL="0" indent="0">
+            <a:lvl1pPr marL="0" indent="0" algn="ctr">
               <a:buNone/>
               <a:defRPr sz="1400"/>
             </a:lvl1pPr>
@@ -2345,7 +2444,7 @@
       </p:sp>
       <p:sp>
         <p:nvSpPr>
-          <p:cNvPr id="5" name="Text Placeholder 4"/>
+          <p:cNvPr id="22" name="Text Placeholder 4"/>
           <p:cNvSpPr>
             <a:spLocks noGrp="1"/>
           </p:cNvSpPr>
@@ -2355,8 +2454,8 @@
         </p:nvSpPr>
         <p:spPr>
           <a:xfrm>
-            <a:off x="3889375" y="4250949"/>
-            <a:ext cx="2930525" cy="576262"/>
+            <a:off x="4442788" y="3904106"/>
+            <a:ext cx="3300984" cy="576262"/>
           </a:xfrm>
         </p:spPr>
         <p:txBody>
@@ -2364,14 +2463,11 @@
             <a:noAutofit/>
           </a:bodyPr>
           <a:lstStyle>
-            <a:lvl1pPr marL="0" indent="0">
-              <a:buNone/>
-              <a:defRPr sz="2400" b="0">
+            <a:lvl1pPr marL="0" indent="0" algn="ctr">
+              <a:buNone/>
+              <a:defRPr sz="2000" b="0">
                 <a:solidFill>
-                  <a:schemeClr val="bg2">
-                    <a:lumMod val="40000"/>
-                    <a:lumOff val="60000"/>
-                  </a:schemeClr>
+                  <a:schemeClr val="tx1"/>
                 </a:solidFill>
               </a:defRPr>
             </a:lvl1pPr>
@@ -2419,7 +2515,7 @@
       </p:sp>
       <p:sp>
         <p:nvSpPr>
-          <p:cNvPr id="30" name="Picture Placeholder 2"/>
+          <p:cNvPr id="23" name="Picture Placeholder 2"/>
           <p:cNvSpPr>
             <a:spLocks noGrp="1" noChangeAspect="1"/>
           </p:cNvSpPr>
@@ -2429,8 +2525,8 @@
         </p:nvSpPr>
         <p:spPr>
           <a:xfrm>
-            <a:off x="3889374" y="2209800"/>
-            <a:ext cx="2930525" cy="1524000"/>
+            <a:off x="4545743" y="1939094"/>
+            <a:ext cx="3092368" cy="1608164"/>
           </a:xfrm>
           <a:prstGeom prst="roundRect">
             <a:avLst>
@@ -2438,9 +2534,9 @@
             </a:avLst>
           </a:prstGeom>
           <a:effectLst>
-            <a:outerShdw blurRad="50800" dist="50800" dir="5400000" algn="tl" rotWithShape="0">
+            <a:outerShdw blurRad="38100" dist="25400" dir="4440000">
               <a:srgbClr val="000000">
-                <a:alpha val="43000"/>
+                <a:alpha val="36000"/>
               </a:srgbClr>
             </a:outerShdw>
           </a:effectLst>
@@ -2498,7 +2594,7 @@
       </p:sp>
       <p:sp>
         <p:nvSpPr>
-          <p:cNvPr id="23" name="Text Placeholder 3"/>
+          <p:cNvPr id="24" name="Text Placeholder 3"/>
           <p:cNvSpPr>
             <a:spLocks noGrp="1"/>
           </p:cNvSpPr>
@@ -2508,8 +2604,8 @@
         </p:nvSpPr>
         <p:spPr>
           <a:xfrm>
-            <a:off x="3888022" y="4827210"/>
-            <a:ext cx="2934406" cy="659189"/>
+            <a:off x="4441435" y="4480367"/>
+            <a:ext cx="3300984" cy="1310833"/>
           </a:xfrm>
         </p:spPr>
         <p:txBody>
@@ -2517,7 +2613,7 @@
             <a:normAutofit/>
           </a:bodyPr>
           <a:lstStyle>
-            <a:lvl1pPr marL="0" indent="0">
+            <a:lvl1pPr marL="0" indent="0" algn="ctr">
               <a:buNone/>
               <a:defRPr sz="1400"/>
             </a:lvl1pPr>
@@ -2565,7 +2661,7 @@
       </p:sp>
       <p:sp>
         <p:nvSpPr>
-          <p:cNvPr id="14" name="Text Placeholder 4"/>
+          <p:cNvPr id="25" name="Text Placeholder 4"/>
           <p:cNvSpPr>
             <a:spLocks noGrp="1"/>
           </p:cNvSpPr>
@@ -2575,8 +2671,8 @@
         </p:nvSpPr>
         <p:spPr>
           <a:xfrm>
-            <a:off x="7124700" y="4250949"/>
-            <a:ext cx="2932113" cy="576262"/>
+            <a:off x="7966697" y="3904106"/>
+            <a:ext cx="3300984" cy="576262"/>
           </a:xfrm>
         </p:spPr>
         <p:txBody>
@@ -2584,14 +2680,11 @@
             <a:noAutofit/>
           </a:bodyPr>
           <a:lstStyle>
-            <a:lvl1pPr marL="0" indent="0">
-              <a:buNone/>
-              <a:defRPr sz="2400" b="0">
+            <a:lvl1pPr marL="0" indent="0" algn="ctr">
+              <a:buNone/>
+              <a:defRPr sz="2000" b="0">
                 <a:solidFill>
-                  <a:schemeClr val="bg2">
-                    <a:lumMod val="40000"/>
-                    <a:lumOff val="60000"/>
-                  </a:schemeClr>
+                  <a:schemeClr val="tx1"/>
                 </a:solidFill>
               </a:defRPr>
             </a:lvl1pPr>
@@ -2639,7 +2732,7 @@
       </p:sp>
       <p:sp>
         <p:nvSpPr>
-          <p:cNvPr id="31" name="Picture Placeholder 2"/>
+          <p:cNvPr id="26" name="Picture Placeholder 2"/>
           <p:cNvSpPr>
             <a:spLocks noGrp="1" noChangeAspect="1"/>
           </p:cNvSpPr>
@@ -2649,8 +2742,8 @@
         </p:nvSpPr>
         <p:spPr>
           <a:xfrm>
-            <a:off x="7124699" y="2209800"/>
-            <a:ext cx="2932113" cy="1524000"/>
+            <a:off x="8075698" y="1934432"/>
+            <a:ext cx="3092368" cy="1607294"/>
           </a:xfrm>
           <a:prstGeom prst="roundRect">
             <a:avLst>
@@ -2658,9 +2751,9 @@
             </a:avLst>
           </a:prstGeom>
           <a:effectLst>
-            <a:outerShdw blurRad="50800" dist="50800" dir="5400000" algn="tl" rotWithShape="0">
+            <a:outerShdw blurRad="38100" dist="25400" dir="4440000">
               <a:srgbClr val="000000">
-                <a:alpha val="43000"/>
+                <a:alpha val="36000"/>
               </a:srgbClr>
             </a:outerShdw>
           </a:effectLst>
@@ -2718,7 +2811,7 @@
       </p:sp>
       <p:sp>
         <p:nvSpPr>
-          <p:cNvPr id="24" name="Text Placeholder 3"/>
+          <p:cNvPr id="27" name="Text Placeholder 3"/>
           <p:cNvSpPr>
             <a:spLocks noGrp="1"/>
           </p:cNvSpPr>
@@ -2728,8 +2821,8 @@
         </p:nvSpPr>
         <p:spPr>
           <a:xfrm>
-            <a:off x="7124575" y="4827208"/>
-            <a:ext cx="2935997" cy="659189"/>
+            <a:off x="7966572" y="4480365"/>
+            <a:ext cx="3300984" cy="1310835"/>
           </a:xfrm>
         </p:spPr>
         <p:txBody>
@@ -2737,7 +2830,7 @@
             <a:normAutofit/>
           </a:bodyPr>
           <a:lstStyle>
-            <a:lvl1pPr marL="0" indent="0">
+            <a:lvl1pPr marL="0" indent="0" algn="ctr">
               <a:buNone/>
               <a:defRPr sz="1400"/>
             </a:lvl1pPr>
@@ -2783,87 +2876,9 @@
           </a:p>
         </p:txBody>
       </p:sp>
-      <p:cxnSp>
-        <p:nvCxnSpPr>
-          <p:cNvPr id="19" name="Straight Connector 18"/>
-          <p:cNvCxnSpPr/>
-          <p:nvPr/>
-        </p:nvCxnSpPr>
-        <p:spPr>
-          <a:xfrm>
-            <a:off x="3726142" y="2133600"/>
-            <a:ext cx="0" cy="3962400"/>
-          </a:xfrm>
-          <a:prstGeom prst="line">
-            <a:avLst/>
-          </a:prstGeom>
-          <a:ln w="12700" cmpd="sng">
-            <a:solidFill>
-              <a:schemeClr val="bg2">
-                <a:lumMod val="40000"/>
-                <a:lumOff val="60000"/>
-                <a:alpha val="40000"/>
-              </a:schemeClr>
-            </a:solidFill>
-          </a:ln>
-        </p:spPr>
-        <p:style>
-          <a:lnRef idx="2">
-            <a:schemeClr val="accent1"/>
-          </a:lnRef>
-          <a:fillRef idx="0">
-            <a:schemeClr val="accent1"/>
-          </a:fillRef>
-          <a:effectRef idx="1">
-            <a:schemeClr val="accent1"/>
-          </a:effectRef>
-          <a:fontRef idx="minor">
-            <a:schemeClr val="tx1"/>
-          </a:fontRef>
-        </p:style>
-      </p:cxnSp>
-      <p:cxnSp>
-        <p:nvCxnSpPr>
-          <p:cNvPr id="20" name="Straight Connector 19"/>
-          <p:cNvCxnSpPr/>
-          <p:nvPr/>
-        </p:nvCxnSpPr>
-        <p:spPr>
-          <a:xfrm>
-            <a:off x="6962227" y="2133600"/>
-            <a:ext cx="0" cy="3966882"/>
-          </a:xfrm>
-          <a:prstGeom prst="line">
-            <a:avLst/>
-          </a:prstGeom>
-          <a:ln w="12700" cmpd="sng">
-            <a:solidFill>
-              <a:schemeClr val="bg2">
-                <a:lumMod val="40000"/>
-                <a:lumOff val="60000"/>
-                <a:alpha val="40000"/>
-              </a:schemeClr>
-            </a:solidFill>
-          </a:ln>
-        </p:spPr>
-        <p:style>
-          <a:lnRef idx="2">
-            <a:schemeClr val="accent1"/>
-          </a:lnRef>
-          <a:fillRef idx="0">
-            <a:schemeClr val="accent1"/>
-          </a:fillRef>
-          <a:effectRef idx="1">
-            <a:schemeClr val="accent1"/>
-          </a:effectRef>
-          <a:fontRef idx="minor">
-            <a:schemeClr val="tx1"/>
-          </a:fontRef>
-        </p:style>
-      </p:cxnSp>
-      <p:sp>
-        <p:nvSpPr>
-          <p:cNvPr id="7" name="Date Placeholder 3"/>
+      <p:sp>
+        <p:nvSpPr>
+          <p:cNvPr id="3" name="Date Placeholder 2"/>
           <p:cNvSpPr>
             <a:spLocks noGrp="1"/>
           </p:cNvSpPr>
@@ -2879,7 +2894,7 @@
             <a:fld id="{48A87A34-81AB-432B-8DAE-1953F412C126}" type="datetimeFigureOut">
               <a:rPr lang="en-US" smtClean="0"/>
               <a:pPr/>
-              <a:t>4/24/2017</a:t>
+              <a:t>4/25/2017</a:t>
             </a:fld>
             <a:endParaRPr lang="en-US" dirty="0"/>
           </a:p>
@@ -2887,7 +2902,7 @@
       </p:sp>
       <p:sp>
         <p:nvSpPr>
-          <p:cNvPr id="4" name="Footer Placeholder 4"/>
+          <p:cNvPr id="4" name="Footer Placeholder 3"/>
           <p:cNvSpPr>
             <a:spLocks noGrp="1"/>
           </p:cNvSpPr>
@@ -2906,7 +2921,7 @@
       </p:sp>
       <p:sp>
         <p:nvSpPr>
-          <p:cNvPr id="6" name="Slide Number Placeholder 5"/>
+          <p:cNvPr id="5" name="Slide Number Placeholder 4"/>
           <p:cNvSpPr>
             <a:spLocks noGrp="1"/>
           </p:cNvSpPr>
@@ -2931,7 +2946,7 @@
     </p:spTree>
     <p:extLst>
       <p:ext uri="{BB962C8B-B14F-4D97-AF65-F5344CB8AC3E}">
-        <p14:creationId xmlns:p14="http://schemas.microsoft.com/office/powerpoint/2010/main" val="728131608"/>
+        <p14:creationId xmlns:p14="http://schemas.microsoft.com/office/powerpoint/2010/main" val="3508248920"/>
       </p:ext>
     </p:extLst>
   </p:cSld>
@@ -2993,7 +3008,7 @@
         </p:nvSpPr>
         <p:spPr/>
         <p:txBody>
-          <a:bodyPr vert="eaVert" anchor="t" anchorCtr="0"/>
+          <a:bodyPr vert="eaVert" anchor="t"/>
           <a:lstStyle/>
           <a:p>
             <a:pPr lvl="0"/>
@@ -3050,7 +3065,7 @@
           <a:p>
             <a:fld id="{48A87A34-81AB-432B-8DAE-1953F412C126}" type="datetimeFigureOut">
               <a:rPr lang="en-US" smtClean="0"/>
-              <a:t>4/24/2017</a:t>
+              <a:t>4/25/2017</a:t>
             </a:fld>
             <a:endParaRPr lang="en-US" dirty="0"/>
           </a:p>
@@ -3101,7 +3116,7 @@
     </p:spTree>
     <p:extLst>
       <p:ext uri="{BB962C8B-B14F-4D97-AF65-F5344CB8AC3E}">
-        <p14:creationId xmlns:p14="http://schemas.microsoft.com/office/powerpoint/2010/main" val="1033428017"/>
+        <p14:creationId xmlns:p14="http://schemas.microsoft.com/office/powerpoint/2010/main" val="3574061720"/>
       </p:ext>
     </p:extLst>
   </p:cSld>
@@ -3140,13 +3155,17 @@
         </p:nvSpPr>
         <p:spPr>
           <a:xfrm>
-            <a:off x="8304212" y="430213"/>
-            <a:ext cx="1752601" cy="5826125"/>
-          </a:xfrm>
-        </p:spPr>
-        <p:txBody>
-          <a:bodyPr vert="eaVert" anchor="b" anchorCtr="0"/>
-          <a:lstStyle/>
+            <a:off x="8983068" y="609599"/>
+            <a:ext cx="2284487" cy="5181601"/>
+          </a:xfrm>
+        </p:spPr>
+        <p:txBody>
+          <a:bodyPr vert="eaVert"/>
+          <a:lstStyle>
+            <a:lvl1pPr algn="l">
+              <a:defRPr/>
+            </a:lvl1pPr>
+          </a:lstStyle>
           <a:p>
             <a:r>
               <a:rPr lang="en-US" smtClean="0"/>
@@ -3168,12 +3187,12 @@
         </p:nvSpPr>
         <p:spPr>
           <a:xfrm>
-            <a:off x="652463" y="887414"/>
-            <a:ext cx="7423149" cy="5368924"/>
-          </a:xfrm>
-        </p:spPr>
-        <p:txBody>
-          <a:bodyPr vert="eaVert"/>
+            <a:off x="913796" y="609599"/>
+            <a:ext cx="7916872" cy="5181601"/>
+          </a:xfrm>
+        </p:spPr>
+        <p:txBody>
+          <a:bodyPr vert="eaVert" anchor="t"/>
           <a:lstStyle/>
           <a:p>
             <a:pPr lvl="0"/>
@@ -3230,7 +3249,7 @@
           <a:p>
             <a:fld id="{48A87A34-81AB-432B-8DAE-1953F412C126}" type="datetimeFigureOut">
               <a:rPr lang="en-US" smtClean="0"/>
-              <a:t>4/24/2017</a:t>
+              <a:t>4/25/2017</a:t>
             </a:fld>
             <a:endParaRPr lang="en-US" dirty="0"/>
           </a:p>
@@ -3281,7 +3300,7 @@
     </p:spTree>
     <p:extLst>
       <p:ext uri="{BB962C8B-B14F-4D97-AF65-F5344CB8AC3E}">
-        <p14:creationId xmlns:p14="http://schemas.microsoft.com/office/powerpoint/2010/main" val="3103408809"/>
+        <p14:creationId xmlns:p14="http://schemas.microsoft.com/office/powerpoint/2010/main" val="300877874"/>
       </p:ext>
     </p:extLst>
   </p:cSld>
@@ -3385,7 +3404,7 @@
       </p:sp>
       <p:sp>
         <p:nvSpPr>
-          <p:cNvPr id="7" name="Date Placeholder 3"/>
+          <p:cNvPr id="4" name="Date Placeholder 3"/>
           <p:cNvSpPr>
             <a:spLocks noGrp="1"/>
           </p:cNvSpPr>
@@ -3400,7 +3419,7 @@
           <a:p>
             <a:fld id="{48A87A34-81AB-432B-8DAE-1953F412C126}" type="datetimeFigureOut">
               <a:rPr lang="en-US" smtClean="0"/>
-              <a:t>4/24/2017</a:t>
+              <a:t>4/25/2017</a:t>
             </a:fld>
             <a:endParaRPr lang="en-US" dirty="0"/>
           </a:p>
@@ -3451,7 +3470,7 @@
     </p:spTree>
     <p:extLst>
       <p:ext uri="{BB962C8B-B14F-4D97-AF65-F5344CB8AC3E}">
-        <p14:creationId xmlns:p14="http://schemas.microsoft.com/office/powerpoint/2010/main" val="3059179884"/>
+        <p14:creationId xmlns:p14="http://schemas.microsoft.com/office/powerpoint/2010/main" val="45407040"/>
       </p:ext>
     </p:extLst>
   </p:cSld>
@@ -3490,14 +3509,14 @@
         </p:nvSpPr>
         <p:spPr>
           <a:xfrm>
-            <a:off x="1154956" y="2861733"/>
-            <a:ext cx="8825657" cy="1915647"/>
+            <a:off x="1295401" y="1761067"/>
+            <a:ext cx="9590550" cy="1828813"/>
           </a:xfrm>
         </p:spPr>
         <p:txBody>
           <a:bodyPr anchor="b"/>
           <a:lstStyle>
-            <a:lvl1pPr algn="l">
+            <a:lvl1pPr algn="ctr">
               <a:defRPr sz="4000" b="0" cap="none"/>
             </a:lvl1pPr>
           </a:lstStyle>
@@ -3522,21 +3541,18 @@
         </p:nvSpPr>
         <p:spPr>
           <a:xfrm>
-            <a:off x="1154955" y="4777381"/>
-            <a:ext cx="8825658" cy="860400"/>
+            <a:off x="1295401" y="3589879"/>
+            <a:ext cx="9590550" cy="1507054"/>
           </a:xfrm>
         </p:spPr>
         <p:txBody>
           <a:bodyPr anchor="t"/>
           <a:lstStyle>
-            <a:lvl1pPr marL="0" indent="0" algn="l">
-              <a:buNone/>
-              <a:defRPr sz="2000" cap="all">
+            <a:lvl1pPr marL="0" indent="0" algn="ctr">
+              <a:buNone/>
+              <a:defRPr sz="2000">
                 <a:solidFill>
-                  <a:schemeClr val="bg2">
-                    <a:lumMod val="40000"/>
-                    <a:lumOff val="60000"/>
-                  </a:schemeClr>
+                  <a:schemeClr val="tx1"/>
                 </a:solidFill>
               </a:defRPr>
             </a:lvl1pPr>
@@ -3647,7 +3663,7 @@
           <a:p>
             <a:fld id="{48A87A34-81AB-432B-8DAE-1953F412C126}" type="datetimeFigureOut">
               <a:rPr lang="en-US" smtClean="0"/>
-              <a:t>4/24/2017</a:t>
+              <a:t>4/25/2017</a:t>
             </a:fld>
             <a:endParaRPr lang="en-US" dirty="0"/>
           </a:p>
@@ -3698,7 +3714,7 @@
     </p:spTree>
     <p:extLst>
       <p:ext uri="{BB962C8B-B14F-4D97-AF65-F5344CB8AC3E}">
-        <p14:creationId xmlns:p14="http://schemas.microsoft.com/office/powerpoint/2010/main" val="573047128"/>
+        <p14:creationId xmlns:p14="http://schemas.microsoft.com/office/powerpoint/2010/main" val="960030263"/>
       </p:ext>
     </p:extLst>
   </p:cSld>
@@ -3760,43 +3776,15 @@
         </p:nvSpPr>
         <p:spPr>
           <a:xfrm>
-            <a:off x="1103312" y="2060575"/>
-            <a:ext cx="4396339" cy="4195763"/>
-          </a:xfrm>
-        </p:spPr>
-        <p:txBody>
-          <a:bodyPr>
+            <a:off x="913795" y="1732449"/>
+            <a:ext cx="5060497" cy="4058750"/>
+          </a:xfrm>
+        </p:spPr>
+        <p:txBody>
+          <a:bodyPr anchor="t">
             <a:normAutofit/>
           </a:bodyPr>
-          <a:lstStyle>
-            <a:lvl1pPr>
-              <a:defRPr sz="1800"/>
-            </a:lvl1pPr>
-            <a:lvl2pPr>
-              <a:defRPr sz="1600"/>
-            </a:lvl2pPr>
-            <a:lvl3pPr>
-              <a:defRPr sz="1400"/>
-            </a:lvl3pPr>
-            <a:lvl4pPr>
-              <a:defRPr sz="1200"/>
-            </a:lvl4pPr>
-            <a:lvl5pPr>
-              <a:defRPr sz="1200"/>
-            </a:lvl5pPr>
-            <a:lvl6pPr>
-              <a:defRPr sz="1200"/>
-            </a:lvl6pPr>
-            <a:lvl7pPr>
-              <a:defRPr sz="1200"/>
-            </a:lvl7pPr>
-            <a:lvl8pPr>
-              <a:defRPr sz="1200"/>
-            </a:lvl8pPr>
-            <a:lvl9pPr>
-              <a:defRPr sz="1200"/>
-            </a:lvl9pPr>
-          </a:lstStyle>
+          <a:lstStyle/>
           <a:p>
             <a:pPr lvl="0"/>
             <a:r>
@@ -3847,43 +3835,15 @@
         </p:nvSpPr>
         <p:spPr>
           <a:xfrm>
-            <a:off x="5654493" y="2056092"/>
-            <a:ext cx="4396341" cy="4200245"/>
-          </a:xfrm>
-        </p:spPr>
-        <p:txBody>
-          <a:bodyPr>
+            <a:off x="6202892" y="1732449"/>
+            <a:ext cx="5064665" cy="4058751"/>
+          </a:xfrm>
+        </p:spPr>
+        <p:txBody>
+          <a:bodyPr anchor="t">
             <a:normAutofit/>
           </a:bodyPr>
-          <a:lstStyle>
-            <a:lvl1pPr>
-              <a:defRPr sz="1800"/>
-            </a:lvl1pPr>
-            <a:lvl2pPr>
-              <a:defRPr sz="1600"/>
-            </a:lvl2pPr>
-            <a:lvl3pPr>
-              <a:defRPr sz="1400"/>
-            </a:lvl3pPr>
-            <a:lvl4pPr>
-              <a:defRPr sz="1200"/>
-            </a:lvl4pPr>
-            <a:lvl5pPr>
-              <a:defRPr sz="1200"/>
-            </a:lvl5pPr>
-            <a:lvl6pPr>
-              <a:defRPr sz="1200"/>
-            </a:lvl6pPr>
-            <a:lvl7pPr>
-              <a:defRPr sz="1200"/>
-            </a:lvl7pPr>
-            <a:lvl8pPr>
-              <a:defRPr sz="1200"/>
-            </a:lvl8pPr>
-            <a:lvl9pPr>
-              <a:defRPr sz="1200"/>
-            </a:lvl9pPr>
-          </a:lstStyle>
+          <a:lstStyle/>
           <a:p>
             <a:pPr lvl="0"/>
             <a:r>
@@ -3939,7 +3899,7 @@
           <a:p>
             <a:fld id="{48A87A34-81AB-432B-8DAE-1953F412C126}" type="datetimeFigureOut">
               <a:rPr lang="en-US" smtClean="0"/>
-              <a:t>4/24/2017</a:t>
+              <a:t>4/25/2017</a:t>
             </a:fld>
             <a:endParaRPr lang="en-US" dirty="0"/>
           </a:p>
@@ -3990,7 +3950,7 @@
     </p:spTree>
     <p:extLst>
       <p:ext uri="{BB962C8B-B14F-4D97-AF65-F5344CB8AC3E}">
-        <p14:creationId xmlns:p14="http://schemas.microsoft.com/office/powerpoint/2010/main" val="408535181"/>
+        <p14:creationId xmlns:p14="http://schemas.microsoft.com/office/powerpoint/2010/main" val="285719708"/>
       </p:ext>
     </p:extLst>
   </p:cSld>
@@ -4017,6 +3977,66 @@
           <a:chExt cx="0" cy="0"/>
         </a:xfrm>
       </p:grpSpPr>
+      <p:pic>
+        <p:nvPicPr>
+          <p:cNvPr id="20" name="Picture 19" descr="Slate-V2-HD-compPhotoInset.png"/>
+          <p:cNvPicPr>
+            <a:picLocks noChangeAspect="1"/>
+          </p:cNvPicPr>
+          <p:nvPr/>
+        </p:nvPicPr>
+        <p:blipFill>
+          <a:blip r:embed="rId2">
+            <a:extLst>
+              <a:ext uri="{28A0092B-C50C-407E-A947-70E740481C1C}">
+                <a14:useLocalDpi xmlns:a14="http://schemas.microsoft.com/office/drawing/2010/main" val="0"/>
+              </a:ext>
+            </a:extLst>
+          </a:blip>
+          <a:stretch>
+            <a:fillRect/>
+          </a:stretch>
+        </p:blipFill>
+        <p:spPr>
+          <a:xfrm>
+            <a:off x="913795" y="1734506"/>
+            <a:ext cx="5089072" cy="4148769"/>
+          </a:xfrm>
+          <a:prstGeom prst="rect">
+            <a:avLst/>
+          </a:prstGeom>
+        </p:spPr>
+      </p:pic>
+      <p:pic>
+        <p:nvPicPr>
+          <p:cNvPr id="21" name="Picture 20" descr="Slate-V2-HD-compPhotoInset.png"/>
+          <p:cNvPicPr>
+            <a:picLocks noChangeAspect="1"/>
+          </p:cNvPicPr>
+          <p:nvPr/>
+        </p:nvPicPr>
+        <p:blipFill>
+          <a:blip r:embed="rId2">
+            <a:extLst>
+              <a:ext uri="{28A0092B-C50C-407E-A947-70E740481C1C}">
+                <a14:useLocalDpi xmlns:a14="http://schemas.microsoft.com/office/drawing/2010/main" val="0"/>
+              </a:ext>
+            </a:extLst>
+          </a:blip>
+          <a:stretch>
+            <a:fillRect/>
+          </a:stretch>
+        </p:blipFill>
+        <p:spPr>
+          <a:xfrm>
+            <a:off x="6178485" y="1734506"/>
+            <a:ext cx="5089072" cy="4148769"/>
+          </a:xfrm>
+          <a:prstGeom prst="rect">
+            <a:avLst/>
+          </a:prstGeom>
+        </p:spPr>
+      </p:pic>
       <p:sp>
         <p:nvSpPr>
           <p:cNvPr id="2" name="Title 1"/>
@@ -4056,8 +4076,8 @@
         </p:nvSpPr>
         <p:spPr>
           <a:xfrm>
-            <a:off x="1103313" y="1905000"/>
-            <a:ext cx="4396338" cy="576262"/>
+            <a:off x="1005872" y="1835254"/>
+            <a:ext cx="4876344" cy="544884"/>
           </a:xfrm>
         </p:spPr>
         <p:txBody>
@@ -4065,16 +4085,9 @@
             <a:noAutofit/>
           </a:bodyPr>
           <a:lstStyle>
-            <a:lvl1pPr marL="0" indent="0">
-              <a:buNone/>
-              <a:defRPr sz="2400" b="0">
-                <a:solidFill>
-                  <a:schemeClr val="bg2">
-                    <a:lumMod val="40000"/>
-                    <a:lumOff val="60000"/>
-                  </a:schemeClr>
-                </a:solidFill>
-              </a:defRPr>
+            <a:lvl1pPr marL="0" indent="0" algn="ctr">
+              <a:buNone/>
+              <a:defRPr sz="2400" b="0"/>
             </a:lvl1pPr>
             <a:lvl2pPr marL="457200" indent="0">
               <a:buNone/>
@@ -4130,12 +4143,12 @@
         </p:nvSpPr>
         <p:spPr>
           <a:xfrm>
-            <a:off x="1103312" y="2514600"/>
-            <a:ext cx="4396339" cy="3741738"/>
-          </a:xfrm>
-        </p:spPr>
-        <p:txBody>
-          <a:bodyPr>
+            <a:off x="1005872" y="2380137"/>
+            <a:ext cx="4876344" cy="3411063"/>
+          </a:xfrm>
+        </p:spPr>
+        <p:txBody>
+          <a:bodyPr anchor="t">
             <a:normAutofit/>
           </a:bodyPr>
           <a:lstStyle>
@@ -4154,18 +4167,6 @@
             <a:lvl5pPr>
               <a:defRPr sz="1200"/>
             </a:lvl5pPr>
-            <a:lvl6pPr>
-              <a:defRPr sz="1200"/>
-            </a:lvl6pPr>
-            <a:lvl7pPr>
-              <a:defRPr sz="1200"/>
-            </a:lvl7pPr>
-            <a:lvl8pPr>
-              <a:defRPr sz="1200"/>
-            </a:lvl8pPr>
-            <a:lvl9pPr>
-              <a:defRPr sz="1200"/>
-            </a:lvl9pPr>
           </a:lstStyle>
           <a:p>
             <a:pPr lvl="0"/>
@@ -4217,8 +4218,8 @@
         </p:nvSpPr>
         <p:spPr>
           <a:xfrm>
-            <a:off x="5654495" y="1905000"/>
-            <a:ext cx="4396339" cy="576262"/>
+            <a:off x="6294967" y="1835254"/>
+            <a:ext cx="4895330" cy="544883"/>
           </a:xfrm>
         </p:spPr>
         <p:txBody>
@@ -4226,16 +4227,9 @@
             <a:noAutofit/>
           </a:bodyPr>
           <a:lstStyle>
-            <a:lvl1pPr marL="0" indent="0">
-              <a:buNone/>
-              <a:defRPr sz="2400" b="0">
-                <a:solidFill>
-                  <a:schemeClr val="bg2">
-                    <a:lumMod val="40000"/>
-                    <a:lumOff val="60000"/>
-                  </a:schemeClr>
-                </a:solidFill>
-              </a:defRPr>
+            <a:lvl1pPr marL="0" indent="0" algn="ctr">
+              <a:buNone/>
+              <a:defRPr sz="2400" b="0"/>
             </a:lvl1pPr>
             <a:lvl2pPr marL="457200" indent="0">
               <a:buNone/>
@@ -4291,12 +4285,12 @@
         </p:nvSpPr>
         <p:spPr>
           <a:xfrm>
-            <a:off x="5654495" y="2514600"/>
-            <a:ext cx="4396339" cy="3741738"/>
-          </a:xfrm>
-        </p:spPr>
-        <p:txBody>
-          <a:bodyPr>
+            <a:off x="6294967" y="2380137"/>
+            <a:ext cx="4895330" cy="3411063"/>
+          </a:xfrm>
+        </p:spPr>
+        <p:txBody>
+          <a:bodyPr anchor="t">
             <a:normAutofit/>
           </a:bodyPr>
           <a:lstStyle>
@@ -4315,18 +4309,6 @@
             <a:lvl5pPr>
               <a:defRPr sz="1200"/>
             </a:lvl5pPr>
-            <a:lvl6pPr>
-              <a:defRPr sz="1200"/>
-            </a:lvl6pPr>
-            <a:lvl7pPr>
-              <a:defRPr sz="1200"/>
-            </a:lvl7pPr>
-            <a:lvl8pPr>
-              <a:defRPr sz="1200"/>
-            </a:lvl8pPr>
-            <a:lvl9pPr>
-              <a:defRPr sz="1200"/>
-            </a:lvl9pPr>
           </a:lstStyle>
           <a:p>
             <a:pPr lvl="0"/>
@@ -4383,7 +4365,7 @@
           <a:p>
             <a:fld id="{48A87A34-81AB-432B-8DAE-1953F412C126}" type="datetimeFigureOut">
               <a:rPr lang="en-US" smtClean="0"/>
-              <a:t>4/24/2017</a:t>
+              <a:t>4/25/2017</a:t>
             </a:fld>
             <a:endParaRPr lang="en-US" dirty="0"/>
           </a:p>
@@ -4434,7 +4416,7 @@
     </p:spTree>
     <p:extLst>
       <p:ext uri="{BB962C8B-B14F-4D97-AF65-F5344CB8AC3E}">
-        <p14:creationId xmlns:p14="http://schemas.microsoft.com/office/powerpoint/2010/main" val="2956261975"/>
+        <p14:creationId xmlns:p14="http://schemas.microsoft.com/office/powerpoint/2010/main" val="1188662687"/>
       </p:ext>
     </p:extLst>
   </p:cSld>
@@ -4486,7 +4468,7 @@
       </p:sp>
       <p:sp>
         <p:nvSpPr>
-          <p:cNvPr id="7" name="Date Placeholder 2"/>
+          <p:cNvPr id="3" name="Date Placeholder 2"/>
           <p:cNvSpPr>
             <a:spLocks noGrp="1"/>
           </p:cNvSpPr>
@@ -4501,7 +4483,7 @@
           <a:p>
             <a:fld id="{48A87A34-81AB-432B-8DAE-1953F412C126}" type="datetimeFigureOut">
               <a:rPr lang="en-US" smtClean="0"/>
-              <a:t>4/24/2017</a:t>
+              <a:t>4/25/2017</a:t>
             </a:fld>
             <a:endParaRPr lang="en-US" dirty="0"/>
           </a:p>
@@ -4509,7 +4491,7 @@
       </p:sp>
       <p:sp>
         <p:nvSpPr>
-          <p:cNvPr id="5" name="Footer Placeholder 3"/>
+          <p:cNvPr id="4" name="Footer Placeholder 3"/>
           <p:cNvSpPr>
             <a:spLocks noGrp="1"/>
           </p:cNvSpPr>
@@ -4528,7 +4510,7 @@
       </p:sp>
       <p:sp>
         <p:nvSpPr>
-          <p:cNvPr id="6" name="Slide Number Placeholder 4"/>
+          <p:cNvPr id="5" name="Slide Number Placeholder 4"/>
           <p:cNvSpPr>
             <a:spLocks noGrp="1"/>
           </p:cNvSpPr>
@@ -4552,7 +4534,7 @@
     </p:spTree>
     <p:extLst>
       <p:ext uri="{BB962C8B-B14F-4D97-AF65-F5344CB8AC3E}">
-        <p14:creationId xmlns:p14="http://schemas.microsoft.com/office/powerpoint/2010/main" val="510528976"/>
+        <p14:creationId xmlns:p14="http://schemas.microsoft.com/office/powerpoint/2010/main" val="3022355230"/>
       </p:ext>
     </p:extLst>
   </p:cSld>
@@ -4581,7 +4563,7 @@
       </p:grpSpPr>
       <p:sp>
         <p:nvSpPr>
-          <p:cNvPr id="7" name="Date Placeholder 1"/>
+          <p:cNvPr id="2" name="Date Placeholder 1"/>
           <p:cNvSpPr>
             <a:spLocks noGrp="1"/>
           </p:cNvSpPr>
@@ -4596,7 +4578,7 @@
           <a:p>
             <a:fld id="{48A87A34-81AB-432B-8DAE-1953F412C126}" type="datetimeFigureOut">
               <a:rPr lang="en-US" smtClean="0"/>
-              <a:t>4/24/2017</a:t>
+              <a:t>4/25/2017</a:t>
             </a:fld>
             <a:endParaRPr lang="en-US" dirty="0"/>
           </a:p>
@@ -4604,7 +4586,7 @@
       </p:sp>
       <p:sp>
         <p:nvSpPr>
-          <p:cNvPr id="5" name="Footer Placeholder 2"/>
+          <p:cNvPr id="3" name="Footer Placeholder 2"/>
           <p:cNvSpPr>
             <a:spLocks noGrp="1"/>
           </p:cNvSpPr>
@@ -4623,7 +4605,7 @@
       </p:sp>
       <p:sp>
         <p:nvSpPr>
-          <p:cNvPr id="6" name="Slide Number Placeholder 3"/>
+          <p:cNvPr id="4" name="Slide Number Placeholder 3"/>
           <p:cNvSpPr>
             <a:spLocks noGrp="1"/>
           </p:cNvSpPr>
@@ -4647,7 +4629,7 @@
     </p:spTree>
     <p:extLst>
       <p:ext uri="{BB962C8B-B14F-4D97-AF65-F5344CB8AC3E}">
-        <p14:creationId xmlns:p14="http://schemas.microsoft.com/office/powerpoint/2010/main" val="2216751384"/>
+        <p14:creationId xmlns:p14="http://schemas.microsoft.com/office/powerpoint/2010/main" val="3802521338"/>
       </p:ext>
     </p:extLst>
   </p:cSld>
@@ -4686,14 +4668,16 @@
         </p:nvSpPr>
         <p:spPr>
           <a:xfrm>
-            <a:off x="1154953" y="1447800"/>
-            <a:ext cx="3401064" cy="1447800"/>
-          </a:xfrm>
-        </p:spPr>
-        <p:txBody>
-          <a:bodyPr anchor="b"/>
+            <a:off x="913795" y="609600"/>
+            <a:ext cx="3706889" cy="1821918"/>
+          </a:xfrm>
+        </p:spPr>
+        <p:txBody>
+          <a:bodyPr anchor="b">
+            <a:normAutofit/>
+          </a:bodyPr>
           <a:lstStyle>
-            <a:lvl1pPr algn="l">
+            <a:lvl1pPr algn="ctr">
               <a:defRPr sz="2400" b="0"/>
             </a:lvl1pPr>
           </a:lstStyle>
@@ -4718,103 +4702,77 @@
         </p:nvSpPr>
         <p:spPr>
           <a:xfrm>
-            <a:off x="4784616" y="1447800"/>
-            <a:ext cx="5195997" cy="4572000"/>
-          </a:xfrm>
-        </p:spPr>
-        <p:txBody>
-          <a:bodyPr anchor="ctr">
+            <a:off x="4855633" y="609600"/>
+            <a:ext cx="6411924" cy="5181600"/>
+          </a:xfrm>
+        </p:spPr>
+        <p:txBody>
+          <a:bodyPr>
+            <a:normAutofit/>
+          </a:bodyPr>
+          <a:lstStyle/>
+          <a:p>
+            <a:pPr lvl="0"/>
+            <a:r>
+              <a:rPr lang="en-US" smtClean="0"/>
+              <a:t>Edit Master text styles</a:t>
+            </a:r>
+          </a:p>
+          <a:p>
+            <a:pPr lvl="1"/>
+            <a:r>
+              <a:rPr lang="en-US" smtClean="0"/>
+              <a:t>Second level</a:t>
+            </a:r>
+          </a:p>
+          <a:p>
+            <a:pPr lvl="2"/>
+            <a:r>
+              <a:rPr lang="en-US" smtClean="0"/>
+              <a:t>Third level</a:t>
+            </a:r>
+          </a:p>
+          <a:p>
+            <a:pPr lvl="3"/>
+            <a:r>
+              <a:rPr lang="en-US" smtClean="0"/>
+              <a:t>Fourth level</a:t>
+            </a:r>
+          </a:p>
+          <a:p>
+            <a:pPr lvl="4"/>
+            <a:r>
+              <a:rPr lang="en-US" smtClean="0"/>
+              <a:t>Fifth level</a:t>
+            </a:r>
+            <a:endParaRPr lang="en-US" dirty="0"/>
+          </a:p>
+        </p:txBody>
+      </p:sp>
+      <p:sp>
+        <p:nvSpPr>
+          <p:cNvPr id="4" name="Text Placeholder 3"/>
+          <p:cNvSpPr>
+            <a:spLocks noGrp="1"/>
+          </p:cNvSpPr>
+          <p:nvPr>
+            <p:ph type="body" sz="half" idx="2"/>
+          </p:nvPr>
+        </p:nvSpPr>
+        <p:spPr>
+          <a:xfrm>
+            <a:off x="913795" y="2431518"/>
+            <a:ext cx="3706889" cy="3359681"/>
+          </a:xfrm>
+        </p:spPr>
+        <p:txBody>
+          <a:bodyPr anchor="t">
             <a:normAutofit/>
           </a:bodyPr>
           <a:lstStyle>
-            <a:lvl1pPr>
-              <a:defRPr sz="2000"/>
-            </a:lvl1pPr>
-            <a:lvl2pPr>
-              <a:defRPr sz="1800"/>
-            </a:lvl2pPr>
-            <a:lvl3pPr>
+            <a:lvl1pPr marL="0" indent="0" algn="ctr">
+              <a:buNone/>
               <a:defRPr sz="1600"/>
-            </a:lvl3pPr>
-            <a:lvl4pPr>
-              <a:defRPr sz="1400"/>
-            </a:lvl4pPr>
-            <a:lvl5pPr>
-              <a:defRPr sz="1400"/>
-            </a:lvl5pPr>
-            <a:lvl6pPr>
-              <a:defRPr sz="1400"/>
-            </a:lvl6pPr>
-            <a:lvl7pPr>
-              <a:defRPr sz="1400"/>
-            </a:lvl7pPr>
-            <a:lvl8pPr>
-              <a:defRPr sz="1400"/>
-            </a:lvl8pPr>
-            <a:lvl9pPr>
-              <a:defRPr sz="1400"/>
-            </a:lvl9pPr>
-          </a:lstStyle>
-          <a:p>
-            <a:pPr lvl="0"/>
-            <a:r>
-              <a:rPr lang="en-US" smtClean="0"/>
-              <a:t>Edit Master text styles</a:t>
-            </a:r>
-          </a:p>
-          <a:p>
-            <a:pPr lvl="1"/>
-            <a:r>
-              <a:rPr lang="en-US" smtClean="0"/>
-              <a:t>Second level</a:t>
-            </a:r>
-          </a:p>
-          <a:p>
-            <a:pPr lvl="2"/>
-            <a:r>
-              <a:rPr lang="en-US" smtClean="0"/>
-              <a:t>Third level</a:t>
-            </a:r>
-          </a:p>
-          <a:p>
-            <a:pPr lvl="3"/>
-            <a:r>
-              <a:rPr lang="en-US" smtClean="0"/>
-              <a:t>Fourth level</a:t>
-            </a:r>
-          </a:p>
-          <a:p>
-            <a:pPr lvl="4"/>
-            <a:r>
-              <a:rPr lang="en-US" smtClean="0"/>
-              <a:t>Fifth level</a:t>
-            </a:r>
-            <a:endParaRPr lang="en-US" dirty="0"/>
-          </a:p>
-        </p:txBody>
-      </p:sp>
-      <p:sp>
-        <p:nvSpPr>
-          <p:cNvPr id="4" name="Text Placeholder 3"/>
-          <p:cNvSpPr>
-            <a:spLocks noGrp="1"/>
-          </p:cNvSpPr>
-          <p:nvPr>
-            <p:ph type="body" sz="half" idx="2"/>
-          </p:nvPr>
-        </p:nvSpPr>
-        <p:spPr>
-          <a:xfrm>
-            <a:off x="1154953" y="3129280"/>
-            <a:ext cx="3401063" cy="2895599"/>
-          </a:xfrm>
-        </p:spPr>
-        <p:txBody>
-          <a:bodyPr/>
-          <a:lstStyle>
-            <a:lvl1pPr marL="0" indent="0">
-              <a:buNone/>
-              <a:defRPr sz="1400"/>
             </a:lvl1pPr>
             <a:lvl2pPr marL="457200" indent="0">
               <a:buNone/>
@@ -4860,7 +4818,7 @@
       </p:sp>
       <p:sp>
         <p:nvSpPr>
-          <p:cNvPr id="7" name="Date Placeholder 4"/>
+          <p:cNvPr id="5" name="Date Placeholder 4"/>
           <p:cNvSpPr>
             <a:spLocks noGrp="1"/>
           </p:cNvSpPr>
@@ -4875,7 +4833,7 @@
           <a:p>
             <a:fld id="{48A87A34-81AB-432B-8DAE-1953F412C126}" type="datetimeFigureOut">
               <a:rPr lang="en-US" smtClean="0"/>
-              <a:t>4/24/2017</a:t>
+              <a:t>4/25/2017</a:t>
             </a:fld>
             <a:endParaRPr lang="en-US" dirty="0"/>
           </a:p>
@@ -4883,7 +4841,7 @@
       </p:sp>
       <p:sp>
         <p:nvSpPr>
-          <p:cNvPr id="5" name="Footer Placeholder 5"/>
+          <p:cNvPr id="6" name="Footer Placeholder 5"/>
           <p:cNvSpPr>
             <a:spLocks noGrp="1"/>
           </p:cNvSpPr>
@@ -4902,7 +4860,7 @@
       </p:sp>
       <p:sp>
         <p:nvSpPr>
-          <p:cNvPr id="6" name="Slide Number Placeholder 6"/>
+          <p:cNvPr id="7" name="Slide Number Placeholder 6"/>
           <p:cNvSpPr>
             <a:spLocks noGrp="1"/>
           </p:cNvSpPr>
@@ -4926,7 +4884,7 @@
     </p:spTree>
     <p:extLst>
       <p:ext uri="{BB962C8B-B14F-4D97-AF65-F5344CB8AC3E}">
-        <p14:creationId xmlns:p14="http://schemas.microsoft.com/office/powerpoint/2010/main" val="1133853901"/>
+        <p14:creationId xmlns:p14="http://schemas.microsoft.com/office/powerpoint/2010/main" val="2986015858"/>
       </p:ext>
     </p:extLst>
   </p:cSld>
@@ -4953,29 +4911,59 @@
           <a:chExt cx="0" cy="0"/>
         </a:xfrm>
       </p:grpSpPr>
-      <p:sp>
-        <p:nvSpPr>
-          <p:cNvPr id="2" name="Title 1"/>
-          <p:cNvSpPr>
-            <a:spLocks noGrp="1"/>
-          </p:cNvSpPr>
-          <p:nvPr>
-            <p:ph type="title"/>
-          </p:nvPr>
-        </p:nvSpPr>
+      <p:pic>
+        <p:nvPicPr>
+          <p:cNvPr id="22" name="Picture 21" descr="Slate-V2-HD-vertPhotoInset.png"/>
+          <p:cNvPicPr>
+            <a:picLocks noChangeAspect="1"/>
+          </p:cNvPicPr>
+          <p:nvPr/>
+        </p:nvPicPr>
+        <p:blipFill>
+          <a:blip r:embed="rId2">
+            <a:extLst>
+              <a:ext uri="{28A0092B-C50C-407E-A947-70E740481C1C}">
+                <a14:useLocalDpi xmlns:a14="http://schemas.microsoft.com/office/drawing/2010/main" val="0"/>
+              </a:ext>
+            </a:extLst>
+          </a:blip>
+          <a:stretch>
+            <a:fillRect/>
+          </a:stretch>
+        </p:blipFill>
         <p:spPr>
           <a:xfrm>
-            <a:off x="1153907" y="1854192"/>
-            <a:ext cx="5092906" cy="1574808"/>
+            <a:off x="7293665" y="609600"/>
+            <a:ext cx="3584166" cy="5204832"/>
+          </a:xfrm>
+          <a:prstGeom prst="rect">
+            <a:avLst/>
+          </a:prstGeom>
+        </p:spPr>
+      </p:pic>
+      <p:sp>
+        <p:nvSpPr>
+          <p:cNvPr id="2" name="Title 1"/>
+          <p:cNvSpPr>
+            <a:spLocks noGrp="1"/>
+          </p:cNvSpPr>
+          <p:nvPr>
+            <p:ph type="title"/>
+          </p:nvPr>
+        </p:nvSpPr>
+        <p:spPr>
+          <a:xfrm>
+            <a:off x="913795" y="609923"/>
+            <a:ext cx="5934949" cy="1829338"/>
           </a:xfrm>
         </p:spPr>
         <p:txBody>
           <a:bodyPr anchor="b">
-            <a:normAutofit/>
+            <a:noAutofit/>
           </a:bodyPr>
           <a:lstStyle>
-            <a:lvl1pPr algn="l">
-              <a:defRPr sz="3600" b="0"/>
+            <a:lvl1pPr algn="ctr">
+              <a:defRPr sz="3200" b="0"/>
             </a:lvl1pPr>
           </a:lstStyle>
           <a:p>
@@ -4999,18 +4987,13 @@
         </p:nvSpPr>
         <p:spPr>
           <a:xfrm>
-            <a:off x="6949546" y="1143000"/>
-            <a:ext cx="3200400" cy="4572000"/>
-          </a:xfrm>
-          <a:prstGeom prst="roundRect">
-            <a:avLst>
-              <a:gd name="adj" fmla="val 1858"/>
-            </a:avLst>
-          </a:prstGeom>
+            <a:off x="7442551" y="763702"/>
+            <a:ext cx="3275751" cy="4912822"/>
+          </a:xfrm>
           <a:effectLst>
-            <a:outerShdw blurRad="50800" dist="50800" dir="5400000" algn="tl" rotWithShape="0">
+            <a:outerShdw blurRad="38100" dist="25400" dir="4440000">
               <a:srgbClr val="000000">
-                <a:alpha val="43000"/>
+                <a:alpha val="36000"/>
               </a:srgbClr>
             </a:outerShdw>
           </a:effectLst>
@@ -5078,18 +5061,18 @@
         </p:nvSpPr>
         <p:spPr>
           <a:xfrm>
-            <a:off x="1154954" y="3657600"/>
-            <a:ext cx="5084979" cy="1371600"/>
-          </a:xfrm>
-        </p:spPr>
-        <p:txBody>
-          <a:bodyPr>
+            <a:off x="913795" y="2439261"/>
+            <a:ext cx="5934949" cy="3376134"/>
+          </a:xfrm>
+        </p:spPr>
+        <p:txBody>
+          <a:bodyPr anchor="t">
             <a:normAutofit/>
           </a:bodyPr>
           <a:lstStyle>
-            <a:lvl1pPr marL="0" indent="0">
-              <a:buNone/>
-              <a:defRPr sz="1400"/>
+            <a:lvl1pPr marL="0" indent="0" algn="ctr">
+              <a:buNone/>
+              <a:defRPr sz="1600"/>
             </a:lvl1pPr>
             <a:lvl2pPr marL="457200" indent="0">
               <a:buNone/>
@@ -5150,7 +5133,7 @@
           <a:p>
             <a:fld id="{48A87A34-81AB-432B-8DAE-1953F412C126}" type="datetimeFigureOut">
               <a:rPr lang="en-US" smtClean="0"/>
-              <a:t>4/24/2017</a:t>
+              <a:t>4/25/2017</a:t>
             </a:fld>
             <a:endParaRPr lang="en-US" dirty="0"/>
           </a:p>
@@ -5201,7 +5184,7 @@
     </p:spTree>
     <p:extLst>
       <p:ext uri="{BB962C8B-B14F-4D97-AF65-F5344CB8AC3E}">
-        <p14:creationId xmlns:p14="http://schemas.microsoft.com/office/powerpoint/2010/main" val="4061068036"/>
+        <p14:creationId xmlns:p14="http://schemas.microsoft.com/office/powerpoint/2010/main" val="4107070330"/>
       </p:ext>
     </p:extLst>
   </p:cSld>
@@ -5233,430 +5216,248 @@
           <a:chExt cx="0" cy="0"/>
         </a:xfrm>
       </p:grpSpPr>
-      <p:pic>
-        <p:nvPicPr>
-          <p:cNvPr id="8" name="Picture 7"/>
-          <p:cNvPicPr>
-            <a:picLocks noChangeAspect="1"/>
-          </p:cNvPicPr>
-          <p:nvPr/>
-        </p:nvPicPr>
-        <p:blipFill rotWithShape="1">
-          <a:blip r:embed="rId19">
-            <a:extLst>
-              <a:ext uri="{28A0092B-C50C-407E-A947-70E740481C1C}">
-                <a14:useLocalDpi xmlns:a14="http://schemas.microsoft.com/office/drawing/2010/main" val="0"/>
-              </a:ext>
-            </a:extLst>
-          </a:blip>
-          <a:srcRect l="3613"/>
-          <a:stretch/>
-        </p:blipFill>
+      <p:sp>
+        <p:nvSpPr>
+          <p:cNvPr id="2" name="Title Placeholder 1"/>
+          <p:cNvSpPr>
+            <a:spLocks noGrp="1"/>
+          </p:cNvSpPr>
+          <p:nvPr>
+            <p:ph type="title"/>
+          </p:nvPr>
+        </p:nvSpPr>
         <p:spPr>
           <a:xfrm>
-            <a:off x="0" y="2669685"/>
-            <a:ext cx="4037012" cy="4188315"/>
+            <a:off x="913795" y="609600"/>
+            <a:ext cx="10353762" cy="970450"/>
           </a:xfrm>
           <a:prstGeom prst="rect">
             <a:avLst/>
           </a:prstGeom>
-        </p:spPr>
-      </p:pic>
-      <p:pic>
-        <p:nvPicPr>
-          <p:cNvPr id="7" name="Picture 6"/>
-          <p:cNvPicPr>
-            <a:picLocks noChangeAspect="1"/>
-          </p:cNvPicPr>
-          <p:nvPr/>
-        </p:nvPicPr>
-        <p:blipFill rotWithShape="1">
-          <a:blip r:embed="rId20">
-            <a:extLst>
-              <a:ext uri="{28A0092B-C50C-407E-A947-70E740481C1C}">
-                <a14:useLocalDpi xmlns:a14="http://schemas.microsoft.com/office/drawing/2010/main" val="0"/>
-              </a:ext>
-            </a:extLst>
-          </a:blip>
-          <a:srcRect l="35640"/>
-          <a:stretch/>
-        </p:blipFill>
+          <a:effectLst>
+            <a:outerShdw blurRad="25400" dir="17880000">
+              <a:srgbClr val="000000">
+                <a:alpha val="46000"/>
+              </a:srgbClr>
+            </a:outerShdw>
+          </a:effectLst>
+        </p:spPr>
+        <p:txBody>
+          <a:bodyPr vert="horz" lIns="91440" tIns="45720" rIns="91440" bIns="45720" rtlCol="0" anchor="ctr">
+            <a:normAutofit/>
+          </a:bodyPr>
+          <a:lstStyle/>
+          <a:p>
+            <a:r>
+              <a:rPr lang="en-US" smtClean="0"/>
+              <a:t>Click to edit Master title style</a:t>
+            </a:r>
+            <a:endParaRPr lang="en-US" dirty="0"/>
+          </a:p>
+        </p:txBody>
+      </p:sp>
+      <p:sp>
+        <p:nvSpPr>
+          <p:cNvPr id="3" name="Text Placeholder 2"/>
+          <p:cNvSpPr>
+            <a:spLocks noGrp="1"/>
+          </p:cNvSpPr>
+          <p:nvPr>
+            <p:ph type="body" idx="1"/>
+          </p:nvPr>
+        </p:nvSpPr>
         <p:spPr>
           <a:xfrm>
-            <a:off x="0" y="2892347"/>
-            <a:ext cx="1522412" cy="2365453"/>
+            <a:off x="913795" y="1732449"/>
+            <a:ext cx="10353762" cy="4058751"/>
           </a:xfrm>
           <a:prstGeom prst="rect">
             <a:avLst/>
           </a:prstGeom>
-        </p:spPr>
-      </p:pic>
-      <p:sp>
-        <p:nvSpPr>
-          <p:cNvPr id="16" name="Oval 15"/>
-          <p:cNvSpPr/>
-          <p:nvPr/>
+          <a:effectLst>
+            <a:outerShdw blurRad="25400" dir="17880000">
+              <a:srgbClr val="000000">
+                <a:alpha val="46000"/>
+              </a:srgbClr>
+            </a:outerShdw>
+          </a:effectLst>
+        </p:spPr>
+        <p:txBody>
+          <a:bodyPr vert="horz" lIns="91440" tIns="45720" rIns="91440" bIns="45720" rtlCol="0" anchor="t">
+            <a:normAutofit/>
+          </a:bodyPr>
+          <a:lstStyle/>
+          <a:p>
+            <a:pPr lvl="0"/>
+            <a:r>
+              <a:rPr lang="en-US" smtClean="0"/>
+              <a:t>Edit Master text styles</a:t>
+            </a:r>
+          </a:p>
+          <a:p>
+            <a:pPr lvl="1"/>
+            <a:r>
+              <a:rPr lang="en-US" smtClean="0"/>
+              <a:t>Second level</a:t>
+            </a:r>
+          </a:p>
+          <a:p>
+            <a:pPr lvl="2"/>
+            <a:r>
+              <a:rPr lang="en-US" smtClean="0"/>
+              <a:t>Third level</a:t>
+            </a:r>
+          </a:p>
+          <a:p>
+            <a:pPr lvl="3"/>
+            <a:r>
+              <a:rPr lang="en-US" smtClean="0"/>
+              <a:t>Fourth level</a:t>
+            </a:r>
+          </a:p>
+          <a:p>
+            <a:pPr lvl="4"/>
+            <a:r>
+              <a:rPr lang="en-US" smtClean="0"/>
+              <a:t>Fifth level</a:t>
+            </a:r>
+            <a:endParaRPr lang="en-US" dirty="0"/>
+          </a:p>
+        </p:txBody>
+      </p:sp>
+      <p:sp>
+        <p:nvSpPr>
+          <p:cNvPr id="4" name="Date Placeholder 3"/>
+          <p:cNvSpPr>
+            <a:spLocks noGrp="1"/>
+          </p:cNvSpPr>
+          <p:nvPr>
+            <p:ph type="dt" sz="half" idx="2"/>
+          </p:nvPr>
         </p:nvSpPr>
         <p:spPr>
           <a:xfrm>
-            <a:off x="8609012" y="1676400"/>
-            <a:ext cx="2819400" cy="2819400"/>
-          </a:xfrm>
-          <a:prstGeom prst="ellipse">
-            <a:avLst/>
-          </a:prstGeom>
-          <a:gradFill flip="none" rotWithShape="1">
-            <a:gsLst>
-              <a:gs pos="0">
-                <a:schemeClr val="bg2">
-                  <a:lumMod val="60000"/>
-                  <a:lumOff val="40000"/>
-                  <a:alpha val="7000"/>
-                </a:schemeClr>
-              </a:gs>
-              <a:gs pos="69000">
-                <a:schemeClr val="bg2">
-                  <a:lumMod val="60000"/>
-                  <a:lumOff val="40000"/>
-                  <a:alpha val="0"/>
-                </a:schemeClr>
-              </a:gs>
-              <a:gs pos="36000">
-                <a:schemeClr val="bg2">
-                  <a:lumMod val="60000"/>
-                  <a:lumOff val="40000"/>
-                  <a:alpha val="6000"/>
-                </a:schemeClr>
-              </a:gs>
-            </a:gsLst>
-            <a:path path="circle">
-              <a:fillToRect l="50000" t="50000" r="50000" b="50000"/>
-            </a:path>
-            <a:tileRect/>
-          </a:gradFill>
-          <a:ln>
-            <a:noFill/>
-          </a:ln>
-          <a:effectLst/>
-        </p:spPr>
-        <p:style>
-          <a:lnRef idx="1">
-            <a:schemeClr val="accent1"/>
-          </a:lnRef>
-          <a:fillRef idx="3">
-            <a:schemeClr val="accent1"/>
-          </a:fillRef>
-          <a:effectRef idx="2">
-            <a:schemeClr val="accent1"/>
-          </a:effectRef>
-          <a:fontRef idx="minor">
-            <a:schemeClr val="lt1"/>
-          </a:fontRef>
-        </p:style>
-      </p:sp>
-      <p:pic>
-        <p:nvPicPr>
-          <p:cNvPr id="9" name="Picture 8"/>
-          <p:cNvPicPr>
-            <a:picLocks noChangeAspect="1"/>
-          </p:cNvPicPr>
-          <p:nvPr/>
-        </p:nvPicPr>
-        <p:blipFill rotWithShape="1">
-          <a:blip r:embed="rId21">
-            <a:extLst>
-              <a:ext uri="{28A0092B-C50C-407E-A947-70E740481C1C}">
-                <a14:useLocalDpi xmlns:a14="http://schemas.microsoft.com/office/drawing/2010/main" val="0"/>
-              </a:ext>
-            </a:extLst>
-          </a:blip>
-          <a:srcRect t="28813"/>
-          <a:stretch/>
-        </p:blipFill>
-        <p:spPr>
-          <a:xfrm>
-            <a:off x="7999412" y="0"/>
-            <a:ext cx="1603387" cy="1141407"/>
+            <a:off x="7678736" y="5883275"/>
+            <a:ext cx="2743200" cy="365125"/>
           </a:xfrm>
           <a:prstGeom prst="rect">
             <a:avLst/>
           </a:prstGeom>
         </p:spPr>
-      </p:pic>
-      <p:pic>
-        <p:nvPicPr>
-          <p:cNvPr id="10" name="Picture 9"/>
-          <p:cNvPicPr>
-            <a:picLocks noChangeAspect="1"/>
-          </p:cNvPicPr>
-          <p:nvPr/>
-        </p:nvPicPr>
-        <p:blipFill rotWithShape="1">
-          <a:blip r:embed="rId22">
-            <a:extLst>
-              <a:ext uri="{28A0092B-C50C-407E-A947-70E740481C1C}">
-                <a14:useLocalDpi xmlns:a14="http://schemas.microsoft.com/office/drawing/2010/main" val="0"/>
-              </a:ext>
-            </a:extLst>
-          </a:blip>
-          <a:srcRect b="23320"/>
-          <a:stretch/>
-        </p:blipFill>
+        <p:txBody>
+          <a:bodyPr vert="horz" lIns="91440" tIns="45720" rIns="91440" bIns="45720" rtlCol="0" anchor="ctr"/>
+          <a:lstStyle>
+            <a:lvl1pPr algn="r">
+              <a:defRPr sz="1000">
+                <a:solidFill>
+                  <a:schemeClr val="tx1">
+                    <a:lumMod val="95000"/>
+                  </a:schemeClr>
+                </a:solidFill>
+                <a:effectLst>
+                  <a:outerShdw blurRad="50800" dist="38100" dir="2700000" algn="tl" rotWithShape="0">
+                    <a:schemeClr val="bg1">
+                      <a:alpha val="43000"/>
+                    </a:schemeClr>
+                  </a:outerShdw>
+                </a:effectLst>
+              </a:defRPr>
+            </a:lvl1pPr>
+          </a:lstStyle>
+          <a:p>
+            <a:fld id="{48A87A34-81AB-432B-8DAE-1953F412C126}" type="datetimeFigureOut">
+              <a:rPr lang="en-US" smtClean="0"/>
+              <a:pPr/>
+              <a:t>4/25/2017</a:t>
+            </a:fld>
+            <a:endParaRPr lang="en-US" dirty="0"/>
+          </a:p>
+        </p:txBody>
+      </p:sp>
+      <p:sp>
+        <p:nvSpPr>
+          <p:cNvPr id="5" name="Footer Placeholder 4"/>
+          <p:cNvSpPr>
+            <a:spLocks noGrp="1"/>
+          </p:cNvSpPr>
+          <p:nvPr>
+            <p:ph type="ftr" sz="quarter" idx="3"/>
+          </p:nvPr>
+        </p:nvSpPr>
         <p:spPr>
           <a:xfrm>
-            <a:off x="8605878" y="6096000"/>
-            <a:ext cx="993734" cy="762000"/>
+            <a:off x="913795" y="5883275"/>
+            <a:ext cx="6672865" cy="365125"/>
           </a:xfrm>
           <a:prstGeom prst="rect">
             <a:avLst/>
           </a:prstGeom>
         </p:spPr>
-      </p:pic>
-      <p:sp>
-        <p:nvSpPr>
-          <p:cNvPr id="14" name="Rectangle 13"/>
-          <p:cNvSpPr/>
-          <p:nvPr/>
+        <p:txBody>
+          <a:bodyPr vert="horz" lIns="91440" tIns="45720" rIns="91440" bIns="45720" rtlCol="0" anchor="ctr"/>
+          <a:lstStyle>
+            <a:lvl1pPr algn="l">
+              <a:defRPr sz="1000">
+                <a:solidFill>
+                  <a:schemeClr val="tx1">
+                    <a:lumMod val="95000"/>
+                  </a:schemeClr>
+                </a:solidFill>
+                <a:effectLst>
+                  <a:outerShdw blurRad="50800" dist="38100" dir="2700000" algn="tl" rotWithShape="0">
+                    <a:schemeClr val="bg1">
+                      <a:alpha val="43000"/>
+                    </a:schemeClr>
+                  </a:outerShdw>
+                </a:effectLst>
+              </a:defRPr>
+            </a:lvl1pPr>
+          </a:lstStyle>
+          <a:p>
+            <a:endParaRPr lang="en-US" dirty="0"/>
+          </a:p>
+        </p:txBody>
+      </p:sp>
+      <p:sp>
+        <p:nvSpPr>
+          <p:cNvPr id="6" name="Slide Number Placeholder 5"/>
+          <p:cNvSpPr>
+            <a:spLocks noGrp="1"/>
+          </p:cNvSpPr>
+          <p:nvPr>
+            <p:ph type="sldNum" sz="quarter" idx="4"/>
+          </p:nvPr>
         </p:nvSpPr>
         <p:spPr>
           <a:xfrm>
-            <a:off x="10437812" y="0"/>
-            <a:ext cx="685800" cy="1143000"/>
+            <a:off x="10514011" y="5883275"/>
+            <a:ext cx="753545" cy="365125"/>
           </a:xfrm>
           <a:prstGeom prst="rect">
             <a:avLst/>
           </a:prstGeom>
-          <a:solidFill>
-            <a:schemeClr val="accent1"/>
-          </a:solidFill>
-          <a:ln>
-            <a:noFill/>
-          </a:ln>
-        </p:spPr>
-        <p:style>
-          <a:lnRef idx="1">
-            <a:schemeClr val="accent1"/>
-          </a:lnRef>
-          <a:fillRef idx="3">
-            <a:schemeClr val="accent1"/>
-          </a:fillRef>
-          <a:effectRef idx="2">
-            <a:schemeClr val="accent1"/>
-          </a:effectRef>
-          <a:fontRef idx="minor">
-            <a:schemeClr val="lt1"/>
-          </a:fontRef>
-        </p:style>
-      </p:sp>
-      <p:sp>
-        <p:nvSpPr>
-          <p:cNvPr id="2" name="Title Placeholder 1"/>
-          <p:cNvSpPr>
-            <a:spLocks noGrp="1"/>
-          </p:cNvSpPr>
-          <p:nvPr>
-            <p:ph type="title"/>
-          </p:nvPr>
-        </p:nvSpPr>
-        <p:spPr>
-          <a:xfrm>
-            <a:off x="646111" y="452718"/>
-            <a:ext cx="9404723" cy="1400530"/>
-          </a:xfrm>
-          <a:prstGeom prst="rect">
-            <a:avLst/>
-          </a:prstGeom>
-        </p:spPr>
-        <p:txBody>
-          <a:bodyPr vert="horz" lIns="91440" tIns="45720" rIns="91440" bIns="45720" rtlCol="0" anchor="t">
-            <a:noAutofit/>
-          </a:bodyPr>
-          <a:lstStyle/>
-          <a:p>
-            <a:r>
-              <a:rPr lang="en-US" smtClean="0"/>
-              <a:t>Click to edit Master title style</a:t>
-            </a:r>
-            <a:endParaRPr lang="en-US" dirty="0"/>
-          </a:p>
-        </p:txBody>
-      </p:sp>
-      <p:sp>
-        <p:nvSpPr>
-          <p:cNvPr id="3" name="Text Placeholder 2"/>
-          <p:cNvSpPr>
-            <a:spLocks noGrp="1"/>
-          </p:cNvSpPr>
-          <p:nvPr>
-            <p:ph type="body" idx="1"/>
-          </p:nvPr>
-        </p:nvSpPr>
-        <p:spPr>
-          <a:xfrm>
-            <a:off x="1103312" y="2052918"/>
-            <a:ext cx="8946541" cy="4195481"/>
-          </a:xfrm>
-          <a:prstGeom prst="rect">
-            <a:avLst/>
-          </a:prstGeom>
-        </p:spPr>
-        <p:txBody>
-          <a:bodyPr vert="horz" lIns="91440" tIns="45720" rIns="91440" bIns="45720" rtlCol="0">
-            <a:normAutofit/>
-          </a:bodyPr>
-          <a:lstStyle/>
-          <a:p>
-            <a:pPr lvl="0"/>
-            <a:r>
-              <a:rPr lang="en-US" smtClean="0"/>
-              <a:t>Edit Master text styles</a:t>
-            </a:r>
-          </a:p>
-          <a:p>
-            <a:pPr lvl="1"/>
-            <a:r>
-              <a:rPr lang="en-US" smtClean="0"/>
-              <a:t>Second level</a:t>
-            </a:r>
-          </a:p>
-          <a:p>
-            <a:pPr lvl="2"/>
-            <a:r>
-              <a:rPr lang="en-US" smtClean="0"/>
-              <a:t>Third level</a:t>
-            </a:r>
-          </a:p>
-          <a:p>
-            <a:pPr lvl="3"/>
-            <a:r>
-              <a:rPr lang="en-US" smtClean="0"/>
-              <a:t>Fourth level</a:t>
-            </a:r>
-          </a:p>
-          <a:p>
-            <a:pPr lvl="4"/>
-            <a:r>
-              <a:rPr lang="en-US" smtClean="0"/>
-              <a:t>Fifth level</a:t>
-            </a:r>
-            <a:endParaRPr lang="en-US" dirty="0"/>
-          </a:p>
-        </p:txBody>
-      </p:sp>
-      <p:sp>
-        <p:nvSpPr>
-          <p:cNvPr id="4" name="Date Placeholder 3"/>
-          <p:cNvSpPr>
-            <a:spLocks noGrp="1"/>
-          </p:cNvSpPr>
-          <p:nvPr>
-            <p:ph type="dt" sz="half" idx="2"/>
-          </p:nvPr>
-        </p:nvSpPr>
-        <p:spPr>
-          <a:xfrm rot="5400000">
-            <a:off x="10155639" y="1790701"/>
-            <a:ext cx="990599" cy="304799"/>
-          </a:xfrm>
-          <a:prstGeom prst="rect">
-            <a:avLst/>
-          </a:prstGeom>
-        </p:spPr>
-        <p:txBody>
-          <a:bodyPr vert="horz" lIns="91440" tIns="45720" rIns="91440" bIns="45720" rtlCol="0" anchor="t"/>
+        </p:spPr>
+        <p:txBody>
+          <a:bodyPr vert="horz" lIns="91440" tIns="45720" rIns="91440" bIns="45720" rtlCol="0" anchor="ctr"/>
           <a:lstStyle>
-            <a:lvl1pPr algn="l">
-              <a:defRPr sz="1100" b="0" i="0">
+            <a:lvl1pPr algn="r">
+              <a:defRPr sz="1000">
                 <a:solidFill>
                   <a:schemeClr val="tx1">
-                    <a:tint val="75000"/>
-                    <a:alpha val="60000"/>
+                    <a:lumMod val="95000"/>
                   </a:schemeClr>
                 </a:solidFill>
+                <a:effectLst>
+                  <a:outerShdw blurRad="50800" dist="38100" dir="2700000" algn="tl" rotWithShape="0">
+                    <a:schemeClr val="bg1">
+                      <a:alpha val="43000"/>
+                    </a:schemeClr>
+                  </a:outerShdw>
+                </a:effectLst>
               </a:defRPr>
             </a:lvl1pPr>
           </a:lstStyle>
           <a:p>
-            <a:fld id="{48A87A34-81AB-432B-8DAE-1953F412C126}" type="datetimeFigureOut">
-              <a:rPr lang="en-US" smtClean="0"/>
-              <a:pPr/>
-              <a:t>4/24/2017</a:t>
-            </a:fld>
-            <a:endParaRPr lang="en-US" dirty="0"/>
-          </a:p>
-        </p:txBody>
-      </p:sp>
-      <p:sp>
-        <p:nvSpPr>
-          <p:cNvPr id="5" name="Footer Placeholder 4"/>
-          <p:cNvSpPr>
-            <a:spLocks noGrp="1"/>
-          </p:cNvSpPr>
-          <p:nvPr>
-            <p:ph type="ftr" sz="quarter" idx="3"/>
-          </p:nvPr>
-        </p:nvSpPr>
-        <p:spPr>
-          <a:xfrm rot="5400000">
-            <a:off x="8951573" y="3225297"/>
-            <a:ext cx="3859795" cy="304801"/>
-          </a:xfrm>
-          <a:prstGeom prst="rect">
-            <a:avLst/>
-          </a:prstGeom>
-        </p:spPr>
-        <p:txBody>
-          <a:bodyPr vert="horz" lIns="91440" tIns="45720" rIns="91440" bIns="45720" rtlCol="0" anchor="b"/>
-          <a:lstStyle>
-            <a:lvl1pPr algn="l">
-              <a:defRPr sz="1100" b="0" i="0">
-                <a:solidFill>
-                  <a:schemeClr val="tx1">
-                    <a:tint val="75000"/>
-                    <a:alpha val="60000"/>
-                  </a:schemeClr>
-                </a:solidFill>
-              </a:defRPr>
-            </a:lvl1pPr>
-          </a:lstStyle>
-          <a:p>
-            <a:endParaRPr lang="en-US" dirty="0"/>
-          </a:p>
-        </p:txBody>
-      </p:sp>
-      <p:sp>
-        <p:nvSpPr>
-          <p:cNvPr id="6" name="Slide Number Placeholder 5"/>
-          <p:cNvSpPr>
-            <a:spLocks noGrp="1"/>
-          </p:cNvSpPr>
-          <p:nvPr>
-            <p:ph type="sldNum" sz="quarter" idx="4"/>
-          </p:nvPr>
-        </p:nvSpPr>
-        <p:spPr bwMode="gray">
-          <a:xfrm>
-            <a:off x="10352540" y="295729"/>
-            <a:ext cx="838199" cy="767687"/>
-          </a:xfrm>
-          <a:prstGeom prst="rect">
-            <a:avLst/>
-          </a:prstGeom>
-        </p:spPr>
-        <p:txBody>
-          <a:bodyPr vert="horz" lIns="91440" tIns="45720" rIns="91440" bIns="45720" rtlCol="0" anchor="b"/>
-          <a:lstStyle>
-            <a:lvl1pPr algn="ctr">
-              <a:defRPr sz="2800" b="0" i="0">
-                <a:solidFill>
-                  <a:schemeClr val="tx1">
-                    <a:tint val="75000"/>
-                  </a:schemeClr>
-                </a:solidFill>
-              </a:defRPr>
-            </a:lvl1pPr>
-          </a:lstStyle>
-          <a:p>
             <a:fld id="{6D22F896-40B5-4ADD-8801-0D06FADFA095}" type="slidenum">
               <a:rPr lang="en-US" smtClean="0"/>
               <a:pPr/>
@@ -5669,44 +5470,60 @@
     </p:spTree>
     <p:extLst>
       <p:ext uri="{BB962C8B-B14F-4D97-AF65-F5344CB8AC3E}">
-        <p14:creationId xmlns:p14="http://schemas.microsoft.com/office/powerpoint/2010/main" val="2911100153"/>
+        <p14:creationId xmlns:p14="http://schemas.microsoft.com/office/powerpoint/2010/main" val="4037676729"/>
       </p:ext>
     </p:extLst>
   </p:cSld>
   <p:clrMap bg1="dk1" tx1="lt1" bg2="dk2" tx2="lt2" accent1="accent1" accent2="accent2" accent3="accent3" accent4="accent4" accent5="accent5" accent6="accent6" hlink="hlink" folHlink="folHlink"/>
   <p:sldLayoutIdLst>
-    <p:sldLayoutId id="2147483682" r:id="rId1"/>
-    <p:sldLayoutId id="2147483683" r:id="rId2"/>
-    <p:sldLayoutId id="2147483684" r:id="rId3"/>
-    <p:sldLayoutId id="2147483685" r:id="rId4"/>
-    <p:sldLayoutId id="2147483686" r:id="rId5"/>
-    <p:sldLayoutId id="2147483687" r:id="rId6"/>
-    <p:sldLayoutId id="2147483688" r:id="rId7"/>
-    <p:sldLayoutId id="2147483689" r:id="rId8"/>
-    <p:sldLayoutId id="2147483690" r:id="rId9"/>
-    <p:sldLayoutId id="2147483691" r:id="rId10"/>
-    <p:sldLayoutId id="2147483692" r:id="rId11"/>
-    <p:sldLayoutId id="2147483693" r:id="rId12"/>
-    <p:sldLayoutId id="2147483694" r:id="rId13"/>
-    <p:sldLayoutId id="2147483695" r:id="rId14"/>
-    <p:sldLayoutId id="2147483696" r:id="rId15"/>
-    <p:sldLayoutId id="2147483697" r:id="rId16"/>
-    <p:sldLayoutId id="2147483698" r:id="rId17"/>
+    <p:sldLayoutId id="2147483700" r:id="rId1"/>
+    <p:sldLayoutId id="2147483701" r:id="rId2"/>
+    <p:sldLayoutId id="2147483702" r:id="rId3"/>
+    <p:sldLayoutId id="2147483703" r:id="rId4"/>
+    <p:sldLayoutId id="2147483704" r:id="rId5"/>
+    <p:sldLayoutId id="2147483705" r:id="rId6"/>
+    <p:sldLayoutId id="2147483706" r:id="rId7"/>
+    <p:sldLayoutId id="2147483707" r:id="rId8"/>
+    <p:sldLayoutId id="2147483708" r:id="rId9"/>
+    <p:sldLayoutId id="2147483709" r:id="rId10"/>
+    <p:sldLayoutId id="2147483710" r:id="rId11"/>
+    <p:sldLayoutId id="2147483711" r:id="rId12"/>
+    <p:sldLayoutId id="2147483712" r:id="rId13"/>
+    <p:sldLayoutId id="2147483713" r:id="rId14"/>
+    <p:sldLayoutId id="2147483714" r:id="rId15"/>
+    <p:sldLayoutId id="2147483715" r:id="rId16"/>
+    <p:sldLayoutId id="2147483716" r:id="rId17"/>
   </p:sldLayoutIdLst>
   <p:txStyles>
     <p:titleStyle>
-      <a:lvl1pPr algn="l" defTabSz="457200" rtl="0" eaLnBrk="1" latinLnBrk="0" hangingPunct="1">
+      <a:lvl1pPr algn="ctr" defTabSz="457200" rtl="0" eaLnBrk="1" latinLnBrk="0" hangingPunct="1">
         <a:spcBef>
           <a:spcPct val="0"/>
         </a:spcBef>
         <a:buNone/>
-        <a:defRPr sz="4200" b="0" i="0" kern="1200">
+        <a:defRPr sz="4000" kern="1200">
+          <a:ln>
+            <a:solidFill>
+              <a:schemeClr val="bg1">
+                <a:lumMod val="75000"/>
+                <a:lumOff val="25000"/>
+                <a:alpha val="10000"/>
+              </a:schemeClr>
+            </a:solidFill>
+          </a:ln>
           <a:solidFill>
             <a:schemeClr val="tx2"/>
           </a:solidFill>
+          <a:effectLst>
+            <a:outerShdw blurRad="9525" dist="25400" dir="14640000" algn="tl" rotWithShape="0">
+              <a:schemeClr val="bg1">
+                <a:alpha val="30000"/>
+              </a:schemeClr>
+            </a:outerShdw>
+          </a:effectLst>
           <a:latin typeface="+mj-lt"/>
           <a:ea typeface="+mj-ea"/>
-          <a:cs typeface="+mj-cs"/>
+          <a:cs typeface="Trebuchet MS"/>
         </a:defRPr>
       </a:lvl1pPr>
       <a:lvl2pPr eaLnBrk="1" hangingPunct="1">
@@ -5767,229 +5584,346 @@
       </a:lvl9pPr>
     </p:titleStyle>
     <p:bodyStyle>
-      <a:lvl1pPr marL="342900" indent="-342900" algn="l" defTabSz="457200" rtl="0" eaLnBrk="1" latinLnBrk="0" hangingPunct="1">
+      <a:lvl1pPr marL="342900" indent="-306000" algn="l" defTabSz="457200" rtl="0" eaLnBrk="1" latinLnBrk="0" hangingPunct="1">
         <a:spcBef>
-          <a:spcPts val="1000"/>
+          <a:spcPct val="20000"/>
         </a:spcBef>
         <a:spcAft>
-          <a:spcPts val="0"/>
+          <a:spcPts val="600"/>
         </a:spcAft>
         <a:buClr>
-          <a:schemeClr val="bg2">
-            <a:lumMod val="40000"/>
-            <a:lumOff val="60000"/>
-          </a:schemeClr>
+          <a:schemeClr val="tx2"/>
         </a:buClr>
-        <a:buSzPct val="80000"/>
-        <a:buFont typeface="Wingdings 3" charset="2"/>
-        <a:buChar char=""/>
-        <a:defRPr sz="2000" b="0" i="0" kern="1200">
+        <a:buSzPct val="70000"/>
+        <a:buFont typeface="Wingdings 2" charset="2"/>
+        <a:buChar char=""/>
+        <a:defRPr sz="2000" kern="1200">
+          <a:ln>
+            <a:solidFill>
+              <a:schemeClr val="bg1">
+                <a:lumMod val="75000"/>
+                <a:lumOff val="25000"/>
+                <a:alpha val="10000"/>
+              </a:schemeClr>
+            </a:solidFill>
+          </a:ln>
           <a:solidFill>
-            <a:schemeClr val="tx1"/>
+            <a:schemeClr val="tx2"/>
           </a:solidFill>
-          <a:latin typeface="+mj-lt"/>
-          <a:ea typeface="+mj-ea"/>
-          <a:cs typeface="+mj-cs"/>
+          <a:effectLst>
+            <a:outerShdw blurRad="9525" dist="25400" dir="14640000" algn="tl" rotWithShape="0">
+              <a:schemeClr val="bg1">
+                <a:alpha val="30000"/>
+              </a:schemeClr>
+            </a:outerShdw>
+          </a:effectLst>
+          <a:latin typeface="+mn-lt"/>
+          <a:ea typeface="+mn-ea"/>
+          <a:cs typeface="+mn-cs"/>
         </a:defRPr>
       </a:lvl1pPr>
-      <a:lvl2pPr marL="742950" indent="-285750" algn="l" defTabSz="457200" rtl="0" eaLnBrk="1" latinLnBrk="0" hangingPunct="1">
+      <a:lvl2pPr marL="720000" indent="-270000" algn="l" defTabSz="457200" rtl="0" eaLnBrk="1" latinLnBrk="0" hangingPunct="1">
         <a:spcBef>
-          <a:spcPts val="1000"/>
+          <a:spcPct val="20000"/>
         </a:spcBef>
         <a:spcAft>
-          <a:spcPts val="0"/>
+          <a:spcPts val="600"/>
         </a:spcAft>
         <a:buClr>
-          <a:schemeClr val="bg2">
-            <a:lumMod val="40000"/>
-            <a:lumOff val="60000"/>
-          </a:schemeClr>
+          <a:schemeClr val="tx2"/>
         </a:buClr>
-        <a:buSzPct val="80000"/>
-        <a:buFont typeface="Wingdings 3" charset="2"/>
-        <a:buChar char=""/>
-        <a:defRPr sz="1800" b="0" i="0" kern="1200">
+        <a:buSzPct val="70000"/>
+        <a:buFont typeface="Wingdings 2" charset="2"/>
+        <a:buChar char=""/>
+        <a:defRPr sz="1800" kern="1200">
+          <a:ln>
+            <a:solidFill>
+              <a:schemeClr val="bg1">
+                <a:lumMod val="75000"/>
+                <a:lumOff val="25000"/>
+                <a:alpha val="10000"/>
+              </a:schemeClr>
+            </a:solidFill>
+          </a:ln>
           <a:solidFill>
-            <a:schemeClr val="tx1"/>
+            <a:schemeClr val="tx2"/>
           </a:solidFill>
-          <a:latin typeface="+mj-lt"/>
-          <a:ea typeface="+mj-ea"/>
-          <a:cs typeface="+mj-cs"/>
+          <a:effectLst>
+            <a:outerShdw blurRad="9525" dist="25400" dir="14640000" algn="tl" rotWithShape="0">
+              <a:schemeClr val="bg1">
+                <a:alpha val="30000"/>
+              </a:schemeClr>
+            </a:outerShdw>
+          </a:effectLst>
+          <a:latin typeface="+mn-lt"/>
+          <a:ea typeface="+mn-ea"/>
+          <a:cs typeface="+mn-cs"/>
         </a:defRPr>
       </a:lvl2pPr>
-      <a:lvl3pPr marL="1143000" indent="-228600" algn="l" defTabSz="457200" rtl="0" eaLnBrk="1" latinLnBrk="0" hangingPunct="1">
+      <a:lvl3pPr marL="1026000" indent="-216000" algn="l" defTabSz="457200" rtl="0" eaLnBrk="1" latinLnBrk="0" hangingPunct="1">
         <a:spcBef>
-          <a:spcPts val="1000"/>
+          <a:spcPct val="20000"/>
         </a:spcBef>
         <a:spcAft>
-          <a:spcPts val="0"/>
+          <a:spcPts val="600"/>
         </a:spcAft>
         <a:buClr>
-          <a:schemeClr val="bg2">
-            <a:lumMod val="40000"/>
-            <a:lumOff val="60000"/>
-          </a:schemeClr>
+          <a:schemeClr val="tx2"/>
         </a:buClr>
-        <a:buSzPct val="80000"/>
-        <a:buFont typeface="Wingdings 3" charset="2"/>
-        <a:buChar char=""/>
-        <a:defRPr sz="1600" b="0" i="0" kern="1200">
+        <a:buSzPct val="70000"/>
+        <a:buFont typeface="Wingdings 2" charset="2"/>
+        <a:buChar char=""/>
+        <a:defRPr sz="1600" kern="1200">
+          <a:ln>
+            <a:solidFill>
+              <a:schemeClr val="bg1">
+                <a:lumMod val="75000"/>
+                <a:lumOff val="25000"/>
+                <a:alpha val="10000"/>
+              </a:schemeClr>
+            </a:solidFill>
+          </a:ln>
           <a:solidFill>
-            <a:schemeClr val="tx1"/>
+            <a:schemeClr val="tx2"/>
           </a:solidFill>
-          <a:latin typeface="+mj-lt"/>
-          <a:ea typeface="+mj-ea"/>
-          <a:cs typeface="+mj-cs"/>
+          <a:effectLst>
+            <a:outerShdw blurRad="9525" dist="25400" dir="14640000" algn="tl" rotWithShape="0">
+              <a:schemeClr val="bg1">
+                <a:alpha val="30000"/>
+              </a:schemeClr>
+            </a:outerShdw>
+          </a:effectLst>
+          <a:latin typeface="+mn-lt"/>
+          <a:ea typeface="+mn-ea"/>
+          <a:cs typeface="+mn-cs"/>
         </a:defRPr>
       </a:lvl3pPr>
-      <a:lvl4pPr marL="1600200" indent="-228600" algn="l" defTabSz="457200" rtl="0" eaLnBrk="1" latinLnBrk="0" hangingPunct="1">
+      <a:lvl4pPr marL="1386000" indent="-216000" algn="l" defTabSz="457200" rtl="0" eaLnBrk="1" latinLnBrk="0" hangingPunct="1">
         <a:spcBef>
-          <a:spcPts val="1000"/>
+          <a:spcPct val="20000"/>
         </a:spcBef>
         <a:spcAft>
-          <a:spcPts val="0"/>
+          <a:spcPts val="600"/>
         </a:spcAft>
         <a:buClr>
-          <a:schemeClr val="bg2">
-            <a:lumMod val="40000"/>
-            <a:lumOff val="60000"/>
-          </a:schemeClr>
+          <a:schemeClr val="tx2"/>
         </a:buClr>
-        <a:buSzPct val="80000"/>
-        <a:buFont typeface="Wingdings 3" charset="2"/>
-        <a:buChar char=""/>
-        <a:defRPr sz="1400" b="0" i="0" kern="1200">
+        <a:buSzPct val="70000"/>
+        <a:buFont typeface="Wingdings 2" charset="2"/>
+        <a:buChar char=""/>
+        <a:defRPr sz="1400" kern="1200">
+          <a:ln>
+            <a:solidFill>
+              <a:schemeClr val="bg1">
+                <a:lumMod val="75000"/>
+                <a:lumOff val="25000"/>
+                <a:alpha val="10000"/>
+              </a:schemeClr>
+            </a:solidFill>
+          </a:ln>
           <a:solidFill>
-            <a:schemeClr val="tx1"/>
+            <a:schemeClr val="tx2"/>
           </a:solidFill>
-          <a:latin typeface="+mj-lt"/>
-          <a:ea typeface="+mj-ea"/>
-          <a:cs typeface="+mj-cs"/>
+          <a:effectLst>
+            <a:outerShdw blurRad="9525" dist="25400" dir="14640000" algn="tl" rotWithShape="0">
+              <a:schemeClr val="bg1">
+                <a:alpha val="30000"/>
+              </a:schemeClr>
+            </a:outerShdw>
+          </a:effectLst>
+          <a:latin typeface="+mn-lt"/>
+          <a:ea typeface="+mn-ea"/>
+          <a:cs typeface="+mn-cs"/>
         </a:defRPr>
       </a:lvl4pPr>
-      <a:lvl5pPr marL="2057400" indent="-228600" algn="l" defTabSz="457200" rtl="0" eaLnBrk="1" latinLnBrk="0" hangingPunct="1">
+      <a:lvl5pPr marL="1674000" indent="-216000" algn="l" defTabSz="457200" rtl="0" eaLnBrk="1" latinLnBrk="0" hangingPunct="1">
         <a:spcBef>
-          <a:spcPts val="1000"/>
+          <a:spcPct val="20000"/>
         </a:spcBef>
         <a:spcAft>
-          <a:spcPts val="0"/>
+          <a:spcPts val="600"/>
         </a:spcAft>
         <a:buClr>
-          <a:schemeClr val="bg2">
-            <a:lumMod val="40000"/>
-            <a:lumOff val="60000"/>
-          </a:schemeClr>
+          <a:schemeClr val="tx2"/>
         </a:buClr>
-        <a:buSzPct val="80000"/>
-        <a:buFont typeface="Wingdings 3" charset="2"/>
-        <a:buChar char=""/>
-        <a:defRPr sz="1400" b="0" i="0" kern="1200">
+        <a:buSzPct val="70000"/>
+        <a:buFont typeface="Wingdings 2" charset="2"/>
+        <a:buChar char=""/>
+        <a:defRPr sz="1400" kern="1200">
+          <a:ln>
+            <a:solidFill>
+              <a:schemeClr val="bg1">
+                <a:lumMod val="75000"/>
+                <a:lumOff val="25000"/>
+                <a:alpha val="10000"/>
+              </a:schemeClr>
+            </a:solidFill>
+          </a:ln>
           <a:solidFill>
-            <a:schemeClr val="tx1"/>
+            <a:schemeClr val="tx2"/>
           </a:solidFill>
-          <a:latin typeface="+mj-lt"/>
-          <a:ea typeface="+mj-ea"/>
-          <a:cs typeface="+mj-cs"/>
+          <a:effectLst>
+            <a:outerShdw blurRad="9525" dist="25400" dir="14640000" algn="tl" rotWithShape="0">
+              <a:schemeClr val="bg1">
+                <a:alpha val="30000"/>
+              </a:schemeClr>
+            </a:outerShdw>
+          </a:effectLst>
+          <a:latin typeface="+mn-lt"/>
+          <a:ea typeface="+mn-ea"/>
+          <a:cs typeface="+mn-cs"/>
         </a:defRPr>
       </a:lvl5pPr>
-      <a:lvl6pPr marL="2506000" indent="-228600" algn="l" defTabSz="457200" rtl="0" eaLnBrk="1" latinLnBrk="0" hangingPunct="1">
+      <a:lvl6pPr marL="2014600" indent="-228600" algn="l" defTabSz="457200" rtl="0" eaLnBrk="1" latinLnBrk="0" hangingPunct="1">
         <a:spcBef>
-          <a:spcPts val="1000"/>
+          <a:spcPct val="20000"/>
         </a:spcBef>
         <a:spcAft>
-          <a:spcPts val="0"/>
+          <a:spcPts val="600"/>
         </a:spcAft>
         <a:buClr>
-          <a:schemeClr val="bg2">
-            <a:lumMod val="40000"/>
-            <a:lumOff val="60000"/>
-          </a:schemeClr>
+          <a:schemeClr val="tx2"/>
         </a:buClr>
-        <a:buSzPct val="80000"/>
-        <a:buFont typeface="Wingdings 3" charset="2"/>
-        <a:buChar char=""/>
-        <a:defRPr sz="1400" b="0" i="0" kern="1200">
+        <a:buSzPct val="70000"/>
+        <a:buFont typeface="Wingdings 2" charset="2"/>
+        <a:buChar char=""/>
+        <a:defRPr sz="1400" kern="1200">
+          <a:ln>
+            <a:solidFill>
+              <a:schemeClr val="bg1">
+                <a:lumMod val="75000"/>
+                <a:lumOff val="25000"/>
+                <a:alpha val="10000"/>
+              </a:schemeClr>
+            </a:solidFill>
+          </a:ln>
           <a:solidFill>
-            <a:schemeClr val="tx1"/>
+            <a:schemeClr val="tx2"/>
           </a:solidFill>
-          <a:latin typeface="+mj-lt"/>
-          <a:ea typeface="+mj-ea"/>
-          <a:cs typeface="+mj-cs"/>
+          <a:effectLst>
+            <a:outerShdw blurRad="9525" dist="25400" dir="14640000" algn="tl" rotWithShape="0">
+              <a:schemeClr val="bg1">
+                <a:alpha val="30000"/>
+              </a:schemeClr>
+            </a:outerShdw>
+          </a:effectLst>
+          <a:latin typeface="+mn-lt"/>
+          <a:ea typeface="+mn-ea"/>
+          <a:cs typeface="+mn-cs"/>
         </a:defRPr>
       </a:lvl6pPr>
-      <a:lvl7pPr marL="2971800" indent="-228600" algn="l" defTabSz="457200" rtl="0" eaLnBrk="1" latinLnBrk="0" hangingPunct="1">
+      <a:lvl7pPr marL="2401800" indent="-228600" algn="l" defTabSz="457200" rtl="0" eaLnBrk="1" latinLnBrk="0" hangingPunct="1">
         <a:spcBef>
-          <a:spcPts val="1000"/>
+          <a:spcPct val="20000"/>
         </a:spcBef>
         <a:spcAft>
-          <a:spcPts val="0"/>
+          <a:spcPts val="600"/>
         </a:spcAft>
         <a:buClr>
-          <a:schemeClr val="bg2">
-            <a:lumMod val="40000"/>
-            <a:lumOff val="60000"/>
-          </a:schemeClr>
+          <a:schemeClr val="tx2"/>
         </a:buClr>
-        <a:buSzPct val="80000"/>
-        <a:buFont typeface="Wingdings 3" charset="2"/>
-        <a:buChar char=""/>
-        <a:defRPr sz="1400" b="0" i="0" kern="1200">
+        <a:buSzPct val="70000"/>
+        <a:buFont typeface="Wingdings 2" charset="2"/>
+        <a:buChar char=""/>
+        <a:defRPr sz="1400" kern="1200">
+          <a:ln>
+            <a:solidFill>
+              <a:schemeClr val="bg1">
+                <a:lumMod val="75000"/>
+                <a:lumOff val="25000"/>
+                <a:alpha val="10000"/>
+              </a:schemeClr>
+            </a:solidFill>
+          </a:ln>
           <a:solidFill>
-            <a:schemeClr val="tx1"/>
+            <a:schemeClr val="tx2"/>
           </a:solidFill>
-          <a:latin typeface="+mj-lt"/>
-          <a:ea typeface="+mj-ea"/>
-          <a:cs typeface="+mj-cs"/>
+          <a:effectLst>
+            <a:outerShdw blurRad="9525" dist="25400" dir="14640000" algn="tl" rotWithShape="0">
+              <a:schemeClr val="bg1">
+                <a:alpha val="30000"/>
+              </a:schemeClr>
+            </a:outerShdw>
+          </a:effectLst>
+          <a:latin typeface="+mn-lt"/>
+          <a:ea typeface="+mn-ea"/>
+          <a:cs typeface="+mn-cs"/>
         </a:defRPr>
       </a:lvl7pPr>
-      <a:lvl8pPr marL="3429000" indent="-228600" algn="l" defTabSz="457200" rtl="0" eaLnBrk="1" latinLnBrk="0" hangingPunct="1">
+      <a:lvl8pPr marL="2789000" indent="-228600" algn="l" defTabSz="457200" rtl="0" eaLnBrk="1" latinLnBrk="0" hangingPunct="1">
         <a:spcBef>
-          <a:spcPts val="1000"/>
+          <a:spcPct val="20000"/>
         </a:spcBef>
         <a:spcAft>
-          <a:spcPts val="0"/>
+          <a:spcPts val="600"/>
         </a:spcAft>
         <a:buClr>
-          <a:schemeClr val="bg2">
-            <a:lumMod val="40000"/>
-            <a:lumOff val="60000"/>
-          </a:schemeClr>
+          <a:schemeClr val="tx2"/>
         </a:buClr>
-        <a:buSzPct val="80000"/>
-        <a:buFont typeface="Wingdings 3" charset="2"/>
-        <a:buChar char=""/>
-        <a:defRPr sz="1400" b="0" i="0" kern="1200">
+        <a:buSzPct val="70000"/>
+        <a:buFont typeface="Wingdings 2" charset="2"/>
+        <a:buChar char=""/>
+        <a:defRPr sz="1400" kern="1200">
+          <a:ln>
+            <a:solidFill>
+              <a:schemeClr val="bg1">
+                <a:lumMod val="75000"/>
+                <a:lumOff val="25000"/>
+                <a:alpha val="10000"/>
+              </a:schemeClr>
+            </a:solidFill>
+          </a:ln>
           <a:solidFill>
-            <a:schemeClr val="tx1"/>
+            <a:schemeClr val="tx2"/>
           </a:solidFill>
-          <a:latin typeface="+mj-lt"/>
-          <a:ea typeface="+mj-ea"/>
-          <a:cs typeface="+mj-cs"/>
+          <a:effectLst>
+            <a:outerShdw blurRad="9525" dist="25400" dir="14640000" algn="tl" rotWithShape="0">
+              <a:schemeClr val="bg1">
+                <a:alpha val="30000"/>
+              </a:schemeClr>
+            </a:outerShdw>
+          </a:effectLst>
+          <a:latin typeface="+mn-lt"/>
+          <a:ea typeface="+mn-ea"/>
+          <a:cs typeface="+mn-cs"/>
         </a:defRPr>
       </a:lvl8pPr>
-      <a:lvl9pPr marL="3886200" indent="-228600" algn="l" defTabSz="457200" rtl="0" eaLnBrk="1" latinLnBrk="0" hangingPunct="1">
+      <a:lvl9pPr marL="3106200" indent="-228600" algn="l" defTabSz="457200" rtl="0" eaLnBrk="1" latinLnBrk="0" hangingPunct="1">
         <a:spcBef>
-          <a:spcPts val="1000"/>
+          <a:spcPct val="20000"/>
         </a:spcBef>
         <a:spcAft>
-          <a:spcPts val="0"/>
+          <a:spcPts val="600"/>
         </a:spcAft>
         <a:buClr>
-          <a:schemeClr val="bg2">
-            <a:lumMod val="40000"/>
-            <a:lumOff val="60000"/>
-          </a:schemeClr>
+          <a:schemeClr val="tx2"/>
         </a:buClr>
-        <a:buSzPct val="80000"/>
-        <a:buFont typeface="Wingdings 3" charset="2"/>
-        <a:buChar char=""/>
-        <a:defRPr sz="1400" b="0" i="0" kern="1200">
+        <a:buSzPct val="70000"/>
+        <a:buFont typeface="Wingdings 2" charset="2"/>
+        <a:buChar char=""/>
+        <a:defRPr sz="1400" kern="1200">
+          <a:ln>
+            <a:solidFill>
+              <a:schemeClr val="bg1">
+                <a:lumMod val="75000"/>
+                <a:lumOff val="25000"/>
+                <a:alpha val="10000"/>
+              </a:schemeClr>
+            </a:solidFill>
+          </a:ln>
           <a:solidFill>
-            <a:schemeClr val="tx1"/>
+            <a:schemeClr val="tx2"/>
           </a:solidFill>
-          <a:latin typeface="+mj-lt"/>
-          <a:ea typeface="+mj-ea"/>
-          <a:cs typeface="+mj-cs"/>
+          <a:effectLst>
+            <a:outerShdw blurRad="9525" dist="25400" dir="14640000" algn="tl" rotWithShape="0">
+              <a:schemeClr val="bg1">
+                <a:alpha val="30000"/>
+              </a:schemeClr>
+            </a:outerShdw>
+          </a:effectLst>
+          <a:latin typeface="+mn-lt"/>
+          <a:ea typeface="+mn-ea"/>
+          <a:cs typeface="+mn-cs"/>
         </a:defRPr>
       </a:lvl9pPr>
     </p:bodyStyle>
@@ -6188,6 +6122,302 @@
 </p:sld>
 </file>
 
+<file path=ppt/slides/slide10.xml><?xml version="1.0" encoding="utf-8"?>
+<p:sld xmlns:a="http://schemas.openxmlformats.org/drawingml/2006/main" xmlns:r="http://schemas.openxmlformats.org/officeDocument/2006/relationships" xmlns:p="http://schemas.openxmlformats.org/presentationml/2006/main">
+  <p:cSld>
+    <p:spTree>
+      <p:nvGrpSpPr>
+        <p:cNvPr id="1" name=""/>
+        <p:cNvGrpSpPr/>
+        <p:nvPr/>
+      </p:nvGrpSpPr>
+      <p:grpSpPr>
+        <a:xfrm>
+          <a:off x="0" y="0"/>
+          <a:ext cx="0" cy="0"/>
+          <a:chOff x="0" y="0"/>
+          <a:chExt cx="0" cy="0"/>
+        </a:xfrm>
+      </p:grpSpPr>
+      <p:sp>
+        <p:nvSpPr>
+          <p:cNvPr id="2" name="Title 1"/>
+          <p:cNvSpPr>
+            <a:spLocks noGrp="1"/>
+          </p:cNvSpPr>
+          <p:nvPr>
+            <p:ph type="title"/>
+          </p:nvPr>
+        </p:nvSpPr>
+        <p:spPr>
+          <a:xfrm>
+            <a:off x="0" y="0"/>
+            <a:ext cx="9404723" cy="617838"/>
+          </a:xfrm>
+        </p:spPr>
+        <p:txBody>
+          <a:bodyPr>
+            <a:normAutofit fontScale="90000"/>
+          </a:bodyPr>
+          <a:lstStyle/>
+          <a:p>
+            <a:pPr algn="l"/>
+            <a:r>
+              <a:rPr lang="en-US" dirty="0" err="1" smtClean="0"/>
+              <a:t>Erreurs</a:t>
+            </a:r>
+            <a:r>
+              <a:rPr lang="en-US" dirty="0" smtClean="0"/>
+              <a:t> </a:t>
+            </a:r>
+            <a:r>
+              <a:rPr lang="en-US" dirty="0" err="1" smtClean="0"/>
+              <a:t>Restantes</a:t>
+            </a:r>
+            <a:endParaRPr lang="fr-CH" dirty="0"/>
+          </a:p>
+        </p:txBody>
+      </p:sp>
+      <p:sp>
+        <p:nvSpPr>
+          <p:cNvPr id="3" name="Content Placeholder 2"/>
+          <p:cNvSpPr>
+            <a:spLocks noGrp="1"/>
+          </p:cNvSpPr>
+          <p:nvPr>
+            <p:ph idx="1"/>
+          </p:nvPr>
+        </p:nvSpPr>
+        <p:spPr/>
+        <p:txBody>
+          <a:bodyPr/>
+          <a:lstStyle/>
+          <a:p>
+            <a:r>
+              <a:rPr lang="en-US" dirty="0" err="1" smtClean="0"/>
+              <a:t>Problème</a:t>
+            </a:r>
+            <a:r>
+              <a:rPr lang="en-US" dirty="0" smtClean="0"/>
+              <a:t> </a:t>
+            </a:r>
+            <a:r>
+              <a:rPr lang="en-US" dirty="0" err="1" smtClean="0"/>
+              <a:t>lors</a:t>
+            </a:r>
+            <a:r>
+              <a:rPr lang="en-US" dirty="0" smtClean="0"/>
+              <a:t> de </a:t>
+            </a:r>
+            <a:r>
+              <a:rPr lang="en-US" dirty="0" err="1" smtClean="0"/>
+              <a:t>l’Authentification</a:t>
+            </a:r>
+            <a:r>
+              <a:rPr lang="en-US" dirty="0" smtClean="0"/>
+              <a:t> </a:t>
+            </a:r>
+            <a:r>
+              <a:rPr lang="en-US" dirty="0" err="1" smtClean="0"/>
+              <a:t>si</a:t>
+            </a:r>
+            <a:r>
+              <a:rPr lang="en-US" dirty="0" smtClean="0"/>
+              <a:t> </a:t>
+            </a:r>
+            <a:r>
+              <a:rPr lang="en-US" dirty="0" err="1" smtClean="0"/>
+              <a:t>refus</a:t>
+            </a:r>
+            <a:r>
+              <a:rPr lang="en-US" dirty="0" smtClean="0"/>
+              <a:t> pour </a:t>
+            </a:r>
+            <a:r>
+              <a:rPr lang="en-US" dirty="0" err="1" smtClean="0"/>
+              <a:t>l’email</a:t>
+            </a:r>
+            <a:endParaRPr lang="en-US" dirty="0" smtClean="0"/>
+          </a:p>
+          <a:p>
+            <a:endParaRPr lang="en-US" dirty="0" smtClean="0"/>
+          </a:p>
+          <a:p>
+            <a:r>
+              <a:rPr lang="en-US" dirty="0" smtClean="0"/>
+              <a:t>Menu </a:t>
+            </a:r>
+            <a:r>
+              <a:rPr lang="en-US" dirty="0" err="1" smtClean="0"/>
+              <a:t>géré</a:t>
+            </a:r>
+            <a:r>
+              <a:rPr lang="en-US" dirty="0" smtClean="0"/>
+              <a:t> par VueX</a:t>
+            </a:r>
+          </a:p>
+          <a:p>
+            <a:pPr lvl="1"/>
+            <a:r>
+              <a:rPr lang="en-US" dirty="0" err="1" smtClean="0"/>
+              <a:t>Problème</a:t>
+            </a:r>
+            <a:r>
+              <a:rPr lang="en-US" dirty="0" smtClean="0"/>
+              <a:t> </a:t>
+            </a:r>
+            <a:r>
+              <a:rPr lang="en-US" dirty="0" err="1" smtClean="0"/>
+              <a:t>lors</a:t>
+            </a:r>
+            <a:r>
+              <a:rPr lang="en-US" dirty="0" smtClean="0"/>
+              <a:t> des </a:t>
+            </a:r>
+            <a:r>
+              <a:rPr lang="en-US" dirty="0" err="1" smtClean="0"/>
+              <a:t>erreurs</a:t>
+            </a:r>
+            <a:r>
+              <a:rPr lang="en-US" dirty="0" smtClean="0"/>
+              <a:t> de session</a:t>
+            </a:r>
+          </a:p>
+          <a:p>
+            <a:pPr lvl="1"/>
+            <a:r>
+              <a:rPr lang="en-US" dirty="0" err="1" smtClean="0"/>
+              <a:t>Garde</a:t>
+            </a:r>
+            <a:r>
+              <a:rPr lang="en-US" dirty="0" smtClean="0"/>
+              <a:t> le state connected au lieu de se </a:t>
+            </a:r>
+            <a:r>
+              <a:rPr lang="en-US" dirty="0" err="1" smtClean="0"/>
+              <a:t>mettre</a:t>
+            </a:r>
+            <a:r>
+              <a:rPr lang="en-US" dirty="0" smtClean="0"/>
+              <a:t> </a:t>
+            </a:r>
+            <a:r>
+              <a:rPr lang="en-US" dirty="0" err="1" smtClean="0"/>
+              <a:t>en</a:t>
+            </a:r>
+            <a:r>
+              <a:rPr lang="en-US" dirty="0" smtClean="0"/>
+              <a:t> disconnected</a:t>
+            </a:r>
+          </a:p>
+          <a:p>
+            <a:pPr lvl="1"/>
+            <a:endParaRPr lang="en-US" dirty="0" smtClean="0"/>
+          </a:p>
+          <a:p>
+            <a:r>
+              <a:rPr lang="en-US" dirty="0" smtClean="0"/>
+              <a:t>Si </a:t>
+            </a:r>
+            <a:r>
+              <a:rPr lang="en-US" dirty="0" err="1" smtClean="0"/>
+              <a:t>une</a:t>
+            </a:r>
+            <a:r>
+              <a:rPr lang="en-US" dirty="0" smtClean="0"/>
+              <a:t> session expire </a:t>
+            </a:r>
+            <a:r>
+              <a:rPr lang="en-US" dirty="0" err="1" smtClean="0"/>
+              <a:t>l’appli</a:t>
+            </a:r>
+            <a:r>
+              <a:rPr lang="en-US" dirty="0" smtClean="0"/>
+              <a:t> ne le </a:t>
+            </a:r>
+            <a:r>
+              <a:rPr lang="en-US" dirty="0" err="1" smtClean="0"/>
+              <a:t>verra</a:t>
+            </a:r>
+            <a:r>
+              <a:rPr lang="en-US" dirty="0" smtClean="0"/>
+              <a:t> pas</a:t>
+            </a:r>
+            <a:endParaRPr lang="fr-CH" dirty="0"/>
+          </a:p>
+        </p:txBody>
+      </p:sp>
+    </p:spTree>
+    <p:extLst>
+      <p:ext uri="{BB962C8B-B14F-4D97-AF65-F5344CB8AC3E}">
+        <p14:creationId xmlns:p14="http://schemas.microsoft.com/office/powerpoint/2010/main" val="1941745085"/>
+      </p:ext>
+    </p:extLst>
+  </p:cSld>
+  <p:clrMapOvr>
+    <a:masterClrMapping/>
+  </p:clrMapOvr>
+</p:sld>
+</file>
+
+<file path=ppt/slides/slide11.xml><?xml version="1.0" encoding="utf-8"?>
+<p:sld xmlns:a="http://schemas.openxmlformats.org/drawingml/2006/main" xmlns:r="http://schemas.openxmlformats.org/officeDocument/2006/relationships" xmlns:p="http://schemas.openxmlformats.org/presentationml/2006/main">
+  <p:cSld>
+    <p:spTree>
+      <p:nvGrpSpPr>
+        <p:cNvPr id="1" name=""/>
+        <p:cNvGrpSpPr/>
+        <p:nvPr/>
+      </p:nvGrpSpPr>
+      <p:grpSpPr>
+        <a:xfrm>
+          <a:off x="0" y="0"/>
+          <a:ext cx="0" cy="0"/>
+          <a:chOff x="0" y="0"/>
+          <a:chExt cx="0" cy="0"/>
+        </a:xfrm>
+      </p:grpSpPr>
+      <p:sp>
+        <p:nvSpPr>
+          <p:cNvPr id="2" name="Title 1"/>
+          <p:cNvSpPr>
+            <a:spLocks noGrp="1"/>
+          </p:cNvSpPr>
+          <p:nvPr>
+            <p:ph type="title"/>
+          </p:nvPr>
+        </p:nvSpPr>
+        <p:spPr>
+          <a:xfrm>
+            <a:off x="4526132" y="2808740"/>
+            <a:ext cx="3242149" cy="733531"/>
+          </a:xfrm>
+        </p:spPr>
+        <p:txBody>
+          <a:bodyPr/>
+          <a:lstStyle/>
+          <a:p>
+            <a:r>
+              <a:rPr lang="en-US" dirty="0" smtClean="0"/>
+              <a:t>Questions ?</a:t>
+            </a:r>
+            <a:endParaRPr lang="fr-CH" dirty="0"/>
+          </a:p>
+        </p:txBody>
+      </p:sp>
+    </p:spTree>
+    <p:extLst>
+      <p:ext uri="{BB962C8B-B14F-4D97-AF65-F5344CB8AC3E}">
+        <p14:creationId xmlns:p14="http://schemas.microsoft.com/office/powerpoint/2010/main" val="1894489813"/>
+      </p:ext>
+    </p:extLst>
+  </p:cSld>
+  <p:clrMapOvr>
+    <a:masterClrMapping/>
+  </p:clrMapOvr>
+</p:sld>
+</file>
+
 <file path=ppt/slides/slide2.xml><?xml version="1.0" encoding="utf-8"?>
 <p:sld xmlns:a="http://schemas.openxmlformats.org/drawingml/2006/main" xmlns:r="http://schemas.openxmlformats.org/officeDocument/2006/relationships" xmlns:p="http://schemas.openxmlformats.org/presentationml/2006/main">
   <p:cSld>
@@ -6215,18 +6445,23 @@
             <p:ph type="title"/>
           </p:nvPr>
         </p:nvSpPr>
-        <p:spPr/>
-        <p:txBody>
-          <a:bodyPr/>
-          <a:lstStyle/>
-          <a:p>
+        <p:spPr>
+          <a:xfrm>
+            <a:off x="0" y="0"/>
+            <a:ext cx="2904397" cy="758244"/>
+          </a:xfrm>
+        </p:spPr>
+        <p:txBody>
+          <a:bodyPr>
+            <a:normAutofit/>
+          </a:bodyPr>
+          <a:lstStyle/>
+          <a:p>
+            <a:pPr algn="l"/>
             <a:r>
               <a:rPr lang="en-US" dirty="0" smtClean="0"/>
               <a:t>Contexte</a:t>
             </a:r>
-            <a:br>
-              <a:rPr lang="en-US" dirty="0" smtClean="0"/>
-            </a:br>
             <a:endParaRPr lang="fr-CH" dirty="0"/>
           </a:p>
         </p:txBody>
@@ -6239,7 +6474,7 @@
         </p:nvSpPr>
         <p:spPr>
           <a:xfrm>
-            <a:off x="6277234" y="2290118"/>
+            <a:off x="5824153" y="2034745"/>
             <a:ext cx="2042983" cy="1145060"/>
           </a:xfrm>
           <a:prstGeom prst="rect">
@@ -6297,7 +6532,7 @@
         </p:nvCxnSpPr>
         <p:spPr>
           <a:xfrm>
-            <a:off x="5156362" y="2070960"/>
+            <a:off x="4703281" y="1815587"/>
             <a:ext cx="1120872" cy="791688"/>
           </a:xfrm>
           <a:prstGeom prst="line">
@@ -6330,7 +6565,7 @@
         </p:nvCxnSpPr>
         <p:spPr>
           <a:xfrm flipV="1">
-            <a:off x="8320217" y="1981790"/>
+            <a:off x="7867136" y="1726417"/>
             <a:ext cx="659027" cy="880858"/>
           </a:xfrm>
           <a:prstGeom prst="line">
@@ -6363,7 +6598,7 @@
         </p:nvCxnSpPr>
         <p:spPr>
           <a:xfrm>
-            <a:off x="6767384" y="2019302"/>
+            <a:off x="6314303" y="1763929"/>
             <a:ext cx="531342" cy="270816"/>
           </a:xfrm>
           <a:prstGeom prst="straightConnector1">
@@ -6399,7 +6634,7 @@
         </p:nvSpPr>
         <p:spPr>
           <a:xfrm>
-            <a:off x="5914767" y="1372971"/>
+            <a:off x="5461686" y="1117598"/>
             <a:ext cx="1705233" cy="646331"/>
           </a:xfrm>
           <a:prstGeom prst="rect">
@@ -6437,7 +6672,7 @@
         </p:nvGrpSpPr>
         <p:grpSpPr>
           <a:xfrm>
-            <a:off x="8979244" y="1475163"/>
+            <a:off x="8526163" y="1219790"/>
             <a:ext cx="1878227" cy="1996826"/>
             <a:chOff x="8979244" y="1372971"/>
             <a:chExt cx="1878227" cy="1996826"/>
@@ -6687,10 +6922,10 @@
         </p:nvGrpSpPr>
         <p:grpSpPr>
           <a:xfrm>
-            <a:off x="3797118" y="1523144"/>
-            <a:ext cx="1685832" cy="2362837"/>
+            <a:off x="3344037" y="1267771"/>
+            <a:ext cx="2117648" cy="2419723"/>
             <a:chOff x="3344562" y="2314832"/>
-            <a:chExt cx="1685832" cy="2362837"/>
+            <a:chExt cx="2117648" cy="2419723"/>
           </a:xfrm>
         </p:grpSpPr>
         <p:sp>
@@ -6746,7 +6981,7 @@
           </p:nvCxnSpPr>
           <p:spPr>
             <a:xfrm rot="16200000" flipH="1">
-              <a:off x="3351758" y="3135621"/>
+              <a:off x="3347421" y="3252970"/>
               <a:ext cx="624812" cy="354500"/>
             </a:xfrm>
             <a:prstGeom prst="bentConnector2">
@@ -6779,7 +7014,7 @@
           </p:nvSpPr>
           <p:spPr>
             <a:xfrm>
-              <a:off x="3841414" y="3440611"/>
+              <a:off x="3837077" y="3557960"/>
               <a:ext cx="1188980" cy="369332"/>
             </a:xfrm>
             <a:prstGeom prst="rect">
@@ -6808,8 +7043,8 @@
           </p:nvSpPr>
           <p:spPr>
             <a:xfrm>
-              <a:off x="3849650" y="3754339"/>
-              <a:ext cx="977672" cy="923330"/>
+              <a:off x="3838781" y="4088224"/>
+              <a:ext cx="1623429" cy="646331"/>
             </a:xfrm>
             <a:prstGeom prst="rect">
               <a:avLst/>
@@ -6839,8 +7074,8 @@
           </p:nvCxnSpPr>
           <p:spPr>
             <a:xfrm rot="16200000" flipH="1">
-              <a:off x="3235579" y="3601933"/>
-              <a:ext cx="865406" cy="362736"/>
+              <a:off x="3160216" y="3732824"/>
+              <a:ext cx="1000927" cy="356204"/>
             </a:xfrm>
             <a:prstGeom prst="bentConnector2">
               <a:avLst/>
@@ -6876,8 +7111,8 @@
         </p:nvCxnSpPr>
         <p:spPr>
           <a:xfrm>
-            <a:off x="7298726" y="3435178"/>
-            <a:ext cx="24135" cy="1145060"/>
+            <a:off x="6845645" y="3179805"/>
+            <a:ext cx="24135" cy="1001576"/>
           </a:xfrm>
           <a:prstGeom prst="straightConnector1">
             <a:avLst/>
@@ -6909,8 +7144,8 @@
         </p:nvSpPr>
         <p:spPr>
           <a:xfrm>
-            <a:off x="5666478" y="4580238"/>
-            <a:ext cx="3312766" cy="369332"/>
+            <a:off x="4883884" y="4181381"/>
+            <a:ext cx="3971792" cy="369332"/>
           </a:xfrm>
           <a:prstGeom prst="rect">
             <a:avLst/>
@@ -6918,7 +7153,7 @@
           <a:noFill/>
         </p:spPr>
         <p:txBody>
-          <a:bodyPr wrap="none" rtlCol="0">
+          <a:bodyPr wrap="square" rtlCol="0">
             <a:spAutoFit/>
           </a:bodyPr>
           <a:lstStyle/>
@@ -6959,7 +7194,7 @@
         </p:nvCxnSpPr>
         <p:spPr>
           <a:xfrm flipV="1">
-            <a:off x="5684429" y="5449016"/>
+            <a:off x="5247824" y="4832554"/>
             <a:ext cx="1128585" cy="1021492"/>
           </a:xfrm>
           <a:prstGeom prst="straightConnector1">
@@ -6992,7 +7227,7 @@
         </p:nvCxnSpPr>
         <p:spPr>
           <a:xfrm flipV="1">
-            <a:off x="6445709" y="5630249"/>
+            <a:off x="6009104" y="5013787"/>
             <a:ext cx="535783" cy="840259"/>
           </a:xfrm>
           <a:prstGeom prst="straightConnector1">
@@ -7025,7 +7260,7 @@
         </p:nvCxnSpPr>
         <p:spPr>
           <a:xfrm flipH="1" flipV="1">
-            <a:off x="7322861" y="5630249"/>
+            <a:off x="6886256" y="5013787"/>
             <a:ext cx="17502" cy="928761"/>
           </a:xfrm>
           <a:prstGeom prst="straightConnector1">
@@ -7058,7 +7293,7 @@
         </p:nvCxnSpPr>
         <p:spPr>
           <a:xfrm flipH="1" flipV="1">
-            <a:off x="7537350" y="5550242"/>
+            <a:off x="7100745" y="4933780"/>
             <a:ext cx="475315" cy="762000"/>
           </a:xfrm>
           <a:prstGeom prst="straightConnector1">
@@ -7091,7 +7326,7 @@
         </p:nvCxnSpPr>
         <p:spPr>
           <a:xfrm flipH="1" flipV="1">
-            <a:off x="7746991" y="5532396"/>
+            <a:off x="7310386" y="4915934"/>
             <a:ext cx="659864" cy="741405"/>
           </a:xfrm>
           <a:prstGeom prst="straightConnector1">
@@ -7124,7 +7359,7 @@
         </p:nvSpPr>
         <p:spPr>
           <a:xfrm>
-            <a:off x="6382861" y="5747450"/>
+            <a:off x="5946256" y="5130988"/>
             <a:ext cx="1629804" cy="369332"/>
           </a:xfrm>
           <a:prstGeom prst="rect">
@@ -7190,46 +7425,35 @@
             <p:ph type="title"/>
           </p:nvPr>
         </p:nvSpPr>
-        <p:spPr/>
-        <p:txBody>
-          <a:bodyPr/>
-          <a:lstStyle/>
-          <a:p>
-            <a:r>
-              <a:rPr lang="en-US" dirty="0" smtClean="0"/>
-              <a:t>Processus Authentification</a:t>
-            </a:r>
-            <a:br>
-              <a:rPr lang="en-US" dirty="0" smtClean="0"/>
-            </a:br>
-            <a:endParaRPr lang="fr-CH" dirty="0"/>
-          </a:p>
-        </p:txBody>
-      </p:sp>
-      <p:pic>
-        <p:nvPicPr>
-          <p:cNvPr id="3" name="Picture 2"/>
-          <p:cNvPicPr>
-            <a:picLocks noChangeAspect="1"/>
-          </p:cNvPicPr>
-          <p:nvPr/>
-        </p:nvPicPr>
-        <p:blipFill>
-          <a:blip r:embed="rId2"/>
-          <a:stretch>
-            <a:fillRect/>
-          </a:stretch>
-        </p:blipFill>
         <p:spPr>
           <a:xfrm>
-            <a:off x="3212757" y="1018677"/>
-            <a:ext cx="7160228" cy="5839323"/>
-          </a:xfrm>
-          <a:prstGeom prst="rect">
-            <a:avLst/>
-          </a:prstGeom>
-        </p:spPr>
-      </p:pic>
+            <a:off x="3039764" y="2926993"/>
+            <a:ext cx="6153664" cy="777220"/>
+          </a:xfrm>
+        </p:spPr>
+        <p:txBody>
+          <a:bodyPr>
+            <a:normAutofit/>
+          </a:bodyPr>
+          <a:lstStyle/>
+          <a:p>
+            <a:pPr algn="l"/>
+            <a:r>
+              <a:rPr lang="en-US" dirty="0" err="1" smtClean="0"/>
+              <a:t>Processus</a:t>
+            </a:r>
+            <a:r>
+              <a:rPr lang="en-US" dirty="0" smtClean="0"/>
+              <a:t> </a:t>
+            </a:r>
+            <a:r>
+              <a:rPr lang="en-US" dirty="0" smtClean="0"/>
+              <a:t>Authentification</a:t>
+            </a:r>
+            <a:endParaRPr lang="fr-CH" dirty="0"/>
+          </a:p>
+        </p:txBody>
+      </p:sp>
     </p:spTree>
     <p:extLst>
       <p:ext uri="{BB962C8B-B14F-4D97-AF65-F5344CB8AC3E}">
@@ -7270,61 +7494,47 @@
             <p:ph type="title"/>
           </p:nvPr>
         </p:nvSpPr>
+        <p:spPr>
+          <a:xfrm>
+            <a:off x="0" y="16113"/>
+            <a:ext cx="9404723" cy="848860"/>
+          </a:xfrm>
+        </p:spPr>
+        <p:txBody>
+          <a:bodyPr/>
+          <a:lstStyle/>
+          <a:p>
+            <a:pPr algn="l"/>
+            <a:r>
+              <a:rPr lang="en-US" dirty="0" smtClean="0"/>
+              <a:t>VueX</a:t>
+            </a:r>
+            <a:endParaRPr lang="fr-CH" dirty="0"/>
+          </a:p>
+        </p:txBody>
+      </p:sp>
+      <p:sp>
+        <p:nvSpPr>
+          <p:cNvPr id="3" name="Content Placeholder 2"/>
+          <p:cNvSpPr>
+            <a:spLocks noGrp="1"/>
+          </p:cNvSpPr>
+          <p:nvPr>
+            <p:ph idx="1"/>
+          </p:nvPr>
+        </p:nvSpPr>
         <p:spPr/>
         <p:txBody>
           <a:bodyPr/>
           <a:lstStyle/>
           <a:p>
             <a:r>
+              <a:rPr lang="en-US" dirty="0" smtClean="0"/>
+              <a:t>VueX et Flux : Gestion de </a:t>
+            </a:r>
+            <a:r>
               <a:rPr lang="en-US" dirty="0" err="1" smtClean="0"/>
-              <a:t>Améliorations</a:t>
-            </a:r>
-            <a:endParaRPr lang="fr-CH" dirty="0"/>
-          </a:p>
-        </p:txBody>
-      </p:sp>
-      <p:sp>
-        <p:nvSpPr>
-          <p:cNvPr id="3" name="Content Placeholder 2"/>
-          <p:cNvSpPr>
-            <a:spLocks noGrp="1"/>
-          </p:cNvSpPr>
-          <p:nvPr>
-            <p:ph idx="1"/>
-          </p:nvPr>
-        </p:nvSpPr>
-        <p:spPr/>
-        <p:txBody>
-          <a:bodyPr/>
-          <a:lstStyle/>
-          <a:p>
-            <a:r>
-              <a:rPr lang="en-US" dirty="0" err="1" smtClean="0"/>
-              <a:t>Optimisation</a:t>
-            </a:r>
-            <a:r>
-              <a:rPr lang="en-US" dirty="0" smtClean="0"/>
-              <a:t> de la </a:t>
-            </a:r>
-            <a:r>
-              <a:rPr lang="en-US" dirty="0" err="1" smtClean="0"/>
-              <a:t>taille</a:t>
-            </a:r>
-            <a:r>
-              <a:rPr lang="en-US" dirty="0" smtClean="0"/>
-              <a:t> du </a:t>
-            </a:r>
-            <a:r>
-              <a:rPr lang="en-US" dirty="0" err="1" smtClean="0"/>
-              <a:t>projet</a:t>
-            </a:r>
-            <a:r>
-              <a:rPr lang="en-US" dirty="0" smtClean="0"/>
-              <a:t> (</a:t>
-            </a:r>
-            <a:r>
-              <a:rPr lang="en-US" dirty="0" err="1" smtClean="0"/>
-              <a:t>chargement</a:t>
+              <a:t>données</a:t>
             </a:r>
             <a:r>
               <a:rPr lang="en-US" dirty="0" smtClean="0"/>
@@ -7332,44 +7542,12 @@
             </a:r>
             <a:r>
               <a:rPr lang="en-US" dirty="0" err="1" smtClean="0"/>
-              <a:t>assez</a:t>
-            </a:r>
-            <a:r>
-              <a:rPr lang="en-US" dirty="0" smtClean="0"/>
-              <a:t> long)</a:t>
-            </a:r>
-          </a:p>
-          <a:p>
-            <a:r>
-              <a:rPr lang="en-US" dirty="0" smtClean="0"/>
-              <a:t>Revoir la structure de VueX</a:t>
-            </a:r>
-          </a:p>
-          <a:p>
-            <a:r>
-              <a:rPr lang="en-US" dirty="0" err="1" smtClean="0"/>
-              <a:t>Utiliser</a:t>
-            </a:r>
-            <a:r>
-              <a:rPr lang="en-US" dirty="0" smtClean="0"/>
-              <a:t> </a:t>
-            </a:r>
-            <a:r>
-              <a:rPr lang="en-US" dirty="0" err="1" smtClean="0"/>
-              <a:t>systéme</a:t>
-            </a:r>
-            <a:r>
-              <a:rPr lang="en-US" dirty="0" smtClean="0"/>
-              <a:t> de Grid </a:t>
-            </a:r>
-            <a:r>
-              <a:rPr lang="en-US" dirty="0" err="1" smtClean="0"/>
-              <a:t>fourni</a:t>
-            </a:r>
-            <a:r>
-              <a:rPr lang="en-US" dirty="0" smtClean="0"/>
-              <a:t> par le Framework</a:t>
-            </a:r>
+              <a:t>réactives</a:t>
+            </a:r>
+            <a:endParaRPr lang="en-US" dirty="0" smtClean="0"/>
+          </a:p>
+          <a:p>
+            <a:endParaRPr lang="en-US" dirty="0" smtClean="0"/>
           </a:p>
           <a:p>
             <a:endParaRPr lang="fr-CH" dirty="0"/>
@@ -7379,7 +7557,7 @@
     </p:spTree>
     <p:extLst>
       <p:ext uri="{BB962C8B-B14F-4D97-AF65-F5344CB8AC3E}">
-        <p14:creationId xmlns:p14="http://schemas.microsoft.com/office/powerpoint/2010/main" val="3129264531"/>
+        <p14:creationId xmlns:p14="http://schemas.microsoft.com/office/powerpoint/2010/main" val="3176606928"/>
       </p:ext>
     </p:extLst>
   </p:cSld>
@@ -7416,160 +7594,39 @@
             <p:ph type="title"/>
           </p:nvPr>
         </p:nvSpPr>
+        <p:spPr>
+          <a:xfrm>
+            <a:off x="1" y="0"/>
+            <a:ext cx="4069492" cy="724930"/>
+          </a:xfrm>
+        </p:spPr>
+        <p:txBody>
+          <a:bodyPr/>
+          <a:lstStyle/>
+          <a:p>
+            <a:pPr algn="l"/>
+            <a:r>
+              <a:rPr lang="en-US" dirty="0" err="1" smtClean="0"/>
+              <a:t>Cheminement</a:t>
+            </a:r>
+            <a:endParaRPr lang="fr-CH" dirty="0"/>
+          </a:p>
+        </p:txBody>
+      </p:sp>
+      <p:sp>
+        <p:nvSpPr>
+          <p:cNvPr id="3" name="Content Placeholder 2"/>
+          <p:cNvSpPr>
+            <a:spLocks noGrp="1"/>
+          </p:cNvSpPr>
+          <p:nvPr>
+            <p:ph idx="1"/>
+          </p:nvPr>
+        </p:nvSpPr>
         <p:spPr/>
         <p:txBody>
           <a:bodyPr/>
           <a:lstStyle/>
-          <a:p>
-            <a:r>
-              <a:rPr lang="en-US" dirty="0" err="1" smtClean="0"/>
-              <a:t>Erreurs</a:t>
-            </a:r>
-            <a:r>
-              <a:rPr lang="en-US" dirty="0" smtClean="0"/>
-              <a:t> </a:t>
-            </a:r>
-            <a:r>
-              <a:rPr lang="en-US" dirty="0" err="1" smtClean="0"/>
-              <a:t>Restantes</a:t>
-            </a:r>
-            <a:endParaRPr lang="fr-CH" dirty="0"/>
-          </a:p>
-        </p:txBody>
-      </p:sp>
-      <p:sp>
-        <p:nvSpPr>
-          <p:cNvPr id="3" name="Content Placeholder 2"/>
-          <p:cNvSpPr>
-            <a:spLocks noGrp="1"/>
-          </p:cNvSpPr>
-          <p:nvPr>
-            <p:ph idx="1"/>
-          </p:nvPr>
-        </p:nvSpPr>
-        <p:spPr/>
-        <p:txBody>
-          <a:bodyPr/>
-          <a:lstStyle/>
-          <a:p>
-            <a:r>
-              <a:rPr lang="en-US" dirty="0" err="1" smtClean="0"/>
-              <a:t>Problème</a:t>
-            </a:r>
-            <a:r>
-              <a:rPr lang="en-US" dirty="0" smtClean="0"/>
-              <a:t> </a:t>
-            </a:r>
-            <a:r>
-              <a:rPr lang="en-US" dirty="0" err="1" smtClean="0"/>
-              <a:t>lors</a:t>
-            </a:r>
-            <a:r>
-              <a:rPr lang="en-US" dirty="0" smtClean="0"/>
-              <a:t> de </a:t>
-            </a:r>
-            <a:r>
-              <a:rPr lang="en-US" dirty="0" err="1" smtClean="0"/>
-              <a:t>l’Authentification</a:t>
-            </a:r>
-            <a:r>
-              <a:rPr lang="en-US" dirty="0" smtClean="0"/>
-              <a:t> </a:t>
-            </a:r>
-            <a:r>
-              <a:rPr lang="en-US" dirty="0" err="1" smtClean="0"/>
-              <a:t>si</a:t>
-            </a:r>
-            <a:r>
-              <a:rPr lang="en-US" dirty="0" smtClean="0"/>
-              <a:t> </a:t>
-            </a:r>
-            <a:r>
-              <a:rPr lang="en-US" dirty="0" err="1" smtClean="0"/>
-              <a:t>refus</a:t>
-            </a:r>
-            <a:r>
-              <a:rPr lang="en-US" dirty="0" smtClean="0"/>
-              <a:t> pour </a:t>
-            </a:r>
-            <a:r>
-              <a:rPr lang="en-US" dirty="0" err="1" smtClean="0"/>
-              <a:t>l’email</a:t>
-            </a:r>
-            <a:endParaRPr lang="en-US" dirty="0" smtClean="0"/>
-          </a:p>
-          <a:p>
-            <a:r>
-              <a:rPr lang="en-US" dirty="0" smtClean="0"/>
-              <a:t>Menu </a:t>
-            </a:r>
-            <a:r>
-              <a:rPr lang="en-US" dirty="0" err="1" smtClean="0"/>
-              <a:t>géré</a:t>
-            </a:r>
-            <a:r>
-              <a:rPr lang="en-US" dirty="0" smtClean="0"/>
-              <a:t> par VueX</a:t>
-            </a:r>
-          </a:p>
-          <a:p>
-            <a:pPr lvl="1"/>
-            <a:r>
-              <a:rPr lang="en-US" dirty="0" err="1" smtClean="0"/>
-              <a:t>Problème</a:t>
-            </a:r>
-            <a:r>
-              <a:rPr lang="en-US" dirty="0" smtClean="0"/>
-              <a:t> </a:t>
-            </a:r>
-            <a:r>
-              <a:rPr lang="en-US" dirty="0" err="1" smtClean="0"/>
-              <a:t>lors</a:t>
-            </a:r>
-            <a:r>
-              <a:rPr lang="en-US" dirty="0" smtClean="0"/>
-              <a:t> des </a:t>
-            </a:r>
-            <a:r>
-              <a:rPr lang="en-US" dirty="0" err="1" smtClean="0"/>
-              <a:t>erreurs</a:t>
-            </a:r>
-            <a:r>
-              <a:rPr lang="en-US" dirty="0" smtClean="0"/>
-              <a:t> de session</a:t>
-            </a:r>
-          </a:p>
-          <a:p>
-            <a:pPr lvl="1"/>
-            <a:r>
-              <a:rPr lang="en-US" dirty="0" err="1" smtClean="0"/>
-              <a:t>Garde</a:t>
-            </a:r>
-            <a:r>
-              <a:rPr lang="en-US" dirty="0" smtClean="0"/>
-              <a:t> le state connected au lieu de se </a:t>
-            </a:r>
-            <a:r>
-              <a:rPr lang="en-US" dirty="0" err="1" smtClean="0"/>
-              <a:t>mettre</a:t>
-            </a:r>
-            <a:r>
-              <a:rPr lang="en-US" dirty="0" smtClean="0"/>
-              <a:t> </a:t>
-            </a:r>
-            <a:r>
-              <a:rPr lang="en-US" dirty="0" err="1" smtClean="0"/>
-              <a:t>en</a:t>
-            </a:r>
-            <a:r>
-              <a:rPr lang="en-US" dirty="0" smtClean="0"/>
-              <a:t> disconnected</a:t>
-            </a:r>
-          </a:p>
-          <a:p>
-            <a:pPr lvl="1"/>
-            <a:endParaRPr lang="en-US" dirty="0" smtClean="0"/>
-          </a:p>
           <a:p>
             <a:endParaRPr lang="fr-CH" dirty="0"/>
           </a:p>
@@ -7578,7 +7635,741 @@
     </p:spTree>
     <p:extLst>
       <p:ext uri="{BB962C8B-B14F-4D97-AF65-F5344CB8AC3E}">
-        <p14:creationId xmlns:p14="http://schemas.microsoft.com/office/powerpoint/2010/main" val="1941745085"/>
+        <p14:creationId xmlns:p14="http://schemas.microsoft.com/office/powerpoint/2010/main" val="4073741244"/>
+      </p:ext>
+    </p:extLst>
+  </p:cSld>
+  <p:clrMapOvr>
+    <a:masterClrMapping/>
+  </p:clrMapOvr>
+</p:sld>
+</file>
+
+<file path=ppt/slides/slide6.xml><?xml version="1.0" encoding="utf-8"?>
+<p:sld xmlns:a="http://schemas.openxmlformats.org/drawingml/2006/main" xmlns:r="http://schemas.openxmlformats.org/officeDocument/2006/relationships" xmlns:p="http://schemas.openxmlformats.org/presentationml/2006/main">
+  <p:cSld>
+    <p:spTree>
+      <p:nvGrpSpPr>
+        <p:cNvPr id="1" name=""/>
+        <p:cNvGrpSpPr/>
+        <p:nvPr/>
+      </p:nvGrpSpPr>
+      <p:grpSpPr>
+        <a:xfrm>
+          <a:off x="0" y="0"/>
+          <a:ext cx="0" cy="0"/>
+          <a:chOff x="0" y="0"/>
+          <a:chExt cx="0" cy="0"/>
+        </a:xfrm>
+      </p:grpSpPr>
+      <p:sp>
+        <p:nvSpPr>
+          <p:cNvPr id="2" name="Title 1"/>
+          <p:cNvSpPr>
+            <a:spLocks noGrp="1"/>
+          </p:cNvSpPr>
+          <p:nvPr>
+            <p:ph type="title"/>
+          </p:nvPr>
+        </p:nvSpPr>
+        <p:spPr>
+          <a:xfrm>
+            <a:off x="0" y="-8504"/>
+            <a:ext cx="9404723" cy="733434"/>
+          </a:xfrm>
+        </p:spPr>
+        <p:txBody>
+          <a:bodyPr/>
+          <a:lstStyle/>
+          <a:p>
+            <a:pPr algn="l"/>
+            <a:r>
+              <a:rPr lang="en-US" dirty="0" err="1" smtClean="0"/>
+              <a:t>Avantages</a:t>
+            </a:r>
+            <a:endParaRPr lang="fr-CH" dirty="0"/>
+          </a:p>
+        </p:txBody>
+      </p:sp>
+      <p:sp>
+        <p:nvSpPr>
+          <p:cNvPr id="3" name="Content Placeholder 2"/>
+          <p:cNvSpPr>
+            <a:spLocks noGrp="1"/>
+          </p:cNvSpPr>
+          <p:nvPr>
+            <p:ph idx="1"/>
+          </p:nvPr>
+        </p:nvSpPr>
+        <p:spPr/>
+        <p:txBody>
+          <a:bodyPr/>
+          <a:lstStyle/>
+          <a:p>
+            <a:endParaRPr lang="en-US" dirty="0" smtClean="0"/>
+          </a:p>
+          <a:p>
+            <a:r>
+              <a:rPr lang="en-US" dirty="0"/>
+              <a:t>Liaison à la BDD se fait via </a:t>
+            </a:r>
+            <a:r>
+              <a:rPr lang="en-US" dirty="0" smtClean="0"/>
+              <a:t>ORM</a:t>
+            </a:r>
+          </a:p>
+          <a:p>
+            <a:endParaRPr lang="en-US" dirty="0" smtClean="0"/>
+          </a:p>
+          <a:p>
+            <a:endParaRPr lang="en-US" dirty="0" smtClean="0"/>
+          </a:p>
+          <a:p>
+            <a:endParaRPr lang="en-US" dirty="0" smtClean="0"/>
+          </a:p>
+          <a:p>
+            <a:pPr lvl="1"/>
+            <a:r>
+              <a:rPr lang="en-US" dirty="0" err="1" smtClean="0"/>
+              <a:t>Changement</a:t>
+            </a:r>
+            <a:r>
+              <a:rPr lang="en-US" dirty="0" smtClean="0"/>
+              <a:t> </a:t>
+            </a:r>
+            <a:r>
+              <a:rPr lang="en-US" dirty="0" err="1" smtClean="0"/>
+              <a:t>langage</a:t>
+            </a:r>
+            <a:r>
+              <a:rPr lang="en-US" dirty="0" smtClean="0"/>
+              <a:t> Base possible</a:t>
+            </a:r>
+          </a:p>
+        </p:txBody>
+      </p:sp>
+      <p:pic>
+        <p:nvPicPr>
+          <p:cNvPr id="2050" name="Picture 2" descr="Sequelize | The Node.js ORM"/>
+          <p:cNvPicPr>
+            <a:picLocks noChangeAspect="1" noChangeArrowheads="1"/>
+          </p:cNvPicPr>
+          <p:nvPr/>
+        </p:nvPicPr>
+        <p:blipFill>
+          <a:blip r:embed="rId2">
+            <a:extLst>
+              <a:ext uri="{28A0092B-C50C-407E-A947-70E740481C1C}">
+                <a14:useLocalDpi xmlns:a14="http://schemas.microsoft.com/office/drawing/2010/main" val="0"/>
+              </a:ext>
+            </a:extLst>
+          </a:blip>
+          <a:srcRect/>
+          <a:stretch>
+            <a:fillRect/>
+          </a:stretch>
+        </p:blipFill>
+        <p:spPr bwMode="auto">
+          <a:xfrm>
+            <a:off x="6614040" y="1566885"/>
+            <a:ext cx="2381250" cy="2381250"/>
+          </a:xfrm>
+          <a:prstGeom prst="rect">
+            <a:avLst/>
+          </a:prstGeom>
+          <a:noFill/>
+          <a:extLst>
+            <a:ext uri="{909E8E84-426E-40DD-AFC4-6F175D3DCCD1}">
+              <a14:hiddenFill xmlns:a14="http://schemas.microsoft.com/office/drawing/2010/main">
+                <a:solidFill>
+                  <a:srgbClr val="FFFFFF"/>
+                </a:solidFill>
+              </a14:hiddenFill>
+            </a:ext>
+          </a:extLst>
+        </p:spPr>
+      </p:pic>
+      <p:sp>
+        <p:nvSpPr>
+          <p:cNvPr id="5" name="Rectangle 4"/>
+          <p:cNvSpPr/>
+          <p:nvPr/>
+        </p:nvSpPr>
+        <p:spPr>
+          <a:xfrm>
+            <a:off x="7170897" y="3851771"/>
+            <a:ext cx="2878956" cy="830997"/>
+          </a:xfrm>
+          <a:prstGeom prst="rect">
+            <a:avLst/>
+          </a:prstGeom>
+        </p:spPr>
+        <p:txBody>
+          <a:bodyPr wrap="square">
+            <a:spAutoFit/>
+          </a:bodyPr>
+          <a:lstStyle/>
+          <a:p>
+            <a:r>
+              <a:rPr lang="fr-CH" sz="4800" dirty="0">
+                <a:solidFill>
+                  <a:srgbClr val="2F406A"/>
+                </a:solidFill>
+                <a:latin typeface="Titillium Web"/>
+              </a:rPr>
+              <a:t>Sequelize</a:t>
+            </a:r>
+            <a:endParaRPr lang="fr-CH" sz="4800" dirty="0"/>
+          </a:p>
+        </p:txBody>
+      </p:sp>
+    </p:spTree>
+    <p:extLst>
+      <p:ext uri="{BB962C8B-B14F-4D97-AF65-F5344CB8AC3E}">
+        <p14:creationId xmlns:p14="http://schemas.microsoft.com/office/powerpoint/2010/main" val="3251529960"/>
+      </p:ext>
+    </p:extLst>
+  </p:cSld>
+  <p:clrMapOvr>
+    <a:masterClrMapping/>
+  </p:clrMapOvr>
+</p:sld>
+</file>
+
+<file path=ppt/slides/slide7.xml><?xml version="1.0" encoding="utf-8"?>
+<p:sld xmlns:a="http://schemas.openxmlformats.org/drawingml/2006/main" xmlns:r="http://schemas.openxmlformats.org/officeDocument/2006/relationships" xmlns:p="http://schemas.openxmlformats.org/presentationml/2006/main">
+  <p:cSld>
+    <p:spTree>
+      <p:nvGrpSpPr>
+        <p:cNvPr id="1" name=""/>
+        <p:cNvGrpSpPr/>
+        <p:nvPr/>
+      </p:nvGrpSpPr>
+      <p:grpSpPr>
+        <a:xfrm>
+          <a:off x="0" y="0"/>
+          <a:ext cx="0" cy="0"/>
+          <a:chOff x="0" y="0"/>
+          <a:chExt cx="0" cy="0"/>
+        </a:xfrm>
+      </p:grpSpPr>
+      <p:sp>
+        <p:nvSpPr>
+          <p:cNvPr id="2" name="Title 1"/>
+          <p:cNvSpPr>
+            <a:spLocks noGrp="1"/>
+          </p:cNvSpPr>
+          <p:nvPr>
+            <p:ph type="title"/>
+          </p:nvPr>
+        </p:nvSpPr>
+        <p:spPr>
+          <a:xfrm>
+            <a:off x="0" y="7875"/>
+            <a:ext cx="9404723" cy="676630"/>
+          </a:xfrm>
+        </p:spPr>
+        <p:txBody>
+          <a:bodyPr>
+            <a:normAutofit fontScale="90000"/>
+          </a:bodyPr>
+          <a:lstStyle/>
+          <a:p>
+            <a:pPr algn="l"/>
+            <a:r>
+              <a:rPr lang="en-US" dirty="0" smtClean="0"/>
+              <a:t>Design Pattern</a:t>
+            </a:r>
+            <a:endParaRPr lang="fr-CH" dirty="0"/>
+          </a:p>
+        </p:txBody>
+      </p:sp>
+      <p:sp>
+        <p:nvSpPr>
+          <p:cNvPr id="3" name="Content Placeholder 2"/>
+          <p:cNvSpPr>
+            <a:spLocks noGrp="1"/>
+          </p:cNvSpPr>
+          <p:nvPr>
+            <p:ph idx="1"/>
+          </p:nvPr>
+        </p:nvSpPr>
+        <p:spPr>
+          <a:xfrm>
+            <a:off x="1103312" y="2052918"/>
+            <a:ext cx="8946541" cy="2444941"/>
+          </a:xfrm>
+        </p:spPr>
+        <p:txBody>
+          <a:bodyPr numCol="2">
+            <a:normAutofit lnSpcReduction="10000"/>
+          </a:bodyPr>
+          <a:lstStyle/>
+          <a:p>
+            <a:r>
+              <a:rPr lang="en-US" dirty="0" smtClean="0"/>
+              <a:t>Material design</a:t>
+            </a:r>
+          </a:p>
+          <a:p>
+            <a:endParaRPr lang="en-US" dirty="0" smtClean="0"/>
+          </a:p>
+          <a:p>
+            <a:r>
+              <a:rPr lang="en-US" dirty="0" smtClean="0"/>
+              <a:t>Simple </a:t>
+            </a:r>
+            <a:r>
+              <a:rPr lang="en-US" dirty="0" err="1" smtClean="0"/>
+              <a:t>ou</a:t>
+            </a:r>
+            <a:r>
+              <a:rPr lang="en-US" dirty="0" smtClean="0"/>
+              <a:t> </a:t>
+            </a:r>
+            <a:r>
+              <a:rPr lang="en-US" dirty="0" err="1" smtClean="0"/>
+              <a:t>minimaliste</a:t>
+            </a:r>
+            <a:endParaRPr lang="en-US" dirty="0" smtClean="0"/>
+          </a:p>
+          <a:p>
+            <a:endParaRPr lang="en-US" dirty="0" smtClean="0"/>
+          </a:p>
+          <a:p>
+            <a:r>
+              <a:rPr lang="en-US" dirty="0" smtClean="0"/>
+              <a:t>Transitions</a:t>
+            </a:r>
+          </a:p>
+          <a:p>
+            <a:endParaRPr lang="en-US" dirty="0" smtClean="0"/>
+          </a:p>
+          <a:p>
+            <a:r>
+              <a:rPr lang="en-US" dirty="0" err="1" smtClean="0"/>
+              <a:t>Boutons</a:t>
+            </a:r>
+            <a:r>
+              <a:rPr lang="en-US" dirty="0" smtClean="0"/>
+              <a:t> </a:t>
+            </a:r>
+            <a:r>
+              <a:rPr lang="en-US" dirty="0" err="1" smtClean="0"/>
+              <a:t>personalisés</a:t>
+            </a:r>
+            <a:endParaRPr lang="en-US" dirty="0" smtClean="0"/>
+          </a:p>
+          <a:p>
+            <a:pPr marL="0" indent="0">
+              <a:buNone/>
+            </a:pPr>
+            <a:endParaRPr lang="en-US" dirty="0"/>
+          </a:p>
+          <a:p>
+            <a:r>
+              <a:rPr lang="en-US" dirty="0" smtClean="0"/>
+              <a:t>Notation des </a:t>
+            </a:r>
+            <a:r>
+              <a:rPr lang="en-US" dirty="0" err="1" smtClean="0"/>
+              <a:t>flèches</a:t>
+            </a:r>
+            <a:endParaRPr lang="en-US" dirty="0" smtClean="0"/>
+          </a:p>
+          <a:p>
+            <a:endParaRPr lang="en-US" dirty="0" smtClean="0"/>
+          </a:p>
+          <a:p>
+            <a:r>
+              <a:rPr lang="en-US" dirty="0" err="1" smtClean="0"/>
+              <a:t>Thème</a:t>
+            </a:r>
+            <a:r>
+              <a:rPr lang="en-US" dirty="0" smtClean="0"/>
+              <a:t> de </a:t>
+            </a:r>
+            <a:r>
+              <a:rPr lang="en-US" dirty="0" err="1" smtClean="0"/>
+              <a:t>couleurs</a:t>
+            </a:r>
+            <a:endParaRPr lang="en-US" dirty="0"/>
+          </a:p>
+        </p:txBody>
+      </p:sp>
+      <p:pic>
+        <p:nvPicPr>
+          <p:cNvPr id="5" name="Picture 4"/>
+          <p:cNvPicPr>
+            <a:picLocks noChangeAspect="1"/>
+          </p:cNvPicPr>
+          <p:nvPr/>
+        </p:nvPicPr>
+        <p:blipFill>
+          <a:blip r:embed="rId2"/>
+          <a:stretch>
+            <a:fillRect/>
+          </a:stretch>
+        </p:blipFill>
+        <p:spPr>
+          <a:xfrm>
+            <a:off x="9156998" y="2667847"/>
+            <a:ext cx="2428875" cy="895350"/>
+          </a:xfrm>
+          <a:prstGeom prst="rect">
+            <a:avLst/>
+          </a:prstGeom>
+        </p:spPr>
+      </p:pic>
+      <p:pic>
+        <p:nvPicPr>
+          <p:cNvPr id="1026" name="Picture 2" descr="https://vuejs.org/images/logo.png"/>
+          <p:cNvPicPr>
+            <a:picLocks noChangeAspect="1" noChangeArrowheads="1"/>
+          </p:cNvPicPr>
+          <p:nvPr/>
+        </p:nvPicPr>
+        <p:blipFill>
+          <a:blip r:embed="rId3">
+            <a:extLst>
+              <a:ext uri="{28A0092B-C50C-407E-A947-70E740481C1C}">
+                <a14:useLocalDpi xmlns:a14="http://schemas.microsoft.com/office/drawing/2010/main" val="0"/>
+              </a:ext>
+            </a:extLst>
+          </a:blip>
+          <a:srcRect/>
+          <a:stretch>
+            <a:fillRect/>
+          </a:stretch>
+        </p:blipFill>
+        <p:spPr bwMode="auto">
+          <a:xfrm>
+            <a:off x="6053560" y="4680635"/>
+            <a:ext cx="1778089" cy="1778089"/>
+          </a:xfrm>
+          <a:prstGeom prst="rect">
+            <a:avLst/>
+          </a:prstGeom>
+          <a:noFill/>
+          <a:extLst>
+            <a:ext uri="{909E8E84-426E-40DD-AFC4-6F175D3DCCD1}">
+              <a14:hiddenFill xmlns:a14="http://schemas.microsoft.com/office/drawing/2010/main">
+                <a:solidFill>
+                  <a:srgbClr val="FFFFFF"/>
+                </a:solidFill>
+              </a14:hiddenFill>
+            </a:ext>
+          </a:extLst>
+        </p:spPr>
+      </p:pic>
+      <p:pic>
+        <p:nvPicPr>
+          <p:cNvPr id="6" name="Picture 5"/>
+          <p:cNvPicPr>
+            <a:picLocks noChangeAspect="1"/>
+          </p:cNvPicPr>
+          <p:nvPr/>
+        </p:nvPicPr>
+        <p:blipFill>
+          <a:blip r:embed="rId4">
+            <a:extLst>
+              <a:ext uri="{28A0092B-C50C-407E-A947-70E740481C1C}">
+                <a14:useLocalDpi xmlns:a14="http://schemas.microsoft.com/office/drawing/2010/main" val="0"/>
+              </a:ext>
+            </a:extLst>
+          </a:blip>
+          <a:stretch>
+            <a:fillRect/>
+          </a:stretch>
+        </p:blipFill>
+        <p:spPr>
+          <a:xfrm>
+            <a:off x="2415120" y="684505"/>
+            <a:ext cx="1447800" cy="1447800"/>
+          </a:xfrm>
+          <a:prstGeom prst="rect">
+            <a:avLst/>
+          </a:prstGeom>
+        </p:spPr>
+      </p:pic>
+    </p:spTree>
+    <p:extLst>
+      <p:ext uri="{BB962C8B-B14F-4D97-AF65-F5344CB8AC3E}">
+        <p14:creationId xmlns:p14="http://schemas.microsoft.com/office/powerpoint/2010/main" val="214214139"/>
+      </p:ext>
+    </p:extLst>
+  </p:cSld>
+  <p:clrMapOvr>
+    <a:masterClrMapping/>
+  </p:clrMapOvr>
+</p:sld>
+</file>
+
+<file path=ppt/slides/slide8.xml><?xml version="1.0" encoding="utf-8"?>
+<p:sld xmlns:a="http://schemas.openxmlformats.org/drawingml/2006/main" xmlns:r="http://schemas.openxmlformats.org/officeDocument/2006/relationships" xmlns:p="http://schemas.openxmlformats.org/presentationml/2006/main">
+  <p:cSld>
+    <p:spTree>
+      <p:nvGrpSpPr>
+        <p:cNvPr id="1" name=""/>
+        <p:cNvGrpSpPr/>
+        <p:nvPr/>
+      </p:nvGrpSpPr>
+      <p:grpSpPr>
+        <a:xfrm>
+          <a:off x="0" y="0"/>
+          <a:ext cx="0" cy="0"/>
+          <a:chOff x="0" y="0"/>
+          <a:chExt cx="0" cy="0"/>
+        </a:xfrm>
+      </p:grpSpPr>
+      <p:sp>
+        <p:nvSpPr>
+          <p:cNvPr id="2" name="Title 1"/>
+          <p:cNvSpPr>
+            <a:spLocks noGrp="1"/>
+          </p:cNvSpPr>
+          <p:nvPr>
+            <p:ph type="title"/>
+          </p:nvPr>
+        </p:nvSpPr>
+        <p:spPr>
+          <a:xfrm>
+            <a:off x="0" y="0"/>
+            <a:ext cx="9404723" cy="864973"/>
+          </a:xfrm>
+        </p:spPr>
+        <p:txBody>
+          <a:bodyPr/>
+          <a:lstStyle/>
+          <a:p>
+            <a:pPr algn="l"/>
+            <a:r>
+              <a:rPr lang="en-US" dirty="0" err="1" smtClean="0"/>
+              <a:t>Améliorations</a:t>
+            </a:r>
+            <a:endParaRPr lang="fr-CH" dirty="0"/>
+          </a:p>
+        </p:txBody>
+      </p:sp>
+      <p:sp>
+        <p:nvSpPr>
+          <p:cNvPr id="3" name="Content Placeholder 2"/>
+          <p:cNvSpPr>
+            <a:spLocks noGrp="1"/>
+          </p:cNvSpPr>
+          <p:nvPr>
+            <p:ph idx="1"/>
+          </p:nvPr>
+        </p:nvSpPr>
+        <p:spPr>
+          <a:xfrm>
+            <a:off x="1432826" y="2061156"/>
+            <a:ext cx="8946541" cy="2436703"/>
+          </a:xfrm>
+        </p:spPr>
+        <p:txBody>
+          <a:bodyPr numCol="2"/>
+          <a:lstStyle/>
+          <a:p>
+            <a:r>
+              <a:rPr lang="en-US" dirty="0" err="1" smtClean="0"/>
+              <a:t>Chargement</a:t>
+            </a:r>
+            <a:r>
+              <a:rPr lang="en-US" dirty="0" smtClean="0"/>
+              <a:t> </a:t>
+            </a:r>
+            <a:r>
+              <a:rPr lang="en-US" dirty="0" err="1" smtClean="0"/>
+              <a:t>rapide</a:t>
+            </a:r>
+            <a:endParaRPr lang="en-US" dirty="0" smtClean="0"/>
+          </a:p>
+          <a:p>
+            <a:endParaRPr lang="en-US" dirty="0" smtClean="0"/>
+          </a:p>
+          <a:p>
+            <a:r>
+              <a:rPr lang="en-US" dirty="0" smtClean="0"/>
+              <a:t>Structure de VueX</a:t>
+            </a:r>
+          </a:p>
+          <a:p>
+            <a:endParaRPr lang="en-US" dirty="0" smtClean="0"/>
+          </a:p>
+          <a:p>
+            <a:r>
+              <a:rPr lang="en-US" dirty="0" err="1" smtClean="0"/>
+              <a:t>Systéme</a:t>
+            </a:r>
+            <a:r>
+              <a:rPr lang="en-US" dirty="0" smtClean="0"/>
+              <a:t> de Grid</a:t>
+            </a:r>
+          </a:p>
+          <a:p>
+            <a:endParaRPr lang="en-US" dirty="0" smtClean="0"/>
+          </a:p>
+          <a:p>
+            <a:r>
+              <a:rPr lang="en-US" dirty="0" err="1" smtClean="0"/>
+              <a:t>Utiliser</a:t>
+            </a:r>
+            <a:r>
+              <a:rPr lang="en-US" dirty="0"/>
+              <a:t> </a:t>
+            </a:r>
+            <a:r>
+              <a:rPr lang="en-US" dirty="0" err="1" smtClean="0"/>
+              <a:t>mieux</a:t>
+            </a:r>
+            <a:r>
+              <a:rPr lang="en-US" dirty="0" smtClean="0"/>
+              <a:t> </a:t>
+            </a:r>
+            <a:r>
+              <a:rPr lang="en-US" dirty="0" err="1" smtClean="0"/>
+              <a:t>l’espace</a:t>
+            </a:r>
+            <a:endParaRPr lang="en-US" dirty="0" smtClean="0"/>
+          </a:p>
+          <a:p>
+            <a:endParaRPr lang="en-US" dirty="0"/>
+          </a:p>
+          <a:p>
+            <a:r>
+              <a:rPr lang="en-US" dirty="0" smtClean="0"/>
+              <a:t>Revoir le design </a:t>
+            </a:r>
+            <a:r>
+              <a:rPr lang="en-US" i="1" dirty="0" smtClean="0"/>
+              <a:t>cards</a:t>
+            </a:r>
+            <a:endParaRPr lang="fr-CH" i="1" dirty="0"/>
+          </a:p>
+        </p:txBody>
+      </p:sp>
+    </p:spTree>
+    <p:extLst>
+      <p:ext uri="{BB962C8B-B14F-4D97-AF65-F5344CB8AC3E}">
+        <p14:creationId xmlns:p14="http://schemas.microsoft.com/office/powerpoint/2010/main" val="3129264531"/>
+      </p:ext>
+    </p:extLst>
+  </p:cSld>
+  <p:clrMapOvr>
+    <a:masterClrMapping/>
+  </p:clrMapOvr>
+</p:sld>
+</file>
+
+<file path=ppt/slides/slide9.xml><?xml version="1.0" encoding="utf-8"?>
+<p:sld xmlns:a="http://schemas.openxmlformats.org/drawingml/2006/main" xmlns:r="http://schemas.openxmlformats.org/officeDocument/2006/relationships" xmlns:p="http://schemas.openxmlformats.org/presentationml/2006/main">
+  <p:cSld>
+    <p:spTree>
+      <p:nvGrpSpPr>
+        <p:cNvPr id="1" name=""/>
+        <p:cNvGrpSpPr/>
+        <p:nvPr/>
+      </p:nvGrpSpPr>
+      <p:grpSpPr>
+        <a:xfrm>
+          <a:off x="0" y="0"/>
+          <a:ext cx="0" cy="0"/>
+          <a:chOff x="0" y="0"/>
+          <a:chExt cx="0" cy="0"/>
+        </a:xfrm>
+      </p:grpSpPr>
+      <p:sp>
+        <p:nvSpPr>
+          <p:cNvPr id="2" name="Title 1"/>
+          <p:cNvSpPr>
+            <a:spLocks noGrp="1"/>
+          </p:cNvSpPr>
+          <p:nvPr>
+            <p:ph type="title"/>
+          </p:nvPr>
+        </p:nvSpPr>
+        <p:spPr>
+          <a:xfrm>
+            <a:off x="0" y="24350"/>
+            <a:ext cx="9404723" cy="832385"/>
+          </a:xfrm>
+        </p:spPr>
+        <p:txBody>
+          <a:bodyPr/>
+          <a:lstStyle/>
+          <a:p>
+            <a:pPr algn="l"/>
+            <a:r>
+              <a:rPr lang="en-US" dirty="0" err="1" smtClean="0"/>
+              <a:t>Problèmes</a:t>
+            </a:r>
+            <a:r>
+              <a:rPr lang="en-US" dirty="0" smtClean="0"/>
+              <a:t> </a:t>
+            </a:r>
+            <a:r>
+              <a:rPr lang="en-US" dirty="0" err="1" smtClean="0"/>
+              <a:t>rencontrés</a:t>
+            </a:r>
+            <a:endParaRPr lang="fr-CH" dirty="0"/>
+          </a:p>
+        </p:txBody>
+      </p:sp>
+      <p:sp>
+        <p:nvSpPr>
+          <p:cNvPr id="3" name="Content Placeholder 2"/>
+          <p:cNvSpPr>
+            <a:spLocks noGrp="1"/>
+          </p:cNvSpPr>
+          <p:nvPr>
+            <p:ph idx="1"/>
+          </p:nvPr>
+        </p:nvSpPr>
+        <p:spPr/>
+        <p:txBody>
+          <a:bodyPr/>
+          <a:lstStyle/>
+          <a:p>
+            <a:r>
+              <a:rPr lang="en-US" dirty="0" smtClean="0"/>
+              <a:t>Ma</a:t>
+            </a:r>
+          </a:p>
+          <a:p>
+            <a:endParaRPr lang="en-US" dirty="0"/>
+          </a:p>
+          <a:p>
+            <a:endParaRPr lang="en-US" dirty="0" smtClean="0"/>
+          </a:p>
+          <a:p>
+            <a:r>
+              <a:rPr lang="en-US" dirty="0" smtClean="0"/>
+              <a:t>IE avec VueX</a:t>
+            </a:r>
+          </a:p>
+          <a:p>
+            <a:pPr lvl="1"/>
+            <a:r>
+              <a:rPr lang="en-US" dirty="0" err="1" smtClean="0"/>
+              <a:t>Résolution</a:t>
+            </a:r>
+            <a:r>
+              <a:rPr lang="en-US" dirty="0" smtClean="0"/>
+              <a:t> : babel-</a:t>
+            </a:r>
+            <a:r>
+              <a:rPr lang="en-US" dirty="0" err="1" smtClean="0"/>
+              <a:t>polyfill</a:t>
+            </a:r>
+            <a:endParaRPr lang="en-US" dirty="0" smtClean="0"/>
+          </a:p>
+        </p:txBody>
+      </p:sp>
+    </p:spTree>
+    <p:extLst>
+      <p:ext uri="{BB962C8B-B14F-4D97-AF65-F5344CB8AC3E}">
+        <p14:creationId xmlns:p14="http://schemas.microsoft.com/office/powerpoint/2010/main" val="425895806"/>
       </p:ext>
     </p:extLst>
   </p:cSld>
@@ -7589,9 +8380,9 @@
 </file>
 
 <file path=ppt/theme/theme1.xml><?xml version="1.0" encoding="utf-8"?>
-<a:theme xmlns:a="http://schemas.openxmlformats.org/drawingml/2006/main" name="Ion">
+<a:theme xmlns:a="http://schemas.openxmlformats.org/drawingml/2006/main" name="Slate">
   <a:themeElements>
-    <a:clrScheme name="Ion">
+    <a:clrScheme name="Slate">
       <a:dk1>
         <a:sysClr val="windowText" lastClr="000000"/>
       </a:dk1>
@@ -7599,52 +8390,52 @@
         <a:sysClr val="window" lastClr="FFFFFF"/>
       </a:lt1>
       <a:dk2>
-        <a:srgbClr val="1E5155"/>
+        <a:srgbClr val="212123"/>
       </a:dk2>
       <a:lt2>
-        <a:srgbClr val="EBEBEB"/>
+        <a:srgbClr val="DADADA"/>
       </a:lt2>
       <a:accent1>
-        <a:srgbClr val="B01513"/>
+        <a:srgbClr val="BC451B"/>
       </a:accent1>
       <a:accent2>
-        <a:srgbClr val="EA6312"/>
+        <a:srgbClr val="D3BA68"/>
       </a:accent2>
       <a:accent3>
-        <a:srgbClr val="E6B729"/>
+        <a:srgbClr val="BB8640"/>
       </a:accent3>
       <a:accent4>
-        <a:srgbClr val="6AAC90"/>
+        <a:srgbClr val="AD9277"/>
       </a:accent4>
       <a:accent5>
-        <a:srgbClr val="54849A"/>
+        <a:srgbClr val="A55A43"/>
       </a:accent5>
       <a:accent6>
-        <a:srgbClr val="9E5E9B"/>
+        <a:srgbClr val="AD9D7B"/>
       </a:accent6>
       <a:hlink>
-        <a:srgbClr val="58C1BA"/>
+        <a:srgbClr val="E98052"/>
       </a:hlink>
       <a:folHlink>
-        <a:srgbClr val="9DFFCB"/>
+        <a:srgbClr val="F4B69B"/>
       </a:folHlink>
     </a:clrScheme>
-    <a:fontScheme name="Ion">
+    <a:fontScheme name="Slate">
       <a:majorFont>
-        <a:latin typeface="Century Gothic" panose="020B0502020202020204"/>
+        <a:latin typeface="Calisto MT" panose="02040603050505030304"/>
         <a:ea typeface=""/>
         <a:cs typeface=""/>
-        <a:font script="Jpan" typeface="メイリオ"/>
-        <a:font script="Hang" typeface="맑은 고딕"/>
-        <a:font script="Hans" typeface="宋体"/>
-        <a:font script="Hant" typeface="新細明體"/>
-        <a:font script="Arab" typeface="Times New Roman"/>
-        <a:font script="Hebr" typeface="Times New Roman"/>
-        <a:font script="Thai" typeface="Angsana New"/>
+        <a:font script="Jpan" typeface="ＭＳ Ｐゴシック"/>
+        <a:font script="Hang" typeface="돋움"/>
+        <a:font script="Hans" typeface="方正舒体"/>
+        <a:font script="Hant" typeface="微軟正黑體"/>
+        <a:font script="Arab" typeface="Arial"/>
+        <a:font script="Hebr" typeface="Arial"/>
+        <a:font script="Thai" typeface="Cordia New"/>
         <a:font script="Ethi" typeface="Nyala"/>
         <a:font script="Beng" typeface="Vrinda"/>
         <a:font script="Gujr" typeface="Shruti"/>
-        <a:font script="Khmr" typeface="MoolBoran"/>
+        <a:font script="Khmr" typeface="DaunPenh"/>
         <a:font script="Knda" typeface="Tunga"/>
         <a:font script="Guru" typeface="Raavi"/>
         <a:font script="Cans" typeface="Euphemia"/>
@@ -7661,18 +8452,18 @@
         <a:font script="Laoo" typeface="DokChampa"/>
         <a:font script="Sinh" typeface="Iskoola Pota"/>
         <a:font script="Mong" typeface="Mongolian Baiti"/>
-        <a:font script="Viet" typeface="Times New Roman"/>
+        <a:font script="Viet" typeface="Arial"/>
         <a:font script="Uigh" typeface="Microsoft Uighur"/>
         <a:font script="Geor" typeface="Sylfaen"/>
       </a:majorFont>
       <a:minorFont>
-        <a:latin typeface="Century Gothic" panose="020B0502020202020204"/>
+        <a:latin typeface="Calisto MT" panose="02040603050505030304"/>
         <a:ea typeface=""/>
         <a:cs typeface=""/>
-        <a:font script="Jpan" typeface="メイリオ"/>
-        <a:font script="Hang" typeface="맑은 고딕"/>
-        <a:font script="Hans" typeface="宋体"/>
-        <a:font script="Hant" typeface="新細明體"/>
+        <a:font script="Jpan" typeface="ＭＳ Ｐゴシック"/>
+        <a:font script="Hang" typeface="돋움"/>
+        <a:font script="Hans" typeface="方正舒体"/>
+        <a:font script="Hant" typeface="微軟正黑體"/>
         <a:font script="Arab" typeface="Arial"/>
         <a:font script="Hebr" typeface="Arial"/>
         <a:font script="Thai" typeface="Cordia New"/>
@@ -7701,7 +8492,7 @@
         <a:font script="Geor" typeface="Sylfaen"/>
       </a:minorFont>
     </a:fontScheme>
-    <a:fmtScheme name="Ion">
+    <a:fmtScheme name="Slate">
       <a:fillStyleLst>
         <a:solidFill>
           <a:schemeClr val="phClr"/>
@@ -7710,15 +8501,13 @@
           <a:gsLst>
             <a:gs pos="0">
               <a:schemeClr val="phClr">
-                <a:tint val="64000"/>
-                <a:lumMod val="118000"/>
+                <a:tint val="60000"/>
+                <a:lumMod val="110000"/>
               </a:schemeClr>
             </a:gs>
             <a:gs pos="100000">
               <a:schemeClr val="phClr">
-                <a:tint val="92000"/>
-                <a:alpha val="100000"/>
-                <a:lumMod val="110000"/>
+                <a:tint val="88000"/>
               </a:schemeClr>
             </a:gs>
           </a:gsLst>
@@ -7728,14 +8517,14 @@
           <a:gsLst>
             <a:gs pos="0">
               <a:schemeClr val="phClr">
-                <a:tint val="98000"/>
-                <a:lumMod val="114000"/>
+                <a:tint val="96000"/>
+                <a:lumMod val="104000"/>
               </a:schemeClr>
             </a:gs>
             <a:gs pos="100000">
               <a:schemeClr val="phClr">
                 <a:shade val="90000"/>
-                <a:lumMod val="84000"/>
+                <a:lumMod val="90000"/>
               </a:schemeClr>
             </a:gs>
           </a:gsLst>
@@ -7745,17 +8534,19 @@
       <a:lnStyleLst>
         <a:ln w="9525" cap="rnd" cmpd="sng" algn="ctr">
           <a:solidFill>
-            <a:schemeClr val="phClr"/>
+            <a:schemeClr val="phClr">
+              <a:shade val="90000"/>
+            </a:schemeClr>
           </a:solidFill>
           <a:prstDash val="solid"/>
         </a:ln>
-        <a:ln w="19050" cap="rnd" cmpd="sng" algn="ctr">
+        <a:ln w="15875" cap="rnd" cmpd="sng" algn="ctr">
           <a:solidFill>
             <a:schemeClr val="phClr"/>
           </a:solidFill>
           <a:prstDash val="solid"/>
         </a:ln>
-        <a:ln w="28575" cap="rnd" cmpd="sng" algn="ctr">
+        <a:ln w="25400" cap="rnd" cmpd="sng" algn="ctr">
           <a:solidFill>
             <a:schemeClr val="phClr"/>
           </a:solidFill>
@@ -7768,18 +8559,18 @@
         </a:effectStyle>
         <a:effectStyle>
           <a:effectLst>
-            <a:outerShdw blurRad="38100" dist="25400" dir="5400000" rotWithShape="0">
+            <a:outerShdw blurRad="63500" dist="25400" dir="5400000" rotWithShape="0">
               <a:srgbClr val="000000">
-                <a:alpha val="45000"/>
+                <a:alpha val="60000"/>
               </a:srgbClr>
             </a:outerShdw>
           </a:effectLst>
         </a:effectStyle>
         <a:effectStyle>
           <a:effectLst>
-            <a:outerShdw blurRad="63500" dist="38100" dir="5400000" rotWithShape="0">
+            <a:outerShdw blurRad="76200" dist="38100" dir="5400000" rotWithShape="0">
               <a:srgbClr val="000000">
-                <a:alpha val="60000"/>
+                <a:alpha val="75000"/>
               </a:srgbClr>
             </a:outerShdw>
           </a:effectLst>
@@ -7787,10 +8578,12 @@
             <a:camera prst="orthographicFront">
               <a:rot lat="0" lon="0" rev="0"/>
             </a:camera>
-            <a:lightRig rig="threePt" dir="tl"/>
+            <a:lightRig rig="threePt" dir="t">
+              <a:rot lat="0" lon="0" rev="1200000"/>
+            </a:lightRig>
           </a:scene3d>
-          <a:sp3d prstMaterial="plastic">
-            <a:bevelT w="0" h="0"/>
+          <a:sp3d>
+            <a:bevelT w="63500" h="25400" prst="hardEdge"/>
           </a:sp3d>
         </a:effectStyle>
       </a:effectStyleLst>
@@ -7798,44 +8591,18 @@
         <a:solidFill>
           <a:schemeClr val="phClr"/>
         </a:solidFill>
-        <a:gradFill rotWithShape="1">
-          <a:gsLst>
-            <a:gs pos="0">
-              <a:schemeClr val="phClr">
-                <a:tint val="97000"/>
-                <a:hueMod val="88000"/>
-                <a:satMod val="130000"/>
-                <a:lumMod val="124000"/>
-              </a:schemeClr>
-            </a:gs>
-            <a:gs pos="100000">
-              <a:schemeClr val="phClr">
-                <a:tint val="96000"/>
-                <a:shade val="88000"/>
-                <a:hueMod val="108000"/>
-                <a:satMod val="164000"/>
-                <a:lumMod val="76000"/>
-              </a:schemeClr>
-            </a:gs>
-          </a:gsLst>
-          <a:path path="circle">
-            <a:fillToRect l="45000" t="65000" r="125000" b="100000"/>
-          </a:path>
-        </a:gradFill>
+        <a:solidFill>
+          <a:schemeClr val="phClr"/>
+        </a:solidFill>
         <a:blipFill rotWithShape="1">
           <a:blip xmlns:r="http://schemas.openxmlformats.org/officeDocument/2006/relationships" r:embed="rId1">
             <a:duotone>
               <a:schemeClr val="phClr">
-                <a:shade val="69000"/>
-                <a:hueMod val="108000"/>
-                <a:satMod val="164000"/>
-                <a:lumMod val="74000"/>
+                <a:shade val="80000"/>
+                <a:lumMod val="80000"/>
               </a:schemeClr>
               <a:schemeClr val="phClr">
-                <a:tint val="96000"/>
-                <a:hueMod val="88000"/>
-                <a:satMod val="140000"/>
-                <a:lumMod val="132000"/>
+                <a:tint val="98000"/>
               </a:schemeClr>
             </a:duotone>
           </a:blip>
@@ -7848,7 +8615,7 @@
   <a:extraClrSchemeLst/>
   <a:extLst>
     <a:ext uri="{05A4C25C-085E-4340-85A3-A5531E510DB2}">
-      <thm15:themeFamily xmlns:thm15="http://schemas.microsoft.com/office/thememl/2012/main" name="Ion" id="{B8441ADB-2E43-4AF7-B97A-BD870242C6A8}" vid="{292E63A9-BB86-4E3D-B92A-7223C6510D2E}"/>
+      <thm15:themeFamily xmlns:thm15="http://schemas.microsoft.com/office/thememl/2012/main" name="Slate" id="{C3F70B94-7CE9-428E-ADC1-3269CC2C3385}" vid="{3F2DE9A5-64E6-437C-A389-CC4477E817E8}"/>
     </a:ext>
   </a:extLst>
 </a:theme>

--- a/Documentation/Défense/Shoot4stats.pptx
+++ b/Documentation/Défense/Shoot4stats.pptx
@@ -2,20 +2,25 @@
 <file path=ppt/presentation.xml><?xml version="1.0" encoding="utf-8"?>
 <p:presentation xmlns:a="http://schemas.openxmlformats.org/drawingml/2006/main" xmlns:r="http://schemas.openxmlformats.org/officeDocument/2006/relationships" xmlns:p="http://schemas.openxmlformats.org/presentationml/2006/main" autoCompressPictures="0">
   <p:sldMasterIdLst>
-    <p:sldMasterId id="2147483699" r:id="rId1"/>
+    <p:sldMasterId id="2147483717" r:id="rId1"/>
   </p:sldMasterIdLst>
+  <p:notesMasterIdLst>
+    <p:notesMasterId r:id="rId15"/>
+  </p:notesMasterIdLst>
   <p:sldIdLst>
     <p:sldId id="256" r:id="rId2"/>
     <p:sldId id="257" r:id="rId3"/>
-    <p:sldId id="258" r:id="rId4"/>
-    <p:sldId id="265" r:id="rId5"/>
-    <p:sldId id="264" r:id="rId6"/>
-    <p:sldId id="267" r:id="rId7"/>
-    <p:sldId id="263" r:id="rId8"/>
-    <p:sldId id="259" r:id="rId9"/>
-    <p:sldId id="266" r:id="rId10"/>
-    <p:sldId id="260" r:id="rId11"/>
-    <p:sldId id="262" r:id="rId12"/>
+    <p:sldId id="268" r:id="rId4"/>
+    <p:sldId id="258" r:id="rId5"/>
+    <p:sldId id="265" r:id="rId6"/>
+    <p:sldId id="270" r:id="rId7"/>
+    <p:sldId id="267" r:id="rId8"/>
+    <p:sldId id="263" r:id="rId9"/>
+    <p:sldId id="259" r:id="rId10"/>
+    <p:sldId id="266" r:id="rId11"/>
+    <p:sldId id="260" r:id="rId12"/>
+    <p:sldId id="269" r:id="rId13"/>
+    <p:sldId id="262" r:id="rId14"/>
   </p:sldIdLst>
   <p:sldSz cx="12192000" cy="6858000"/>
   <p:notesSz cx="6858000" cy="9144000"/>
@@ -122,6 +127,524 @@
 </p:presentation>
 </file>
 
+<file path=ppt/notesMasters/notesMaster1.xml><?xml version="1.0" encoding="utf-8"?>
+<p:notesMaster xmlns:a="http://schemas.openxmlformats.org/drawingml/2006/main" xmlns:r="http://schemas.openxmlformats.org/officeDocument/2006/relationships" xmlns:p="http://schemas.openxmlformats.org/presentationml/2006/main">
+  <p:cSld>
+    <p:bg>
+      <p:bgRef idx="1001">
+        <a:schemeClr val="bg1"/>
+      </p:bgRef>
+    </p:bg>
+    <p:spTree>
+      <p:nvGrpSpPr>
+        <p:cNvPr id="1" name=""/>
+        <p:cNvGrpSpPr/>
+        <p:nvPr/>
+      </p:nvGrpSpPr>
+      <p:grpSpPr>
+        <a:xfrm>
+          <a:off x="0" y="0"/>
+          <a:ext cx="0" cy="0"/>
+          <a:chOff x="0" y="0"/>
+          <a:chExt cx="0" cy="0"/>
+        </a:xfrm>
+      </p:grpSpPr>
+      <p:sp>
+        <p:nvSpPr>
+          <p:cNvPr id="2" name="Header Placeholder 1"/>
+          <p:cNvSpPr>
+            <a:spLocks noGrp="1"/>
+          </p:cNvSpPr>
+          <p:nvPr>
+            <p:ph type="hdr" sz="quarter"/>
+          </p:nvPr>
+        </p:nvSpPr>
+        <p:spPr>
+          <a:xfrm>
+            <a:off x="0" y="0"/>
+            <a:ext cx="2971800" cy="458788"/>
+          </a:xfrm>
+          <a:prstGeom prst="rect">
+            <a:avLst/>
+          </a:prstGeom>
+        </p:spPr>
+        <p:txBody>
+          <a:bodyPr vert="horz" lIns="91440" tIns="45720" rIns="91440" bIns="45720" rtlCol="0"/>
+          <a:lstStyle>
+            <a:lvl1pPr algn="l">
+              <a:defRPr sz="1200"/>
+            </a:lvl1pPr>
+          </a:lstStyle>
+          <a:p>
+            <a:endParaRPr lang="fr-CH"/>
+          </a:p>
+        </p:txBody>
+      </p:sp>
+      <p:sp>
+        <p:nvSpPr>
+          <p:cNvPr id="3" name="Date Placeholder 2"/>
+          <p:cNvSpPr>
+            <a:spLocks noGrp="1"/>
+          </p:cNvSpPr>
+          <p:nvPr>
+            <p:ph type="dt" idx="1"/>
+          </p:nvPr>
+        </p:nvSpPr>
+        <p:spPr>
+          <a:xfrm>
+            <a:off x="3884613" y="0"/>
+            <a:ext cx="2971800" cy="458788"/>
+          </a:xfrm>
+          <a:prstGeom prst="rect">
+            <a:avLst/>
+          </a:prstGeom>
+        </p:spPr>
+        <p:txBody>
+          <a:bodyPr vert="horz" lIns="91440" tIns="45720" rIns="91440" bIns="45720" rtlCol="0"/>
+          <a:lstStyle>
+            <a:lvl1pPr algn="r">
+              <a:defRPr sz="1200"/>
+            </a:lvl1pPr>
+          </a:lstStyle>
+          <a:p>
+            <a:fld id="{27E756F3-6725-4917-9B9C-348D5D6C0252}" type="datetimeFigureOut">
+              <a:rPr lang="fr-CH" smtClean="0"/>
+              <a:t>26.04.2017</a:t>
+            </a:fld>
+            <a:endParaRPr lang="fr-CH"/>
+          </a:p>
+        </p:txBody>
+      </p:sp>
+      <p:sp>
+        <p:nvSpPr>
+          <p:cNvPr id="4" name="Slide Image Placeholder 3"/>
+          <p:cNvSpPr>
+            <a:spLocks noGrp="1" noRot="1" noChangeAspect="1"/>
+          </p:cNvSpPr>
+          <p:nvPr>
+            <p:ph type="sldImg" idx="2"/>
+          </p:nvPr>
+        </p:nvSpPr>
+        <p:spPr>
+          <a:xfrm>
+            <a:off x="685800" y="1143000"/>
+            <a:ext cx="5486400" cy="3086100"/>
+          </a:xfrm>
+          <a:prstGeom prst="rect">
+            <a:avLst/>
+          </a:prstGeom>
+          <a:noFill/>
+          <a:ln w="12700">
+            <a:solidFill>
+              <a:prstClr val="black"/>
+            </a:solidFill>
+          </a:ln>
+        </p:spPr>
+        <p:txBody>
+          <a:bodyPr vert="horz" lIns="91440" tIns="45720" rIns="91440" bIns="45720" rtlCol="0" anchor="ctr"/>
+          <a:lstStyle/>
+          <a:p>
+            <a:endParaRPr lang="fr-CH"/>
+          </a:p>
+        </p:txBody>
+      </p:sp>
+      <p:sp>
+        <p:nvSpPr>
+          <p:cNvPr id="5" name="Notes Placeholder 4"/>
+          <p:cNvSpPr>
+            <a:spLocks noGrp="1"/>
+          </p:cNvSpPr>
+          <p:nvPr>
+            <p:ph type="body" sz="quarter" idx="3"/>
+          </p:nvPr>
+        </p:nvSpPr>
+        <p:spPr>
+          <a:xfrm>
+            <a:off x="685800" y="4400550"/>
+            <a:ext cx="5486400" cy="3600450"/>
+          </a:xfrm>
+          <a:prstGeom prst="rect">
+            <a:avLst/>
+          </a:prstGeom>
+        </p:spPr>
+        <p:txBody>
+          <a:bodyPr vert="horz" lIns="91440" tIns="45720" rIns="91440" bIns="45720" rtlCol="0"/>
+          <a:lstStyle/>
+          <a:p>
+            <a:pPr lvl="0"/>
+            <a:r>
+              <a:rPr lang="en-US" smtClean="0"/>
+              <a:t>Edit Master text styles</a:t>
+            </a:r>
+          </a:p>
+          <a:p>
+            <a:pPr lvl="1"/>
+            <a:r>
+              <a:rPr lang="en-US" smtClean="0"/>
+              <a:t>Second level</a:t>
+            </a:r>
+          </a:p>
+          <a:p>
+            <a:pPr lvl="2"/>
+            <a:r>
+              <a:rPr lang="en-US" smtClean="0"/>
+              <a:t>Third level</a:t>
+            </a:r>
+          </a:p>
+          <a:p>
+            <a:pPr lvl="3"/>
+            <a:r>
+              <a:rPr lang="en-US" smtClean="0"/>
+              <a:t>Fourth level</a:t>
+            </a:r>
+          </a:p>
+          <a:p>
+            <a:pPr lvl="4"/>
+            <a:r>
+              <a:rPr lang="en-US" smtClean="0"/>
+              <a:t>Fifth level</a:t>
+            </a:r>
+            <a:endParaRPr lang="fr-CH"/>
+          </a:p>
+        </p:txBody>
+      </p:sp>
+      <p:sp>
+        <p:nvSpPr>
+          <p:cNvPr id="6" name="Footer Placeholder 5"/>
+          <p:cNvSpPr>
+            <a:spLocks noGrp="1"/>
+          </p:cNvSpPr>
+          <p:nvPr>
+            <p:ph type="ftr" sz="quarter" idx="4"/>
+          </p:nvPr>
+        </p:nvSpPr>
+        <p:spPr>
+          <a:xfrm>
+            <a:off x="0" y="8685213"/>
+            <a:ext cx="2971800" cy="458787"/>
+          </a:xfrm>
+          <a:prstGeom prst="rect">
+            <a:avLst/>
+          </a:prstGeom>
+        </p:spPr>
+        <p:txBody>
+          <a:bodyPr vert="horz" lIns="91440" tIns="45720" rIns="91440" bIns="45720" rtlCol="0" anchor="b"/>
+          <a:lstStyle>
+            <a:lvl1pPr algn="l">
+              <a:defRPr sz="1200"/>
+            </a:lvl1pPr>
+          </a:lstStyle>
+          <a:p>
+            <a:endParaRPr lang="fr-CH"/>
+          </a:p>
+        </p:txBody>
+      </p:sp>
+      <p:sp>
+        <p:nvSpPr>
+          <p:cNvPr id="7" name="Slide Number Placeholder 6"/>
+          <p:cNvSpPr>
+            <a:spLocks noGrp="1"/>
+          </p:cNvSpPr>
+          <p:nvPr>
+            <p:ph type="sldNum" sz="quarter" idx="5"/>
+          </p:nvPr>
+        </p:nvSpPr>
+        <p:spPr>
+          <a:xfrm>
+            <a:off x="3884613" y="8685213"/>
+            <a:ext cx="2971800" cy="458787"/>
+          </a:xfrm>
+          <a:prstGeom prst="rect">
+            <a:avLst/>
+          </a:prstGeom>
+        </p:spPr>
+        <p:txBody>
+          <a:bodyPr vert="horz" lIns="91440" tIns="45720" rIns="91440" bIns="45720" rtlCol="0" anchor="b"/>
+          <a:lstStyle>
+            <a:lvl1pPr algn="r">
+              <a:defRPr sz="1200"/>
+            </a:lvl1pPr>
+          </a:lstStyle>
+          <a:p>
+            <a:fld id="{5667F26F-CF4B-4075-A0DF-7E3987368146}" type="slidenum">
+              <a:rPr lang="fr-CH" smtClean="0"/>
+              <a:t>‹#›</a:t>
+            </a:fld>
+            <a:endParaRPr lang="fr-CH"/>
+          </a:p>
+        </p:txBody>
+      </p:sp>
+    </p:spTree>
+    <p:extLst>
+      <p:ext uri="{BB962C8B-B14F-4D97-AF65-F5344CB8AC3E}">
+        <p14:creationId xmlns:p14="http://schemas.microsoft.com/office/powerpoint/2010/main" val="1493819772"/>
+      </p:ext>
+    </p:extLst>
+  </p:cSld>
+  <p:clrMap bg1="lt1" tx1="dk1" bg2="lt2" tx2="dk2" accent1="accent1" accent2="accent2" accent3="accent3" accent4="accent4" accent5="accent5" accent6="accent6" hlink="hlink" folHlink="folHlink"/>
+  <p:notesStyle>
+    <a:lvl1pPr marL="0" algn="l" defTabSz="914400" rtl="0" eaLnBrk="1" latinLnBrk="0" hangingPunct="1">
+      <a:defRPr sz="1200" kern="1200">
+        <a:solidFill>
+          <a:schemeClr val="tx1"/>
+        </a:solidFill>
+        <a:latin typeface="+mn-lt"/>
+        <a:ea typeface="+mn-ea"/>
+        <a:cs typeface="+mn-cs"/>
+      </a:defRPr>
+    </a:lvl1pPr>
+    <a:lvl2pPr marL="457200" algn="l" defTabSz="914400" rtl="0" eaLnBrk="1" latinLnBrk="0" hangingPunct="1">
+      <a:defRPr sz="1200" kern="1200">
+        <a:solidFill>
+          <a:schemeClr val="tx1"/>
+        </a:solidFill>
+        <a:latin typeface="+mn-lt"/>
+        <a:ea typeface="+mn-ea"/>
+        <a:cs typeface="+mn-cs"/>
+      </a:defRPr>
+    </a:lvl2pPr>
+    <a:lvl3pPr marL="914400" algn="l" defTabSz="914400" rtl="0" eaLnBrk="1" latinLnBrk="0" hangingPunct="1">
+      <a:defRPr sz="1200" kern="1200">
+        <a:solidFill>
+          <a:schemeClr val="tx1"/>
+        </a:solidFill>
+        <a:latin typeface="+mn-lt"/>
+        <a:ea typeface="+mn-ea"/>
+        <a:cs typeface="+mn-cs"/>
+      </a:defRPr>
+    </a:lvl3pPr>
+    <a:lvl4pPr marL="1371600" algn="l" defTabSz="914400" rtl="0" eaLnBrk="1" latinLnBrk="0" hangingPunct="1">
+      <a:defRPr sz="1200" kern="1200">
+        <a:solidFill>
+          <a:schemeClr val="tx1"/>
+        </a:solidFill>
+        <a:latin typeface="+mn-lt"/>
+        <a:ea typeface="+mn-ea"/>
+        <a:cs typeface="+mn-cs"/>
+      </a:defRPr>
+    </a:lvl4pPr>
+    <a:lvl5pPr marL="1828800" algn="l" defTabSz="914400" rtl="0" eaLnBrk="1" latinLnBrk="0" hangingPunct="1">
+      <a:defRPr sz="1200" kern="1200">
+        <a:solidFill>
+          <a:schemeClr val="tx1"/>
+        </a:solidFill>
+        <a:latin typeface="+mn-lt"/>
+        <a:ea typeface="+mn-ea"/>
+        <a:cs typeface="+mn-cs"/>
+      </a:defRPr>
+    </a:lvl5pPr>
+    <a:lvl6pPr marL="2286000" algn="l" defTabSz="914400" rtl="0" eaLnBrk="1" latinLnBrk="0" hangingPunct="1">
+      <a:defRPr sz="1200" kern="1200">
+        <a:solidFill>
+          <a:schemeClr val="tx1"/>
+        </a:solidFill>
+        <a:latin typeface="+mn-lt"/>
+        <a:ea typeface="+mn-ea"/>
+        <a:cs typeface="+mn-cs"/>
+      </a:defRPr>
+    </a:lvl6pPr>
+    <a:lvl7pPr marL="2743200" algn="l" defTabSz="914400" rtl="0" eaLnBrk="1" latinLnBrk="0" hangingPunct="1">
+      <a:defRPr sz="1200" kern="1200">
+        <a:solidFill>
+          <a:schemeClr val="tx1"/>
+        </a:solidFill>
+        <a:latin typeface="+mn-lt"/>
+        <a:ea typeface="+mn-ea"/>
+        <a:cs typeface="+mn-cs"/>
+      </a:defRPr>
+    </a:lvl7pPr>
+    <a:lvl8pPr marL="3200400" algn="l" defTabSz="914400" rtl="0" eaLnBrk="1" latinLnBrk="0" hangingPunct="1">
+      <a:defRPr sz="1200" kern="1200">
+        <a:solidFill>
+          <a:schemeClr val="tx1"/>
+        </a:solidFill>
+        <a:latin typeface="+mn-lt"/>
+        <a:ea typeface="+mn-ea"/>
+        <a:cs typeface="+mn-cs"/>
+      </a:defRPr>
+    </a:lvl8pPr>
+    <a:lvl9pPr marL="3657600" algn="l" defTabSz="914400" rtl="0" eaLnBrk="1" latinLnBrk="0" hangingPunct="1">
+      <a:defRPr sz="1200" kern="1200">
+        <a:solidFill>
+          <a:schemeClr val="tx1"/>
+        </a:solidFill>
+        <a:latin typeface="+mn-lt"/>
+        <a:ea typeface="+mn-ea"/>
+        <a:cs typeface="+mn-cs"/>
+      </a:defRPr>
+    </a:lvl9pPr>
+  </p:notesStyle>
+</p:notesMaster>
+</file>
+
+<file path=ppt/notesSlides/notesSlide1.xml><?xml version="1.0" encoding="utf-8"?>
+<p:notes xmlns:a="http://schemas.openxmlformats.org/drawingml/2006/main" xmlns:r="http://schemas.openxmlformats.org/officeDocument/2006/relationships" xmlns:p="http://schemas.openxmlformats.org/presentationml/2006/main">
+  <p:cSld>
+    <p:spTree>
+      <p:nvGrpSpPr>
+        <p:cNvPr id="1" name=""/>
+        <p:cNvGrpSpPr/>
+        <p:nvPr/>
+      </p:nvGrpSpPr>
+      <p:grpSpPr>
+        <a:xfrm>
+          <a:off x="0" y="0"/>
+          <a:ext cx="0" cy="0"/>
+          <a:chOff x="0" y="0"/>
+          <a:chExt cx="0" cy="0"/>
+        </a:xfrm>
+      </p:grpSpPr>
+      <p:sp>
+        <p:nvSpPr>
+          <p:cNvPr id="2" name="Slide Image Placeholder 1"/>
+          <p:cNvSpPr>
+            <a:spLocks noGrp="1" noRot="1" noChangeAspect="1"/>
+          </p:cNvSpPr>
+          <p:nvPr>
+            <p:ph type="sldImg"/>
+          </p:nvPr>
+        </p:nvSpPr>
+        <p:spPr/>
+      </p:sp>
+      <p:sp>
+        <p:nvSpPr>
+          <p:cNvPr id="3" name="Notes Placeholder 2"/>
+          <p:cNvSpPr>
+            <a:spLocks noGrp="1"/>
+          </p:cNvSpPr>
+          <p:nvPr>
+            <p:ph type="body" idx="1"/>
+          </p:nvPr>
+        </p:nvSpPr>
+        <p:spPr/>
+        <p:txBody>
+          <a:bodyPr/>
+          <a:lstStyle/>
+          <a:p>
+            <a:endParaRPr lang="fr-CH" dirty="0"/>
+          </a:p>
+        </p:txBody>
+      </p:sp>
+      <p:sp>
+        <p:nvSpPr>
+          <p:cNvPr id="4" name="Slide Number Placeholder 3"/>
+          <p:cNvSpPr>
+            <a:spLocks noGrp="1"/>
+          </p:cNvSpPr>
+          <p:nvPr>
+            <p:ph type="sldNum" sz="quarter" idx="10"/>
+          </p:nvPr>
+        </p:nvSpPr>
+        <p:spPr/>
+        <p:txBody>
+          <a:bodyPr/>
+          <a:lstStyle/>
+          <a:p>
+            <a:fld id="{5667F26F-CF4B-4075-A0DF-7E3987368146}" type="slidenum">
+              <a:rPr lang="fr-CH" smtClean="0"/>
+              <a:t>4</a:t>
+            </a:fld>
+            <a:endParaRPr lang="fr-CH"/>
+          </a:p>
+        </p:txBody>
+      </p:sp>
+    </p:spTree>
+    <p:extLst>
+      <p:ext uri="{BB962C8B-B14F-4D97-AF65-F5344CB8AC3E}">
+        <p14:creationId xmlns:p14="http://schemas.microsoft.com/office/powerpoint/2010/main" val="140894020"/>
+      </p:ext>
+    </p:extLst>
+  </p:cSld>
+  <p:clrMapOvr>
+    <a:masterClrMapping/>
+  </p:clrMapOvr>
+</p:notes>
+</file>
+
+<file path=ppt/notesSlides/notesSlide2.xml><?xml version="1.0" encoding="utf-8"?>
+<p:notes xmlns:a="http://schemas.openxmlformats.org/drawingml/2006/main" xmlns:r="http://schemas.openxmlformats.org/officeDocument/2006/relationships" xmlns:p="http://schemas.openxmlformats.org/presentationml/2006/main">
+  <p:cSld>
+    <p:spTree>
+      <p:nvGrpSpPr>
+        <p:cNvPr id="1" name=""/>
+        <p:cNvGrpSpPr/>
+        <p:nvPr/>
+      </p:nvGrpSpPr>
+      <p:grpSpPr>
+        <a:xfrm>
+          <a:off x="0" y="0"/>
+          <a:ext cx="0" cy="0"/>
+          <a:chOff x="0" y="0"/>
+          <a:chExt cx="0" cy="0"/>
+        </a:xfrm>
+      </p:grpSpPr>
+      <p:sp>
+        <p:nvSpPr>
+          <p:cNvPr id="2" name="Slide Image Placeholder 1"/>
+          <p:cNvSpPr>
+            <a:spLocks noGrp="1" noRot="1" noChangeAspect="1"/>
+          </p:cNvSpPr>
+          <p:nvPr>
+            <p:ph type="sldImg"/>
+          </p:nvPr>
+        </p:nvSpPr>
+        <p:spPr/>
+      </p:sp>
+      <p:sp>
+        <p:nvSpPr>
+          <p:cNvPr id="3" name="Notes Placeholder 2"/>
+          <p:cNvSpPr>
+            <a:spLocks noGrp="1"/>
+          </p:cNvSpPr>
+          <p:nvPr>
+            <p:ph type="body" idx="1"/>
+          </p:nvPr>
+        </p:nvSpPr>
+        <p:spPr/>
+        <p:txBody>
+          <a:bodyPr/>
+          <a:lstStyle/>
+          <a:p>
+            <a:endParaRPr lang="fr-CH" dirty="0"/>
+          </a:p>
+        </p:txBody>
+      </p:sp>
+      <p:sp>
+        <p:nvSpPr>
+          <p:cNvPr id="4" name="Slide Number Placeholder 3"/>
+          <p:cNvSpPr>
+            <a:spLocks noGrp="1"/>
+          </p:cNvSpPr>
+          <p:nvPr>
+            <p:ph type="sldNum" sz="quarter" idx="10"/>
+          </p:nvPr>
+        </p:nvSpPr>
+        <p:spPr/>
+        <p:txBody>
+          <a:bodyPr/>
+          <a:lstStyle/>
+          <a:p>
+            <a:fld id="{5667F26F-CF4B-4075-A0DF-7E3987368146}" type="slidenum">
+              <a:rPr lang="fr-CH" smtClean="0"/>
+              <a:t>8</a:t>
+            </a:fld>
+            <a:endParaRPr lang="fr-CH"/>
+          </a:p>
+        </p:txBody>
+      </p:sp>
+    </p:spTree>
+    <p:extLst>
+      <p:ext uri="{BB962C8B-B14F-4D97-AF65-F5344CB8AC3E}">
+        <p14:creationId xmlns:p14="http://schemas.microsoft.com/office/powerpoint/2010/main" val="2587370698"/>
+      </p:ext>
+    </p:extLst>
+  </p:cSld>
+  <p:clrMapOvr>
+    <a:masterClrMapping/>
+  </p:clrMapOvr>
+</p:notes>
+</file>
+
 <file path=ppt/slideLayouts/slideLayout1.xml><?xml version="1.0" encoding="utf-8"?>
 <p:sldLayout xmlns:a="http://schemas.openxmlformats.org/drawingml/2006/main" xmlns:r="http://schemas.openxmlformats.org/officeDocument/2006/relationships" xmlns:p="http://schemas.openxmlformats.org/presentationml/2006/main" type="title" preserve="1">
   <p:cSld name="Title Slide">
@@ -151,17 +674,15 @@
         </p:nvSpPr>
         <p:spPr>
           <a:xfrm>
-            <a:off x="1370693" y="1769540"/>
-            <a:ext cx="9440034" cy="1828801"/>
-          </a:xfrm>
-        </p:spPr>
-        <p:txBody>
-          <a:bodyPr anchor="b">
-            <a:normAutofit/>
-          </a:bodyPr>
+            <a:off x="1154955" y="1447800"/>
+            <a:ext cx="8825658" cy="3329581"/>
+          </a:xfrm>
+        </p:spPr>
+        <p:txBody>
+          <a:bodyPr anchor="b"/>
           <a:lstStyle>
-            <a:lvl1pPr algn="ctr">
-              <a:defRPr sz="5400"/>
+            <a:lvl1pPr>
+              <a:defRPr sz="7200"/>
             </a:lvl1pPr>
           </a:lstStyle>
           <a:p>
@@ -185,18 +706,21 @@
         </p:nvSpPr>
         <p:spPr>
           <a:xfrm>
-            <a:off x="1370693" y="3598339"/>
-            <a:ext cx="9440034" cy="1049867"/>
+            <a:off x="1154955" y="4777380"/>
+            <a:ext cx="8825658" cy="861420"/>
           </a:xfrm>
         </p:spPr>
         <p:txBody>
           <a:bodyPr anchor="t"/>
           <a:lstStyle>
-            <a:lvl1pPr marL="0" indent="0" algn="ctr">
-              <a:buNone/>
-              <a:defRPr>
+            <a:lvl1pPr marL="0" indent="0" algn="l">
+              <a:buNone/>
+              <a:defRPr cap="all">
                 <a:solidFill>
-                  <a:schemeClr val="tx1"/>
+                  <a:schemeClr val="bg2">
+                    <a:lumMod val="40000"/>
+                    <a:lumOff val="60000"/>
+                  </a:schemeClr>
                 </a:solidFill>
               </a:defRPr>
             </a:lvl1pPr>
@@ -307,7 +831,7 @@
           <a:p>
             <a:fld id="{48A87A34-81AB-432B-8DAE-1953F412C126}" type="datetimeFigureOut">
               <a:rPr lang="en-US" smtClean="0"/>
-              <a:t>4/25/2017</a:t>
+              <a:t>4/26/2017</a:t>
             </a:fld>
             <a:endParaRPr lang="en-US" dirty="0"/>
           </a:p>
@@ -358,7 +882,7 @@
     </p:spTree>
     <p:extLst>
       <p:ext uri="{BB962C8B-B14F-4D97-AF65-F5344CB8AC3E}">
-        <p14:creationId xmlns:p14="http://schemas.microsoft.com/office/powerpoint/2010/main" val="2880305975"/>
+        <p14:creationId xmlns:p14="http://schemas.microsoft.com/office/powerpoint/2010/main" val="464973954"/>
       </p:ext>
     </p:extLst>
   </p:cSld>
@@ -385,36 +909,6 @@
           <a:chExt cx="0" cy="0"/>
         </a:xfrm>
       </p:grpSpPr>
-      <p:pic>
-        <p:nvPicPr>
-          <p:cNvPr id="16" name="Picture 15" descr="Slate-V2-HD-panoPhotoInset.png"/>
-          <p:cNvPicPr>
-            <a:picLocks noChangeAspect="1"/>
-          </p:cNvPicPr>
-          <p:nvPr/>
-        </p:nvPicPr>
-        <p:blipFill>
-          <a:blip r:embed="rId2">
-            <a:extLst>
-              <a:ext uri="{28A0092B-C50C-407E-A947-70E740481C1C}">
-                <a14:useLocalDpi xmlns:a14="http://schemas.microsoft.com/office/drawing/2010/main" val="0"/>
-              </a:ext>
-            </a:extLst>
-          </a:blip>
-          <a:stretch>
-            <a:fillRect/>
-          </a:stretch>
-        </p:blipFill>
-        <p:spPr>
-          <a:xfrm>
-            <a:off x="1013883" y="547807"/>
-            <a:ext cx="10141799" cy="3816806"/>
-          </a:xfrm>
-          <a:prstGeom prst="rect">
-            <a:avLst/>
-          </a:prstGeom>
-        </p:spPr>
-      </p:pic>
       <p:sp>
         <p:nvSpPr>
           <p:cNvPr id="2" name="Title 1"/>
@@ -427,8 +921,8 @@
         </p:nvSpPr>
         <p:spPr>
           <a:xfrm>
-            <a:off x="913806" y="4565255"/>
-            <a:ext cx="10355326" cy="543472"/>
+            <a:off x="1154956" y="4800587"/>
+            <a:ext cx="8825657" cy="566738"/>
           </a:xfrm>
         </p:spPr>
         <p:txBody>
@@ -436,8 +930,8 @@
             <a:normAutofit/>
           </a:bodyPr>
           <a:lstStyle>
-            <a:lvl1pPr algn="ctr">
-              <a:defRPr sz="2800"/>
+            <a:lvl1pPr algn="l">
+              <a:defRPr sz="2400" b="0"/>
             </a:lvl1pPr>
           </a:lstStyle>
           <a:p>
@@ -461,13 +955,18 @@
         </p:nvSpPr>
         <p:spPr>
           <a:xfrm>
-            <a:off x="1169349" y="695009"/>
-            <a:ext cx="9845346" cy="3525671"/>
-          </a:xfrm>
+            <a:off x="1154955" y="685800"/>
+            <a:ext cx="8825658" cy="3640666"/>
+          </a:xfrm>
+          <a:prstGeom prst="roundRect">
+            <a:avLst>
+              <a:gd name="adj" fmla="val 1858"/>
+            </a:avLst>
+          </a:prstGeom>
           <a:effectLst>
-            <a:outerShdw blurRad="38100" dist="25400" dir="4440000">
+            <a:outerShdw blurRad="50800" dist="50800" dir="5400000" algn="tl" rotWithShape="0">
               <a:srgbClr val="000000">
-                <a:alpha val="36000"/>
+                <a:alpha val="43000"/>
               </a:srgbClr>
             </a:outerShdw>
           </a:effectLst>
@@ -479,107 +978,109 @@
           <a:lstStyle>
             <a:lvl1pPr marL="0" indent="0" algn="ctr">
               <a:buNone/>
-              <a:defRPr sz="2000"/>
-            </a:lvl1pPr>
-            <a:lvl2pPr marL="457200" indent="0">
-              <a:buNone/>
-              <a:defRPr sz="2000"/>
-            </a:lvl2pPr>
-            <a:lvl3pPr marL="914400" indent="0">
-              <a:buNone/>
-              <a:defRPr sz="2000"/>
-            </a:lvl3pPr>
-            <a:lvl4pPr marL="1371600" indent="0">
-              <a:buNone/>
-              <a:defRPr sz="2000"/>
-            </a:lvl4pPr>
-            <a:lvl5pPr marL="1828800" indent="0">
-              <a:buNone/>
-              <a:defRPr sz="2000"/>
-            </a:lvl5pPr>
-            <a:lvl6pPr marL="2286000" indent="0">
-              <a:buNone/>
-              <a:defRPr sz="2000"/>
-            </a:lvl6pPr>
-            <a:lvl7pPr marL="2743200" indent="0">
-              <a:buNone/>
-              <a:defRPr sz="2000"/>
-            </a:lvl7pPr>
-            <a:lvl8pPr marL="3200400" indent="0">
-              <a:buNone/>
-              <a:defRPr sz="2000"/>
-            </a:lvl8pPr>
-            <a:lvl9pPr marL="3657600" indent="0">
-              <a:buNone/>
-              <a:defRPr sz="2000"/>
-            </a:lvl9pPr>
-          </a:lstStyle>
-          <a:p>
-            <a:r>
-              <a:rPr lang="en-US" smtClean="0"/>
-              <a:t>Click icon to add picture</a:t>
-            </a:r>
-            <a:endParaRPr lang="en-US" dirty="0"/>
-          </a:p>
-        </p:txBody>
-      </p:sp>
-      <p:sp>
-        <p:nvSpPr>
-          <p:cNvPr id="4" name="Text Placeholder 3"/>
-          <p:cNvSpPr>
-            <a:spLocks noGrp="1"/>
-          </p:cNvSpPr>
-          <p:nvPr>
-            <p:ph type="body" sz="half" idx="2"/>
-          </p:nvPr>
-        </p:nvSpPr>
-        <p:spPr>
-          <a:xfrm>
-            <a:off x="913795" y="5108728"/>
-            <a:ext cx="10353762" cy="682472"/>
-          </a:xfrm>
-        </p:spPr>
-        <p:txBody>
-          <a:bodyPr anchor="t"/>
-          <a:lstStyle>
-            <a:lvl1pPr marL="0" indent="0" algn="ctr">
-              <a:buNone/>
               <a:defRPr sz="1600"/>
             </a:lvl1pPr>
             <a:lvl2pPr marL="457200" indent="0">
               <a:buNone/>
-              <a:defRPr sz="1400"/>
+              <a:defRPr sz="1600"/>
             </a:lvl2pPr>
             <a:lvl3pPr marL="914400" indent="0">
               <a:buNone/>
-              <a:defRPr sz="1200"/>
+              <a:defRPr sz="1600"/>
             </a:lvl3pPr>
             <a:lvl4pPr marL="1371600" indent="0">
               <a:buNone/>
-              <a:defRPr sz="1000"/>
+              <a:defRPr sz="1600"/>
             </a:lvl4pPr>
             <a:lvl5pPr marL="1828800" indent="0">
               <a:buNone/>
-              <a:defRPr sz="1000"/>
+              <a:defRPr sz="1600"/>
             </a:lvl5pPr>
             <a:lvl6pPr marL="2286000" indent="0">
               <a:buNone/>
-              <a:defRPr sz="1000"/>
+              <a:defRPr sz="1600"/>
             </a:lvl6pPr>
             <a:lvl7pPr marL="2743200" indent="0">
               <a:buNone/>
-              <a:defRPr sz="1000"/>
+              <a:defRPr sz="1600"/>
             </a:lvl7pPr>
             <a:lvl8pPr marL="3200400" indent="0">
               <a:buNone/>
-              <a:defRPr sz="1000"/>
+              <a:defRPr sz="1600"/>
             </a:lvl8pPr>
             <a:lvl9pPr marL="3657600" indent="0">
               <a:buNone/>
-              <a:defRPr sz="1000"/>
+              <a:defRPr sz="1600"/>
             </a:lvl9pPr>
           </a:lstStyle>
           <a:p>
+            <a:r>
+              <a:rPr lang="en-US" smtClean="0"/>
+              <a:t>Click icon to add picture</a:t>
+            </a:r>
+            <a:endParaRPr lang="en-US" dirty="0"/>
+          </a:p>
+        </p:txBody>
+      </p:sp>
+      <p:sp>
+        <p:nvSpPr>
+          <p:cNvPr id="4" name="Text Placeholder 3"/>
+          <p:cNvSpPr>
+            <a:spLocks noGrp="1"/>
+          </p:cNvSpPr>
+          <p:nvPr>
+            <p:ph type="body" sz="half" idx="2"/>
+          </p:nvPr>
+        </p:nvSpPr>
+        <p:spPr>
+          <a:xfrm>
+            <a:off x="1154956" y="5367325"/>
+            <a:ext cx="8825656" cy="493712"/>
+          </a:xfrm>
+        </p:spPr>
+        <p:txBody>
+          <a:bodyPr>
+            <a:normAutofit/>
+          </a:bodyPr>
+          <a:lstStyle>
+            <a:lvl1pPr marL="0" indent="0">
+              <a:buNone/>
+              <a:defRPr sz="1200"/>
+            </a:lvl1pPr>
+            <a:lvl2pPr marL="457200" indent="0">
+              <a:buNone/>
+              <a:defRPr sz="1200"/>
+            </a:lvl2pPr>
+            <a:lvl3pPr marL="914400" indent="0">
+              <a:buNone/>
+              <a:defRPr sz="1000"/>
+            </a:lvl3pPr>
+            <a:lvl4pPr marL="1371600" indent="0">
+              <a:buNone/>
+              <a:defRPr sz="900"/>
+            </a:lvl4pPr>
+            <a:lvl5pPr marL="1828800" indent="0">
+              <a:buNone/>
+              <a:defRPr sz="900"/>
+            </a:lvl5pPr>
+            <a:lvl6pPr marL="2286000" indent="0">
+              <a:buNone/>
+              <a:defRPr sz="900"/>
+            </a:lvl6pPr>
+            <a:lvl7pPr marL="2743200" indent="0">
+              <a:buNone/>
+              <a:defRPr sz="900"/>
+            </a:lvl7pPr>
+            <a:lvl8pPr marL="3200400" indent="0">
+              <a:buNone/>
+              <a:defRPr sz="900"/>
+            </a:lvl8pPr>
+            <a:lvl9pPr marL="3657600" indent="0">
+              <a:buNone/>
+              <a:defRPr sz="900"/>
+            </a:lvl9pPr>
+          </a:lstStyle>
+          <a:p>
             <a:pPr lvl="0"/>
             <a:r>
               <a:rPr lang="en-US" smtClean="0"/>
@@ -606,7 +1107,7 @@
             <a:fld id="{48A87A34-81AB-432B-8DAE-1953F412C126}" type="datetimeFigureOut">
               <a:rPr lang="en-US" smtClean="0"/>
               <a:pPr/>
-              <a:t>4/25/2017</a:t>
+              <a:t>4/26/2017</a:t>
             </a:fld>
             <a:endParaRPr lang="en-US" dirty="0"/>
           </a:p>
@@ -658,7 +1159,7 @@
     </p:spTree>
     <p:extLst>
       <p:ext uri="{BB962C8B-B14F-4D97-AF65-F5344CB8AC3E}">
-        <p14:creationId xmlns:p14="http://schemas.microsoft.com/office/powerpoint/2010/main" val="37237045"/>
+        <p14:creationId xmlns:p14="http://schemas.microsoft.com/office/powerpoint/2010/main" val="1434207475"/>
       </p:ext>
     </p:extLst>
   </p:cSld>
@@ -697,15 +1198,15 @@
         </p:nvSpPr>
         <p:spPr>
           <a:xfrm>
-            <a:off x="913795" y="608437"/>
-            <a:ext cx="10353762" cy="3534344"/>
-          </a:xfrm>
-        </p:spPr>
-        <p:txBody>
-          <a:bodyPr anchor="ctr"/>
+            <a:off x="1154954" y="1447800"/>
+            <a:ext cx="8825659" cy="1981200"/>
+          </a:xfrm>
+        </p:spPr>
+        <p:txBody>
+          <a:bodyPr/>
           <a:lstStyle>
             <a:lvl1pPr>
-              <a:defRPr sz="3200"/>
+              <a:defRPr sz="4800"/>
             </a:lvl1pPr>
           </a:lstStyle>
           <a:p>
@@ -719,7 +1220,7 @@
       </p:sp>
       <p:sp>
         <p:nvSpPr>
-          <p:cNvPr id="4" name="Text Placeholder 3"/>
+          <p:cNvPr id="8" name="Text Placeholder 3"/>
           <p:cNvSpPr>
             <a:spLocks noGrp="1"/>
           </p:cNvSpPr>
@@ -729,48 +1230,50 @@
         </p:nvSpPr>
         <p:spPr>
           <a:xfrm>
-            <a:off x="913794" y="4295180"/>
-            <a:ext cx="10353763" cy="1501826"/>
-          </a:xfrm>
-        </p:spPr>
-        <p:txBody>
-          <a:bodyPr anchor="ctr"/>
+            <a:off x="1154954" y="3657600"/>
+            <a:ext cx="8825659" cy="2362200"/>
+          </a:xfrm>
+        </p:spPr>
+        <p:txBody>
+          <a:bodyPr anchor="ctr">
+            <a:normAutofit/>
+          </a:bodyPr>
           <a:lstStyle>
-            <a:lvl1pPr marL="0" indent="0" algn="ctr">
-              <a:buNone/>
-              <a:defRPr sz="1600"/>
+            <a:lvl1pPr marL="0" indent="0">
+              <a:buNone/>
+              <a:defRPr sz="1800"/>
             </a:lvl1pPr>
             <a:lvl2pPr marL="457200" indent="0">
               <a:buNone/>
-              <a:defRPr sz="1400"/>
+              <a:defRPr sz="1200"/>
             </a:lvl2pPr>
             <a:lvl3pPr marL="914400" indent="0">
               <a:buNone/>
-              <a:defRPr sz="1200"/>
+              <a:defRPr sz="1000"/>
             </a:lvl3pPr>
             <a:lvl4pPr marL="1371600" indent="0">
               <a:buNone/>
-              <a:defRPr sz="1000"/>
+              <a:defRPr sz="900"/>
             </a:lvl4pPr>
             <a:lvl5pPr marL="1828800" indent="0">
               <a:buNone/>
-              <a:defRPr sz="1000"/>
+              <a:defRPr sz="900"/>
             </a:lvl5pPr>
             <a:lvl6pPr marL="2286000" indent="0">
               <a:buNone/>
-              <a:defRPr sz="1000"/>
+              <a:defRPr sz="900"/>
             </a:lvl6pPr>
             <a:lvl7pPr marL="2743200" indent="0">
               <a:buNone/>
-              <a:defRPr sz="1000"/>
+              <a:defRPr sz="900"/>
             </a:lvl7pPr>
             <a:lvl8pPr marL="3200400" indent="0">
               <a:buNone/>
-              <a:defRPr sz="1000"/>
+              <a:defRPr sz="900"/>
             </a:lvl8pPr>
             <a:lvl9pPr marL="3657600" indent="0">
               <a:buNone/>
-              <a:defRPr sz="1000"/>
+              <a:defRPr sz="900"/>
             </a:lvl9pPr>
           </a:lstStyle>
           <a:p>
@@ -784,7 +1287,7 @@
       </p:sp>
       <p:sp>
         <p:nvSpPr>
-          <p:cNvPr id="5" name="Date Placeholder 4"/>
+          <p:cNvPr id="4" name="Date Placeholder 3"/>
           <p:cNvSpPr>
             <a:spLocks noGrp="1"/>
           </p:cNvSpPr>
@@ -800,7 +1303,7 @@
             <a:fld id="{48A87A34-81AB-432B-8DAE-1953F412C126}" type="datetimeFigureOut">
               <a:rPr lang="en-US" smtClean="0"/>
               <a:pPr/>
-              <a:t>4/25/2017</a:t>
+              <a:t>4/26/2017</a:t>
             </a:fld>
             <a:endParaRPr lang="en-US" dirty="0"/>
           </a:p>
@@ -808,7 +1311,7 @@
       </p:sp>
       <p:sp>
         <p:nvSpPr>
-          <p:cNvPr id="6" name="Footer Placeholder 5"/>
+          <p:cNvPr id="5" name="Footer Placeholder 4"/>
           <p:cNvSpPr>
             <a:spLocks noGrp="1"/>
           </p:cNvSpPr>
@@ -827,7 +1330,7 @@
       </p:sp>
       <p:sp>
         <p:nvSpPr>
-          <p:cNvPr id="7" name="Slide Number Placeholder 6"/>
+          <p:cNvPr id="6" name="Slide Number Placeholder 5"/>
           <p:cNvSpPr>
             <a:spLocks noGrp="1"/>
           </p:cNvSpPr>
@@ -852,7 +1355,7 @@
     </p:spTree>
     <p:extLst>
       <p:ext uri="{BB962C8B-B14F-4D97-AF65-F5344CB8AC3E}">
-        <p14:creationId xmlns:p14="http://schemas.microsoft.com/office/powerpoint/2010/main" val="1276178989"/>
+        <p14:creationId xmlns:p14="http://schemas.microsoft.com/office/powerpoint/2010/main" val="1967414417"/>
       </p:ext>
     </p:extLst>
   </p:cSld>
@@ -891,15 +1394,15 @@
         </p:nvSpPr>
         <p:spPr>
           <a:xfrm>
-            <a:off x="1446212" y="609600"/>
-            <a:ext cx="9302752" cy="2992904"/>
-          </a:xfrm>
-        </p:spPr>
-        <p:txBody>
-          <a:bodyPr anchor="ctr"/>
+            <a:off x="1574801" y="1447800"/>
+            <a:ext cx="7999315" cy="2323374"/>
+          </a:xfrm>
+        </p:spPr>
+        <p:txBody>
+          <a:bodyPr/>
           <a:lstStyle>
             <a:lvl1pPr>
-              <a:defRPr sz="3200"/>
+              <a:defRPr sz="4800"/>
             </a:lvl1pPr>
           </a:lstStyle>
           <a:p>
@@ -913,64 +1416,76 @@
       </p:sp>
       <p:sp>
         <p:nvSpPr>
-          <p:cNvPr id="12" name="Text Placeholder 3"/>
-          <p:cNvSpPr>
-            <a:spLocks noGrp="1"/>
-          </p:cNvSpPr>
-          <p:nvPr>
-            <p:ph type="body" sz="half" idx="13"/>
-          </p:nvPr>
-        </p:nvSpPr>
-        <p:spPr>
-          <a:xfrm>
-            <a:off x="1720644" y="3610032"/>
-            <a:ext cx="8752299" cy="532749"/>
-          </a:xfrm>
-        </p:spPr>
-        <p:txBody>
-          <a:bodyPr anchor="t">
+          <p:cNvPr id="11" name="Text Placeholder 3"/>
+          <p:cNvSpPr>
+            <a:spLocks noGrp="1"/>
+          </p:cNvSpPr>
+          <p:nvPr>
+            <p:ph type="body" sz="half" idx="14"/>
+          </p:nvPr>
+        </p:nvSpPr>
+        <p:spPr>
+          <a:xfrm>
+            <a:off x="1930400" y="3771174"/>
+            <a:ext cx="7279649" cy="342174"/>
+          </a:xfrm>
+        </p:spPr>
+        <p:txBody>
+          <a:bodyPr vert="horz" lIns="91440" tIns="45720" rIns="91440" bIns="45720" rtlCol="0" anchor="t">
             <a:normAutofit/>
           </a:bodyPr>
           <a:lstStyle>
-            <a:lvl1pPr marL="0" indent="0" algn="r">
-              <a:buNone/>
-              <a:defRPr sz="1400"/>
+            <a:lvl1pPr marL="0" indent="0">
+              <a:buNone/>
+              <a:defRPr lang="en-US" sz="1400" b="0" i="0" kern="1200" cap="small" dirty="0">
+                <a:solidFill>
+                  <a:schemeClr val="bg2">
+                    <a:lumMod val="40000"/>
+                    <a:lumOff val="60000"/>
+                  </a:schemeClr>
+                </a:solidFill>
+                <a:latin typeface="+mj-lt"/>
+                <a:ea typeface="+mj-ea"/>
+                <a:cs typeface="+mj-cs"/>
+              </a:defRPr>
             </a:lvl1pPr>
             <a:lvl2pPr marL="457200" indent="0">
               <a:buNone/>
-              <a:defRPr sz="1400"/>
+              <a:defRPr sz="1200"/>
             </a:lvl2pPr>
             <a:lvl3pPr marL="914400" indent="0">
               <a:buNone/>
-              <a:defRPr sz="1200"/>
+              <a:defRPr sz="1000"/>
             </a:lvl3pPr>
             <a:lvl4pPr marL="1371600" indent="0">
               <a:buNone/>
-              <a:defRPr sz="1000"/>
+              <a:defRPr sz="900"/>
             </a:lvl4pPr>
             <a:lvl5pPr marL="1828800" indent="0">
               <a:buNone/>
-              <a:defRPr sz="1000"/>
+              <a:defRPr sz="900"/>
             </a:lvl5pPr>
             <a:lvl6pPr marL="2286000" indent="0">
               <a:buNone/>
-              <a:defRPr sz="1000"/>
+              <a:defRPr sz="900"/>
             </a:lvl6pPr>
             <a:lvl7pPr marL="2743200" indent="0">
               <a:buNone/>
-              <a:defRPr sz="1000"/>
+              <a:defRPr sz="900"/>
             </a:lvl7pPr>
             <a:lvl8pPr marL="3200400" indent="0">
               <a:buNone/>
-              <a:defRPr sz="1000"/>
+              <a:defRPr sz="900"/>
             </a:lvl8pPr>
             <a:lvl9pPr marL="3657600" indent="0">
               <a:buNone/>
-              <a:defRPr sz="1000"/>
+              <a:defRPr sz="900"/>
             </a:lvl9pPr>
           </a:lstStyle>
           <a:p>
-            <a:pPr lvl="0"/>
+            <a:pPr marL="0" lvl="0" indent="0">
+              <a:buNone/>
+            </a:pPr>
             <a:r>
               <a:rPr lang="en-US" smtClean="0"/>
               <a:t>Edit Master text styles</a:t>
@@ -980,7 +1495,7 @@
       </p:sp>
       <p:sp>
         <p:nvSpPr>
-          <p:cNvPr id="4" name="Text Placeholder 3"/>
+          <p:cNvPr id="10" name="Text Placeholder 3"/>
           <p:cNvSpPr>
             <a:spLocks noGrp="1"/>
           </p:cNvSpPr>
@@ -990,8 +1505,8 @@
         </p:nvSpPr>
         <p:spPr>
           <a:xfrm>
-            <a:off x="913794" y="4304353"/>
-            <a:ext cx="10353763" cy="1489496"/>
+            <a:off x="1154954" y="4350657"/>
+            <a:ext cx="8825659" cy="1676400"/>
           </a:xfrm>
         </p:spPr>
         <p:txBody>
@@ -999,41 +1514,41 @@
             <a:normAutofit/>
           </a:bodyPr>
           <a:lstStyle>
-            <a:lvl1pPr marL="0" indent="0" algn="ctr">
-              <a:buNone/>
-              <a:defRPr sz="1600"/>
+            <a:lvl1pPr marL="0" indent="0">
+              <a:buNone/>
+              <a:defRPr sz="1800"/>
             </a:lvl1pPr>
             <a:lvl2pPr marL="457200" indent="0">
               <a:buNone/>
-              <a:defRPr sz="1400"/>
+              <a:defRPr sz="1200"/>
             </a:lvl2pPr>
             <a:lvl3pPr marL="914400" indent="0">
               <a:buNone/>
-              <a:defRPr sz="1200"/>
+              <a:defRPr sz="1000"/>
             </a:lvl3pPr>
             <a:lvl4pPr marL="1371600" indent="0">
               <a:buNone/>
-              <a:defRPr sz="1000"/>
+              <a:defRPr sz="900"/>
             </a:lvl4pPr>
             <a:lvl5pPr marL="1828800" indent="0">
               <a:buNone/>
-              <a:defRPr sz="1000"/>
+              <a:defRPr sz="900"/>
             </a:lvl5pPr>
             <a:lvl6pPr marL="2286000" indent="0">
               <a:buNone/>
-              <a:defRPr sz="1000"/>
+              <a:defRPr sz="900"/>
             </a:lvl6pPr>
             <a:lvl7pPr marL="2743200" indent="0">
               <a:buNone/>
-              <a:defRPr sz="1000"/>
+              <a:defRPr sz="900"/>
             </a:lvl7pPr>
             <a:lvl8pPr marL="3200400" indent="0">
               <a:buNone/>
-              <a:defRPr sz="1000"/>
+              <a:defRPr sz="900"/>
             </a:lvl8pPr>
             <a:lvl9pPr marL="3657600" indent="0">
               <a:buNone/>
-              <a:defRPr sz="1000"/>
+              <a:defRPr sz="900"/>
             </a:lvl9pPr>
           </a:lstStyle>
           <a:p>
@@ -1047,7 +1562,7 @@
       </p:sp>
       <p:sp>
         <p:nvSpPr>
-          <p:cNvPr id="5" name="Date Placeholder 4"/>
+          <p:cNvPr id="4" name="Date Placeholder 3"/>
           <p:cNvSpPr>
             <a:spLocks noGrp="1"/>
           </p:cNvSpPr>
@@ -1063,7 +1578,7 @@
             <a:fld id="{48A87A34-81AB-432B-8DAE-1953F412C126}" type="datetimeFigureOut">
               <a:rPr lang="en-US" smtClean="0"/>
               <a:pPr/>
-              <a:t>4/25/2017</a:t>
+              <a:t>4/26/2017</a:t>
             </a:fld>
             <a:endParaRPr lang="en-US" dirty="0"/>
           </a:p>
@@ -1071,7 +1586,7 @@
       </p:sp>
       <p:sp>
         <p:nvSpPr>
-          <p:cNvPr id="6" name="Footer Placeholder 5"/>
+          <p:cNvPr id="5" name="Footer Placeholder 4"/>
           <p:cNvSpPr>
             <a:spLocks noGrp="1"/>
           </p:cNvSpPr>
@@ -1090,7 +1605,7 @@
       </p:sp>
       <p:sp>
         <p:nvSpPr>
-          <p:cNvPr id="7" name="Slide Number Placeholder 6"/>
+          <p:cNvPr id="6" name="Slide Number Placeholder 5"/>
           <p:cNvSpPr>
             <a:spLocks noGrp="1"/>
           </p:cNvSpPr>
@@ -1114,115 +1629,46 @@
       </p:sp>
       <p:sp>
         <p:nvSpPr>
-          <p:cNvPr id="11" name="TextBox 10"/>
+          <p:cNvPr id="12" name="TextBox 11"/>
           <p:cNvSpPr txBox="1"/>
           <p:nvPr/>
         </p:nvSpPr>
         <p:spPr>
           <a:xfrm>
-            <a:off x="990600" y="884796"/>
-            <a:ext cx="609600" cy="584776"/>
+            <a:off x="898295" y="971253"/>
+            <a:ext cx="801912" cy="1969770"/>
           </a:xfrm>
           <a:prstGeom prst="rect">
             <a:avLst/>
           </a:prstGeom>
-        </p:spPr>
-        <p:txBody>
-          <a:bodyPr vert="horz" lIns="91440" tIns="45720" rIns="91440" bIns="45720" rtlCol="0" anchor="ctr">
-            <a:noAutofit/>
+          <a:noFill/>
+        </p:spPr>
+        <p:txBody>
+          <a:bodyPr wrap="square" rtlCol="0">
+            <a:spAutoFit/>
           </a:bodyPr>
           <a:lstStyle>
-            <a:lvl1pPr>
-              <a:spcBef>
-                <a:spcPct val="0"/>
-              </a:spcBef>
-              <a:buNone/>
-              <a:defRPr sz="3200" b="0" cap="all">
-                <a:ln w="3175" cmpd="sng">
-                  <a:noFill/>
-                </a:ln>
-                <a:effectLst>
-                  <a:glow rad="38100">
-                    <a:schemeClr val="bg1">
-                      <a:lumMod val="65000"/>
-                      <a:lumOff val="35000"/>
-                      <a:alpha val="40000"/>
-                    </a:schemeClr>
-                  </a:glow>
-                  <a:outerShdw blurRad="28575" dist="38100" dir="14040000" algn="tl" rotWithShape="0">
-                    <a:srgbClr val="000000">
-                      <a:alpha val="25000"/>
-                    </a:srgbClr>
-                  </a:outerShdw>
-                </a:effectLst>
+            <a:defPPr>
+              <a:defRPr lang="en-US"/>
+            </a:defPPr>
+            <a:lvl1pPr algn="r">
+              <a:defRPr sz="12200" b="0" i="0">
+                <a:solidFill>
+                  <a:schemeClr val="bg2">
+                    <a:lumMod val="40000"/>
+                    <a:lumOff val="60000"/>
+                  </a:schemeClr>
+                </a:solidFill>
+                <a:latin typeface="Arial"/>
+                <a:ea typeface="+mj-ea"/>
+                <a:cs typeface="+mj-cs"/>
               </a:defRPr>
             </a:lvl1pPr>
-            <a:lvl2pPr>
-              <a:defRPr>
-                <a:solidFill>
-                  <a:schemeClr val="tx2"/>
-                </a:solidFill>
-              </a:defRPr>
-            </a:lvl2pPr>
-            <a:lvl3pPr>
-              <a:defRPr>
-                <a:solidFill>
-                  <a:schemeClr val="tx2"/>
-                </a:solidFill>
-              </a:defRPr>
-            </a:lvl3pPr>
-            <a:lvl4pPr>
-              <a:defRPr>
-                <a:solidFill>
-                  <a:schemeClr val="tx2"/>
-                </a:solidFill>
-              </a:defRPr>
-            </a:lvl4pPr>
-            <a:lvl5pPr>
-              <a:defRPr>
-                <a:solidFill>
-                  <a:schemeClr val="tx2"/>
-                </a:solidFill>
-              </a:defRPr>
-            </a:lvl5pPr>
-            <a:lvl6pPr>
-              <a:defRPr>
-                <a:solidFill>
-                  <a:schemeClr val="tx2"/>
-                </a:solidFill>
-              </a:defRPr>
-            </a:lvl6pPr>
-            <a:lvl7pPr>
-              <a:defRPr>
-                <a:solidFill>
-                  <a:schemeClr val="tx2"/>
-                </a:solidFill>
-              </a:defRPr>
-            </a:lvl7pPr>
-            <a:lvl8pPr>
-              <a:defRPr>
-                <a:solidFill>
-                  <a:schemeClr val="tx2"/>
-                </a:solidFill>
-              </a:defRPr>
-            </a:lvl8pPr>
-            <a:lvl9pPr>
-              <a:defRPr>
-                <a:solidFill>
-                  <a:schemeClr val="tx2"/>
-                </a:solidFill>
-              </a:defRPr>
-            </a:lvl9pPr>
           </a:lstStyle>
           <a:p>
             <a:pPr lvl="0"/>
             <a:r>
-              <a:rPr lang="en-US" sz="8000" dirty="0">
-                <a:solidFill>
-                  <a:schemeClr val="tx1"/>
-                </a:solidFill>
-                <a:effectLst/>
-              </a:rPr>
+              <a:rPr lang="en-US" dirty="0"/>
               <a:t>“</a:t>
             </a:r>
           </a:p>
@@ -1230,115 +1676,46 @@
       </p:sp>
       <p:sp>
         <p:nvSpPr>
-          <p:cNvPr id="13" name="TextBox 12"/>
+          <p:cNvPr id="15" name="TextBox 14"/>
           <p:cNvSpPr txBox="1"/>
           <p:nvPr/>
         </p:nvSpPr>
         <p:spPr>
           <a:xfrm>
-            <a:off x="10504716" y="2928258"/>
-            <a:ext cx="609600" cy="584776"/>
+            <a:off x="9330490" y="2613787"/>
+            <a:ext cx="801912" cy="1969770"/>
           </a:xfrm>
           <a:prstGeom prst="rect">
             <a:avLst/>
           </a:prstGeom>
-        </p:spPr>
-        <p:txBody>
-          <a:bodyPr vert="horz" lIns="91440" tIns="45720" rIns="91440" bIns="45720" rtlCol="0" anchor="ctr">
-            <a:noAutofit/>
+          <a:noFill/>
+        </p:spPr>
+        <p:txBody>
+          <a:bodyPr wrap="square" rtlCol="0">
+            <a:spAutoFit/>
           </a:bodyPr>
           <a:lstStyle>
-            <a:lvl1pPr>
-              <a:spcBef>
-                <a:spcPct val="0"/>
-              </a:spcBef>
-              <a:buNone/>
-              <a:defRPr sz="3200" b="0" cap="all">
-                <a:ln w="3175" cmpd="sng">
-                  <a:noFill/>
-                </a:ln>
-                <a:effectLst>
-                  <a:glow rad="38100">
-                    <a:schemeClr val="bg1">
-                      <a:lumMod val="65000"/>
-                      <a:lumOff val="35000"/>
-                      <a:alpha val="40000"/>
-                    </a:schemeClr>
-                  </a:glow>
-                  <a:outerShdw blurRad="28575" dist="38100" dir="14040000" algn="tl" rotWithShape="0">
-                    <a:srgbClr val="000000">
-                      <a:alpha val="25000"/>
-                    </a:srgbClr>
-                  </a:outerShdw>
-                </a:effectLst>
+            <a:defPPr>
+              <a:defRPr lang="en-US"/>
+            </a:defPPr>
+            <a:lvl1pPr algn="r">
+              <a:defRPr sz="12200" b="0" i="0">
+                <a:solidFill>
+                  <a:schemeClr val="bg2">
+                    <a:lumMod val="40000"/>
+                    <a:lumOff val="60000"/>
+                  </a:schemeClr>
+                </a:solidFill>
+                <a:latin typeface="Arial"/>
+                <a:ea typeface="+mj-ea"/>
+                <a:cs typeface="+mj-cs"/>
               </a:defRPr>
             </a:lvl1pPr>
-            <a:lvl2pPr>
-              <a:defRPr>
-                <a:solidFill>
-                  <a:schemeClr val="tx2"/>
-                </a:solidFill>
-              </a:defRPr>
-            </a:lvl2pPr>
-            <a:lvl3pPr>
-              <a:defRPr>
-                <a:solidFill>
-                  <a:schemeClr val="tx2"/>
-                </a:solidFill>
-              </a:defRPr>
-            </a:lvl3pPr>
-            <a:lvl4pPr>
-              <a:defRPr>
-                <a:solidFill>
-                  <a:schemeClr val="tx2"/>
-                </a:solidFill>
-              </a:defRPr>
-            </a:lvl4pPr>
-            <a:lvl5pPr>
-              <a:defRPr>
-                <a:solidFill>
-                  <a:schemeClr val="tx2"/>
-                </a:solidFill>
-              </a:defRPr>
-            </a:lvl5pPr>
-            <a:lvl6pPr>
-              <a:defRPr>
-                <a:solidFill>
-                  <a:schemeClr val="tx2"/>
-                </a:solidFill>
-              </a:defRPr>
-            </a:lvl6pPr>
-            <a:lvl7pPr>
-              <a:defRPr>
-                <a:solidFill>
-                  <a:schemeClr val="tx2"/>
-                </a:solidFill>
-              </a:defRPr>
-            </a:lvl7pPr>
-            <a:lvl8pPr>
-              <a:defRPr>
-                <a:solidFill>
-                  <a:schemeClr val="tx2"/>
-                </a:solidFill>
-              </a:defRPr>
-            </a:lvl8pPr>
-            <a:lvl9pPr>
-              <a:defRPr>
-                <a:solidFill>
-                  <a:schemeClr val="tx2"/>
-                </a:solidFill>
-              </a:defRPr>
-            </a:lvl9pPr>
           </a:lstStyle>
           <a:p>
-            <a:pPr lvl="0" algn="r"/>
-            <a:r>
-              <a:rPr lang="en-US" sz="8000" dirty="0">
-                <a:solidFill>
-                  <a:schemeClr val="tx1"/>
-                </a:solidFill>
-                <a:effectLst/>
-              </a:rPr>
+            <a:pPr lvl="0"/>
+            <a:r>
+              <a:rPr lang="en-US" dirty="0"/>
               <a:t>”</a:t>
             </a:r>
           </a:p>
@@ -1347,7 +1724,7 @@
     </p:spTree>
     <p:extLst>
       <p:ext uri="{BB962C8B-B14F-4D97-AF65-F5344CB8AC3E}">
-        <p14:creationId xmlns:p14="http://schemas.microsoft.com/office/powerpoint/2010/main" val="3791421050"/>
+        <p14:creationId xmlns:p14="http://schemas.microsoft.com/office/powerpoint/2010/main" val="648217902"/>
       </p:ext>
     </p:extLst>
   </p:cSld>
@@ -1386,15 +1763,15 @@
         </p:nvSpPr>
         <p:spPr>
           <a:xfrm>
-            <a:off x="913794" y="2126942"/>
-            <a:ext cx="10353763" cy="2511835"/>
+            <a:off x="1154954" y="3124201"/>
+            <a:ext cx="8825660" cy="1653180"/>
           </a:xfrm>
         </p:spPr>
         <p:txBody>
           <a:bodyPr anchor="b"/>
           <a:lstStyle>
-            <a:lvl1pPr>
-              <a:defRPr sz="3200"/>
+            <a:lvl1pPr algn="l">
+              <a:defRPr sz="4000" b="0" cap="none"/>
             </a:lvl1pPr>
           </a:lstStyle>
           <a:p>
@@ -1408,58 +1785,113 @@
       </p:sp>
       <p:sp>
         <p:nvSpPr>
-          <p:cNvPr id="4" name="Text Placeholder 3"/>
-          <p:cNvSpPr>
-            <a:spLocks noGrp="1"/>
-          </p:cNvSpPr>
-          <p:nvPr>
-            <p:ph type="body" sz="half" idx="2"/>
-          </p:nvPr>
-        </p:nvSpPr>
-        <p:spPr>
-          <a:xfrm>
-            <a:off x="913784" y="4650556"/>
-            <a:ext cx="10352199" cy="1140644"/>
+          <p:cNvPr id="3" name="Text Placeholder 2"/>
+          <p:cNvSpPr>
+            <a:spLocks noGrp="1"/>
+          </p:cNvSpPr>
+          <p:nvPr>
+            <p:ph type="body" idx="1"/>
+          </p:nvPr>
+        </p:nvSpPr>
+        <p:spPr>
+          <a:xfrm>
+            <a:off x="1154954" y="4777381"/>
+            <a:ext cx="8825659" cy="860400"/>
           </a:xfrm>
         </p:spPr>
         <p:txBody>
           <a:bodyPr anchor="t"/>
           <a:lstStyle>
-            <a:lvl1pPr marL="0" indent="0" algn="ctr">
-              <a:buNone/>
-              <a:defRPr sz="1600"/>
+            <a:lvl1pPr marL="0" indent="0" algn="l">
+              <a:buNone/>
+              <a:defRPr sz="2000" cap="none">
+                <a:solidFill>
+                  <a:schemeClr val="bg2">
+                    <a:lumMod val="40000"/>
+                    <a:lumOff val="60000"/>
+                  </a:schemeClr>
+                </a:solidFill>
+              </a:defRPr>
             </a:lvl1pPr>
             <a:lvl2pPr marL="457200" indent="0">
               <a:buNone/>
-              <a:defRPr sz="1400"/>
+              <a:defRPr sz="1800">
+                <a:solidFill>
+                  <a:schemeClr val="tx1">
+                    <a:tint val="75000"/>
+                  </a:schemeClr>
+                </a:solidFill>
+              </a:defRPr>
             </a:lvl2pPr>
             <a:lvl3pPr marL="914400" indent="0">
               <a:buNone/>
-              <a:defRPr sz="1200"/>
+              <a:defRPr sz="1600">
+                <a:solidFill>
+                  <a:schemeClr val="tx1">
+                    <a:tint val="75000"/>
+                  </a:schemeClr>
+                </a:solidFill>
+              </a:defRPr>
             </a:lvl3pPr>
             <a:lvl4pPr marL="1371600" indent="0">
               <a:buNone/>
-              <a:defRPr sz="1000"/>
+              <a:defRPr sz="1400">
+                <a:solidFill>
+                  <a:schemeClr val="tx1">
+                    <a:tint val="75000"/>
+                  </a:schemeClr>
+                </a:solidFill>
+              </a:defRPr>
             </a:lvl4pPr>
             <a:lvl5pPr marL="1828800" indent="0">
               <a:buNone/>
-              <a:defRPr sz="1000"/>
+              <a:defRPr sz="1400">
+                <a:solidFill>
+                  <a:schemeClr val="tx1">
+                    <a:tint val="75000"/>
+                  </a:schemeClr>
+                </a:solidFill>
+              </a:defRPr>
             </a:lvl5pPr>
             <a:lvl6pPr marL="2286000" indent="0">
               <a:buNone/>
-              <a:defRPr sz="1000"/>
+              <a:defRPr sz="1400">
+                <a:solidFill>
+                  <a:schemeClr val="tx1">
+                    <a:tint val="75000"/>
+                  </a:schemeClr>
+                </a:solidFill>
+              </a:defRPr>
             </a:lvl6pPr>
             <a:lvl7pPr marL="2743200" indent="0">
               <a:buNone/>
-              <a:defRPr sz="1000"/>
+              <a:defRPr sz="1400">
+                <a:solidFill>
+                  <a:schemeClr val="tx1">
+                    <a:tint val="75000"/>
+                  </a:schemeClr>
+                </a:solidFill>
+              </a:defRPr>
             </a:lvl7pPr>
             <a:lvl8pPr marL="3200400" indent="0">
               <a:buNone/>
-              <a:defRPr sz="1000"/>
+              <a:defRPr sz="1400">
+                <a:solidFill>
+                  <a:schemeClr val="tx1">
+                    <a:tint val="75000"/>
+                  </a:schemeClr>
+                </a:solidFill>
+              </a:defRPr>
             </a:lvl8pPr>
             <a:lvl9pPr marL="3657600" indent="0">
               <a:buNone/>
-              <a:defRPr sz="1000"/>
+              <a:defRPr sz="1400">
+                <a:solidFill>
+                  <a:schemeClr val="tx1">
+                    <a:tint val="75000"/>
+                  </a:schemeClr>
+                </a:solidFill>
+              </a:defRPr>
             </a:lvl9pPr>
           </a:lstStyle>
           <a:p>
@@ -1473,7 +1905,7 @@
       </p:sp>
       <p:sp>
         <p:nvSpPr>
-          <p:cNvPr id="5" name="Date Placeholder 4"/>
+          <p:cNvPr id="4" name="Date Placeholder 3"/>
           <p:cNvSpPr>
             <a:spLocks noGrp="1"/>
           </p:cNvSpPr>
@@ -1489,7 +1921,7 @@
             <a:fld id="{48A87A34-81AB-432B-8DAE-1953F412C126}" type="datetimeFigureOut">
               <a:rPr lang="en-US" smtClean="0"/>
               <a:pPr/>
-              <a:t>4/25/2017</a:t>
+              <a:t>4/26/2017</a:t>
             </a:fld>
             <a:endParaRPr lang="en-US" dirty="0"/>
           </a:p>
@@ -1497,7 +1929,7 @@
       </p:sp>
       <p:sp>
         <p:nvSpPr>
-          <p:cNvPr id="6" name="Footer Placeholder 5"/>
+          <p:cNvPr id="5" name="Footer Placeholder 4"/>
           <p:cNvSpPr>
             <a:spLocks noGrp="1"/>
           </p:cNvSpPr>
@@ -1516,7 +1948,7 @@
       </p:sp>
       <p:sp>
         <p:nvSpPr>
-          <p:cNvPr id="7" name="Slide Number Placeholder 6"/>
+          <p:cNvPr id="6" name="Slide Number Placeholder 5"/>
           <p:cNvSpPr>
             <a:spLocks noGrp="1"/>
           </p:cNvSpPr>
@@ -1541,7 +1973,7 @@
     </p:spTree>
     <p:extLst>
       <p:ext uri="{BB962C8B-B14F-4D97-AF65-F5344CB8AC3E}">
-        <p14:creationId xmlns:p14="http://schemas.microsoft.com/office/powerpoint/2010/main" val="1120743783"/>
+        <p14:creationId xmlns:p14="http://schemas.microsoft.com/office/powerpoint/2010/main" val="1581371460"/>
       </p:ext>
     </p:extLst>
   </p:cSld>
@@ -1570,7 +2002,7 @@
       </p:grpSpPr>
       <p:sp>
         <p:nvSpPr>
-          <p:cNvPr id="15" name="Title 1"/>
+          <p:cNvPr id="2" name="Title 1"/>
           <p:cNvSpPr>
             <a:spLocks noGrp="1"/>
           </p:cNvSpPr>
@@ -1578,15 +2010,14 @@
             <p:ph type="title"/>
           </p:nvPr>
         </p:nvSpPr>
-        <p:spPr>
-          <a:xfrm>
-            <a:off x="913795" y="609600"/>
-            <a:ext cx="10353762" cy="970450"/>
-          </a:xfrm>
-        </p:spPr>
+        <p:spPr/>
         <p:txBody>
           <a:bodyPr/>
-          <a:lstStyle/>
+          <a:lstStyle>
+            <a:lvl1pPr>
+              <a:defRPr sz="4200"/>
+            </a:lvl1pPr>
+          </a:lstStyle>
           <a:p>
             <a:r>
               <a:rPr lang="en-US" smtClean="0"/>
@@ -1598,7 +2029,7 @@
       </p:sp>
       <p:sp>
         <p:nvSpPr>
-          <p:cNvPr id="7" name="Text Placeholder 2"/>
+          <p:cNvPr id="3" name="Text Placeholder 2"/>
           <p:cNvSpPr>
             <a:spLocks noGrp="1"/>
           </p:cNvSpPr>
@@ -1608,8 +2039,8 @@
         </p:nvSpPr>
         <p:spPr>
           <a:xfrm>
-            <a:off x="913795" y="1885950"/>
-            <a:ext cx="3300984" cy="576262"/>
+            <a:off x="632947" y="1981200"/>
+            <a:ext cx="2946866" cy="576262"/>
           </a:xfrm>
         </p:spPr>
         <p:txBody>
@@ -1617,11 +2048,14 @@
             <a:noAutofit/>
           </a:bodyPr>
           <a:lstStyle>
-            <a:lvl1pPr marL="0" indent="0" algn="ctr">
+            <a:lvl1pPr marL="0" indent="0">
               <a:buNone/>
               <a:defRPr sz="2400" b="0">
                 <a:solidFill>
-                  <a:schemeClr val="tx1"/>
+                  <a:schemeClr val="bg2">
+                    <a:lumMod val="40000"/>
+                    <a:lumOff val="60000"/>
+                  </a:schemeClr>
                 </a:solidFill>
               </a:defRPr>
             </a:lvl1pPr>
@@ -1669,7 +2103,7 @@
       </p:sp>
       <p:sp>
         <p:nvSpPr>
-          <p:cNvPr id="8" name="Text Placeholder 3"/>
+          <p:cNvPr id="16" name="Text Placeholder 3"/>
           <p:cNvSpPr>
             <a:spLocks noGrp="1"/>
           </p:cNvSpPr>
@@ -1679,8 +2113,8 @@
         </p:nvSpPr>
         <p:spPr>
           <a:xfrm>
-            <a:off x="913795" y="2571750"/>
-            <a:ext cx="3300984" cy="3219450"/>
+            <a:off x="652463" y="2667000"/>
+            <a:ext cx="2927350" cy="3589338"/>
           </a:xfrm>
         </p:spPr>
         <p:txBody>
@@ -1688,7 +2122,7 @@
             <a:normAutofit/>
           </a:bodyPr>
           <a:lstStyle>
-            <a:lvl1pPr marL="0" indent="0" algn="ctr">
+            <a:lvl1pPr marL="0" indent="0">
               <a:buNone/>
               <a:defRPr sz="1400"/>
             </a:lvl1pPr>
@@ -1736,7 +2170,7 @@
       </p:sp>
       <p:sp>
         <p:nvSpPr>
-          <p:cNvPr id="9" name="Text Placeholder 4"/>
+          <p:cNvPr id="5" name="Text Placeholder 4"/>
           <p:cNvSpPr>
             <a:spLocks noGrp="1"/>
           </p:cNvSpPr>
@@ -1746,8 +2180,8 @@
         </p:nvSpPr>
         <p:spPr>
           <a:xfrm>
-            <a:off x="4446711" y="1885950"/>
-            <a:ext cx="3300984" cy="576262"/>
+            <a:off x="3883659" y="1981200"/>
+            <a:ext cx="2936241" cy="576262"/>
           </a:xfrm>
         </p:spPr>
         <p:txBody>
@@ -1755,11 +2189,14 @@
             <a:noAutofit/>
           </a:bodyPr>
           <a:lstStyle>
-            <a:lvl1pPr marL="0" indent="0" algn="ctr">
+            <a:lvl1pPr marL="0" indent="0">
               <a:buNone/>
               <a:defRPr sz="2400" b="0">
                 <a:solidFill>
-                  <a:schemeClr val="tx1"/>
+                  <a:schemeClr val="bg2">
+                    <a:lumMod val="40000"/>
+                    <a:lumOff val="60000"/>
+                  </a:schemeClr>
                 </a:solidFill>
               </a:defRPr>
             </a:lvl1pPr>
@@ -1807,7 +2244,7 @@
       </p:sp>
       <p:sp>
         <p:nvSpPr>
-          <p:cNvPr id="10" name="Text Placeholder 3"/>
+          <p:cNvPr id="19" name="Text Placeholder 3"/>
           <p:cNvSpPr>
             <a:spLocks noGrp="1"/>
           </p:cNvSpPr>
@@ -1817,8 +2254,8 @@
         </p:nvSpPr>
         <p:spPr>
           <a:xfrm>
-            <a:off x="4441435" y="2571750"/>
-            <a:ext cx="3300984" cy="3219450"/>
+            <a:off x="3873106" y="2667000"/>
+            <a:ext cx="2946794" cy="3589338"/>
           </a:xfrm>
         </p:spPr>
         <p:txBody>
@@ -1826,7 +2263,7 @@
             <a:normAutofit/>
           </a:bodyPr>
           <a:lstStyle>
-            <a:lvl1pPr marL="0" indent="0" algn="ctr">
+            <a:lvl1pPr marL="0" indent="0">
               <a:buNone/>
               <a:defRPr sz="1400"/>
             </a:lvl1pPr>
@@ -1874,7 +2311,7 @@
       </p:sp>
       <p:sp>
         <p:nvSpPr>
-          <p:cNvPr id="11" name="Text Placeholder 4"/>
+          <p:cNvPr id="14" name="Text Placeholder 4"/>
           <p:cNvSpPr>
             <a:spLocks noGrp="1"/>
           </p:cNvSpPr>
@@ -1884,8 +2321,8 @@
         </p:nvSpPr>
         <p:spPr>
           <a:xfrm>
-            <a:off x="7966572" y="1885950"/>
-            <a:ext cx="3300984" cy="576262"/>
+            <a:off x="7124700" y="1981200"/>
+            <a:ext cx="2932113" cy="576262"/>
           </a:xfrm>
         </p:spPr>
         <p:txBody>
@@ -1893,11 +2330,14 @@
             <a:noAutofit/>
           </a:bodyPr>
           <a:lstStyle>
-            <a:lvl1pPr marL="0" indent="0" algn="ctr">
+            <a:lvl1pPr marL="0" indent="0">
               <a:buNone/>
               <a:defRPr sz="2400" b="0">
                 <a:solidFill>
-                  <a:schemeClr val="tx1"/>
+                  <a:schemeClr val="bg2">
+                    <a:lumMod val="40000"/>
+                    <a:lumOff val="60000"/>
+                  </a:schemeClr>
                 </a:solidFill>
               </a:defRPr>
             </a:lvl1pPr>
@@ -1945,7 +2385,7 @@
       </p:sp>
       <p:sp>
         <p:nvSpPr>
-          <p:cNvPr id="12" name="Text Placeholder 3"/>
+          <p:cNvPr id="20" name="Text Placeholder 3"/>
           <p:cNvSpPr>
             <a:spLocks noGrp="1"/>
           </p:cNvSpPr>
@@ -1955,8 +2395,8 @@
         </p:nvSpPr>
         <p:spPr>
           <a:xfrm>
-            <a:off x="7966572" y="2571750"/>
-            <a:ext cx="3300984" cy="3219450"/>
+            <a:off x="7124700" y="2667000"/>
+            <a:ext cx="2932113" cy="3589338"/>
           </a:xfrm>
         </p:spPr>
         <p:txBody>
@@ -1964,7 +2404,7 @@
             <a:normAutofit/>
           </a:bodyPr>
           <a:lstStyle>
-            <a:lvl1pPr marL="0" indent="0" algn="ctr">
+            <a:lvl1pPr marL="0" indent="0">
               <a:buNone/>
               <a:defRPr sz="1400"/>
             </a:lvl1pPr>
@@ -2010,9 +2450,87 @@
           </a:p>
         </p:txBody>
       </p:sp>
-      <p:sp>
-        <p:nvSpPr>
-          <p:cNvPr id="3" name="Date Placeholder 2"/>
+      <p:cxnSp>
+        <p:nvCxnSpPr>
+          <p:cNvPr id="17" name="Straight Connector 16"/>
+          <p:cNvCxnSpPr/>
+          <p:nvPr/>
+        </p:nvCxnSpPr>
+        <p:spPr>
+          <a:xfrm>
+            <a:off x="3726142" y="2133600"/>
+            <a:ext cx="0" cy="3962400"/>
+          </a:xfrm>
+          <a:prstGeom prst="line">
+            <a:avLst/>
+          </a:prstGeom>
+          <a:ln w="12700" cmpd="sng">
+            <a:solidFill>
+              <a:schemeClr val="bg2">
+                <a:lumMod val="40000"/>
+                <a:lumOff val="60000"/>
+                <a:alpha val="40000"/>
+              </a:schemeClr>
+            </a:solidFill>
+          </a:ln>
+        </p:spPr>
+        <p:style>
+          <a:lnRef idx="2">
+            <a:schemeClr val="accent1"/>
+          </a:lnRef>
+          <a:fillRef idx="0">
+            <a:schemeClr val="accent1"/>
+          </a:fillRef>
+          <a:effectRef idx="1">
+            <a:schemeClr val="accent1"/>
+          </a:effectRef>
+          <a:fontRef idx="minor">
+            <a:schemeClr val="tx1"/>
+          </a:fontRef>
+        </p:style>
+      </p:cxnSp>
+      <p:cxnSp>
+        <p:nvCxnSpPr>
+          <p:cNvPr id="18" name="Straight Connector 17"/>
+          <p:cNvCxnSpPr/>
+          <p:nvPr/>
+        </p:nvCxnSpPr>
+        <p:spPr>
+          <a:xfrm>
+            <a:off x="6962227" y="2133600"/>
+            <a:ext cx="0" cy="3966882"/>
+          </a:xfrm>
+          <a:prstGeom prst="line">
+            <a:avLst/>
+          </a:prstGeom>
+          <a:ln w="12700" cmpd="sng">
+            <a:solidFill>
+              <a:schemeClr val="bg2">
+                <a:lumMod val="40000"/>
+                <a:lumOff val="60000"/>
+                <a:alpha val="40000"/>
+              </a:schemeClr>
+            </a:solidFill>
+          </a:ln>
+        </p:spPr>
+        <p:style>
+          <a:lnRef idx="2">
+            <a:schemeClr val="accent1"/>
+          </a:lnRef>
+          <a:fillRef idx="0">
+            <a:schemeClr val="accent1"/>
+          </a:fillRef>
+          <a:effectRef idx="1">
+            <a:schemeClr val="accent1"/>
+          </a:effectRef>
+          <a:fontRef idx="minor">
+            <a:schemeClr val="tx1"/>
+          </a:fontRef>
+        </p:style>
+      </p:cxnSp>
+      <p:sp>
+        <p:nvSpPr>
+          <p:cNvPr id="7" name="Date Placeholder 3"/>
           <p:cNvSpPr>
             <a:spLocks noGrp="1"/>
           </p:cNvSpPr>
@@ -2028,7 +2546,7 @@
             <a:fld id="{48A87A34-81AB-432B-8DAE-1953F412C126}" type="datetimeFigureOut">
               <a:rPr lang="en-US" smtClean="0"/>
               <a:pPr/>
-              <a:t>4/25/2017</a:t>
+              <a:t>4/26/2017</a:t>
             </a:fld>
             <a:endParaRPr lang="en-US" dirty="0"/>
           </a:p>
@@ -2036,7 +2554,7 @@
       </p:sp>
       <p:sp>
         <p:nvSpPr>
-          <p:cNvPr id="4" name="Footer Placeholder 3"/>
+          <p:cNvPr id="4" name="Footer Placeholder 4"/>
           <p:cNvSpPr>
             <a:spLocks noGrp="1"/>
           </p:cNvSpPr>
@@ -2055,7 +2573,7 @@
       </p:sp>
       <p:sp>
         <p:nvSpPr>
-          <p:cNvPr id="5" name="Slide Number Placeholder 4"/>
+          <p:cNvPr id="6" name="Slide Number Placeholder 5"/>
           <p:cNvSpPr>
             <a:spLocks noGrp="1"/>
           </p:cNvSpPr>
@@ -2080,7 +2598,7 @@
     </p:spTree>
     <p:extLst>
       <p:ext uri="{BB962C8B-B14F-4D97-AF65-F5344CB8AC3E}">
-        <p14:creationId xmlns:p14="http://schemas.microsoft.com/office/powerpoint/2010/main" val="2984310859"/>
+        <p14:creationId xmlns:p14="http://schemas.microsoft.com/office/powerpoint/2010/main" val="491678527"/>
       </p:ext>
     </p:extLst>
   </p:cSld>
@@ -2107,99 +2625,9 @@
           <a:chExt cx="0" cy="0"/>
         </a:xfrm>
       </p:grpSpPr>
-      <p:pic>
-        <p:nvPicPr>
-          <p:cNvPr id="2" name="Picture 1" descr="Slate-V2-HD-3colPhotoInset.png"/>
-          <p:cNvPicPr>
-            <a:picLocks noChangeAspect="1"/>
-          </p:cNvPicPr>
-          <p:nvPr/>
-        </p:nvPicPr>
-        <p:blipFill>
-          <a:blip r:embed="rId2">
-            <a:extLst>
-              <a:ext uri="{28A0092B-C50C-407E-A947-70E740481C1C}">
-                <a14:useLocalDpi xmlns:a14="http://schemas.microsoft.com/office/drawing/2010/main" val="0"/>
-              </a:ext>
-            </a:extLst>
-          </a:blip>
-          <a:stretch>
-            <a:fillRect/>
-          </a:stretch>
-        </p:blipFill>
-        <p:spPr>
-          <a:xfrm>
-            <a:off x="897962" y="1818214"/>
-            <a:ext cx="3339972" cy="1847851"/>
-          </a:xfrm>
-          <a:prstGeom prst="rect">
-            <a:avLst/>
-          </a:prstGeom>
-        </p:spPr>
-      </p:pic>
-      <p:pic>
-        <p:nvPicPr>
-          <p:cNvPr id="36" name="Picture 35" descr="Slate-V2-HD-3colPhotoInset.png"/>
-          <p:cNvPicPr>
-            <a:picLocks noChangeAspect="1"/>
-          </p:cNvPicPr>
-          <p:nvPr/>
-        </p:nvPicPr>
-        <p:blipFill>
-          <a:blip r:embed="rId2">
-            <a:extLst>
-              <a:ext uri="{28A0092B-C50C-407E-A947-70E740481C1C}">
-                <a14:useLocalDpi xmlns:a14="http://schemas.microsoft.com/office/drawing/2010/main" val="0"/>
-              </a:ext>
-            </a:extLst>
-          </a:blip>
-          <a:stretch>
-            <a:fillRect/>
-          </a:stretch>
-        </p:blipFill>
-        <p:spPr>
-          <a:xfrm>
-            <a:off x="4403800" y="1818214"/>
-            <a:ext cx="3339972" cy="1847851"/>
-          </a:xfrm>
-          <a:prstGeom prst="rect">
-            <a:avLst/>
-          </a:prstGeom>
-        </p:spPr>
-      </p:pic>
-      <p:pic>
-        <p:nvPicPr>
-          <p:cNvPr id="37" name="Picture 36" descr="Slate-V2-HD-3colPhotoInset.png"/>
-          <p:cNvPicPr>
-            <a:picLocks noChangeAspect="1"/>
-          </p:cNvPicPr>
-          <p:nvPr/>
-        </p:nvPicPr>
-        <p:blipFill>
-          <a:blip r:embed="rId2">
-            <a:extLst>
-              <a:ext uri="{28A0092B-C50C-407E-A947-70E740481C1C}">
-                <a14:useLocalDpi xmlns:a14="http://schemas.microsoft.com/office/drawing/2010/main" val="0"/>
-              </a:ext>
-            </a:extLst>
-          </a:blip>
-          <a:stretch>
-            <a:fillRect/>
-          </a:stretch>
-        </p:blipFill>
-        <p:spPr>
-          <a:xfrm>
-            <a:off x="7936051" y="1818214"/>
-            <a:ext cx="3339972" cy="1847851"/>
-          </a:xfrm>
-          <a:prstGeom prst="rect">
-            <a:avLst/>
-          </a:prstGeom>
-        </p:spPr>
-      </p:pic>
-      <p:sp>
-        <p:nvSpPr>
-          <p:cNvPr id="30" name="Title 1"/>
+      <p:sp>
+        <p:nvSpPr>
+          <p:cNvPr id="2" name="Title 1"/>
           <p:cNvSpPr>
             <a:spLocks noGrp="1"/>
           </p:cNvSpPr>
@@ -2207,15 +2635,14 @@
             <p:ph type="title"/>
           </p:nvPr>
         </p:nvSpPr>
-        <p:spPr>
-          <a:xfrm>
-            <a:off x="913794" y="609600"/>
-            <a:ext cx="10353763" cy="970450"/>
-          </a:xfrm>
-        </p:spPr>
+        <p:spPr/>
         <p:txBody>
           <a:bodyPr/>
-          <a:lstStyle/>
+          <a:lstStyle>
+            <a:lvl1pPr>
+              <a:defRPr sz="4200"/>
+            </a:lvl1pPr>
+          </a:lstStyle>
           <a:p>
             <a:r>
               <a:rPr lang="en-US" smtClean="0"/>
@@ -2227,7 +2654,7 @@
       </p:sp>
       <p:sp>
         <p:nvSpPr>
-          <p:cNvPr id="19" name="Text Placeholder 2"/>
+          <p:cNvPr id="3" name="Text Placeholder 2"/>
           <p:cNvSpPr>
             <a:spLocks noGrp="1"/>
           </p:cNvSpPr>
@@ -2237,8 +2664,8 @@
         </p:nvSpPr>
         <p:spPr>
           <a:xfrm>
-            <a:off x="913795" y="3904106"/>
-            <a:ext cx="3300984" cy="576262"/>
+            <a:off x="652463" y="4250949"/>
+            <a:ext cx="2940050" cy="576262"/>
           </a:xfrm>
         </p:spPr>
         <p:txBody>
@@ -2246,11 +2673,14 @@
             <a:noAutofit/>
           </a:bodyPr>
           <a:lstStyle>
-            <a:lvl1pPr marL="0" indent="0" algn="ctr">
-              <a:buNone/>
-              <a:defRPr sz="2000" b="0">
+            <a:lvl1pPr marL="0" indent="0">
+              <a:buNone/>
+              <a:defRPr sz="2400" b="0">
                 <a:solidFill>
-                  <a:schemeClr val="tx1"/>
+                  <a:schemeClr val="bg2">
+                    <a:lumMod val="40000"/>
+                    <a:lumOff val="60000"/>
+                  </a:schemeClr>
                 </a:solidFill>
               </a:defRPr>
             </a:lvl1pPr>
@@ -2298,7 +2728,7 @@
       </p:sp>
       <p:sp>
         <p:nvSpPr>
-          <p:cNvPr id="20" name="Picture Placeholder 2"/>
+          <p:cNvPr id="29" name="Picture Placeholder 2"/>
           <p:cNvSpPr>
             <a:spLocks noGrp="1" noChangeAspect="1"/>
           </p:cNvSpPr>
@@ -2308,8 +2738,8 @@
         </p:nvSpPr>
         <p:spPr>
           <a:xfrm>
-            <a:off x="1018102" y="1938918"/>
-            <a:ext cx="3092368" cy="1602954"/>
+            <a:off x="652463" y="2209800"/>
+            <a:ext cx="2940050" cy="1524000"/>
           </a:xfrm>
           <a:prstGeom prst="roundRect">
             <a:avLst>
@@ -2317,9 +2747,9 @@
             </a:avLst>
           </a:prstGeom>
           <a:effectLst>
-            <a:outerShdw blurRad="38100" dist="25400" dir="4440000">
+            <a:outerShdw blurRad="50800" dist="50800" dir="5400000" algn="tl" rotWithShape="0">
               <a:srgbClr val="000000">
-                <a:alpha val="36000"/>
+                <a:alpha val="43000"/>
               </a:srgbClr>
             </a:outerShdw>
           </a:effectLst>
@@ -2377,7 +2807,7 @@
       </p:sp>
       <p:sp>
         <p:nvSpPr>
-          <p:cNvPr id="21" name="Text Placeholder 3"/>
+          <p:cNvPr id="22" name="Text Placeholder 3"/>
           <p:cNvSpPr>
             <a:spLocks noGrp="1"/>
           </p:cNvSpPr>
@@ -2387,8 +2817,8 @@
         </p:nvSpPr>
         <p:spPr>
           <a:xfrm>
-            <a:off x="913795" y="4480368"/>
-            <a:ext cx="3300984" cy="1310833"/>
+            <a:off x="652463" y="4827211"/>
+            <a:ext cx="2940050" cy="659189"/>
           </a:xfrm>
         </p:spPr>
         <p:txBody>
@@ -2396,7 +2826,7 @@
             <a:normAutofit/>
           </a:bodyPr>
           <a:lstStyle>
-            <a:lvl1pPr marL="0" indent="0" algn="ctr">
+            <a:lvl1pPr marL="0" indent="0">
               <a:buNone/>
               <a:defRPr sz="1400"/>
             </a:lvl1pPr>
@@ -2444,7 +2874,7 @@
       </p:sp>
       <p:sp>
         <p:nvSpPr>
-          <p:cNvPr id="22" name="Text Placeholder 4"/>
+          <p:cNvPr id="5" name="Text Placeholder 4"/>
           <p:cNvSpPr>
             <a:spLocks noGrp="1"/>
           </p:cNvSpPr>
@@ -2454,8 +2884,8 @@
         </p:nvSpPr>
         <p:spPr>
           <a:xfrm>
-            <a:off x="4442788" y="3904106"/>
-            <a:ext cx="3300984" cy="576262"/>
+            <a:off x="3889375" y="4250949"/>
+            <a:ext cx="2930525" cy="576262"/>
           </a:xfrm>
         </p:spPr>
         <p:txBody>
@@ -2463,11 +2893,14 @@
             <a:noAutofit/>
           </a:bodyPr>
           <a:lstStyle>
-            <a:lvl1pPr marL="0" indent="0" algn="ctr">
-              <a:buNone/>
-              <a:defRPr sz="2000" b="0">
+            <a:lvl1pPr marL="0" indent="0">
+              <a:buNone/>
+              <a:defRPr sz="2400" b="0">
                 <a:solidFill>
-                  <a:schemeClr val="tx1"/>
+                  <a:schemeClr val="bg2">
+                    <a:lumMod val="40000"/>
+                    <a:lumOff val="60000"/>
+                  </a:schemeClr>
                 </a:solidFill>
               </a:defRPr>
             </a:lvl1pPr>
@@ -2515,7 +2948,7 @@
       </p:sp>
       <p:sp>
         <p:nvSpPr>
-          <p:cNvPr id="23" name="Picture Placeholder 2"/>
+          <p:cNvPr id="30" name="Picture Placeholder 2"/>
           <p:cNvSpPr>
             <a:spLocks noGrp="1" noChangeAspect="1"/>
           </p:cNvSpPr>
@@ -2525,8 +2958,8 @@
         </p:nvSpPr>
         <p:spPr>
           <a:xfrm>
-            <a:off x="4545743" y="1939094"/>
-            <a:ext cx="3092368" cy="1608164"/>
+            <a:off x="3889374" y="2209800"/>
+            <a:ext cx="2930525" cy="1524000"/>
           </a:xfrm>
           <a:prstGeom prst="roundRect">
             <a:avLst>
@@ -2534,9 +2967,9 @@
             </a:avLst>
           </a:prstGeom>
           <a:effectLst>
-            <a:outerShdw blurRad="38100" dist="25400" dir="4440000">
+            <a:outerShdw blurRad="50800" dist="50800" dir="5400000" algn="tl" rotWithShape="0">
               <a:srgbClr val="000000">
-                <a:alpha val="36000"/>
+                <a:alpha val="43000"/>
               </a:srgbClr>
             </a:outerShdw>
           </a:effectLst>
@@ -2594,7 +3027,7 @@
       </p:sp>
       <p:sp>
         <p:nvSpPr>
-          <p:cNvPr id="24" name="Text Placeholder 3"/>
+          <p:cNvPr id="23" name="Text Placeholder 3"/>
           <p:cNvSpPr>
             <a:spLocks noGrp="1"/>
           </p:cNvSpPr>
@@ -2604,8 +3037,8 @@
         </p:nvSpPr>
         <p:spPr>
           <a:xfrm>
-            <a:off x="4441435" y="4480367"/>
-            <a:ext cx="3300984" cy="1310833"/>
+            <a:off x="3888022" y="4827210"/>
+            <a:ext cx="2934406" cy="659189"/>
           </a:xfrm>
         </p:spPr>
         <p:txBody>
@@ -2613,7 +3046,7 @@
             <a:normAutofit/>
           </a:bodyPr>
           <a:lstStyle>
-            <a:lvl1pPr marL="0" indent="0" algn="ctr">
+            <a:lvl1pPr marL="0" indent="0">
               <a:buNone/>
               <a:defRPr sz="1400"/>
             </a:lvl1pPr>
@@ -2661,7 +3094,7 @@
       </p:sp>
       <p:sp>
         <p:nvSpPr>
-          <p:cNvPr id="25" name="Text Placeholder 4"/>
+          <p:cNvPr id="14" name="Text Placeholder 4"/>
           <p:cNvSpPr>
             <a:spLocks noGrp="1"/>
           </p:cNvSpPr>
@@ -2671,8 +3104,8 @@
         </p:nvSpPr>
         <p:spPr>
           <a:xfrm>
-            <a:off x="7966697" y="3904106"/>
-            <a:ext cx="3300984" cy="576262"/>
+            <a:off x="7124700" y="4250949"/>
+            <a:ext cx="2932113" cy="576262"/>
           </a:xfrm>
         </p:spPr>
         <p:txBody>
@@ -2680,11 +3113,14 @@
             <a:noAutofit/>
           </a:bodyPr>
           <a:lstStyle>
-            <a:lvl1pPr marL="0" indent="0" algn="ctr">
-              <a:buNone/>
-              <a:defRPr sz="2000" b="0">
+            <a:lvl1pPr marL="0" indent="0">
+              <a:buNone/>
+              <a:defRPr sz="2400" b="0">
                 <a:solidFill>
-                  <a:schemeClr val="tx1"/>
+                  <a:schemeClr val="bg2">
+                    <a:lumMod val="40000"/>
+                    <a:lumOff val="60000"/>
+                  </a:schemeClr>
                 </a:solidFill>
               </a:defRPr>
             </a:lvl1pPr>
@@ -2732,7 +3168,7 @@
       </p:sp>
       <p:sp>
         <p:nvSpPr>
-          <p:cNvPr id="26" name="Picture Placeholder 2"/>
+          <p:cNvPr id="31" name="Picture Placeholder 2"/>
           <p:cNvSpPr>
             <a:spLocks noGrp="1" noChangeAspect="1"/>
           </p:cNvSpPr>
@@ -2742,8 +3178,8 @@
         </p:nvSpPr>
         <p:spPr>
           <a:xfrm>
-            <a:off x="8075698" y="1934432"/>
-            <a:ext cx="3092368" cy="1607294"/>
+            <a:off x="7124699" y="2209800"/>
+            <a:ext cx="2932113" cy="1524000"/>
           </a:xfrm>
           <a:prstGeom prst="roundRect">
             <a:avLst>
@@ -2751,9 +3187,9 @@
             </a:avLst>
           </a:prstGeom>
           <a:effectLst>
-            <a:outerShdw blurRad="38100" dist="25400" dir="4440000">
+            <a:outerShdw blurRad="50800" dist="50800" dir="5400000" algn="tl" rotWithShape="0">
               <a:srgbClr val="000000">
-                <a:alpha val="36000"/>
+                <a:alpha val="43000"/>
               </a:srgbClr>
             </a:outerShdw>
           </a:effectLst>
@@ -2811,7 +3247,7 @@
       </p:sp>
       <p:sp>
         <p:nvSpPr>
-          <p:cNvPr id="27" name="Text Placeholder 3"/>
+          <p:cNvPr id="24" name="Text Placeholder 3"/>
           <p:cNvSpPr>
             <a:spLocks noGrp="1"/>
           </p:cNvSpPr>
@@ -2821,8 +3257,8 @@
         </p:nvSpPr>
         <p:spPr>
           <a:xfrm>
-            <a:off x="7966572" y="4480365"/>
-            <a:ext cx="3300984" cy="1310835"/>
+            <a:off x="7124575" y="4827208"/>
+            <a:ext cx="2935997" cy="659189"/>
           </a:xfrm>
         </p:spPr>
         <p:txBody>
@@ -2830,7 +3266,7 @@
             <a:normAutofit/>
           </a:bodyPr>
           <a:lstStyle>
-            <a:lvl1pPr marL="0" indent="0" algn="ctr">
+            <a:lvl1pPr marL="0" indent="0">
               <a:buNone/>
               <a:defRPr sz="1400"/>
             </a:lvl1pPr>
@@ -2876,9 +3312,87 @@
           </a:p>
         </p:txBody>
       </p:sp>
-      <p:sp>
-        <p:nvSpPr>
-          <p:cNvPr id="3" name="Date Placeholder 2"/>
+      <p:cxnSp>
+        <p:nvCxnSpPr>
+          <p:cNvPr id="19" name="Straight Connector 18"/>
+          <p:cNvCxnSpPr/>
+          <p:nvPr/>
+        </p:nvCxnSpPr>
+        <p:spPr>
+          <a:xfrm>
+            <a:off x="3726142" y="2133600"/>
+            <a:ext cx="0" cy="3962400"/>
+          </a:xfrm>
+          <a:prstGeom prst="line">
+            <a:avLst/>
+          </a:prstGeom>
+          <a:ln w="12700" cmpd="sng">
+            <a:solidFill>
+              <a:schemeClr val="bg2">
+                <a:lumMod val="40000"/>
+                <a:lumOff val="60000"/>
+                <a:alpha val="40000"/>
+              </a:schemeClr>
+            </a:solidFill>
+          </a:ln>
+        </p:spPr>
+        <p:style>
+          <a:lnRef idx="2">
+            <a:schemeClr val="accent1"/>
+          </a:lnRef>
+          <a:fillRef idx="0">
+            <a:schemeClr val="accent1"/>
+          </a:fillRef>
+          <a:effectRef idx="1">
+            <a:schemeClr val="accent1"/>
+          </a:effectRef>
+          <a:fontRef idx="minor">
+            <a:schemeClr val="tx1"/>
+          </a:fontRef>
+        </p:style>
+      </p:cxnSp>
+      <p:cxnSp>
+        <p:nvCxnSpPr>
+          <p:cNvPr id="20" name="Straight Connector 19"/>
+          <p:cNvCxnSpPr/>
+          <p:nvPr/>
+        </p:nvCxnSpPr>
+        <p:spPr>
+          <a:xfrm>
+            <a:off x="6962227" y="2133600"/>
+            <a:ext cx="0" cy="3966882"/>
+          </a:xfrm>
+          <a:prstGeom prst="line">
+            <a:avLst/>
+          </a:prstGeom>
+          <a:ln w="12700" cmpd="sng">
+            <a:solidFill>
+              <a:schemeClr val="bg2">
+                <a:lumMod val="40000"/>
+                <a:lumOff val="60000"/>
+                <a:alpha val="40000"/>
+              </a:schemeClr>
+            </a:solidFill>
+          </a:ln>
+        </p:spPr>
+        <p:style>
+          <a:lnRef idx="2">
+            <a:schemeClr val="accent1"/>
+          </a:lnRef>
+          <a:fillRef idx="0">
+            <a:schemeClr val="accent1"/>
+          </a:fillRef>
+          <a:effectRef idx="1">
+            <a:schemeClr val="accent1"/>
+          </a:effectRef>
+          <a:fontRef idx="minor">
+            <a:schemeClr val="tx1"/>
+          </a:fontRef>
+        </p:style>
+      </p:cxnSp>
+      <p:sp>
+        <p:nvSpPr>
+          <p:cNvPr id="7" name="Date Placeholder 3"/>
           <p:cNvSpPr>
             <a:spLocks noGrp="1"/>
           </p:cNvSpPr>
@@ -2894,7 +3408,7 @@
             <a:fld id="{48A87A34-81AB-432B-8DAE-1953F412C126}" type="datetimeFigureOut">
               <a:rPr lang="en-US" smtClean="0"/>
               <a:pPr/>
-              <a:t>4/25/2017</a:t>
+              <a:t>4/26/2017</a:t>
             </a:fld>
             <a:endParaRPr lang="en-US" dirty="0"/>
           </a:p>
@@ -2902,7 +3416,7 @@
       </p:sp>
       <p:sp>
         <p:nvSpPr>
-          <p:cNvPr id="4" name="Footer Placeholder 3"/>
+          <p:cNvPr id="4" name="Footer Placeholder 4"/>
           <p:cNvSpPr>
             <a:spLocks noGrp="1"/>
           </p:cNvSpPr>
@@ -2921,7 +3435,7 @@
       </p:sp>
       <p:sp>
         <p:nvSpPr>
-          <p:cNvPr id="5" name="Slide Number Placeholder 4"/>
+          <p:cNvPr id="6" name="Slide Number Placeholder 5"/>
           <p:cNvSpPr>
             <a:spLocks noGrp="1"/>
           </p:cNvSpPr>
@@ -2946,7 +3460,7 @@
     </p:spTree>
     <p:extLst>
       <p:ext uri="{BB962C8B-B14F-4D97-AF65-F5344CB8AC3E}">
-        <p14:creationId xmlns:p14="http://schemas.microsoft.com/office/powerpoint/2010/main" val="3508248920"/>
+        <p14:creationId xmlns:p14="http://schemas.microsoft.com/office/powerpoint/2010/main" val="2677338440"/>
       </p:ext>
     </p:extLst>
   </p:cSld>
@@ -3008,7 +3522,7 @@
         </p:nvSpPr>
         <p:spPr/>
         <p:txBody>
-          <a:bodyPr vert="eaVert" anchor="t"/>
+          <a:bodyPr vert="eaVert" anchor="t" anchorCtr="0"/>
           <a:lstStyle/>
           <a:p>
             <a:pPr lvl="0"/>
@@ -3065,7 +3579,7 @@
           <a:p>
             <a:fld id="{48A87A34-81AB-432B-8DAE-1953F412C126}" type="datetimeFigureOut">
               <a:rPr lang="en-US" smtClean="0"/>
-              <a:t>4/25/2017</a:t>
+              <a:t>4/26/2017</a:t>
             </a:fld>
             <a:endParaRPr lang="en-US" dirty="0"/>
           </a:p>
@@ -3116,7 +3630,7 @@
     </p:spTree>
     <p:extLst>
       <p:ext uri="{BB962C8B-B14F-4D97-AF65-F5344CB8AC3E}">
-        <p14:creationId xmlns:p14="http://schemas.microsoft.com/office/powerpoint/2010/main" val="3574061720"/>
+        <p14:creationId xmlns:p14="http://schemas.microsoft.com/office/powerpoint/2010/main" val="2026929430"/>
       </p:ext>
     </p:extLst>
   </p:cSld>
@@ -3155,21 +3669,74 @@
         </p:nvSpPr>
         <p:spPr>
           <a:xfrm>
-            <a:off x="8983068" y="609599"/>
-            <a:ext cx="2284487" cy="5181601"/>
+            <a:off x="8304212" y="430213"/>
+            <a:ext cx="1752601" cy="5826125"/>
+          </a:xfrm>
+        </p:spPr>
+        <p:txBody>
+          <a:bodyPr vert="eaVert" anchor="b" anchorCtr="0"/>
+          <a:lstStyle/>
+          <a:p>
+            <a:r>
+              <a:rPr lang="en-US" smtClean="0"/>
+              <a:t>Click to edit Master title style</a:t>
+            </a:r>
+            <a:endParaRPr lang="en-US" dirty="0"/>
+          </a:p>
+        </p:txBody>
+      </p:sp>
+      <p:sp>
+        <p:nvSpPr>
+          <p:cNvPr id="3" name="Vertical Text Placeholder 2"/>
+          <p:cNvSpPr>
+            <a:spLocks noGrp="1"/>
+          </p:cNvSpPr>
+          <p:nvPr>
+            <p:ph type="body" orient="vert" idx="1"/>
+          </p:nvPr>
+        </p:nvSpPr>
+        <p:spPr>
+          <a:xfrm>
+            <a:off x="652463" y="887414"/>
+            <a:ext cx="7423149" cy="5368924"/>
           </a:xfrm>
         </p:spPr>
         <p:txBody>
           <a:bodyPr vert="eaVert"/>
-          <a:lstStyle>
-            <a:lvl1pPr algn="l">
-              <a:defRPr/>
-            </a:lvl1pPr>
-          </a:lstStyle>
-          <a:p>
-            <a:r>
-              <a:rPr lang="en-US" smtClean="0"/>
-              <a:t>Click to edit Master title style</a:t>
+          <a:lstStyle/>
+          <a:p>
+            <a:pPr lvl="0"/>
+            <a:r>
+              <a:rPr lang="en-US" smtClean="0"/>
+              <a:t>Edit Master text styles</a:t>
+            </a:r>
+          </a:p>
+          <a:p>
+            <a:pPr lvl="1"/>
+            <a:r>
+              <a:rPr lang="en-US" smtClean="0"/>
+              <a:t>Second level</a:t>
+            </a:r>
+          </a:p>
+          <a:p>
+            <a:pPr lvl="2"/>
+            <a:r>
+              <a:rPr lang="en-US" smtClean="0"/>
+              <a:t>Third level</a:t>
+            </a:r>
+          </a:p>
+          <a:p>
+            <a:pPr lvl="3"/>
+            <a:r>
+              <a:rPr lang="en-US" smtClean="0"/>
+              <a:t>Fourth level</a:t>
+            </a:r>
+          </a:p>
+          <a:p>
+            <a:pPr lvl="4"/>
+            <a:r>
+              <a:rPr lang="en-US" smtClean="0"/>
+              <a:t>Fifth level</a:t>
             </a:r>
             <a:endParaRPr lang="en-US" dirty="0"/>
           </a:p>
@@ -3177,63 +3744,6 @@
       </p:sp>
       <p:sp>
         <p:nvSpPr>
-          <p:cNvPr id="3" name="Vertical Text Placeholder 2"/>
-          <p:cNvSpPr>
-            <a:spLocks noGrp="1"/>
-          </p:cNvSpPr>
-          <p:nvPr>
-            <p:ph type="body" orient="vert" idx="1"/>
-          </p:nvPr>
-        </p:nvSpPr>
-        <p:spPr>
-          <a:xfrm>
-            <a:off x="913796" y="609599"/>
-            <a:ext cx="7916872" cy="5181601"/>
-          </a:xfrm>
-        </p:spPr>
-        <p:txBody>
-          <a:bodyPr vert="eaVert" anchor="t"/>
-          <a:lstStyle/>
-          <a:p>
-            <a:pPr lvl="0"/>
-            <a:r>
-              <a:rPr lang="en-US" smtClean="0"/>
-              <a:t>Edit Master text styles</a:t>
-            </a:r>
-          </a:p>
-          <a:p>
-            <a:pPr lvl="1"/>
-            <a:r>
-              <a:rPr lang="en-US" smtClean="0"/>
-              <a:t>Second level</a:t>
-            </a:r>
-          </a:p>
-          <a:p>
-            <a:pPr lvl="2"/>
-            <a:r>
-              <a:rPr lang="en-US" smtClean="0"/>
-              <a:t>Third level</a:t>
-            </a:r>
-          </a:p>
-          <a:p>
-            <a:pPr lvl="3"/>
-            <a:r>
-              <a:rPr lang="en-US" smtClean="0"/>
-              <a:t>Fourth level</a:t>
-            </a:r>
-          </a:p>
-          <a:p>
-            <a:pPr lvl="4"/>
-            <a:r>
-              <a:rPr lang="en-US" smtClean="0"/>
-              <a:t>Fifth level</a:t>
-            </a:r>
-            <a:endParaRPr lang="en-US" dirty="0"/>
-          </a:p>
-        </p:txBody>
-      </p:sp>
-      <p:sp>
-        <p:nvSpPr>
           <p:cNvPr id="4" name="Date Placeholder 3"/>
           <p:cNvSpPr>
             <a:spLocks noGrp="1"/>
@@ -3249,7 +3759,7 @@
           <a:p>
             <a:fld id="{48A87A34-81AB-432B-8DAE-1953F412C126}" type="datetimeFigureOut">
               <a:rPr lang="en-US" smtClean="0"/>
-              <a:t>4/25/2017</a:t>
+              <a:t>4/26/2017</a:t>
             </a:fld>
             <a:endParaRPr lang="en-US" dirty="0"/>
           </a:p>
@@ -3300,7 +3810,7 @@
     </p:spTree>
     <p:extLst>
       <p:ext uri="{BB962C8B-B14F-4D97-AF65-F5344CB8AC3E}">
-        <p14:creationId xmlns:p14="http://schemas.microsoft.com/office/powerpoint/2010/main" val="300877874"/>
+        <p14:creationId xmlns:p14="http://schemas.microsoft.com/office/powerpoint/2010/main" val="493339895"/>
       </p:ext>
     </p:extLst>
   </p:cSld>
@@ -3404,7 +3914,7 @@
       </p:sp>
       <p:sp>
         <p:nvSpPr>
-          <p:cNvPr id="4" name="Date Placeholder 3"/>
+          <p:cNvPr id="7" name="Date Placeholder 3"/>
           <p:cNvSpPr>
             <a:spLocks noGrp="1"/>
           </p:cNvSpPr>
@@ -3419,7 +3929,7 @@
           <a:p>
             <a:fld id="{48A87A34-81AB-432B-8DAE-1953F412C126}" type="datetimeFigureOut">
               <a:rPr lang="en-US" smtClean="0"/>
-              <a:t>4/25/2017</a:t>
+              <a:t>4/26/2017</a:t>
             </a:fld>
             <a:endParaRPr lang="en-US" dirty="0"/>
           </a:p>
@@ -3470,7 +3980,7 @@
     </p:spTree>
     <p:extLst>
       <p:ext uri="{BB962C8B-B14F-4D97-AF65-F5344CB8AC3E}">
-        <p14:creationId xmlns:p14="http://schemas.microsoft.com/office/powerpoint/2010/main" val="45407040"/>
+        <p14:creationId xmlns:p14="http://schemas.microsoft.com/office/powerpoint/2010/main" val="1426561517"/>
       </p:ext>
     </p:extLst>
   </p:cSld>
@@ -3509,14 +4019,14 @@
         </p:nvSpPr>
         <p:spPr>
           <a:xfrm>
-            <a:off x="1295401" y="1761067"/>
-            <a:ext cx="9590550" cy="1828813"/>
+            <a:off x="1154956" y="2861733"/>
+            <a:ext cx="8825657" cy="1915647"/>
           </a:xfrm>
         </p:spPr>
         <p:txBody>
           <a:bodyPr anchor="b"/>
           <a:lstStyle>
-            <a:lvl1pPr algn="ctr">
+            <a:lvl1pPr algn="l">
               <a:defRPr sz="4000" b="0" cap="none"/>
             </a:lvl1pPr>
           </a:lstStyle>
@@ -3541,18 +4051,21 @@
         </p:nvSpPr>
         <p:spPr>
           <a:xfrm>
-            <a:off x="1295401" y="3589879"/>
-            <a:ext cx="9590550" cy="1507054"/>
+            <a:off x="1154955" y="4777381"/>
+            <a:ext cx="8825658" cy="860400"/>
           </a:xfrm>
         </p:spPr>
         <p:txBody>
           <a:bodyPr anchor="t"/>
           <a:lstStyle>
-            <a:lvl1pPr marL="0" indent="0" algn="ctr">
-              <a:buNone/>
-              <a:defRPr sz="2000">
+            <a:lvl1pPr marL="0" indent="0" algn="l">
+              <a:buNone/>
+              <a:defRPr sz="2000" cap="all">
                 <a:solidFill>
-                  <a:schemeClr val="tx1"/>
+                  <a:schemeClr val="bg2">
+                    <a:lumMod val="40000"/>
+                    <a:lumOff val="60000"/>
+                  </a:schemeClr>
                 </a:solidFill>
               </a:defRPr>
             </a:lvl1pPr>
@@ -3663,7 +4176,7 @@
           <a:p>
             <a:fld id="{48A87A34-81AB-432B-8DAE-1953F412C126}" type="datetimeFigureOut">
               <a:rPr lang="en-US" smtClean="0"/>
-              <a:t>4/25/2017</a:t>
+              <a:t>4/26/2017</a:t>
             </a:fld>
             <a:endParaRPr lang="en-US" dirty="0"/>
           </a:p>
@@ -3714,7 +4227,7 @@
     </p:spTree>
     <p:extLst>
       <p:ext uri="{BB962C8B-B14F-4D97-AF65-F5344CB8AC3E}">
-        <p14:creationId xmlns:p14="http://schemas.microsoft.com/office/powerpoint/2010/main" val="960030263"/>
+        <p14:creationId xmlns:p14="http://schemas.microsoft.com/office/powerpoint/2010/main" val="3496327619"/>
       </p:ext>
     </p:extLst>
   </p:cSld>
@@ -3776,15 +4289,43 @@
         </p:nvSpPr>
         <p:spPr>
           <a:xfrm>
-            <a:off x="913795" y="1732449"/>
-            <a:ext cx="5060497" cy="4058750"/>
-          </a:xfrm>
-        </p:spPr>
-        <p:txBody>
-          <a:bodyPr anchor="t">
+            <a:off x="1103312" y="2060575"/>
+            <a:ext cx="4396339" cy="4195763"/>
+          </a:xfrm>
+        </p:spPr>
+        <p:txBody>
+          <a:bodyPr>
             <a:normAutofit/>
           </a:bodyPr>
-          <a:lstStyle/>
+          <a:lstStyle>
+            <a:lvl1pPr>
+              <a:defRPr sz="1800"/>
+            </a:lvl1pPr>
+            <a:lvl2pPr>
+              <a:defRPr sz="1600"/>
+            </a:lvl2pPr>
+            <a:lvl3pPr>
+              <a:defRPr sz="1400"/>
+            </a:lvl3pPr>
+            <a:lvl4pPr>
+              <a:defRPr sz="1200"/>
+            </a:lvl4pPr>
+            <a:lvl5pPr>
+              <a:defRPr sz="1200"/>
+            </a:lvl5pPr>
+            <a:lvl6pPr>
+              <a:defRPr sz="1200"/>
+            </a:lvl6pPr>
+            <a:lvl7pPr>
+              <a:defRPr sz="1200"/>
+            </a:lvl7pPr>
+            <a:lvl8pPr>
+              <a:defRPr sz="1200"/>
+            </a:lvl8pPr>
+            <a:lvl9pPr>
+              <a:defRPr sz="1200"/>
+            </a:lvl9pPr>
+          </a:lstStyle>
           <a:p>
             <a:pPr lvl="0"/>
             <a:r>
@@ -3835,15 +4376,43 @@
         </p:nvSpPr>
         <p:spPr>
           <a:xfrm>
-            <a:off x="6202892" y="1732449"/>
-            <a:ext cx="5064665" cy="4058751"/>
-          </a:xfrm>
-        </p:spPr>
-        <p:txBody>
-          <a:bodyPr anchor="t">
+            <a:off x="5654493" y="2056092"/>
+            <a:ext cx="4396341" cy="4200245"/>
+          </a:xfrm>
+        </p:spPr>
+        <p:txBody>
+          <a:bodyPr>
             <a:normAutofit/>
           </a:bodyPr>
-          <a:lstStyle/>
+          <a:lstStyle>
+            <a:lvl1pPr>
+              <a:defRPr sz="1800"/>
+            </a:lvl1pPr>
+            <a:lvl2pPr>
+              <a:defRPr sz="1600"/>
+            </a:lvl2pPr>
+            <a:lvl3pPr>
+              <a:defRPr sz="1400"/>
+            </a:lvl3pPr>
+            <a:lvl4pPr>
+              <a:defRPr sz="1200"/>
+            </a:lvl4pPr>
+            <a:lvl5pPr>
+              <a:defRPr sz="1200"/>
+            </a:lvl5pPr>
+            <a:lvl6pPr>
+              <a:defRPr sz="1200"/>
+            </a:lvl6pPr>
+            <a:lvl7pPr>
+              <a:defRPr sz="1200"/>
+            </a:lvl7pPr>
+            <a:lvl8pPr>
+              <a:defRPr sz="1200"/>
+            </a:lvl8pPr>
+            <a:lvl9pPr>
+              <a:defRPr sz="1200"/>
+            </a:lvl9pPr>
+          </a:lstStyle>
           <a:p>
             <a:pPr lvl="0"/>
             <a:r>
@@ -3899,7 +4468,7 @@
           <a:p>
             <a:fld id="{48A87A34-81AB-432B-8DAE-1953F412C126}" type="datetimeFigureOut">
               <a:rPr lang="en-US" smtClean="0"/>
-              <a:t>4/25/2017</a:t>
+              <a:t>4/26/2017</a:t>
             </a:fld>
             <a:endParaRPr lang="en-US" dirty="0"/>
           </a:p>
@@ -3950,7 +4519,7 @@
     </p:spTree>
     <p:extLst>
       <p:ext uri="{BB962C8B-B14F-4D97-AF65-F5344CB8AC3E}">
-        <p14:creationId xmlns:p14="http://schemas.microsoft.com/office/powerpoint/2010/main" val="285719708"/>
+        <p14:creationId xmlns:p14="http://schemas.microsoft.com/office/powerpoint/2010/main" val="1965212505"/>
       </p:ext>
     </p:extLst>
   </p:cSld>
@@ -3977,66 +4546,6 @@
           <a:chExt cx="0" cy="0"/>
         </a:xfrm>
       </p:grpSpPr>
-      <p:pic>
-        <p:nvPicPr>
-          <p:cNvPr id="20" name="Picture 19" descr="Slate-V2-HD-compPhotoInset.png"/>
-          <p:cNvPicPr>
-            <a:picLocks noChangeAspect="1"/>
-          </p:cNvPicPr>
-          <p:nvPr/>
-        </p:nvPicPr>
-        <p:blipFill>
-          <a:blip r:embed="rId2">
-            <a:extLst>
-              <a:ext uri="{28A0092B-C50C-407E-A947-70E740481C1C}">
-                <a14:useLocalDpi xmlns:a14="http://schemas.microsoft.com/office/drawing/2010/main" val="0"/>
-              </a:ext>
-            </a:extLst>
-          </a:blip>
-          <a:stretch>
-            <a:fillRect/>
-          </a:stretch>
-        </p:blipFill>
-        <p:spPr>
-          <a:xfrm>
-            <a:off x="913795" y="1734506"/>
-            <a:ext cx="5089072" cy="4148769"/>
-          </a:xfrm>
-          <a:prstGeom prst="rect">
-            <a:avLst/>
-          </a:prstGeom>
-        </p:spPr>
-      </p:pic>
-      <p:pic>
-        <p:nvPicPr>
-          <p:cNvPr id="21" name="Picture 20" descr="Slate-V2-HD-compPhotoInset.png"/>
-          <p:cNvPicPr>
-            <a:picLocks noChangeAspect="1"/>
-          </p:cNvPicPr>
-          <p:nvPr/>
-        </p:nvPicPr>
-        <p:blipFill>
-          <a:blip r:embed="rId2">
-            <a:extLst>
-              <a:ext uri="{28A0092B-C50C-407E-A947-70E740481C1C}">
-                <a14:useLocalDpi xmlns:a14="http://schemas.microsoft.com/office/drawing/2010/main" val="0"/>
-              </a:ext>
-            </a:extLst>
-          </a:blip>
-          <a:stretch>
-            <a:fillRect/>
-          </a:stretch>
-        </p:blipFill>
-        <p:spPr>
-          <a:xfrm>
-            <a:off x="6178485" y="1734506"/>
-            <a:ext cx="5089072" cy="4148769"/>
-          </a:xfrm>
-          <a:prstGeom prst="rect">
-            <a:avLst/>
-          </a:prstGeom>
-        </p:spPr>
-      </p:pic>
       <p:sp>
         <p:nvSpPr>
           <p:cNvPr id="2" name="Title 1"/>
@@ -4076,8 +4585,8 @@
         </p:nvSpPr>
         <p:spPr>
           <a:xfrm>
-            <a:off x="1005872" y="1835254"/>
-            <a:ext cx="4876344" cy="544884"/>
+            <a:off x="1103313" y="1905000"/>
+            <a:ext cx="4396338" cy="576262"/>
           </a:xfrm>
         </p:spPr>
         <p:txBody>
@@ -4085,9 +4594,16 @@
             <a:noAutofit/>
           </a:bodyPr>
           <a:lstStyle>
-            <a:lvl1pPr marL="0" indent="0" algn="ctr">
-              <a:buNone/>
-              <a:defRPr sz="2400" b="0"/>
+            <a:lvl1pPr marL="0" indent="0">
+              <a:buNone/>
+              <a:defRPr sz="2400" b="0">
+                <a:solidFill>
+                  <a:schemeClr val="bg2">
+                    <a:lumMod val="40000"/>
+                    <a:lumOff val="60000"/>
+                  </a:schemeClr>
+                </a:solidFill>
+              </a:defRPr>
             </a:lvl1pPr>
             <a:lvl2pPr marL="457200" indent="0">
               <a:buNone/>
@@ -4143,12 +4659,12 @@
         </p:nvSpPr>
         <p:spPr>
           <a:xfrm>
-            <a:off x="1005872" y="2380137"/>
-            <a:ext cx="4876344" cy="3411063"/>
-          </a:xfrm>
-        </p:spPr>
-        <p:txBody>
-          <a:bodyPr anchor="t">
+            <a:off x="1103312" y="2514600"/>
+            <a:ext cx="4396339" cy="3741738"/>
+          </a:xfrm>
+        </p:spPr>
+        <p:txBody>
+          <a:bodyPr>
             <a:normAutofit/>
           </a:bodyPr>
           <a:lstStyle>
@@ -4167,6 +4683,18 @@
             <a:lvl5pPr>
               <a:defRPr sz="1200"/>
             </a:lvl5pPr>
+            <a:lvl6pPr>
+              <a:defRPr sz="1200"/>
+            </a:lvl6pPr>
+            <a:lvl7pPr>
+              <a:defRPr sz="1200"/>
+            </a:lvl7pPr>
+            <a:lvl8pPr>
+              <a:defRPr sz="1200"/>
+            </a:lvl8pPr>
+            <a:lvl9pPr>
+              <a:defRPr sz="1200"/>
+            </a:lvl9pPr>
           </a:lstStyle>
           <a:p>
             <a:pPr lvl="0"/>
@@ -4218,8 +4746,8 @@
         </p:nvSpPr>
         <p:spPr>
           <a:xfrm>
-            <a:off x="6294967" y="1835254"/>
-            <a:ext cx="4895330" cy="544883"/>
+            <a:off x="5654495" y="1905000"/>
+            <a:ext cx="4396339" cy="576262"/>
           </a:xfrm>
         </p:spPr>
         <p:txBody>
@@ -4227,9 +4755,16 @@
             <a:noAutofit/>
           </a:bodyPr>
           <a:lstStyle>
-            <a:lvl1pPr marL="0" indent="0" algn="ctr">
-              <a:buNone/>
-              <a:defRPr sz="2400" b="0"/>
+            <a:lvl1pPr marL="0" indent="0">
+              <a:buNone/>
+              <a:defRPr sz="2400" b="0">
+                <a:solidFill>
+                  <a:schemeClr val="bg2">
+                    <a:lumMod val="40000"/>
+                    <a:lumOff val="60000"/>
+                  </a:schemeClr>
+                </a:solidFill>
+              </a:defRPr>
             </a:lvl1pPr>
             <a:lvl2pPr marL="457200" indent="0">
               <a:buNone/>
@@ -4285,12 +4820,12 @@
         </p:nvSpPr>
         <p:spPr>
           <a:xfrm>
-            <a:off x="6294967" y="2380137"/>
-            <a:ext cx="4895330" cy="3411063"/>
-          </a:xfrm>
-        </p:spPr>
-        <p:txBody>
-          <a:bodyPr anchor="t">
+            <a:off x="5654495" y="2514600"/>
+            <a:ext cx="4396339" cy="3741738"/>
+          </a:xfrm>
+        </p:spPr>
+        <p:txBody>
+          <a:bodyPr>
             <a:normAutofit/>
           </a:bodyPr>
           <a:lstStyle>
@@ -4309,6 +4844,18 @@
             <a:lvl5pPr>
               <a:defRPr sz="1200"/>
             </a:lvl5pPr>
+            <a:lvl6pPr>
+              <a:defRPr sz="1200"/>
+            </a:lvl6pPr>
+            <a:lvl7pPr>
+              <a:defRPr sz="1200"/>
+            </a:lvl7pPr>
+            <a:lvl8pPr>
+              <a:defRPr sz="1200"/>
+            </a:lvl8pPr>
+            <a:lvl9pPr>
+              <a:defRPr sz="1200"/>
+            </a:lvl9pPr>
           </a:lstStyle>
           <a:p>
             <a:pPr lvl="0"/>
@@ -4365,7 +4912,7 @@
           <a:p>
             <a:fld id="{48A87A34-81AB-432B-8DAE-1953F412C126}" type="datetimeFigureOut">
               <a:rPr lang="en-US" smtClean="0"/>
-              <a:t>4/25/2017</a:t>
+              <a:t>4/26/2017</a:t>
             </a:fld>
             <a:endParaRPr lang="en-US" dirty="0"/>
           </a:p>
@@ -4416,7 +4963,7 @@
     </p:spTree>
     <p:extLst>
       <p:ext uri="{BB962C8B-B14F-4D97-AF65-F5344CB8AC3E}">
-        <p14:creationId xmlns:p14="http://schemas.microsoft.com/office/powerpoint/2010/main" val="1188662687"/>
+        <p14:creationId xmlns:p14="http://schemas.microsoft.com/office/powerpoint/2010/main" val="3226445959"/>
       </p:ext>
     </p:extLst>
   </p:cSld>
@@ -4468,7 +5015,7 @@
       </p:sp>
       <p:sp>
         <p:nvSpPr>
-          <p:cNvPr id="3" name="Date Placeholder 2"/>
+          <p:cNvPr id="7" name="Date Placeholder 2"/>
           <p:cNvSpPr>
             <a:spLocks noGrp="1"/>
           </p:cNvSpPr>
@@ -4483,7 +5030,7 @@
           <a:p>
             <a:fld id="{48A87A34-81AB-432B-8DAE-1953F412C126}" type="datetimeFigureOut">
               <a:rPr lang="en-US" smtClean="0"/>
-              <a:t>4/25/2017</a:t>
+              <a:t>4/26/2017</a:t>
             </a:fld>
             <a:endParaRPr lang="en-US" dirty="0"/>
           </a:p>
@@ -4491,7 +5038,7 @@
       </p:sp>
       <p:sp>
         <p:nvSpPr>
-          <p:cNvPr id="4" name="Footer Placeholder 3"/>
+          <p:cNvPr id="5" name="Footer Placeholder 3"/>
           <p:cNvSpPr>
             <a:spLocks noGrp="1"/>
           </p:cNvSpPr>
@@ -4510,7 +5057,7 @@
       </p:sp>
       <p:sp>
         <p:nvSpPr>
-          <p:cNvPr id="5" name="Slide Number Placeholder 4"/>
+          <p:cNvPr id="6" name="Slide Number Placeholder 4"/>
           <p:cNvSpPr>
             <a:spLocks noGrp="1"/>
           </p:cNvSpPr>
@@ -4534,7 +5081,7 @@
     </p:spTree>
     <p:extLst>
       <p:ext uri="{BB962C8B-B14F-4D97-AF65-F5344CB8AC3E}">
-        <p14:creationId xmlns:p14="http://schemas.microsoft.com/office/powerpoint/2010/main" val="3022355230"/>
+        <p14:creationId xmlns:p14="http://schemas.microsoft.com/office/powerpoint/2010/main" val="3036471685"/>
       </p:ext>
     </p:extLst>
   </p:cSld>
@@ -4563,7 +5110,7 @@
       </p:grpSpPr>
       <p:sp>
         <p:nvSpPr>
-          <p:cNvPr id="2" name="Date Placeholder 1"/>
+          <p:cNvPr id="7" name="Date Placeholder 1"/>
           <p:cNvSpPr>
             <a:spLocks noGrp="1"/>
           </p:cNvSpPr>
@@ -4578,7 +5125,7 @@
           <a:p>
             <a:fld id="{48A87A34-81AB-432B-8DAE-1953F412C126}" type="datetimeFigureOut">
               <a:rPr lang="en-US" smtClean="0"/>
-              <a:t>4/25/2017</a:t>
+              <a:t>4/26/2017</a:t>
             </a:fld>
             <a:endParaRPr lang="en-US" dirty="0"/>
           </a:p>
@@ -4586,7 +5133,7 @@
       </p:sp>
       <p:sp>
         <p:nvSpPr>
-          <p:cNvPr id="3" name="Footer Placeholder 2"/>
+          <p:cNvPr id="5" name="Footer Placeholder 2"/>
           <p:cNvSpPr>
             <a:spLocks noGrp="1"/>
           </p:cNvSpPr>
@@ -4605,7 +5152,7 @@
       </p:sp>
       <p:sp>
         <p:nvSpPr>
-          <p:cNvPr id="4" name="Slide Number Placeholder 3"/>
+          <p:cNvPr id="6" name="Slide Number Placeholder 3"/>
           <p:cNvSpPr>
             <a:spLocks noGrp="1"/>
           </p:cNvSpPr>
@@ -4629,7 +5176,7 @@
     </p:spTree>
     <p:extLst>
       <p:ext uri="{BB962C8B-B14F-4D97-AF65-F5344CB8AC3E}">
-        <p14:creationId xmlns:p14="http://schemas.microsoft.com/office/powerpoint/2010/main" val="3802521338"/>
+        <p14:creationId xmlns:p14="http://schemas.microsoft.com/office/powerpoint/2010/main" val="747790828"/>
       </p:ext>
     </p:extLst>
   </p:cSld>
@@ -4668,23 +5215,108 @@
         </p:nvSpPr>
         <p:spPr>
           <a:xfrm>
-            <a:off x="913795" y="609600"/>
-            <a:ext cx="3706889" cy="1821918"/>
-          </a:xfrm>
-        </p:spPr>
-        <p:txBody>
-          <a:bodyPr anchor="b">
+            <a:off x="1154953" y="1447800"/>
+            <a:ext cx="3401064" cy="1447800"/>
+          </a:xfrm>
+        </p:spPr>
+        <p:txBody>
+          <a:bodyPr anchor="b"/>
+          <a:lstStyle>
+            <a:lvl1pPr algn="l">
+              <a:defRPr sz="2400" b="0"/>
+            </a:lvl1pPr>
+          </a:lstStyle>
+          <a:p>
+            <a:r>
+              <a:rPr lang="en-US" smtClean="0"/>
+              <a:t>Click to edit Master title style</a:t>
+            </a:r>
+            <a:endParaRPr lang="en-US" dirty="0"/>
+          </a:p>
+        </p:txBody>
+      </p:sp>
+      <p:sp>
+        <p:nvSpPr>
+          <p:cNvPr id="3" name="Content Placeholder 2"/>
+          <p:cNvSpPr>
+            <a:spLocks noGrp="1"/>
+          </p:cNvSpPr>
+          <p:nvPr>
+            <p:ph idx="1"/>
+          </p:nvPr>
+        </p:nvSpPr>
+        <p:spPr>
+          <a:xfrm>
+            <a:off x="4784616" y="1447800"/>
+            <a:ext cx="5195997" cy="4572000"/>
+          </a:xfrm>
+        </p:spPr>
+        <p:txBody>
+          <a:bodyPr anchor="ctr">
             <a:normAutofit/>
           </a:bodyPr>
           <a:lstStyle>
-            <a:lvl1pPr algn="ctr">
-              <a:defRPr sz="2400" b="0"/>
+            <a:lvl1pPr>
+              <a:defRPr sz="2000"/>
             </a:lvl1pPr>
+            <a:lvl2pPr>
+              <a:defRPr sz="1800"/>
+            </a:lvl2pPr>
+            <a:lvl3pPr>
+              <a:defRPr sz="1600"/>
+            </a:lvl3pPr>
+            <a:lvl4pPr>
+              <a:defRPr sz="1400"/>
+            </a:lvl4pPr>
+            <a:lvl5pPr>
+              <a:defRPr sz="1400"/>
+            </a:lvl5pPr>
+            <a:lvl6pPr>
+              <a:defRPr sz="1400"/>
+            </a:lvl6pPr>
+            <a:lvl7pPr>
+              <a:defRPr sz="1400"/>
+            </a:lvl7pPr>
+            <a:lvl8pPr>
+              <a:defRPr sz="1400"/>
+            </a:lvl8pPr>
+            <a:lvl9pPr>
+              <a:defRPr sz="1400"/>
+            </a:lvl9pPr>
           </a:lstStyle>
           <a:p>
-            <a:r>
-              <a:rPr lang="en-US" smtClean="0"/>
-              <a:t>Click to edit Master title style</a:t>
+            <a:pPr lvl="0"/>
+            <a:r>
+              <a:rPr lang="en-US" smtClean="0"/>
+              <a:t>Edit Master text styles</a:t>
+            </a:r>
+          </a:p>
+          <a:p>
+            <a:pPr lvl="1"/>
+            <a:r>
+              <a:rPr lang="en-US" smtClean="0"/>
+              <a:t>Second level</a:t>
+            </a:r>
+          </a:p>
+          <a:p>
+            <a:pPr lvl="2"/>
+            <a:r>
+              <a:rPr lang="en-US" smtClean="0"/>
+              <a:t>Third level</a:t>
+            </a:r>
+          </a:p>
+          <a:p>
+            <a:pPr lvl="3"/>
+            <a:r>
+              <a:rPr lang="en-US" smtClean="0"/>
+              <a:t>Fourth level</a:t>
+            </a:r>
+          </a:p>
+          <a:p>
+            <a:pPr lvl="4"/>
+            <a:r>
+              <a:rPr lang="en-US" smtClean="0"/>
+              <a:t>Fifth level</a:t>
             </a:r>
             <a:endParaRPr lang="en-US" dirty="0"/>
           </a:p>
@@ -4692,65 +5324,6 @@
       </p:sp>
       <p:sp>
         <p:nvSpPr>
-          <p:cNvPr id="3" name="Content Placeholder 2"/>
-          <p:cNvSpPr>
-            <a:spLocks noGrp="1"/>
-          </p:cNvSpPr>
-          <p:nvPr>
-            <p:ph idx="1"/>
-          </p:nvPr>
-        </p:nvSpPr>
-        <p:spPr>
-          <a:xfrm>
-            <a:off x="4855633" y="609600"/>
-            <a:ext cx="6411924" cy="5181600"/>
-          </a:xfrm>
-        </p:spPr>
-        <p:txBody>
-          <a:bodyPr>
-            <a:normAutofit/>
-          </a:bodyPr>
-          <a:lstStyle/>
-          <a:p>
-            <a:pPr lvl="0"/>
-            <a:r>
-              <a:rPr lang="en-US" smtClean="0"/>
-              <a:t>Edit Master text styles</a:t>
-            </a:r>
-          </a:p>
-          <a:p>
-            <a:pPr lvl="1"/>
-            <a:r>
-              <a:rPr lang="en-US" smtClean="0"/>
-              <a:t>Second level</a:t>
-            </a:r>
-          </a:p>
-          <a:p>
-            <a:pPr lvl="2"/>
-            <a:r>
-              <a:rPr lang="en-US" smtClean="0"/>
-              <a:t>Third level</a:t>
-            </a:r>
-          </a:p>
-          <a:p>
-            <a:pPr lvl="3"/>
-            <a:r>
-              <a:rPr lang="en-US" smtClean="0"/>
-              <a:t>Fourth level</a:t>
-            </a:r>
-          </a:p>
-          <a:p>
-            <a:pPr lvl="4"/>
-            <a:r>
-              <a:rPr lang="en-US" smtClean="0"/>
-              <a:t>Fifth level</a:t>
-            </a:r>
-            <a:endParaRPr lang="en-US" dirty="0"/>
-          </a:p>
-        </p:txBody>
-      </p:sp>
-      <p:sp>
-        <p:nvSpPr>
           <p:cNvPr id="4" name="Text Placeholder 3"/>
           <p:cNvSpPr>
             <a:spLocks noGrp="1"/>
@@ -4761,18 +5334,16 @@
         </p:nvSpPr>
         <p:spPr>
           <a:xfrm>
-            <a:off x="913795" y="2431518"/>
-            <a:ext cx="3706889" cy="3359681"/>
-          </a:xfrm>
-        </p:spPr>
-        <p:txBody>
-          <a:bodyPr anchor="t">
-            <a:normAutofit/>
-          </a:bodyPr>
+            <a:off x="1154953" y="3129280"/>
+            <a:ext cx="3401063" cy="2895599"/>
+          </a:xfrm>
+        </p:spPr>
+        <p:txBody>
+          <a:bodyPr/>
           <a:lstStyle>
-            <a:lvl1pPr marL="0" indent="0" algn="ctr">
-              <a:buNone/>
-              <a:defRPr sz="1600"/>
+            <a:lvl1pPr marL="0" indent="0">
+              <a:buNone/>
+              <a:defRPr sz="1400"/>
             </a:lvl1pPr>
             <a:lvl2pPr marL="457200" indent="0">
               <a:buNone/>
@@ -4818,7 +5389,7 @@
       </p:sp>
       <p:sp>
         <p:nvSpPr>
-          <p:cNvPr id="5" name="Date Placeholder 4"/>
+          <p:cNvPr id="7" name="Date Placeholder 4"/>
           <p:cNvSpPr>
             <a:spLocks noGrp="1"/>
           </p:cNvSpPr>
@@ -4833,7 +5404,7 @@
           <a:p>
             <a:fld id="{48A87A34-81AB-432B-8DAE-1953F412C126}" type="datetimeFigureOut">
               <a:rPr lang="en-US" smtClean="0"/>
-              <a:t>4/25/2017</a:t>
+              <a:t>4/26/2017</a:t>
             </a:fld>
             <a:endParaRPr lang="en-US" dirty="0"/>
           </a:p>
@@ -4841,7 +5412,7 @@
       </p:sp>
       <p:sp>
         <p:nvSpPr>
-          <p:cNvPr id="6" name="Footer Placeholder 5"/>
+          <p:cNvPr id="5" name="Footer Placeholder 5"/>
           <p:cNvSpPr>
             <a:spLocks noGrp="1"/>
           </p:cNvSpPr>
@@ -4860,7 +5431,7 @@
       </p:sp>
       <p:sp>
         <p:nvSpPr>
-          <p:cNvPr id="7" name="Slide Number Placeholder 6"/>
+          <p:cNvPr id="6" name="Slide Number Placeholder 6"/>
           <p:cNvSpPr>
             <a:spLocks noGrp="1"/>
           </p:cNvSpPr>
@@ -4884,7 +5455,7 @@
     </p:spTree>
     <p:extLst>
       <p:ext uri="{BB962C8B-B14F-4D97-AF65-F5344CB8AC3E}">
-        <p14:creationId xmlns:p14="http://schemas.microsoft.com/office/powerpoint/2010/main" val="2986015858"/>
+        <p14:creationId xmlns:p14="http://schemas.microsoft.com/office/powerpoint/2010/main" val="4022233866"/>
       </p:ext>
     </p:extLst>
   </p:cSld>
@@ -4911,36 +5482,6 @@
           <a:chExt cx="0" cy="0"/>
         </a:xfrm>
       </p:grpSpPr>
-      <p:pic>
-        <p:nvPicPr>
-          <p:cNvPr id="22" name="Picture 21" descr="Slate-V2-HD-vertPhotoInset.png"/>
-          <p:cNvPicPr>
-            <a:picLocks noChangeAspect="1"/>
-          </p:cNvPicPr>
-          <p:nvPr/>
-        </p:nvPicPr>
-        <p:blipFill>
-          <a:blip r:embed="rId2">
-            <a:extLst>
-              <a:ext uri="{28A0092B-C50C-407E-A947-70E740481C1C}">
-                <a14:useLocalDpi xmlns:a14="http://schemas.microsoft.com/office/drawing/2010/main" val="0"/>
-              </a:ext>
-            </a:extLst>
-          </a:blip>
-          <a:stretch>
-            <a:fillRect/>
-          </a:stretch>
-        </p:blipFill>
-        <p:spPr>
-          <a:xfrm>
-            <a:off x="7293665" y="609600"/>
-            <a:ext cx="3584166" cy="5204832"/>
-          </a:xfrm>
-          <a:prstGeom prst="rect">
-            <a:avLst/>
-          </a:prstGeom>
-        </p:spPr>
-      </p:pic>
       <p:sp>
         <p:nvSpPr>
           <p:cNvPr id="2" name="Title 1"/>
@@ -4953,17 +5494,17 @@
         </p:nvSpPr>
         <p:spPr>
           <a:xfrm>
-            <a:off x="913795" y="609923"/>
-            <a:ext cx="5934949" cy="1829338"/>
+            <a:off x="1153907" y="1854192"/>
+            <a:ext cx="5092906" cy="1574808"/>
           </a:xfrm>
         </p:spPr>
         <p:txBody>
           <a:bodyPr anchor="b">
-            <a:noAutofit/>
+            <a:normAutofit/>
           </a:bodyPr>
           <a:lstStyle>
-            <a:lvl1pPr algn="ctr">
-              <a:defRPr sz="3200" b="0"/>
+            <a:lvl1pPr algn="l">
+              <a:defRPr sz="3600" b="0"/>
             </a:lvl1pPr>
           </a:lstStyle>
           <a:p>
@@ -4987,13 +5528,18 @@
         </p:nvSpPr>
         <p:spPr>
           <a:xfrm>
-            <a:off x="7442551" y="763702"/>
-            <a:ext cx="3275751" cy="4912822"/>
-          </a:xfrm>
+            <a:off x="6949546" y="1143000"/>
+            <a:ext cx="3200400" cy="4572000"/>
+          </a:xfrm>
+          <a:prstGeom prst="roundRect">
+            <a:avLst>
+              <a:gd name="adj" fmla="val 1858"/>
+            </a:avLst>
+          </a:prstGeom>
           <a:effectLst>
-            <a:outerShdw blurRad="38100" dist="25400" dir="4440000">
+            <a:outerShdw blurRad="50800" dist="50800" dir="5400000" algn="tl" rotWithShape="0">
               <a:srgbClr val="000000">
-                <a:alpha val="36000"/>
+                <a:alpha val="43000"/>
               </a:srgbClr>
             </a:outerShdw>
           </a:effectLst>
@@ -5061,18 +5607,18 @@
         </p:nvSpPr>
         <p:spPr>
           <a:xfrm>
-            <a:off x="913795" y="2439261"/>
-            <a:ext cx="5934949" cy="3376134"/>
-          </a:xfrm>
-        </p:spPr>
-        <p:txBody>
-          <a:bodyPr anchor="t">
+            <a:off x="1154954" y="3657600"/>
+            <a:ext cx="5084979" cy="1371600"/>
+          </a:xfrm>
+        </p:spPr>
+        <p:txBody>
+          <a:bodyPr>
             <a:normAutofit/>
           </a:bodyPr>
           <a:lstStyle>
-            <a:lvl1pPr marL="0" indent="0" algn="ctr">
-              <a:buNone/>
-              <a:defRPr sz="1600"/>
+            <a:lvl1pPr marL="0" indent="0">
+              <a:buNone/>
+              <a:defRPr sz="1400"/>
             </a:lvl1pPr>
             <a:lvl2pPr marL="457200" indent="0">
               <a:buNone/>
@@ -5133,7 +5679,7 @@
           <a:p>
             <a:fld id="{48A87A34-81AB-432B-8DAE-1953F412C126}" type="datetimeFigureOut">
               <a:rPr lang="en-US" smtClean="0"/>
-              <a:t>4/25/2017</a:t>
+              <a:t>4/26/2017</a:t>
             </a:fld>
             <a:endParaRPr lang="en-US" dirty="0"/>
           </a:p>
@@ -5184,7 +5730,7 @@
     </p:spTree>
     <p:extLst>
       <p:ext uri="{BB962C8B-B14F-4D97-AF65-F5344CB8AC3E}">
-        <p14:creationId xmlns:p14="http://schemas.microsoft.com/office/powerpoint/2010/main" val="4107070330"/>
+        <p14:creationId xmlns:p14="http://schemas.microsoft.com/office/powerpoint/2010/main" val="2208737795"/>
       </p:ext>
     </p:extLst>
   </p:cSld>
@@ -5216,151 +5762,346 @@
           <a:chExt cx="0" cy="0"/>
         </a:xfrm>
       </p:grpSpPr>
-      <p:sp>
-        <p:nvSpPr>
-          <p:cNvPr id="2" name="Title Placeholder 1"/>
-          <p:cNvSpPr>
-            <a:spLocks noGrp="1"/>
-          </p:cNvSpPr>
-          <p:nvPr>
-            <p:ph type="title"/>
-          </p:nvPr>
-        </p:nvSpPr>
-        <p:spPr>
-          <a:xfrm>
-            <a:off x="913795" y="609600"/>
-            <a:ext cx="10353762" cy="970450"/>
+      <p:pic>
+        <p:nvPicPr>
+          <p:cNvPr id="8" name="Picture 7"/>
+          <p:cNvPicPr>
+            <a:picLocks noChangeAspect="1"/>
+          </p:cNvPicPr>
+          <p:nvPr/>
+        </p:nvPicPr>
+        <p:blipFill rotWithShape="1">
+          <a:blip r:embed="rId19">
+            <a:extLst>
+              <a:ext uri="{28A0092B-C50C-407E-A947-70E740481C1C}">
+                <a14:useLocalDpi xmlns:a14="http://schemas.microsoft.com/office/drawing/2010/main" val="0"/>
+              </a:ext>
+            </a:extLst>
+          </a:blip>
+          <a:srcRect l="3613"/>
+          <a:stretch/>
+        </p:blipFill>
+        <p:spPr>
+          <a:xfrm>
+            <a:off x="0" y="2669685"/>
+            <a:ext cx="4037012" cy="4188315"/>
           </a:xfrm>
           <a:prstGeom prst="rect">
             <a:avLst/>
           </a:prstGeom>
-          <a:effectLst>
-            <a:outerShdw blurRad="25400" dir="17880000">
-              <a:srgbClr val="000000">
-                <a:alpha val="46000"/>
-              </a:srgbClr>
-            </a:outerShdw>
-          </a:effectLst>
-        </p:spPr>
-        <p:txBody>
-          <a:bodyPr vert="horz" lIns="91440" tIns="45720" rIns="91440" bIns="45720" rtlCol="0" anchor="ctr">
-            <a:normAutofit/>
-          </a:bodyPr>
-          <a:lstStyle/>
-          <a:p>
-            <a:r>
-              <a:rPr lang="en-US" smtClean="0"/>
-              <a:t>Click to edit Master title style</a:t>
-            </a:r>
-            <a:endParaRPr lang="en-US" dirty="0"/>
-          </a:p>
-        </p:txBody>
-      </p:sp>
-      <p:sp>
-        <p:nvSpPr>
-          <p:cNvPr id="3" name="Text Placeholder 2"/>
-          <p:cNvSpPr>
-            <a:spLocks noGrp="1"/>
-          </p:cNvSpPr>
-          <p:nvPr>
-            <p:ph type="body" idx="1"/>
-          </p:nvPr>
-        </p:nvSpPr>
-        <p:spPr>
-          <a:xfrm>
-            <a:off x="913795" y="1732449"/>
-            <a:ext cx="10353762" cy="4058751"/>
+        </p:spPr>
+      </p:pic>
+      <p:pic>
+        <p:nvPicPr>
+          <p:cNvPr id="7" name="Picture 6"/>
+          <p:cNvPicPr>
+            <a:picLocks noChangeAspect="1"/>
+          </p:cNvPicPr>
+          <p:nvPr/>
+        </p:nvPicPr>
+        <p:blipFill rotWithShape="1">
+          <a:blip r:embed="rId20">
+            <a:extLst>
+              <a:ext uri="{28A0092B-C50C-407E-A947-70E740481C1C}">
+                <a14:useLocalDpi xmlns:a14="http://schemas.microsoft.com/office/drawing/2010/main" val="0"/>
+              </a:ext>
+            </a:extLst>
+          </a:blip>
+          <a:srcRect l="35640"/>
+          <a:stretch/>
+        </p:blipFill>
+        <p:spPr>
+          <a:xfrm>
+            <a:off x="0" y="2892347"/>
+            <a:ext cx="1522412" cy="2365453"/>
           </a:xfrm>
           <a:prstGeom prst="rect">
             <a:avLst/>
           </a:prstGeom>
-          <a:effectLst>
-            <a:outerShdw blurRad="25400" dir="17880000">
-              <a:srgbClr val="000000">
-                <a:alpha val="46000"/>
-              </a:srgbClr>
-            </a:outerShdw>
-          </a:effectLst>
-        </p:spPr>
-        <p:txBody>
-          <a:bodyPr vert="horz" lIns="91440" tIns="45720" rIns="91440" bIns="45720" rtlCol="0" anchor="t">
-            <a:normAutofit/>
-          </a:bodyPr>
-          <a:lstStyle/>
-          <a:p>
-            <a:pPr lvl="0"/>
-            <a:r>
-              <a:rPr lang="en-US" smtClean="0"/>
-              <a:t>Edit Master text styles</a:t>
-            </a:r>
-          </a:p>
-          <a:p>
-            <a:pPr lvl="1"/>
-            <a:r>
-              <a:rPr lang="en-US" smtClean="0"/>
-              <a:t>Second level</a:t>
-            </a:r>
-          </a:p>
-          <a:p>
-            <a:pPr lvl="2"/>
-            <a:r>
-              <a:rPr lang="en-US" smtClean="0"/>
-              <a:t>Third level</a:t>
-            </a:r>
-          </a:p>
-          <a:p>
-            <a:pPr lvl="3"/>
-            <a:r>
-              <a:rPr lang="en-US" smtClean="0"/>
-              <a:t>Fourth level</a:t>
-            </a:r>
-          </a:p>
-          <a:p>
-            <a:pPr lvl="4"/>
-            <a:r>
-              <a:rPr lang="en-US" smtClean="0"/>
-              <a:t>Fifth level</a:t>
-            </a:r>
-            <a:endParaRPr lang="en-US" dirty="0"/>
-          </a:p>
-        </p:txBody>
-      </p:sp>
-      <p:sp>
-        <p:nvSpPr>
-          <p:cNvPr id="4" name="Date Placeholder 3"/>
-          <p:cNvSpPr>
-            <a:spLocks noGrp="1"/>
-          </p:cNvSpPr>
-          <p:nvPr>
-            <p:ph type="dt" sz="half" idx="2"/>
-          </p:nvPr>
-        </p:nvSpPr>
-        <p:spPr>
-          <a:xfrm>
-            <a:off x="7678736" y="5883275"/>
-            <a:ext cx="2743200" cy="365125"/>
+        </p:spPr>
+      </p:pic>
+      <p:sp>
+        <p:nvSpPr>
+          <p:cNvPr id="16" name="Oval 15"/>
+          <p:cNvSpPr/>
+          <p:nvPr/>
+        </p:nvSpPr>
+        <p:spPr>
+          <a:xfrm>
+            <a:off x="8609012" y="1676400"/>
+            <a:ext cx="2819400" cy="2819400"/>
+          </a:xfrm>
+          <a:prstGeom prst="ellipse">
+            <a:avLst/>
+          </a:prstGeom>
+          <a:gradFill flip="none" rotWithShape="1">
+            <a:gsLst>
+              <a:gs pos="0">
+                <a:schemeClr val="bg2">
+                  <a:lumMod val="60000"/>
+                  <a:lumOff val="40000"/>
+                  <a:alpha val="7000"/>
+                </a:schemeClr>
+              </a:gs>
+              <a:gs pos="69000">
+                <a:schemeClr val="bg2">
+                  <a:lumMod val="60000"/>
+                  <a:lumOff val="40000"/>
+                  <a:alpha val="0"/>
+                </a:schemeClr>
+              </a:gs>
+              <a:gs pos="36000">
+                <a:schemeClr val="bg2">
+                  <a:lumMod val="60000"/>
+                  <a:lumOff val="40000"/>
+                  <a:alpha val="6000"/>
+                </a:schemeClr>
+              </a:gs>
+            </a:gsLst>
+            <a:path path="circle">
+              <a:fillToRect l="50000" t="50000" r="50000" b="50000"/>
+            </a:path>
+            <a:tileRect/>
+          </a:gradFill>
+          <a:ln>
+            <a:noFill/>
+          </a:ln>
+          <a:effectLst/>
+        </p:spPr>
+        <p:style>
+          <a:lnRef idx="1">
+            <a:schemeClr val="accent1"/>
+          </a:lnRef>
+          <a:fillRef idx="3">
+            <a:schemeClr val="accent1"/>
+          </a:fillRef>
+          <a:effectRef idx="2">
+            <a:schemeClr val="accent1"/>
+          </a:effectRef>
+          <a:fontRef idx="minor">
+            <a:schemeClr val="lt1"/>
+          </a:fontRef>
+        </p:style>
+      </p:sp>
+      <p:pic>
+        <p:nvPicPr>
+          <p:cNvPr id="9" name="Picture 8"/>
+          <p:cNvPicPr>
+            <a:picLocks noChangeAspect="1"/>
+          </p:cNvPicPr>
+          <p:nvPr/>
+        </p:nvPicPr>
+        <p:blipFill rotWithShape="1">
+          <a:blip r:embed="rId21">
+            <a:extLst>
+              <a:ext uri="{28A0092B-C50C-407E-A947-70E740481C1C}">
+                <a14:useLocalDpi xmlns:a14="http://schemas.microsoft.com/office/drawing/2010/main" val="0"/>
+              </a:ext>
+            </a:extLst>
+          </a:blip>
+          <a:srcRect t="28813"/>
+          <a:stretch/>
+        </p:blipFill>
+        <p:spPr>
+          <a:xfrm>
+            <a:off x="7999412" y="0"/>
+            <a:ext cx="1603387" cy="1141407"/>
           </a:xfrm>
           <a:prstGeom prst="rect">
             <a:avLst/>
           </a:prstGeom>
         </p:spPr>
-        <p:txBody>
-          <a:bodyPr vert="horz" lIns="91440" tIns="45720" rIns="91440" bIns="45720" rtlCol="0" anchor="ctr"/>
+      </p:pic>
+      <p:pic>
+        <p:nvPicPr>
+          <p:cNvPr id="10" name="Picture 9"/>
+          <p:cNvPicPr>
+            <a:picLocks noChangeAspect="1"/>
+          </p:cNvPicPr>
+          <p:nvPr/>
+        </p:nvPicPr>
+        <p:blipFill rotWithShape="1">
+          <a:blip r:embed="rId22">
+            <a:extLst>
+              <a:ext uri="{28A0092B-C50C-407E-A947-70E740481C1C}">
+                <a14:useLocalDpi xmlns:a14="http://schemas.microsoft.com/office/drawing/2010/main" val="0"/>
+              </a:ext>
+            </a:extLst>
+          </a:blip>
+          <a:srcRect b="23320"/>
+          <a:stretch/>
+        </p:blipFill>
+        <p:spPr>
+          <a:xfrm>
+            <a:off x="8605878" y="6096000"/>
+            <a:ext cx="993734" cy="762000"/>
+          </a:xfrm>
+          <a:prstGeom prst="rect">
+            <a:avLst/>
+          </a:prstGeom>
+        </p:spPr>
+      </p:pic>
+      <p:sp>
+        <p:nvSpPr>
+          <p:cNvPr id="14" name="Rectangle 13"/>
+          <p:cNvSpPr/>
+          <p:nvPr/>
+        </p:nvSpPr>
+        <p:spPr>
+          <a:xfrm>
+            <a:off x="10437812" y="0"/>
+            <a:ext cx="685800" cy="1143000"/>
+          </a:xfrm>
+          <a:prstGeom prst="rect">
+            <a:avLst/>
+          </a:prstGeom>
+          <a:solidFill>
+            <a:schemeClr val="accent1"/>
+          </a:solidFill>
+          <a:ln>
+            <a:noFill/>
+          </a:ln>
+        </p:spPr>
+        <p:style>
+          <a:lnRef idx="1">
+            <a:schemeClr val="accent1"/>
+          </a:lnRef>
+          <a:fillRef idx="3">
+            <a:schemeClr val="accent1"/>
+          </a:fillRef>
+          <a:effectRef idx="2">
+            <a:schemeClr val="accent1"/>
+          </a:effectRef>
+          <a:fontRef idx="minor">
+            <a:schemeClr val="lt1"/>
+          </a:fontRef>
+        </p:style>
+      </p:sp>
+      <p:sp>
+        <p:nvSpPr>
+          <p:cNvPr id="2" name="Title Placeholder 1"/>
+          <p:cNvSpPr>
+            <a:spLocks noGrp="1"/>
+          </p:cNvSpPr>
+          <p:nvPr>
+            <p:ph type="title"/>
+          </p:nvPr>
+        </p:nvSpPr>
+        <p:spPr>
+          <a:xfrm>
+            <a:off x="646111" y="452718"/>
+            <a:ext cx="9404723" cy="1400530"/>
+          </a:xfrm>
+          <a:prstGeom prst="rect">
+            <a:avLst/>
+          </a:prstGeom>
+        </p:spPr>
+        <p:txBody>
+          <a:bodyPr vert="horz" lIns="91440" tIns="45720" rIns="91440" bIns="45720" rtlCol="0" anchor="t">
+            <a:noAutofit/>
+          </a:bodyPr>
+          <a:lstStyle/>
+          <a:p>
+            <a:r>
+              <a:rPr lang="en-US" smtClean="0"/>
+              <a:t>Click to edit Master title style</a:t>
+            </a:r>
+            <a:endParaRPr lang="en-US" dirty="0"/>
+          </a:p>
+        </p:txBody>
+      </p:sp>
+      <p:sp>
+        <p:nvSpPr>
+          <p:cNvPr id="3" name="Text Placeholder 2"/>
+          <p:cNvSpPr>
+            <a:spLocks noGrp="1"/>
+          </p:cNvSpPr>
+          <p:nvPr>
+            <p:ph type="body" idx="1"/>
+          </p:nvPr>
+        </p:nvSpPr>
+        <p:spPr>
+          <a:xfrm>
+            <a:off x="1103312" y="2052918"/>
+            <a:ext cx="8946541" cy="4195481"/>
+          </a:xfrm>
+          <a:prstGeom prst="rect">
+            <a:avLst/>
+          </a:prstGeom>
+        </p:spPr>
+        <p:txBody>
+          <a:bodyPr vert="horz" lIns="91440" tIns="45720" rIns="91440" bIns="45720" rtlCol="0">
+            <a:normAutofit/>
+          </a:bodyPr>
+          <a:lstStyle/>
+          <a:p>
+            <a:pPr lvl="0"/>
+            <a:r>
+              <a:rPr lang="en-US" smtClean="0"/>
+              <a:t>Edit Master text styles</a:t>
+            </a:r>
+          </a:p>
+          <a:p>
+            <a:pPr lvl="1"/>
+            <a:r>
+              <a:rPr lang="en-US" smtClean="0"/>
+              <a:t>Second level</a:t>
+            </a:r>
+          </a:p>
+          <a:p>
+            <a:pPr lvl="2"/>
+            <a:r>
+              <a:rPr lang="en-US" smtClean="0"/>
+              <a:t>Third level</a:t>
+            </a:r>
+          </a:p>
+          <a:p>
+            <a:pPr lvl="3"/>
+            <a:r>
+              <a:rPr lang="en-US" smtClean="0"/>
+              <a:t>Fourth level</a:t>
+            </a:r>
+          </a:p>
+          <a:p>
+            <a:pPr lvl="4"/>
+            <a:r>
+              <a:rPr lang="en-US" smtClean="0"/>
+              <a:t>Fifth level</a:t>
+            </a:r>
+            <a:endParaRPr lang="en-US" dirty="0"/>
+          </a:p>
+        </p:txBody>
+      </p:sp>
+      <p:sp>
+        <p:nvSpPr>
+          <p:cNvPr id="4" name="Date Placeholder 3"/>
+          <p:cNvSpPr>
+            <a:spLocks noGrp="1"/>
+          </p:cNvSpPr>
+          <p:nvPr>
+            <p:ph type="dt" sz="half" idx="2"/>
+          </p:nvPr>
+        </p:nvSpPr>
+        <p:spPr>
+          <a:xfrm rot="5400000">
+            <a:off x="10155639" y="1790701"/>
+            <a:ext cx="990599" cy="304799"/>
+          </a:xfrm>
+          <a:prstGeom prst="rect">
+            <a:avLst/>
+          </a:prstGeom>
+        </p:spPr>
+        <p:txBody>
+          <a:bodyPr vert="horz" lIns="91440" tIns="45720" rIns="91440" bIns="45720" rtlCol="0" anchor="t"/>
           <a:lstStyle>
-            <a:lvl1pPr algn="r">
-              <a:defRPr sz="1000">
+            <a:lvl1pPr algn="l">
+              <a:defRPr sz="1100" b="0" i="0">
                 <a:solidFill>
                   <a:schemeClr val="tx1">
-                    <a:lumMod val="95000"/>
+                    <a:tint val="75000"/>
+                    <a:alpha val="60000"/>
                   </a:schemeClr>
                 </a:solidFill>
-                <a:effectLst>
-                  <a:outerShdw blurRad="50800" dist="38100" dir="2700000" algn="tl" rotWithShape="0">
-                    <a:schemeClr val="bg1">
-                      <a:alpha val="43000"/>
-                    </a:schemeClr>
-                  </a:outerShdw>
-                </a:effectLst>
               </a:defRPr>
             </a:lvl1pPr>
           </a:lstStyle>
@@ -5368,7 +6109,7 @@
             <a:fld id="{48A87A34-81AB-432B-8DAE-1953F412C126}" type="datetimeFigureOut">
               <a:rPr lang="en-US" smtClean="0"/>
               <a:pPr/>
-              <a:t>4/25/2017</a:t>
+              <a:t>4/26/2017</a:t>
             </a:fld>
             <a:endParaRPr lang="en-US" dirty="0"/>
           </a:p>
@@ -5385,31 +6126,25 @@
           </p:nvPr>
         </p:nvSpPr>
         <p:spPr>
-          <a:xfrm>
-            <a:off x="913795" y="5883275"/>
-            <a:ext cx="6672865" cy="365125"/>
+          <a:xfrm rot="5400000">
+            <a:off x="8951573" y="3225297"/>
+            <a:ext cx="3859795" cy="304801"/>
           </a:xfrm>
           <a:prstGeom prst="rect">
             <a:avLst/>
           </a:prstGeom>
         </p:spPr>
         <p:txBody>
-          <a:bodyPr vert="horz" lIns="91440" tIns="45720" rIns="91440" bIns="45720" rtlCol="0" anchor="ctr"/>
+          <a:bodyPr vert="horz" lIns="91440" tIns="45720" rIns="91440" bIns="45720" rtlCol="0" anchor="b"/>
           <a:lstStyle>
             <a:lvl1pPr algn="l">
-              <a:defRPr sz="1000">
+              <a:defRPr sz="1100" b="0" i="0">
                 <a:solidFill>
                   <a:schemeClr val="tx1">
-                    <a:lumMod val="95000"/>
+                    <a:tint val="75000"/>
+                    <a:alpha val="60000"/>
                   </a:schemeClr>
                 </a:solidFill>
-                <a:effectLst>
-                  <a:outerShdw blurRad="50800" dist="38100" dir="2700000" algn="tl" rotWithShape="0">
-                    <a:schemeClr val="bg1">
-                      <a:alpha val="43000"/>
-                    </a:schemeClr>
-                  </a:outerShdw>
-                </a:effectLst>
               </a:defRPr>
             </a:lvl1pPr>
           </a:lstStyle>
@@ -5428,32 +6163,25 @@
             <p:ph type="sldNum" sz="quarter" idx="4"/>
           </p:nvPr>
         </p:nvSpPr>
-        <p:spPr>
-          <a:xfrm>
-            <a:off x="10514011" y="5883275"/>
-            <a:ext cx="753545" cy="365125"/>
+        <p:spPr bwMode="gray">
+          <a:xfrm>
+            <a:off x="10352540" y="295729"/>
+            <a:ext cx="838199" cy="767687"/>
           </a:xfrm>
           <a:prstGeom prst="rect">
             <a:avLst/>
           </a:prstGeom>
         </p:spPr>
         <p:txBody>
-          <a:bodyPr vert="horz" lIns="91440" tIns="45720" rIns="91440" bIns="45720" rtlCol="0" anchor="ctr"/>
+          <a:bodyPr vert="horz" lIns="91440" tIns="45720" rIns="91440" bIns="45720" rtlCol="0" anchor="b"/>
           <a:lstStyle>
-            <a:lvl1pPr algn="r">
-              <a:defRPr sz="1000">
+            <a:lvl1pPr algn="ctr">
+              <a:defRPr sz="2800" b="0" i="0">
                 <a:solidFill>
                   <a:schemeClr val="tx1">
-                    <a:lumMod val="95000"/>
+                    <a:tint val="75000"/>
                   </a:schemeClr>
                 </a:solidFill>
-                <a:effectLst>
-                  <a:outerShdw blurRad="50800" dist="38100" dir="2700000" algn="tl" rotWithShape="0">
-                    <a:schemeClr val="bg1">
-                      <a:alpha val="43000"/>
-                    </a:schemeClr>
-                  </a:outerShdw>
-                </a:effectLst>
               </a:defRPr>
             </a:lvl1pPr>
           </a:lstStyle>
@@ -5470,60 +6198,44 @@
     </p:spTree>
     <p:extLst>
       <p:ext uri="{BB962C8B-B14F-4D97-AF65-F5344CB8AC3E}">
-        <p14:creationId xmlns:p14="http://schemas.microsoft.com/office/powerpoint/2010/main" val="4037676729"/>
+        <p14:creationId xmlns:p14="http://schemas.microsoft.com/office/powerpoint/2010/main" val="428465410"/>
       </p:ext>
     </p:extLst>
   </p:cSld>
   <p:clrMap bg1="dk1" tx1="lt1" bg2="dk2" tx2="lt2" accent1="accent1" accent2="accent2" accent3="accent3" accent4="accent4" accent5="accent5" accent6="accent6" hlink="hlink" folHlink="folHlink"/>
   <p:sldLayoutIdLst>
-    <p:sldLayoutId id="2147483700" r:id="rId1"/>
-    <p:sldLayoutId id="2147483701" r:id="rId2"/>
-    <p:sldLayoutId id="2147483702" r:id="rId3"/>
-    <p:sldLayoutId id="2147483703" r:id="rId4"/>
-    <p:sldLayoutId id="2147483704" r:id="rId5"/>
-    <p:sldLayoutId id="2147483705" r:id="rId6"/>
-    <p:sldLayoutId id="2147483706" r:id="rId7"/>
-    <p:sldLayoutId id="2147483707" r:id="rId8"/>
-    <p:sldLayoutId id="2147483708" r:id="rId9"/>
-    <p:sldLayoutId id="2147483709" r:id="rId10"/>
-    <p:sldLayoutId id="2147483710" r:id="rId11"/>
-    <p:sldLayoutId id="2147483711" r:id="rId12"/>
-    <p:sldLayoutId id="2147483712" r:id="rId13"/>
-    <p:sldLayoutId id="2147483713" r:id="rId14"/>
-    <p:sldLayoutId id="2147483714" r:id="rId15"/>
-    <p:sldLayoutId id="2147483715" r:id="rId16"/>
-    <p:sldLayoutId id="2147483716" r:id="rId17"/>
+    <p:sldLayoutId id="2147483718" r:id="rId1"/>
+    <p:sldLayoutId id="2147483719" r:id="rId2"/>
+    <p:sldLayoutId id="2147483720" r:id="rId3"/>
+    <p:sldLayoutId id="2147483721" r:id="rId4"/>
+    <p:sldLayoutId id="2147483722" r:id="rId5"/>
+    <p:sldLayoutId id="2147483723" r:id="rId6"/>
+    <p:sldLayoutId id="2147483724" r:id="rId7"/>
+    <p:sldLayoutId id="2147483725" r:id="rId8"/>
+    <p:sldLayoutId id="2147483726" r:id="rId9"/>
+    <p:sldLayoutId id="2147483727" r:id="rId10"/>
+    <p:sldLayoutId id="2147483728" r:id="rId11"/>
+    <p:sldLayoutId id="2147483729" r:id="rId12"/>
+    <p:sldLayoutId id="2147483730" r:id="rId13"/>
+    <p:sldLayoutId id="2147483731" r:id="rId14"/>
+    <p:sldLayoutId id="2147483732" r:id="rId15"/>
+    <p:sldLayoutId id="2147483733" r:id="rId16"/>
+    <p:sldLayoutId id="2147483734" r:id="rId17"/>
   </p:sldLayoutIdLst>
   <p:txStyles>
     <p:titleStyle>
-      <a:lvl1pPr algn="ctr" defTabSz="457200" rtl="0" eaLnBrk="1" latinLnBrk="0" hangingPunct="1">
+      <a:lvl1pPr algn="l" defTabSz="457200" rtl="0" eaLnBrk="1" latinLnBrk="0" hangingPunct="1">
         <a:spcBef>
           <a:spcPct val="0"/>
         </a:spcBef>
         <a:buNone/>
-        <a:defRPr sz="4000" kern="1200">
-          <a:ln>
-            <a:solidFill>
-              <a:schemeClr val="bg1">
-                <a:lumMod val="75000"/>
-                <a:lumOff val="25000"/>
-                <a:alpha val="10000"/>
-              </a:schemeClr>
-            </a:solidFill>
-          </a:ln>
+        <a:defRPr sz="4200" b="0" i="0" kern="1200">
           <a:solidFill>
             <a:schemeClr val="tx2"/>
           </a:solidFill>
-          <a:effectLst>
-            <a:outerShdw blurRad="9525" dist="25400" dir="14640000" algn="tl" rotWithShape="0">
-              <a:schemeClr val="bg1">
-                <a:alpha val="30000"/>
-              </a:schemeClr>
-            </a:outerShdw>
-          </a:effectLst>
           <a:latin typeface="+mj-lt"/>
           <a:ea typeface="+mj-ea"/>
-          <a:cs typeface="Trebuchet MS"/>
+          <a:cs typeface="+mj-cs"/>
         </a:defRPr>
       </a:lvl1pPr>
       <a:lvl2pPr eaLnBrk="1" hangingPunct="1">
@@ -5584,346 +6296,229 @@
       </a:lvl9pPr>
     </p:titleStyle>
     <p:bodyStyle>
-      <a:lvl1pPr marL="342900" indent="-306000" algn="l" defTabSz="457200" rtl="0" eaLnBrk="1" latinLnBrk="0" hangingPunct="1">
+      <a:lvl1pPr marL="342900" indent="-342900" algn="l" defTabSz="457200" rtl="0" eaLnBrk="1" latinLnBrk="0" hangingPunct="1">
         <a:spcBef>
-          <a:spcPct val="20000"/>
+          <a:spcPts val="1000"/>
         </a:spcBef>
         <a:spcAft>
-          <a:spcPts val="600"/>
+          <a:spcPts val="0"/>
         </a:spcAft>
         <a:buClr>
-          <a:schemeClr val="tx2"/>
+          <a:schemeClr val="bg2">
+            <a:lumMod val="40000"/>
+            <a:lumOff val="60000"/>
+          </a:schemeClr>
         </a:buClr>
-        <a:buSzPct val="70000"/>
-        <a:buFont typeface="Wingdings 2" charset="2"/>
-        <a:buChar char=""/>
-        <a:defRPr sz="2000" kern="1200">
-          <a:ln>
-            <a:solidFill>
-              <a:schemeClr val="bg1">
-                <a:lumMod val="75000"/>
-                <a:lumOff val="25000"/>
-                <a:alpha val="10000"/>
-              </a:schemeClr>
-            </a:solidFill>
-          </a:ln>
+        <a:buSzPct val="80000"/>
+        <a:buFont typeface="Wingdings 3" charset="2"/>
+        <a:buChar char=""/>
+        <a:defRPr sz="2000" b="0" i="0" kern="1200">
           <a:solidFill>
-            <a:schemeClr val="tx2"/>
+            <a:schemeClr val="tx1"/>
           </a:solidFill>
-          <a:effectLst>
-            <a:outerShdw blurRad="9525" dist="25400" dir="14640000" algn="tl" rotWithShape="0">
-              <a:schemeClr val="bg1">
-                <a:alpha val="30000"/>
-              </a:schemeClr>
-            </a:outerShdw>
-          </a:effectLst>
-          <a:latin typeface="+mn-lt"/>
-          <a:ea typeface="+mn-ea"/>
-          <a:cs typeface="+mn-cs"/>
+          <a:latin typeface="+mj-lt"/>
+          <a:ea typeface="+mj-ea"/>
+          <a:cs typeface="+mj-cs"/>
         </a:defRPr>
       </a:lvl1pPr>
-      <a:lvl2pPr marL="720000" indent="-270000" algn="l" defTabSz="457200" rtl="0" eaLnBrk="1" latinLnBrk="0" hangingPunct="1">
+      <a:lvl2pPr marL="742950" indent="-285750" algn="l" defTabSz="457200" rtl="0" eaLnBrk="1" latinLnBrk="0" hangingPunct="1">
         <a:spcBef>
-          <a:spcPct val="20000"/>
+          <a:spcPts val="1000"/>
         </a:spcBef>
         <a:spcAft>
-          <a:spcPts val="600"/>
+          <a:spcPts val="0"/>
         </a:spcAft>
         <a:buClr>
-          <a:schemeClr val="tx2"/>
+          <a:schemeClr val="bg2">
+            <a:lumMod val="40000"/>
+            <a:lumOff val="60000"/>
+          </a:schemeClr>
         </a:buClr>
-        <a:buSzPct val="70000"/>
-        <a:buFont typeface="Wingdings 2" charset="2"/>
-        <a:buChar char=""/>
-        <a:defRPr sz="1800" kern="1200">
-          <a:ln>
-            <a:solidFill>
-              <a:schemeClr val="bg1">
-                <a:lumMod val="75000"/>
-                <a:lumOff val="25000"/>
-                <a:alpha val="10000"/>
-              </a:schemeClr>
-            </a:solidFill>
-          </a:ln>
+        <a:buSzPct val="80000"/>
+        <a:buFont typeface="Wingdings 3" charset="2"/>
+        <a:buChar char=""/>
+        <a:defRPr sz="1800" b="0" i="0" kern="1200">
           <a:solidFill>
-            <a:schemeClr val="tx2"/>
+            <a:schemeClr val="tx1"/>
           </a:solidFill>
-          <a:effectLst>
-            <a:outerShdw blurRad="9525" dist="25400" dir="14640000" algn="tl" rotWithShape="0">
-              <a:schemeClr val="bg1">
-                <a:alpha val="30000"/>
-              </a:schemeClr>
-            </a:outerShdw>
-          </a:effectLst>
-          <a:latin typeface="+mn-lt"/>
-          <a:ea typeface="+mn-ea"/>
-          <a:cs typeface="+mn-cs"/>
+          <a:latin typeface="+mj-lt"/>
+          <a:ea typeface="+mj-ea"/>
+          <a:cs typeface="+mj-cs"/>
         </a:defRPr>
       </a:lvl2pPr>
-      <a:lvl3pPr marL="1026000" indent="-216000" algn="l" defTabSz="457200" rtl="0" eaLnBrk="1" latinLnBrk="0" hangingPunct="1">
+      <a:lvl3pPr marL="1143000" indent="-228600" algn="l" defTabSz="457200" rtl="0" eaLnBrk="1" latinLnBrk="0" hangingPunct="1">
         <a:spcBef>
-          <a:spcPct val="20000"/>
+          <a:spcPts val="1000"/>
         </a:spcBef>
         <a:spcAft>
-          <a:spcPts val="600"/>
+          <a:spcPts val="0"/>
         </a:spcAft>
         <a:buClr>
-          <a:schemeClr val="tx2"/>
+          <a:schemeClr val="bg2">
+            <a:lumMod val="40000"/>
+            <a:lumOff val="60000"/>
+          </a:schemeClr>
         </a:buClr>
-        <a:buSzPct val="70000"/>
-        <a:buFont typeface="Wingdings 2" charset="2"/>
-        <a:buChar char=""/>
-        <a:defRPr sz="1600" kern="1200">
-          <a:ln>
-            <a:solidFill>
-              <a:schemeClr val="bg1">
-                <a:lumMod val="75000"/>
-                <a:lumOff val="25000"/>
-                <a:alpha val="10000"/>
-              </a:schemeClr>
-            </a:solidFill>
-          </a:ln>
+        <a:buSzPct val="80000"/>
+        <a:buFont typeface="Wingdings 3" charset="2"/>
+        <a:buChar char=""/>
+        <a:defRPr sz="1600" b="0" i="0" kern="1200">
           <a:solidFill>
-            <a:schemeClr val="tx2"/>
+            <a:schemeClr val="tx1"/>
           </a:solidFill>
-          <a:effectLst>
-            <a:outerShdw blurRad="9525" dist="25400" dir="14640000" algn="tl" rotWithShape="0">
-              <a:schemeClr val="bg1">
-                <a:alpha val="30000"/>
-              </a:schemeClr>
-            </a:outerShdw>
-          </a:effectLst>
-          <a:latin typeface="+mn-lt"/>
-          <a:ea typeface="+mn-ea"/>
-          <a:cs typeface="+mn-cs"/>
+          <a:latin typeface="+mj-lt"/>
+          <a:ea typeface="+mj-ea"/>
+          <a:cs typeface="+mj-cs"/>
         </a:defRPr>
       </a:lvl3pPr>
-      <a:lvl4pPr marL="1386000" indent="-216000" algn="l" defTabSz="457200" rtl="0" eaLnBrk="1" latinLnBrk="0" hangingPunct="1">
+      <a:lvl4pPr marL="1600200" indent="-228600" algn="l" defTabSz="457200" rtl="0" eaLnBrk="1" latinLnBrk="0" hangingPunct="1">
         <a:spcBef>
-          <a:spcPct val="20000"/>
+          <a:spcPts val="1000"/>
         </a:spcBef>
         <a:spcAft>
-          <a:spcPts val="600"/>
+          <a:spcPts val="0"/>
         </a:spcAft>
         <a:buClr>
-          <a:schemeClr val="tx2"/>
+          <a:schemeClr val="bg2">
+            <a:lumMod val="40000"/>
+            <a:lumOff val="60000"/>
+          </a:schemeClr>
         </a:buClr>
-        <a:buSzPct val="70000"/>
-        <a:buFont typeface="Wingdings 2" charset="2"/>
-        <a:buChar char=""/>
-        <a:defRPr sz="1400" kern="1200">
-          <a:ln>
-            <a:solidFill>
-              <a:schemeClr val="bg1">
-                <a:lumMod val="75000"/>
-                <a:lumOff val="25000"/>
-                <a:alpha val="10000"/>
-              </a:schemeClr>
-            </a:solidFill>
-          </a:ln>
+        <a:buSzPct val="80000"/>
+        <a:buFont typeface="Wingdings 3" charset="2"/>
+        <a:buChar char=""/>
+        <a:defRPr sz="1400" b="0" i="0" kern="1200">
           <a:solidFill>
-            <a:schemeClr val="tx2"/>
+            <a:schemeClr val="tx1"/>
           </a:solidFill>
-          <a:effectLst>
-            <a:outerShdw blurRad="9525" dist="25400" dir="14640000" algn="tl" rotWithShape="0">
-              <a:schemeClr val="bg1">
-                <a:alpha val="30000"/>
-              </a:schemeClr>
-            </a:outerShdw>
-          </a:effectLst>
-          <a:latin typeface="+mn-lt"/>
-          <a:ea typeface="+mn-ea"/>
-          <a:cs typeface="+mn-cs"/>
+          <a:latin typeface="+mj-lt"/>
+          <a:ea typeface="+mj-ea"/>
+          <a:cs typeface="+mj-cs"/>
         </a:defRPr>
       </a:lvl4pPr>
-      <a:lvl5pPr marL="1674000" indent="-216000" algn="l" defTabSz="457200" rtl="0" eaLnBrk="1" latinLnBrk="0" hangingPunct="1">
+      <a:lvl5pPr marL="2057400" indent="-228600" algn="l" defTabSz="457200" rtl="0" eaLnBrk="1" latinLnBrk="0" hangingPunct="1">
         <a:spcBef>
-          <a:spcPct val="20000"/>
+          <a:spcPts val="1000"/>
         </a:spcBef>
         <a:spcAft>
-          <a:spcPts val="600"/>
+          <a:spcPts val="0"/>
         </a:spcAft>
         <a:buClr>
-          <a:schemeClr val="tx2"/>
+          <a:schemeClr val="bg2">
+            <a:lumMod val="40000"/>
+            <a:lumOff val="60000"/>
+          </a:schemeClr>
         </a:buClr>
-        <a:buSzPct val="70000"/>
-        <a:buFont typeface="Wingdings 2" charset="2"/>
-        <a:buChar char=""/>
-        <a:defRPr sz="1400" kern="1200">
-          <a:ln>
-            <a:solidFill>
-              <a:schemeClr val="bg1">
-                <a:lumMod val="75000"/>
-                <a:lumOff val="25000"/>
-                <a:alpha val="10000"/>
-              </a:schemeClr>
-            </a:solidFill>
-          </a:ln>
+        <a:buSzPct val="80000"/>
+        <a:buFont typeface="Wingdings 3" charset="2"/>
+        <a:buChar char=""/>
+        <a:defRPr sz="1400" b="0" i="0" kern="1200">
           <a:solidFill>
-            <a:schemeClr val="tx2"/>
+            <a:schemeClr val="tx1"/>
           </a:solidFill>
-          <a:effectLst>
-            <a:outerShdw blurRad="9525" dist="25400" dir="14640000" algn="tl" rotWithShape="0">
-              <a:schemeClr val="bg1">
-                <a:alpha val="30000"/>
-              </a:schemeClr>
-            </a:outerShdw>
-          </a:effectLst>
-          <a:latin typeface="+mn-lt"/>
-          <a:ea typeface="+mn-ea"/>
-          <a:cs typeface="+mn-cs"/>
+          <a:latin typeface="+mj-lt"/>
+          <a:ea typeface="+mj-ea"/>
+          <a:cs typeface="+mj-cs"/>
         </a:defRPr>
       </a:lvl5pPr>
-      <a:lvl6pPr marL="2014600" indent="-228600" algn="l" defTabSz="457200" rtl="0" eaLnBrk="1" latinLnBrk="0" hangingPunct="1">
+      <a:lvl6pPr marL="2506000" indent="-228600" algn="l" defTabSz="457200" rtl="0" eaLnBrk="1" latinLnBrk="0" hangingPunct="1">
         <a:spcBef>
-          <a:spcPct val="20000"/>
+          <a:spcPts val="1000"/>
         </a:spcBef>
         <a:spcAft>
-          <a:spcPts val="600"/>
+          <a:spcPts val="0"/>
         </a:spcAft>
         <a:buClr>
-          <a:schemeClr val="tx2"/>
+          <a:schemeClr val="bg2">
+            <a:lumMod val="40000"/>
+            <a:lumOff val="60000"/>
+          </a:schemeClr>
         </a:buClr>
-        <a:buSzPct val="70000"/>
-        <a:buFont typeface="Wingdings 2" charset="2"/>
-        <a:buChar char=""/>
-        <a:defRPr sz="1400" kern="1200">
-          <a:ln>
-            <a:solidFill>
-              <a:schemeClr val="bg1">
-                <a:lumMod val="75000"/>
-                <a:lumOff val="25000"/>
-                <a:alpha val="10000"/>
-              </a:schemeClr>
-            </a:solidFill>
-          </a:ln>
+        <a:buSzPct val="80000"/>
+        <a:buFont typeface="Wingdings 3" charset="2"/>
+        <a:buChar char=""/>
+        <a:defRPr sz="1400" b="0" i="0" kern="1200">
           <a:solidFill>
-            <a:schemeClr val="tx2"/>
+            <a:schemeClr val="tx1"/>
           </a:solidFill>
-          <a:effectLst>
-            <a:outerShdw blurRad="9525" dist="25400" dir="14640000" algn="tl" rotWithShape="0">
-              <a:schemeClr val="bg1">
-                <a:alpha val="30000"/>
-              </a:schemeClr>
-            </a:outerShdw>
-          </a:effectLst>
-          <a:latin typeface="+mn-lt"/>
-          <a:ea typeface="+mn-ea"/>
-          <a:cs typeface="+mn-cs"/>
+          <a:latin typeface="+mj-lt"/>
+          <a:ea typeface="+mj-ea"/>
+          <a:cs typeface="+mj-cs"/>
         </a:defRPr>
       </a:lvl6pPr>
-      <a:lvl7pPr marL="2401800" indent="-228600" algn="l" defTabSz="457200" rtl="0" eaLnBrk="1" latinLnBrk="0" hangingPunct="1">
+      <a:lvl7pPr marL="2971800" indent="-228600" algn="l" defTabSz="457200" rtl="0" eaLnBrk="1" latinLnBrk="0" hangingPunct="1">
         <a:spcBef>
-          <a:spcPct val="20000"/>
+          <a:spcPts val="1000"/>
         </a:spcBef>
         <a:spcAft>
-          <a:spcPts val="600"/>
+          <a:spcPts val="0"/>
         </a:spcAft>
         <a:buClr>
-          <a:schemeClr val="tx2"/>
+          <a:schemeClr val="bg2">
+            <a:lumMod val="40000"/>
+            <a:lumOff val="60000"/>
+          </a:schemeClr>
         </a:buClr>
-        <a:buSzPct val="70000"/>
-        <a:buFont typeface="Wingdings 2" charset="2"/>
-        <a:buChar char=""/>
-        <a:defRPr sz="1400" kern="1200">
-          <a:ln>
-            <a:solidFill>
-              <a:schemeClr val="bg1">
-                <a:lumMod val="75000"/>
-                <a:lumOff val="25000"/>
-                <a:alpha val="10000"/>
-              </a:schemeClr>
-            </a:solidFill>
-          </a:ln>
+        <a:buSzPct val="80000"/>
+        <a:buFont typeface="Wingdings 3" charset="2"/>
+        <a:buChar char=""/>
+        <a:defRPr sz="1400" b="0" i="0" kern="1200">
           <a:solidFill>
-            <a:schemeClr val="tx2"/>
+            <a:schemeClr val="tx1"/>
           </a:solidFill>
-          <a:effectLst>
-            <a:outerShdw blurRad="9525" dist="25400" dir="14640000" algn="tl" rotWithShape="0">
-              <a:schemeClr val="bg1">
-                <a:alpha val="30000"/>
-              </a:schemeClr>
-            </a:outerShdw>
-          </a:effectLst>
-          <a:latin typeface="+mn-lt"/>
-          <a:ea typeface="+mn-ea"/>
-          <a:cs typeface="+mn-cs"/>
+          <a:latin typeface="+mj-lt"/>
+          <a:ea typeface="+mj-ea"/>
+          <a:cs typeface="+mj-cs"/>
         </a:defRPr>
       </a:lvl7pPr>
-      <a:lvl8pPr marL="2789000" indent="-228600" algn="l" defTabSz="457200" rtl="0" eaLnBrk="1" latinLnBrk="0" hangingPunct="1">
+      <a:lvl8pPr marL="3429000" indent="-228600" algn="l" defTabSz="457200" rtl="0" eaLnBrk="1" latinLnBrk="0" hangingPunct="1">
         <a:spcBef>
-          <a:spcPct val="20000"/>
+          <a:spcPts val="1000"/>
         </a:spcBef>
         <a:spcAft>
-          <a:spcPts val="600"/>
+          <a:spcPts val="0"/>
         </a:spcAft>
         <a:buClr>
-          <a:schemeClr val="tx2"/>
+          <a:schemeClr val="bg2">
+            <a:lumMod val="40000"/>
+            <a:lumOff val="60000"/>
+          </a:schemeClr>
         </a:buClr>
-        <a:buSzPct val="70000"/>
-        <a:buFont typeface="Wingdings 2" charset="2"/>
-        <a:buChar char=""/>
-        <a:defRPr sz="1400" kern="1200">
-          <a:ln>
-            <a:solidFill>
-              <a:schemeClr val="bg1">
-                <a:lumMod val="75000"/>
-                <a:lumOff val="25000"/>
-                <a:alpha val="10000"/>
-              </a:schemeClr>
-            </a:solidFill>
-          </a:ln>
+        <a:buSzPct val="80000"/>
+        <a:buFont typeface="Wingdings 3" charset="2"/>
+        <a:buChar char=""/>
+        <a:defRPr sz="1400" b="0" i="0" kern="1200">
           <a:solidFill>
-            <a:schemeClr val="tx2"/>
+            <a:schemeClr val="tx1"/>
           </a:solidFill>
-          <a:effectLst>
-            <a:outerShdw blurRad="9525" dist="25400" dir="14640000" algn="tl" rotWithShape="0">
-              <a:schemeClr val="bg1">
-                <a:alpha val="30000"/>
-              </a:schemeClr>
-            </a:outerShdw>
-          </a:effectLst>
-          <a:latin typeface="+mn-lt"/>
-          <a:ea typeface="+mn-ea"/>
-          <a:cs typeface="+mn-cs"/>
+          <a:latin typeface="+mj-lt"/>
+          <a:ea typeface="+mj-ea"/>
+          <a:cs typeface="+mj-cs"/>
         </a:defRPr>
       </a:lvl8pPr>
-      <a:lvl9pPr marL="3106200" indent="-228600" algn="l" defTabSz="457200" rtl="0" eaLnBrk="1" latinLnBrk="0" hangingPunct="1">
+      <a:lvl9pPr marL="3886200" indent="-228600" algn="l" defTabSz="457200" rtl="0" eaLnBrk="1" latinLnBrk="0" hangingPunct="1">
         <a:spcBef>
-          <a:spcPct val="20000"/>
+          <a:spcPts val="1000"/>
         </a:spcBef>
         <a:spcAft>
-          <a:spcPts val="600"/>
+          <a:spcPts val="0"/>
         </a:spcAft>
         <a:buClr>
-          <a:schemeClr val="tx2"/>
+          <a:schemeClr val="bg2">
+            <a:lumMod val="40000"/>
+            <a:lumOff val="60000"/>
+          </a:schemeClr>
         </a:buClr>
-        <a:buSzPct val="70000"/>
-        <a:buFont typeface="Wingdings 2" charset="2"/>
-        <a:buChar char=""/>
-        <a:defRPr sz="1400" kern="1200">
-          <a:ln>
-            <a:solidFill>
-              <a:schemeClr val="bg1">
-                <a:lumMod val="75000"/>
-                <a:lumOff val="25000"/>
-                <a:alpha val="10000"/>
-              </a:schemeClr>
-            </a:solidFill>
-          </a:ln>
+        <a:buSzPct val="80000"/>
+        <a:buFont typeface="Wingdings 3" charset="2"/>
+        <a:buChar char=""/>
+        <a:defRPr sz="1400" b="0" i="0" kern="1200">
           <a:solidFill>
-            <a:schemeClr val="tx2"/>
+            <a:schemeClr val="tx1"/>
           </a:solidFill>
-          <a:effectLst>
-            <a:outerShdw blurRad="9525" dist="25400" dir="14640000" algn="tl" rotWithShape="0">
-              <a:schemeClr val="bg1">
-                <a:alpha val="30000"/>
-              </a:schemeClr>
-            </a:outerShdw>
-          </a:effectLst>
-          <a:latin typeface="+mn-lt"/>
-          <a:ea typeface="+mn-ea"/>
-          <a:cs typeface="+mn-cs"/>
+          <a:latin typeface="+mj-lt"/>
+          <a:ea typeface="+mj-ea"/>
+          <a:cs typeface="+mj-cs"/>
         </a:defRPr>
       </a:lvl9pPr>
     </p:bodyStyle>
@@ -6083,27 +6678,7 @@
           <a:p>
             <a:r>
               <a:rPr lang="en-US" dirty="0" smtClean="0"/>
-              <a:t>Application WEB de gestion de </a:t>
-            </a:r>
-            <a:r>
-              <a:rPr lang="en-US" dirty="0" err="1" smtClean="0"/>
-              <a:t>statistiques</a:t>
-            </a:r>
-            <a:r>
-              <a:rPr lang="en-US" dirty="0" smtClean="0"/>
-              <a:t> pour le </a:t>
-            </a:r>
-            <a:r>
-              <a:rPr lang="en-US" dirty="0" err="1" smtClean="0"/>
-              <a:t>tir</a:t>
-            </a:r>
-            <a:r>
-              <a:rPr lang="en-US" dirty="0" smtClean="0"/>
-              <a:t> à </a:t>
-            </a:r>
-            <a:r>
-              <a:rPr lang="en-US" dirty="0" err="1" smtClean="0"/>
-              <a:t>l’arc</a:t>
+              <a:t>Application WEB de gestion de statistiques pour le tir à l’arc</a:t>
             </a:r>
             <a:endParaRPr lang="fr-CH" dirty="0"/>
           </a:p>
@@ -6151,6 +6726,143 @@
         </p:nvSpPr>
         <p:spPr>
           <a:xfrm>
+            <a:off x="0" y="24350"/>
+            <a:ext cx="9404723" cy="832385"/>
+          </a:xfrm>
+        </p:spPr>
+        <p:txBody>
+          <a:bodyPr/>
+          <a:lstStyle/>
+          <a:p>
+            <a:pPr algn="l"/>
+            <a:r>
+              <a:rPr lang="en-US" dirty="0" err="1" smtClean="0"/>
+              <a:t>Problèmes</a:t>
+            </a:r>
+            <a:r>
+              <a:rPr lang="en-US" dirty="0" smtClean="0"/>
+              <a:t> </a:t>
+            </a:r>
+            <a:r>
+              <a:rPr lang="en-US" dirty="0" err="1" smtClean="0"/>
+              <a:t>rencontrés</a:t>
+            </a:r>
+            <a:endParaRPr lang="fr-CH" dirty="0"/>
+          </a:p>
+        </p:txBody>
+      </p:sp>
+      <p:sp>
+        <p:nvSpPr>
+          <p:cNvPr id="3" name="Content Placeholder 2"/>
+          <p:cNvSpPr>
+            <a:spLocks noGrp="1"/>
+          </p:cNvSpPr>
+          <p:nvPr>
+            <p:ph idx="1"/>
+          </p:nvPr>
+        </p:nvSpPr>
+        <p:spPr/>
+        <p:txBody>
+          <a:bodyPr/>
+          <a:lstStyle/>
+          <a:p>
+            <a:r>
+              <a:rPr lang="en-US" dirty="0" smtClean="0"/>
+              <a:t>IE </a:t>
+            </a:r>
+            <a:r>
+              <a:rPr lang="en-US" dirty="0" smtClean="0"/>
+              <a:t>avec VueX</a:t>
+            </a:r>
+          </a:p>
+          <a:p>
+            <a:pPr lvl="1"/>
+            <a:r>
+              <a:rPr lang="en-US" dirty="0" err="1" smtClean="0"/>
+              <a:t>Résolution</a:t>
+            </a:r>
+            <a:r>
+              <a:rPr lang="en-US" dirty="0" smtClean="0"/>
+              <a:t> : </a:t>
+            </a:r>
+            <a:r>
+              <a:rPr lang="en-US" b="1" dirty="0" smtClean="0"/>
+              <a:t>babel-</a:t>
+            </a:r>
+            <a:r>
+              <a:rPr lang="en-US" b="1" dirty="0" err="1" smtClean="0"/>
+              <a:t>polyfill</a:t>
+            </a:r>
+            <a:endParaRPr lang="en-US" b="1" dirty="0" smtClean="0"/>
+          </a:p>
+        </p:txBody>
+      </p:sp>
+      <p:pic>
+        <p:nvPicPr>
+          <p:cNvPr id="4" name="Picture 3"/>
+          <p:cNvPicPr>
+            <a:picLocks noChangeAspect="1"/>
+          </p:cNvPicPr>
+          <p:nvPr/>
+        </p:nvPicPr>
+        <p:blipFill>
+          <a:blip r:embed="rId2"/>
+          <a:stretch>
+            <a:fillRect/>
+          </a:stretch>
+        </p:blipFill>
+        <p:spPr>
+          <a:xfrm>
+            <a:off x="5212500" y="1513571"/>
+            <a:ext cx="6743700" cy="1828800"/>
+          </a:xfrm>
+          <a:prstGeom prst="rect">
+            <a:avLst/>
+          </a:prstGeom>
+        </p:spPr>
+      </p:pic>
+    </p:spTree>
+    <p:extLst>
+      <p:ext uri="{BB962C8B-B14F-4D97-AF65-F5344CB8AC3E}">
+        <p14:creationId xmlns:p14="http://schemas.microsoft.com/office/powerpoint/2010/main" val="425895806"/>
+      </p:ext>
+    </p:extLst>
+  </p:cSld>
+  <p:clrMapOvr>
+    <a:masterClrMapping/>
+  </p:clrMapOvr>
+</p:sld>
+</file>
+
+<file path=ppt/slides/slide11.xml><?xml version="1.0" encoding="utf-8"?>
+<p:sld xmlns:a="http://schemas.openxmlformats.org/drawingml/2006/main" xmlns:r="http://schemas.openxmlformats.org/officeDocument/2006/relationships" xmlns:p="http://schemas.openxmlformats.org/presentationml/2006/main">
+  <p:cSld>
+    <p:spTree>
+      <p:nvGrpSpPr>
+        <p:cNvPr id="1" name=""/>
+        <p:cNvGrpSpPr/>
+        <p:nvPr/>
+      </p:nvGrpSpPr>
+      <p:grpSpPr>
+        <a:xfrm>
+          <a:off x="0" y="0"/>
+          <a:ext cx="0" cy="0"/>
+          <a:chOff x="0" y="0"/>
+          <a:chExt cx="0" cy="0"/>
+        </a:xfrm>
+      </p:grpSpPr>
+      <p:sp>
+        <p:nvSpPr>
+          <p:cNvPr id="2" name="Title 1"/>
+          <p:cNvSpPr>
+            <a:spLocks noGrp="1"/>
+          </p:cNvSpPr>
+          <p:nvPr>
+            <p:ph type="title"/>
+          </p:nvPr>
+        </p:nvSpPr>
+        <p:spPr>
+          <a:xfrm>
             <a:off x="0" y="0"/>
             <a:ext cx="9404723" cy="617838"/>
           </a:xfrm>
@@ -6240,84 +6952,80 @@
             <a:endParaRPr lang="en-US" dirty="0" smtClean="0"/>
           </a:p>
           <a:p>
+            <a:pPr marL="36900" indent="0">
+              <a:buNone/>
+            </a:pPr>
             <a:endParaRPr lang="en-US" dirty="0" smtClean="0"/>
           </a:p>
           <a:p>
             <a:r>
               <a:rPr lang="en-US" dirty="0" smtClean="0"/>
-              <a:t>Menu </a:t>
+              <a:t>Si </a:t>
             </a:r>
             <a:r>
               <a:rPr lang="en-US" dirty="0" err="1" smtClean="0"/>
-              <a:t>géré</a:t>
+              <a:t>une</a:t>
             </a:r>
             <a:r>
               <a:rPr lang="en-US" dirty="0" smtClean="0"/>
-              <a:t> par VueX</a:t>
-            </a:r>
-          </a:p>
-          <a:p>
-            <a:pPr lvl="1"/>
+              <a:t> session expire </a:t>
+            </a:r>
             <a:r>
               <a:rPr lang="en-US" dirty="0" err="1" smtClean="0"/>
-              <a:t>Problème</a:t>
+              <a:t>l’appli</a:t>
+            </a:r>
+            <a:r>
+              <a:rPr lang="en-US" dirty="0" smtClean="0"/>
+              <a:t> ne le </a:t>
+            </a:r>
+            <a:r>
+              <a:rPr lang="en-US" dirty="0" err="1" smtClean="0"/>
+              <a:t>verra</a:t>
             </a:r>
             <a:r>
               <a:rPr lang="en-US" dirty="0" smtClean="0"/>
               <a:t> </a:t>
             </a:r>
             <a:r>
+              <a:rPr lang="en-US" dirty="0" smtClean="0"/>
+              <a:t>pas</a:t>
+            </a:r>
+          </a:p>
+          <a:p>
+            <a:endParaRPr lang="en-US" dirty="0" smtClean="0"/>
+          </a:p>
+          <a:p>
+            <a:r>
+              <a:rPr lang="en-US" dirty="0" err="1" smtClean="0"/>
+              <a:t>Erreur</a:t>
+            </a:r>
+            <a:r>
+              <a:rPr lang="en-US" dirty="0" smtClean="0"/>
+              <a:t> </a:t>
+            </a:r>
+            <a:r>
               <a:rPr lang="en-US" dirty="0" err="1" smtClean="0"/>
               <a:t>lors</a:t>
             </a:r>
             <a:r>
               <a:rPr lang="en-US" dirty="0" smtClean="0"/>
-              <a:t> des </a:t>
+              <a:t> </a:t>
             </a:r>
             <a:r>
               <a:rPr lang="en-US" dirty="0" err="1" smtClean="0"/>
-              <a:t>erreurs</a:t>
-            </a:r>
-            <a:r>
-              <a:rPr lang="en-US" dirty="0" smtClean="0"/>
-              <a:t> de session</a:t>
-            </a:r>
-          </a:p>
-          <a:p>
-            <a:pPr lvl="1"/>
-            <a:r>
-              <a:rPr lang="en-US" dirty="0" err="1" smtClean="0"/>
-              <a:t>Garde</a:t>
-            </a:r>
-            <a:r>
-              <a:rPr lang="en-US" dirty="0" smtClean="0"/>
-              <a:t> le state connected au lieu de se </a:t>
-            </a:r>
-            <a:r>
-              <a:rPr lang="en-US" dirty="0" err="1" smtClean="0"/>
-              <a:t>mettre</a:t>
+              <a:t>d’une</a:t>
             </a:r>
             <a:r>
               <a:rPr lang="en-US" dirty="0" smtClean="0"/>
               <a:t> </a:t>
             </a:r>
             <a:r>
-              <a:rPr lang="en-US" dirty="0" err="1" smtClean="0"/>
-              <a:t>en</a:t>
+              <a:rPr lang="en-US" i="1" dirty="0" smtClean="0"/>
+              <a:t>End</a:t>
             </a:r>
             <a:r>
               <a:rPr lang="en-US" dirty="0" smtClean="0"/>
-              <a:t> disconnected</a:t>
-            </a:r>
-          </a:p>
-          <a:p>
-            <a:pPr lvl="1"/>
-            <a:endParaRPr lang="en-US" dirty="0" smtClean="0"/>
-          </a:p>
-          <a:p>
-            <a:r>
-              <a:rPr lang="en-US" dirty="0" smtClean="0"/>
-              <a:t>Si </a:t>
+              <a:t> avec </a:t>
             </a:r>
             <a:r>
               <a:rPr lang="en-US" dirty="0" err="1" smtClean="0"/>
@@ -6325,25 +7033,21 @@
             </a:r>
             <a:r>
               <a:rPr lang="en-US" dirty="0" smtClean="0"/>
-              <a:t> session expire </a:t>
+              <a:t> </a:t>
             </a:r>
             <a:r>
               <a:rPr lang="en-US" dirty="0" err="1" smtClean="0"/>
-              <a:t>l’appli</a:t>
+              <a:t>seule</a:t>
             </a:r>
             <a:r>
               <a:rPr lang="en-US" dirty="0" smtClean="0"/>
-              <a:t> ne le </a:t>
-            </a:r>
-            <a:r>
-              <a:rPr lang="en-US" dirty="0" err="1" smtClean="0"/>
-              <a:t>verra</a:t>
-            </a:r>
-            <a:r>
-              <a:rPr lang="en-US" dirty="0" smtClean="0"/>
-              <a:t> pas</a:t>
-            </a:r>
-            <a:endParaRPr lang="fr-CH" dirty="0"/>
+              <a:t> </a:t>
+            </a:r>
+            <a:r>
+              <a:rPr lang="en-US" i="1" dirty="0" smtClean="0"/>
+              <a:t>Arrow</a:t>
+            </a:r>
+            <a:endParaRPr lang="fr-CH" i="1" dirty="0"/>
           </a:p>
         </p:txBody>
       </p:sp>
@@ -6360,7 +7064,184 @@
 </p:sld>
 </file>
 
-<file path=ppt/slides/slide11.xml><?xml version="1.0" encoding="utf-8"?>
+<file path=ppt/slides/slide12.xml><?xml version="1.0" encoding="utf-8"?>
+<p:sld xmlns:a="http://schemas.openxmlformats.org/drawingml/2006/main" xmlns:r="http://schemas.openxmlformats.org/officeDocument/2006/relationships" xmlns:p="http://schemas.openxmlformats.org/presentationml/2006/main">
+  <p:cSld>
+    <p:spTree>
+      <p:nvGrpSpPr>
+        <p:cNvPr id="1" name=""/>
+        <p:cNvGrpSpPr/>
+        <p:nvPr/>
+      </p:nvGrpSpPr>
+      <p:grpSpPr>
+        <a:xfrm>
+          <a:off x="0" y="0"/>
+          <a:ext cx="0" cy="0"/>
+          <a:chOff x="0" y="0"/>
+          <a:chExt cx="0" cy="0"/>
+        </a:xfrm>
+      </p:grpSpPr>
+      <p:sp>
+        <p:nvSpPr>
+          <p:cNvPr id="2" name="Title 1"/>
+          <p:cNvSpPr>
+            <a:spLocks noGrp="1"/>
+          </p:cNvSpPr>
+          <p:nvPr>
+            <p:ph type="title"/>
+          </p:nvPr>
+        </p:nvSpPr>
+        <p:spPr>
+          <a:xfrm>
+            <a:off x="0" y="0"/>
+            <a:ext cx="10353762" cy="779646"/>
+          </a:xfrm>
+        </p:spPr>
+        <p:txBody>
+          <a:bodyPr/>
+          <a:lstStyle/>
+          <a:p>
+            <a:pPr algn="l"/>
+            <a:r>
+              <a:rPr lang="en-US" dirty="0" err="1" smtClean="0"/>
+              <a:t>Rôles</a:t>
+            </a:r>
+            <a:r>
+              <a:rPr lang="en-US" dirty="0" smtClean="0"/>
+              <a:t> </a:t>
+            </a:r>
+            <a:r>
+              <a:rPr lang="en-US" dirty="0" err="1" smtClean="0"/>
+              <a:t>lors</a:t>
+            </a:r>
+            <a:r>
+              <a:rPr lang="en-US" dirty="0" smtClean="0"/>
+              <a:t> du </a:t>
+            </a:r>
+            <a:r>
+              <a:rPr lang="en-US" dirty="0" err="1" smtClean="0"/>
+              <a:t>développement</a:t>
+            </a:r>
+            <a:endParaRPr lang="fr-CH" dirty="0"/>
+          </a:p>
+        </p:txBody>
+      </p:sp>
+      <p:sp>
+        <p:nvSpPr>
+          <p:cNvPr id="3" name="Content Placeholder 2"/>
+          <p:cNvSpPr>
+            <a:spLocks noGrp="1"/>
+          </p:cNvSpPr>
+          <p:nvPr>
+            <p:ph idx="1"/>
+          </p:nvPr>
+        </p:nvSpPr>
+        <p:spPr>
+          <a:xfrm>
+            <a:off x="702039" y="1616946"/>
+            <a:ext cx="10353762" cy="4058751"/>
+          </a:xfrm>
+        </p:spPr>
+        <p:txBody>
+          <a:bodyPr/>
+          <a:lstStyle/>
+          <a:p>
+            <a:r>
+              <a:rPr lang="en-US" dirty="0" err="1" smtClean="0"/>
+              <a:t>Testeurs</a:t>
+            </a:r>
+            <a:r>
+              <a:rPr lang="en-US" dirty="0" smtClean="0"/>
+              <a:t> : Entourage, Archers et </a:t>
+            </a:r>
+            <a:r>
+              <a:rPr lang="en-US" dirty="0" err="1" smtClean="0"/>
+              <a:t>Moi-même</a:t>
+            </a:r>
+            <a:r>
+              <a:rPr lang="en-US" dirty="0" smtClean="0"/>
+              <a:t>	</a:t>
+            </a:r>
+          </a:p>
+          <a:p>
+            <a:endParaRPr lang="en-US" dirty="0"/>
+          </a:p>
+          <a:p>
+            <a:r>
+              <a:rPr lang="en-US" dirty="0" smtClean="0"/>
+              <a:t>Chef de </a:t>
+            </a:r>
+            <a:r>
+              <a:rPr lang="en-US" dirty="0" err="1" smtClean="0"/>
+              <a:t>projet</a:t>
+            </a:r>
+            <a:r>
+              <a:rPr lang="en-US" dirty="0" smtClean="0"/>
+              <a:t> : Stefano Nepa</a:t>
+            </a:r>
+          </a:p>
+          <a:p>
+            <a:pPr marL="36900" indent="0">
+              <a:buNone/>
+            </a:pPr>
+            <a:endParaRPr lang="en-US" dirty="0"/>
+          </a:p>
+          <a:p>
+            <a:r>
+              <a:rPr lang="en-US" dirty="0" err="1" smtClean="0"/>
+              <a:t>Développeur</a:t>
+            </a:r>
+            <a:r>
+              <a:rPr lang="en-US" dirty="0" smtClean="0"/>
+              <a:t> : </a:t>
+            </a:r>
+            <a:r>
+              <a:rPr lang="en-US" dirty="0" err="1" smtClean="0"/>
+              <a:t>Moi-même</a:t>
+            </a:r>
+            <a:endParaRPr lang="en-US" dirty="0" smtClean="0"/>
+          </a:p>
+          <a:p>
+            <a:endParaRPr lang="en-US" dirty="0" smtClean="0"/>
+          </a:p>
+          <a:p>
+            <a:r>
+              <a:rPr lang="en-US" dirty="0"/>
+              <a:t>Client : Stefano et </a:t>
+            </a:r>
+            <a:r>
+              <a:rPr lang="en-US" dirty="0" err="1"/>
+              <a:t>moi</a:t>
+            </a:r>
+            <a:r>
+              <a:rPr lang="en-US" dirty="0"/>
+              <a:t> </a:t>
+            </a:r>
+            <a:r>
+              <a:rPr lang="en-US" dirty="0" err="1"/>
+              <a:t>même</a:t>
+            </a:r>
+            <a:endParaRPr lang="en-US" dirty="0"/>
+          </a:p>
+          <a:p>
+            <a:endParaRPr lang="fr-CH" dirty="0"/>
+          </a:p>
+        </p:txBody>
+      </p:sp>
+    </p:spTree>
+    <p:extLst>
+      <p:ext uri="{BB962C8B-B14F-4D97-AF65-F5344CB8AC3E}">
+        <p14:creationId xmlns:p14="http://schemas.microsoft.com/office/powerpoint/2010/main" val="3202919036"/>
+      </p:ext>
+    </p:extLst>
+  </p:cSld>
+  <p:clrMapOvr>
+    <a:masterClrMapping/>
+  </p:clrMapOvr>
+</p:sld>
+</file>
+
+<file path=ppt/slides/slide13.xml><?xml version="1.0" encoding="utf-8"?>
 <p:sld xmlns:a="http://schemas.openxmlformats.org/drawingml/2006/main" xmlns:r="http://schemas.openxmlformats.org/officeDocument/2006/relationships" xmlns:p="http://schemas.openxmlformats.org/presentationml/2006/main">
   <p:cSld>
     <p:spTree>
@@ -6474,7 +7355,7 @@
         </p:nvSpPr>
         <p:spPr>
           <a:xfrm>
-            <a:off x="5824153" y="2034745"/>
+            <a:off x="5140760" y="2506383"/>
             <a:ext cx="2042983" cy="1145060"/>
           </a:xfrm>
           <a:prstGeom prst="rect">
@@ -6532,7 +7413,7 @@
         </p:nvCxnSpPr>
         <p:spPr>
           <a:xfrm>
-            <a:off x="4703281" y="1815587"/>
+            <a:off x="4019888" y="2287225"/>
             <a:ext cx="1120872" cy="791688"/>
           </a:xfrm>
           <a:prstGeom prst="line">
@@ -6565,7 +7446,7 @@
         </p:nvCxnSpPr>
         <p:spPr>
           <a:xfrm flipV="1">
-            <a:off x="7867136" y="1726417"/>
+            <a:off x="7183743" y="2198055"/>
             <a:ext cx="659027" cy="880858"/>
           </a:xfrm>
           <a:prstGeom prst="line">
@@ -6598,7 +7479,7 @@
         </p:nvCxnSpPr>
         <p:spPr>
           <a:xfrm>
-            <a:off x="6314303" y="1763929"/>
+            <a:off x="5630910" y="2235567"/>
             <a:ext cx="531342" cy="270816"/>
           </a:xfrm>
           <a:prstGeom prst="straightConnector1">
@@ -6634,7 +7515,7 @@
         </p:nvSpPr>
         <p:spPr>
           <a:xfrm>
-            <a:off x="5461686" y="1117598"/>
+            <a:off x="4778293" y="1589236"/>
             <a:ext cx="1705233" cy="646331"/>
           </a:xfrm>
           <a:prstGeom prst="rect">
@@ -6672,7 +7553,7 @@
         </p:nvGrpSpPr>
         <p:grpSpPr>
           <a:xfrm>
-            <a:off x="8526163" y="1219790"/>
+            <a:off x="7842770" y="1691428"/>
             <a:ext cx="1878227" cy="1996826"/>
             <a:chOff x="8979244" y="1372971"/>
             <a:chExt cx="1878227" cy="1996826"/>
@@ -6922,7 +7803,7 @@
         </p:nvGrpSpPr>
         <p:grpSpPr>
           <a:xfrm>
-            <a:off x="3344037" y="1267771"/>
+            <a:off x="2660644" y="1739409"/>
             <a:ext cx="2117648" cy="2419723"/>
             <a:chOff x="3344562" y="2314832"/>
             <a:chExt cx="2117648" cy="2419723"/>
@@ -7111,8 +7992,8 @@
         </p:nvCxnSpPr>
         <p:spPr>
           <a:xfrm>
-            <a:off x="6845645" y="3179805"/>
-            <a:ext cx="24135" cy="1001576"/>
+            <a:off x="6162252" y="3651443"/>
+            <a:ext cx="80626" cy="1076252"/>
           </a:xfrm>
           <a:prstGeom prst="straightConnector1">
             <a:avLst/>
@@ -7144,8 +8025,8 @@
         </p:nvSpPr>
         <p:spPr>
           <a:xfrm>
-            <a:off x="4883884" y="4181381"/>
-            <a:ext cx="3971792" cy="369332"/>
+            <a:off x="5661443" y="4727695"/>
+            <a:ext cx="1162870" cy="646331"/>
           </a:xfrm>
           <a:prstGeom prst="rect">
             <a:avLst/>
@@ -7169,18 +8050,6 @@
             <a:r>
               <a:rPr lang="en-US" dirty="0" err="1" smtClean="0"/>
               <a:t>serveur</a:t>
-            </a:r>
-            <a:r>
-              <a:rPr lang="en-US" dirty="0" smtClean="0"/>
-              <a:t> et </a:t>
-            </a:r>
-            <a:r>
-              <a:rPr lang="en-US" dirty="0" err="1" smtClean="0"/>
-              <a:t>ouvre</a:t>
-            </a:r>
-            <a:r>
-              <a:rPr lang="en-US" dirty="0" smtClean="0"/>
-              <a:t> un port</a:t>
             </a:r>
             <a:endParaRPr lang="fr-CH" dirty="0"/>
           </a:p>
@@ -7194,7 +8063,7 @@
         </p:nvCxnSpPr>
         <p:spPr>
           <a:xfrm flipV="1">
-            <a:off x="5247824" y="4832554"/>
+            <a:off x="4564431" y="5304192"/>
             <a:ext cx="1128585" cy="1021492"/>
           </a:xfrm>
           <a:prstGeom prst="straightConnector1">
@@ -7227,7 +8096,7 @@
         </p:nvCxnSpPr>
         <p:spPr>
           <a:xfrm flipV="1">
-            <a:off x="6009104" y="5013787"/>
+            <a:off x="5325711" y="5485425"/>
             <a:ext cx="535783" cy="840259"/>
           </a:xfrm>
           <a:prstGeom prst="straightConnector1">
@@ -7260,7 +8129,7 @@
         </p:nvCxnSpPr>
         <p:spPr>
           <a:xfrm flipH="1" flipV="1">
-            <a:off x="6886256" y="5013787"/>
+            <a:off x="6202863" y="5485425"/>
             <a:ext cx="17502" cy="928761"/>
           </a:xfrm>
           <a:prstGeom prst="straightConnector1">
@@ -7293,7 +8162,7 @@
         </p:nvCxnSpPr>
         <p:spPr>
           <a:xfrm flipH="1" flipV="1">
-            <a:off x="7100745" y="4933780"/>
+            <a:off x="6417352" y="5405418"/>
             <a:ext cx="475315" cy="762000"/>
           </a:xfrm>
           <a:prstGeom prst="straightConnector1">
@@ -7326,7 +8195,7 @@
         </p:nvCxnSpPr>
         <p:spPr>
           <a:xfrm flipH="1" flipV="1">
-            <a:off x="7310386" y="4915934"/>
+            <a:off x="6626993" y="5387572"/>
             <a:ext cx="659864" cy="741405"/>
           </a:xfrm>
           <a:prstGeom prst="straightConnector1">
@@ -7359,7 +8228,7 @@
         </p:nvSpPr>
         <p:spPr>
           <a:xfrm>
-            <a:off x="5946256" y="5130988"/>
+            <a:off x="7405932" y="5601752"/>
             <a:ext cx="1629804" cy="369332"/>
           </a:xfrm>
           <a:prstGeom prst="rect">
@@ -7380,6 +8249,265 @@
             <a:r>
               <a:rPr lang="en-US" dirty="0" smtClean="0"/>
               <a:t> client</a:t>
+            </a:r>
+            <a:endParaRPr lang="fr-CH" dirty="0"/>
+          </a:p>
+        </p:txBody>
+      </p:sp>
+      <p:sp>
+        <p:nvSpPr>
+          <p:cNvPr id="12" name="Oval 11"/>
+          <p:cNvSpPr/>
+          <p:nvPr/>
+        </p:nvSpPr>
+        <p:spPr>
+          <a:xfrm>
+            <a:off x="10120056" y="1623444"/>
+            <a:ext cx="1164657" cy="1149221"/>
+          </a:xfrm>
+          <a:prstGeom prst="ellipse">
+            <a:avLst/>
+          </a:prstGeom>
+        </p:spPr>
+        <p:style>
+          <a:lnRef idx="2">
+            <a:schemeClr val="accent1">
+              <a:shade val="50000"/>
+            </a:schemeClr>
+          </a:lnRef>
+          <a:fillRef idx="1">
+            <a:schemeClr val="accent1"/>
+          </a:fillRef>
+          <a:effectRef idx="0">
+            <a:schemeClr val="accent1"/>
+          </a:effectRef>
+          <a:fontRef idx="minor">
+            <a:schemeClr val="lt1"/>
+          </a:fontRef>
+        </p:style>
+        <p:txBody>
+          <a:bodyPr rtlCol="0" anchor="ctr"/>
+          <a:lstStyle/>
+          <a:p>
+            <a:pPr algn="ctr"/>
+            <a:r>
+              <a:rPr lang="en-US" dirty="0" smtClean="0"/>
+              <a:t>DB</a:t>
+            </a:r>
+            <a:endParaRPr lang="fr-CH" dirty="0"/>
+          </a:p>
+        </p:txBody>
+      </p:sp>
+      <p:cxnSp>
+        <p:nvCxnSpPr>
+          <p:cNvPr id="16" name="Elbow Connector 15"/>
+          <p:cNvCxnSpPr>
+            <a:stCxn id="44" idx="3"/>
+            <a:endCxn id="12" idx="4"/>
+          </p:cNvCxnSpPr>
+          <p:nvPr/>
+        </p:nvCxnSpPr>
+        <p:spPr>
+          <a:xfrm flipV="1">
+            <a:off x="8811032" y="2772665"/>
+            <a:ext cx="1891353" cy="449030"/>
+          </a:xfrm>
+          <a:prstGeom prst="bentConnector2">
+            <a:avLst/>
+          </a:prstGeom>
+          <a:ln>
+            <a:tailEnd type="triangle"/>
+          </a:ln>
+        </p:spPr>
+        <p:style>
+          <a:lnRef idx="1">
+            <a:schemeClr val="accent1"/>
+          </a:lnRef>
+          <a:fillRef idx="0">
+            <a:schemeClr val="accent1"/>
+          </a:fillRef>
+          <a:effectRef idx="0">
+            <a:schemeClr val="accent1"/>
+          </a:effectRef>
+          <a:fontRef idx="minor">
+            <a:schemeClr val="tx1"/>
+          </a:fontRef>
+        </p:style>
+      </p:cxnSp>
+      <p:sp>
+        <p:nvSpPr>
+          <p:cNvPr id="18" name="Oval 17"/>
+          <p:cNvSpPr/>
+          <p:nvPr/>
+        </p:nvSpPr>
+        <p:spPr>
+          <a:xfrm>
+            <a:off x="490888" y="914400"/>
+            <a:ext cx="961310" cy="998001"/>
+          </a:xfrm>
+          <a:prstGeom prst="ellipse">
+            <a:avLst/>
+          </a:prstGeom>
+        </p:spPr>
+        <p:style>
+          <a:lnRef idx="2">
+            <a:schemeClr val="accent1">
+              <a:shade val="50000"/>
+            </a:schemeClr>
+          </a:lnRef>
+          <a:fillRef idx="1">
+            <a:schemeClr val="accent1"/>
+          </a:fillRef>
+          <a:effectRef idx="0">
+            <a:schemeClr val="accent1"/>
+          </a:effectRef>
+          <a:fontRef idx="minor">
+            <a:schemeClr val="lt1"/>
+          </a:fontRef>
+        </p:style>
+        <p:txBody>
+          <a:bodyPr rtlCol="0" anchor="ctr"/>
+          <a:lstStyle/>
+          <a:p>
+            <a:pPr algn="ctr"/>
+            <a:r>
+              <a:rPr lang="en-US" dirty="0" err="1" smtClean="0"/>
+              <a:t>Vue</a:t>
+            </a:r>
+            <a:endParaRPr lang="fr-CH" dirty="0"/>
+          </a:p>
+        </p:txBody>
+      </p:sp>
+      <p:cxnSp>
+        <p:nvCxnSpPr>
+          <p:cNvPr id="39" name="Elbow Connector 38"/>
+          <p:cNvCxnSpPr>
+            <a:endCxn id="40" idx="1"/>
+          </p:cNvCxnSpPr>
+          <p:nvPr/>
+        </p:nvCxnSpPr>
+        <p:spPr>
+          <a:xfrm rot="16200000" flipH="1">
+            <a:off x="429920" y="1708399"/>
+            <a:ext cx="624812" cy="354500"/>
+          </a:xfrm>
+          <a:prstGeom prst="bentConnector2">
+            <a:avLst/>
+          </a:prstGeom>
+          <a:ln>
+            <a:tailEnd type="triangle"/>
+          </a:ln>
+        </p:spPr>
+        <p:style>
+          <a:lnRef idx="1">
+            <a:schemeClr val="accent1"/>
+          </a:lnRef>
+          <a:fillRef idx="0">
+            <a:schemeClr val="accent1"/>
+          </a:fillRef>
+          <a:effectRef idx="0">
+            <a:schemeClr val="accent1"/>
+          </a:effectRef>
+          <a:fontRef idx="minor">
+            <a:schemeClr val="tx1"/>
+          </a:fontRef>
+        </p:style>
+      </p:cxnSp>
+      <p:sp>
+        <p:nvSpPr>
+          <p:cNvPr id="40" name="TextBox 39"/>
+          <p:cNvSpPr txBox="1"/>
+          <p:nvPr/>
+        </p:nvSpPr>
+        <p:spPr>
+          <a:xfrm>
+            <a:off x="919576" y="2013389"/>
+            <a:ext cx="458780" cy="369332"/>
+          </a:xfrm>
+          <a:prstGeom prst="rect">
+            <a:avLst/>
+          </a:prstGeom>
+          <a:noFill/>
+        </p:spPr>
+        <p:txBody>
+          <a:bodyPr wrap="none" rtlCol="0">
+            <a:spAutoFit/>
+          </a:bodyPr>
+          <a:lstStyle/>
+          <a:p>
+            <a:r>
+              <a:rPr lang="en-US" dirty="0" err="1" smtClean="0"/>
+              <a:t>src</a:t>
+            </a:r>
+            <a:endParaRPr lang="en-US" dirty="0" smtClean="0"/>
+          </a:p>
+        </p:txBody>
+      </p:sp>
+      <p:cxnSp>
+        <p:nvCxnSpPr>
+          <p:cNvPr id="20" name="Straight Arrow Connector 19"/>
+          <p:cNvCxnSpPr>
+            <a:stCxn id="18" idx="6"/>
+            <a:endCxn id="5" idx="1"/>
+          </p:cNvCxnSpPr>
+          <p:nvPr/>
+        </p:nvCxnSpPr>
+        <p:spPr>
+          <a:xfrm>
+            <a:off x="1452198" y="1413401"/>
+            <a:ext cx="1407503" cy="486460"/>
+          </a:xfrm>
+          <a:prstGeom prst="straightConnector1">
+            <a:avLst/>
+          </a:prstGeom>
+          <a:ln>
+            <a:tailEnd type="triangle"/>
+          </a:ln>
+        </p:spPr>
+        <p:style>
+          <a:lnRef idx="1">
+            <a:schemeClr val="accent1"/>
+          </a:lnRef>
+          <a:fillRef idx="0">
+            <a:schemeClr val="accent1"/>
+          </a:fillRef>
+          <a:effectRef idx="0">
+            <a:schemeClr val="accent1"/>
+          </a:effectRef>
+          <a:fontRef idx="minor">
+            <a:schemeClr val="tx1"/>
+          </a:fontRef>
+        </p:style>
+      </p:cxnSp>
+      <p:sp>
+        <p:nvSpPr>
+          <p:cNvPr id="21" name="TextBox 20"/>
+          <p:cNvSpPr txBox="1"/>
+          <p:nvPr/>
+        </p:nvSpPr>
+        <p:spPr>
+          <a:xfrm rot="1195917">
+            <a:off x="1463944" y="1152375"/>
+            <a:ext cx="2254660" cy="369332"/>
+          </a:xfrm>
+          <a:prstGeom prst="rect">
+            <a:avLst/>
+          </a:prstGeom>
+          <a:noFill/>
+        </p:spPr>
+        <p:txBody>
+          <a:bodyPr wrap="square" rtlCol="0">
+            <a:spAutoFit/>
+          </a:bodyPr>
+          <a:lstStyle/>
+          <a:p>
+            <a:r>
+              <a:rPr lang="en-US" dirty="0" err="1" smtClean="0"/>
+              <a:t>Compilé</a:t>
+            </a:r>
+            <a:r>
+              <a:rPr lang="en-US" dirty="0" smtClean="0"/>
+              <a:t> (webpack)</a:t>
             </a:r>
             <a:endParaRPr lang="fr-CH" dirty="0"/>
           </a:p>
@@ -7427,28 +8555,310 @@
         </p:nvSpPr>
         <p:spPr>
           <a:xfrm>
-            <a:off x="3039764" y="2926993"/>
-            <a:ext cx="6153664" cy="777220"/>
-          </a:xfrm>
-        </p:spPr>
-        <p:txBody>
-          <a:bodyPr>
-            <a:normAutofit/>
-          </a:bodyPr>
+            <a:off x="0" y="0"/>
+            <a:ext cx="6217920" cy="866274"/>
+          </a:xfrm>
+        </p:spPr>
+        <p:txBody>
+          <a:bodyPr/>
           <a:lstStyle/>
           <a:p>
             <a:pPr algn="l"/>
             <a:r>
+              <a:rPr lang="en-US" dirty="0" smtClean="0"/>
+              <a:t>ExpressJS </a:t>
+            </a:r>
+            <a:r>
               <a:rPr lang="en-US" dirty="0" err="1" smtClean="0"/>
-              <a:t>Processus</a:t>
+              <a:t>routage</a:t>
             </a:r>
             <a:r>
               <a:rPr lang="en-US" dirty="0" smtClean="0"/>
               <a:t> </a:t>
             </a:r>
             <a:r>
+              <a:rPr lang="en-US" i="1" dirty="0" smtClean="0"/>
+              <a:t>backend</a:t>
+            </a:r>
+            <a:endParaRPr lang="fr-CH" i="1" dirty="0"/>
+          </a:p>
+        </p:txBody>
+      </p:sp>
+      <p:cxnSp>
+        <p:nvCxnSpPr>
+          <p:cNvPr id="5" name="Straight Arrow Connector 4"/>
+          <p:cNvCxnSpPr>
+            <a:stCxn id="12" idx="6"/>
+            <a:endCxn id="10" idx="2"/>
+          </p:cNvCxnSpPr>
+          <p:nvPr/>
+        </p:nvCxnSpPr>
+        <p:spPr>
+          <a:xfrm flipV="1">
+            <a:off x="4822257" y="2616286"/>
+            <a:ext cx="2521819" cy="1012439"/>
+          </a:xfrm>
+          <a:prstGeom prst="straightConnector1">
+            <a:avLst/>
+          </a:prstGeom>
+          <a:ln>
+            <a:tailEnd type="triangle"/>
+          </a:ln>
+        </p:spPr>
+        <p:style>
+          <a:lnRef idx="1">
+            <a:schemeClr val="accent1"/>
+          </a:lnRef>
+          <a:fillRef idx="0">
+            <a:schemeClr val="accent1"/>
+          </a:fillRef>
+          <a:effectRef idx="0">
+            <a:schemeClr val="accent1"/>
+          </a:effectRef>
+          <a:fontRef idx="minor">
+            <a:schemeClr val="tx1"/>
+          </a:fontRef>
+        </p:style>
+      </p:cxnSp>
+      <p:cxnSp>
+        <p:nvCxnSpPr>
+          <p:cNvPr id="6" name="Straight Arrow Connector 5"/>
+          <p:cNvCxnSpPr>
+            <a:stCxn id="12" idx="6"/>
+            <a:endCxn id="11" idx="2"/>
+          </p:cNvCxnSpPr>
+          <p:nvPr/>
+        </p:nvCxnSpPr>
+        <p:spPr>
+          <a:xfrm>
+            <a:off x="4822257" y="3628725"/>
+            <a:ext cx="2521819" cy="1145405"/>
+          </a:xfrm>
+          <a:prstGeom prst="straightConnector1">
+            <a:avLst/>
+          </a:prstGeom>
+          <a:ln>
+            <a:tailEnd type="triangle"/>
+          </a:ln>
+        </p:spPr>
+        <p:style>
+          <a:lnRef idx="1">
+            <a:schemeClr val="accent1"/>
+          </a:lnRef>
+          <a:fillRef idx="0">
+            <a:schemeClr val="accent1"/>
+          </a:fillRef>
+          <a:effectRef idx="0">
+            <a:schemeClr val="accent1"/>
+          </a:effectRef>
+          <a:fontRef idx="minor">
+            <a:schemeClr val="tx1"/>
+          </a:fontRef>
+        </p:style>
+      </p:cxnSp>
+      <p:sp>
+        <p:nvSpPr>
+          <p:cNvPr id="7" name="TextBox 6"/>
+          <p:cNvSpPr txBox="1"/>
+          <p:nvPr/>
+        </p:nvSpPr>
+        <p:spPr>
+          <a:xfrm rot="20185048">
+            <a:off x="5726268" y="2672252"/>
+            <a:ext cx="958917" cy="369332"/>
+          </a:xfrm>
+          <a:prstGeom prst="rect">
+            <a:avLst/>
+          </a:prstGeom>
+          <a:noFill/>
+        </p:spPr>
+        <p:txBody>
+          <a:bodyPr wrap="none" rtlCol="0">
+            <a:spAutoFit/>
+          </a:bodyPr>
+          <a:lstStyle/>
+          <a:p>
+            <a:r>
               <a:rPr lang="en-US" dirty="0" smtClean="0"/>
-              <a:t>Authentification</a:t>
+              <a:t>/</a:t>
+            </a:r>
+            <a:r>
+              <a:rPr lang="en-US" dirty="0" err="1" smtClean="0"/>
+              <a:t>api</a:t>
+            </a:r>
+            <a:r>
+              <a:rPr lang="en-US" dirty="0" smtClean="0"/>
+              <a:t>/…</a:t>
+            </a:r>
+            <a:endParaRPr lang="fr-CH" dirty="0"/>
+          </a:p>
+        </p:txBody>
+      </p:sp>
+      <p:sp>
+        <p:nvSpPr>
+          <p:cNvPr id="9" name="TextBox 8"/>
+          <p:cNvSpPr txBox="1"/>
+          <p:nvPr/>
+        </p:nvSpPr>
+        <p:spPr>
+          <a:xfrm rot="1568273">
+            <a:off x="5706869" y="4201427"/>
+            <a:ext cx="306494" cy="369332"/>
+          </a:xfrm>
+          <a:prstGeom prst="rect">
+            <a:avLst/>
+          </a:prstGeom>
+          <a:noFill/>
+        </p:spPr>
+        <p:txBody>
+          <a:bodyPr wrap="none" rtlCol="0">
+            <a:spAutoFit/>
+          </a:bodyPr>
+          <a:lstStyle/>
+          <a:p>
+            <a:r>
+              <a:rPr lang="en-US" dirty="0" smtClean="0"/>
+              <a:t>/</a:t>
+            </a:r>
+            <a:endParaRPr lang="fr-CH" dirty="0"/>
+          </a:p>
+        </p:txBody>
+      </p:sp>
+      <p:sp>
+        <p:nvSpPr>
+          <p:cNvPr id="10" name="Oval 9"/>
+          <p:cNvSpPr/>
+          <p:nvPr/>
+        </p:nvSpPr>
+        <p:spPr>
+          <a:xfrm>
+            <a:off x="7344076" y="2133236"/>
+            <a:ext cx="1318661" cy="966099"/>
+          </a:xfrm>
+          <a:prstGeom prst="ellipse">
+            <a:avLst/>
+          </a:prstGeom>
+        </p:spPr>
+        <p:style>
+          <a:lnRef idx="2">
+            <a:schemeClr val="accent1">
+              <a:shade val="50000"/>
+            </a:schemeClr>
+          </a:lnRef>
+          <a:fillRef idx="1">
+            <a:schemeClr val="accent1"/>
+          </a:fillRef>
+          <a:effectRef idx="0">
+            <a:schemeClr val="accent1"/>
+          </a:effectRef>
+          <a:fontRef idx="minor">
+            <a:schemeClr val="lt1"/>
+          </a:fontRef>
+        </p:style>
+        <p:txBody>
+          <a:bodyPr rtlCol="0" anchor="ctr"/>
+          <a:lstStyle/>
+          <a:p>
+            <a:pPr algn="ctr"/>
+            <a:r>
+              <a:rPr lang="en-US" dirty="0" smtClean="0"/>
+              <a:t>API</a:t>
+            </a:r>
+            <a:endParaRPr lang="fr-CH" dirty="0"/>
+          </a:p>
+        </p:txBody>
+      </p:sp>
+      <p:sp>
+        <p:nvSpPr>
+          <p:cNvPr id="11" name="Oval 10"/>
+          <p:cNvSpPr/>
+          <p:nvPr/>
+        </p:nvSpPr>
+        <p:spPr>
+          <a:xfrm>
+            <a:off x="7344076" y="4263991"/>
+            <a:ext cx="1193533" cy="1020278"/>
+          </a:xfrm>
+          <a:prstGeom prst="ellipse">
+            <a:avLst/>
+          </a:prstGeom>
+        </p:spPr>
+        <p:style>
+          <a:lnRef idx="2">
+            <a:schemeClr val="accent1">
+              <a:shade val="50000"/>
+            </a:schemeClr>
+          </a:lnRef>
+          <a:fillRef idx="1">
+            <a:schemeClr val="accent1"/>
+          </a:fillRef>
+          <a:effectRef idx="0">
+            <a:schemeClr val="accent1"/>
+          </a:effectRef>
+          <a:fontRef idx="minor">
+            <a:schemeClr val="lt1"/>
+          </a:fontRef>
+        </p:style>
+        <p:txBody>
+          <a:bodyPr rtlCol="0" anchor="ctr"/>
+          <a:lstStyle/>
+          <a:p>
+            <a:pPr algn="ctr"/>
+            <a:r>
+              <a:rPr lang="en-US" dirty="0" err="1" smtClean="0"/>
+              <a:t>Vue</a:t>
+            </a:r>
+            <a:r>
+              <a:rPr lang="en-US" dirty="0" smtClean="0"/>
+              <a:t> SPA</a:t>
+            </a:r>
+            <a:endParaRPr lang="fr-CH" dirty="0"/>
+          </a:p>
+        </p:txBody>
+      </p:sp>
+      <p:sp>
+        <p:nvSpPr>
+          <p:cNvPr id="12" name="Oval 11"/>
+          <p:cNvSpPr/>
+          <p:nvPr/>
+        </p:nvSpPr>
+        <p:spPr>
+          <a:xfrm>
+            <a:off x="3378467" y="2964581"/>
+            <a:ext cx="1443790" cy="1328287"/>
+          </a:xfrm>
+          <a:prstGeom prst="ellipse">
+            <a:avLst/>
+          </a:prstGeom>
+        </p:spPr>
+        <p:style>
+          <a:lnRef idx="2">
+            <a:schemeClr val="accent1">
+              <a:shade val="50000"/>
+            </a:schemeClr>
+          </a:lnRef>
+          <a:fillRef idx="1">
+            <a:schemeClr val="accent1"/>
+          </a:fillRef>
+          <a:effectRef idx="0">
+            <a:schemeClr val="accent1"/>
+          </a:effectRef>
+          <a:fontRef idx="minor">
+            <a:schemeClr val="lt1"/>
+          </a:fontRef>
+        </p:style>
+        <p:txBody>
+          <a:bodyPr rtlCol="0" anchor="ctr"/>
+          <a:lstStyle/>
+          <a:p>
+            <a:pPr algn="ctr"/>
+            <a:r>
+              <a:rPr lang="en-US" dirty="0" err="1" smtClean="0"/>
+              <a:t>Serveur</a:t>
+            </a:r>
+            <a:r>
+              <a:rPr lang="en-US" dirty="0" smtClean="0"/>
+              <a:t> Express</a:t>
             </a:r>
             <a:endParaRPr lang="fr-CH" dirty="0"/>
           </a:p>
@@ -7457,7 +8867,7 @@
     </p:spTree>
     <p:extLst>
       <p:ext uri="{BB962C8B-B14F-4D97-AF65-F5344CB8AC3E}">
-        <p14:creationId xmlns:p14="http://schemas.microsoft.com/office/powerpoint/2010/main" val="3291994947"/>
+        <p14:creationId xmlns:p14="http://schemas.microsoft.com/office/powerpoint/2010/main" val="2571070811"/>
       </p:ext>
     </p:extLst>
   </p:cSld>
@@ -7496,45 +8906,20 @@
         </p:nvSpPr>
         <p:spPr>
           <a:xfrm>
-            <a:off x="0" y="16113"/>
-            <a:ext cx="9404723" cy="848860"/>
-          </a:xfrm>
-        </p:spPr>
-        <p:txBody>
-          <a:bodyPr/>
+            <a:off x="2385247" y="2946243"/>
+            <a:ext cx="7365145" cy="777220"/>
+          </a:xfrm>
+        </p:spPr>
+        <p:txBody>
+          <a:bodyPr>
+            <a:normAutofit fontScale="90000"/>
+          </a:bodyPr>
           <a:lstStyle/>
           <a:p>
             <a:pPr algn="l"/>
             <a:r>
-              <a:rPr lang="en-US" dirty="0" smtClean="0"/>
-              <a:t>VueX</a:t>
-            </a:r>
-            <a:endParaRPr lang="fr-CH" dirty="0"/>
-          </a:p>
-        </p:txBody>
-      </p:sp>
-      <p:sp>
-        <p:nvSpPr>
-          <p:cNvPr id="3" name="Content Placeholder 2"/>
-          <p:cNvSpPr>
-            <a:spLocks noGrp="1"/>
-          </p:cNvSpPr>
-          <p:nvPr>
-            <p:ph idx="1"/>
-          </p:nvPr>
-        </p:nvSpPr>
-        <p:spPr/>
-        <p:txBody>
-          <a:bodyPr/>
-          <a:lstStyle/>
-          <a:p>
-            <a:r>
-              <a:rPr lang="en-US" dirty="0" smtClean="0"/>
-              <a:t>VueX et Flux : Gestion de </a:t>
-            </a:r>
-            <a:r>
               <a:rPr lang="en-US" dirty="0" err="1" smtClean="0"/>
-              <a:t>données</a:t>
+              <a:t>Processus</a:t>
             </a:r>
             <a:r>
               <a:rPr lang="en-US" dirty="0" smtClean="0"/>
@@ -7542,22 +8927,24 @@
             </a:r>
             <a:r>
               <a:rPr lang="en-US" dirty="0" err="1" smtClean="0"/>
-              <a:t>réactives</a:t>
-            </a:r>
-            <a:endParaRPr lang="en-US" dirty="0" smtClean="0"/>
-          </a:p>
-          <a:p>
-            <a:endParaRPr lang="en-US" dirty="0" smtClean="0"/>
-          </a:p>
-          <a:p>
-            <a:endParaRPr lang="fr-CH" dirty="0"/>
+              <a:t>d’authentification</a:t>
+            </a:r>
+            <a:r>
+              <a:rPr lang="en-US" dirty="0" smtClean="0"/>
+              <a:t> </a:t>
+            </a:r>
+            <a:r>
+              <a:rPr lang="en-US" i="1" dirty="0" smtClean="0"/>
+              <a:t>Frontend</a:t>
+            </a:r>
+            <a:endParaRPr lang="fr-CH" i="1" dirty="0"/>
           </a:p>
         </p:txBody>
       </p:sp>
     </p:spTree>
     <p:extLst>
       <p:ext uri="{BB962C8B-B14F-4D97-AF65-F5344CB8AC3E}">
-        <p14:creationId xmlns:p14="http://schemas.microsoft.com/office/powerpoint/2010/main" val="3176606928"/>
+        <p14:creationId xmlns:p14="http://schemas.microsoft.com/office/powerpoint/2010/main" val="3291994947"/>
       </p:ext>
     </p:extLst>
   </p:cSld>
@@ -7596,8 +8983,8 @@
         </p:nvSpPr>
         <p:spPr>
           <a:xfrm>
-            <a:off x="1" y="0"/>
-            <a:ext cx="4069492" cy="724930"/>
+            <a:off x="0" y="16113"/>
+            <a:ext cx="9404723" cy="848860"/>
           </a:xfrm>
         </p:spPr>
         <p:txBody>
@@ -7606,28 +8993,679 @@
           <a:p>
             <a:pPr algn="l"/>
             <a:r>
+              <a:rPr lang="en-US" dirty="0" smtClean="0"/>
+              <a:t>VueX</a:t>
+            </a:r>
+            <a:endParaRPr lang="fr-CH" dirty="0"/>
+          </a:p>
+        </p:txBody>
+      </p:sp>
+      <p:sp>
+        <p:nvSpPr>
+          <p:cNvPr id="3" name="Content Placeholder 2"/>
+          <p:cNvSpPr>
+            <a:spLocks noGrp="1"/>
+          </p:cNvSpPr>
+          <p:nvPr>
+            <p:ph idx="1"/>
+          </p:nvPr>
+        </p:nvSpPr>
+        <p:spPr>
+          <a:xfrm>
+            <a:off x="817543" y="1064647"/>
+            <a:ext cx="4947990" cy="1097378"/>
+          </a:xfrm>
+        </p:spPr>
+        <p:txBody>
+          <a:bodyPr/>
+          <a:lstStyle/>
+          <a:p>
+            <a:r>
+              <a:rPr lang="en-US" dirty="0" smtClean="0"/>
+              <a:t>VueX et Flux : Gestion de </a:t>
+            </a:r>
+            <a:r>
               <a:rPr lang="en-US" dirty="0" err="1" smtClean="0"/>
-              <a:t>Cheminement</a:t>
-            </a:r>
+              <a:t>données</a:t>
+            </a:r>
+            <a:r>
+              <a:rPr lang="en-US" dirty="0" smtClean="0"/>
+              <a:t> </a:t>
+            </a:r>
+            <a:r>
+              <a:rPr lang="en-US" dirty="0" err="1" smtClean="0"/>
+              <a:t>réactives</a:t>
+            </a:r>
+            <a:endParaRPr lang="en-US" dirty="0" smtClean="0"/>
+          </a:p>
+          <a:p>
+            <a:endParaRPr lang="en-US" dirty="0" smtClean="0"/>
+          </a:p>
+          <a:p>
             <a:endParaRPr lang="fr-CH" dirty="0"/>
           </a:p>
         </p:txBody>
       </p:sp>
       <p:sp>
         <p:nvSpPr>
-          <p:cNvPr id="3" name="Content Placeholder 2"/>
-          <p:cNvSpPr>
-            <a:spLocks noGrp="1"/>
-          </p:cNvSpPr>
-          <p:nvPr>
-            <p:ph idx="1"/>
-          </p:nvPr>
-        </p:nvSpPr>
-        <p:spPr/>
-        <p:txBody>
-          <a:bodyPr/>
-          <a:lstStyle/>
-          <a:p>
+          <p:cNvPr id="5" name="Rounded Rectangle 4"/>
+          <p:cNvSpPr/>
+          <p:nvPr/>
+        </p:nvSpPr>
+        <p:spPr>
+          <a:xfrm>
+            <a:off x="1474768" y="3402470"/>
+            <a:ext cx="2656573" cy="866274"/>
+          </a:xfrm>
+          <a:prstGeom prst="roundRect">
+            <a:avLst/>
+          </a:prstGeom>
+          <a:solidFill>
+            <a:srgbClr val="026E00"/>
+          </a:solidFill>
+          <a:ln>
+            <a:noFill/>
+          </a:ln>
+        </p:spPr>
+        <p:style>
+          <a:lnRef idx="2">
+            <a:schemeClr val="accent1">
+              <a:shade val="50000"/>
+            </a:schemeClr>
+          </a:lnRef>
+          <a:fillRef idx="1">
+            <a:schemeClr val="accent1"/>
+          </a:fillRef>
+          <a:effectRef idx="0">
+            <a:schemeClr val="accent1"/>
+          </a:effectRef>
+          <a:fontRef idx="minor">
+            <a:schemeClr val="lt1"/>
+          </a:fontRef>
+        </p:style>
+        <p:txBody>
+          <a:bodyPr rtlCol="0" anchor="ctr"/>
+          <a:lstStyle/>
+          <a:p>
+            <a:pPr algn="ctr"/>
+            <a:r>
+              <a:rPr lang="en-US" dirty="0" err="1" smtClean="0"/>
+              <a:t>Vue</a:t>
+            </a:r>
+            <a:r>
+              <a:rPr lang="en-US" dirty="0" smtClean="0"/>
+              <a:t> Components</a:t>
+            </a:r>
+            <a:endParaRPr lang="fr-CH" dirty="0"/>
+          </a:p>
+        </p:txBody>
+      </p:sp>
+      <p:sp>
+        <p:nvSpPr>
+          <p:cNvPr id="6" name="Oval 5"/>
+          <p:cNvSpPr/>
+          <p:nvPr/>
+        </p:nvSpPr>
+        <p:spPr>
+          <a:xfrm>
+            <a:off x="6429676" y="2300438"/>
+            <a:ext cx="1366787" cy="1116530"/>
+          </a:xfrm>
+          <a:prstGeom prst="ellipse">
+            <a:avLst/>
+          </a:prstGeom>
+        </p:spPr>
+        <p:style>
+          <a:lnRef idx="2">
+            <a:schemeClr val="accent1">
+              <a:shade val="50000"/>
+            </a:schemeClr>
+          </a:lnRef>
+          <a:fillRef idx="1">
+            <a:schemeClr val="accent1"/>
+          </a:fillRef>
+          <a:effectRef idx="0">
+            <a:schemeClr val="accent1"/>
+          </a:effectRef>
+          <a:fontRef idx="minor">
+            <a:schemeClr val="lt1"/>
+          </a:fontRef>
+        </p:style>
+        <p:txBody>
+          <a:bodyPr rtlCol="0" anchor="ctr"/>
+          <a:lstStyle/>
+          <a:p>
+            <a:pPr algn="ctr"/>
+            <a:r>
+              <a:rPr lang="en-US" dirty="0" smtClean="0"/>
+              <a:t>Actions</a:t>
+            </a:r>
+            <a:endParaRPr lang="fr-CH" dirty="0"/>
+          </a:p>
+        </p:txBody>
+      </p:sp>
+      <p:sp>
+        <p:nvSpPr>
+          <p:cNvPr id="7" name="Oval 6"/>
+          <p:cNvSpPr/>
+          <p:nvPr/>
+        </p:nvSpPr>
+        <p:spPr>
+          <a:xfrm>
+            <a:off x="9124749" y="3416968"/>
+            <a:ext cx="1689233" cy="1501541"/>
+          </a:xfrm>
+          <a:prstGeom prst="ellipse">
+            <a:avLst/>
+          </a:prstGeom>
+        </p:spPr>
+        <p:style>
+          <a:lnRef idx="2">
+            <a:schemeClr val="accent1">
+              <a:shade val="50000"/>
+            </a:schemeClr>
+          </a:lnRef>
+          <a:fillRef idx="1">
+            <a:schemeClr val="accent1"/>
+          </a:fillRef>
+          <a:effectRef idx="0">
+            <a:schemeClr val="accent1"/>
+          </a:effectRef>
+          <a:fontRef idx="minor">
+            <a:schemeClr val="lt1"/>
+          </a:fontRef>
+        </p:style>
+        <p:txBody>
+          <a:bodyPr rtlCol="0" anchor="ctr"/>
+          <a:lstStyle/>
+          <a:p>
+            <a:pPr algn="ctr"/>
+            <a:r>
+              <a:rPr lang="en-US" dirty="0" smtClean="0"/>
+              <a:t>Mutations</a:t>
+            </a:r>
+            <a:endParaRPr lang="fr-CH" dirty="0"/>
+          </a:p>
+        </p:txBody>
+      </p:sp>
+      <p:sp>
+        <p:nvSpPr>
+          <p:cNvPr id="8" name="Oval 7"/>
+          <p:cNvSpPr/>
+          <p:nvPr/>
+        </p:nvSpPr>
+        <p:spPr>
+          <a:xfrm>
+            <a:off x="6506677" y="4515549"/>
+            <a:ext cx="1270535" cy="1188324"/>
+          </a:xfrm>
+          <a:prstGeom prst="ellipse">
+            <a:avLst/>
+          </a:prstGeom>
+        </p:spPr>
+        <p:style>
+          <a:lnRef idx="2">
+            <a:schemeClr val="accent1">
+              <a:shade val="50000"/>
+            </a:schemeClr>
+          </a:lnRef>
+          <a:fillRef idx="1">
+            <a:schemeClr val="accent1"/>
+          </a:fillRef>
+          <a:effectRef idx="0">
+            <a:schemeClr val="accent1"/>
+          </a:effectRef>
+          <a:fontRef idx="minor">
+            <a:schemeClr val="lt1"/>
+          </a:fontRef>
+        </p:style>
+        <p:txBody>
+          <a:bodyPr rtlCol="0" anchor="ctr"/>
+          <a:lstStyle/>
+          <a:p>
+            <a:pPr algn="ctr"/>
+            <a:r>
+              <a:rPr lang="en-US" dirty="0" smtClean="0"/>
+              <a:t>State</a:t>
+            </a:r>
+            <a:endParaRPr lang="fr-CH" dirty="0"/>
+          </a:p>
+        </p:txBody>
+      </p:sp>
+      <p:sp>
+        <p:nvSpPr>
+          <p:cNvPr id="9" name="Rounded Rectangle 8"/>
+          <p:cNvSpPr/>
+          <p:nvPr/>
+        </p:nvSpPr>
+        <p:spPr>
+          <a:xfrm>
+            <a:off x="6256420" y="1963554"/>
+            <a:ext cx="4706755" cy="4206240"/>
+          </a:xfrm>
+          <a:prstGeom prst="roundRect">
+            <a:avLst/>
+          </a:prstGeom>
+          <a:noFill/>
+          <a:ln w="28575">
+            <a:solidFill>
+              <a:srgbClr val="026E00"/>
+            </a:solidFill>
+            <a:prstDash val="sysDash"/>
+          </a:ln>
+        </p:spPr>
+        <p:style>
+          <a:lnRef idx="2">
+            <a:schemeClr val="accent1">
+              <a:shade val="50000"/>
+            </a:schemeClr>
+          </a:lnRef>
+          <a:fillRef idx="1">
+            <a:schemeClr val="accent1"/>
+          </a:fillRef>
+          <a:effectRef idx="0">
+            <a:schemeClr val="accent1"/>
+          </a:effectRef>
+          <a:fontRef idx="minor">
+            <a:schemeClr val="lt1"/>
+          </a:fontRef>
+        </p:style>
+        <p:txBody>
+          <a:bodyPr rtlCol="0" anchor="ctr"/>
+          <a:lstStyle/>
+          <a:p>
+            <a:pPr algn="ctr"/>
+            <a:endParaRPr lang="fr-CH"/>
+          </a:p>
+        </p:txBody>
+      </p:sp>
+      <p:sp>
+        <p:nvSpPr>
+          <p:cNvPr id="10" name="TextBox 9"/>
+          <p:cNvSpPr txBox="1"/>
+          <p:nvPr/>
+        </p:nvSpPr>
+        <p:spPr>
+          <a:xfrm>
+            <a:off x="9598269" y="1594222"/>
+            <a:ext cx="742191" cy="369332"/>
+          </a:xfrm>
+          <a:prstGeom prst="rect">
+            <a:avLst/>
+          </a:prstGeom>
+          <a:noFill/>
+        </p:spPr>
+        <p:txBody>
+          <a:bodyPr wrap="none" rtlCol="0">
+            <a:spAutoFit/>
+          </a:bodyPr>
+          <a:lstStyle/>
+          <a:p>
+            <a:r>
+              <a:rPr lang="en-US" dirty="0" smtClean="0"/>
+              <a:t>VueX</a:t>
+            </a:r>
+            <a:endParaRPr lang="fr-CH" dirty="0"/>
+          </a:p>
+        </p:txBody>
+      </p:sp>
+      <p:cxnSp>
+        <p:nvCxnSpPr>
+          <p:cNvPr id="12" name="Elbow Connector 11"/>
+          <p:cNvCxnSpPr>
+            <a:stCxn id="5" idx="0"/>
+            <a:endCxn id="6" idx="2"/>
+          </p:cNvCxnSpPr>
+          <p:nvPr/>
+        </p:nvCxnSpPr>
+        <p:spPr>
+          <a:xfrm rot="5400000" flipH="1" flipV="1">
+            <a:off x="4344482" y="1317277"/>
+            <a:ext cx="543767" cy="3626621"/>
+          </a:xfrm>
+          <a:prstGeom prst="bentConnector2">
+            <a:avLst/>
+          </a:prstGeom>
+          <a:ln>
+            <a:tailEnd type="triangle"/>
+          </a:ln>
+        </p:spPr>
+        <p:style>
+          <a:lnRef idx="1">
+            <a:schemeClr val="accent1"/>
+          </a:lnRef>
+          <a:fillRef idx="0">
+            <a:schemeClr val="accent1"/>
+          </a:fillRef>
+          <a:effectRef idx="0">
+            <a:schemeClr val="accent1"/>
+          </a:effectRef>
+          <a:fontRef idx="minor">
+            <a:schemeClr val="tx1"/>
+          </a:fontRef>
+        </p:style>
+      </p:cxnSp>
+      <p:cxnSp>
+        <p:nvCxnSpPr>
+          <p:cNvPr id="14" name="Elbow Connector 13"/>
+          <p:cNvCxnSpPr>
+            <a:stCxn id="6" idx="6"/>
+            <a:endCxn id="7" idx="0"/>
+          </p:cNvCxnSpPr>
+          <p:nvPr/>
+        </p:nvCxnSpPr>
+        <p:spPr>
+          <a:xfrm>
+            <a:off x="7796463" y="2858703"/>
+            <a:ext cx="2172903" cy="558265"/>
+          </a:xfrm>
+          <a:prstGeom prst="bentConnector2">
+            <a:avLst/>
+          </a:prstGeom>
+          <a:ln>
+            <a:tailEnd type="triangle"/>
+          </a:ln>
+        </p:spPr>
+        <p:style>
+          <a:lnRef idx="1">
+            <a:schemeClr val="accent1"/>
+          </a:lnRef>
+          <a:fillRef idx="0">
+            <a:schemeClr val="accent1"/>
+          </a:fillRef>
+          <a:effectRef idx="0">
+            <a:schemeClr val="accent1"/>
+          </a:effectRef>
+          <a:fontRef idx="minor">
+            <a:schemeClr val="tx1"/>
+          </a:fontRef>
+        </p:style>
+      </p:cxnSp>
+      <p:cxnSp>
+        <p:nvCxnSpPr>
+          <p:cNvPr id="16" name="Elbow Connector 15"/>
+          <p:cNvCxnSpPr>
+            <a:stCxn id="7" idx="4"/>
+            <a:endCxn id="8" idx="6"/>
+          </p:cNvCxnSpPr>
+          <p:nvPr/>
+        </p:nvCxnSpPr>
+        <p:spPr>
+          <a:xfrm rot="5400000">
+            <a:off x="8777688" y="3918033"/>
+            <a:ext cx="191202" cy="2192154"/>
+          </a:xfrm>
+          <a:prstGeom prst="bentConnector2">
+            <a:avLst/>
+          </a:prstGeom>
+          <a:ln>
+            <a:tailEnd type="triangle"/>
+          </a:ln>
+        </p:spPr>
+        <p:style>
+          <a:lnRef idx="1">
+            <a:schemeClr val="accent1"/>
+          </a:lnRef>
+          <a:fillRef idx="0">
+            <a:schemeClr val="accent1"/>
+          </a:fillRef>
+          <a:effectRef idx="0">
+            <a:schemeClr val="accent1"/>
+          </a:effectRef>
+          <a:fontRef idx="minor">
+            <a:schemeClr val="tx1"/>
+          </a:fontRef>
+        </p:style>
+      </p:cxnSp>
+      <p:cxnSp>
+        <p:nvCxnSpPr>
+          <p:cNvPr id="19" name="Elbow Connector 18"/>
+          <p:cNvCxnSpPr>
+            <a:stCxn id="8" idx="2"/>
+            <a:endCxn id="5" idx="2"/>
+          </p:cNvCxnSpPr>
+          <p:nvPr/>
+        </p:nvCxnSpPr>
+        <p:spPr>
+          <a:xfrm rot="10800000">
+            <a:off x="2803055" y="4268745"/>
+            <a:ext cx="3703622" cy="840967"/>
+          </a:xfrm>
+          <a:prstGeom prst="bentConnector2">
+            <a:avLst/>
+          </a:prstGeom>
+          <a:ln>
+            <a:tailEnd type="triangle"/>
+          </a:ln>
+        </p:spPr>
+        <p:style>
+          <a:lnRef idx="1">
+            <a:schemeClr val="accent1"/>
+          </a:lnRef>
+          <a:fillRef idx="0">
+            <a:schemeClr val="accent1"/>
+          </a:fillRef>
+          <a:effectRef idx="0">
+            <a:schemeClr val="accent1"/>
+          </a:effectRef>
+          <a:fontRef idx="minor">
+            <a:schemeClr val="tx1"/>
+          </a:fontRef>
+        </p:style>
+      </p:cxnSp>
+      <p:sp>
+        <p:nvSpPr>
+          <p:cNvPr id="20" name="TextBox 19"/>
+          <p:cNvSpPr txBox="1"/>
+          <p:nvPr/>
+        </p:nvSpPr>
+        <p:spPr>
+          <a:xfrm flipH="1">
+            <a:off x="3676548" y="2498346"/>
+            <a:ext cx="2637324" cy="369332"/>
+          </a:xfrm>
+          <a:prstGeom prst="rect">
+            <a:avLst/>
+          </a:prstGeom>
+          <a:noFill/>
+        </p:spPr>
+        <p:txBody>
+          <a:bodyPr wrap="square" rtlCol="0">
+            <a:spAutoFit/>
+          </a:bodyPr>
+          <a:lstStyle/>
+          <a:p>
+            <a:r>
+              <a:rPr lang="en-US" dirty="0" err="1" smtClean="0"/>
+              <a:t>Demande</a:t>
+            </a:r>
+            <a:r>
+              <a:rPr lang="en-US" dirty="0" smtClean="0"/>
+              <a:t> </a:t>
+            </a:r>
+            <a:r>
+              <a:rPr lang="en-US" dirty="0" err="1" smtClean="0"/>
+              <a:t>l’execution</a:t>
+            </a:r>
+            <a:endParaRPr lang="fr-CH" dirty="0"/>
+          </a:p>
+        </p:txBody>
+      </p:sp>
+      <p:sp>
+        <p:nvSpPr>
+          <p:cNvPr id="21" name="Oval 20"/>
+          <p:cNvSpPr/>
+          <p:nvPr/>
+        </p:nvSpPr>
+        <p:spPr>
+          <a:xfrm>
+            <a:off x="6535553" y="500514"/>
+            <a:ext cx="1155031" cy="1074458"/>
+          </a:xfrm>
+          <a:prstGeom prst="ellipse">
+            <a:avLst/>
+          </a:prstGeom>
+        </p:spPr>
+        <p:style>
+          <a:lnRef idx="2">
+            <a:schemeClr val="accent1">
+              <a:shade val="50000"/>
+            </a:schemeClr>
+          </a:lnRef>
+          <a:fillRef idx="1">
+            <a:schemeClr val="accent1"/>
+          </a:fillRef>
+          <a:effectRef idx="0">
+            <a:schemeClr val="accent1"/>
+          </a:effectRef>
+          <a:fontRef idx="minor">
+            <a:schemeClr val="lt1"/>
+          </a:fontRef>
+        </p:style>
+        <p:txBody>
+          <a:bodyPr rtlCol="0" anchor="ctr"/>
+          <a:lstStyle/>
+          <a:p>
+            <a:pPr algn="ctr"/>
+            <a:r>
+              <a:rPr lang="en-US" dirty="0" smtClean="0"/>
+              <a:t>API</a:t>
+            </a:r>
+            <a:endParaRPr lang="fr-CH" dirty="0"/>
+          </a:p>
+        </p:txBody>
+      </p:sp>
+      <p:cxnSp>
+        <p:nvCxnSpPr>
+          <p:cNvPr id="23" name="Straight Arrow Connector 22"/>
+          <p:cNvCxnSpPr>
+            <a:stCxn id="21" idx="4"/>
+            <a:endCxn id="6" idx="0"/>
+          </p:cNvCxnSpPr>
+          <p:nvPr/>
+        </p:nvCxnSpPr>
+        <p:spPr>
+          <a:xfrm>
+            <a:off x="7113069" y="1574972"/>
+            <a:ext cx="1" cy="725466"/>
+          </a:xfrm>
+          <a:prstGeom prst="straightConnector1">
+            <a:avLst/>
+          </a:prstGeom>
+          <a:ln w="28575">
+            <a:headEnd type="triangle"/>
+            <a:tailEnd type="triangle"/>
+          </a:ln>
+        </p:spPr>
+        <p:style>
+          <a:lnRef idx="1">
+            <a:schemeClr val="accent1"/>
+          </a:lnRef>
+          <a:fillRef idx="0">
+            <a:schemeClr val="accent1"/>
+          </a:fillRef>
+          <a:effectRef idx="0">
+            <a:schemeClr val="accent1"/>
+          </a:effectRef>
+          <a:fontRef idx="minor">
+            <a:schemeClr val="tx1"/>
+          </a:fontRef>
+        </p:style>
+      </p:cxnSp>
+      <p:sp>
+        <p:nvSpPr>
+          <p:cNvPr id="24" name="TextBox 23"/>
+          <p:cNvSpPr txBox="1"/>
+          <p:nvPr/>
+        </p:nvSpPr>
+        <p:spPr>
+          <a:xfrm>
+            <a:off x="7830245" y="2509167"/>
+            <a:ext cx="2685351" cy="369332"/>
+          </a:xfrm>
+          <a:prstGeom prst="rect">
+            <a:avLst/>
+          </a:prstGeom>
+          <a:noFill/>
+        </p:spPr>
+        <p:txBody>
+          <a:bodyPr wrap="none" rtlCol="0">
+            <a:spAutoFit/>
+          </a:bodyPr>
+          <a:lstStyle/>
+          <a:p>
+            <a:r>
+              <a:rPr lang="en-US" dirty="0" err="1" smtClean="0"/>
+              <a:t>Demande</a:t>
+            </a:r>
+            <a:r>
+              <a:rPr lang="en-US" dirty="0" smtClean="0"/>
+              <a:t> la modification</a:t>
+            </a:r>
+            <a:endParaRPr lang="fr-CH" dirty="0"/>
+          </a:p>
+        </p:txBody>
+      </p:sp>
+      <p:sp>
+        <p:nvSpPr>
+          <p:cNvPr id="25" name="TextBox 24"/>
+          <p:cNvSpPr txBox="1"/>
+          <p:nvPr/>
+        </p:nvSpPr>
+        <p:spPr>
+          <a:xfrm>
+            <a:off x="8169020" y="4733843"/>
+            <a:ext cx="1406129" cy="369332"/>
+          </a:xfrm>
+          <a:prstGeom prst="rect">
+            <a:avLst/>
+          </a:prstGeom>
+          <a:noFill/>
+        </p:spPr>
+        <p:txBody>
+          <a:bodyPr wrap="square" rtlCol="0">
+            <a:spAutoFit/>
+          </a:bodyPr>
+          <a:lstStyle/>
+          <a:p>
+            <a:r>
+              <a:rPr lang="en-US" dirty="0" err="1" smtClean="0"/>
+              <a:t>Modifie</a:t>
+            </a:r>
+            <a:endParaRPr lang="fr-CH" dirty="0"/>
+          </a:p>
+        </p:txBody>
+      </p:sp>
+      <p:sp>
+        <p:nvSpPr>
+          <p:cNvPr id="26" name="TextBox 25"/>
+          <p:cNvSpPr txBox="1"/>
+          <p:nvPr/>
+        </p:nvSpPr>
+        <p:spPr>
+          <a:xfrm>
+            <a:off x="3291538" y="5084619"/>
+            <a:ext cx="2985882" cy="369332"/>
+          </a:xfrm>
+          <a:prstGeom prst="rect">
+            <a:avLst/>
+          </a:prstGeom>
+          <a:noFill/>
+        </p:spPr>
+        <p:txBody>
+          <a:bodyPr wrap="none" rtlCol="0">
+            <a:spAutoFit/>
+          </a:bodyPr>
+          <a:lstStyle/>
+          <a:p>
+            <a:r>
+              <a:rPr lang="en-US" dirty="0" smtClean="0"/>
+              <a:t>Re-Rends le Composant </a:t>
+            </a:r>
+            <a:r>
+              <a:rPr lang="en-US" dirty="0" err="1" smtClean="0"/>
+              <a:t>Vue</a:t>
+            </a:r>
             <a:endParaRPr lang="fr-CH" dirty="0"/>
           </a:p>
         </p:txBody>
@@ -7635,7 +9673,7 @@
     </p:spTree>
     <p:extLst>
       <p:ext uri="{BB962C8B-B14F-4D97-AF65-F5344CB8AC3E}">
-        <p14:creationId xmlns:p14="http://schemas.microsoft.com/office/powerpoint/2010/main" val="4073741244"/>
+        <p14:creationId xmlns:p14="http://schemas.microsoft.com/office/powerpoint/2010/main" val="3176606928"/>
       </p:ext>
     </p:extLst>
   </p:cSld>
@@ -7674,8 +9712,8 @@
         </p:nvSpPr>
         <p:spPr>
           <a:xfrm>
-            <a:off x="0" y="-8504"/>
-            <a:ext cx="9404723" cy="733434"/>
+            <a:off x="2598820" y="2935705"/>
+            <a:ext cx="6862813" cy="770021"/>
           </a:xfrm>
         </p:spPr>
         <p:txBody>
@@ -7685,53 +9723,7 @@
             <a:pPr algn="l"/>
             <a:r>
               <a:rPr lang="en-US" dirty="0" err="1" smtClean="0"/>
-              <a:t>Avantages</a:t>
-            </a:r>
-            <a:endParaRPr lang="fr-CH" dirty="0"/>
-          </a:p>
-        </p:txBody>
-      </p:sp>
-      <p:sp>
-        <p:nvSpPr>
-          <p:cNvPr id="3" name="Content Placeholder 2"/>
-          <p:cNvSpPr>
-            <a:spLocks noGrp="1"/>
-          </p:cNvSpPr>
-          <p:nvPr>
-            <p:ph idx="1"/>
-          </p:nvPr>
-        </p:nvSpPr>
-        <p:spPr/>
-        <p:txBody>
-          <a:bodyPr/>
-          <a:lstStyle/>
-          <a:p>
-            <a:endParaRPr lang="en-US" dirty="0" smtClean="0"/>
-          </a:p>
-          <a:p>
-            <a:r>
-              <a:rPr lang="en-US" dirty="0"/>
-              <a:t>Liaison à la BDD se fait via </a:t>
-            </a:r>
-            <a:r>
-              <a:rPr lang="en-US" dirty="0" smtClean="0"/>
-              <a:t>ORM</a:t>
-            </a:r>
-          </a:p>
-          <a:p>
-            <a:endParaRPr lang="en-US" dirty="0" smtClean="0"/>
-          </a:p>
-          <a:p>
-            <a:endParaRPr lang="en-US" dirty="0" smtClean="0"/>
-          </a:p>
-          <a:p>
-            <a:endParaRPr lang="en-US" dirty="0" smtClean="0"/>
-          </a:p>
-          <a:p>
-            <a:pPr lvl="1"/>
-            <a:r>
-              <a:rPr lang="en-US" dirty="0" err="1" smtClean="0"/>
-              <a:t>Changement</a:t>
+              <a:t>Fonctionnement</a:t>
             </a:r>
             <a:r>
               <a:rPr lang="en-US" dirty="0" smtClean="0"/>
@@ -7739,94 +9731,20 @@
             </a:r>
             <a:r>
               <a:rPr lang="en-US" dirty="0" err="1" smtClean="0"/>
-              <a:t>langage</a:t>
+              <a:t>requêtes</a:t>
             </a:r>
             <a:r>
               <a:rPr lang="en-US" dirty="0" smtClean="0"/>
-              <a:t> Base possible</a:t>
-            </a:r>
-          </a:p>
-        </p:txBody>
-      </p:sp>
-      <p:pic>
-        <p:nvPicPr>
-          <p:cNvPr id="2050" name="Picture 2" descr="Sequelize | The Node.js ORM"/>
-          <p:cNvPicPr>
-            <a:picLocks noChangeAspect="1" noChangeArrowheads="1"/>
-          </p:cNvPicPr>
-          <p:nvPr/>
-        </p:nvPicPr>
-        <p:blipFill>
-          <a:blip r:embed="rId2">
-            <a:extLst>
-              <a:ext uri="{28A0092B-C50C-407E-A947-70E740481C1C}">
-                <a14:useLocalDpi xmlns:a14="http://schemas.microsoft.com/office/drawing/2010/main" val="0"/>
-              </a:ext>
-            </a:extLst>
-          </a:blip>
-          <a:srcRect/>
-          <a:stretch>
-            <a:fillRect/>
-          </a:stretch>
-        </p:blipFill>
-        <p:spPr bwMode="auto">
-          <a:xfrm>
-            <a:off x="6614040" y="1566885"/>
-            <a:ext cx="2381250" cy="2381250"/>
-          </a:xfrm>
-          <a:prstGeom prst="rect">
-            <a:avLst/>
-          </a:prstGeom>
-          <a:noFill/>
-          <a:extLst>
-            <a:ext uri="{909E8E84-426E-40DD-AFC4-6F175D3DCCD1}">
-              <a14:hiddenFill xmlns:a14="http://schemas.microsoft.com/office/drawing/2010/main">
-                <a:solidFill>
-                  <a:srgbClr val="FFFFFF"/>
-                </a:solidFill>
-              </a14:hiddenFill>
-            </a:ext>
-          </a:extLst>
-        </p:spPr>
-      </p:pic>
-      <p:sp>
-        <p:nvSpPr>
-          <p:cNvPr id="5" name="Rectangle 4"/>
-          <p:cNvSpPr/>
-          <p:nvPr/>
-        </p:nvSpPr>
-        <p:spPr>
-          <a:xfrm>
-            <a:off x="7170897" y="3851771"/>
-            <a:ext cx="2878956" cy="830997"/>
-          </a:xfrm>
-          <a:prstGeom prst="rect">
-            <a:avLst/>
-          </a:prstGeom>
-        </p:spPr>
-        <p:txBody>
-          <a:bodyPr wrap="square">
-            <a:spAutoFit/>
-          </a:bodyPr>
-          <a:lstStyle/>
-          <a:p>
-            <a:r>
-              <a:rPr lang="fr-CH" sz="4800" dirty="0">
-                <a:solidFill>
-                  <a:srgbClr val="2F406A"/>
-                </a:solidFill>
-                <a:latin typeface="Titillium Web"/>
-              </a:rPr>
-              <a:t>Sequelize</a:t>
-            </a:r>
-            <a:endParaRPr lang="fr-CH" sz="4800" dirty="0"/>
+              <a:t> API</a:t>
+            </a:r>
+            <a:endParaRPr lang="fr-CH" dirty="0"/>
           </a:p>
         </p:txBody>
       </p:sp>
     </p:spTree>
     <p:extLst>
       <p:ext uri="{BB962C8B-B14F-4D97-AF65-F5344CB8AC3E}">
-        <p14:creationId xmlns:p14="http://schemas.microsoft.com/office/powerpoint/2010/main" val="3251529960"/>
+        <p14:creationId xmlns:p14="http://schemas.microsoft.com/office/powerpoint/2010/main" val="1565190283"/>
       </p:ext>
     </p:extLst>
   </p:cSld>
@@ -7865,63 +9783,64 @@
         </p:nvSpPr>
         <p:spPr>
           <a:xfrm>
-            <a:off x="0" y="7875"/>
-            <a:ext cx="9404723" cy="676630"/>
-          </a:xfrm>
-        </p:spPr>
-        <p:txBody>
-          <a:bodyPr>
-            <a:normAutofit fontScale="90000"/>
-          </a:bodyPr>
+            <a:off x="0" y="-8504"/>
+            <a:ext cx="9404723" cy="733434"/>
+          </a:xfrm>
+        </p:spPr>
+        <p:txBody>
+          <a:bodyPr/>
           <a:lstStyle/>
           <a:p>
             <a:pPr algn="l"/>
             <a:r>
+              <a:rPr lang="en-US" dirty="0" err="1" smtClean="0"/>
+              <a:t>Avantages</a:t>
+            </a:r>
+            <a:endParaRPr lang="fr-CH" dirty="0"/>
+          </a:p>
+        </p:txBody>
+      </p:sp>
+      <p:sp>
+        <p:nvSpPr>
+          <p:cNvPr id="3" name="Content Placeholder 2"/>
+          <p:cNvSpPr>
+            <a:spLocks noGrp="1"/>
+          </p:cNvSpPr>
+          <p:nvPr>
+            <p:ph idx="1"/>
+          </p:nvPr>
+        </p:nvSpPr>
+        <p:spPr/>
+        <p:txBody>
+          <a:bodyPr/>
+          <a:lstStyle/>
+          <a:p>
+            <a:endParaRPr lang="en-US" dirty="0" smtClean="0"/>
+          </a:p>
+          <a:p>
+            <a:r>
+              <a:rPr lang="en-US" dirty="0"/>
+              <a:t>Liaison à la BDD se fait via </a:t>
+            </a:r>
+            <a:r>
               <a:rPr lang="en-US" dirty="0" smtClean="0"/>
-              <a:t>Design Pattern</a:t>
-            </a:r>
-            <a:endParaRPr lang="fr-CH" dirty="0"/>
-          </a:p>
-        </p:txBody>
-      </p:sp>
-      <p:sp>
-        <p:nvSpPr>
-          <p:cNvPr id="3" name="Content Placeholder 2"/>
-          <p:cNvSpPr>
-            <a:spLocks noGrp="1"/>
-          </p:cNvSpPr>
-          <p:nvPr>
-            <p:ph idx="1"/>
-          </p:nvPr>
-        </p:nvSpPr>
-        <p:spPr>
-          <a:xfrm>
-            <a:off x="1103312" y="2052918"/>
-            <a:ext cx="8946541" cy="2444941"/>
-          </a:xfrm>
-        </p:spPr>
-        <p:txBody>
-          <a:bodyPr numCol="2">
-            <a:normAutofit lnSpcReduction="10000"/>
-          </a:bodyPr>
-          <a:lstStyle/>
-          <a:p>
-            <a:r>
-              <a:rPr lang="en-US" dirty="0" smtClean="0"/>
-              <a:t>Material design</a:t>
+              <a:t>ORM</a:t>
             </a:r>
           </a:p>
           <a:p>
             <a:endParaRPr lang="en-US" dirty="0" smtClean="0"/>
           </a:p>
           <a:p>
-            <a:r>
-              <a:rPr lang="en-US" dirty="0" smtClean="0"/>
-              <a:t>Simple </a:t>
-            </a:r>
+            <a:endParaRPr lang="en-US" dirty="0" smtClean="0"/>
+          </a:p>
+          <a:p>
+            <a:endParaRPr lang="en-US" dirty="0" smtClean="0"/>
+          </a:p>
+          <a:p>
+            <a:pPr lvl="1"/>
             <a:r>
               <a:rPr lang="en-US" dirty="0" err="1" smtClean="0"/>
-              <a:t>ou</a:t>
+              <a:t>Changement</a:t>
             </a:r>
             <a:r>
               <a:rPr lang="en-US" dirty="0" smtClean="0"/>
@@ -7929,108 +9848,25 @@
             </a:r>
             <a:r>
               <a:rPr lang="en-US" dirty="0" err="1" smtClean="0"/>
-              <a:t>minimaliste</a:t>
-            </a:r>
-            <a:endParaRPr lang="en-US" dirty="0" smtClean="0"/>
-          </a:p>
-          <a:p>
-            <a:endParaRPr lang="en-US" dirty="0" smtClean="0"/>
-          </a:p>
-          <a:p>
+              <a:t>langage</a:t>
+            </a:r>
             <a:r>
               <a:rPr lang="en-US" dirty="0" smtClean="0"/>
-              <a:t>Transitions</a:t>
-            </a:r>
-          </a:p>
-          <a:p>
-            <a:endParaRPr lang="en-US" dirty="0" smtClean="0"/>
-          </a:p>
-          <a:p>
-            <a:r>
-              <a:rPr lang="en-US" dirty="0" err="1" smtClean="0"/>
-              <a:t>Boutons</a:t>
-            </a:r>
-            <a:r>
-              <a:rPr lang="en-US" dirty="0" smtClean="0"/>
-              <a:t> </a:t>
-            </a:r>
-            <a:r>
-              <a:rPr lang="en-US" dirty="0" err="1" smtClean="0"/>
-              <a:t>personalisés</a:t>
-            </a:r>
-            <a:endParaRPr lang="en-US" dirty="0" smtClean="0"/>
-          </a:p>
-          <a:p>
-            <a:pPr marL="0" indent="0">
-              <a:buNone/>
-            </a:pPr>
-            <a:endParaRPr lang="en-US" dirty="0"/>
-          </a:p>
-          <a:p>
-            <a:r>
-              <a:rPr lang="en-US" dirty="0" smtClean="0"/>
-              <a:t>Notation des </a:t>
-            </a:r>
-            <a:r>
-              <a:rPr lang="en-US" dirty="0" err="1" smtClean="0"/>
-              <a:t>flèches</a:t>
-            </a:r>
-            <a:endParaRPr lang="en-US" dirty="0" smtClean="0"/>
-          </a:p>
-          <a:p>
-            <a:endParaRPr lang="en-US" dirty="0" smtClean="0"/>
-          </a:p>
-          <a:p>
-            <a:r>
-              <a:rPr lang="en-US" dirty="0" err="1" smtClean="0"/>
-              <a:t>Thème</a:t>
-            </a:r>
-            <a:r>
-              <a:rPr lang="en-US" dirty="0" smtClean="0"/>
-              <a:t> de </a:t>
-            </a:r>
-            <a:r>
-              <a:rPr lang="en-US" dirty="0" err="1" smtClean="0"/>
-              <a:t>couleurs</a:t>
-            </a:r>
-            <a:endParaRPr lang="en-US" dirty="0"/>
+              <a:t> Base possible</a:t>
+            </a:r>
           </a:p>
         </p:txBody>
       </p:sp>
       <p:pic>
         <p:nvPicPr>
-          <p:cNvPr id="5" name="Picture 4"/>
-          <p:cNvPicPr>
-            <a:picLocks noChangeAspect="1"/>
-          </p:cNvPicPr>
-          <p:nvPr/>
-        </p:nvPicPr>
-        <p:blipFill>
-          <a:blip r:embed="rId2"/>
-          <a:stretch>
-            <a:fillRect/>
-          </a:stretch>
-        </p:blipFill>
-        <p:spPr>
-          <a:xfrm>
-            <a:off x="9156998" y="2667847"/>
-            <a:ext cx="2428875" cy="895350"/>
-          </a:xfrm>
-          <a:prstGeom prst="rect">
-            <a:avLst/>
-          </a:prstGeom>
-        </p:spPr>
-      </p:pic>
-      <p:pic>
-        <p:nvPicPr>
-          <p:cNvPr id="1026" name="Picture 2" descr="https://vuejs.org/images/logo.png"/>
+          <p:cNvPr id="2050" name="Picture 2" descr="Sequelize | The Node.js ORM"/>
           <p:cNvPicPr>
             <a:picLocks noChangeAspect="1" noChangeArrowheads="1"/>
           </p:cNvPicPr>
           <p:nvPr/>
         </p:nvPicPr>
         <p:blipFill>
-          <a:blip r:embed="rId3">
+          <a:blip r:embed="rId2">
             <a:extLst>
               <a:ext uri="{28A0092B-C50C-407E-A947-70E740481C1C}">
                 <a14:useLocalDpi xmlns:a14="http://schemas.microsoft.com/office/drawing/2010/main" val="0"/>
@@ -8044,8 +9880,8 @@
         </p:blipFill>
         <p:spPr bwMode="auto">
           <a:xfrm>
-            <a:off x="6053560" y="4680635"/>
-            <a:ext cx="1778089" cy="1778089"/>
+            <a:off x="6614040" y="1566885"/>
+            <a:ext cx="2381250" cy="2381250"/>
           </a:xfrm>
           <a:prstGeom prst="rect">
             <a:avLst/>
@@ -8062,40 +9898,44 @@
           </a:extLst>
         </p:spPr>
       </p:pic>
-      <p:pic>
-        <p:nvPicPr>
-          <p:cNvPr id="6" name="Picture 5"/>
-          <p:cNvPicPr>
-            <a:picLocks noChangeAspect="1"/>
-          </p:cNvPicPr>
+      <p:sp>
+        <p:nvSpPr>
+          <p:cNvPr id="5" name="Rectangle 4"/>
+          <p:cNvSpPr/>
           <p:nvPr/>
-        </p:nvPicPr>
-        <p:blipFill>
-          <a:blip r:embed="rId4">
-            <a:extLst>
-              <a:ext uri="{28A0092B-C50C-407E-A947-70E740481C1C}">
-                <a14:useLocalDpi xmlns:a14="http://schemas.microsoft.com/office/drawing/2010/main" val="0"/>
-              </a:ext>
-            </a:extLst>
-          </a:blip>
-          <a:stretch>
-            <a:fillRect/>
-          </a:stretch>
-        </p:blipFill>
-        <p:spPr>
-          <a:xfrm>
-            <a:off x="2415120" y="684505"/>
-            <a:ext cx="1447800" cy="1447800"/>
+        </p:nvSpPr>
+        <p:spPr>
+          <a:xfrm>
+            <a:off x="7170897" y="3851771"/>
+            <a:ext cx="2878956" cy="830997"/>
           </a:xfrm>
           <a:prstGeom prst="rect">
             <a:avLst/>
           </a:prstGeom>
         </p:spPr>
-      </p:pic>
+        <p:txBody>
+          <a:bodyPr wrap="square">
+            <a:spAutoFit/>
+          </a:bodyPr>
+          <a:lstStyle/>
+          <a:p>
+            <a:r>
+              <a:rPr lang="fr-CH" sz="4800" dirty="0">
+                <a:solidFill>
+                  <a:srgbClr val="2F406A"/>
+                </a:solidFill>
+                <a:latin typeface="Titillium Web"/>
+              </a:rPr>
+              <a:t>Sequelize</a:t>
+            </a:r>
+            <a:endParaRPr lang="fr-CH" sz="4800" dirty="0"/>
+          </a:p>
+        </p:txBody>
+      </p:sp>
     </p:spTree>
     <p:extLst>
       <p:ext uri="{BB962C8B-B14F-4D97-AF65-F5344CB8AC3E}">
-        <p14:creationId xmlns:p14="http://schemas.microsoft.com/office/powerpoint/2010/main" val="214214139"/>
+        <p14:creationId xmlns:p14="http://schemas.microsoft.com/office/powerpoint/2010/main" val="3251529960"/>
       </p:ext>
     </p:extLst>
   </p:cSld>
@@ -8134,46 +9974,63 @@
         </p:nvSpPr>
         <p:spPr>
           <a:xfrm>
-            <a:off x="0" y="0"/>
-            <a:ext cx="9404723" cy="864973"/>
-          </a:xfrm>
-        </p:spPr>
-        <p:txBody>
-          <a:bodyPr/>
+            <a:off x="0" y="7875"/>
+            <a:ext cx="9404723" cy="676630"/>
+          </a:xfrm>
+        </p:spPr>
+        <p:txBody>
+          <a:bodyPr>
+            <a:normAutofit fontScale="90000"/>
+          </a:bodyPr>
           <a:lstStyle/>
           <a:p>
             <a:pPr algn="l"/>
             <a:r>
+              <a:rPr lang="en-US" dirty="0" smtClean="0"/>
+              <a:t>Design Pattern</a:t>
+            </a:r>
+            <a:endParaRPr lang="fr-CH" dirty="0"/>
+          </a:p>
+        </p:txBody>
+      </p:sp>
+      <p:sp>
+        <p:nvSpPr>
+          <p:cNvPr id="3" name="Content Placeholder 2"/>
+          <p:cNvSpPr>
+            <a:spLocks noGrp="1"/>
+          </p:cNvSpPr>
+          <p:nvPr>
+            <p:ph idx="1"/>
+          </p:nvPr>
+        </p:nvSpPr>
+        <p:spPr>
+          <a:xfrm>
+            <a:off x="631674" y="2052917"/>
+            <a:ext cx="8946541" cy="2444941"/>
+          </a:xfrm>
+        </p:spPr>
+        <p:txBody>
+          <a:bodyPr numCol="2">
+            <a:normAutofit lnSpcReduction="10000"/>
+          </a:bodyPr>
+          <a:lstStyle/>
+          <a:p>
+            <a:r>
+              <a:rPr lang="en-US" dirty="0" smtClean="0"/>
+              <a:t>Material design</a:t>
+            </a:r>
+          </a:p>
+          <a:p>
+            <a:endParaRPr lang="en-US" dirty="0" smtClean="0"/>
+          </a:p>
+          <a:p>
+            <a:r>
+              <a:rPr lang="en-US" dirty="0" smtClean="0"/>
+              <a:t>Simple </a:t>
+            </a:r>
+            <a:r>
               <a:rPr lang="en-US" dirty="0" err="1" smtClean="0"/>
-              <a:t>Améliorations</a:t>
-            </a:r>
-            <a:endParaRPr lang="fr-CH" dirty="0"/>
-          </a:p>
-        </p:txBody>
-      </p:sp>
-      <p:sp>
-        <p:nvSpPr>
-          <p:cNvPr id="3" name="Content Placeholder 2"/>
-          <p:cNvSpPr>
-            <a:spLocks noGrp="1"/>
-          </p:cNvSpPr>
-          <p:nvPr>
-            <p:ph idx="1"/>
-          </p:nvPr>
-        </p:nvSpPr>
-        <p:spPr>
-          <a:xfrm>
-            <a:off x="1432826" y="2061156"/>
-            <a:ext cx="8946541" cy="2436703"/>
-          </a:xfrm>
-        </p:spPr>
-        <p:txBody>
-          <a:bodyPr numCol="2"/>
-          <a:lstStyle/>
-          <a:p>
-            <a:r>
-              <a:rPr lang="en-US" dirty="0" err="1" smtClean="0"/>
-              <a:t>Chargement</a:t>
+              <a:t>ou</a:t>
             </a:r>
             <a:r>
               <a:rPr lang="en-US" dirty="0" smtClean="0"/>
@@ -8181,7 +10038,7 @@
             </a:r>
             <a:r>
               <a:rPr lang="en-US" dirty="0" err="1" smtClean="0"/>
-              <a:t>rapide</a:t>
+              <a:t>épuré</a:t>
             </a:r>
             <a:endParaRPr lang="en-US" dirty="0" smtClean="0"/>
           </a:p>
@@ -8191,7 +10048,7 @@
           <a:p>
             <a:r>
               <a:rPr lang="en-US" dirty="0" smtClean="0"/>
-              <a:t>Structure de VueX</a:t>
+              <a:t>Transitions</a:t>
             </a:r>
           </a:p>
           <a:p>
@@ -8200,28 +10057,7 @@
           <a:p>
             <a:r>
               <a:rPr lang="en-US" dirty="0" err="1" smtClean="0"/>
-              <a:t>Systéme</a:t>
-            </a:r>
-            <a:r>
-              <a:rPr lang="en-US" dirty="0" smtClean="0"/>
-              <a:t> de Grid</a:t>
-            </a:r>
-          </a:p>
-          <a:p>
-            <a:endParaRPr lang="en-US" dirty="0" smtClean="0"/>
-          </a:p>
-          <a:p>
-            <a:r>
-              <a:rPr lang="en-US" dirty="0" err="1" smtClean="0"/>
-              <a:t>Utiliser</a:t>
-            </a:r>
-            <a:r>
-              <a:rPr lang="en-US" dirty="0"/>
-              <a:t> </a:t>
-            </a:r>
-            <a:r>
-              <a:rPr lang="en-US" dirty="0" err="1" smtClean="0"/>
-              <a:t>mieux</a:t>
+              <a:t>Boutons</a:t>
             </a:r>
             <a:r>
               <a:rPr lang="en-US" dirty="0" smtClean="0"/>
@@ -8229,30 +10065,146 @@
             </a:r>
             <a:r>
               <a:rPr lang="en-US" dirty="0" err="1" smtClean="0"/>
-              <a:t>l’espace</a:t>
+              <a:t>personalisés</a:t>
             </a:r>
             <a:endParaRPr lang="en-US" dirty="0" smtClean="0"/>
           </a:p>
           <a:p>
+            <a:pPr marL="0" indent="0">
+              <a:buNone/>
+            </a:pPr>
             <a:endParaRPr lang="en-US" dirty="0"/>
           </a:p>
           <a:p>
             <a:r>
               <a:rPr lang="en-US" dirty="0" smtClean="0"/>
-              <a:t>Revoir le design </a:t>
-            </a:r>
-            <a:r>
-              <a:rPr lang="en-US" i="1" dirty="0" smtClean="0"/>
-              <a:t>cards</a:t>
-            </a:r>
-            <a:endParaRPr lang="fr-CH" i="1" dirty="0"/>
-          </a:p>
-        </p:txBody>
-      </p:sp>
+              <a:t>Notation des </a:t>
+            </a:r>
+            <a:r>
+              <a:rPr lang="en-US" dirty="0" err="1" smtClean="0"/>
+              <a:t>flèches</a:t>
+            </a:r>
+            <a:endParaRPr lang="en-US" dirty="0" smtClean="0"/>
+          </a:p>
+          <a:p>
+            <a:endParaRPr lang="en-US" dirty="0" smtClean="0"/>
+          </a:p>
+          <a:p>
+            <a:r>
+              <a:rPr lang="en-US" dirty="0" err="1" smtClean="0"/>
+              <a:t>Thème</a:t>
+            </a:r>
+            <a:r>
+              <a:rPr lang="en-US" dirty="0" smtClean="0"/>
+              <a:t> de </a:t>
+            </a:r>
+            <a:r>
+              <a:rPr lang="en-US" dirty="0" err="1" smtClean="0"/>
+              <a:t>couleurs</a:t>
+            </a:r>
+            <a:endParaRPr lang="en-US" dirty="0"/>
+          </a:p>
+        </p:txBody>
+      </p:sp>
+      <p:pic>
+        <p:nvPicPr>
+          <p:cNvPr id="1026" name="Picture 2" descr="https://vuejs.org/images/logo.png"/>
+          <p:cNvPicPr>
+            <a:picLocks noChangeAspect="1" noChangeArrowheads="1"/>
+          </p:cNvPicPr>
+          <p:nvPr/>
+        </p:nvPicPr>
+        <p:blipFill>
+          <a:blip r:embed="rId3">
+            <a:extLst>
+              <a:ext uri="{28A0092B-C50C-407E-A947-70E740481C1C}">
+                <a14:useLocalDpi xmlns:a14="http://schemas.microsoft.com/office/drawing/2010/main" val="0"/>
+              </a:ext>
+            </a:extLst>
+          </a:blip>
+          <a:srcRect/>
+          <a:stretch>
+            <a:fillRect/>
+          </a:stretch>
+        </p:blipFill>
+        <p:spPr bwMode="auto">
+          <a:xfrm>
+            <a:off x="7476150" y="4120577"/>
+            <a:ext cx="1778089" cy="1778089"/>
+          </a:xfrm>
+          <a:prstGeom prst="rect">
+            <a:avLst/>
+          </a:prstGeom>
+          <a:noFill/>
+          <a:extLst>
+            <a:ext uri="{909E8E84-426E-40DD-AFC4-6F175D3DCCD1}">
+              <a14:hiddenFill xmlns:a14="http://schemas.microsoft.com/office/drawing/2010/main">
+                <a:solidFill>
+                  <a:srgbClr val="FFFFFF"/>
+                </a:solidFill>
+              </a14:hiddenFill>
+            </a:ext>
+          </a:extLst>
+        </p:spPr>
+      </p:pic>
+      <p:pic>
+        <p:nvPicPr>
+          <p:cNvPr id="6" name="Picture 5"/>
+          <p:cNvPicPr>
+            <a:picLocks noChangeAspect="1"/>
+          </p:cNvPicPr>
+          <p:nvPr/>
+        </p:nvPicPr>
+        <p:blipFill>
+          <a:blip r:embed="rId4">
+            <a:extLst>
+              <a:ext uri="{28A0092B-C50C-407E-A947-70E740481C1C}">
+                <a14:useLocalDpi xmlns:a14="http://schemas.microsoft.com/office/drawing/2010/main" val="0"/>
+              </a:ext>
+            </a:extLst>
+          </a:blip>
+          <a:stretch>
+            <a:fillRect/>
+          </a:stretch>
+        </p:blipFill>
+        <p:spPr>
+          <a:xfrm>
+            <a:off x="3079263" y="1444901"/>
+            <a:ext cx="1447800" cy="1447800"/>
+          </a:xfrm>
+          <a:prstGeom prst="rect">
+            <a:avLst/>
+          </a:prstGeom>
+        </p:spPr>
+      </p:pic>
+      <p:pic>
+        <p:nvPicPr>
+          <p:cNvPr id="8" name="Picture 7"/>
+          <p:cNvPicPr>
+            <a:picLocks noChangeAspect="1"/>
+          </p:cNvPicPr>
+          <p:nvPr/>
+        </p:nvPicPr>
+        <p:blipFill>
+          <a:blip r:embed="rId5"/>
+          <a:stretch>
+            <a:fillRect/>
+          </a:stretch>
+        </p:blipFill>
+        <p:spPr>
+          <a:xfrm>
+            <a:off x="8241276" y="1710971"/>
+            <a:ext cx="3784528" cy="1695450"/>
+          </a:xfrm>
+          <a:prstGeom prst="rect">
+            <a:avLst/>
+          </a:prstGeom>
+        </p:spPr>
+      </p:pic>
     </p:spTree>
     <p:extLst>
       <p:ext uri="{BB962C8B-B14F-4D97-AF65-F5344CB8AC3E}">
-        <p14:creationId xmlns:p14="http://schemas.microsoft.com/office/powerpoint/2010/main" val="3129264531"/>
+        <p14:creationId xmlns:p14="http://schemas.microsoft.com/office/powerpoint/2010/main" val="214214139"/>
       </p:ext>
     </p:extLst>
   </p:cSld>
@@ -8291,8 +10243,8 @@
         </p:nvSpPr>
         <p:spPr>
           <a:xfrm>
-            <a:off x="0" y="24350"/>
-            <a:ext cx="9404723" cy="832385"/>
+            <a:off x="0" y="0"/>
+            <a:ext cx="9404723" cy="864973"/>
           </a:xfrm>
         </p:spPr>
         <p:txBody>
@@ -8302,74 +10254,122 @@
             <a:pPr algn="l"/>
             <a:r>
               <a:rPr lang="en-US" dirty="0" err="1" smtClean="0"/>
-              <a:t>Problèmes</a:t>
+              <a:t>Améliorations</a:t>
+            </a:r>
+            <a:endParaRPr lang="fr-CH" dirty="0"/>
+          </a:p>
+        </p:txBody>
+      </p:sp>
+      <p:sp>
+        <p:nvSpPr>
+          <p:cNvPr id="3" name="Content Placeholder 2"/>
+          <p:cNvSpPr>
+            <a:spLocks noGrp="1"/>
+          </p:cNvSpPr>
+          <p:nvPr>
+            <p:ph idx="1"/>
+          </p:nvPr>
+        </p:nvSpPr>
+        <p:spPr>
+          <a:xfrm>
+            <a:off x="1636295" y="2080406"/>
+            <a:ext cx="11117179" cy="2597471"/>
+          </a:xfrm>
+        </p:spPr>
+        <p:txBody>
+          <a:bodyPr numCol="2"/>
+          <a:lstStyle/>
+          <a:p>
+            <a:r>
+              <a:rPr lang="en-US" dirty="0" err="1" smtClean="0"/>
+              <a:t>Chargement</a:t>
             </a:r>
             <a:r>
               <a:rPr lang="en-US" dirty="0" smtClean="0"/>
               <a:t> </a:t>
             </a:r>
             <a:r>
+              <a:rPr lang="en-US" dirty="0" smtClean="0"/>
+              <a:t>plus </a:t>
+            </a:r>
+            <a:r>
               <a:rPr lang="en-US" dirty="0" err="1" smtClean="0"/>
-              <a:t>rencontrés</a:t>
-            </a:r>
-            <a:endParaRPr lang="fr-CH" dirty="0"/>
-          </a:p>
-        </p:txBody>
-      </p:sp>
-      <p:sp>
-        <p:nvSpPr>
-          <p:cNvPr id="3" name="Content Placeholder 2"/>
-          <p:cNvSpPr>
-            <a:spLocks noGrp="1"/>
-          </p:cNvSpPr>
-          <p:nvPr>
-            <p:ph idx="1"/>
-          </p:nvPr>
-        </p:nvSpPr>
-        <p:spPr/>
-        <p:txBody>
-          <a:bodyPr/>
-          <a:lstStyle/>
+              <a:t>rapide</a:t>
+            </a:r>
+            <a:endParaRPr lang="en-US" dirty="0" smtClean="0"/>
+          </a:p>
+          <a:p>
+            <a:endParaRPr lang="en-US" dirty="0" smtClean="0"/>
+          </a:p>
           <a:p>
             <a:r>
               <a:rPr lang="en-US" dirty="0" smtClean="0"/>
-              <a:t>Ma</a:t>
-            </a:r>
+              <a:t>Structure de VueX</a:t>
+            </a:r>
+          </a:p>
+          <a:p>
+            <a:endParaRPr lang="en-US" dirty="0" smtClean="0"/>
+          </a:p>
+          <a:p>
+            <a:r>
+              <a:rPr lang="en-US" dirty="0" err="1" smtClean="0"/>
+              <a:t>Systéme</a:t>
+            </a:r>
+            <a:r>
+              <a:rPr lang="en-US" dirty="0" smtClean="0"/>
+              <a:t> de Grid</a:t>
+            </a:r>
+          </a:p>
+          <a:p>
+            <a:endParaRPr lang="en-US" dirty="0" smtClean="0"/>
+          </a:p>
+          <a:p>
+            <a:r>
+              <a:rPr lang="en-US" dirty="0" err="1" smtClean="0"/>
+              <a:t>Utiliser</a:t>
+            </a:r>
+            <a:r>
+              <a:rPr lang="en-US" dirty="0"/>
+              <a:t> </a:t>
+            </a:r>
+            <a:r>
+              <a:rPr lang="en-US" dirty="0" err="1" smtClean="0"/>
+              <a:t>mieux</a:t>
+            </a:r>
+            <a:r>
+              <a:rPr lang="en-US" dirty="0" smtClean="0"/>
+              <a:t> </a:t>
+            </a:r>
+            <a:r>
+              <a:rPr lang="en-US" dirty="0" err="1" smtClean="0"/>
+              <a:t>l’espace</a:t>
+            </a:r>
+            <a:endParaRPr lang="en-US" dirty="0" smtClean="0"/>
           </a:p>
           <a:p>
             <a:endParaRPr lang="en-US" dirty="0"/>
           </a:p>
           <a:p>
-            <a:endParaRPr lang="en-US" dirty="0" smtClean="0"/>
-          </a:p>
-          <a:p>
             <a:r>
               <a:rPr lang="en-US" dirty="0" smtClean="0"/>
-              <a:t>IE avec VueX</a:t>
-            </a:r>
-          </a:p>
-          <a:p>
-            <a:pPr lvl="1"/>
-            <a:r>
-              <a:rPr lang="en-US" dirty="0" err="1" smtClean="0"/>
-              <a:t>Résolution</a:t>
+              <a:t>Revoir le </a:t>
             </a:r>
             <a:r>
               <a:rPr lang="en-US" dirty="0" smtClean="0"/>
-              <a:t> : babel-</a:t>
-            </a:r>
-            <a:r>
-              <a:rPr lang="en-US" dirty="0" err="1" smtClean="0"/>
-              <a:t>polyfill</a:t>
-            </a:r>
-            <a:endParaRPr lang="en-US" dirty="0" smtClean="0"/>
+              <a:t>design des </a:t>
+            </a:r>
+            <a:r>
+              <a:rPr lang="en-US" i="1" dirty="0" smtClean="0"/>
+              <a:t>cards</a:t>
+            </a:r>
+            <a:endParaRPr lang="fr-CH" i="1" dirty="0"/>
           </a:p>
         </p:txBody>
       </p:sp>
     </p:spTree>
     <p:extLst>
       <p:ext uri="{BB962C8B-B14F-4D97-AF65-F5344CB8AC3E}">
-        <p14:creationId xmlns:p14="http://schemas.microsoft.com/office/powerpoint/2010/main" val="425895806"/>
+        <p14:creationId xmlns:p14="http://schemas.microsoft.com/office/powerpoint/2010/main" val="3129264531"/>
       </p:ext>
     </p:extLst>
   </p:cSld>
@@ -8380,9 +10380,9 @@
 </file>
 
 <file path=ppt/theme/theme1.xml><?xml version="1.0" encoding="utf-8"?>
-<a:theme xmlns:a="http://schemas.openxmlformats.org/drawingml/2006/main" name="Slate">
+<a:theme xmlns:a="http://schemas.openxmlformats.org/drawingml/2006/main" name="Ion">
   <a:themeElements>
-    <a:clrScheme name="Slate">
+    <a:clrScheme name="Ion">
       <a:dk1>
         <a:sysClr val="windowText" lastClr="000000"/>
       </a:dk1>
@@ -8390,52 +10390,52 @@
         <a:sysClr val="window" lastClr="FFFFFF"/>
       </a:lt1>
       <a:dk2>
-        <a:srgbClr val="212123"/>
+        <a:srgbClr val="1E5155"/>
       </a:dk2>
       <a:lt2>
-        <a:srgbClr val="DADADA"/>
+        <a:srgbClr val="EBEBEB"/>
       </a:lt2>
       <a:accent1>
-        <a:srgbClr val="BC451B"/>
+        <a:srgbClr val="B01513"/>
       </a:accent1>
       <a:accent2>
-        <a:srgbClr val="D3BA68"/>
+        <a:srgbClr val="EA6312"/>
       </a:accent2>
       <a:accent3>
-        <a:srgbClr val="BB8640"/>
+        <a:srgbClr val="E6B729"/>
       </a:accent3>
       <a:accent4>
-        <a:srgbClr val="AD9277"/>
+        <a:srgbClr val="6AAC90"/>
       </a:accent4>
       <a:accent5>
-        <a:srgbClr val="A55A43"/>
+        <a:srgbClr val="54849A"/>
       </a:accent5>
       <a:accent6>
-        <a:srgbClr val="AD9D7B"/>
+        <a:srgbClr val="9E5E9B"/>
       </a:accent6>
       <a:hlink>
-        <a:srgbClr val="E98052"/>
+        <a:srgbClr val="58C1BA"/>
       </a:hlink>
       <a:folHlink>
-        <a:srgbClr val="F4B69B"/>
+        <a:srgbClr val="9DFFCB"/>
       </a:folHlink>
     </a:clrScheme>
-    <a:fontScheme name="Slate">
+    <a:fontScheme name="Ion">
       <a:majorFont>
-        <a:latin typeface="Calisto MT" panose="02040603050505030304"/>
+        <a:latin typeface="Century Gothic" panose="020B0502020202020204"/>
         <a:ea typeface=""/>
         <a:cs typeface=""/>
-        <a:font script="Jpan" typeface="ＭＳ Ｐゴシック"/>
-        <a:font script="Hang" typeface="돋움"/>
-        <a:font script="Hans" typeface="方正舒体"/>
-        <a:font script="Hant" typeface="微軟正黑體"/>
-        <a:font script="Arab" typeface="Arial"/>
-        <a:font script="Hebr" typeface="Arial"/>
-        <a:font script="Thai" typeface="Cordia New"/>
+        <a:font script="Jpan" typeface="メイリオ"/>
+        <a:font script="Hang" typeface="맑은 고딕"/>
+        <a:font script="Hans" typeface="宋体"/>
+        <a:font script="Hant" typeface="新細明體"/>
+        <a:font script="Arab" typeface="Times New Roman"/>
+        <a:font script="Hebr" typeface="Times New Roman"/>
+        <a:font script="Thai" typeface="Angsana New"/>
         <a:font script="Ethi" typeface="Nyala"/>
         <a:font script="Beng" typeface="Vrinda"/>
         <a:font script="Gujr" typeface="Shruti"/>
-        <a:font script="Khmr" typeface="DaunPenh"/>
+        <a:font script="Khmr" typeface="MoolBoran"/>
         <a:font script="Knda" typeface="Tunga"/>
         <a:font script="Guru" typeface="Raavi"/>
         <a:font script="Cans" typeface="Euphemia"/>
@@ -8452,18 +10452,18 @@
         <a:font script="Laoo" typeface="DokChampa"/>
         <a:font script="Sinh" typeface="Iskoola Pota"/>
         <a:font script="Mong" typeface="Mongolian Baiti"/>
-        <a:font script="Viet" typeface="Arial"/>
+        <a:font script="Viet" typeface="Times New Roman"/>
         <a:font script="Uigh" typeface="Microsoft Uighur"/>
         <a:font script="Geor" typeface="Sylfaen"/>
       </a:majorFont>
       <a:minorFont>
-        <a:latin typeface="Calisto MT" panose="02040603050505030304"/>
+        <a:latin typeface="Century Gothic" panose="020B0502020202020204"/>
         <a:ea typeface=""/>
         <a:cs typeface=""/>
-        <a:font script="Jpan" typeface="ＭＳ Ｐゴシック"/>
-        <a:font script="Hang" typeface="돋움"/>
-        <a:font script="Hans" typeface="方正舒体"/>
-        <a:font script="Hant" typeface="微軟正黑體"/>
+        <a:font script="Jpan" typeface="メイリオ"/>
+        <a:font script="Hang" typeface="맑은 고딕"/>
+        <a:font script="Hans" typeface="宋体"/>
+        <a:font script="Hant" typeface="新細明體"/>
         <a:font script="Arab" typeface="Arial"/>
         <a:font script="Hebr" typeface="Arial"/>
         <a:font script="Thai" typeface="Cordia New"/>
@@ -8492,7 +10492,7 @@
         <a:font script="Geor" typeface="Sylfaen"/>
       </a:minorFont>
     </a:fontScheme>
-    <a:fmtScheme name="Slate">
+    <a:fmtScheme name="Ion">
       <a:fillStyleLst>
         <a:solidFill>
           <a:schemeClr val="phClr"/>
@@ -8501,13 +10501,15 @@
           <a:gsLst>
             <a:gs pos="0">
               <a:schemeClr val="phClr">
-                <a:tint val="60000"/>
-                <a:lumMod val="110000"/>
+                <a:tint val="64000"/>
+                <a:lumMod val="118000"/>
               </a:schemeClr>
             </a:gs>
             <a:gs pos="100000">
               <a:schemeClr val="phClr">
-                <a:tint val="88000"/>
+                <a:tint val="92000"/>
+                <a:alpha val="100000"/>
+                <a:lumMod val="110000"/>
               </a:schemeClr>
             </a:gs>
           </a:gsLst>
@@ -8517,14 +10519,14 @@
           <a:gsLst>
             <a:gs pos="0">
               <a:schemeClr val="phClr">
-                <a:tint val="96000"/>
-                <a:lumMod val="104000"/>
+                <a:tint val="98000"/>
+                <a:lumMod val="114000"/>
               </a:schemeClr>
             </a:gs>
             <a:gs pos="100000">
               <a:schemeClr val="phClr">
                 <a:shade val="90000"/>
-                <a:lumMod val="90000"/>
+                <a:lumMod val="84000"/>
               </a:schemeClr>
             </a:gs>
           </a:gsLst>
@@ -8534,19 +10536,17 @@
       <a:lnStyleLst>
         <a:ln w="9525" cap="rnd" cmpd="sng" algn="ctr">
           <a:solidFill>
-            <a:schemeClr val="phClr">
-              <a:shade val="90000"/>
-            </a:schemeClr>
+            <a:schemeClr val="phClr"/>
           </a:solidFill>
           <a:prstDash val="solid"/>
         </a:ln>
-        <a:ln w="15875" cap="rnd" cmpd="sng" algn="ctr">
+        <a:ln w="19050" cap="rnd" cmpd="sng" algn="ctr">
           <a:solidFill>
             <a:schemeClr val="phClr"/>
           </a:solidFill>
           <a:prstDash val="solid"/>
         </a:ln>
-        <a:ln w="25400" cap="rnd" cmpd="sng" algn="ctr">
+        <a:ln w="28575" cap="rnd" cmpd="sng" algn="ctr">
           <a:solidFill>
             <a:schemeClr val="phClr"/>
           </a:solidFill>
@@ -8559,18 +10559,18 @@
         </a:effectStyle>
         <a:effectStyle>
           <a:effectLst>
-            <a:outerShdw blurRad="63500" dist="25400" dir="5400000" rotWithShape="0">
+            <a:outerShdw blurRad="38100" dist="25400" dir="5400000" rotWithShape="0">
               <a:srgbClr val="000000">
-                <a:alpha val="60000"/>
+                <a:alpha val="45000"/>
               </a:srgbClr>
             </a:outerShdw>
           </a:effectLst>
         </a:effectStyle>
         <a:effectStyle>
           <a:effectLst>
-            <a:outerShdw blurRad="76200" dist="38100" dir="5400000" rotWithShape="0">
+            <a:outerShdw blurRad="63500" dist="38100" dir="5400000" rotWithShape="0">
               <a:srgbClr val="000000">
-                <a:alpha val="75000"/>
+                <a:alpha val="60000"/>
               </a:srgbClr>
             </a:outerShdw>
           </a:effectLst>
@@ -8578,12 +10578,10 @@
             <a:camera prst="orthographicFront">
               <a:rot lat="0" lon="0" rev="0"/>
             </a:camera>
-            <a:lightRig rig="threePt" dir="t">
-              <a:rot lat="0" lon="0" rev="1200000"/>
-            </a:lightRig>
+            <a:lightRig rig="threePt" dir="tl"/>
           </a:scene3d>
-          <a:sp3d>
-            <a:bevelT w="63500" h="25400" prst="hardEdge"/>
+          <a:sp3d prstMaterial="plastic">
+            <a:bevelT w="0" h="0"/>
           </a:sp3d>
         </a:effectStyle>
       </a:effectStyleLst>
@@ -8591,18 +10589,44 @@
         <a:solidFill>
           <a:schemeClr val="phClr"/>
         </a:solidFill>
-        <a:solidFill>
-          <a:schemeClr val="phClr"/>
-        </a:solidFill>
+        <a:gradFill rotWithShape="1">
+          <a:gsLst>
+            <a:gs pos="0">
+              <a:schemeClr val="phClr">
+                <a:tint val="97000"/>
+                <a:hueMod val="88000"/>
+                <a:satMod val="130000"/>
+                <a:lumMod val="124000"/>
+              </a:schemeClr>
+            </a:gs>
+            <a:gs pos="100000">
+              <a:schemeClr val="phClr">
+                <a:tint val="96000"/>
+                <a:shade val="88000"/>
+                <a:hueMod val="108000"/>
+                <a:satMod val="164000"/>
+                <a:lumMod val="76000"/>
+              </a:schemeClr>
+            </a:gs>
+          </a:gsLst>
+          <a:path path="circle">
+            <a:fillToRect l="45000" t="65000" r="125000" b="100000"/>
+          </a:path>
+        </a:gradFill>
         <a:blipFill rotWithShape="1">
           <a:blip xmlns:r="http://schemas.openxmlformats.org/officeDocument/2006/relationships" r:embed="rId1">
             <a:duotone>
               <a:schemeClr val="phClr">
-                <a:shade val="80000"/>
-                <a:lumMod val="80000"/>
+                <a:shade val="69000"/>
+                <a:hueMod val="108000"/>
+                <a:satMod val="164000"/>
+                <a:lumMod val="74000"/>
               </a:schemeClr>
               <a:schemeClr val="phClr">
-                <a:tint val="98000"/>
+                <a:tint val="96000"/>
+                <a:hueMod val="88000"/>
+                <a:satMod val="140000"/>
+                <a:lumMod val="132000"/>
               </a:schemeClr>
             </a:duotone>
           </a:blip>
@@ -8615,7 +10639,268 @@
   <a:extraClrSchemeLst/>
   <a:extLst>
     <a:ext uri="{05A4C25C-085E-4340-85A3-A5531E510DB2}">
-      <thm15:themeFamily xmlns:thm15="http://schemas.microsoft.com/office/thememl/2012/main" name="Slate" id="{C3F70B94-7CE9-428E-ADC1-3269CC2C3385}" vid="{3F2DE9A5-64E6-437C-A389-CC4477E817E8}"/>
+      <thm15:themeFamily xmlns:thm15="http://schemas.microsoft.com/office/thememl/2012/main" name="Ion" id="{B8441ADB-2E43-4AF7-B97A-BD870242C6A8}" vid="{292E63A9-BB86-4E3D-B92A-7223C6510D2E}"/>
+    </a:ext>
+  </a:extLst>
+</a:theme>
+</file>
+
+<file path=ppt/theme/theme2.xml><?xml version="1.0" encoding="utf-8"?>
+<a:theme xmlns:a="http://schemas.openxmlformats.org/drawingml/2006/main" name="Office Theme">
+  <a:themeElements>
+    <a:clrScheme name="Office">
+      <a:dk1>
+        <a:sysClr val="windowText" lastClr="000000"/>
+      </a:dk1>
+      <a:lt1>
+        <a:sysClr val="window" lastClr="FFFFFF"/>
+      </a:lt1>
+      <a:dk2>
+        <a:srgbClr val="44546A"/>
+      </a:dk2>
+      <a:lt2>
+        <a:srgbClr val="E7E6E6"/>
+      </a:lt2>
+      <a:accent1>
+        <a:srgbClr val="5B9BD5"/>
+      </a:accent1>
+      <a:accent2>
+        <a:srgbClr val="ED7D31"/>
+      </a:accent2>
+      <a:accent3>
+        <a:srgbClr val="A5A5A5"/>
+      </a:accent3>
+      <a:accent4>
+        <a:srgbClr val="FFC000"/>
+      </a:accent4>
+      <a:accent5>
+        <a:srgbClr val="4472C4"/>
+      </a:accent5>
+      <a:accent6>
+        <a:srgbClr val="70AD47"/>
+      </a:accent6>
+      <a:hlink>
+        <a:srgbClr val="0563C1"/>
+      </a:hlink>
+      <a:folHlink>
+        <a:srgbClr val="954F72"/>
+      </a:folHlink>
+    </a:clrScheme>
+    <a:fontScheme name="Office">
+      <a:majorFont>
+        <a:latin typeface="Calibri Light" panose="020F0302020204030204"/>
+        <a:ea typeface=""/>
+        <a:cs typeface=""/>
+        <a:font script="Jpan" typeface="游ゴシック Light"/>
+        <a:font script="Hang" typeface="맑은 고딕"/>
+        <a:font script="Hans" typeface="等线 Light"/>
+        <a:font script="Hant" typeface="新細明體"/>
+        <a:font script="Arab" typeface="Times New Roman"/>
+        <a:font script="Hebr" typeface="Times New Roman"/>
+        <a:font script="Thai" typeface="Angsana New"/>
+        <a:font script="Ethi" typeface="Nyala"/>
+        <a:font script="Beng" typeface="Vrinda"/>
+        <a:font script="Gujr" typeface="Shruti"/>
+        <a:font script="Khmr" typeface="MoolBoran"/>
+        <a:font script="Knda" typeface="Tunga"/>
+        <a:font script="Guru" typeface="Raavi"/>
+        <a:font script="Cans" typeface="Euphemia"/>
+        <a:font script="Cher" typeface="Plantagenet Cherokee"/>
+        <a:font script="Yiii" typeface="Microsoft Yi Baiti"/>
+        <a:font script="Tibt" typeface="Microsoft Himalaya"/>
+        <a:font script="Thaa" typeface="MV Boli"/>
+        <a:font script="Deva" typeface="Mangal"/>
+        <a:font script="Telu" typeface="Gautami"/>
+        <a:font script="Taml" typeface="Latha"/>
+        <a:font script="Syrc" typeface="Estrangelo Edessa"/>
+        <a:font script="Orya" typeface="Kalinga"/>
+        <a:font script="Mlym" typeface="Kartika"/>
+        <a:font script="Laoo" typeface="DokChampa"/>
+        <a:font script="Sinh" typeface="Iskoola Pota"/>
+        <a:font script="Mong" typeface="Mongolian Baiti"/>
+        <a:font script="Viet" typeface="Times New Roman"/>
+        <a:font script="Uigh" typeface="Microsoft Uighur"/>
+        <a:font script="Geor" typeface="Sylfaen"/>
+      </a:majorFont>
+      <a:minorFont>
+        <a:latin typeface="Calibri" panose="020F0502020204030204"/>
+        <a:ea typeface=""/>
+        <a:cs typeface=""/>
+        <a:font script="Jpan" typeface="游ゴシック"/>
+        <a:font script="Hang" typeface="맑은 고딕"/>
+        <a:font script="Hans" typeface="等线"/>
+        <a:font script="Hant" typeface="新細明體"/>
+        <a:font script="Arab" typeface="Arial"/>
+        <a:font script="Hebr" typeface="Arial"/>
+        <a:font script="Thai" typeface="Cordia New"/>
+        <a:font script="Ethi" typeface="Nyala"/>
+        <a:font script="Beng" typeface="Vrinda"/>
+        <a:font script="Gujr" typeface="Shruti"/>
+        <a:font script="Khmr" typeface="DaunPenh"/>
+        <a:font script="Knda" typeface="Tunga"/>
+        <a:font script="Guru" typeface="Raavi"/>
+        <a:font script="Cans" typeface="Euphemia"/>
+        <a:font script="Cher" typeface="Plantagenet Cherokee"/>
+        <a:font script="Yiii" typeface="Microsoft Yi Baiti"/>
+        <a:font script="Tibt" typeface="Microsoft Himalaya"/>
+        <a:font script="Thaa" typeface="MV Boli"/>
+        <a:font script="Deva" typeface="Mangal"/>
+        <a:font script="Telu" typeface="Gautami"/>
+        <a:font script="Taml" typeface="Latha"/>
+        <a:font script="Syrc" typeface="Estrangelo Edessa"/>
+        <a:font script="Orya" typeface="Kalinga"/>
+        <a:font script="Mlym" typeface="Kartika"/>
+        <a:font script="Laoo" typeface="DokChampa"/>
+        <a:font script="Sinh" typeface="Iskoola Pota"/>
+        <a:font script="Mong" typeface="Mongolian Baiti"/>
+        <a:font script="Viet" typeface="Arial"/>
+        <a:font script="Uigh" typeface="Microsoft Uighur"/>
+        <a:font script="Geor" typeface="Sylfaen"/>
+      </a:minorFont>
+    </a:fontScheme>
+    <a:fmtScheme name="Office">
+      <a:fillStyleLst>
+        <a:solidFill>
+          <a:schemeClr val="phClr"/>
+        </a:solidFill>
+        <a:gradFill rotWithShape="1">
+          <a:gsLst>
+            <a:gs pos="0">
+              <a:schemeClr val="phClr">
+                <a:lumMod val="110000"/>
+                <a:satMod val="105000"/>
+                <a:tint val="67000"/>
+              </a:schemeClr>
+            </a:gs>
+            <a:gs pos="50000">
+              <a:schemeClr val="phClr">
+                <a:lumMod val="105000"/>
+                <a:satMod val="103000"/>
+                <a:tint val="73000"/>
+              </a:schemeClr>
+            </a:gs>
+            <a:gs pos="100000">
+              <a:schemeClr val="phClr">
+                <a:lumMod val="105000"/>
+                <a:satMod val="109000"/>
+                <a:tint val="81000"/>
+              </a:schemeClr>
+            </a:gs>
+          </a:gsLst>
+          <a:lin ang="5400000" scaled="0"/>
+        </a:gradFill>
+        <a:gradFill rotWithShape="1">
+          <a:gsLst>
+            <a:gs pos="0">
+              <a:schemeClr val="phClr">
+                <a:satMod val="103000"/>
+                <a:lumMod val="102000"/>
+                <a:tint val="94000"/>
+              </a:schemeClr>
+            </a:gs>
+            <a:gs pos="50000">
+              <a:schemeClr val="phClr">
+                <a:satMod val="110000"/>
+                <a:lumMod val="100000"/>
+                <a:shade val="100000"/>
+              </a:schemeClr>
+            </a:gs>
+            <a:gs pos="100000">
+              <a:schemeClr val="phClr">
+                <a:lumMod val="99000"/>
+                <a:satMod val="120000"/>
+                <a:shade val="78000"/>
+              </a:schemeClr>
+            </a:gs>
+          </a:gsLst>
+          <a:lin ang="5400000" scaled="0"/>
+        </a:gradFill>
+      </a:fillStyleLst>
+      <a:lnStyleLst>
+        <a:ln w="6350" cap="flat" cmpd="sng" algn="ctr">
+          <a:solidFill>
+            <a:schemeClr val="phClr"/>
+          </a:solidFill>
+          <a:prstDash val="solid"/>
+          <a:miter lim="800000"/>
+        </a:ln>
+        <a:ln w="12700" cap="flat" cmpd="sng" algn="ctr">
+          <a:solidFill>
+            <a:schemeClr val="phClr"/>
+          </a:solidFill>
+          <a:prstDash val="solid"/>
+          <a:miter lim="800000"/>
+        </a:ln>
+        <a:ln w="19050" cap="flat" cmpd="sng" algn="ctr">
+          <a:solidFill>
+            <a:schemeClr val="phClr"/>
+          </a:solidFill>
+          <a:prstDash val="solid"/>
+          <a:miter lim="800000"/>
+        </a:ln>
+      </a:lnStyleLst>
+      <a:effectStyleLst>
+        <a:effectStyle>
+          <a:effectLst/>
+        </a:effectStyle>
+        <a:effectStyle>
+          <a:effectLst/>
+        </a:effectStyle>
+        <a:effectStyle>
+          <a:effectLst>
+            <a:outerShdw blurRad="57150" dist="19050" dir="5400000" algn="ctr" rotWithShape="0">
+              <a:srgbClr val="000000">
+                <a:alpha val="63000"/>
+              </a:srgbClr>
+            </a:outerShdw>
+          </a:effectLst>
+        </a:effectStyle>
+      </a:effectStyleLst>
+      <a:bgFillStyleLst>
+        <a:solidFill>
+          <a:schemeClr val="phClr"/>
+        </a:solidFill>
+        <a:solidFill>
+          <a:schemeClr val="phClr">
+            <a:tint val="95000"/>
+            <a:satMod val="170000"/>
+          </a:schemeClr>
+        </a:solidFill>
+        <a:gradFill rotWithShape="1">
+          <a:gsLst>
+            <a:gs pos="0">
+              <a:schemeClr val="phClr">
+                <a:tint val="93000"/>
+                <a:satMod val="150000"/>
+                <a:shade val="98000"/>
+                <a:lumMod val="102000"/>
+              </a:schemeClr>
+            </a:gs>
+            <a:gs pos="50000">
+              <a:schemeClr val="phClr">
+                <a:tint val="98000"/>
+                <a:satMod val="130000"/>
+                <a:shade val="90000"/>
+                <a:lumMod val="103000"/>
+              </a:schemeClr>
+            </a:gs>
+            <a:gs pos="100000">
+              <a:schemeClr val="phClr">
+                <a:shade val="63000"/>
+                <a:satMod val="120000"/>
+              </a:schemeClr>
+            </a:gs>
+          </a:gsLst>
+          <a:lin ang="5400000" scaled="0"/>
+        </a:gradFill>
+      </a:bgFillStyleLst>
+    </a:fmtScheme>
+  </a:themeElements>
+  <a:objectDefaults/>
+  <a:extraClrSchemeLst/>
+  <a:extLst>
+    <a:ext uri="{05A4C25C-085E-4340-85A3-A5531E510DB2}">
+      <thm15:themeFamily xmlns:thm15="http://schemas.microsoft.com/office/thememl/2012/main" name="Office Theme" id="{62F939B6-93AF-4DB8-9C6B-D6C7DFDC589F}" vid="{4A3C46E8-61CC-4603-A589-7422A47A8E4A}"/>
     </a:ext>
   </a:extLst>
 </a:theme>

--- a/Documentation/Défense/Shoot4stats.pptx
+++ b/Documentation/Défense/Shoot4stats.pptx
@@ -5,22 +5,30 @@
     <p:sldMasterId id="2147483717" r:id="rId1"/>
   </p:sldMasterIdLst>
   <p:notesMasterIdLst>
-    <p:notesMasterId r:id="rId15"/>
+    <p:notesMasterId r:id="rId23"/>
   </p:notesMasterIdLst>
   <p:sldIdLst>
     <p:sldId id="256" r:id="rId2"/>
-    <p:sldId id="257" r:id="rId3"/>
-    <p:sldId id="268" r:id="rId4"/>
-    <p:sldId id="258" r:id="rId5"/>
-    <p:sldId id="265" r:id="rId6"/>
-    <p:sldId id="270" r:id="rId7"/>
-    <p:sldId id="267" r:id="rId8"/>
-    <p:sldId id="263" r:id="rId9"/>
-    <p:sldId id="259" r:id="rId10"/>
-    <p:sldId id="266" r:id="rId11"/>
-    <p:sldId id="260" r:id="rId12"/>
-    <p:sldId id="269" r:id="rId13"/>
-    <p:sldId id="262" r:id="rId14"/>
+    <p:sldId id="272" r:id="rId3"/>
+    <p:sldId id="273" r:id="rId4"/>
+    <p:sldId id="269" r:id="rId5"/>
+    <p:sldId id="276" r:id="rId6"/>
+    <p:sldId id="277" r:id="rId7"/>
+    <p:sldId id="279" r:id="rId8"/>
+    <p:sldId id="278" r:id="rId9"/>
+    <p:sldId id="265" r:id="rId10"/>
+    <p:sldId id="257" r:id="rId11"/>
+    <p:sldId id="268" r:id="rId12"/>
+    <p:sldId id="274" r:id="rId13"/>
+    <p:sldId id="275" r:id="rId14"/>
+    <p:sldId id="258" r:id="rId15"/>
+    <p:sldId id="267" r:id="rId16"/>
+    <p:sldId id="263" r:id="rId17"/>
+    <p:sldId id="259" r:id="rId18"/>
+    <p:sldId id="266" r:id="rId19"/>
+    <p:sldId id="260" r:id="rId20"/>
+    <p:sldId id="271" r:id="rId21"/>
+    <p:sldId id="262" r:id="rId22"/>
   </p:sldIdLst>
   <p:sldSz cx="12192000" cy="6858000"/>
   <p:notesSz cx="6858000" cy="9144000"/>
@@ -521,6 +529,53 @@
           <a:bodyPr/>
           <a:lstStyle/>
           <a:p>
+            <a:r>
+              <a:rPr lang="en-US" dirty="0" smtClean="0"/>
+              <a:t>Buts:</a:t>
+            </a:r>
+          </a:p>
+          <a:p>
+            <a:endParaRPr lang="en-US" dirty="0" smtClean="0"/>
+          </a:p>
+          <a:p>
+            <a:r>
+              <a:rPr lang="en-US" dirty="0" err="1" smtClean="0"/>
+              <a:t>Mettre</a:t>
+            </a:r>
+            <a:r>
+              <a:rPr lang="en-US" dirty="0" smtClean="0"/>
+              <a:t> </a:t>
+            </a:r>
+            <a:r>
+              <a:rPr lang="en-US" dirty="0" err="1" smtClean="0"/>
+              <a:t>en</a:t>
+            </a:r>
+            <a:r>
+              <a:rPr lang="en-US" dirty="0" smtClean="0"/>
+              <a:t> place </a:t>
+            </a:r>
+            <a:r>
+              <a:rPr lang="en-US" dirty="0" err="1" smtClean="0"/>
+              <a:t>une</a:t>
+            </a:r>
+            <a:r>
+              <a:rPr lang="en-US" dirty="0" smtClean="0"/>
+              <a:t> app WEB </a:t>
+            </a:r>
+          </a:p>
+          <a:p>
+            <a:r>
+              <a:rPr lang="en-US" dirty="0" err="1" smtClean="0"/>
+              <a:t>Ergonomie</a:t>
+            </a:r>
+            <a:r>
+              <a:rPr lang="en-US" dirty="0" smtClean="0"/>
+              <a:t> de </a:t>
+            </a:r>
+            <a:r>
+              <a:rPr lang="en-US" dirty="0" err="1" smtClean="0"/>
+              <a:t>l’application</a:t>
+            </a:r>
             <a:endParaRPr lang="fr-CH" dirty="0"/>
           </a:p>
         </p:txBody>
@@ -542,7 +597,7 @@
           <a:p>
             <a:fld id="{5667F26F-CF4B-4075-A0DF-7E3987368146}" type="slidenum">
               <a:rPr lang="fr-CH" smtClean="0"/>
-              <a:t>4</a:t>
+              <a:t>3</a:t>
             </a:fld>
             <a:endParaRPr lang="fr-CH"/>
           </a:p>
@@ -551,7 +606,7 @@
     </p:spTree>
     <p:extLst>
       <p:ext uri="{BB962C8B-B14F-4D97-AF65-F5344CB8AC3E}">
-        <p14:creationId xmlns:p14="http://schemas.microsoft.com/office/powerpoint/2010/main" val="140894020"/>
+        <p14:creationId xmlns:p14="http://schemas.microsoft.com/office/powerpoint/2010/main" val="37785742"/>
       </p:ext>
     </p:extLst>
   </p:cSld>
@@ -626,7 +681,91 @@
           <a:p>
             <a:fld id="{5667F26F-CF4B-4075-A0DF-7E3987368146}" type="slidenum">
               <a:rPr lang="fr-CH" smtClean="0"/>
-              <a:t>8</a:t>
+              <a:t>14</a:t>
+            </a:fld>
+            <a:endParaRPr lang="fr-CH"/>
+          </a:p>
+        </p:txBody>
+      </p:sp>
+    </p:spTree>
+    <p:extLst>
+      <p:ext uri="{BB962C8B-B14F-4D97-AF65-F5344CB8AC3E}">
+        <p14:creationId xmlns:p14="http://schemas.microsoft.com/office/powerpoint/2010/main" val="140894020"/>
+      </p:ext>
+    </p:extLst>
+  </p:cSld>
+  <p:clrMapOvr>
+    <a:masterClrMapping/>
+  </p:clrMapOvr>
+</p:notes>
+</file>
+
+<file path=ppt/notesSlides/notesSlide3.xml><?xml version="1.0" encoding="utf-8"?>
+<p:notes xmlns:a="http://schemas.openxmlformats.org/drawingml/2006/main" xmlns:r="http://schemas.openxmlformats.org/officeDocument/2006/relationships" xmlns:p="http://schemas.openxmlformats.org/presentationml/2006/main">
+  <p:cSld>
+    <p:spTree>
+      <p:nvGrpSpPr>
+        <p:cNvPr id="1" name=""/>
+        <p:cNvGrpSpPr/>
+        <p:nvPr/>
+      </p:nvGrpSpPr>
+      <p:grpSpPr>
+        <a:xfrm>
+          <a:off x="0" y="0"/>
+          <a:ext cx="0" cy="0"/>
+          <a:chOff x="0" y="0"/>
+          <a:chExt cx="0" cy="0"/>
+        </a:xfrm>
+      </p:grpSpPr>
+      <p:sp>
+        <p:nvSpPr>
+          <p:cNvPr id="2" name="Slide Image Placeholder 1"/>
+          <p:cNvSpPr>
+            <a:spLocks noGrp="1" noRot="1" noChangeAspect="1"/>
+          </p:cNvSpPr>
+          <p:nvPr>
+            <p:ph type="sldImg"/>
+          </p:nvPr>
+        </p:nvSpPr>
+        <p:spPr/>
+      </p:sp>
+      <p:sp>
+        <p:nvSpPr>
+          <p:cNvPr id="3" name="Notes Placeholder 2"/>
+          <p:cNvSpPr>
+            <a:spLocks noGrp="1"/>
+          </p:cNvSpPr>
+          <p:nvPr>
+            <p:ph type="body" idx="1"/>
+          </p:nvPr>
+        </p:nvSpPr>
+        <p:spPr/>
+        <p:txBody>
+          <a:bodyPr/>
+          <a:lstStyle/>
+          <a:p>
+            <a:endParaRPr lang="fr-CH" dirty="0"/>
+          </a:p>
+        </p:txBody>
+      </p:sp>
+      <p:sp>
+        <p:nvSpPr>
+          <p:cNvPr id="4" name="Slide Number Placeholder 3"/>
+          <p:cNvSpPr>
+            <a:spLocks noGrp="1"/>
+          </p:cNvSpPr>
+          <p:nvPr>
+            <p:ph type="sldNum" sz="quarter" idx="10"/>
+          </p:nvPr>
+        </p:nvSpPr>
+        <p:spPr/>
+        <p:txBody>
+          <a:bodyPr/>
+          <a:lstStyle/>
+          <a:p>
+            <a:fld id="{5667F26F-CF4B-4075-A0DF-7E3987368146}" type="slidenum">
+              <a:rPr lang="fr-CH" smtClean="0"/>
+              <a:t>16</a:t>
             </a:fld>
             <a:endParaRPr lang="fr-CH"/>
           </a:p>
@@ -636,6 +775,174 @@
     <p:extLst>
       <p:ext uri="{BB962C8B-B14F-4D97-AF65-F5344CB8AC3E}">
         <p14:creationId xmlns:p14="http://schemas.microsoft.com/office/powerpoint/2010/main" val="2587370698"/>
+      </p:ext>
+    </p:extLst>
+  </p:cSld>
+  <p:clrMapOvr>
+    <a:masterClrMapping/>
+  </p:clrMapOvr>
+</p:notes>
+</file>
+
+<file path=ppt/notesSlides/notesSlide4.xml><?xml version="1.0" encoding="utf-8"?>
+<p:notes xmlns:a="http://schemas.openxmlformats.org/drawingml/2006/main" xmlns:r="http://schemas.openxmlformats.org/officeDocument/2006/relationships" xmlns:p="http://schemas.openxmlformats.org/presentationml/2006/main">
+  <p:cSld>
+    <p:spTree>
+      <p:nvGrpSpPr>
+        <p:cNvPr id="1" name=""/>
+        <p:cNvGrpSpPr/>
+        <p:nvPr/>
+      </p:nvGrpSpPr>
+      <p:grpSpPr>
+        <a:xfrm>
+          <a:off x="0" y="0"/>
+          <a:ext cx="0" cy="0"/>
+          <a:chOff x="0" y="0"/>
+          <a:chExt cx="0" cy="0"/>
+        </a:xfrm>
+      </p:grpSpPr>
+      <p:sp>
+        <p:nvSpPr>
+          <p:cNvPr id="2" name="Slide Image Placeholder 1"/>
+          <p:cNvSpPr>
+            <a:spLocks noGrp="1" noRot="1" noChangeAspect="1"/>
+          </p:cNvSpPr>
+          <p:nvPr>
+            <p:ph type="sldImg"/>
+          </p:nvPr>
+        </p:nvSpPr>
+        <p:spPr/>
+      </p:sp>
+      <p:sp>
+        <p:nvSpPr>
+          <p:cNvPr id="3" name="Notes Placeholder 2"/>
+          <p:cNvSpPr>
+            <a:spLocks noGrp="1"/>
+          </p:cNvSpPr>
+          <p:nvPr>
+            <p:ph type="body" idx="1"/>
+          </p:nvPr>
+        </p:nvSpPr>
+        <p:spPr/>
+        <p:txBody>
+          <a:bodyPr/>
+          <a:lstStyle/>
+          <a:p>
+            <a:r>
+              <a:rPr lang="en-US" dirty="0" smtClean="0"/>
+              <a:t>Signifier </a:t>
+            </a:r>
+            <a:r>
+              <a:rPr lang="en-US" dirty="0" err="1" smtClean="0"/>
+              <a:t>qu’il</a:t>
+            </a:r>
+            <a:r>
+              <a:rPr lang="en-US" dirty="0" smtClean="0"/>
+              <a:t> y a déjà des Solutions qui </a:t>
+            </a:r>
+            <a:r>
+              <a:rPr lang="en-US" dirty="0" err="1" smtClean="0"/>
+              <a:t>ont</a:t>
+            </a:r>
+            <a:r>
+              <a:rPr lang="en-US" dirty="0" smtClean="0"/>
+              <a:t> </a:t>
+            </a:r>
+            <a:r>
+              <a:rPr lang="en-US" dirty="0" err="1" smtClean="0"/>
+              <a:t>été</a:t>
+            </a:r>
+            <a:r>
+              <a:rPr lang="en-US" dirty="0" smtClean="0"/>
+              <a:t> </a:t>
+            </a:r>
+            <a:r>
+              <a:rPr lang="en-US" dirty="0" err="1" smtClean="0"/>
+              <a:t>appliquées</a:t>
+            </a:r>
+            <a:r>
+              <a:rPr lang="en-US" dirty="0" smtClean="0"/>
+              <a:t> </a:t>
+            </a:r>
+            <a:r>
+              <a:rPr lang="en-US" dirty="0" smtClean="0">
+                <a:sym typeface="Wingdings" panose="05000000000000000000" pitchFamily="2" charset="2"/>
+              </a:rPr>
+              <a:t> </a:t>
+            </a:r>
+            <a:r>
+              <a:rPr lang="en-US" dirty="0" err="1" smtClean="0">
+                <a:sym typeface="Wingdings" panose="05000000000000000000" pitchFamily="2" charset="2"/>
+              </a:rPr>
+              <a:t>ou</a:t>
+            </a:r>
+            <a:r>
+              <a:rPr lang="en-US" dirty="0" smtClean="0">
+                <a:sym typeface="Wingdings" panose="05000000000000000000" pitchFamily="2" charset="2"/>
+              </a:rPr>
+              <a:t> </a:t>
+            </a:r>
+            <a:r>
+              <a:rPr lang="en-US" dirty="0" err="1" smtClean="0">
+                <a:sym typeface="Wingdings" panose="05000000000000000000" pitchFamily="2" charset="2"/>
+              </a:rPr>
+              <a:t>en</a:t>
+            </a:r>
+            <a:r>
+              <a:rPr lang="en-US" dirty="0" smtClean="0">
+                <a:sym typeface="Wingdings" panose="05000000000000000000" pitchFamily="2" charset="2"/>
+              </a:rPr>
+              <a:t> </a:t>
+            </a:r>
+            <a:r>
+              <a:rPr lang="en-US" dirty="0" err="1" smtClean="0">
+                <a:sym typeface="Wingdings" panose="05000000000000000000" pitchFamily="2" charset="2"/>
+              </a:rPr>
+              <a:t>cours</a:t>
+            </a:r>
+            <a:r>
+              <a:rPr lang="en-US" dirty="0" smtClean="0">
+                <a:sym typeface="Wingdings" panose="05000000000000000000" pitchFamily="2" charset="2"/>
+              </a:rPr>
+              <a:t> </a:t>
+            </a:r>
+            <a:r>
+              <a:rPr lang="en-US" dirty="0" err="1" smtClean="0">
+                <a:sym typeface="Wingdings" panose="05000000000000000000" pitchFamily="2" charset="2"/>
+              </a:rPr>
+              <a:t>d’application</a:t>
+            </a:r>
+            <a:endParaRPr lang="fr-CH" dirty="0"/>
+          </a:p>
+        </p:txBody>
+      </p:sp>
+      <p:sp>
+        <p:nvSpPr>
+          <p:cNvPr id="4" name="Slide Number Placeholder 3"/>
+          <p:cNvSpPr>
+            <a:spLocks noGrp="1"/>
+          </p:cNvSpPr>
+          <p:nvPr>
+            <p:ph type="sldNum" sz="quarter" idx="10"/>
+          </p:nvPr>
+        </p:nvSpPr>
+        <p:spPr/>
+        <p:txBody>
+          <a:bodyPr/>
+          <a:lstStyle/>
+          <a:p>
+            <a:fld id="{5667F26F-CF4B-4075-A0DF-7E3987368146}" type="slidenum">
+              <a:rPr lang="fr-CH" smtClean="0"/>
+              <a:t>19</a:t>
+            </a:fld>
+            <a:endParaRPr lang="fr-CH"/>
+          </a:p>
+        </p:txBody>
+      </p:sp>
+    </p:spTree>
+    <p:extLst>
+      <p:ext uri="{BB962C8B-B14F-4D97-AF65-F5344CB8AC3E}">
+        <p14:creationId xmlns:p14="http://schemas.microsoft.com/office/powerpoint/2010/main" val="1581906897"/>
       </p:ext>
     </p:extLst>
   </p:cSld>
@@ -6694,6 +7001,13 @@
   <p:clrMapOvr>
     <a:masterClrMapping/>
   </p:clrMapOvr>
+  <p:timing>
+    <p:tnLst>
+      <p:par>
+        <p:cTn id="1" dur="indefinite" restart="never" nodeType="tmRoot"/>
+      </p:par>
+    </p:tnLst>
+  </p:timing>
 </p:sld>
 </file>
 
@@ -6726,145 +7040,8 @@
         </p:nvSpPr>
         <p:spPr>
           <a:xfrm>
-            <a:off x="0" y="24350"/>
-            <a:ext cx="9404723" cy="832385"/>
-          </a:xfrm>
-        </p:spPr>
-        <p:txBody>
-          <a:bodyPr/>
-          <a:lstStyle/>
-          <a:p>
-            <a:pPr algn="l"/>
-            <a:r>
-              <a:rPr lang="en-US" dirty="0" err="1" smtClean="0"/>
-              <a:t>Problèmes</a:t>
-            </a:r>
-            <a:r>
-              <a:rPr lang="en-US" dirty="0" smtClean="0"/>
-              <a:t> </a:t>
-            </a:r>
-            <a:r>
-              <a:rPr lang="en-US" dirty="0" err="1" smtClean="0"/>
-              <a:t>rencontrés</a:t>
-            </a:r>
-            <a:endParaRPr lang="fr-CH" dirty="0"/>
-          </a:p>
-        </p:txBody>
-      </p:sp>
-      <p:sp>
-        <p:nvSpPr>
-          <p:cNvPr id="3" name="Content Placeholder 2"/>
-          <p:cNvSpPr>
-            <a:spLocks noGrp="1"/>
-          </p:cNvSpPr>
-          <p:nvPr>
-            <p:ph idx="1"/>
-          </p:nvPr>
-        </p:nvSpPr>
-        <p:spPr/>
-        <p:txBody>
-          <a:bodyPr/>
-          <a:lstStyle/>
-          <a:p>
-            <a:r>
-              <a:rPr lang="en-US" dirty="0" smtClean="0"/>
-              <a:t>IE </a:t>
-            </a:r>
-            <a:r>
-              <a:rPr lang="en-US" dirty="0" smtClean="0"/>
-              <a:t>avec VueX</a:t>
-            </a:r>
-          </a:p>
-          <a:p>
-            <a:pPr lvl="1"/>
-            <a:r>
-              <a:rPr lang="en-US" dirty="0" err="1" smtClean="0"/>
-              <a:t>Résolution</a:t>
-            </a:r>
-            <a:r>
-              <a:rPr lang="en-US" dirty="0" smtClean="0"/>
-              <a:t> : </a:t>
-            </a:r>
-            <a:r>
-              <a:rPr lang="en-US" b="1" dirty="0" smtClean="0"/>
-              <a:t>babel-</a:t>
-            </a:r>
-            <a:r>
-              <a:rPr lang="en-US" b="1" dirty="0" err="1" smtClean="0"/>
-              <a:t>polyfill</a:t>
-            </a:r>
-            <a:endParaRPr lang="en-US" b="1" dirty="0" smtClean="0"/>
-          </a:p>
-        </p:txBody>
-      </p:sp>
-      <p:pic>
-        <p:nvPicPr>
-          <p:cNvPr id="4" name="Picture 3"/>
-          <p:cNvPicPr>
-            <a:picLocks noChangeAspect="1"/>
-          </p:cNvPicPr>
-          <p:nvPr/>
-        </p:nvPicPr>
-        <p:blipFill>
-          <a:blip r:embed="rId2"/>
-          <a:stretch>
-            <a:fillRect/>
-          </a:stretch>
-        </p:blipFill>
-        <p:spPr>
-          <a:xfrm>
-            <a:off x="5212500" y="1513571"/>
-            <a:ext cx="6743700" cy="1828800"/>
-          </a:xfrm>
-          <a:prstGeom prst="rect">
-            <a:avLst/>
-          </a:prstGeom>
-        </p:spPr>
-      </p:pic>
-    </p:spTree>
-    <p:extLst>
-      <p:ext uri="{BB962C8B-B14F-4D97-AF65-F5344CB8AC3E}">
-        <p14:creationId xmlns:p14="http://schemas.microsoft.com/office/powerpoint/2010/main" val="425895806"/>
-      </p:ext>
-    </p:extLst>
-  </p:cSld>
-  <p:clrMapOvr>
-    <a:masterClrMapping/>
-  </p:clrMapOvr>
-</p:sld>
-</file>
-
-<file path=ppt/slides/slide11.xml><?xml version="1.0" encoding="utf-8"?>
-<p:sld xmlns:a="http://schemas.openxmlformats.org/drawingml/2006/main" xmlns:r="http://schemas.openxmlformats.org/officeDocument/2006/relationships" xmlns:p="http://schemas.openxmlformats.org/presentationml/2006/main">
-  <p:cSld>
-    <p:spTree>
-      <p:nvGrpSpPr>
-        <p:cNvPr id="1" name=""/>
-        <p:cNvGrpSpPr/>
-        <p:nvPr/>
-      </p:nvGrpSpPr>
-      <p:grpSpPr>
-        <a:xfrm>
-          <a:off x="0" y="0"/>
-          <a:ext cx="0" cy="0"/>
-          <a:chOff x="0" y="0"/>
-          <a:chExt cx="0" cy="0"/>
-        </a:xfrm>
-      </p:grpSpPr>
-      <p:sp>
-        <p:nvSpPr>
-          <p:cNvPr id="2" name="Title 1"/>
-          <p:cNvSpPr>
-            <a:spLocks noGrp="1"/>
-          </p:cNvSpPr>
-          <p:nvPr>
-            <p:ph type="title"/>
-          </p:nvPr>
-        </p:nvSpPr>
-        <p:spPr>
-          <a:xfrm>
             <a:off x="0" y="0"/>
-            <a:ext cx="9404723" cy="617838"/>
+            <a:ext cx="3542097" cy="758244"/>
           </a:xfrm>
         </p:spPr>
         <p:txBody>
@@ -6875,473 +7052,8 @@
           <a:p>
             <a:pPr algn="l"/>
             <a:r>
-              <a:rPr lang="en-US" dirty="0" err="1" smtClean="0"/>
-              <a:t>Erreurs</a:t>
-            </a:r>
-            <a:r>
-              <a:rPr lang="en-US" dirty="0" smtClean="0"/>
-              <a:t> </a:t>
-            </a:r>
-            <a:r>
-              <a:rPr lang="en-US" dirty="0" err="1" smtClean="0"/>
-              <a:t>Restantes</a:t>
-            </a:r>
-            <a:endParaRPr lang="fr-CH" dirty="0"/>
-          </a:p>
-        </p:txBody>
-      </p:sp>
-      <p:sp>
-        <p:nvSpPr>
-          <p:cNvPr id="3" name="Content Placeholder 2"/>
-          <p:cNvSpPr>
-            <a:spLocks noGrp="1"/>
-          </p:cNvSpPr>
-          <p:nvPr>
-            <p:ph idx="1"/>
-          </p:nvPr>
-        </p:nvSpPr>
-        <p:spPr/>
-        <p:txBody>
-          <a:bodyPr/>
-          <a:lstStyle/>
-          <a:p>
-            <a:r>
-              <a:rPr lang="en-US" dirty="0" err="1" smtClean="0"/>
-              <a:t>Problème</a:t>
-            </a:r>
-            <a:r>
-              <a:rPr lang="en-US" dirty="0" smtClean="0"/>
-              <a:t> </a:t>
-            </a:r>
-            <a:r>
-              <a:rPr lang="en-US" dirty="0" err="1" smtClean="0"/>
-              <a:t>lors</a:t>
-            </a:r>
-            <a:r>
-              <a:rPr lang="en-US" dirty="0" smtClean="0"/>
-              <a:t> de </a:t>
-            </a:r>
-            <a:r>
-              <a:rPr lang="en-US" dirty="0" err="1" smtClean="0"/>
-              <a:t>l’Authentification</a:t>
-            </a:r>
-            <a:r>
-              <a:rPr lang="en-US" dirty="0" smtClean="0"/>
-              <a:t> </a:t>
-            </a:r>
-            <a:r>
-              <a:rPr lang="en-US" dirty="0" err="1" smtClean="0"/>
-              <a:t>si</a:t>
-            </a:r>
-            <a:r>
-              <a:rPr lang="en-US" dirty="0" smtClean="0"/>
-              <a:t> </a:t>
-            </a:r>
-            <a:r>
-              <a:rPr lang="en-US" dirty="0" err="1" smtClean="0"/>
-              <a:t>refus</a:t>
-            </a:r>
-            <a:r>
-              <a:rPr lang="en-US" dirty="0" smtClean="0"/>
-              <a:t> pour </a:t>
-            </a:r>
-            <a:r>
-              <a:rPr lang="en-US" dirty="0" err="1" smtClean="0"/>
-              <a:t>l’email</a:t>
-            </a:r>
-            <a:endParaRPr lang="en-US" dirty="0" smtClean="0"/>
-          </a:p>
-          <a:p>
-            <a:pPr marL="36900" indent="0">
-              <a:buNone/>
-            </a:pPr>
-            <a:endParaRPr lang="en-US" dirty="0" smtClean="0"/>
-          </a:p>
-          <a:p>
-            <a:r>
-              <a:rPr lang="en-US" dirty="0" smtClean="0"/>
-              <a:t>Si </a:t>
-            </a:r>
-            <a:r>
-              <a:rPr lang="en-US" dirty="0" err="1" smtClean="0"/>
-              <a:t>une</a:t>
-            </a:r>
-            <a:r>
-              <a:rPr lang="en-US" dirty="0" smtClean="0"/>
-              <a:t> session expire </a:t>
-            </a:r>
-            <a:r>
-              <a:rPr lang="en-US" dirty="0" err="1" smtClean="0"/>
-              <a:t>l’appli</a:t>
-            </a:r>
-            <a:r>
-              <a:rPr lang="en-US" dirty="0" smtClean="0"/>
-              <a:t> ne le </a:t>
-            </a:r>
-            <a:r>
-              <a:rPr lang="en-US" dirty="0" err="1" smtClean="0"/>
-              <a:t>verra</a:t>
-            </a:r>
-            <a:r>
-              <a:rPr lang="en-US" dirty="0" smtClean="0"/>
-              <a:t> </a:t>
-            </a:r>
-            <a:r>
-              <a:rPr lang="en-US" dirty="0" smtClean="0"/>
-              <a:t>pas</a:t>
-            </a:r>
-          </a:p>
-          <a:p>
-            <a:endParaRPr lang="en-US" dirty="0" smtClean="0"/>
-          </a:p>
-          <a:p>
-            <a:r>
-              <a:rPr lang="en-US" dirty="0" err="1" smtClean="0"/>
-              <a:t>Erreur</a:t>
-            </a:r>
-            <a:r>
-              <a:rPr lang="en-US" dirty="0" smtClean="0"/>
-              <a:t> </a:t>
-            </a:r>
-            <a:r>
-              <a:rPr lang="en-US" dirty="0" err="1" smtClean="0"/>
-              <a:t>lors</a:t>
-            </a:r>
-            <a:r>
-              <a:rPr lang="en-US" dirty="0" smtClean="0"/>
-              <a:t> </a:t>
-            </a:r>
-            <a:r>
-              <a:rPr lang="en-US" dirty="0" err="1" smtClean="0"/>
-              <a:t>d’une</a:t>
-            </a:r>
-            <a:r>
-              <a:rPr lang="en-US" dirty="0" smtClean="0"/>
-              <a:t> </a:t>
-            </a:r>
-            <a:r>
-              <a:rPr lang="en-US" i="1" dirty="0" smtClean="0"/>
-              <a:t>End</a:t>
-            </a:r>
-            <a:r>
-              <a:rPr lang="en-US" dirty="0" smtClean="0"/>
-              <a:t> avec </a:t>
-            </a:r>
-            <a:r>
-              <a:rPr lang="en-US" dirty="0" err="1" smtClean="0"/>
-              <a:t>une</a:t>
-            </a:r>
-            <a:r>
-              <a:rPr lang="en-US" dirty="0" smtClean="0"/>
-              <a:t> </a:t>
-            </a:r>
-            <a:r>
-              <a:rPr lang="en-US" dirty="0" err="1" smtClean="0"/>
-              <a:t>seule</a:t>
-            </a:r>
-            <a:r>
-              <a:rPr lang="en-US" dirty="0" smtClean="0"/>
-              <a:t> </a:t>
-            </a:r>
-            <a:r>
-              <a:rPr lang="en-US" i="1" dirty="0" smtClean="0"/>
-              <a:t>Arrow</a:t>
-            </a:r>
-            <a:endParaRPr lang="fr-CH" i="1" dirty="0"/>
-          </a:p>
-        </p:txBody>
-      </p:sp>
-    </p:spTree>
-    <p:extLst>
-      <p:ext uri="{BB962C8B-B14F-4D97-AF65-F5344CB8AC3E}">
-        <p14:creationId xmlns:p14="http://schemas.microsoft.com/office/powerpoint/2010/main" val="1941745085"/>
-      </p:ext>
-    </p:extLst>
-  </p:cSld>
-  <p:clrMapOvr>
-    <a:masterClrMapping/>
-  </p:clrMapOvr>
-</p:sld>
-</file>
-
-<file path=ppt/slides/slide12.xml><?xml version="1.0" encoding="utf-8"?>
-<p:sld xmlns:a="http://schemas.openxmlformats.org/drawingml/2006/main" xmlns:r="http://schemas.openxmlformats.org/officeDocument/2006/relationships" xmlns:p="http://schemas.openxmlformats.org/presentationml/2006/main">
-  <p:cSld>
-    <p:spTree>
-      <p:nvGrpSpPr>
-        <p:cNvPr id="1" name=""/>
-        <p:cNvGrpSpPr/>
-        <p:nvPr/>
-      </p:nvGrpSpPr>
-      <p:grpSpPr>
-        <a:xfrm>
-          <a:off x="0" y="0"/>
-          <a:ext cx="0" cy="0"/>
-          <a:chOff x="0" y="0"/>
-          <a:chExt cx="0" cy="0"/>
-        </a:xfrm>
-      </p:grpSpPr>
-      <p:sp>
-        <p:nvSpPr>
-          <p:cNvPr id="2" name="Title 1"/>
-          <p:cNvSpPr>
-            <a:spLocks noGrp="1"/>
-          </p:cNvSpPr>
-          <p:nvPr>
-            <p:ph type="title"/>
-          </p:nvPr>
-        </p:nvSpPr>
-        <p:spPr>
-          <a:xfrm>
-            <a:off x="0" y="0"/>
-            <a:ext cx="10353762" cy="779646"/>
-          </a:xfrm>
-        </p:spPr>
-        <p:txBody>
-          <a:bodyPr/>
-          <a:lstStyle/>
-          <a:p>
-            <a:pPr algn="l"/>
-            <a:r>
-              <a:rPr lang="en-US" dirty="0" err="1" smtClean="0"/>
-              <a:t>Rôles</a:t>
-            </a:r>
-            <a:r>
-              <a:rPr lang="en-US" dirty="0" smtClean="0"/>
-              <a:t> </a:t>
-            </a:r>
-            <a:r>
-              <a:rPr lang="en-US" dirty="0" err="1" smtClean="0"/>
-              <a:t>lors</a:t>
-            </a:r>
-            <a:r>
-              <a:rPr lang="en-US" dirty="0" smtClean="0"/>
-              <a:t> du </a:t>
-            </a:r>
-            <a:r>
-              <a:rPr lang="en-US" dirty="0" err="1" smtClean="0"/>
-              <a:t>développement</a:t>
-            </a:r>
-            <a:endParaRPr lang="fr-CH" dirty="0"/>
-          </a:p>
-        </p:txBody>
-      </p:sp>
-      <p:sp>
-        <p:nvSpPr>
-          <p:cNvPr id="3" name="Content Placeholder 2"/>
-          <p:cNvSpPr>
-            <a:spLocks noGrp="1"/>
-          </p:cNvSpPr>
-          <p:nvPr>
-            <p:ph idx="1"/>
-          </p:nvPr>
-        </p:nvSpPr>
-        <p:spPr>
-          <a:xfrm>
-            <a:off x="702039" y="1616946"/>
-            <a:ext cx="10353762" cy="4058751"/>
-          </a:xfrm>
-        </p:spPr>
-        <p:txBody>
-          <a:bodyPr/>
-          <a:lstStyle/>
-          <a:p>
-            <a:r>
-              <a:rPr lang="en-US" dirty="0" err="1" smtClean="0"/>
-              <a:t>Testeurs</a:t>
-            </a:r>
-            <a:r>
-              <a:rPr lang="en-US" dirty="0" smtClean="0"/>
-              <a:t> : Entourage, Archers et </a:t>
-            </a:r>
-            <a:r>
-              <a:rPr lang="en-US" dirty="0" err="1" smtClean="0"/>
-              <a:t>Moi-même</a:t>
-            </a:r>
-            <a:r>
-              <a:rPr lang="en-US" dirty="0" smtClean="0"/>
-              <a:t>	</a:t>
-            </a:r>
-          </a:p>
-          <a:p>
-            <a:endParaRPr lang="en-US" dirty="0"/>
-          </a:p>
-          <a:p>
-            <a:r>
-              <a:rPr lang="en-US" dirty="0" smtClean="0"/>
-              <a:t>Chef de </a:t>
-            </a:r>
-            <a:r>
-              <a:rPr lang="en-US" dirty="0" err="1" smtClean="0"/>
-              <a:t>projet</a:t>
-            </a:r>
-            <a:r>
-              <a:rPr lang="en-US" dirty="0" smtClean="0"/>
-              <a:t> : Stefano Nepa</a:t>
-            </a:r>
-          </a:p>
-          <a:p>
-            <a:pPr marL="36900" indent="0">
-              <a:buNone/>
-            </a:pPr>
-            <a:endParaRPr lang="en-US" dirty="0"/>
-          </a:p>
-          <a:p>
-            <a:r>
-              <a:rPr lang="en-US" dirty="0" err="1" smtClean="0"/>
-              <a:t>Développeur</a:t>
-            </a:r>
-            <a:r>
-              <a:rPr lang="en-US" dirty="0" smtClean="0"/>
-              <a:t> : </a:t>
-            </a:r>
-            <a:r>
-              <a:rPr lang="en-US" dirty="0" err="1" smtClean="0"/>
-              <a:t>Moi-même</a:t>
-            </a:r>
-            <a:endParaRPr lang="en-US" dirty="0" smtClean="0"/>
-          </a:p>
-          <a:p>
-            <a:endParaRPr lang="en-US" dirty="0" smtClean="0"/>
-          </a:p>
-          <a:p>
-            <a:r>
-              <a:rPr lang="en-US" dirty="0"/>
-              <a:t>Client : Stefano et </a:t>
-            </a:r>
-            <a:r>
-              <a:rPr lang="en-US" dirty="0" err="1"/>
-              <a:t>moi</a:t>
-            </a:r>
-            <a:r>
-              <a:rPr lang="en-US" dirty="0"/>
-              <a:t> </a:t>
-            </a:r>
-            <a:r>
-              <a:rPr lang="en-US" dirty="0" err="1"/>
-              <a:t>même</a:t>
-            </a:r>
-            <a:endParaRPr lang="en-US" dirty="0"/>
-          </a:p>
-          <a:p>
-            <a:endParaRPr lang="fr-CH" dirty="0"/>
-          </a:p>
-        </p:txBody>
-      </p:sp>
-    </p:spTree>
-    <p:extLst>
-      <p:ext uri="{BB962C8B-B14F-4D97-AF65-F5344CB8AC3E}">
-        <p14:creationId xmlns:p14="http://schemas.microsoft.com/office/powerpoint/2010/main" val="3202919036"/>
-      </p:ext>
-    </p:extLst>
-  </p:cSld>
-  <p:clrMapOvr>
-    <a:masterClrMapping/>
-  </p:clrMapOvr>
-</p:sld>
-</file>
-
-<file path=ppt/slides/slide13.xml><?xml version="1.0" encoding="utf-8"?>
-<p:sld xmlns:a="http://schemas.openxmlformats.org/drawingml/2006/main" xmlns:r="http://schemas.openxmlformats.org/officeDocument/2006/relationships" xmlns:p="http://schemas.openxmlformats.org/presentationml/2006/main">
-  <p:cSld>
-    <p:spTree>
-      <p:nvGrpSpPr>
-        <p:cNvPr id="1" name=""/>
-        <p:cNvGrpSpPr/>
-        <p:nvPr/>
-      </p:nvGrpSpPr>
-      <p:grpSpPr>
-        <a:xfrm>
-          <a:off x="0" y="0"/>
-          <a:ext cx="0" cy="0"/>
-          <a:chOff x="0" y="0"/>
-          <a:chExt cx="0" cy="0"/>
-        </a:xfrm>
-      </p:grpSpPr>
-      <p:sp>
-        <p:nvSpPr>
-          <p:cNvPr id="2" name="Title 1"/>
-          <p:cNvSpPr>
-            <a:spLocks noGrp="1"/>
-          </p:cNvSpPr>
-          <p:nvPr>
-            <p:ph type="title"/>
-          </p:nvPr>
-        </p:nvSpPr>
-        <p:spPr>
-          <a:xfrm>
-            <a:off x="4526132" y="2808740"/>
-            <a:ext cx="3242149" cy="733531"/>
-          </a:xfrm>
-        </p:spPr>
-        <p:txBody>
-          <a:bodyPr/>
-          <a:lstStyle/>
-          <a:p>
-            <a:r>
-              <a:rPr lang="en-US" dirty="0" smtClean="0"/>
-              <a:t>Questions ?</a:t>
-            </a:r>
-            <a:endParaRPr lang="fr-CH" dirty="0"/>
-          </a:p>
-        </p:txBody>
-      </p:sp>
-    </p:spTree>
-    <p:extLst>
-      <p:ext uri="{BB962C8B-B14F-4D97-AF65-F5344CB8AC3E}">
-        <p14:creationId xmlns:p14="http://schemas.microsoft.com/office/powerpoint/2010/main" val="1894489813"/>
-      </p:ext>
-    </p:extLst>
-  </p:cSld>
-  <p:clrMapOvr>
-    <a:masterClrMapping/>
-  </p:clrMapOvr>
-</p:sld>
-</file>
-
-<file path=ppt/slides/slide2.xml><?xml version="1.0" encoding="utf-8"?>
-<p:sld xmlns:a="http://schemas.openxmlformats.org/drawingml/2006/main" xmlns:r="http://schemas.openxmlformats.org/officeDocument/2006/relationships" xmlns:p="http://schemas.openxmlformats.org/presentationml/2006/main">
-  <p:cSld>
-    <p:spTree>
-      <p:nvGrpSpPr>
-        <p:cNvPr id="1" name=""/>
-        <p:cNvGrpSpPr/>
-        <p:nvPr/>
-      </p:nvGrpSpPr>
-      <p:grpSpPr>
-        <a:xfrm>
-          <a:off x="0" y="0"/>
-          <a:ext cx="0" cy="0"/>
-          <a:chOff x="0" y="0"/>
-          <a:chExt cx="0" cy="0"/>
-        </a:xfrm>
-      </p:grpSpPr>
-      <p:sp>
-        <p:nvSpPr>
-          <p:cNvPr id="2" name="Title 1"/>
-          <p:cNvSpPr>
-            <a:spLocks noGrp="1"/>
-          </p:cNvSpPr>
-          <p:nvPr>
-            <p:ph type="title"/>
-          </p:nvPr>
-        </p:nvSpPr>
-        <p:spPr>
-          <a:xfrm>
-            <a:off x="0" y="0"/>
-            <a:ext cx="2904397" cy="758244"/>
-          </a:xfrm>
-        </p:spPr>
-        <p:txBody>
-          <a:bodyPr>
-            <a:normAutofit/>
-          </a:bodyPr>
-          <a:lstStyle/>
-          <a:p>
-            <a:pPr algn="l"/>
-            <a:r>
-              <a:rPr lang="en-US" dirty="0" smtClean="0"/>
-              <a:t>Contexte</a:t>
+              <a:rPr lang="en-US" sz="6000" dirty="0" smtClean="0"/>
+              <a:t> Contexte</a:t>
             </a:r>
             <a:endParaRPr lang="fr-CH" dirty="0"/>
           </a:p>
@@ -7355,7 +7067,7 @@
         </p:nvSpPr>
         <p:spPr>
           <a:xfrm>
-            <a:off x="5140760" y="2506383"/>
+            <a:off x="5083008" y="2323503"/>
             <a:ext cx="2042983" cy="1145060"/>
           </a:xfrm>
           <a:prstGeom prst="rect">
@@ -7413,7 +7125,7 @@
         </p:nvCxnSpPr>
         <p:spPr>
           <a:xfrm>
-            <a:off x="4019888" y="2287225"/>
+            <a:off x="3962136" y="2104345"/>
             <a:ext cx="1120872" cy="791688"/>
           </a:xfrm>
           <a:prstGeom prst="line">
@@ -7446,7 +7158,7 @@
         </p:nvCxnSpPr>
         <p:spPr>
           <a:xfrm flipV="1">
-            <a:off x="7183743" y="2198055"/>
+            <a:off x="7125991" y="2015175"/>
             <a:ext cx="659027" cy="880858"/>
           </a:xfrm>
           <a:prstGeom prst="line">
@@ -7478,9 +7190,9 @@
           <p:nvPr/>
         </p:nvCxnSpPr>
         <p:spPr>
-          <a:xfrm>
-            <a:off x="5630910" y="2235567"/>
-            <a:ext cx="531342" cy="270816"/>
+          <a:xfrm flipH="1">
+            <a:off x="6104500" y="1820294"/>
+            <a:ext cx="16076" cy="503209"/>
           </a:xfrm>
           <a:prstGeom prst="straightConnector1">
             <a:avLst/>
@@ -7515,7 +7227,7 @@
         </p:nvSpPr>
         <p:spPr>
           <a:xfrm>
-            <a:off x="4778293" y="1589236"/>
+            <a:off x="5267959" y="1173963"/>
             <a:ext cx="1705233" cy="646331"/>
           </a:xfrm>
           <a:prstGeom prst="rect">
@@ -7530,38 +7242,808 @@
           <a:lstStyle/>
           <a:p>
             <a:r>
-              <a:rPr lang="en-US" dirty="0" smtClean="0">
-                <a:solidFill>
-                  <a:schemeClr val="accent1"/>
-                </a:solidFill>
-              </a:rPr>
+              <a:rPr lang="en-US" dirty="0" smtClean="0"/>
               <a:t>Node.JS execute</a:t>
             </a:r>
-            <a:endParaRPr lang="fr-CH" dirty="0">
-              <a:solidFill>
-                <a:schemeClr val="accent1"/>
-              </a:solidFill>
-            </a:endParaRPr>
+            <a:endParaRPr lang="fr-CH" dirty="0"/>
+          </a:p>
+        </p:txBody>
+      </p:sp>
+      <p:sp>
+        <p:nvSpPr>
+          <p:cNvPr id="4" name="Oval 3"/>
+          <p:cNvSpPr/>
+          <p:nvPr/>
+        </p:nvSpPr>
+        <p:spPr>
+          <a:xfrm>
+            <a:off x="7785018" y="1508548"/>
+            <a:ext cx="1235676" cy="1013254"/>
+          </a:xfrm>
+          <a:prstGeom prst="ellipse">
+            <a:avLst/>
+          </a:prstGeom>
+        </p:spPr>
+        <p:style>
+          <a:lnRef idx="2">
+            <a:schemeClr val="accent1">
+              <a:shade val="50000"/>
+            </a:schemeClr>
+          </a:lnRef>
+          <a:fillRef idx="1">
+            <a:schemeClr val="accent1"/>
+          </a:fillRef>
+          <a:effectRef idx="0">
+            <a:schemeClr val="accent1"/>
+          </a:effectRef>
+          <a:fontRef idx="minor">
+            <a:schemeClr val="lt1"/>
+          </a:fontRef>
+        </p:style>
+        <p:txBody>
+          <a:bodyPr rtlCol="0" anchor="ctr"/>
+          <a:lstStyle/>
+          <a:p>
+            <a:pPr algn="ctr"/>
+            <a:r>
+              <a:rPr lang="en-US" dirty="0" smtClean="0"/>
+              <a:t>API</a:t>
+            </a:r>
+          </a:p>
+        </p:txBody>
+      </p:sp>
+      <p:sp>
+        <p:nvSpPr>
+          <p:cNvPr id="5" name="Oval 4"/>
+          <p:cNvSpPr/>
+          <p:nvPr/>
+        </p:nvSpPr>
+        <p:spPr>
+          <a:xfrm>
+            <a:off x="2602892" y="1556529"/>
+            <a:ext cx="1359244" cy="1095632"/>
+          </a:xfrm>
+          <a:prstGeom prst="ellipse">
+            <a:avLst/>
+          </a:prstGeom>
+        </p:spPr>
+        <p:style>
+          <a:lnRef idx="2">
+            <a:schemeClr val="accent1">
+              <a:shade val="50000"/>
+            </a:schemeClr>
+          </a:lnRef>
+          <a:fillRef idx="1">
+            <a:schemeClr val="accent1"/>
+          </a:fillRef>
+          <a:effectRef idx="0">
+            <a:schemeClr val="accent1"/>
+          </a:effectRef>
+          <a:fontRef idx="minor">
+            <a:schemeClr val="lt1"/>
+          </a:fontRef>
+        </p:style>
+        <p:txBody>
+          <a:bodyPr rtlCol="0" anchor="ctr"/>
+          <a:lstStyle/>
+          <a:p>
+            <a:pPr algn="ctr"/>
+            <a:r>
+              <a:rPr lang="en-US" dirty="0" smtClean="0"/>
+              <a:t>Client</a:t>
+            </a:r>
+          </a:p>
+        </p:txBody>
+      </p:sp>
+      <p:cxnSp>
+        <p:nvCxnSpPr>
+          <p:cNvPr id="58" name="Straight Arrow Connector 57"/>
+          <p:cNvCxnSpPr>
+            <a:stCxn id="6" idx="2"/>
+            <a:endCxn id="59" idx="0"/>
+          </p:cNvCxnSpPr>
+          <p:nvPr/>
+        </p:nvCxnSpPr>
+        <p:spPr>
+          <a:xfrm>
+            <a:off x="6104500" y="3468563"/>
+            <a:ext cx="0" cy="1066640"/>
+          </a:xfrm>
+          <a:prstGeom prst="straightConnector1">
+            <a:avLst/>
+          </a:prstGeom>
+          <a:ln>
+            <a:tailEnd type="triangle"/>
+          </a:ln>
+        </p:spPr>
+        <p:style>
+          <a:lnRef idx="1">
+            <a:schemeClr val="accent1"/>
+          </a:lnRef>
+          <a:fillRef idx="0">
+            <a:schemeClr val="accent1"/>
+          </a:fillRef>
+          <a:effectRef idx="0">
+            <a:schemeClr val="accent1"/>
+          </a:effectRef>
+          <a:fontRef idx="minor">
+            <a:schemeClr val="tx1"/>
+          </a:fontRef>
+        </p:style>
+      </p:cxnSp>
+      <p:sp>
+        <p:nvSpPr>
+          <p:cNvPr id="59" name="TextBox 58"/>
+          <p:cNvSpPr txBox="1"/>
+          <p:nvPr/>
+        </p:nvSpPr>
+        <p:spPr>
+          <a:xfrm>
+            <a:off x="5523065" y="4535203"/>
+            <a:ext cx="1162870" cy="646331"/>
+          </a:xfrm>
+          <a:prstGeom prst="rect">
+            <a:avLst/>
+          </a:prstGeom>
+          <a:noFill/>
+        </p:spPr>
+        <p:txBody>
+          <a:bodyPr wrap="square" rtlCol="0">
+            <a:spAutoFit/>
+          </a:bodyPr>
+          <a:lstStyle/>
+          <a:p>
+            <a:r>
+              <a:rPr lang="en-US" dirty="0" err="1" smtClean="0"/>
+              <a:t>Crée</a:t>
+            </a:r>
+            <a:r>
+              <a:rPr lang="en-US" dirty="0" smtClean="0"/>
+              <a:t> </a:t>
+            </a:r>
+            <a:r>
+              <a:rPr lang="en-US" dirty="0" smtClean="0"/>
+              <a:t>un </a:t>
+            </a:r>
+            <a:r>
+              <a:rPr lang="en-US" dirty="0" err="1" smtClean="0"/>
+              <a:t>serveur</a:t>
+            </a:r>
+            <a:endParaRPr lang="fr-CH" dirty="0"/>
+          </a:p>
+        </p:txBody>
+      </p:sp>
+      <p:cxnSp>
+        <p:nvCxnSpPr>
+          <p:cNvPr id="62" name="Straight Arrow Connector 61"/>
+          <p:cNvCxnSpPr/>
+          <p:nvPr/>
+        </p:nvCxnSpPr>
+        <p:spPr>
+          <a:xfrm flipV="1">
+            <a:off x="4477803" y="5181534"/>
+            <a:ext cx="1128585" cy="1021492"/>
+          </a:xfrm>
+          <a:prstGeom prst="straightConnector1">
+            <a:avLst/>
+          </a:prstGeom>
+          <a:ln>
+            <a:tailEnd type="triangle"/>
+          </a:ln>
+        </p:spPr>
+        <p:style>
+          <a:lnRef idx="1">
+            <a:schemeClr val="accent1"/>
+          </a:lnRef>
+          <a:fillRef idx="0">
+            <a:schemeClr val="accent1"/>
+          </a:fillRef>
+          <a:effectRef idx="0">
+            <a:schemeClr val="accent1"/>
+          </a:effectRef>
+          <a:fontRef idx="minor">
+            <a:schemeClr val="tx1"/>
+          </a:fontRef>
+        </p:style>
+      </p:cxnSp>
+      <p:cxnSp>
+        <p:nvCxnSpPr>
+          <p:cNvPr id="63" name="Straight Arrow Connector 62"/>
+          <p:cNvCxnSpPr/>
+          <p:nvPr/>
+        </p:nvCxnSpPr>
+        <p:spPr>
+          <a:xfrm flipV="1">
+            <a:off x="5239083" y="5362767"/>
+            <a:ext cx="535783" cy="840259"/>
+          </a:xfrm>
+          <a:prstGeom prst="straightConnector1">
+            <a:avLst/>
+          </a:prstGeom>
+          <a:ln>
+            <a:tailEnd type="triangle"/>
+          </a:ln>
+        </p:spPr>
+        <p:style>
+          <a:lnRef idx="1">
+            <a:schemeClr val="accent1"/>
+          </a:lnRef>
+          <a:fillRef idx="0">
+            <a:schemeClr val="accent1"/>
+          </a:fillRef>
+          <a:effectRef idx="0">
+            <a:schemeClr val="accent1"/>
+          </a:effectRef>
+          <a:fontRef idx="minor">
+            <a:schemeClr val="tx1"/>
+          </a:fontRef>
+        </p:style>
+      </p:cxnSp>
+      <p:cxnSp>
+        <p:nvCxnSpPr>
+          <p:cNvPr id="64" name="Straight Arrow Connector 63"/>
+          <p:cNvCxnSpPr/>
+          <p:nvPr/>
+        </p:nvCxnSpPr>
+        <p:spPr>
+          <a:xfrm flipH="1" flipV="1">
+            <a:off x="6116235" y="5362767"/>
+            <a:ext cx="17502" cy="928761"/>
+          </a:xfrm>
+          <a:prstGeom prst="straightConnector1">
+            <a:avLst/>
+          </a:prstGeom>
+          <a:ln>
+            <a:tailEnd type="triangle"/>
+          </a:ln>
+        </p:spPr>
+        <p:style>
+          <a:lnRef idx="1">
+            <a:schemeClr val="accent1"/>
+          </a:lnRef>
+          <a:fillRef idx="0">
+            <a:schemeClr val="accent1"/>
+          </a:fillRef>
+          <a:effectRef idx="0">
+            <a:schemeClr val="accent1"/>
+          </a:effectRef>
+          <a:fontRef idx="minor">
+            <a:schemeClr val="tx1"/>
+          </a:fontRef>
+        </p:style>
+      </p:cxnSp>
+      <p:cxnSp>
+        <p:nvCxnSpPr>
+          <p:cNvPr id="65" name="Straight Arrow Connector 64"/>
+          <p:cNvCxnSpPr/>
+          <p:nvPr/>
+        </p:nvCxnSpPr>
+        <p:spPr>
+          <a:xfrm flipH="1" flipV="1">
+            <a:off x="6330724" y="5282760"/>
+            <a:ext cx="475315" cy="762000"/>
+          </a:xfrm>
+          <a:prstGeom prst="straightConnector1">
+            <a:avLst/>
+          </a:prstGeom>
+          <a:ln>
+            <a:tailEnd type="triangle"/>
+          </a:ln>
+        </p:spPr>
+        <p:style>
+          <a:lnRef idx="1">
+            <a:schemeClr val="accent1"/>
+          </a:lnRef>
+          <a:fillRef idx="0">
+            <a:schemeClr val="accent1"/>
+          </a:fillRef>
+          <a:effectRef idx="0">
+            <a:schemeClr val="accent1"/>
+          </a:effectRef>
+          <a:fontRef idx="minor">
+            <a:schemeClr val="tx1"/>
+          </a:fontRef>
+        </p:style>
+      </p:cxnSp>
+      <p:cxnSp>
+        <p:nvCxnSpPr>
+          <p:cNvPr id="66" name="Straight Arrow Connector 65"/>
+          <p:cNvCxnSpPr/>
+          <p:nvPr/>
+        </p:nvCxnSpPr>
+        <p:spPr>
+          <a:xfrm flipH="1" flipV="1">
+            <a:off x="6540365" y="5264914"/>
+            <a:ext cx="659864" cy="741405"/>
+          </a:xfrm>
+          <a:prstGeom prst="straightConnector1">
+            <a:avLst/>
+          </a:prstGeom>
+          <a:ln>
+            <a:tailEnd type="triangle"/>
+          </a:ln>
+        </p:spPr>
+        <p:style>
+          <a:lnRef idx="1">
+            <a:schemeClr val="accent1"/>
+          </a:lnRef>
+          <a:fillRef idx="0">
+            <a:schemeClr val="accent1"/>
+          </a:fillRef>
+          <a:effectRef idx="0">
+            <a:schemeClr val="accent1"/>
+          </a:effectRef>
+          <a:fontRef idx="minor">
+            <a:schemeClr val="tx1"/>
+          </a:fontRef>
+        </p:style>
+      </p:cxnSp>
+      <p:sp>
+        <p:nvSpPr>
+          <p:cNvPr id="71" name="TextBox 70"/>
+          <p:cNvSpPr txBox="1"/>
+          <p:nvPr/>
+        </p:nvSpPr>
+        <p:spPr>
+          <a:xfrm>
+            <a:off x="7319304" y="5479094"/>
+            <a:ext cx="1629804" cy="369332"/>
+          </a:xfrm>
+          <a:prstGeom prst="rect">
+            <a:avLst/>
+          </a:prstGeom>
+          <a:noFill/>
+        </p:spPr>
+        <p:txBody>
+          <a:bodyPr wrap="square" rtlCol="0">
+            <a:spAutoFit/>
+          </a:bodyPr>
+          <a:lstStyle/>
+          <a:p>
+            <a:r>
+              <a:rPr lang="en-US" dirty="0" err="1" smtClean="0"/>
+              <a:t>Requêtes</a:t>
+            </a:r>
+            <a:r>
+              <a:rPr lang="en-US" dirty="0" smtClean="0"/>
+              <a:t> client</a:t>
+            </a:r>
+            <a:endParaRPr lang="fr-CH" dirty="0"/>
+          </a:p>
+        </p:txBody>
+      </p:sp>
+    </p:spTree>
+    <p:extLst>
+      <p:ext uri="{BB962C8B-B14F-4D97-AF65-F5344CB8AC3E}">
+        <p14:creationId xmlns:p14="http://schemas.microsoft.com/office/powerpoint/2010/main" val="3490676739"/>
+      </p:ext>
+    </p:extLst>
+  </p:cSld>
+  <p:clrMapOvr>
+    <a:masterClrMapping/>
+  </p:clrMapOvr>
+  <p:timing>
+    <p:tnLst>
+      <p:par>
+        <p:cTn id="1" dur="indefinite" restart="never" nodeType="tmRoot"/>
+      </p:par>
+    </p:tnLst>
+  </p:timing>
+</p:sld>
+</file>
+
+<file path=ppt/slides/slide11.xml><?xml version="1.0" encoding="utf-8"?>
+<p:sld xmlns:a="http://schemas.openxmlformats.org/drawingml/2006/main" xmlns:r="http://schemas.openxmlformats.org/officeDocument/2006/relationships" xmlns:p="http://schemas.openxmlformats.org/presentationml/2006/main">
+  <p:cSld>
+    <p:spTree>
+      <p:nvGrpSpPr>
+        <p:cNvPr id="1" name=""/>
+        <p:cNvGrpSpPr/>
+        <p:nvPr/>
+      </p:nvGrpSpPr>
+      <p:grpSpPr>
+        <a:xfrm>
+          <a:off x="0" y="0"/>
+          <a:ext cx="0" cy="0"/>
+          <a:chOff x="0" y="0"/>
+          <a:chExt cx="0" cy="0"/>
+        </a:xfrm>
+      </p:grpSpPr>
+      <p:sp>
+        <p:nvSpPr>
+          <p:cNvPr id="2" name="Title 1"/>
+          <p:cNvSpPr>
+            <a:spLocks noGrp="1"/>
+          </p:cNvSpPr>
+          <p:nvPr>
+            <p:ph type="title"/>
+          </p:nvPr>
+        </p:nvSpPr>
+        <p:spPr>
+          <a:xfrm>
+            <a:off x="-1" y="0"/>
+            <a:ext cx="9760017" cy="866274"/>
+          </a:xfrm>
+        </p:spPr>
+        <p:txBody>
+          <a:bodyPr/>
+          <a:lstStyle/>
+          <a:p>
+            <a:pPr algn="l"/>
+            <a:r>
+              <a:rPr lang="en-US" sz="5400" dirty="0" smtClean="0"/>
+              <a:t> Zoom sur ExpressJS</a:t>
+            </a:r>
+            <a:endParaRPr lang="fr-CH" sz="5400" i="1" dirty="0"/>
+          </a:p>
+        </p:txBody>
+      </p:sp>
+      <p:cxnSp>
+        <p:nvCxnSpPr>
+          <p:cNvPr id="5" name="Straight Arrow Connector 4"/>
+          <p:cNvCxnSpPr>
+            <a:stCxn id="12" idx="6"/>
+            <a:endCxn id="10" idx="2"/>
+          </p:cNvCxnSpPr>
+          <p:nvPr/>
+        </p:nvCxnSpPr>
+        <p:spPr>
+          <a:xfrm flipV="1">
+            <a:off x="4822257" y="2616286"/>
+            <a:ext cx="2521819" cy="1012439"/>
+          </a:xfrm>
+          <a:prstGeom prst="straightConnector1">
+            <a:avLst/>
+          </a:prstGeom>
+          <a:ln>
+            <a:tailEnd type="triangle"/>
+          </a:ln>
+        </p:spPr>
+        <p:style>
+          <a:lnRef idx="1">
+            <a:schemeClr val="accent1"/>
+          </a:lnRef>
+          <a:fillRef idx="0">
+            <a:schemeClr val="accent1"/>
+          </a:fillRef>
+          <a:effectRef idx="0">
+            <a:schemeClr val="accent1"/>
+          </a:effectRef>
+          <a:fontRef idx="minor">
+            <a:schemeClr val="tx1"/>
+          </a:fontRef>
+        </p:style>
+      </p:cxnSp>
+      <p:cxnSp>
+        <p:nvCxnSpPr>
+          <p:cNvPr id="6" name="Straight Arrow Connector 5"/>
+          <p:cNvCxnSpPr>
+            <a:stCxn id="12" idx="6"/>
+            <a:endCxn id="11" idx="2"/>
+          </p:cNvCxnSpPr>
+          <p:nvPr/>
+        </p:nvCxnSpPr>
+        <p:spPr>
+          <a:xfrm>
+            <a:off x="4822257" y="3628725"/>
+            <a:ext cx="2521819" cy="1145405"/>
+          </a:xfrm>
+          <a:prstGeom prst="straightConnector1">
+            <a:avLst/>
+          </a:prstGeom>
+          <a:ln>
+            <a:tailEnd type="triangle"/>
+          </a:ln>
+        </p:spPr>
+        <p:style>
+          <a:lnRef idx="1">
+            <a:schemeClr val="accent1"/>
+          </a:lnRef>
+          <a:fillRef idx="0">
+            <a:schemeClr val="accent1"/>
+          </a:fillRef>
+          <a:effectRef idx="0">
+            <a:schemeClr val="accent1"/>
+          </a:effectRef>
+          <a:fontRef idx="minor">
+            <a:schemeClr val="tx1"/>
+          </a:fontRef>
+        </p:style>
+      </p:cxnSp>
+      <p:sp>
+        <p:nvSpPr>
+          <p:cNvPr id="7" name="TextBox 6"/>
+          <p:cNvSpPr txBox="1"/>
+          <p:nvPr/>
+        </p:nvSpPr>
+        <p:spPr>
+          <a:xfrm rot="20185048">
+            <a:off x="5726268" y="2672252"/>
+            <a:ext cx="958917" cy="369332"/>
+          </a:xfrm>
+          <a:prstGeom prst="rect">
+            <a:avLst/>
+          </a:prstGeom>
+          <a:noFill/>
+        </p:spPr>
+        <p:txBody>
+          <a:bodyPr wrap="none" rtlCol="0">
+            <a:spAutoFit/>
+          </a:bodyPr>
+          <a:lstStyle/>
+          <a:p>
+            <a:r>
+              <a:rPr lang="en-US" dirty="0" smtClean="0"/>
+              <a:t>/</a:t>
+            </a:r>
+            <a:r>
+              <a:rPr lang="en-US" dirty="0" err="1" smtClean="0"/>
+              <a:t>api</a:t>
+            </a:r>
+            <a:r>
+              <a:rPr lang="en-US" dirty="0" smtClean="0"/>
+              <a:t>/…</a:t>
+            </a:r>
+            <a:endParaRPr lang="fr-CH" dirty="0"/>
+          </a:p>
+        </p:txBody>
+      </p:sp>
+      <p:sp>
+        <p:nvSpPr>
+          <p:cNvPr id="9" name="TextBox 8"/>
+          <p:cNvSpPr txBox="1"/>
+          <p:nvPr/>
+        </p:nvSpPr>
+        <p:spPr>
+          <a:xfrm rot="1568273">
+            <a:off x="5706869" y="4201427"/>
+            <a:ext cx="306494" cy="369332"/>
+          </a:xfrm>
+          <a:prstGeom prst="rect">
+            <a:avLst/>
+          </a:prstGeom>
+          <a:noFill/>
+        </p:spPr>
+        <p:txBody>
+          <a:bodyPr wrap="none" rtlCol="0">
+            <a:spAutoFit/>
+          </a:bodyPr>
+          <a:lstStyle/>
+          <a:p>
+            <a:r>
+              <a:rPr lang="en-US" dirty="0" smtClean="0"/>
+              <a:t>/</a:t>
+            </a:r>
+            <a:endParaRPr lang="fr-CH" dirty="0"/>
+          </a:p>
+        </p:txBody>
+      </p:sp>
+      <p:sp>
+        <p:nvSpPr>
+          <p:cNvPr id="10" name="Oval 9"/>
+          <p:cNvSpPr/>
+          <p:nvPr/>
+        </p:nvSpPr>
+        <p:spPr>
+          <a:xfrm>
+            <a:off x="7344076" y="2133236"/>
+            <a:ext cx="1318661" cy="966099"/>
+          </a:xfrm>
+          <a:prstGeom prst="ellipse">
+            <a:avLst/>
+          </a:prstGeom>
+        </p:spPr>
+        <p:style>
+          <a:lnRef idx="2">
+            <a:schemeClr val="accent1">
+              <a:shade val="50000"/>
+            </a:schemeClr>
+          </a:lnRef>
+          <a:fillRef idx="1">
+            <a:schemeClr val="accent1"/>
+          </a:fillRef>
+          <a:effectRef idx="0">
+            <a:schemeClr val="accent1"/>
+          </a:effectRef>
+          <a:fontRef idx="minor">
+            <a:schemeClr val="lt1"/>
+          </a:fontRef>
+        </p:style>
+        <p:txBody>
+          <a:bodyPr rtlCol="0" anchor="ctr"/>
+          <a:lstStyle/>
+          <a:p>
+            <a:pPr algn="ctr"/>
+            <a:r>
+              <a:rPr lang="en-US" dirty="0" smtClean="0"/>
+              <a:t>API</a:t>
+            </a:r>
+            <a:endParaRPr lang="fr-CH" dirty="0"/>
+          </a:p>
+        </p:txBody>
+      </p:sp>
+      <p:sp>
+        <p:nvSpPr>
+          <p:cNvPr id="11" name="Oval 10"/>
+          <p:cNvSpPr/>
+          <p:nvPr/>
+        </p:nvSpPr>
+        <p:spPr>
+          <a:xfrm>
+            <a:off x="7344076" y="4263991"/>
+            <a:ext cx="1193533" cy="1020278"/>
+          </a:xfrm>
+          <a:prstGeom prst="ellipse">
+            <a:avLst/>
+          </a:prstGeom>
+        </p:spPr>
+        <p:style>
+          <a:lnRef idx="2">
+            <a:schemeClr val="accent1">
+              <a:shade val="50000"/>
+            </a:schemeClr>
+          </a:lnRef>
+          <a:fillRef idx="1">
+            <a:schemeClr val="accent1"/>
+          </a:fillRef>
+          <a:effectRef idx="0">
+            <a:schemeClr val="accent1"/>
+          </a:effectRef>
+          <a:fontRef idx="minor">
+            <a:schemeClr val="lt1"/>
+          </a:fontRef>
+        </p:style>
+        <p:txBody>
+          <a:bodyPr rtlCol="0" anchor="ctr"/>
+          <a:lstStyle/>
+          <a:p>
+            <a:pPr algn="ctr"/>
+            <a:r>
+              <a:rPr lang="en-US" dirty="0" err="1" smtClean="0"/>
+              <a:t>Vue</a:t>
+            </a:r>
+            <a:r>
+              <a:rPr lang="en-US" dirty="0" smtClean="0"/>
+              <a:t> SPA</a:t>
+            </a:r>
+            <a:endParaRPr lang="fr-CH" dirty="0"/>
+          </a:p>
+        </p:txBody>
+      </p:sp>
+      <p:sp>
+        <p:nvSpPr>
+          <p:cNvPr id="12" name="Oval 11"/>
+          <p:cNvSpPr/>
+          <p:nvPr/>
+        </p:nvSpPr>
+        <p:spPr>
+          <a:xfrm>
+            <a:off x="3378467" y="2964581"/>
+            <a:ext cx="1443790" cy="1328287"/>
+          </a:xfrm>
+          <a:prstGeom prst="ellipse">
+            <a:avLst/>
+          </a:prstGeom>
+        </p:spPr>
+        <p:style>
+          <a:lnRef idx="2">
+            <a:schemeClr val="accent1">
+              <a:shade val="50000"/>
+            </a:schemeClr>
+          </a:lnRef>
+          <a:fillRef idx="1">
+            <a:schemeClr val="accent1"/>
+          </a:fillRef>
+          <a:effectRef idx="0">
+            <a:schemeClr val="accent1"/>
+          </a:effectRef>
+          <a:fontRef idx="minor">
+            <a:schemeClr val="lt1"/>
+          </a:fontRef>
+        </p:style>
+        <p:txBody>
+          <a:bodyPr rtlCol="0" anchor="ctr"/>
+          <a:lstStyle/>
+          <a:p>
+            <a:pPr algn="ctr"/>
+            <a:r>
+              <a:rPr lang="en-US" dirty="0" err="1" smtClean="0"/>
+              <a:t>Serveur</a:t>
+            </a:r>
+            <a:r>
+              <a:rPr lang="en-US" dirty="0" smtClean="0"/>
+              <a:t> Express</a:t>
+            </a:r>
+            <a:endParaRPr lang="fr-CH" dirty="0"/>
+          </a:p>
+        </p:txBody>
+      </p:sp>
+    </p:spTree>
+    <p:extLst>
+      <p:ext uri="{BB962C8B-B14F-4D97-AF65-F5344CB8AC3E}">
+        <p14:creationId xmlns:p14="http://schemas.microsoft.com/office/powerpoint/2010/main" val="2571070811"/>
+      </p:ext>
+    </p:extLst>
+  </p:cSld>
+  <p:clrMapOvr>
+    <a:masterClrMapping/>
+  </p:clrMapOvr>
+  <p:timing>
+    <p:tnLst>
+      <p:par>
+        <p:cTn id="1" dur="indefinite" restart="never" nodeType="tmRoot"/>
+      </p:par>
+    </p:tnLst>
+  </p:timing>
+</p:sld>
+</file>
+
+<file path=ppt/slides/slide12.xml><?xml version="1.0" encoding="utf-8"?>
+<p:sld xmlns:a="http://schemas.openxmlformats.org/drawingml/2006/main" xmlns:r="http://schemas.openxmlformats.org/officeDocument/2006/relationships" xmlns:p="http://schemas.openxmlformats.org/presentationml/2006/main">
+  <p:cSld>
+    <p:spTree>
+      <p:nvGrpSpPr>
+        <p:cNvPr id="1" name=""/>
+        <p:cNvGrpSpPr/>
+        <p:nvPr/>
+      </p:nvGrpSpPr>
+      <p:grpSpPr>
+        <a:xfrm>
+          <a:off x="0" y="0"/>
+          <a:ext cx="0" cy="0"/>
+          <a:chOff x="0" y="0"/>
+          <a:chExt cx="0" cy="0"/>
+        </a:xfrm>
+      </p:grpSpPr>
+      <p:sp>
+        <p:nvSpPr>
+          <p:cNvPr id="2" name="Title 1"/>
+          <p:cNvSpPr>
+            <a:spLocks noGrp="1"/>
+          </p:cNvSpPr>
+          <p:nvPr>
+            <p:ph type="title"/>
+          </p:nvPr>
+        </p:nvSpPr>
+        <p:spPr>
+          <a:xfrm>
+            <a:off x="0" y="0"/>
+            <a:ext cx="9404723" cy="895149"/>
+          </a:xfrm>
+        </p:spPr>
+        <p:txBody>
+          <a:bodyPr/>
+          <a:lstStyle/>
+          <a:p>
+            <a:r>
+              <a:rPr lang="en-US" sz="5400" dirty="0" smtClean="0"/>
+              <a:t> Zoom sur </a:t>
+            </a:r>
+            <a:r>
+              <a:rPr lang="en-US" sz="5400" dirty="0" err="1" smtClean="0"/>
+              <a:t>l’API</a:t>
+            </a:r>
+            <a:endParaRPr lang="fr-CH" sz="5400" dirty="0"/>
           </a:p>
         </p:txBody>
       </p:sp>
       <p:grpSp>
         <p:nvGrpSpPr>
-          <p:cNvPr id="75" name="Group 74"/>
+          <p:cNvPr id="4" name="Group 3"/>
           <p:cNvGrpSpPr/>
           <p:nvPr/>
         </p:nvGrpSpPr>
         <p:grpSpPr>
           <a:xfrm>
-            <a:off x="7842770" y="1691428"/>
-            <a:ext cx="1878227" cy="1996826"/>
+            <a:off x="3607653" y="2422949"/>
+            <a:ext cx="2410715" cy="2562938"/>
             <a:chOff x="8979244" y="1372971"/>
             <a:chExt cx="1878227" cy="1996826"/>
           </a:xfrm>
         </p:grpSpPr>
         <p:sp>
           <p:nvSpPr>
-            <p:cNvPr id="4" name="Oval 3"/>
+            <p:cNvPr id="5" name="Oval 4"/>
             <p:cNvSpPr/>
             <p:nvPr/>
           </p:nvSpPr>
@@ -7604,9 +8086,9 @@
         </p:sp>
         <p:cxnSp>
           <p:nvCxnSpPr>
-            <p:cNvPr id="36" name="Elbow Connector 35"/>
+            <p:cNvPr id="6" name="Elbow Connector 5"/>
             <p:cNvCxnSpPr>
-              <a:endCxn id="43" idx="1"/>
+              <a:endCxn id="7" idx="1"/>
             </p:cNvCxnSpPr>
             <p:nvPr/>
           </p:nvCxnSpPr>
@@ -7639,7 +8121,7 @@
         </p:cxnSp>
         <p:sp>
           <p:nvSpPr>
-            <p:cNvPr id="43" name="TextBox 42"/>
+            <p:cNvPr id="7" name="TextBox 6"/>
             <p:cNvSpPr txBox="1"/>
             <p:nvPr/>
           </p:nvSpPr>
@@ -7668,7 +8150,7 @@
         </p:sp>
         <p:sp>
           <p:nvSpPr>
-            <p:cNvPr id="44" name="TextBox 43"/>
+            <p:cNvPr id="8" name="TextBox 7"/>
             <p:cNvSpPr txBox="1"/>
             <p:nvPr/>
           </p:nvSpPr>
@@ -7697,9 +8179,9 @@
         </p:sp>
         <p:cxnSp>
           <p:nvCxnSpPr>
-            <p:cNvPr id="45" name="Elbow Connector 44"/>
+            <p:cNvPr id="9" name="Elbow Connector 8"/>
             <p:cNvCxnSpPr>
-              <a:endCxn id="44" idx="1"/>
+              <a:endCxn id="8" idx="1"/>
             </p:cNvCxnSpPr>
             <p:nvPr/>
           </p:nvCxnSpPr>
@@ -7732,9 +8214,9 @@
         </p:cxnSp>
         <p:cxnSp>
           <p:nvCxnSpPr>
-            <p:cNvPr id="46" name="Elbow Connector 45"/>
+            <p:cNvPr id="10" name="Elbow Connector 9"/>
             <p:cNvCxnSpPr>
-              <a:endCxn id="49" idx="1"/>
+              <a:endCxn id="11" idx="1"/>
             </p:cNvCxnSpPr>
             <p:nvPr/>
           </p:nvCxnSpPr>
@@ -7767,7 +8249,7 @@
         </p:cxnSp>
         <p:sp>
           <p:nvSpPr>
-            <p:cNvPr id="49" name="TextBox 48"/>
+            <p:cNvPr id="11" name="TextBox 10"/>
             <p:cNvSpPr txBox="1"/>
             <p:nvPr/>
           </p:nvSpPr>
@@ -7795,16 +8277,158 @@
           </p:txBody>
         </p:sp>
       </p:grpSp>
+      <p:sp>
+        <p:nvSpPr>
+          <p:cNvPr id="12" name="Oval 11"/>
+          <p:cNvSpPr/>
+          <p:nvPr/>
+        </p:nvSpPr>
+        <p:spPr>
+          <a:xfrm>
+            <a:off x="5884939" y="2354965"/>
+            <a:ext cx="1494844" cy="1475032"/>
+          </a:xfrm>
+          <a:prstGeom prst="ellipse">
+            <a:avLst/>
+          </a:prstGeom>
+        </p:spPr>
+        <p:style>
+          <a:lnRef idx="2">
+            <a:schemeClr val="accent1">
+              <a:shade val="50000"/>
+            </a:schemeClr>
+          </a:lnRef>
+          <a:fillRef idx="1">
+            <a:schemeClr val="accent1"/>
+          </a:fillRef>
+          <a:effectRef idx="0">
+            <a:schemeClr val="accent1"/>
+          </a:effectRef>
+          <a:fontRef idx="minor">
+            <a:schemeClr val="lt1"/>
+          </a:fontRef>
+        </p:style>
+        <p:txBody>
+          <a:bodyPr rtlCol="0" anchor="ctr"/>
+          <a:lstStyle/>
+          <a:p>
+            <a:pPr algn="ctr"/>
+            <a:r>
+              <a:rPr lang="en-US" dirty="0" smtClean="0"/>
+              <a:t>DB</a:t>
+            </a:r>
+            <a:endParaRPr lang="fr-CH" dirty="0"/>
+          </a:p>
+        </p:txBody>
+      </p:sp>
+      <p:cxnSp>
+        <p:nvCxnSpPr>
+          <p:cNvPr id="13" name="Elbow Connector 12"/>
+          <p:cNvCxnSpPr>
+            <a:stCxn id="8" idx="3"/>
+            <a:endCxn id="12" idx="4"/>
+          </p:cNvCxnSpPr>
+          <p:nvPr/>
+        </p:nvCxnSpPr>
+        <p:spPr>
+          <a:xfrm flipV="1">
+            <a:off x="4850423" y="3829997"/>
+            <a:ext cx="1781938" cy="557059"/>
+          </a:xfrm>
+          <a:prstGeom prst="bentConnector2">
+            <a:avLst/>
+          </a:prstGeom>
+          <a:ln>
+            <a:tailEnd type="triangle"/>
+          </a:ln>
+        </p:spPr>
+        <p:style>
+          <a:lnRef idx="1">
+            <a:schemeClr val="accent1"/>
+          </a:lnRef>
+          <a:fillRef idx="0">
+            <a:schemeClr val="accent1"/>
+          </a:fillRef>
+          <a:effectRef idx="0">
+            <a:schemeClr val="accent1"/>
+          </a:effectRef>
+          <a:fontRef idx="minor">
+            <a:schemeClr val="tx1"/>
+          </a:fontRef>
+        </p:style>
+      </p:cxnSp>
+    </p:spTree>
+    <p:extLst>
+      <p:ext uri="{BB962C8B-B14F-4D97-AF65-F5344CB8AC3E}">
+        <p14:creationId xmlns:p14="http://schemas.microsoft.com/office/powerpoint/2010/main" val="2056533790"/>
+      </p:ext>
+    </p:extLst>
+  </p:cSld>
+  <p:clrMapOvr>
+    <a:masterClrMapping/>
+  </p:clrMapOvr>
+</p:sld>
+</file>
+
+<file path=ppt/slides/slide13.xml><?xml version="1.0" encoding="utf-8"?>
+<p:sld xmlns:a="http://schemas.openxmlformats.org/drawingml/2006/main" xmlns:r="http://schemas.openxmlformats.org/officeDocument/2006/relationships" xmlns:p="http://schemas.openxmlformats.org/presentationml/2006/main">
+  <p:cSld>
+    <p:spTree>
+      <p:nvGrpSpPr>
+        <p:cNvPr id="1" name=""/>
+        <p:cNvGrpSpPr/>
+        <p:nvPr/>
+      </p:nvGrpSpPr>
+      <p:grpSpPr>
+        <a:xfrm>
+          <a:off x="0" y="0"/>
+          <a:ext cx="0" cy="0"/>
+          <a:chOff x="0" y="0"/>
+          <a:chExt cx="0" cy="0"/>
+        </a:xfrm>
+      </p:grpSpPr>
+      <p:sp>
+        <p:nvSpPr>
+          <p:cNvPr id="2" name="Title 1"/>
+          <p:cNvSpPr>
+            <a:spLocks noGrp="1"/>
+          </p:cNvSpPr>
+          <p:nvPr>
+            <p:ph type="title"/>
+          </p:nvPr>
+        </p:nvSpPr>
+        <p:spPr>
+          <a:xfrm>
+            <a:off x="0" y="0"/>
+            <a:ext cx="9404723" cy="962526"/>
+          </a:xfrm>
+        </p:spPr>
+        <p:txBody>
+          <a:bodyPr/>
+          <a:lstStyle/>
+          <a:p>
+            <a:r>
+              <a:rPr lang="en-US" sz="5400" dirty="0" smtClean="0"/>
+              <a:t> Zoom sur </a:t>
+            </a:r>
+            <a:r>
+              <a:rPr lang="en-US" sz="5400" dirty="0" err="1" smtClean="0"/>
+              <a:t>Vue</a:t>
+            </a:r>
+            <a:endParaRPr lang="fr-CH" sz="5400" dirty="0"/>
+          </a:p>
+        </p:txBody>
+      </p:sp>
       <p:grpSp>
         <p:nvGrpSpPr>
-          <p:cNvPr id="72" name="Group 71"/>
+          <p:cNvPr id="4" name="Group 3"/>
           <p:cNvGrpSpPr/>
           <p:nvPr/>
         </p:nvGrpSpPr>
         <p:grpSpPr>
           <a:xfrm>
-            <a:off x="2660644" y="1739409"/>
-            <a:ext cx="2117648" cy="2419723"/>
+            <a:off x="6039109" y="2730811"/>
+            <a:ext cx="2605329" cy="2976970"/>
             <a:chOff x="3344562" y="2314832"/>
             <a:chExt cx="2117648" cy="2419723"/>
           </a:xfrm>
@@ -7854,9 +8478,9 @@
         </p:sp>
         <p:cxnSp>
           <p:nvCxnSpPr>
-            <p:cNvPr id="51" name="Elbow Connector 50"/>
+            <p:cNvPr id="6" name="Elbow Connector 5"/>
             <p:cNvCxnSpPr>
-              <a:endCxn id="52" idx="1"/>
+              <a:endCxn id="7" idx="1"/>
             </p:cNvCxnSpPr>
             <p:nvPr/>
           </p:nvCxnSpPr>
@@ -7889,7 +8513,7 @@
         </p:cxnSp>
         <p:sp>
           <p:nvSpPr>
-            <p:cNvPr id="52" name="TextBox 51"/>
+            <p:cNvPr id="7" name="TextBox 6"/>
             <p:cNvSpPr txBox="1"/>
             <p:nvPr/>
           </p:nvSpPr>
@@ -7918,7 +8542,7 @@
         </p:sp>
         <p:sp>
           <p:nvSpPr>
-            <p:cNvPr id="53" name="TextBox 52"/>
+            <p:cNvPr id="8" name="TextBox 7"/>
             <p:cNvSpPr txBox="1"/>
             <p:nvPr/>
           </p:nvSpPr>
@@ -7947,9 +8571,9 @@
         </p:sp>
         <p:cxnSp>
           <p:nvCxnSpPr>
-            <p:cNvPr id="54" name="Elbow Connector 53"/>
+            <p:cNvPr id="9" name="Elbow Connector 8"/>
             <p:cNvCxnSpPr>
-              <a:endCxn id="53" idx="1"/>
+              <a:endCxn id="8" idx="1"/>
             </p:cNvCxnSpPr>
             <p:nvPr/>
           </p:nvCxnSpPr>
@@ -7981,289 +8605,16 @@
           </p:style>
         </p:cxnSp>
       </p:grpSp>
-      <p:cxnSp>
-        <p:nvCxnSpPr>
-          <p:cNvPr id="58" name="Straight Arrow Connector 57"/>
-          <p:cNvCxnSpPr>
-            <a:stCxn id="6" idx="2"/>
-            <a:endCxn id="59" idx="0"/>
-          </p:cNvCxnSpPr>
-          <p:nvPr/>
-        </p:nvCxnSpPr>
-        <p:spPr>
-          <a:xfrm>
-            <a:off x="6162252" y="3651443"/>
-            <a:ext cx="80626" cy="1076252"/>
-          </a:xfrm>
-          <a:prstGeom prst="straightConnector1">
-            <a:avLst/>
-          </a:prstGeom>
-          <a:ln>
-            <a:tailEnd type="triangle"/>
-          </a:ln>
-        </p:spPr>
-        <p:style>
-          <a:lnRef idx="1">
-            <a:schemeClr val="accent1"/>
-          </a:lnRef>
-          <a:fillRef idx="0">
-            <a:schemeClr val="accent1"/>
-          </a:fillRef>
-          <a:effectRef idx="0">
-            <a:schemeClr val="accent1"/>
-          </a:effectRef>
-          <a:fontRef idx="minor">
-            <a:schemeClr val="tx1"/>
-          </a:fontRef>
-        </p:style>
-      </p:cxnSp>
-      <p:sp>
-        <p:nvSpPr>
-          <p:cNvPr id="59" name="TextBox 58"/>
-          <p:cNvSpPr txBox="1"/>
-          <p:nvPr/>
-        </p:nvSpPr>
-        <p:spPr>
-          <a:xfrm>
-            <a:off x="5661443" y="4727695"/>
-            <a:ext cx="1162870" cy="646331"/>
-          </a:xfrm>
-          <a:prstGeom prst="rect">
-            <a:avLst/>
-          </a:prstGeom>
-          <a:noFill/>
-        </p:spPr>
-        <p:txBody>
-          <a:bodyPr wrap="square" rtlCol="0">
-            <a:spAutoFit/>
-          </a:bodyPr>
-          <a:lstStyle/>
-          <a:p>
-            <a:r>
-              <a:rPr lang="en-US" dirty="0" err="1" smtClean="0"/>
-              <a:t>Créé</a:t>
-            </a:r>
-            <a:r>
-              <a:rPr lang="en-US" dirty="0" smtClean="0"/>
-              <a:t> un </a:t>
-            </a:r>
-            <a:r>
-              <a:rPr lang="en-US" dirty="0" err="1" smtClean="0"/>
-              <a:t>serveur</a:t>
-            </a:r>
-            <a:endParaRPr lang="fr-CH" dirty="0"/>
-          </a:p>
-        </p:txBody>
-      </p:sp>
-      <p:cxnSp>
-        <p:nvCxnSpPr>
-          <p:cNvPr id="62" name="Straight Arrow Connector 61"/>
-          <p:cNvCxnSpPr/>
-          <p:nvPr/>
-        </p:nvCxnSpPr>
-        <p:spPr>
-          <a:xfrm flipV="1">
-            <a:off x="4564431" y="5304192"/>
-            <a:ext cx="1128585" cy="1021492"/>
-          </a:xfrm>
-          <a:prstGeom prst="straightConnector1">
-            <a:avLst/>
-          </a:prstGeom>
-          <a:ln>
-            <a:tailEnd type="triangle"/>
-          </a:ln>
-        </p:spPr>
-        <p:style>
-          <a:lnRef idx="1">
-            <a:schemeClr val="accent1"/>
-          </a:lnRef>
-          <a:fillRef idx="0">
-            <a:schemeClr val="accent1"/>
-          </a:fillRef>
-          <a:effectRef idx="0">
-            <a:schemeClr val="accent1"/>
-          </a:effectRef>
-          <a:fontRef idx="minor">
-            <a:schemeClr val="tx1"/>
-          </a:fontRef>
-        </p:style>
-      </p:cxnSp>
-      <p:cxnSp>
-        <p:nvCxnSpPr>
-          <p:cNvPr id="63" name="Straight Arrow Connector 62"/>
-          <p:cNvCxnSpPr/>
-          <p:nvPr/>
-        </p:nvCxnSpPr>
-        <p:spPr>
-          <a:xfrm flipV="1">
-            <a:off x="5325711" y="5485425"/>
-            <a:ext cx="535783" cy="840259"/>
-          </a:xfrm>
-          <a:prstGeom prst="straightConnector1">
-            <a:avLst/>
-          </a:prstGeom>
-          <a:ln>
-            <a:tailEnd type="triangle"/>
-          </a:ln>
-        </p:spPr>
-        <p:style>
-          <a:lnRef idx="1">
-            <a:schemeClr val="accent1"/>
-          </a:lnRef>
-          <a:fillRef idx="0">
-            <a:schemeClr val="accent1"/>
-          </a:fillRef>
-          <a:effectRef idx="0">
-            <a:schemeClr val="accent1"/>
-          </a:effectRef>
-          <a:fontRef idx="minor">
-            <a:schemeClr val="tx1"/>
-          </a:fontRef>
-        </p:style>
-      </p:cxnSp>
-      <p:cxnSp>
-        <p:nvCxnSpPr>
-          <p:cNvPr id="64" name="Straight Arrow Connector 63"/>
-          <p:cNvCxnSpPr/>
-          <p:nvPr/>
-        </p:nvCxnSpPr>
-        <p:spPr>
-          <a:xfrm flipH="1" flipV="1">
-            <a:off x="6202863" y="5485425"/>
-            <a:ext cx="17502" cy="928761"/>
-          </a:xfrm>
-          <a:prstGeom prst="straightConnector1">
-            <a:avLst/>
-          </a:prstGeom>
-          <a:ln>
-            <a:tailEnd type="triangle"/>
-          </a:ln>
-        </p:spPr>
-        <p:style>
-          <a:lnRef idx="1">
-            <a:schemeClr val="accent1"/>
-          </a:lnRef>
-          <a:fillRef idx="0">
-            <a:schemeClr val="accent1"/>
-          </a:fillRef>
-          <a:effectRef idx="0">
-            <a:schemeClr val="accent1"/>
-          </a:effectRef>
-          <a:fontRef idx="minor">
-            <a:schemeClr val="tx1"/>
-          </a:fontRef>
-        </p:style>
-      </p:cxnSp>
-      <p:cxnSp>
-        <p:nvCxnSpPr>
-          <p:cNvPr id="65" name="Straight Arrow Connector 64"/>
-          <p:cNvCxnSpPr/>
-          <p:nvPr/>
-        </p:nvCxnSpPr>
-        <p:spPr>
-          <a:xfrm flipH="1" flipV="1">
-            <a:off x="6417352" y="5405418"/>
-            <a:ext cx="475315" cy="762000"/>
-          </a:xfrm>
-          <a:prstGeom prst="straightConnector1">
-            <a:avLst/>
-          </a:prstGeom>
-          <a:ln>
-            <a:tailEnd type="triangle"/>
-          </a:ln>
-        </p:spPr>
-        <p:style>
-          <a:lnRef idx="1">
-            <a:schemeClr val="accent1"/>
-          </a:lnRef>
-          <a:fillRef idx="0">
-            <a:schemeClr val="accent1"/>
-          </a:fillRef>
-          <a:effectRef idx="0">
-            <a:schemeClr val="accent1"/>
-          </a:effectRef>
-          <a:fontRef idx="minor">
-            <a:schemeClr val="tx1"/>
-          </a:fontRef>
-        </p:style>
-      </p:cxnSp>
-      <p:cxnSp>
-        <p:nvCxnSpPr>
-          <p:cNvPr id="66" name="Straight Arrow Connector 65"/>
-          <p:cNvCxnSpPr/>
-          <p:nvPr/>
-        </p:nvCxnSpPr>
-        <p:spPr>
-          <a:xfrm flipH="1" flipV="1">
-            <a:off x="6626993" y="5387572"/>
-            <a:ext cx="659864" cy="741405"/>
-          </a:xfrm>
-          <a:prstGeom prst="straightConnector1">
-            <a:avLst/>
-          </a:prstGeom>
-          <a:ln>
-            <a:tailEnd type="triangle"/>
-          </a:ln>
-        </p:spPr>
-        <p:style>
-          <a:lnRef idx="1">
-            <a:schemeClr val="accent1"/>
-          </a:lnRef>
-          <a:fillRef idx="0">
-            <a:schemeClr val="accent1"/>
-          </a:fillRef>
-          <a:effectRef idx="0">
-            <a:schemeClr val="accent1"/>
-          </a:effectRef>
-          <a:fontRef idx="minor">
-            <a:schemeClr val="tx1"/>
-          </a:fontRef>
-        </p:style>
-      </p:cxnSp>
-      <p:sp>
-        <p:nvSpPr>
-          <p:cNvPr id="71" name="TextBox 70"/>
-          <p:cNvSpPr txBox="1"/>
-          <p:nvPr/>
-        </p:nvSpPr>
-        <p:spPr>
-          <a:xfrm>
-            <a:off x="7405932" y="5601752"/>
-            <a:ext cx="1629804" cy="369332"/>
-          </a:xfrm>
-          <a:prstGeom prst="rect">
-            <a:avLst/>
-          </a:prstGeom>
-          <a:noFill/>
-        </p:spPr>
-        <p:txBody>
-          <a:bodyPr wrap="square" rtlCol="0">
-            <a:spAutoFit/>
-          </a:bodyPr>
-          <a:lstStyle/>
-          <a:p>
-            <a:r>
-              <a:rPr lang="en-US" dirty="0" err="1" smtClean="0"/>
-              <a:t>Requêtes</a:t>
-            </a:r>
-            <a:r>
-              <a:rPr lang="en-US" dirty="0" smtClean="0"/>
-              <a:t> client</a:t>
-            </a:r>
-            <a:endParaRPr lang="fr-CH" dirty="0"/>
-          </a:p>
-        </p:txBody>
-      </p:sp>
-      <p:sp>
-        <p:nvSpPr>
-          <p:cNvPr id="12" name="Oval 11"/>
+      <p:sp>
+        <p:nvSpPr>
+          <p:cNvPr id="10" name="Oval 9"/>
           <p:cNvSpPr/>
           <p:nvPr/>
         </p:nvSpPr>
         <p:spPr>
           <a:xfrm>
-            <a:off x="10120056" y="1623444"/>
-            <a:ext cx="1164657" cy="1149221"/>
+            <a:off x="3869353" y="1905802"/>
+            <a:ext cx="1182693" cy="1227834"/>
           </a:xfrm>
           <a:prstGeom prst="ellipse">
             <a:avLst/>
@@ -8291,8 +8642,8 @@
           <a:p>
             <a:pPr algn="ctr"/>
             <a:r>
-              <a:rPr lang="en-US" dirty="0" smtClean="0"/>
-              <a:t>DB</a:t>
+              <a:rPr lang="en-US" dirty="0" err="1" smtClean="0"/>
+              <a:t>Vue</a:t>
             </a:r>
             <a:endParaRPr lang="fr-CH" dirty="0"/>
           </a:p>
@@ -8300,17 +8651,16 @@
       </p:sp>
       <p:cxnSp>
         <p:nvCxnSpPr>
-          <p:cNvPr id="16" name="Elbow Connector 15"/>
+          <p:cNvPr id="11" name="Elbow Connector 10"/>
           <p:cNvCxnSpPr>
-            <a:stCxn id="44" idx="3"/>
-            <a:endCxn id="12" idx="4"/>
+            <a:endCxn id="12" idx="1"/>
           </p:cNvCxnSpPr>
           <p:nvPr/>
         </p:nvCxnSpPr>
         <p:spPr>
-          <a:xfrm flipV="1">
-            <a:off x="8811032" y="2772665"/>
-            <a:ext cx="1891353" cy="449030"/>
+          <a:xfrm rot="16200000" flipH="1">
+            <a:off x="3808386" y="2699800"/>
+            <a:ext cx="624812" cy="354499"/>
           </a:xfrm>
           <a:prstGeom prst="bentConnector2">
             <a:avLst/>
@@ -8336,62 +8686,49 @@
       </p:cxnSp>
       <p:sp>
         <p:nvSpPr>
-          <p:cNvPr id="18" name="Oval 17"/>
-          <p:cNvSpPr/>
+          <p:cNvPr id="12" name="TextBox 11"/>
+          <p:cNvSpPr txBox="1"/>
           <p:nvPr/>
         </p:nvSpPr>
         <p:spPr>
           <a:xfrm>
-            <a:off x="490888" y="914400"/>
-            <a:ext cx="961310" cy="998001"/>
-          </a:xfrm>
-          <a:prstGeom prst="ellipse">
+            <a:off x="4298042" y="3004790"/>
+            <a:ext cx="564434" cy="369332"/>
+          </a:xfrm>
+          <a:prstGeom prst="rect">
             <a:avLst/>
           </a:prstGeom>
-        </p:spPr>
-        <p:style>
-          <a:lnRef idx="2">
-            <a:schemeClr val="accent1">
-              <a:shade val="50000"/>
-            </a:schemeClr>
-          </a:lnRef>
-          <a:fillRef idx="1">
-            <a:schemeClr val="accent1"/>
-          </a:fillRef>
-          <a:effectRef idx="0">
-            <a:schemeClr val="accent1"/>
-          </a:effectRef>
-          <a:fontRef idx="minor">
-            <a:schemeClr val="lt1"/>
-          </a:fontRef>
-        </p:style>
-        <p:txBody>
-          <a:bodyPr rtlCol="0" anchor="ctr"/>
-          <a:lstStyle/>
-          <a:p>
-            <a:pPr algn="ctr"/>
+          <a:noFill/>
+        </p:spPr>
+        <p:txBody>
+          <a:bodyPr wrap="square" rtlCol="0">
+            <a:spAutoFit/>
+          </a:bodyPr>
+          <a:lstStyle/>
+          <a:p>
             <a:r>
               <a:rPr lang="en-US" dirty="0" err="1" smtClean="0"/>
-              <a:t>Vue</a:t>
-            </a:r>
-            <a:endParaRPr lang="fr-CH" dirty="0"/>
+              <a:t>src</a:t>
+            </a:r>
+            <a:endParaRPr lang="en-US" dirty="0" smtClean="0"/>
           </a:p>
         </p:txBody>
       </p:sp>
       <p:cxnSp>
         <p:nvCxnSpPr>
-          <p:cNvPr id="39" name="Elbow Connector 38"/>
+          <p:cNvPr id="13" name="Straight Arrow Connector 12"/>
           <p:cNvCxnSpPr>
-            <a:endCxn id="40" idx="1"/>
+            <a:stCxn id="10" idx="6"/>
+            <a:endCxn id="5" idx="1"/>
           </p:cNvCxnSpPr>
           <p:nvPr/>
         </p:nvCxnSpPr>
         <p:spPr>
-          <a:xfrm rot="16200000" flipH="1">
-            <a:off x="429920" y="1708399"/>
-            <a:ext cx="624812" cy="354500"/>
-          </a:xfrm>
-          <a:prstGeom prst="bentConnector2">
+          <a:xfrm>
+            <a:off x="5052046" y="2519719"/>
+            <a:ext cx="1231961" cy="408495"/>
+          </a:xfrm>
+          <a:prstGeom prst="straightConnector1">
             <a:avLst/>
           </a:prstGeom>
           <a:ln>
@@ -8415,14 +8752,14 @@
       </p:cxnSp>
       <p:sp>
         <p:nvSpPr>
-          <p:cNvPr id="40" name="TextBox 39"/>
+          <p:cNvPr id="14" name="TextBox 13"/>
           <p:cNvSpPr txBox="1"/>
           <p:nvPr/>
         </p:nvSpPr>
         <p:spPr>
-          <a:xfrm>
-            <a:off x="919576" y="2013389"/>
-            <a:ext cx="458780" cy="369332"/>
+          <a:xfrm rot="1195917">
+            <a:off x="4812360" y="2272261"/>
+            <a:ext cx="2773895" cy="369332"/>
           </a:xfrm>
           <a:prstGeom prst="rect">
             <a:avLst/>
@@ -8430,72 +8767,6 @@
           <a:noFill/>
         </p:spPr>
         <p:txBody>
-          <a:bodyPr wrap="none" rtlCol="0">
-            <a:spAutoFit/>
-          </a:bodyPr>
-          <a:lstStyle/>
-          <a:p>
-            <a:r>
-              <a:rPr lang="en-US" dirty="0" err="1" smtClean="0"/>
-              <a:t>src</a:t>
-            </a:r>
-            <a:endParaRPr lang="en-US" dirty="0" smtClean="0"/>
-          </a:p>
-        </p:txBody>
-      </p:sp>
-      <p:cxnSp>
-        <p:nvCxnSpPr>
-          <p:cNvPr id="20" name="Straight Arrow Connector 19"/>
-          <p:cNvCxnSpPr>
-            <a:stCxn id="18" idx="6"/>
-            <a:endCxn id="5" idx="1"/>
-          </p:cNvCxnSpPr>
-          <p:nvPr/>
-        </p:nvCxnSpPr>
-        <p:spPr>
-          <a:xfrm>
-            <a:off x="1452198" y="1413401"/>
-            <a:ext cx="1407503" cy="486460"/>
-          </a:xfrm>
-          <a:prstGeom prst="straightConnector1">
-            <a:avLst/>
-          </a:prstGeom>
-          <a:ln>
-            <a:tailEnd type="triangle"/>
-          </a:ln>
-        </p:spPr>
-        <p:style>
-          <a:lnRef idx="1">
-            <a:schemeClr val="accent1"/>
-          </a:lnRef>
-          <a:fillRef idx="0">
-            <a:schemeClr val="accent1"/>
-          </a:fillRef>
-          <a:effectRef idx="0">
-            <a:schemeClr val="accent1"/>
-          </a:effectRef>
-          <a:fontRef idx="minor">
-            <a:schemeClr val="tx1"/>
-          </a:fontRef>
-        </p:style>
-      </p:cxnSp>
-      <p:sp>
-        <p:nvSpPr>
-          <p:cNvPr id="21" name="TextBox 20"/>
-          <p:cNvSpPr txBox="1"/>
-          <p:nvPr/>
-        </p:nvSpPr>
-        <p:spPr>
-          <a:xfrm rot="1195917">
-            <a:off x="1463944" y="1152375"/>
-            <a:ext cx="2254660" cy="369332"/>
-          </a:xfrm>
-          <a:prstGeom prst="rect">
-            <a:avLst/>
-          </a:prstGeom>
-          <a:noFill/>
-        </p:spPr>
-        <p:txBody>
           <a:bodyPr wrap="square" rtlCol="0">
             <a:spAutoFit/>
           </a:bodyPr>
@@ -8516,13 +8787,1438 @@
     </p:spTree>
     <p:extLst>
       <p:ext uri="{BB962C8B-B14F-4D97-AF65-F5344CB8AC3E}">
-        <p14:creationId xmlns:p14="http://schemas.microsoft.com/office/powerpoint/2010/main" val="3490676739"/>
+        <p14:creationId xmlns:p14="http://schemas.microsoft.com/office/powerpoint/2010/main" val="3680273095"/>
       </p:ext>
     </p:extLst>
   </p:cSld>
   <p:clrMapOvr>
     <a:masterClrMapping/>
   </p:clrMapOvr>
+</p:sld>
+</file>
+
+<file path=ppt/slides/slide14.xml><?xml version="1.0" encoding="utf-8"?>
+<p:sld xmlns:a="http://schemas.openxmlformats.org/drawingml/2006/main" xmlns:r="http://schemas.openxmlformats.org/officeDocument/2006/relationships" xmlns:p="http://schemas.openxmlformats.org/presentationml/2006/main">
+  <p:cSld>
+    <p:spTree>
+      <p:nvGrpSpPr>
+        <p:cNvPr id="1" name=""/>
+        <p:cNvGrpSpPr/>
+        <p:nvPr/>
+      </p:nvGrpSpPr>
+      <p:grpSpPr>
+        <a:xfrm>
+          <a:off x="0" y="0"/>
+          <a:ext cx="0" cy="0"/>
+          <a:chOff x="0" y="0"/>
+          <a:chExt cx="0" cy="0"/>
+        </a:xfrm>
+      </p:grpSpPr>
+      <p:sp>
+        <p:nvSpPr>
+          <p:cNvPr id="2" name="Title 1"/>
+          <p:cNvSpPr>
+            <a:spLocks noGrp="1"/>
+          </p:cNvSpPr>
+          <p:nvPr>
+            <p:ph type="title"/>
+          </p:nvPr>
+        </p:nvSpPr>
+        <p:spPr>
+          <a:xfrm>
+            <a:off x="0" y="0"/>
+            <a:ext cx="10212404" cy="777220"/>
+          </a:xfrm>
+        </p:spPr>
+        <p:txBody>
+          <a:bodyPr>
+            <a:noAutofit/>
+          </a:bodyPr>
+          <a:lstStyle/>
+          <a:p>
+            <a:pPr algn="l"/>
+            <a:r>
+              <a:rPr lang="en-US" sz="5400" dirty="0" smtClean="0"/>
+              <a:t> </a:t>
+            </a:r>
+            <a:r>
+              <a:rPr lang="en-US" sz="5400" dirty="0" err="1" smtClean="0"/>
+              <a:t>Processus</a:t>
+            </a:r>
+            <a:r>
+              <a:rPr lang="en-US" sz="5400" dirty="0" smtClean="0"/>
+              <a:t> </a:t>
+            </a:r>
+            <a:r>
+              <a:rPr lang="en-US" sz="5400" dirty="0" err="1" smtClean="0"/>
+              <a:t>d’authentification</a:t>
+            </a:r>
+            <a:r>
+              <a:rPr lang="en-US" sz="5400" dirty="0" smtClean="0"/>
+              <a:t>  	</a:t>
+            </a:r>
+            <a:r>
+              <a:rPr lang="en-US" sz="5400" i="1" dirty="0" smtClean="0"/>
+              <a:t>Frontend</a:t>
+            </a:r>
+            <a:endParaRPr lang="fr-CH" sz="5400" i="1" dirty="0"/>
+          </a:p>
+        </p:txBody>
+      </p:sp>
+      <p:pic>
+        <p:nvPicPr>
+          <p:cNvPr id="3" name="Picture 2"/>
+          <p:cNvPicPr>
+            <a:picLocks noChangeAspect="1"/>
+          </p:cNvPicPr>
+          <p:nvPr/>
+        </p:nvPicPr>
+        <p:blipFill>
+          <a:blip r:embed="rId3"/>
+          <a:stretch>
+            <a:fillRect/>
+          </a:stretch>
+        </p:blipFill>
+        <p:spPr>
+          <a:xfrm>
+            <a:off x="4495618" y="777220"/>
+            <a:ext cx="5100769" cy="5998659"/>
+          </a:xfrm>
+          <a:prstGeom prst="rect">
+            <a:avLst/>
+          </a:prstGeom>
+        </p:spPr>
+      </p:pic>
+    </p:spTree>
+    <p:extLst>
+      <p:ext uri="{BB962C8B-B14F-4D97-AF65-F5344CB8AC3E}">
+        <p14:creationId xmlns:p14="http://schemas.microsoft.com/office/powerpoint/2010/main" val="3291994947"/>
+      </p:ext>
+    </p:extLst>
+  </p:cSld>
+  <p:clrMapOvr>
+    <a:masterClrMapping/>
+  </p:clrMapOvr>
+  <p:timing>
+    <p:tnLst>
+      <p:par>
+        <p:cTn id="1" dur="indefinite" restart="never" nodeType="tmRoot"/>
+      </p:par>
+    </p:tnLst>
+  </p:timing>
+</p:sld>
+</file>
+
+<file path=ppt/slides/slide15.xml><?xml version="1.0" encoding="utf-8"?>
+<p:sld xmlns:a="http://schemas.openxmlformats.org/drawingml/2006/main" xmlns:r="http://schemas.openxmlformats.org/officeDocument/2006/relationships" xmlns:p="http://schemas.openxmlformats.org/presentationml/2006/main">
+  <p:cSld>
+    <p:spTree>
+      <p:nvGrpSpPr>
+        <p:cNvPr id="1" name=""/>
+        <p:cNvGrpSpPr/>
+        <p:nvPr/>
+      </p:nvGrpSpPr>
+      <p:grpSpPr>
+        <a:xfrm>
+          <a:off x="0" y="0"/>
+          <a:ext cx="0" cy="0"/>
+          <a:chOff x="0" y="0"/>
+          <a:chExt cx="0" cy="0"/>
+        </a:xfrm>
+      </p:grpSpPr>
+      <p:sp>
+        <p:nvSpPr>
+          <p:cNvPr id="2" name="Title 1"/>
+          <p:cNvSpPr>
+            <a:spLocks noGrp="1"/>
+          </p:cNvSpPr>
+          <p:nvPr>
+            <p:ph type="title"/>
+          </p:nvPr>
+        </p:nvSpPr>
+        <p:spPr>
+          <a:xfrm>
+            <a:off x="0" y="-8505"/>
+            <a:ext cx="9404723" cy="942155"/>
+          </a:xfrm>
+        </p:spPr>
+        <p:txBody>
+          <a:bodyPr/>
+          <a:lstStyle/>
+          <a:p>
+            <a:pPr algn="l"/>
+            <a:r>
+              <a:rPr lang="en-US" sz="5400" dirty="0" smtClean="0"/>
+              <a:t> </a:t>
+            </a:r>
+            <a:r>
+              <a:rPr lang="en-US" sz="5400" dirty="0" err="1" smtClean="0"/>
+              <a:t>Avantages</a:t>
+            </a:r>
+            <a:endParaRPr lang="fr-CH" dirty="0"/>
+          </a:p>
+        </p:txBody>
+      </p:sp>
+      <p:sp>
+        <p:nvSpPr>
+          <p:cNvPr id="3" name="Content Placeholder 2"/>
+          <p:cNvSpPr>
+            <a:spLocks noGrp="1"/>
+          </p:cNvSpPr>
+          <p:nvPr>
+            <p:ph idx="1"/>
+          </p:nvPr>
+        </p:nvSpPr>
+        <p:spPr/>
+        <p:txBody>
+          <a:bodyPr/>
+          <a:lstStyle/>
+          <a:p>
+            <a:endParaRPr lang="en-US" dirty="0" smtClean="0"/>
+          </a:p>
+        </p:txBody>
+      </p:sp>
+    </p:spTree>
+    <p:extLst>
+      <p:ext uri="{BB962C8B-B14F-4D97-AF65-F5344CB8AC3E}">
+        <p14:creationId xmlns:p14="http://schemas.microsoft.com/office/powerpoint/2010/main" val="3251529960"/>
+      </p:ext>
+    </p:extLst>
+  </p:cSld>
+  <p:clrMapOvr>
+    <a:masterClrMapping/>
+  </p:clrMapOvr>
+  <p:timing>
+    <p:tnLst>
+      <p:par>
+        <p:cTn id="1" dur="indefinite" restart="never" nodeType="tmRoot"/>
+      </p:par>
+    </p:tnLst>
+  </p:timing>
+</p:sld>
+</file>
+
+<file path=ppt/slides/slide16.xml><?xml version="1.0" encoding="utf-8"?>
+<p:sld xmlns:a="http://schemas.openxmlformats.org/drawingml/2006/main" xmlns:r="http://schemas.openxmlformats.org/officeDocument/2006/relationships" xmlns:p="http://schemas.openxmlformats.org/presentationml/2006/main">
+  <p:cSld>
+    <p:spTree>
+      <p:nvGrpSpPr>
+        <p:cNvPr id="1" name=""/>
+        <p:cNvGrpSpPr/>
+        <p:nvPr/>
+      </p:nvGrpSpPr>
+      <p:grpSpPr>
+        <a:xfrm>
+          <a:off x="0" y="0"/>
+          <a:ext cx="0" cy="0"/>
+          <a:chOff x="0" y="0"/>
+          <a:chExt cx="0" cy="0"/>
+        </a:xfrm>
+      </p:grpSpPr>
+      <p:sp>
+        <p:nvSpPr>
+          <p:cNvPr id="2" name="Title 1"/>
+          <p:cNvSpPr>
+            <a:spLocks noGrp="1"/>
+          </p:cNvSpPr>
+          <p:nvPr>
+            <p:ph type="title"/>
+          </p:nvPr>
+        </p:nvSpPr>
+        <p:spPr>
+          <a:xfrm>
+            <a:off x="0" y="7875"/>
+            <a:ext cx="9404723" cy="676630"/>
+          </a:xfrm>
+        </p:spPr>
+        <p:txBody>
+          <a:bodyPr>
+            <a:normAutofit fontScale="90000"/>
+          </a:bodyPr>
+          <a:lstStyle/>
+          <a:p>
+            <a:pPr algn="l"/>
+            <a:r>
+              <a:rPr lang="en-US" sz="6000" dirty="0" smtClean="0"/>
+              <a:t> Design</a:t>
+            </a:r>
+            <a:endParaRPr lang="fr-CH" dirty="0"/>
+          </a:p>
+        </p:txBody>
+      </p:sp>
+      <p:sp>
+        <p:nvSpPr>
+          <p:cNvPr id="3" name="Content Placeholder 2"/>
+          <p:cNvSpPr>
+            <a:spLocks noGrp="1"/>
+          </p:cNvSpPr>
+          <p:nvPr>
+            <p:ph idx="1"/>
+          </p:nvPr>
+        </p:nvSpPr>
+        <p:spPr>
+          <a:xfrm>
+            <a:off x="631674" y="2052917"/>
+            <a:ext cx="8946541" cy="2444941"/>
+          </a:xfrm>
+        </p:spPr>
+        <p:txBody>
+          <a:bodyPr numCol="2">
+            <a:normAutofit lnSpcReduction="10000"/>
+          </a:bodyPr>
+          <a:lstStyle/>
+          <a:p>
+            <a:r>
+              <a:rPr lang="en-US" dirty="0" smtClean="0"/>
+              <a:t>Material design</a:t>
+            </a:r>
+          </a:p>
+          <a:p>
+            <a:endParaRPr lang="en-US" dirty="0" smtClean="0"/>
+          </a:p>
+          <a:p>
+            <a:r>
+              <a:rPr lang="en-US" dirty="0" smtClean="0"/>
+              <a:t>Simple </a:t>
+            </a:r>
+            <a:r>
+              <a:rPr lang="en-US" dirty="0" err="1" smtClean="0"/>
+              <a:t>ou</a:t>
+            </a:r>
+            <a:r>
+              <a:rPr lang="en-US" dirty="0" smtClean="0"/>
+              <a:t> </a:t>
+            </a:r>
+            <a:r>
+              <a:rPr lang="en-US" dirty="0" err="1" smtClean="0"/>
+              <a:t>épuré</a:t>
+            </a:r>
+            <a:endParaRPr lang="en-US" dirty="0" smtClean="0"/>
+          </a:p>
+          <a:p>
+            <a:endParaRPr lang="en-US" dirty="0" smtClean="0"/>
+          </a:p>
+          <a:p>
+            <a:r>
+              <a:rPr lang="en-US" dirty="0" smtClean="0"/>
+              <a:t>Transitions</a:t>
+            </a:r>
+          </a:p>
+          <a:p>
+            <a:endParaRPr lang="en-US" dirty="0" smtClean="0"/>
+          </a:p>
+          <a:p>
+            <a:r>
+              <a:rPr lang="en-US" dirty="0" err="1" smtClean="0"/>
+              <a:t>Boutons</a:t>
+            </a:r>
+            <a:r>
+              <a:rPr lang="en-US" dirty="0" smtClean="0"/>
+              <a:t> </a:t>
+            </a:r>
+            <a:r>
+              <a:rPr lang="en-US" dirty="0" err="1" smtClean="0"/>
+              <a:t>personalisés</a:t>
+            </a:r>
+            <a:endParaRPr lang="en-US" dirty="0" smtClean="0"/>
+          </a:p>
+          <a:p>
+            <a:pPr marL="0" indent="0">
+              <a:buNone/>
+            </a:pPr>
+            <a:endParaRPr lang="en-US" dirty="0"/>
+          </a:p>
+          <a:p>
+            <a:r>
+              <a:rPr lang="en-US" dirty="0" smtClean="0"/>
+              <a:t>Notation des </a:t>
+            </a:r>
+            <a:r>
+              <a:rPr lang="en-US" dirty="0" err="1" smtClean="0"/>
+              <a:t>flèches</a:t>
+            </a:r>
+            <a:endParaRPr lang="en-US" dirty="0" smtClean="0"/>
+          </a:p>
+          <a:p>
+            <a:endParaRPr lang="en-US" dirty="0" smtClean="0"/>
+          </a:p>
+          <a:p>
+            <a:r>
+              <a:rPr lang="en-US" dirty="0" err="1" smtClean="0"/>
+              <a:t>Thème</a:t>
+            </a:r>
+            <a:r>
+              <a:rPr lang="en-US" dirty="0" smtClean="0"/>
+              <a:t> de </a:t>
+            </a:r>
+            <a:r>
+              <a:rPr lang="en-US" dirty="0" err="1" smtClean="0"/>
+              <a:t>couleurs</a:t>
+            </a:r>
+            <a:endParaRPr lang="en-US" dirty="0"/>
+          </a:p>
+        </p:txBody>
+      </p:sp>
+      <p:pic>
+        <p:nvPicPr>
+          <p:cNvPr id="1026" name="Picture 2" descr="https://vuejs.org/images/logo.png"/>
+          <p:cNvPicPr>
+            <a:picLocks noChangeAspect="1" noChangeArrowheads="1"/>
+          </p:cNvPicPr>
+          <p:nvPr/>
+        </p:nvPicPr>
+        <p:blipFill>
+          <a:blip r:embed="rId3">
+            <a:extLst>
+              <a:ext uri="{28A0092B-C50C-407E-A947-70E740481C1C}">
+                <a14:useLocalDpi xmlns:a14="http://schemas.microsoft.com/office/drawing/2010/main" val="0"/>
+              </a:ext>
+            </a:extLst>
+          </a:blip>
+          <a:srcRect/>
+          <a:stretch>
+            <a:fillRect/>
+          </a:stretch>
+        </p:blipFill>
+        <p:spPr bwMode="auto">
+          <a:xfrm>
+            <a:off x="7476150" y="4120577"/>
+            <a:ext cx="1778089" cy="1778089"/>
+          </a:xfrm>
+          <a:prstGeom prst="rect">
+            <a:avLst/>
+          </a:prstGeom>
+          <a:noFill/>
+          <a:extLst>
+            <a:ext uri="{909E8E84-426E-40DD-AFC4-6F175D3DCCD1}">
+              <a14:hiddenFill xmlns:a14="http://schemas.microsoft.com/office/drawing/2010/main">
+                <a:solidFill>
+                  <a:srgbClr val="FFFFFF"/>
+                </a:solidFill>
+              </a14:hiddenFill>
+            </a:ext>
+          </a:extLst>
+        </p:spPr>
+      </p:pic>
+      <p:pic>
+        <p:nvPicPr>
+          <p:cNvPr id="6" name="Picture 5"/>
+          <p:cNvPicPr>
+            <a:picLocks noChangeAspect="1"/>
+          </p:cNvPicPr>
+          <p:nvPr/>
+        </p:nvPicPr>
+        <p:blipFill>
+          <a:blip r:embed="rId4">
+            <a:extLst>
+              <a:ext uri="{28A0092B-C50C-407E-A947-70E740481C1C}">
+                <a14:useLocalDpi xmlns:a14="http://schemas.microsoft.com/office/drawing/2010/main" val="0"/>
+              </a:ext>
+            </a:extLst>
+          </a:blip>
+          <a:stretch>
+            <a:fillRect/>
+          </a:stretch>
+        </p:blipFill>
+        <p:spPr>
+          <a:xfrm>
+            <a:off x="3079263" y="1444901"/>
+            <a:ext cx="1447800" cy="1447800"/>
+          </a:xfrm>
+          <a:prstGeom prst="rect">
+            <a:avLst/>
+          </a:prstGeom>
+        </p:spPr>
+      </p:pic>
+      <p:pic>
+        <p:nvPicPr>
+          <p:cNvPr id="8" name="Picture 7"/>
+          <p:cNvPicPr>
+            <a:picLocks noChangeAspect="1"/>
+          </p:cNvPicPr>
+          <p:nvPr/>
+        </p:nvPicPr>
+        <p:blipFill>
+          <a:blip r:embed="rId5"/>
+          <a:stretch>
+            <a:fillRect/>
+          </a:stretch>
+        </p:blipFill>
+        <p:spPr>
+          <a:xfrm>
+            <a:off x="8241276" y="1710971"/>
+            <a:ext cx="3784528" cy="1695450"/>
+          </a:xfrm>
+          <a:prstGeom prst="rect">
+            <a:avLst/>
+          </a:prstGeom>
+        </p:spPr>
+      </p:pic>
+    </p:spTree>
+    <p:extLst>
+      <p:ext uri="{BB962C8B-B14F-4D97-AF65-F5344CB8AC3E}">
+        <p14:creationId xmlns:p14="http://schemas.microsoft.com/office/powerpoint/2010/main" val="214214139"/>
+      </p:ext>
+    </p:extLst>
+  </p:cSld>
+  <p:clrMapOvr>
+    <a:masterClrMapping/>
+  </p:clrMapOvr>
+  <p:timing>
+    <p:tnLst>
+      <p:par>
+        <p:cTn id="1" dur="indefinite" restart="never" nodeType="tmRoot"/>
+      </p:par>
+    </p:tnLst>
+  </p:timing>
+</p:sld>
+</file>
+
+<file path=ppt/slides/slide17.xml><?xml version="1.0" encoding="utf-8"?>
+<p:sld xmlns:a="http://schemas.openxmlformats.org/drawingml/2006/main" xmlns:r="http://schemas.openxmlformats.org/officeDocument/2006/relationships" xmlns:p="http://schemas.openxmlformats.org/presentationml/2006/main">
+  <p:cSld>
+    <p:spTree>
+      <p:nvGrpSpPr>
+        <p:cNvPr id="1" name=""/>
+        <p:cNvGrpSpPr/>
+        <p:nvPr/>
+      </p:nvGrpSpPr>
+      <p:grpSpPr>
+        <a:xfrm>
+          <a:off x="0" y="0"/>
+          <a:ext cx="0" cy="0"/>
+          <a:chOff x="0" y="0"/>
+          <a:chExt cx="0" cy="0"/>
+        </a:xfrm>
+      </p:grpSpPr>
+      <p:sp>
+        <p:nvSpPr>
+          <p:cNvPr id="2" name="Title 1"/>
+          <p:cNvSpPr>
+            <a:spLocks noGrp="1"/>
+          </p:cNvSpPr>
+          <p:nvPr>
+            <p:ph type="title"/>
+          </p:nvPr>
+        </p:nvSpPr>
+        <p:spPr>
+          <a:xfrm>
+            <a:off x="0" y="0"/>
+            <a:ext cx="9404723" cy="864973"/>
+          </a:xfrm>
+        </p:spPr>
+        <p:txBody>
+          <a:bodyPr/>
+          <a:lstStyle/>
+          <a:p>
+            <a:pPr algn="l"/>
+            <a:r>
+              <a:rPr lang="en-US" sz="5400" dirty="0" smtClean="0"/>
+              <a:t> </a:t>
+            </a:r>
+            <a:r>
+              <a:rPr lang="en-US" sz="5400" dirty="0" err="1" smtClean="0"/>
+              <a:t>Améliorations</a:t>
+            </a:r>
+            <a:endParaRPr lang="fr-CH" dirty="0"/>
+          </a:p>
+        </p:txBody>
+      </p:sp>
+      <p:sp>
+        <p:nvSpPr>
+          <p:cNvPr id="3" name="Content Placeholder 2"/>
+          <p:cNvSpPr>
+            <a:spLocks noGrp="1"/>
+          </p:cNvSpPr>
+          <p:nvPr>
+            <p:ph idx="1"/>
+          </p:nvPr>
+        </p:nvSpPr>
+        <p:spPr>
+          <a:xfrm>
+            <a:off x="1636295" y="2080406"/>
+            <a:ext cx="9274721" cy="3665486"/>
+          </a:xfrm>
+        </p:spPr>
+        <p:txBody>
+          <a:bodyPr numCol="2"/>
+          <a:lstStyle/>
+          <a:p>
+            <a:r>
+              <a:rPr lang="en-US" dirty="0" err="1" smtClean="0"/>
+              <a:t>Chargement</a:t>
+            </a:r>
+            <a:r>
+              <a:rPr lang="en-US" dirty="0" smtClean="0"/>
+              <a:t> plus </a:t>
+            </a:r>
+            <a:r>
+              <a:rPr lang="en-US" dirty="0" err="1" smtClean="0"/>
+              <a:t>rapide</a:t>
+            </a:r>
+            <a:endParaRPr lang="en-US" dirty="0" smtClean="0"/>
+          </a:p>
+          <a:p>
+            <a:pPr marL="0" indent="0">
+              <a:buNone/>
+            </a:pPr>
+            <a:endParaRPr lang="en-US" dirty="0" smtClean="0"/>
+          </a:p>
+          <a:p>
+            <a:r>
+              <a:rPr lang="en-US" dirty="0" err="1" smtClean="0"/>
+              <a:t>Système</a:t>
+            </a:r>
+            <a:r>
+              <a:rPr lang="en-US" dirty="0" smtClean="0"/>
+              <a:t> de Grid</a:t>
+            </a:r>
+          </a:p>
+          <a:p>
+            <a:endParaRPr lang="en-US" dirty="0" smtClean="0"/>
+          </a:p>
+          <a:p>
+            <a:r>
+              <a:rPr lang="en-US" dirty="0" err="1" smtClean="0"/>
+              <a:t>Autoscroll</a:t>
+            </a:r>
+            <a:r>
+              <a:rPr lang="en-US" dirty="0" smtClean="0"/>
+              <a:t>, transition </a:t>
+            </a:r>
+            <a:r>
+              <a:rPr lang="en-US" dirty="0" err="1" smtClean="0"/>
+              <a:t>ajout</a:t>
+            </a:r>
+            <a:r>
+              <a:rPr lang="en-US" dirty="0" smtClean="0"/>
+              <a:t> </a:t>
+            </a:r>
+            <a:r>
+              <a:rPr lang="en-US" dirty="0" err="1" smtClean="0"/>
+              <a:t>fleche,theme</a:t>
+            </a:r>
+            <a:r>
+              <a:rPr lang="en-US" dirty="0" smtClean="0"/>
+              <a:t> et </a:t>
+            </a:r>
+            <a:r>
+              <a:rPr lang="en-US" dirty="0" err="1" smtClean="0"/>
+              <a:t>couleur</a:t>
+            </a:r>
+            <a:endParaRPr lang="en-US" dirty="0" smtClean="0"/>
+          </a:p>
+          <a:p>
+            <a:endParaRPr lang="en-US" dirty="0"/>
+          </a:p>
+          <a:p>
+            <a:r>
+              <a:rPr lang="en-US" dirty="0" smtClean="0"/>
+              <a:t>Revoir le design des </a:t>
+            </a:r>
+            <a:r>
+              <a:rPr lang="en-US" i="1" dirty="0" smtClean="0"/>
+              <a:t>cards</a:t>
+            </a:r>
+          </a:p>
+          <a:p>
+            <a:r>
+              <a:rPr lang="en-US" i="1" dirty="0" err="1" smtClean="0"/>
+              <a:t>Ajout</a:t>
+            </a:r>
+            <a:r>
+              <a:rPr lang="en-US" i="1" dirty="0" smtClean="0"/>
+              <a:t> </a:t>
+            </a:r>
+            <a:r>
+              <a:rPr lang="en-US" i="1" dirty="0" err="1" smtClean="0"/>
+              <a:t>fonctionnalités</a:t>
+            </a:r>
+            <a:r>
+              <a:rPr lang="en-US" i="1" dirty="0" smtClean="0"/>
+              <a:t> du genre </a:t>
+            </a:r>
+            <a:r>
+              <a:rPr lang="en-US" i="1" dirty="0" err="1" smtClean="0"/>
+              <a:t>rôles</a:t>
+            </a:r>
+            <a:endParaRPr lang="en-US" i="1" dirty="0" smtClean="0"/>
+          </a:p>
+          <a:p>
+            <a:r>
+              <a:rPr lang="en-US" i="1" dirty="0" smtClean="0"/>
+              <a:t>Publication des </a:t>
+            </a:r>
+            <a:r>
+              <a:rPr lang="en-US" i="1" dirty="0" err="1" smtClean="0"/>
+              <a:t>données</a:t>
+            </a:r>
+            <a:r>
+              <a:rPr lang="en-US" i="1" dirty="0" smtClean="0"/>
+              <a:t> </a:t>
+            </a:r>
+            <a:r>
+              <a:rPr lang="en-US" i="1" dirty="0" err="1" smtClean="0"/>
+              <a:t>exportés</a:t>
+            </a:r>
+            <a:endParaRPr lang="en-US" i="1" dirty="0" smtClean="0"/>
+          </a:p>
+          <a:p>
+            <a:endParaRPr lang="en-US" i="1" dirty="0"/>
+          </a:p>
+          <a:p>
+            <a:r>
+              <a:rPr lang="en-US" i="1" dirty="0" err="1" smtClean="0"/>
+              <a:t>Flèche</a:t>
+            </a:r>
+            <a:r>
+              <a:rPr lang="en-US" i="1" dirty="0" smtClean="0"/>
+              <a:t> </a:t>
+            </a:r>
+            <a:r>
+              <a:rPr lang="en-US" i="1" dirty="0" err="1" smtClean="0"/>
+              <a:t>dans</a:t>
+            </a:r>
+            <a:r>
+              <a:rPr lang="en-US" i="1" dirty="0" smtClean="0"/>
+              <a:t> </a:t>
+            </a:r>
+            <a:r>
+              <a:rPr lang="en-US" i="1" dirty="0" err="1" smtClean="0"/>
+              <a:t>l’ordre</a:t>
+            </a:r>
+            <a:endParaRPr lang="fr-CH" i="1" dirty="0"/>
+          </a:p>
+        </p:txBody>
+      </p:sp>
+    </p:spTree>
+    <p:extLst>
+      <p:ext uri="{BB962C8B-B14F-4D97-AF65-F5344CB8AC3E}">
+        <p14:creationId xmlns:p14="http://schemas.microsoft.com/office/powerpoint/2010/main" val="3129264531"/>
+      </p:ext>
+    </p:extLst>
+  </p:cSld>
+  <p:clrMapOvr>
+    <a:masterClrMapping/>
+  </p:clrMapOvr>
+  <p:timing>
+    <p:tnLst>
+      <p:par>
+        <p:cTn id="1" dur="indefinite" restart="never" nodeType="tmRoot"/>
+      </p:par>
+    </p:tnLst>
+  </p:timing>
+</p:sld>
+</file>
+
+<file path=ppt/slides/slide18.xml><?xml version="1.0" encoding="utf-8"?>
+<p:sld xmlns:a="http://schemas.openxmlformats.org/drawingml/2006/main" xmlns:r="http://schemas.openxmlformats.org/officeDocument/2006/relationships" xmlns:p="http://schemas.openxmlformats.org/presentationml/2006/main">
+  <p:cSld>
+    <p:spTree>
+      <p:nvGrpSpPr>
+        <p:cNvPr id="1" name=""/>
+        <p:cNvGrpSpPr/>
+        <p:nvPr/>
+      </p:nvGrpSpPr>
+      <p:grpSpPr>
+        <a:xfrm>
+          <a:off x="0" y="0"/>
+          <a:ext cx="0" cy="0"/>
+          <a:chOff x="0" y="0"/>
+          <a:chExt cx="0" cy="0"/>
+        </a:xfrm>
+      </p:grpSpPr>
+      <p:sp>
+        <p:nvSpPr>
+          <p:cNvPr id="2" name="Title 1"/>
+          <p:cNvSpPr>
+            <a:spLocks noGrp="1"/>
+          </p:cNvSpPr>
+          <p:nvPr>
+            <p:ph type="title"/>
+          </p:nvPr>
+        </p:nvSpPr>
+        <p:spPr>
+          <a:xfrm>
+            <a:off x="0" y="24350"/>
+            <a:ext cx="9404723" cy="832385"/>
+          </a:xfrm>
+        </p:spPr>
+        <p:txBody>
+          <a:bodyPr/>
+          <a:lstStyle/>
+          <a:p>
+            <a:pPr algn="l"/>
+            <a:r>
+              <a:rPr lang="en-US" sz="5400" dirty="0" smtClean="0"/>
+              <a:t> </a:t>
+            </a:r>
+            <a:r>
+              <a:rPr lang="en-US" sz="5400" dirty="0" err="1" smtClean="0"/>
+              <a:t>Problèmes</a:t>
+            </a:r>
+            <a:r>
+              <a:rPr lang="en-US" sz="5400" dirty="0" smtClean="0"/>
+              <a:t> </a:t>
+            </a:r>
+            <a:r>
+              <a:rPr lang="en-US" sz="5400" dirty="0" err="1" smtClean="0"/>
+              <a:t>rencontrés</a:t>
+            </a:r>
+            <a:endParaRPr lang="fr-CH" sz="5400" dirty="0"/>
+          </a:p>
+        </p:txBody>
+      </p:sp>
+      <p:sp>
+        <p:nvSpPr>
+          <p:cNvPr id="3" name="Content Placeholder 2"/>
+          <p:cNvSpPr>
+            <a:spLocks noGrp="1"/>
+          </p:cNvSpPr>
+          <p:nvPr>
+            <p:ph idx="1"/>
+          </p:nvPr>
+        </p:nvSpPr>
+        <p:spPr/>
+        <p:txBody>
+          <a:bodyPr/>
+          <a:lstStyle/>
+          <a:p>
+            <a:r>
+              <a:rPr lang="en-US" dirty="0" smtClean="0"/>
+              <a:t>IE avec VueX</a:t>
+            </a:r>
+          </a:p>
+          <a:p>
+            <a:pPr lvl="1"/>
+            <a:r>
+              <a:rPr lang="en-US" dirty="0" err="1" smtClean="0"/>
+              <a:t>Résolution</a:t>
+            </a:r>
+            <a:r>
+              <a:rPr lang="en-US" dirty="0" smtClean="0"/>
+              <a:t> : </a:t>
+            </a:r>
+            <a:r>
+              <a:rPr lang="en-US" b="1" dirty="0" smtClean="0"/>
+              <a:t>babel-</a:t>
+            </a:r>
+            <a:r>
+              <a:rPr lang="en-US" b="1" dirty="0" err="1" smtClean="0"/>
+              <a:t>polyfill</a:t>
+            </a:r>
+            <a:endParaRPr lang="en-US" b="1" dirty="0" smtClean="0"/>
+          </a:p>
+        </p:txBody>
+      </p:sp>
+      <p:pic>
+        <p:nvPicPr>
+          <p:cNvPr id="4" name="Picture 3"/>
+          <p:cNvPicPr>
+            <a:picLocks noChangeAspect="1"/>
+          </p:cNvPicPr>
+          <p:nvPr/>
+        </p:nvPicPr>
+        <p:blipFill>
+          <a:blip r:embed="rId2"/>
+          <a:stretch>
+            <a:fillRect/>
+          </a:stretch>
+        </p:blipFill>
+        <p:spPr>
+          <a:xfrm>
+            <a:off x="5212500" y="1513571"/>
+            <a:ext cx="6743700" cy="1828800"/>
+          </a:xfrm>
+          <a:prstGeom prst="rect">
+            <a:avLst/>
+          </a:prstGeom>
+        </p:spPr>
+      </p:pic>
+    </p:spTree>
+    <p:extLst>
+      <p:ext uri="{BB962C8B-B14F-4D97-AF65-F5344CB8AC3E}">
+        <p14:creationId xmlns:p14="http://schemas.microsoft.com/office/powerpoint/2010/main" val="425895806"/>
+      </p:ext>
+    </p:extLst>
+  </p:cSld>
+  <p:clrMapOvr>
+    <a:masterClrMapping/>
+  </p:clrMapOvr>
+  <p:timing>
+    <p:tnLst>
+      <p:par>
+        <p:cTn id="1" dur="indefinite" restart="never" nodeType="tmRoot"/>
+      </p:par>
+    </p:tnLst>
+  </p:timing>
+</p:sld>
+</file>
+
+<file path=ppt/slides/slide19.xml><?xml version="1.0" encoding="utf-8"?>
+<p:sld xmlns:a="http://schemas.openxmlformats.org/drawingml/2006/main" xmlns:r="http://schemas.openxmlformats.org/officeDocument/2006/relationships" xmlns:p="http://schemas.openxmlformats.org/presentationml/2006/main">
+  <p:cSld>
+    <p:spTree>
+      <p:nvGrpSpPr>
+        <p:cNvPr id="1" name=""/>
+        <p:cNvGrpSpPr/>
+        <p:nvPr/>
+      </p:nvGrpSpPr>
+      <p:grpSpPr>
+        <a:xfrm>
+          <a:off x="0" y="0"/>
+          <a:ext cx="0" cy="0"/>
+          <a:chOff x="0" y="0"/>
+          <a:chExt cx="0" cy="0"/>
+        </a:xfrm>
+      </p:grpSpPr>
+      <p:sp>
+        <p:nvSpPr>
+          <p:cNvPr id="2" name="Title 1"/>
+          <p:cNvSpPr>
+            <a:spLocks noGrp="1"/>
+          </p:cNvSpPr>
+          <p:nvPr>
+            <p:ph type="title"/>
+          </p:nvPr>
+        </p:nvSpPr>
+        <p:spPr>
+          <a:xfrm>
+            <a:off x="0" y="0"/>
+            <a:ext cx="9404723" cy="617838"/>
+          </a:xfrm>
+        </p:spPr>
+        <p:txBody>
+          <a:bodyPr>
+            <a:noAutofit/>
+          </a:bodyPr>
+          <a:lstStyle/>
+          <a:p>
+            <a:pPr algn="l"/>
+            <a:r>
+              <a:rPr lang="en-US" sz="5400" dirty="0" smtClean="0"/>
+              <a:t> </a:t>
+            </a:r>
+            <a:r>
+              <a:rPr lang="en-US" sz="5400" dirty="0" err="1" smtClean="0"/>
+              <a:t>Erreurs</a:t>
+            </a:r>
+            <a:r>
+              <a:rPr lang="en-US" sz="5400" dirty="0" smtClean="0"/>
+              <a:t> </a:t>
+            </a:r>
+            <a:r>
+              <a:rPr lang="en-US" sz="5400" dirty="0" err="1" smtClean="0"/>
+              <a:t>Restantes</a:t>
+            </a:r>
+            <a:endParaRPr lang="fr-CH" sz="5400" dirty="0"/>
+          </a:p>
+        </p:txBody>
+      </p:sp>
+      <p:sp>
+        <p:nvSpPr>
+          <p:cNvPr id="3" name="Content Placeholder 2"/>
+          <p:cNvSpPr>
+            <a:spLocks noGrp="1"/>
+          </p:cNvSpPr>
+          <p:nvPr>
+            <p:ph idx="1"/>
+          </p:nvPr>
+        </p:nvSpPr>
+        <p:spPr/>
+        <p:txBody>
+          <a:bodyPr/>
+          <a:lstStyle/>
+          <a:p>
+            <a:r>
+              <a:rPr lang="en-US" dirty="0" err="1" smtClean="0"/>
+              <a:t>Problème</a:t>
+            </a:r>
+            <a:r>
+              <a:rPr lang="en-US" dirty="0" smtClean="0"/>
+              <a:t> </a:t>
+            </a:r>
+            <a:r>
+              <a:rPr lang="en-US" dirty="0" err="1" smtClean="0"/>
+              <a:t>lors</a:t>
+            </a:r>
+            <a:r>
+              <a:rPr lang="en-US" dirty="0" smtClean="0"/>
+              <a:t> de </a:t>
+            </a:r>
+            <a:r>
+              <a:rPr lang="en-US" dirty="0" err="1" smtClean="0"/>
+              <a:t>l’Authentification</a:t>
+            </a:r>
+            <a:r>
+              <a:rPr lang="en-US" dirty="0" smtClean="0"/>
+              <a:t> </a:t>
+            </a:r>
+            <a:r>
+              <a:rPr lang="en-US" dirty="0" err="1" smtClean="0"/>
+              <a:t>si</a:t>
+            </a:r>
+            <a:r>
+              <a:rPr lang="en-US" dirty="0" smtClean="0"/>
+              <a:t> </a:t>
+            </a:r>
+            <a:r>
+              <a:rPr lang="en-US" dirty="0" err="1" smtClean="0"/>
+              <a:t>refus</a:t>
+            </a:r>
+            <a:r>
+              <a:rPr lang="en-US" dirty="0" smtClean="0"/>
+              <a:t> pour </a:t>
+            </a:r>
+            <a:r>
+              <a:rPr lang="en-US" dirty="0" err="1" smtClean="0"/>
+              <a:t>l’email</a:t>
+            </a:r>
+            <a:endParaRPr lang="en-US" dirty="0" smtClean="0"/>
+          </a:p>
+          <a:p>
+            <a:pPr marL="36900" indent="0">
+              <a:buNone/>
+            </a:pPr>
+            <a:endParaRPr lang="en-US" dirty="0" smtClean="0"/>
+          </a:p>
+          <a:p>
+            <a:r>
+              <a:rPr lang="en-US" dirty="0" smtClean="0"/>
+              <a:t>Si </a:t>
+            </a:r>
+            <a:r>
+              <a:rPr lang="en-US" dirty="0" err="1" smtClean="0"/>
+              <a:t>une</a:t>
+            </a:r>
+            <a:r>
+              <a:rPr lang="en-US" dirty="0" smtClean="0"/>
+              <a:t> session expire </a:t>
+            </a:r>
+            <a:r>
+              <a:rPr lang="en-US" dirty="0" err="1" smtClean="0"/>
+              <a:t>l’appli</a:t>
+            </a:r>
+            <a:r>
+              <a:rPr lang="en-US" dirty="0" smtClean="0"/>
+              <a:t> ne le </a:t>
+            </a:r>
+            <a:r>
+              <a:rPr lang="en-US" dirty="0" err="1" smtClean="0"/>
+              <a:t>verra</a:t>
+            </a:r>
+            <a:r>
+              <a:rPr lang="en-US" dirty="0" smtClean="0"/>
+              <a:t> pas</a:t>
+            </a:r>
+          </a:p>
+          <a:p>
+            <a:endParaRPr lang="en-US" dirty="0" smtClean="0"/>
+          </a:p>
+          <a:p>
+            <a:r>
+              <a:rPr lang="en-US" dirty="0" err="1" smtClean="0"/>
+              <a:t>Erreur</a:t>
+            </a:r>
+            <a:r>
+              <a:rPr lang="en-US" dirty="0" smtClean="0"/>
+              <a:t> </a:t>
+            </a:r>
+            <a:r>
+              <a:rPr lang="en-US" dirty="0" err="1" smtClean="0"/>
+              <a:t>lors</a:t>
+            </a:r>
+            <a:r>
+              <a:rPr lang="en-US" dirty="0" smtClean="0"/>
+              <a:t> </a:t>
+            </a:r>
+            <a:r>
+              <a:rPr lang="en-US" dirty="0" err="1" smtClean="0"/>
+              <a:t>d’une</a:t>
+            </a:r>
+            <a:r>
+              <a:rPr lang="en-US" dirty="0" smtClean="0"/>
+              <a:t> </a:t>
+            </a:r>
+            <a:r>
+              <a:rPr lang="en-US" i="1" dirty="0" smtClean="0"/>
+              <a:t>End</a:t>
+            </a:r>
+            <a:r>
+              <a:rPr lang="en-US" dirty="0" smtClean="0"/>
+              <a:t> avec </a:t>
+            </a:r>
+            <a:r>
+              <a:rPr lang="en-US" dirty="0" err="1" smtClean="0"/>
+              <a:t>une</a:t>
+            </a:r>
+            <a:r>
+              <a:rPr lang="en-US" dirty="0" smtClean="0"/>
+              <a:t> </a:t>
+            </a:r>
+            <a:r>
+              <a:rPr lang="en-US" dirty="0" err="1" smtClean="0"/>
+              <a:t>seule</a:t>
+            </a:r>
+            <a:r>
+              <a:rPr lang="en-US" dirty="0" smtClean="0"/>
+              <a:t> </a:t>
+            </a:r>
+            <a:r>
+              <a:rPr lang="en-US" i="1" dirty="0" smtClean="0"/>
+              <a:t>Arrow</a:t>
+            </a:r>
+            <a:endParaRPr lang="fr-CH" i="1" dirty="0"/>
+          </a:p>
+        </p:txBody>
+      </p:sp>
+    </p:spTree>
+    <p:extLst>
+      <p:ext uri="{BB962C8B-B14F-4D97-AF65-F5344CB8AC3E}">
+        <p14:creationId xmlns:p14="http://schemas.microsoft.com/office/powerpoint/2010/main" val="1941745085"/>
+      </p:ext>
+    </p:extLst>
+  </p:cSld>
+  <p:clrMapOvr>
+    <a:masterClrMapping/>
+  </p:clrMapOvr>
+  <p:timing>
+    <p:tnLst>
+      <p:par>
+        <p:cTn id="1" dur="indefinite" restart="never" nodeType="tmRoot"/>
+      </p:par>
+    </p:tnLst>
+  </p:timing>
+</p:sld>
+</file>
+
+<file path=ppt/slides/slide2.xml><?xml version="1.0" encoding="utf-8"?>
+<p:sld xmlns:a="http://schemas.openxmlformats.org/drawingml/2006/main" xmlns:r="http://schemas.openxmlformats.org/officeDocument/2006/relationships" xmlns:p="http://schemas.openxmlformats.org/presentationml/2006/main">
+  <p:cSld>
+    <p:spTree>
+      <p:nvGrpSpPr>
+        <p:cNvPr id="1" name=""/>
+        <p:cNvGrpSpPr/>
+        <p:nvPr/>
+      </p:nvGrpSpPr>
+      <p:grpSpPr>
+        <a:xfrm>
+          <a:off x="0" y="0"/>
+          <a:ext cx="0" cy="0"/>
+          <a:chOff x="0" y="0"/>
+          <a:chExt cx="0" cy="0"/>
+        </a:xfrm>
+      </p:grpSpPr>
+      <p:sp>
+        <p:nvSpPr>
+          <p:cNvPr id="2" name="Title 1"/>
+          <p:cNvSpPr>
+            <a:spLocks noGrp="1"/>
+          </p:cNvSpPr>
+          <p:nvPr>
+            <p:ph type="title"/>
+          </p:nvPr>
+        </p:nvSpPr>
+        <p:spPr>
+          <a:xfrm>
+            <a:off x="0" y="0"/>
+            <a:ext cx="9404723" cy="914400"/>
+          </a:xfrm>
+        </p:spPr>
+        <p:txBody>
+          <a:bodyPr/>
+          <a:lstStyle/>
+          <a:p>
+            <a:r>
+              <a:rPr lang="en-US" dirty="0" smtClean="0"/>
+              <a:t> </a:t>
+            </a:r>
+            <a:r>
+              <a:rPr lang="en-US" sz="5400" dirty="0" err="1" smtClean="0"/>
+              <a:t>Sommaire</a:t>
+            </a:r>
+            <a:endParaRPr lang="fr-CH" dirty="0"/>
+          </a:p>
+        </p:txBody>
+      </p:sp>
+      <p:sp>
+        <p:nvSpPr>
+          <p:cNvPr id="3" name="Content Placeholder 2"/>
+          <p:cNvSpPr>
+            <a:spLocks noGrp="1"/>
+          </p:cNvSpPr>
+          <p:nvPr>
+            <p:ph idx="1"/>
+          </p:nvPr>
+        </p:nvSpPr>
+        <p:spPr>
+          <a:xfrm>
+            <a:off x="1679379" y="1076633"/>
+            <a:ext cx="8946541" cy="4809894"/>
+          </a:xfrm>
+        </p:spPr>
+        <p:txBody>
+          <a:bodyPr>
+            <a:noAutofit/>
+          </a:bodyPr>
+          <a:lstStyle/>
+          <a:p>
+            <a:r>
+              <a:rPr lang="en-US" sz="2800" dirty="0" smtClean="0"/>
+              <a:t> Introduction</a:t>
+            </a:r>
+          </a:p>
+          <a:p>
+            <a:r>
+              <a:rPr lang="en-US" sz="2800" dirty="0" smtClean="0"/>
+              <a:t> Technologies </a:t>
+            </a:r>
+            <a:r>
+              <a:rPr lang="en-US" sz="2800" dirty="0" err="1" smtClean="0"/>
+              <a:t>utilisées</a:t>
+            </a:r>
+            <a:endParaRPr lang="en-US" sz="2800" dirty="0"/>
+          </a:p>
+          <a:p>
+            <a:r>
+              <a:rPr lang="en-US" sz="2800" dirty="0" smtClean="0"/>
+              <a:t> Contexte</a:t>
+            </a:r>
+          </a:p>
+          <a:p>
+            <a:r>
+              <a:rPr lang="en-US" sz="2800" dirty="0" smtClean="0"/>
+              <a:t> </a:t>
+            </a:r>
+            <a:r>
+              <a:rPr lang="en-US" sz="2800" dirty="0" err="1" smtClean="0"/>
+              <a:t>Composants</a:t>
+            </a:r>
+            <a:endParaRPr lang="en-US" sz="2800" dirty="0" smtClean="0"/>
+          </a:p>
+          <a:p>
+            <a:r>
+              <a:rPr lang="en-US" sz="2800" dirty="0"/>
+              <a:t> </a:t>
+            </a:r>
+            <a:r>
+              <a:rPr lang="en-US" sz="2800" dirty="0" err="1" smtClean="0"/>
+              <a:t>Avantages</a:t>
+            </a:r>
+            <a:endParaRPr lang="en-US" sz="2800" dirty="0" smtClean="0"/>
+          </a:p>
+          <a:p>
+            <a:r>
+              <a:rPr lang="en-US" sz="2800" dirty="0"/>
+              <a:t> </a:t>
+            </a:r>
+            <a:r>
+              <a:rPr lang="en-US" sz="2800" dirty="0" err="1" smtClean="0"/>
+              <a:t>Améliorations</a:t>
+            </a:r>
+            <a:endParaRPr lang="en-US" sz="2800" dirty="0" smtClean="0"/>
+          </a:p>
+          <a:p>
+            <a:r>
+              <a:rPr lang="en-US" sz="2800" dirty="0" smtClean="0"/>
+              <a:t> </a:t>
+            </a:r>
+            <a:r>
+              <a:rPr lang="en-US" sz="2800" dirty="0" err="1" smtClean="0"/>
+              <a:t>Problèmes</a:t>
+            </a:r>
+            <a:r>
+              <a:rPr lang="en-US" sz="2800" dirty="0" smtClean="0"/>
+              <a:t> </a:t>
+            </a:r>
+            <a:r>
+              <a:rPr lang="en-US" sz="2800" dirty="0" err="1" smtClean="0"/>
+              <a:t>rencontrés</a:t>
+            </a:r>
+            <a:endParaRPr lang="en-US" sz="2800" dirty="0"/>
+          </a:p>
+          <a:p>
+            <a:r>
+              <a:rPr lang="en-US" sz="2800" dirty="0" smtClean="0"/>
+              <a:t> </a:t>
+            </a:r>
+            <a:r>
+              <a:rPr lang="en-US" sz="2800" dirty="0" err="1" smtClean="0"/>
+              <a:t>Erreurs</a:t>
+            </a:r>
+            <a:r>
+              <a:rPr lang="en-US" sz="2800" dirty="0" smtClean="0"/>
+              <a:t> </a:t>
+            </a:r>
+            <a:r>
+              <a:rPr lang="en-US" sz="2800" dirty="0" err="1" smtClean="0"/>
+              <a:t>restantes</a:t>
+            </a:r>
+            <a:endParaRPr lang="en-US" sz="2800" dirty="0" smtClean="0"/>
+          </a:p>
+          <a:p>
+            <a:r>
+              <a:rPr lang="en-US" sz="2800" dirty="0" smtClean="0"/>
+              <a:t> </a:t>
+            </a:r>
+            <a:r>
+              <a:rPr lang="en-US" sz="2800" dirty="0" err="1" smtClean="0"/>
+              <a:t>Remerciements</a:t>
+            </a:r>
+            <a:endParaRPr lang="en-US" sz="2800" dirty="0"/>
+          </a:p>
+          <a:p>
+            <a:r>
+              <a:rPr lang="en-US" sz="2800" dirty="0" smtClean="0"/>
+              <a:t> Questions</a:t>
+            </a:r>
+          </a:p>
+        </p:txBody>
+      </p:sp>
+    </p:spTree>
+    <p:extLst>
+      <p:ext uri="{BB962C8B-B14F-4D97-AF65-F5344CB8AC3E}">
+        <p14:creationId xmlns:p14="http://schemas.microsoft.com/office/powerpoint/2010/main" val="4214189279"/>
+      </p:ext>
+    </p:extLst>
+  </p:cSld>
+  <p:clrMapOvr>
+    <a:masterClrMapping/>
+  </p:clrMapOvr>
+</p:sld>
+</file>
+
+<file path=ppt/slides/slide20.xml><?xml version="1.0" encoding="utf-8"?>
+<p:sld xmlns:a="http://schemas.openxmlformats.org/drawingml/2006/main" xmlns:r="http://schemas.openxmlformats.org/officeDocument/2006/relationships" xmlns:p="http://schemas.openxmlformats.org/presentationml/2006/main">
+  <p:cSld>
+    <p:spTree>
+      <p:nvGrpSpPr>
+        <p:cNvPr id="1" name=""/>
+        <p:cNvGrpSpPr/>
+        <p:nvPr/>
+      </p:nvGrpSpPr>
+      <p:grpSpPr>
+        <a:xfrm>
+          <a:off x="0" y="0"/>
+          <a:ext cx="0" cy="0"/>
+          <a:chOff x="0" y="0"/>
+          <a:chExt cx="0" cy="0"/>
+        </a:xfrm>
+      </p:grpSpPr>
+      <p:sp>
+        <p:nvSpPr>
+          <p:cNvPr id="2" name="Title 1"/>
+          <p:cNvSpPr>
+            <a:spLocks noGrp="1"/>
+          </p:cNvSpPr>
+          <p:nvPr>
+            <p:ph type="title"/>
+          </p:nvPr>
+        </p:nvSpPr>
+        <p:spPr>
+          <a:xfrm>
+            <a:off x="3301466" y="2637323"/>
+            <a:ext cx="5707781" cy="933651"/>
+          </a:xfrm>
+        </p:spPr>
+        <p:txBody>
+          <a:bodyPr/>
+          <a:lstStyle/>
+          <a:p>
+            <a:r>
+              <a:rPr lang="fr-CH" sz="5400" dirty="0" smtClean="0"/>
+              <a:t> Remerciements</a:t>
+            </a:r>
+            <a:endParaRPr lang="fr-CH" dirty="0"/>
+          </a:p>
+        </p:txBody>
+      </p:sp>
+    </p:spTree>
+    <p:extLst>
+      <p:ext uri="{BB962C8B-B14F-4D97-AF65-F5344CB8AC3E}">
+        <p14:creationId xmlns:p14="http://schemas.microsoft.com/office/powerpoint/2010/main" val="156821349"/>
+      </p:ext>
+    </p:extLst>
+  </p:cSld>
+  <p:clrMapOvr>
+    <a:masterClrMapping/>
+  </p:clrMapOvr>
+  <p:timing>
+    <p:tnLst>
+      <p:par>
+        <p:cTn id="1" dur="indefinite" restart="never" nodeType="tmRoot"/>
+      </p:par>
+    </p:tnLst>
+  </p:timing>
+</p:sld>
+</file>
+
+<file path=ppt/slides/slide21.xml><?xml version="1.0" encoding="utf-8"?>
+<p:sld xmlns:a="http://schemas.openxmlformats.org/drawingml/2006/main" xmlns:r="http://schemas.openxmlformats.org/officeDocument/2006/relationships" xmlns:p="http://schemas.openxmlformats.org/presentationml/2006/main">
+  <p:cSld>
+    <p:spTree>
+      <p:nvGrpSpPr>
+        <p:cNvPr id="1" name=""/>
+        <p:cNvGrpSpPr/>
+        <p:nvPr/>
+      </p:nvGrpSpPr>
+      <p:grpSpPr>
+        <a:xfrm>
+          <a:off x="0" y="0"/>
+          <a:ext cx="0" cy="0"/>
+          <a:chOff x="0" y="0"/>
+          <a:chExt cx="0" cy="0"/>
+        </a:xfrm>
+      </p:grpSpPr>
+      <p:sp>
+        <p:nvSpPr>
+          <p:cNvPr id="2" name="Title 1"/>
+          <p:cNvSpPr>
+            <a:spLocks noGrp="1"/>
+          </p:cNvSpPr>
+          <p:nvPr>
+            <p:ph type="title"/>
+          </p:nvPr>
+        </p:nvSpPr>
+        <p:spPr>
+          <a:xfrm>
+            <a:off x="4169997" y="2799114"/>
+            <a:ext cx="3886348" cy="733531"/>
+          </a:xfrm>
+        </p:spPr>
+        <p:txBody>
+          <a:bodyPr/>
+          <a:lstStyle/>
+          <a:p>
+            <a:r>
+              <a:rPr lang="en-US" sz="5400" dirty="0" smtClean="0"/>
+              <a:t>Questions</a:t>
+            </a:r>
+            <a:r>
+              <a:rPr lang="en-US" dirty="0" smtClean="0"/>
+              <a:t> ?</a:t>
+            </a:r>
+            <a:endParaRPr lang="fr-CH" dirty="0"/>
+          </a:p>
+        </p:txBody>
+      </p:sp>
+    </p:spTree>
+    <p:extLst>
+      <p:ext uri="{BB962C8B-B14F-4D97-AF65-F5344CB8AC3E}">
+        <p14:creationId xmlns:p14="http://schemas.microsoft.com/office/powerpoint/2010/main" val="1894489813"/>
+      </p:ext>
+    </p:extLst>
+  </p:cSld>
+  <p:clrMapOvr>
+    <a:masterClrMapping/>
+  </p:clrMapOvr>
+  <p:timing>
+    <p:tnLst>
+      <p:par>
+        <p:cTn id="1" dur="indefinite" restart="never" nodeType="tmRoot"/>
+      </p:par>
+    </p:tnLst>
+  </p:timing>
 </p:sld>
 </file>
 
@@ -8555,310 +10251,43 @@
         </p:nvSpPr>
         <p:spPr>
           <a:xfrm>
-            <a:off x="0" y="0"/>
-            <a:ext cx="6217920" cy="866274"/>
+            <a:off x="3850105" y="2849078"/>
+            <a:ext cx="4466123" cy="885524"/>
           </a:xfrm>
         </p:spPr>
         <p:txBody>
           <a:bodyPr/>
           <a:lstStyle/>
           <a:p>
-            <a:pPr algn="l"/>
-            <a:r>
-              <a:rPr lang="en-US" dirty="0" smtClean="0"/>
-              <a:t>ExpressJS </a:t>
-            </a:r>
-            <a:r>
-              <a:rPr lang="en-US" dirty="0" err="1" smtClean="0"/>
-              <a:t>routage</a:t>
-            </a:r>
+            <a:r>
+              <a:rPr lang="en-US" sz="5400" dirty="0" smtClean="0"/>
+              <a:t> Introduction</a:t>
+            </a:r>
+            <a:endParaRPr lang="fr-CH" dirty="0"/>
+          </a:p>
+        </p:txBody>
+      </p:sp>
+      <p:sp>
+        <p:nvSpPr>
+          <p:cNvPr id="3" name="Content Placeholder 2"/>
+          <p:cNvSpPr>
+            <a:spLocks noGrp="1"/>
+          </p:cNvSpPr>
+          <p:nvPr>
+            <p:ph idx="1"/>
+          </p:nvPr>
+        </p:nvSpPr>
+        <p:spPr/>
+        <p:txBody>
+          <a:bodyPr/>
+          <a:lstStyle/>
+          <a:p>
+            <a:pPr marL="0" indent="0">
+              <a:buNone/>
+            </a:pPr>
             <a:r>
               <a:rPr lang="en-US" dirty="0" smtClean="0"/>
               <a:t> </a:t>
-            </a:r>
-            <a:r>
-              <a:rPr lang="en-US" i="1" dirty="0" smtClean="0"/>
-              <a:t>backend</a:t>
-            </a:r>
-            <a:endParaRPr lang="fr-CH" i="1" dirty="0"/>
-          </a:p>
-        </p:txBody>
-      </p:sp>
-      <p:cxnSp>
-        <p:nvCxnSpPr>
-          <p:cNvPr id="5" name="Straight Arrow Connector 4"/>
-          <p:cNvCxnSpPr>
-            <a:stCxn id="12" idx="6"/>
-            <a:endCxn id="10" idx="2"/>
-          </p:cNvCxnSpPr>
-          <p:nvPr/>
-        </p:nvCxnSpPr>
-        <p:spPr>
-          <a:xfrm flipV="1">
-            <a:off x="4822257" y="2616286"/>
-            <a:ext cx="2521819" cy="1012439"/>
-          </a:xfrm>
-          <a:prstGeom prst="straightConnector1">
-            <a:avLst/>
-          </a:prstGeom>
-          <a:ln>
-            <a:tailEnd type="triangle"/>
-          </a:ln>
-        </p:spPr>
-        <p:style>
-          <a:lnRef idx="1">
-            <a:schemeClr val="accent1"/>
-          </a:lnRef>
-          <a:fillRef idx="0">
-            <a:schemeClr val="accent1"/>
-          </a:fillRef>
-          <a:effectRef idx="0">
-            <a:schemeClr val="accent1"/>
-          </a:effectRef>
-          <a:fontRef idx="minor">
-            <a:schemeClr val="tx1"/>
-          </a:fontRef>
-        </p:style>
-      </p:cxnSp>
-      <p:cxnSp>
-        <p:nvCxnSpPr>
-          <p:cNvPr id="6" name="Straight Arrow Connector 5"/>
-          <p:cNvCxnSpPr>
-            <a:stCxn id="12" idx="6"/>
-            <a:endCxn id="11" idx="2"/>
-          </p:cNvCxnSpPr>
-          <p:nvPr/>
-        </p:nvCxnSpPr>
-        <p:spPr>
-          <a:xfrm>
-            <a:off x="4822257" y="3628725"/>
-            <a:ext cx="2521819" cy="1145405"/>
-          </a:xfrm>
-          <a:prstGeom prst="straightConnector1">
-            <a:avLst/>
-          </a:prstGeom>
-          <a:ln>
-            <a:tailEnd type="triangle"/>
-          </a:ln>
-        </p:spPr>
-        <p:style>
-          <a:lnRef idx="1">
-            <a:schemeClr val="accent1"/>
-          </a:lnRef>
-          <a:fillRef idx="0">
-            <a:schemeClr val="accent1"/>
-          </a:fillRef>
-          <a:effectRef idx="0">
-            <a:schemeClr val="accent1"/>
-          </a:effectRef>
-          <a:fontRef idx="minor">
-            <a:schemeClr val="tx1"/>
-          </a:fontRef>
-        </p:style>
-      </p:cxnSp>
-      <p:sp>
-        <p:nvSpPr>
-          <p:cNvPr id="7" name="TextBox 6"/>
-          <p:cNvSpPr txBox="1"/>
-          <p:nvPr/>
-        </p:nvSpPr>
-        <p:spPr>
-          <a:xfrm rot="20185048">
-            <a:off x="5726268" y="2672252"/>
-            <a:ext cx="958917" cy="369332"/>
-          </a:xfrm>
-          <a:prstGeom prst="rect">
-            <a:avLst/>
-          </a:prstGeom>
-          <a:noFill/>
-        </p:spPr>
-        <p:txBody>
-          <a:bodyPr wrap="none" rtlCol="0">
-            <a:spAutoFit/>
-          </a:bodyPr>
-          <a:lstStyle/>
-          <a:p>
-            <a:r>
-              <a:rPr lang="en-US" dirty="0" smtClean="0"/>
-              <a:t>/</a:t>
-            </a:r>
-            <a:r>
-              <a:rPr lang="en-US" dirty="0" err="1" smtClean="0"/>
-              <a:t>api</a:t>
-            </a:r>
-            <a:r>
-              <a:rPr lang="en-US" dirty="0" smtClean="0"/>
-              <a:t>/…</a:t>
-            </a:r>
-            <a:endParaRPr lang="fr-CH" dirty="0"/>
-          </a:p>
-        </p:txBody>
-      </p:sp>
-      <p:sp>
-        <p:nvSpPr>
-          <p:cNvPr id="9" name="TextBox 8"/>
-          <p:cNvSpPr txBox="1"/>
-          <p:nvPr/>
-        </p:nvSpPr>
-        <p:spPr>
-          <a:xfrm rot="1568273">
-            <a:off x="5706869" y="4201427"/>
-            <a:ext cx="306494" cy="369332"/>
-          </a:xfrm>
-          <a:prstGeom prst="rect">
-            <a:avLst/>
-          </a:prstGeom>
-          <a:noFill/>
-        </p:spPr>
-        <p:txBody>
-          <a:bodyPr wrap="none" rtlCol="0">
-            <a:spAutoFit/>
-          </a:bodyPr>
-          <a:lstStyle/>
-          <a:p>
-            <a:r>
-              <a:rPr lang="en-US" dirty="0" smtClean="0"/>
-              <a:t>/</a:t>
-            </a:r>
-            <a:endParaRPr lang="fr-CH" dirty="0"/>
-          </a:p>
-        </p:txBody>
-      </p:sp>
-      <p:sp>
-        <p:nvSpPr>
-          <p:cNvPr id="10" name="Oval 9"/>
-          <p:cNvSpPr/>
-          <p:nvPr/>
-        </p:nvSpPr>
-        <p:spPr>
-          <a:xfrm>
-            <a:off x="7344076" y="2133236"/>
-            <a:ext cx="1318661" cy="966099"/>
-          </a:xfrm>
-          <a:prstGeom prst="ellipse">
-            <a:avLst/>
-          </a:prstGeom>
-        </p:spPr>
-        <p:style>
-          <a:lnRef idx="2">
-            <a:schemeClr val="accent1">
-              <a:shade val="50000"/>
-            </a:schemeClr>
-          </a:lnRef>
-          <a:fillRef idx="1">
-            <a:schemeClr val="accent1"/>
-          </a:fillRef>
-          <a:effectRef idx="0">
-            <a:schemeClr val="accent1"/>
-          </a:effectRef>
-          <a:fontRef idx="minor">
-            <a:schemeClr val="lt1"/>
-          </a:fontRef>
-        </p:style>
-        <p:txBody>
-          <a:bodyPr rtlCol="0" anchor="ctr"/>
-          <a:lstStyle/>
-          <a:p>
-            <a:pPr algn="ctr"/>
-            <a:r>
-              <a:rPr lang="en-US" dirty="0" smtClean="0"/>
-              <a:t>API</a:t>
-            </a:r>
-            <a:endParaRPr lang="fr-CH" dirty="0"/>
-          </a:p>
-        </p:txBody>
-      </p:sp>
-      <p:sp>
-        <p:nvSpPr>
-          <p:cNvPr id="11" name="Oval 10"/>
-          <p:cNvSpPr/>
-          <p:nvPr/>
-        </p:nvSpPr>
-        <p:spPr>
-          <a:xfrm>
-            <a:off x="7344076" y="4263991"/>
-            <a:ext cx="1193533" cy="1020278"/>
-          </a:xfrm>
-          <a:prstGeom prst="ellipse">
-            <a:avLst/>
-          </a:prstGeom>
-        </p:spPr>
-        <p:style>
-          <a:lnRef idx="2">
-            <a:schemeClr val="accent1">
-              <a:shade val="50000"/>
-            </a:schemeClr>
-          </a:lnRef>
-          <a:fillRef idx="1">
-            <a:schemeClr val="accent1"/>
-          </a:fillRef>
-          <a:effectRef idx="0">
-            <a:schemeClr val="accent1"/>
-          </a:effectRef>
-          <a:fontRef idx="minor">
-            <a:schemeClr val="lt1"/>
-          </a:fontRef>
-        </p:style>
-        <p:txBody>
-          <a:bodyPr rtlCol="0" anchor="ctr"/>
-          <a:lstStyle/>
-          <a:p>
-            <a:pPr algn="ctr"/>
-            <a:r>
-              <a:rPr lang="en-US" dirty="0" err="1" smtClean="0"/>
-              <a:t>Vue</a:t>
-            </a:r>
-            <a:r>
-              <a:rPr lang="en-US" dirty="0" smtClean="0"/>
-              <a:t> SPA</a:t>
-            </a:r>
-            <a:endParaRPr lang="fr-CH" dirty="0"/>
-          </a:p>
-        </p:txBody>
-      </p:sp>
-      <p:sp>
-        <p:nvSpPr>
-          <p:cNvPr id="12" name="Oval 11"/>
-          <p:cNvSpPr/>
-          <p:nvPr/>
-        </p:nvSpPr>
-        <p:spPr>
-          <a:xfrm>
-            <a:off x="3378467" y="2964581"/>
-            <a:ext cx="1443790" cy="1328287"/>
-          </a:xfrm>
-          <a:prstGeom prst="ellipse">
-            <a:avLst/>
-          </a:prstGeom>
-        </p:spPr>
-        <p:style>
-          <a:lnRef idx="2">
-            <a:schemeClr val="accent1">
-              <a:shade val="50000"/>
-            </a:schemeClr>
-          </a:lnRef>
-          <a:fillRef idx="1">
-            <a:schemeClr val="accent1"/>
-          </a:fillRef>
-          <a:effectRef idx="0">
-            <a:schemeClr val="accent1"/>
-          </a:effectRef>
-          <a:fontRef idx="minor">
-            <a:schemeClr val="lt1"/>
-          </a:fontRef>
-        </p:style>
-        <p:txBody>
-          <a:bodyPr rtlCol="0" anchor="ctr"/>
-          <a:lstStyle/>
-          <a:p>
-            <a:pPr algn="ctr"/>
-            <a:r>
-              <a:rPr lang="en-US" dirty="0" err="1" smtClean="0"/>
-              <a:t>Serveur</a:t>
-            </a:r>
-            <a:r>
-              <a:rPr lang="en-US" dirty="0" smtClean="0"/>
-              <a:t> Express</a:t>
             </a:r>
             <a:endParaRPr lang="fr-CH" dirty="0"/>
           </a:p>
@@ -8867,7 +10296,7 @@
     </p:spTree>
     <p:extLst>
       <p:ext uri="{BB962C8B-B14F-4D97-AF65-F5344CB8AC3E}">
-        <p14:creationId xmlns:p14="http://schemas.microsoft.com/office/powerpoint/2010/main" val="2571070811"/>
+        <p14:creationId xmlns:p14="http://schemas.microsoft.com/office/powerpoint/2010/main" val="1971509561"/>
       </p:ext>
     </p:extLst>
   </p:cSld>
@@ -8906,51 +10335,183 @@
         </p:nvSpPr>
         <p:spPr>
           <a:xfrm>
-            <a:off x="2385247" y="2946243"/>
-            <a:ext cx="7365145" cy="777220"/>
-          </a:xfrm>
-        </p:spPr>
-        <p:txBody>
-          <a:bodyPr>
-            <a:normAutofit fontScale="90000"/>
+            <a:off x="0" y="0"/>
+            <a:ext cx="10353762" cy="779646"/>
+          </a:xfrm>
+        </p:spPr>
+        <p:txBody>
+          <a:bodyPr/>
+          <a:lstStyle/>
+          <a:p>
+            <a:pPr algn="l"/>
+            <a:r>
+              <a:rPr lang="en-US" sz="5400" dirty="0" smtClean="0"/>
+              <a:t> </a:t>
+            </a:r>
+            <a:r>
+              <a:rPr lang="en-US" sz="5400" dirty="0" err="1" smtClean="0"/>
+              <a:t>Rôles</a:t>
+            </a:r>
+            <a:r>
+              <a:rPr lang="en-US" sz="5400" dirty="0" smtClean="0"/>
+              <a:t> </a:t>
+            </a:r>
+            <a:r>
+              <a:rPr lang="en-US" sz="5400" dirty="0" err="1" smtClean="0"/>
+              <a:t>lors</a:t>
+            </a:r>
+            <a:r>
+              <a:rPr lang="en-US" sz="5400" dirty="0" smtClean="0"/>
+              <a:t> du </a:t>
+            </a:r>
+            <a:r>
+              <a:rPr lang="en-US" sz="5400" dirty="0" err="1"/>
+              <a:t>développement</a:t>
+            </a:r>
+            <a:endParaRPr lang="fr-CH" sz="5400" dirty="0"/>
+          </a:p>
+        </p:txBody>
+      </p:sp>
+      <p:sp>
+        <p:nvSpPr>
+          <p:cNvPr id="3" name="Content Placeholder 2"/>
+          <p:cNvSpPr>
+            <a:spLocks noGrp="1"/>
+          </p:cNvSpPr>
+          <p:nvPr>
+            <p:ph idx="1"/>
+          </p:nvPr>
+        </p:nvSpPr>
+        <p:spPr>
+          <a:xfrm>
+            <a:off x="407773" y="1654018"/>
+            <a:ext cx="11969578" cy="4450220"/>
+          </a:xfrm>
+        </p:spPr>
+        <p:txBody>
+          <a:bodyPr numCol="1">
+            <a:normAutofit/>
           </a:bodyPr>
           <a:lstStyle/>
           <a:p>
-            <a:pPr algn="l"/>
-            <a:r>
-              <a:rPr lang="en-US" dirty="0" err="1" smtClean="0"/>
-              <a:t>Processus</a:t>
-            </a:r>
-            <a:r>
-              <a:rPr lang="en-US" dirty="0" smtClean="0"/>
+            <a:pPr>
+              <a:lnSpc>
+                <a:spcPct val="150000"/>
+              </a:lnSpc>
+            </a:pPr>
+            <a:r>
+              <a:rPr lang="en-US" sz="4000" b="1" dirty="0" smtClean="0"/>
               <a:t> </a:t>
             </a:r>
             <a:r>
-              <a:rPr lang="en-US" dirty="0" err="1" smtClean="0"/>
-              <a:t>d’authentification</a:t>
-            </a:r>
-            <a:r>
-              <a:rPr lang="en-US" dirty="0" smtClean="0"/>
+              <a:rPr lang="en-US" sz="4000" b="1" dirty="0" err="1" smtClean="0"/>
+              <a:t>Testeurs</a:t>
+            </a:r>
+            <a:r>
+              <a:rPr lang="en-US" sz="4000" dirty="0" smtClean="0"/>
+              <a:t> : </a:t>
+            </a:r>
+            <a:r>
+              <a:rPr lang="en-US" sz="4000" dirty="0" err="1" smtClean="0"/>
+              <a:t>Utilisateurs</a:t>
+            </a:r>
+            <a:r>
+              <a:rPr lang="en-US" sz="4000" dirty="0" smtClean="0"/>
               <a:t> </a:t>
             </a:r>
             <a:r>
-              <a:rPr lang="en-US" i="1" dirty="0" smtClean="0"/>
-              <a:t>Frontend</a:t>
-            </a:r>
-            <a:endParaRPr lang="fr-CH" i="1" dirty="0"/>
+              <a:rPr lang="en-US" sz="4000" dirty="0" err="1" smtClean="0"/>
+              <a:t>externes</a:t>
+            </a:r>
+            <a:r>
+              <a:rPr lang="en-US" sz="4000" dirty="0" smtClean="0"/>
+              <a:t>	</a:t>
+            </a:r>
+          </a:p>
+          <a:p>
+            <a:pPr>
+              <a:lnSpc>
+                <a:spcPct val="150000"/>
+              </a:lnSpc>
+            </a:pPr>
+            <a:r>
+              <a:rPr lang="en-US" sz="4000" b="1" dirty="0" smtClean="0"/>
+              <a:t> Chef de </a:t>
+            </a:r>
+            <a:r>
+              <a:rPr lang="en-US" sz="4000" b="1" dirty="0" err="1" smtClean="0"/>
+              <a:t>projet</a:t>
+            </a:r>
+            <a:r>
+              <a:rPr lang="en-US" sz="4000" b="1" dirty="0" smtClean="0"/>
+              <a:t> </a:t>
+            </a:r>
+            <a:r>
+              <a:rPr lang="en-US" sz="4000" dirty="0" smtClean="0"/>
+              <a:t>: SN</a:t>
+            </a:r>
+          </a:p>
+          <a:p>
+            <a:pPr>
+              <a:lnSpc>
+                <a:spcPct val="150000"/>
+              </a:lnSpc>
+            </a:pPr>
+            <a:r>
+              <a:rPr lang="en-US" sz="4000" b="1" dirty="0" smtClean="0"/>
+              <a:t> </a:t>
+            </a:r>
+            <a:r>
+              <a:rPr lang="en-US" sz="4000" b="1" dirty="0" err="1" smtClean="0"/>
+              <a:t>Développeur</a:t>
+            </a:r>
+            <a:r>
+              <a:rPr lang="en-US" sz="4000" dirty="0" smtClean="0"/>
+              <a:t> : MB</a:t>
+            </a:r>
+          </a:p>
+          <a:p>
+            <a:pPr>
+              <a:lnSpc>
+                <a:spcPct val="150000"/>
+              </a:lnSpc>
+            </a:pPr>
+            <a:r>
+              <a:rPr lang="en-US" sz="4000" b="1" dirty="0" smtClean="0"/>
+              <a:t> Client </a:t>
+            </a:r>
+            <a:r>
+              <a:rPr lang="en-US" sz="4000" dirty="0" smtClean="0"/>
+              <a:t>: SN et MB</a:t>
+            </a:r>
+          </a:p>
+          <a:p>
+            <a:pPr>
+              <a:lnSpc>
+                <a:spcPct val="150000"/>
+              </a:lnSpc>
+            </a:pPr>
+            <a:endParaRPr lang="fr-CH" dirty="0"/>
           </a:p>
         </p:txBody>
       </p:sp>
     </p:spTree>
     <p:extLst>
       <p:ext uri="{BB962C8B-B14F-4D97-AF65-F5344CB8AC3E}">
-        <p14:creationId xmlns:p14="http://schemas.microsoft.com/office/powerpoint/2010/main" val="3291994947"/>
+        <p14:creationId xmlns:p14="http://schemas.microsoft.com/office/powerpoint/2010/main" val="3202919036"/>
       </p:ext>
     </p:extLst>
   </p:cSld>
   <p:clrMapOvr>
     <a:masterClrMapping/>
   </p:clrMapOvr>
+  <p:timing>
+    <p:tnLst>
+      <p:par>
+        <p:cTn id="1" dur="indefinite" restart="never" nodeType="tmRoot"/>
+      </p:par>
+    </p:tnLst>
+  </p:timing>
 </p:sld>
 </file>
 
@@ -8983,688 +10544,21 @@
         </p:nvSpPr>
         <p:spPr>
           <a:xfrm>
-            <a:off x="0" y="16113"/>
-            <a:ext cx="9404723" cy="848860"/>
+            <a:off x="3379687" y="2724280"/>
+            <a:ext cx="5735438" cy="856318"/>
           </a:xfrm>
         </p:spPr>
         <p:txBody>
           <a:bodyPr/>
           <a:lstStyle/>
           <a:p>
-            <a:pPr algn="l"/>
             <a:r>
               <a:rPr lang="en-US" dirty="0" smtClean="0"/>
-              <a:t>VueX</a:t>
-            </a:r>
-            <a:endParaRPr lang="fr-CH" dirty="0"/>
-          </a:p>
-        </p:txBody>
-      </p:sp>
-      <p:sp>
-        <p:nvSpPr>
-          <p:cNvPr id="3" name="Content Placeholder 2"/>
-          <p:cNvSpPr>
-            <a:spLocks noGrp="1"/>
-          </p:cNvSpPr>
-          <p:nvPr>
-            <p:ph idx="1"/>
-          </p:nvPr>
-        </p:nvSpPr>
-        <p:spPr>
-          <a:xfrm>
-            <a:off x="817543" y="1064647"/>
-            <a:ext cx="4947990" cy="1097378"/>
-          </a:xfrm>
-        </p:spPr>
-        <p:txBody>
-          <a:bodyPr/>
-          <a:lstStyle/>
-          <a:p>
-            <a:r>
-              <a:rPr lang="en-US" dirty="0" smtClean="0"/>
-              <a:t>VueX et Flux : Gestion de </a:t>
+              <a:t>Technologies </a:t>
             </a:r>
             <a:r>
               <a:rPr lang="en-US" dirty="0" err="1" smtClean="0"/>
-              <a:t>données</a:t>
-            </a:r>
-            <a:r>
-              <a:rPr lang="en-US" dirty="0" smtClean="0"/>
-              <a:t> </a:t>
-            </a:r>
-            <a:r>
-              <a:rPr lang="en-US" dirty="0" err="1" smtClean="0"/>
-              <a:t>réactives</a:t>
-            </a:r>
-            <a:endParaRPr lang="en-US" dirty="0" smtClean="0"/>
-          </a:p>
-          <a:p>
-            <a:endParaRPr lang="en-US" dirty="0" smtClean="0"/>
-          </a:p>
-          <a:p>
-            <a:endParaRPr lang="fr-CH" dirty="0"/>
-          </a:p>
-        </p:txBody>
-      </p:sp>
-      <p:sp>
-        <p:nvSpPr>
-          <p:cNvPr id="5" name="Rounded Rectangle 4"/>
-          <p:cNvSpPr/>
-          <p:nvPr/>
-        </p:nvSpPr>
-        <p:spPr>
-          <a:xfrm>
-            <a:off x="1474768" y="3402470"/>
-            <a:ext cx="2656573" cy="866274"/>
-          </a:xfrm>
-          <a:prstGeom prst="roundRect">
-            <a:avLst/>
-          </a:prstGeom>
-          <a:solidFill>
-            <a:srgbClr val="026E00"/>
-          </a:solidFill>
-          <a:ln>
-            <a:noFill/>
-          </a:ln>
-        </p:spPr>
-        <p:style>
-          <a:lnRef idx="2">
-            <a:schemeClr val="accent1">
-              <a:shade val="50000"/>
-            </a:schemeClr>
-          </a:lnRef>
-          <a:fillRef idx="1">
-            <a:schemeClr val="accent1"/>
-          </a:fillRef>
-          <a:effectRef idx="0">
-            <a:schemeClr val="accent1"/>
-          </a:effectRef>
-          <a:fontRef idx="minor">
-            <a:schemeClr val="lt1"/>
-          </a:fontRef>
-        </p:style>
-        <p:txBody>
-          <a:bodyPr rtlCol="0" anchor="ctr"/>
-          <a:lstStyle/>
-          <a:p>
-            <a:pPr algn="ctr"/>
-            <a:r>
-              <a:rPr lang="en-US" dirty="0" err="1" smtClean="0"/>
-              <a:t>Vue</a:t>
-            </a:r>
-            <a:r>
-              <a:rPr lang="en-US" dirty="0" smtClean="0"/>
-              <a:t> Components</a:t>
-            </a:r>
-            <a:endParaRPr lang="fr-CH" dirty="0"/>
-          </a:p>
-        </p:txBody>
-      </p:sp>
-      <p:sp>
-        <p:nvSpPr>
-          <p:cNvPr id="6" name="Oval 5"/>
-          <p:cNvSpPr/>
-          <p:nvPr/>
-        </p:nvSpPr>
-        <p:spPr>
-          <a:xfrm>
-            <a:off x="6429676" y="2300438"/>
-            <a:ext cx="1366787" cy="1116530"/>
-          </a:xfrm>
-          <a:prstGeom prst="ellipse">
-            <a:avLst/>
-          </a:prstGeom>
-        </p:spPr>
-        <p:style>
-          <a:lnRef idx="2">
-            <a:schemeClr val="accent1">
-              <a:shade val="50000"/>
-            </a:schemeClr>
-          </a:lnRef>
-          <a:fillRef idx="1">
-            <a:schemeClr val="accent1"/>
-          </a:fillRef>
-          <a:effectRef idx="0">
-            <a:schemeClr val="accent1"/>
-          </a:effectRef>
-          <a:fontRef idx="minor">
-            <a:schemeClr val="lt1"/>
-          </a:fontRef>
-        </p:style>
-        <p:txBody>
-          <a:bodyPr rtlCol="0" anchor="ctr"/>
-          <a:lstStyle/>
-          <a:p>
-            <a:pPr algn="ctr"/>
-            <a:r>
-              <a:rPr lang="en-US" dirty="0" smtClean="0"/>
-              <a:t>Actions</a:t>
-            </a:r>
-            <a:endParaRPr lang="fr-CH" dirty="0"/>
-          </a:p>
-        </p:txBody>
-      </p:sp>
-      <p:sp>
-        <p:nvSpPr>
-          <p:cNvPr id="7" name="Oval 6"/>
-          <p:cNvSpPr/>
-          <p:nvPr/>
-        </p:nvSpPr>
-        <p:spPr>
-          <a:xfrm>
-            <a:off x="9124749" y="3416968"/>
-            <a:ext cx="1689233" cy="1501541"/>
-          </a:xfrm>
-          <a:prstGeom prst="ellipse">
-            <a:avLst/>
-          </a:prstGeom>
-        </p:spPr>
-        <p:style>
-          <a:lnRef idx="2">
-            <a:schemeClr val="accent1">
-              <a:shade val="50000"/>
-            </a:schemeClr>
-          </a:lnRef>
-          <a:fillRef idx="1">
-            <a:schemeClr val="accent1"/>
-          </a:fillRef>
-          <a:effectRef idx="0">
-            <a:schemeClr val="accent1"/>
-          </a:effectRef>
-          <a:fontRef idx="minor">
-            <a:schemeClr val="lt1"/>
-          </a:fontRef>
-        </p:style>
-        <p:txBody>
-          <a:bodyPr rtlCol="0" anchor="ctr"/>
-          <a:lstStyle/>
-          <a:p>
-            <a:pPr algn="ctr"/>
-            <a:r>
-              <a:rPr lang="en-US" dirty="0" smtClean="0"/>
-              <a:t>Mutations</a:t>
-            </a:r>
-            <a:endParaRPr lang="fr-CH" dirty="0"/>
-          </a:p>
-        </p:txBody>
-      </p:sp>
-      <p:sp>
-        <p:nvSpPr>
-          <p:cNvPr id="8" name="Oval 7"/>
-          <p:cNvSpPr/>
-          <p:nvPr/>
-        </p:nvSpPr>
-        <p:spPr>
-          <a:xfrm>
-            <a:off x="6506677" y="4515549"/>
-            <a:ext cx="1270535" cy="1188324"/>
-          </a:xfrm>
-          <a:prstGeom prst="ellipse">
-            <a:avLst/>
-          </a:prstGeom>
-        </p:spPr>
-        <p:style>
-          <a:lnRef idx="2">
-            <a:schemeClr val="accent1">
-              <a:shade val="50000"/>
-            </a:schemeClr>
-          </a:lnRef>
-          <a:fillRef idx="1">
-            <a:schemeClr val="accent1"/>
-          </a:fillRef>
-          <a:effectRef idx="0">
-            <a:schemeClr val="accent1"/>
-          </a:effectRef>
-          <a:fontRef idx="minor">
-            <a:schemeClr val="lt1"/>
-          </a:fontRef>
-        </p:style>
-        <p:txBody>
-          <a:bodyPr rtlCol="0" anchor="ctr"/>
-          <a:lstStyle/>
-          <a:p>
-            <a:pPr algn="ctr"/>
-            <a:r>
-              <a:rPr lang="en-US" dirty="0" smtClean="0"/>
-              <a:t>State</a:t>
-            </a:r>
-            <a:endParaRPr lang="fr-CH" dirty="0"/>
-          </a:p>
-        </p:txBody>
-      </p:sp>
-      <p:sp>
-        <p:nvSpPr>
-          <p:cNvPr id="9" name="Rounded Rectangle 8"/>
-          <p:cNvSpPr/>
-          <p:nvPr/>
-        </p:nvSpPr>
-        <p:spPr>
-          <a:xfrm>
-            <a:off x="6256420" y="1963554"/>
-            <a:ext cx="4706755" cy="4206240"/>
-          </a:xfrm>
-          <a:prstGeom prst="roundRect">
-            <a:avLst/>
-          </a:prstGeom>
-          <a:noFill/>
-          <a:ln w="28575">
-            <a:solidFill>
-              <a:srgbClr val="026E00"/>
-            </a:solidFill>
-            <a:prstDash val="sysDash"/>
-          </a:ln>
-        </p:spPr>
-        <p:style>
-          <a:lnRef idx="2">
-            <a:schemeClr val="accent1">
-              <a:shade val="50000"/>
-            </a:schemeClr>
-          </a:lnRef>
-          <a:fillRef idx="1">
-            <a:schemeClr val="accent1"/>
-          </a:fillRef>
-          <a:effectRef idx="0">
-            <a:schemeClr val="accent1"/>
-          </a:effectRef>
-          <a:fontRef idx="minor">
-            <a:schemeClr val="lt1"/>
-          </a:fontRef>
-        </p:style>
-        <p:txBody>
-          <a:bodyPr rtlCol="0" anchor="ctr"/>
-          <a:lstStyle/>
-          <a:p>
-            <a:pPr algn="ctr"/>
-            <a:endParaRPr lang="fr-CH"/>
-          </a:p>
-        </p:txBody>
-      </p:sp>
-      <p:sp>
-        <p:nvSpPr>
-          <p:cNvPr id="10" name="TextBox 9"/>
-          <p:cNvSpPr txBox="1"/>
-          <p:nvPr/>
-        </p:nvSpPr>
-        <p:spPr>
-          <a:xfrm>
-            <a:off x="9598269" y="1594222"/>
-            <a:ext cx="742191" cy="369332"/>
-          </a:xfrm>
-          <a:prstGeom prst="rect">
-            <a:avLst/>
-          </a:prstGeom>
-          <a:noFill/>
-        </p:spPr>
-        <p:txBody>
-          <a:bodyPr wrap="none" rtlCol="0">
-            <a:spAutoFit/>
-          </a:bodyPr>
-          <a:lstStyle/>
-          <a:p>
-            <a:r>
-              <a:rPr lang="en-US" dirty="0" smtClean="0"/>
-              <a:t>VueX</a:t>
-            </a:r>
-            <a:endParaRPr lang="fr-CH" dirty="0"/>
-          </a:p>
-        </p:txBody>
-      </p:sp>
-      <p:cxnSp>
-        <p:nvCxnSpPr>
-          <p:cNvPr id="12" name="Elbow Connector 11"/>
-          <p:cNvCxnSpPr>
-            <a:stCxn id="5" idx="0"/>
-            <a:endCxn id="6" idx="2"/>
-          </p:cNvCxnSpPr>
-          <p:nvPr/>
-        </p:nvCxnSpPr>
-        <p:spPr>
-          <a:xfrm rot="5400000" flipH="1" flipV="1">
-            <a:off x="4344482" y="1317277"/>
-            <a:ext cx="543767" cy="3626621"/>
-          </a:xfrm>
-          <a:prstGeom prst="bentConnector2">
-            <a:avLst/>
-          </a:prstGeom>
-          <a:ln>
-            <a:tailEnd type="triangle"/>
-          </a:ln>
-        </p:spPr>
-        <p:style>
-          <a:lnRef idx="1">
-            <a:schemeClr val="accent1"/>
-          </a:lnRef>
-          <a:fillRef idx="0">
-            <a:schemeClr val="accent1"/>
-          </a:fillRef>
-          <a:effectRef idx="0">
-            <a:schemeClr val="accent1"/>
-          </a:effectRef>
-          <a:fontRef idx="minor">
-            <a:schemeClr val="tx1"/>
-          </a:fontRef>
-        </p:style>
-      </p:cxnSp>
-      <p:cxnSp>
-        <p:nvCxnSpPr>
-          <p:cNvPr id="14" name="Elbow Connector 13"/>
-          <p:cNvCxnSpPr>
-            <a:stCxn id="6" idx="6"/>
-            <a:endCxn id="7" idx="0"/>
-          </p:cNvCxnSpPr>
-          <p:nvPr/>
-        </p:nvCxnSpPr>
-        <p:spPr>
-          <a:xfrm>
-            <a:off x="7796463" y="2858703"/>
-            <a:ext cx="2172903" cy="558265"/>
-          </a:xfrm>
-          <a:prstGeom prst="bentConnector2">
-            <a:avLst/>
-          </a:prstGeom>
-          <a:ln>
-            <a:tailEnd type="triangle"/>
-          </a:ln>
-        </p:spPr>
-        <p:style>
-          <a:lnRef idx="1">
-            <a:schemeClr val="accent1"/>
-          </a:lnRef>
-          <a:fillRef idx="0">
-            <a:schemeClr val="accent1"/>
-          </a:fillRef>
-          <a:effectRef idx="0">
-            <a:schemeClr val="accent1"/>
-          </a:effectRef>
-          <a:fontRef idx="minor">
-            <a:schemeClr val="tx1"/>
-          </a:fontRef>
-        </p:style>
-      </p:cxnSp>
-      <p:cxnSp>
-        <p:nvCxnSpPr>
-          <p:cNvPr id="16" name="Elbow Connector 15"/>
-          <p:cNvCxnSpPr>
-            <a:stCxn id="7" idx="4"/>
-            <a:endCxn id="8" idx="6"/>
-          </p:cNvCxnSpPr>
-          <p:nvPr/>
-        </p:nvCxnSpPr>
-        <p:spPr>
-          <a:xfrm rot="5400000">
-            <a:off x="8777688" y="3918033"/>
-            <a:ext cx="191202" cy="2192154"/>
-          </a:xfrm>
-          <a:prstGeom prst="bentConnector2">
-            <a:avLst/>
-          </a:prstGeom>
-          <a:ln>
-            <a:tailEnd type="triangle"/>
-          </a:ln>
-        </p:spPr>
-        <p:style>
-          <a:lnRef idx="1">
-            <a:schemeClr val="accent1"/>
-          </a:lnRef>
-          <a:fillRef idx="0">
-            <a:schemeClr val="accent1"/>
-          </a:fillRef>
-          <a:effectRef idx="0">
-            <a:schemeClr val="accent1"/>
-          </a:effectRef>
-          <a:fontRef idx="minor">
-            <a:schemeClr val="tx1"/>
-          </a:fontRef>
-        </p:style>
-      </p:cxnSp>
-      <p:cxnSp>
-        <p:nvCxnSpPr>
-          <p:cNvPr id="19" name="Elbow Connector 18"/>
-          <p:cNvCxnSpPr>
-            <a:stCxn id="8" idx="2"/>
-            <a:endCxn id="5" idx="2"/>
-          </p:cNvCxnSpPr>
-          <p:nvPr/>
-        </p:nvCxnSpPr>
-        <p:spPr>
-          <a:xfrm rot="10800000">
-            <a:off x="2803055" y="4268745"/>
-            <a:ext cx="3703622" cy="840967"/>
-          </a:xfrm>
-          <a:prstGeom prst="bentConnector2">
-            <a:avLst/>
-          </a:prstGeom>
-          <a:ln>
-            <a:tailEnd type="triangle"/>
-          </a:ln>
-        </p:spPr>
-        <p:style>
-          <a:lnRef idx="1">
-            <a:schemeClr val="accent1"/>
-          </a:lnRef>
-          <a:fillRef idx="0">
-            <a:schemeClr val="accent1"/>
-          </a:fillRef>
-          <a:effectRef idx="0">
-            <a:schemeClr val="accent1"/>
-          </a:effectRef>
-          <a:fontRef idx="minor">
-            <a:schemeClr val="tx1"/>
-          </a:fontRef>
-        </p:style>
-      </p:cxnSp>
-      <p:sp>
-        <p:nvSpPr>
-          <p:cNvPr id="20" name="TextBox 19"/>
-          <p:cNvSpPr txBox="1"/>
-          <p:nvPr/>
-        </p:nvSpPr>
-        <p:spPr>
-          <a:xfrm flipH="1">
-            <a:off x="3676548" y="2498346"/>
-            <a:ext cx="2637324" cy="369332"/>
-          </a:xfrm>
-          <a:prstGeom prst="rect">
-            <a:avLst/>
-          </a:prstGeom>
-          <a:noFill/>
-        </p:spPr>
-        <p:txBody>
-          <a:bodyPr wrap="square" rtlCol="0">
-            <a:spAutoFit/>
-          </a:bodyPr>
-          <a:lstStyle/>
-          <a:p>
-            <a:r>
-              <a:rPr lang="en-US" dirty="0" err="1" smtClean="0"/>
-              <a:t>Demande</a:t>
-            </a:r>
-            <a:r>
-              <a:rPr lang="en-US" dirty="0" smtClean="0"/>
-              <a:t> </a:t>
-            </a:r>
-            <a:r>
-              <a:rPr lang="en-US" dirty="0" err="1" smtClean="0"/>
-              <a:t>l’execution</a:t>
-            </a:r>
-            <a:endParaRPr lang="fr-CH" dirty="0"/>
-          </a:p>
-        </p:txBody>
-      </p:sp>
-      <p:sp>
-        <p:nvSpPr>
-          <p:cNvPr id="21" name="Oval 20"/>
-          <p:cNvSpPr/>
-          <p:nvPr/>
-        </p:nvSpPr>
-        <p:spPr>
-          <a:xfrm>
-            <a:off x="6535553" y="500514"/>
-            <a:ext cx="1155031" cy="1074458"/>
-          </a:xfrm>
-          <a:prstGeom prst="ellipse">
-            <a:avLst/>
-          </a:prstGeom>
-        </p:spPr>
-        <p:style>
-          <a:lnRef idx="2">
-            <a:schemeClr val="accent1">
-              <a:shade val="50000"/>
-            </a:schemeClr>
-          </a:lnRef>
-          <a:fillRef idx="1">
-            <a:schemeClr val="accent1"/>
-          </a:fillRef>
-          <a:effectRef idx="0">
-            <a:schemeClr val="accent1"/>
-          </a:effectRef>
-          <a:fontRef idx="minor">
-            <a:schemeClr val="lt1"/>
-          </a:fontRef>
-        </p:style>
-        <p:txBody>
-          <a:bodyPr rtlCol="0" anchor="ctr"/>
-          <a:lstStyle/>
-          <a:p>
-            <a:pPr algn="ctr"/>
-            <a:r>
-              <a:rPr lang="en-US" dirty="0" smtClean="0"/>
-              <a:t>API</a:t>
-            </a:r>
-            <a:endParaRPr lang="fr-CH" dirty="0"/>
-          </a:p>
-        </p:txBody>
-      </p:sp>
-      <p:cxnSp>
-        <p:nvCxnSpPr>
-          <p:cNvPr id="23" name="Straight Arrow Connector 22"/>
-          <p:cNvCxnSpPr>
-            <a:stCxn id="21" idx="4"/>
-            <a:endCxn id="6" idx="0"/>
-          </p:cNvCxnSpPr>
-          <p:nvPr/>
-        </p:nvCxnSpPr>
-        <p:spPr>
-          <a:xfrm>
-            <a:off x="7113069" y="1574972"/>
-            <a:ext cx="1" cy="725466"/>
-          </a:xfrm>
-          <a:prstGeom prst="straightConnector1">
-            <a:avLst/>
-          </a:prstGeom>
-          <a:ln w="28575">
-            <a:headEnd type="triangle"/>
-            <a:tailEnd type="triangle"/>
-          </a:ln>
-        </p:spPr>
-        <p:style>
-          <a:lnRef idx="1">
-            <a:schemeClr val="accent1"/>
-          </a:lnRef>
-          <a:fillRef idx="0">
-            <a:schemeClr val="accent1"/>
-          </a:fillRef>
-          <a:effectRef idx="0">
-            <a:schemeClr val="accent1"/>
-          </a:effectRef>
-          <a:fontRef idx="minor">
-            <a:schemeClr val="tx1"/>
-          </a:fontRef>
-        </p:style>
-      </p:cxnSp>
-      <p:sp>
-        <p:nvSpPr>
-          <p:cNvPr id="24" name="TextBox 23"/>
-          <p:cNvSpPr txBox="1"/>
-          <p:nvPr/>
-        </p:nvSpPr>
-        <p:spPr>
-          <a:xfrm>
-            <a:off x="7830245" y="2509167"/>
-            <a:ext cx="2685351" cy="369332"/>
-          </a:xfrm>
-          <a:prstGeom prst="rect">
-            <a:avLst/>
-          </a:prstGeom>
-          <a:noFill/>
-        </p:spPr>
-        <p:txBody>
-          <a:bodyPr wrap="none" rtlCol="0">
-            <a:spAutoFit/>
-          </a:bodyPr>
-          <a:lstStyle/>
-          <a:p>
-            <a:r>
-              <a:rPr lang="en-US" dirty="0" err="1" smtClean="0"/>
-              <a:t>Demande</a:t>
-            </a:r>
-            <a:r>
-              <a:rPr lang="en-US" dirty="0" smtClean="0"/>
-              <a:t> la modification</a:t>
-            </a:r>
-            <a:endParaRPr lang="fr-CH" dirty="0"/>
-          </a:p>
-        </p:txBody>
-      </p:sp>
-      <p:sp>
-        <p:nvSpPr>
-          <p:cNvPr id="25" name="TextBox 24"/>
-          <p:cNvSpPr txBox="1"/>
-          <p:nvPr/>
-        </p:nvSpPr>
-        <p:spPr>
-          <a:xfrm>
-            <a:off x="8169020" y="4733843"/>
-            <a:ext cx="1406129" cy="369332"/>
-          </a:xfrm>
-          <a:prstGeom prst="rect">
-            <a:avLst/>
-          </a:prstGeom>
-          <a:noFill/>
-        </p:spPr>
-        <p:txBody>
-          <a:bodyPr wrap="square" rtlCol="0">
-            <a:spAutoFit/>
-          </a:bodyPr>
-          <a:lstStyle/>
-          <a:p>
-            <a:r>
-              <a:rPr lang="en-US" dirty="0" err="1" smtClean="0"/>
-              <a:t>Modifie</a:t>
-            </a:r>
-            <a:endParaRPr lang="fr-CH" dirty="0"/>
-          </a:p>
-        </p:txBody>
-      </p:sp>
-      <p:sp>
-        <p:nvSpPr>
-          <p:cNvPr id="26" name="TextBox 25"/>
-          <p:cNvSpPr txBox="1"/>
-          <p:nvPr/>
-        </p:nvSpPr>
-        <p:spPr>
-          <a:xfrm>
-            <a:off x="3291538" y="5084619"/>
-            <a:ext cx="2985882" cy="369332"/>
-          </a:xfrm>
-          <a:prstGeom prst="rect">
-            <a:avLst/>
-          </a:prstGeom>
-          <a:noFill/>
-        </p:spPr>
-        <p:txBody>
-          <a:bodyPr wrap="none" rtlCol="0">
-            <a:spAutoFit/>
-          </a:bodyPr>
-          <a:lstStyle/>
-          <a:p>
-            <a:r>
-              <a:rPr lang="en-US" dirty="0" smtClean="0"/>
-              <a:t>Re-Rends le Composant </a:t>
-            </a:r>
-            <a:r>
-              <a:rPr lang="en-US" dirty="0" err="1" smtClean="0"/>
-              <a:t>Vue</a:t>
+              <a:t>utilisées</a:t>
             </a:r>
             <a:endParaRPr lang="fr-CH" dirty="0"/>
           </a:p>
@@ -9673,7 +10567,7 @@
     </p:spTree>
     <p:extLst>
       <p:ext uri="{BB962C8B-B14F-4D97-AF65-F5344CB8AC3E}">
-        <p14:creationId xmlns:p14="http://schemas.microsoft.com/office/powerpoint/2010/main" val="3176606928"/>
+        <p14:creationId xmlns:p14="http://schemas.microsoft.com/office/powerpoint/2010/main" val="3320483129"/>
       </p:ext>
     </p:extLst>
   </p:cSld>
@@ -9712,18 +10606,72 @@
         </p:nvSpPr>
         <p:spPr>
           <a:xfrm>
-            <a:off x="2598820" y="2935705"/>
-            <a:ext cx="6862813" cy="770021"/>
+            <a:off x="0" y="0"/>
+            <a:ext cx="9404723" cy="875899"/>
           </a:xfrm>
         </p:spPr>
         <p:txBody>
           <a:bodyPr/>
           <a:lstStyle/>
           <a:p>
-            <a:pPr algn="l"/>
+            <a:r>
+              <a:rPr lang="en-US" sz="5400" dirty="0" smtClean="0"/>
+              <a:t> VueJS</a:t>
+            </a:r>
+            <a:endParaRPr lang="fr-CH" sz="5400" dirty="0"/>
+          </a:p>
+        </p:txBody>
+      </p:sp>
+      <p:sp>
+        <p:nvSpPr>
+          <p:cNvPr id="3" name="Content Placeholder 2"/>
+          <p:cNvSpPr>
+            <a:spLocks noGrp="1"/>
+          </p:cNvSpPr>
+          <p:nvPr>
+            <p:ph idx="1"/>
+          </p:nvPr>
+        </p:nvSpPr>
+        <p:spPr>
+          <a:xfrm>
+            <a:off x="689426" y="1513904"/>
+            <a:ext cx="8946541" cy="536278"/>
+          </a:xfrm>
+        </p:spPr>
+        <p:txBody>
+          <a:bodyPr/>
+          <a:lstStyle/>
+          <a:p>
+            <a:pPr marL="0" indent="0">
+              <a:buNone/>
+            </a:pPr>
             <a:r>
               <a:rPr lang="en-US" dirty="0" err="1" smtClean="0"/>
-              <a:t>Fonctionnement</a:t>
+              <a:t>Vue</a:t>
+            </a:r>
+            <a:r>
+              <a:rPr lang="en-US" dirty="0" smtClean="0"/>
+              <a:t> JS </a:t>
+            </a:r>
+            <a:r>
+              <a:rPr lang="en-US" dirty="0" err="1" smtClean="0"/>
+              <a:t>est</a:t>
+            </a:r>
+            <a:r>
+              <a:rPr lang="en-US" dirty="0" smtClean="0"/>
+              <a:t> un framework JS qui </a:t>
+            </a:r>
+            <a:r>
+              <a:rPr lang="en-US" dirty="0" err="1" smtClean="0"/>
+              <a:t>permet</a:t>
+            </a:r>
+            <a:r>
+              <a:rPr lang="en-US" dirty="0" smtClean="0"/>
+              <a:t> de </a:t>
+            </a:r>
+            <a:r>
+              <a:rPr lang="en-US" dirty="0" err="1" smtClean="0"/>
+              <a:t>créer</a:t>
             </a:r>
             <a:r>
               <a:rPr lang="en-US" dirty="0" smtClean="0"/>
@@ -9731,20 +10679,52 @@
             </a:r>
             <a:r>
               <a:rPr lang="en-US" dirty="0" err="1" smtClean="0"/>
-              <a:t>requêtes</a:t>
+              <a:t>ses</a:t>
             </a:r>
             <a:r>
               <a:rPr lang="en-US" dirty="0" smtClean="0"/>
-              <a:t> API</a:t>
+              <a:t> </a:t>
+            </a:r>
+            <a:r>
+              <a:rPr lang="en-US" dirty="0" err="1" smtClean="0"/>
+              <a:t>composants</a:t>
+            </a:r>
+            <a:r>
+              <a:rPr lang="en-US" dirty="0" smtClean="0"/>
+              <a:t> HTML</a:t>
             </a:r>
             <a:endParaRPr lang="fr-CH" dirty="0"/>
           </a:p>
         </p:txBody>
       </p:sp>
+      <p:pic>
+        <p:nvPicPr>
+          <p:cNvPr id="4" name="Picture 3"/>
+          <p:cNvPicPr>
+            <a:picLocks noChangeAspect="1"/>
+          </p:cNvPicPr>
+          <p:nvPr/>
+        </p:nvPicPr>
+        <p:blipFill>
+          <a:blip r:embed="rId2"/>
+          <a:stretch>
+            <a:fillRect/>
+          </a:stretch>
+        </p:blipFill>
+        <p:spPr>
+          <a:xfrm>
+            <a:off x="1355206" y="2436695"/>
+            <a:ext cx="9077325" cy="3486150"/>
+          </a:xfrm>
+          <a:prstGeom prst="rect">
+            <a:avLst/>
+          </a:prstGeom>
+        </p:spPr>
+      </p:pic>
     </p:spTree>
     <p:extLst>
       <p:ext uri="{BB962C8B-B14F-4D97-AF65-F5344CB8AC3E}">
-        <p14:creationId xmlns:p14="http://schemas.microsoft.com/office/powerpoint/2010/main" val="1565190283"/>
+        <p14:creationId xmlns:p14="http://schemas.microsoft.com/office/powerpoint/2010/main" val="3588813723"/>
       </p:ext>
     </p:extLst>
   </p:cSld>
@@ -9781,161 +10761,70 @@
             <p:ph type="title"/>
           </p:nvPr>
         </p:nvSpPr>
-        <p:spPr>
-          <a:xfrm>
-            <a:off x="0" y="-8504"/>
-            <a:ext cx="9404723" cy="733434"/>
-          </a:xfrm>
-        </p:spPr>
+        <p:spPr/>
         <p:txBody>
           <a:bodyPr/>
           <a:lstStyle/>
           <a:p>
-            <a:pPr algn="l"/>
+            <a:endParaRPr lang="fr-CH"/>
+          </a:p>
+        </p:txBody>
+      </p:sp>
+      <p:sp>
+        <p:nvSpPr>
+          <p:cNvPr id="3" name="Content Placeholder 2"/>
+          <p:cNvSpPr>
+            <a:spLocks noGrp="1"/>
+          </p:cNvSpPr>
+          <p:nvPr>
+            <p:ph idx="1"/>
+          </p:nvPr>
+        </p:nvSpPr>
+        <p:spPr/>
+        <p:txBody>
+          <a:bodyPr/>
+          <a:lstStyle/>
+          <a:p>
+            <a:r>
+              <a:rPr lang="en-US" dirty="0" smtClean="0"/>
+              <a:t>Le Composant </a:t>
+            </a:r>
             <a:r>
               <a:rPr lang="en-US" dirty="0" err="1" smtClean="0"/>
-              <a:t>Avantages</a:t>
-            </a:r>
-            <a:endParaRPr lang="fr-CH" dirty="0"/>
-          </a:p>
-        </p:txBody>
-      </p:sp>
-      <p:sp>
-        <p:nvSpPr>
-          <p:cNvPr id="3" name="Content Placeholder 2"/>
-          <p:cNvSpPr>
-            <a:spLocks noGrp="1"/>
-          </p:cNvSpPr>
-          <p:nvPr>
-            <p:ph idx="1"/>
-          </p:nvPr>
-        </p:nvSpPr>
-        <p:spPr/>
-        <p:txBody>
-          <a:bodyPr/>
-          <a:lstStyle/>
-          <a:p>
-            <a:endParaRPr lang="en-US" dirty="0" smtClean="0"/>
-          </a:p>
-          <a:p>
-            <a:r>
-              <a:rPr lang="en-US" dirty="0"/>
-              <a:t>Liaison à la BDD se fait via </a:t>
+              <a:t>est</a:t>
             </a:r>
             <a:r>
               <a:rPr lang="en-US" dirty="0" smtClean="0"/>
-              <a:t>ORM</a:t>
-            </a:r>
-          </a:p>
-          <a:p>
-            <a:endParaRPr lang="en-US" dirty="0" smtClean="0"/>
-          </a:p>
-          <a:p>
-            <a:endParaRPr lang="en-US" dirty="0" smtClean="0"/>
-          </a:p>
-          <a:p>
-            <a:endParaRPr lang="en-US" dirty="0" smtClean="0"/>
+              <a:t> fait de 3 parties</a:t>
+            </a:r>
           </a:p>
           <a:p>
             <a:pPr lvl="1"/>
             <a:r>
-              <a:rPr lang="en-US" dirty="0" err="1" smtClean="0"/>
-              <a:t>Changement</a:t>
-            </a:r>
-            <a:r>
               <a:rPr lang="en-US" dirty="0" smtClean="0"/>
-              <a:t> </a:t>
-            </a:r>
-            <a:r>
-              <a:rPr lang="en-US" dirty="0" err="1" smtClean="0"/>
-              <a:t>langage</a:t>
-            </a:r>
+              <a:t>Template</a:t>
+            </a:r>
+          </a:p>
+          <a:p>
+            <a:pPr lvl="1"/>
             <a:r>
               <a:rPr lang="en-US" dirty="0" smtClean="0"/>
-              <a:t> Base possible</a:t>
-            </a:r>
-          </a:p>
-        </p:txBody>
-      </p:sp>
-      <p:pic>
-        <p:nvPicPr>
-          <p:cNvPr id="2050" name="Picture 2" descr="Sequelize | The Node.js ORM"/>
-          <p:cNvPicPr>
-            <a:picLocks noChangeAspect="1" noChangeArrowheads="1"/>
-          </p:cNvPicPr>
-          <p:nvPr/>
-        </p:nvPicPr>
-        <p:blipFill>
-          <a:blip r:embed="rId2">
-            <a:extLst>
-              <a:ext uri="{28A0092B-C50C-407E-A947-70E740481C1C}">
-                <a14:useLocalDpi xmlns:a14="http://schemas.microsoft.com/office/drawing/2010/main" val="0"/>
-              </a:ext>
-            </a:extLst>
-          </a:blip>
-          <a:srcRect/>
-          <a:stretch>
-            <a:fillRect/>
-          </a:stretch>
-        </p:blipFill>
-        <p:spPr bwMode="auto">
-          <a:xfrm>
-            <a:off x="6614040" y="1566885"/>
-            <a:ext cx="2381250" cy="2381250"/>
-          </a:xfrm>
-          <a:prstGeom prst="rect">
-            <a:avLst/>
-          </a:prstGeom>
-          <a:noFill/>
-          <a:extLst>
-            <a:ext uri="{909E8E84-426E-40DD-AFC4-6F175D3DCCD1}">
-              <a14:hiddenFill xmlns:a14="http://schemas.microsoft.com/office/drawing/2010/main">
-                <a:solidFill>
-                  <a:srgbClr val="FFFFFF"/>
-                </a:solidFill>
-              </a14:hiddenFill>
-            </a:ext>
-          </a:extLst>
-        </p:spPr>
-      </p:pic>
-      <p:sp>
-        <p:nvSpPr>
-          <p:cNvPr id="5" name="Rectangle 4"/>
-          <p:cNvSpPr/>
-          <p:nvPr/>
-        </p:nvSpPr>
-        <p:spPr>
-          <a:xfrm>
-            <a:off x="7170897" y="3851771"/>
-            <a:ext cx="2878956" cy="830997"/>
-          </a:xfrm>
-          <a:prstGeom prst="rect">
-            <a:avLst/>
-          </a:prstGeom>
-        </p:spPr>
-        <p:txBody>
-          <a:bodyPr wrap="square">
-            <a:spAutoFit/>
-          </a:bodyPr>
-          <a:lstStyle/>
-          <a:p>
-            <a:r>
-              <a:rPr lang="fr-CH" sz="4800" dirty="0">
-                <a:solidFill>
-                  <a:srgbClr val="2F406A"/>
-                </a:solidFill>
-                <a:latin typeface="Titillium Web"/>
-              </a:rPr>
-              <a:t>Sequelize</a:t>
-            </a:r>
-            <a:endParaRPr lang="fr-CH" sz="4800" dirty="0"/>
+              <a:t>Script</a:t>
+            </a:r>
+          </a:p>
+          <a:p>
+            <a:pPr lvl="1"/>
+            <a:r>
+              <a:rPr lang="en-US" dirty="0" smtClean="0"/>
+              <a:t>Style</a:t>
+            </a:r>
           </a:p>
         </p:txBody>
       </p:sp>
     </p:spTree>
     <p:extLst>
       <p:ext uri="{BB962C8B-B14F-4D97-AF65-F5344CB8AC3E}">
-        <p14:creationId xmlns:p14="http://schemas.microsoft.com/office/powerpoint/2010/main" val="3251529960"/>
+        <p14:creationId xmlns:p14="http://schemas.microsoft.com/office/powerpoint/2010/main" val="2219827839"/>
       </p:ext>
     </p:extLst>
   </p:cSld>
@@ -9974,125 +10863,57 @@
         </p:nvSpPr>
         <p:spPr>
           <a:xfrm>
-            <a:off x="0" y="7875"/>
-            <a:ext cx="9404723" cy="676630"/>
-          </a:xfrm>
-        </p:spPr>
-        <p:txBody>
-          <a:bodyPr>
-            <a:normAutofit fontScale="90000"/>
-          </a:bodyPr>
-          <a:lstStyle/>
-          <a:p>
-            <a:pPr algn="l"/>
+            <a:off x="0" y="0"/>
+            <a:ext cx="9404723" cy="1400530"/>
+          </a:xfrm>
+        </p:spPr>
+        <p:txBody>
+          <a:bodyPr/>
+          <a:lstStyle/>
+          <a:p>
+            <a:r>
+              <a:rPr lang="en-US" sz="5400" dirty="0" smtClean="0"/>
+              <a:t> VueRouter</a:t>
+            </a:r>
+            <a:endParaRPr lang="fr-CH" sz="5400" dirty="0"/>
+          </a:p>
+        </p:txBody>
+      </p:sp>
+      <p:sp>
+        <p:nvSpPr>
+          <p:cNvPr id="3" name="Content Placeholder 2"/>
+          <p:cNvSpPr>
+            <a:spLocks noGrp="1"/>
+          </p:cNvSpPr>
+          <p:nvPr>
+            <p:ph idx="1"/>
+          </p:nvPr>
+        </p:nvSpPr>
+        <p:spPr>
+          <a:xfrm>
+            <a:off x="1084061" y="1523529"/>
+            <a:ext cx="8946541" cy="4195481"/>
+          </a:xfrm>
+        </p:spPr>
+        <p:txBody>
+          <a:bodyPr/>
+          <a:lstStyle/>
+          <a:p>
             <a:r>
               <a:rPr lang="en-US" dirty="0" smtClean="0"/>
-              <a:t>Design Pattern</a:t>
-            </a:r>
-            <a:endParaRPr lang="fr-CH" dirty="0"/>
-          </a:p>
-        </p:txBody>
-      </p:sp>
-      <p:sp>
-        <p:nvSpPr>
-          <p:cNvPr id="3" name="Content Placeholder 2"/>
-          <p:cNvSpPr>
-            <a:spLocks noGrp="1"/>
-          </p:cNvSpPr>
-          <p:nvPr>
-            <p:ph idx="1"/>
-          </p:nvPr>
-        </p:nvSpPr>
-        <p:spPr>
-          <a:xfrm>
-            <a:off x="631674" y="2052917"/>
-            <a:ext cx="8946541" cy="2444941"/>
-          </a:xfrm>
-        </p:spPr>
-        <p:txBody>
-          <a:bodyPr numCol="2">
-            <a:normAutofit lnSpcReduction="10000"/>
-          </a:bodyPr>
-          <a:lstStyle/>
-          <a:p>
+              <a:t>VueRouter </a:t>
+            </a:r>
+            <a:r>
+              <a:rPr lang="en-US" dirty="0" err="1" smtClean="0"/>
+              <a:t>est</a:t>
+            </a:r>
             <a:r>
               <a:rPr lang="en-US" dirty="0" smtClean="0"/>
-              <a:t>Material design</a:t>
-            </a:r>
-          </a:p>
-          <a:p>
-            <a:endParaRPr lang="en-US" dirty="0" smtClean="0"/>
-          </a:p>
-          <a:p>
-            <a:r>
-              <a:rPr lang="en-US" dirty="0" smtClean="0"/>
-              <a:t>Simple </a:t>
+              <a:t> un module qui </a:t>
             </a:r>
             <a:r>
               <a:rPr lang="en-US" dirty="0" err="1" smtClean="0"/>
-              <a:t>ou</a:t>
-            </a:r>
-            <a:r>
-              <a:rPr lang="en-US" dirty="0" smtClean="0"/>
-              <a:t> </a:t>
-            </a:r>
-            <a:r>
-              <a:rPr lang="en-US" dirty="0" err="1" smtClean="0"/>
-              <a:t>épuré</a:t>
-            </a:r>
-            <a:endParaRPr lang="en-US" dirty="0" smtClean="0"/>
-          </a:p>
-          <a:p>
-            <a:endParaRPr lang="en-US" dirty="0" smtClean="0"/>
-          </a:p>
-          <a:p>
-            <a:r>
-              <a:rPr lang="en-US" dirty="0" smtClean="0"/>
-              <a:t>Transitions</a:t>
-            </a:r>
-          </a:p>
-          <a:p>
-            <a:endParaRPr lang="en-US" dirty="0" smtClean="0"/>
-          </a:p>
-          <a:p>
-            <a:r>
-              <a:rPr lang="en-US" dirty="0" err="1" smtClean="0"/>
-              <a:t>Boutons</a:t>
-            </a:r>
-            <a:r>
-              <a:rPr lang="en-US" dirty="0" smtClean="0"/>
-              <a:t> </a:t>
-            </a:r>
-            <a:r>
-              <a:rPr lang="en-US" dirty="0" err="1" smtClean="0"/>
-              <a:t>personalisés</a:t>
-            </a:r>
-            <a:endParaRPr lang="en-US" dirty="0" smtClean="0"/>
-          </a:p>
-          <a:p>
-            <a:pPr marL="0" indent="0">
-              <a:buNone/>
-            </a:pPr>
-            <a:endParaRPr lang="en-US" dirty="0"/>
-          </a:p>
-          <a:p>
-            <a:r>
-              <a:rPr lang="en-US" dirty="0" smtClean="0"/>
-              <a:t>Notation des </a:t>
-            </a:r>
-            <a:r>
-              <a:rPr lang="en-US" dirty="0" err="1" smtClean="0"/>
-              <a:t>flèches</a:t>
-            </a:r>
-            <a:endParaRPr lang="en-US" dirty="0" smtClean="0"/>
-          </a:p>
-          <a:p>
-            <a:endParaRPr lang="en-US" dirty="0" smtClean="0"/>
-          </a:p>
-          <a:p>
-            <a:r>
-              <a:rPr lang="en-US" dirty="0" err="1" smtClean="0"/>
-              <a:t>Thème</a:t>
+              <a:t>permet</a:t>
             </a:r>
             <a:r>
               <a:rPr lang="en-US" dirty="0" smtClean="0"/>
@@ -10100,111 +10921,28 @@
             </a:r>
             <a:r>
               <a:rPr lang="en-US" dirty="0" err="1" smtClean="0"/>
-              <a:t>couleurs</a:t>
-            </a:r>
-            <a:endParaRPr lang="en-US" dirty="0"/>
-          </a:p>
-        </p:txBody>
-      </p:sp>
-      <p:pic>
-        <p:nvPicPr>
-          <p:cNvPr id="1026" name="Picture 2" descr="https://vuejs.org/images/logo.png"/>
-          <p:cNvPicPr>
-            <a:picLocks noChangeAspect="1" noChangeArrowheads="1"/>
-          </p:cNvPicPr>
-          <p:nvPr/>
-        </p:nvPicPr>
-        <p:blipFill>
-          <a:blip r:embed="rId3">
-            <a:extLst>
-              <a:ext uri="{28A0092B-C50C-407E-A947-70E740481C1C}">
-                <a14:useLocalDpi xmlns:a14="http://schemas.microsoft.com/office/drawing/2010/main" val="0"/>
-              </a:ext>
-            </a:extLst>
-          </a:blip>
-          <a:srcRect/>
-          <a:stretch>
-            <a:fillRect/>
-          </a:stretch>
-        </p:blipFill>
-        <p:spPr bwMode="auto">
-          <a:xfrm>
-            <a:off x="7476150" y="4120577"/>
-            <a:ext cx="1778089" cy="1778089"/>
-          </a:xfrm>
-          <a:prstGeom prst="rect">
-            <a:avLst/>
-          </a:prstGeom>
-          <a:noFill/>
-          <a:extLst>
-            <a:ext uri="{909E8E84-426E-40DD-AFC4-6F175D3DCCD1}">
-              <a14:hiddenFill xmlns:a14="http://schemas.microsoft.com/office/drawing/2010/main">
-                <a:solidFill>
-                  <a:srgbClr val="FFFFFF"/>
-                </a:solidFill>
-              </a14:hiddenFill>
-            </a:ext>
-          </a:extLst>
-        </p:spPr>
-      </p:pic>
-      <p:pic>
-        <p:nvPicPr>
-          <p:cNvPr id="6" name="Picture 5"/>
-          <p:cNvPicPr>
-            <a:picLocks noChangeAspect="1"/>
-          </p:cNvPicPr>
-          <p:nvPr/>
-        </p:nvPicPr>
-        <p:blipFill>
-          <a:blip r:embed="rId4">
-            <a:extLst>
-              <a:ext uri="{28A0092B-C50C-407E-A947-70E740481C1C}">
-                <a14:useLocalDpi xmlns:a14="http://schemas.microsoft.com/office/drawing/2010/main" val="0"/>
-              </a:ext>
-            </a:extLst>
-          </a:blip>
-          <a:stretch>
-            <a:fillRect/>
-          </a:stretch>
-        </p:blipFill>
-        <p:spPr>
-          <a:xfrm>
-            <a:off x="3079263" y="1444901"/>
-            <a:ext cx="1447800" cy="1447800"/>
-          </a:xfrm>
-          <a:prstGeom prst="rect">
-            <a:avLst/>
-          </a:prstGeom>
-        </p:spPr>
-      </p:pic>
-      <p:pic>
-        <p:nvPicPr>
-          <p:cNvPr id="8" name="Picture 7"/>
-          <p:cNvPicPr>
-            <a:picLocks noChangeAspect="1"/>
-          </p:cNvPicPr>
-          <p:nvPr/>
-        </p:nvPicPr>
-        <p:blipFill>
-          <a:blip r:embed="rId5"/>
-          <a:stretch>
-            <a:fillRect/>
-          </a:stretch>
-        </p:blipFill>
-        <p:spPr>
-          <a:xfrm>
-            <a:off x="8241276" y="1710971"/>
-            <a:ext cx="3784528" cy="1695450"/>
-          </a:xfrm>
-          <a:prstGeom prst="rect">
-            <a:avLst/>
-          </a:prstGeom>
-        </p:spPr>
-      </p:pic>
+              <a:t>gérer</a:t>
+            </a:r>
+            <a:r>
+              <a:rPr lang="en-US" dirty="0" smtClean="0"/>
+              <a:t> le </a:t>
+            </a:r>
+            <a:r>
+              <a:rPr lang="en-US" dirty="0" err="1" smtClean="0"/>
+              <a:t>routage</a:t>
+            </a:r>
+            <a:r>
+              <a:rPr lang="en-US" dirty="0" smtClean="0"/>
+              <a:t> frontend</a:t>
+            </a:r>
+            <a:endParaRPr lang="fr-CH" dirty="0"/>
+          </a:p>
+        </p:txBody>
+      </p:sp>
     </p:spTree>
     <p:extLst>
       <p:ext uri="{BB962C8B-B14F-4D97-AF65-F5344CB8AC3E}">
-        <p14:creationId xmlns:p14="http://schemas.microsoft.com/office/powerpoint/2010/main" val="214214139"/>
+        <p14:creationId xmlns:p14="http://schemas.microsoft.com/office/powerpoint/2010/main" val="1228026324"/>
       </p:ext>
     </p:extLst>
   </p:cSld>
@@ -10243,8 +10981,8 @@
         </p:nvSpPr>
         <p:spPr>
           <a:xfrm>
-            <a:off x="0" y="0"/>
-            <a:ext cx="9404723" cy="864973"/>
+            <a:off x="0" y="16113"/>
+            <a:ext cx="9404723" cy="848860"/>
           </a:xfrm>
         </p:spPr>
         <p:txBody>
@@ -10253,88 +10991,455 @@
           <a:p>
             <a:pPr algn="l"/>
             <a:r>
+              <a:rPr lang="en-US" sz="5400" dirty="0" smtClean="0"/>
+              <a:t> VueX</a:t>
+            </a:r>
+            <a:endParaRPr lang="fr-CH" dirty="0"/>
+          </a:p>
+        </p:txBody>
+      </p:sp>
+      <p:sp>
+        <p:nvSpPr>
+          <p:cNvPr id="3" name="Content Placeholder 2"/>
+          <p:cNvSpPr>
+            <a:spLocks noGrp="1"/>
+          </p:cNvSpPr>
+          <p:nvPr>
+            <p:ph idx="1"/>
+          </p:nvPr>
+        </p:nvSpPr>
+        <p:spPr>
+          <a:xfrm>
+            <a:off x="817543" y="1064647"/>
+            <a:ext cx="4947990" cy="1097378"/>
+          </a:xfrm>
+        </p:spPr>
+        <p:txBody>
+          <a:bodyPr/>
+          <a:lstStyle/>
+          <a:p>
+            <a:r>
+              <a:rPr lang="en-US" dirty="0" smtClean="0"/>
+              <a:t>VueX et Flux : Gestion de </a:t>
+            </a:r>
+            <a:r>
               <a:rPr lang="en-US" dirty="0" err="1" smtClean="0"/>
-              <a:t>Améliorations</a:t>
-            </a:r>
-            <a:endParaRPr lang="fr-CH" dirty="0"/>
-          </a:p>
-        </p:txBody>
-      </p:sp>
-      <p:sp>
-        <p:nvSpPr>
-          <p:cNvPr id="3" name="Content Placeholder 2"/>
-          <p:cNvSpPr>
-            <a:spLocks noGrp="1"/>
-          </p:cNvSpPr>
-          <p:nvPr>
-            <p:ph idx="1"/>
-          </p:nvPr>
-        </p:nvSpPr>
-        <p:spPr>
-          <a:xfrm>
-            <a:off x="1636295" y="2080406"/>
-            <a:ext cx="11117179" cy="2597471"/>
-          </a:xfrm>
-        </p:spPr>
-        <p:txBody>
-          <a:bodyPr numCol="2"/>
-          <a:lstStyle/>
-          <a:p>
-            <a:r>
-              <a:rPr lang="en-US" dirty="0" err="1" smtClean="0"/>
-              <a:t>Chargement</a:t>
+              <a:t>données</a:t>
             </a:r>
             <a:r>
               <a:rPr lang="en-US" dirty="0" smtClean="0"/>
               <a:t> </a:t>
             </a:r>
             <a:r>
+              <a:rPr lang="en-US" dirty="0" err="1" smtClean="0"/>
+              <a:t>réactives</a:t>
+            </a:r>
+            <a:endParaRPr lang="en-US" dirty="0" smtClean="0"/>
+          </a:p>
+          <a:p>
+            <a:endParaRPr lang="en-US" dirty="0" smtClean="0"/>
+          </a:p>
+          <a:p>
+            <a:endParaRPr lang="fr-CH" dirty="0"/>
+          </a:p>
+        </p:txBody>
+      </p:sp>
+      <p:sp>
+        <p:nvSpPr>
+          <p:cNvPr id="5" name="Rounded Rectangle 4"/>
+          <p:cNvSpPr/>
+          <p:nvPr/>
+        </p:nvSpPr>
+        <p:spPr>
+          <a:xfrm>
+            <a:off x="545101" y="3412096"/>
+            <a:ext cx="2656573" cy="866274"/>
+          </a:xfrm>
+          <a:prstGeom prst="roundRect">
+            <a:avLst/>
+          </a:prstGeom>
+          <a:solidFill>
+            <a:srgbClr val="026E00"/>
+          </a:solidFill>
+          <a:ln>
+            <a:noFill/>
+          </a:ln>
+        </p:spPr>
+        <p:style>
+          <a:lnRef idx="2">
+            <a:schemeClr val="accent1">
+              <a:shade val="50000"/>
+            </a:schemeClr>
+          </a:lnRef>
+          <a:fillRef idx="1">
+            <a:schemeClr val="accent1"/>
+          </a:fillRef>
+          <a:effectRef idx="0">
+            <a:schemeClr val="accent1"/>
+          </a:effectRef>
+          <a:fontRef idx="minor">
+            <a:schemeClr val="lt1"/>
+          </a:fontRef>
+        </p:style>
+        <p:txBody>
+          <a:bodyPr rtlCol="0" anchor="ctr"/>
+          <a:lstStyle/>
+          <a:p>
+            <a:pPr algn="ctr"/>
+            <a:r>
+              <a:rPr lang="en-US" dirty="0" err="1" smtClean="0"/>
+              <a:t>Vue</a:t>
+            </a:r>
+            <a:r>
               <a:rPr lang="en-US" dirty="0" smtClean="0"/>
-              <a:t>plus </a:t>
-            </a:r>
+              <a:t> Components</a:t>
+            </a:r>
+            <a:endParaRPr lang="fr-CH" dirty="0"/>
+          </a:p>
+        </p:txBody>
+      </p:sp>
+      <p:sp>
+        <p:nvSpPr>
+          <p:cNvPr id="6" name="Oval 5"/>
+          <p:cNvSpPr/>
+          <p:nvPr/>
+        </p:nvSpPr>
+        <p:spPr>
+          <a:xfrm>
+            <a:off x="6379517" y="2288966"/>
+            <a:ext cx="1508180" cy="1232034"/>
+          </a:xfrm>
+          <a:prstGeom prst="ellipse">
+            <a:avLst/>
+          </a:prstGeom>
+        </p:spPr>
+        <p:style>
+          <a:lnRef idx="2">
+            <a:schemeClr val="accent1">
+              <a:shade val="50000"/>
+            </a:schemeClr>
+          </a:lnRef>
+          <a:fillRef idx="1">
+            <a:schemeClr val="accent1"/>
+          </a:fillRef>
+          <a:effectRef idx="0">
+            <a:schemeClr val="accent1"/>
+          </a:effectRef>
+          <a:fontRef idx="minor">
+            <a:schemeClr val="lt1"/>
+          </a:fontRef>
+        </p:style>
+        <p:txBody>
+          <a:bodyPr rtlCol="0" anchor="ctr"/>
+          <a:lstStyle/>
+          <a:p>
+            <a:pPr algn="ctr"/>
+            <a:r>
+              <a:rPr lang="en-US" dirty="0" smtClean="0"/>
+              <a:t>Actions</a:t>
+            </a:r>
+            <a:endParaRPr lang="fr-CH" dirty="0"/>
+          </a:p>
+        </p:txBody>
+      </p:sp>
+      <p:sp>
+        <p:nvSpPr>
+          <p:cNvPr id="7" name="Oval 6"/>
+          <p:cNvSpPr/>
+          <p:nvPr/>
+        </p:nvSpPr>
+        <p:spPr>
+          <a:xfrm>
+            <a:off x="9124749" y="3416968"/>
+            <a:ext cx="1838426" cy="1501541"/>
+          </a:xfrm>
+          <a:prstGeom prst="ellipse">
+            <a:avLst/>
+          </a:prstGeom>
+        </p:spPr>
+        <p:style>
+          <a:lnRef idx="2">
+            <a:schemeClr val="accent1">
+              <a:shade val="50000"/>
+            </a:schemeClr>
+          </a:lnRef>
+          <a:fillRef idx="1">
+            <a:schemeClr val="accent1"/>
+          </a:fillRef>
+          <a:effectRef idx="0">
+            <a:schemeClr val="accent1"/>
+          </a:effectRef>
+          <a:fontRef idx="minor">
+            <a:schemeClr val="lt1"/>
+          </a:fontRef>
+        </p:style>
+        <p:txBody>
+          <a:bodyPr rtlCol="0" anchor="ctr"/>
+          <a:lstStyle/>
+          <a:p>
+            <a:pPr algn="ctr"/>
+            <a:r>
+              <a:rPr lang="en-US" dirty="0" smtClean="0"/>
+              <a:t>Mutations</a:t>
+            </a:r>
+            <a:endParaRPr lang="fr-CH" dirty="0"/>
+          </a:p>
+        </p:txBody>
+      </p:sp>
+      <p:sp>
+        <p:nvSpPr>
+          <p:cNvPr id="8" name="Oval 7"/>
+          <p:cNvSpPr/>
+          <p:nvPr/>
+        </p:nvSpPr>
+        <p:spPr>
+          <a:xfrm>
+            <a:off x="6506677" y="4515549"/>
+            <a:ext cx="1270535" cy="1188324"/>
+          </a:xfrm>
+          <a:prstGeom prst="ellipse">
+            <a:avLst/>
+          </a:prstGeom>
+        </p:spPr>
+        <p:style>
+          <a:lnRef idx="2">
+            <a:schemeClr val="accent1">
+              <a:shade val="50000"/>
+            </a:schemeClr>
+          </a:lnRef>
+          <a:fillRef idx="1">
+            <a:schemeClr val="accent1"/>
+          </a:fillRef>
+          <a:effectRef idx="0">
+            <a:schemeClr val="accent1"/>
+          </a:effectRef>
+          <a:fontRef idx="minor">
+            <a:schemeClr val="lt1"/>
+          </a:fontRef>
+        </p:style>
+        <p:txBody>
+          <a:bodyPr rtlCol="0" anchor="ctr"/>
+          <a:lstStyle/>
+          <a:p>
+            <a:pPr algn="ctr"/>
+            <a:r>
+              <a:rPr lang="en-US" dirty="0" smtClean="0"/>
+              <a:t>State</a:t>
+            </a:r>
+            <a:endParaRPr lang="fr-CH" dirty="0"/>
+          </a:p>
+        </p:txBody>
+      </p:sp>
+      <p:sp>
+        <p:nvSpPr>
+          <p:cNvPr id="9" name="Rounded Rectangle 8"/>
+          <p:cNvSpPr/>
+          <p:nvPr/>
+        </p:nvSpPr>
+        <p:spPr>
+          <a:xfrm>
+            <a:off x="3994484" y="1963554"/>
+            <a:ext cx="6968692" cy="4206240"/>
+          </a:xfrm>
+          <a:prstGeom prst="roundRect">
+            <a:avLst/>
+          </a:prstGeom>
+          <a:noFill/>
+          <a:ln w="28575">
+            <a:solidFill>
+              <a:srgbClr val="026E00"/>
+            </a:solidFill>
+            <a:prstDash val="sysDash"/>
+          </a:ln>
+        </p:spPr>
+        <p:style>
+          <a:lnRef idx="2">
+            <a:schemeClr val="accent1">
+              <a:shade val="50000"/>
+            </a:schemeClr>
+          </a:lnRef>
+          <a:fillRef idx="1">
+            <a:schemeClr val="accent1"/>
+          </a:fillRef>
+          <a:effectRef idx="0">
+            <a:schemeClr val="accent1"/>
+          </a:effectRef>
+          <a:fontRef idx="minor">
+            <a:schemeClr val="lt1"/>
+          </a:fontRef>
+        </p:style>
+        <p:txBody>
+          <a:bodyPr rtlCol="0" anchor="ctr"/>
+          <a:lstStyle/>
+          <a:p>
+            <a:pPr algn="ctr"/>
+            <a:endParaRPr lang="fr-CH"/>
+          </a:p>
+        </p:txBody>
+      </p:sp>
+      <p:sp>
+        <p:nvSpPr>
+          <p:cNvPr id="10" name="TextBox 9"/>
+          <p:cNvSpPr txBox="1"/>
+          <p:nvPr/>
+        </p:nvSpPr>
+        <p:spPr>
+          <a:xfrm>
+            <a:off x="9598269" y="1594222"/>
+            <a:ext cx="742191" cy="369332"/>
+          </a:xfrm>
+          <a:prstGeom prst="rect">
+            <a:avLst/>
+          </a:prstGeom>
+          <a:noFill/>
+        </p:spPr>
+        <p:txBody>
+          <a:bodyPr wrap="none" rtlCol="0">
+            <a:spAutoFit/>
+          </a:bodyPr>
+          <a:lstStyle/>
+          <a:p>
+            <a:r>
+              <a:rPr lang="en-US" dirty="0" smtClean="0"/>
+              <a:t>VueX</a:t>
+            </a:r>
+            <a:endParaRPr lang="fr-CH" dirty="0"/>
+          </a:p>
+        </p:txBody>
+      </p:sp>
+      <p:cxnSp>
+        <p:nvCxnSpPr>
+          <p:cNvPr id="12" name="Elbow Connector 11"/>
+          <p:cNvCxnSpPr>
+            <a:stCxn id="5" idx="0"/>
+            <a:endCxn id="6" idx="2"/>
+          </p:cNvCxnSpPr>
+          <p:nvPr/>
+        </p:nvCxnSpPr>
+        <p:spPr>
+          <a:xfrm rot="5400000" flipH="1" flipV="1">
+            <a:off x="3872896" y="905476"/>
+            <a:ext cx="507113" cy="4506129"/>
+          </a:xfrm>
+          <a:prstGeom prst="bentConnector2">
+            <a:avLst/>
+          </a:prstGeom>
+          <a:ln>
+            <a:tailEnd type="triangle"/>
+          </a:ln>
+        </p:spPr>
+        <p:style>
+          <a:lnRef idx="1">
+            <a:schemeClr val="accent1"/>
+          </a:lnRef>
+          <a:fillRef idx="0">
+            <a:schemeClr val="accent1"/>
+          </a:fillRef>
+          <a:effectRef idx="0">
+            <a:schemeClr val="accent1"/>
+          </a:effectRef>
+          <a:fontRef idx="minor">
+            <a:schemeClr val="tx1"/>
+          </a:fontRef>
+        </p:style>
+      </p:cxnSp>
+      <p:cxnSp>
+        <p:nvCxnSpPr>
+          <p:cNvPr id="14" name="Elbow Connector 13"/>
+          <p:cNvCxnSpPr>
+            <a:stCxn id="6" idx="6"/>
+            <a:endCxn id="7" idx="0"/>
+          </p:cNvCxnSpPr>
+          <p:nvPr/>
+        </p:nvCxnSpPr>
+        <p:spPr>
+          <a:xfrm>
+            <a:off x="7887697" y="2904983"/>
+            <a:ext cx="2156265" cy="511985"/>
+          </a:xfrm>
+          <a:prstGeom prst="bentConnector2">
+            <a:avLst/>
+          </a:prstGeom>
+          <a:ln>
+            <a:tailEnd type="triangle"/>
+          </a:ln>
+        </p:spPr>
+        <p:style>
+          <a:lnRef idx="1">
+            <a:schemeClr val="accent1"/>
+          </a:lnRef>
+          <a:fillRef idx="0">
+            <a:schemeClr val="accent1"/>
+          </a:fillRef>
+          <a:effectRef idx="0">
+            <a:schemeClr val="accent1"/>
+          </a:effectRef>
+          <a:fontRef idx="minor">
+            <a:schemeClr val="tx1"/>
+          </a:fontRef>
+        </p:style>
+      </p:cxnSp>
+      <p:cxnSp>
+        <p:nvCxnSpPr>
+          <p:cNvPr id="16" name="Elbow Connector 15"/>
+          <p:cNvCxnSpPr>
+            <a:stCxn id="7" idx="4"/>
+            <a:endCxn id="8" idx="6"/>
+          </p:cNvCxnSpPr>
+          <p:nvPr/>
+        </p:nvCxnSpPr>
+        <p:spPr>
+          <a:xfrm rot="5400000">
+            <a:off x="8814986" y="3880735"/>
+            <a:ext cx="191202" cy="2266750"/>
+          </a:xfrm>
+          <a:prstGeom prst="bentConnector2">
+            <a:avLst/>
+          </a:prstGeom>
+          <a:ln>
+            <a:tailEnd type="triangle"/>
+          </a:ln>
+        </p:spPr>
+        <p:style>
+          <a:lnRef idx="1">
+            <a:schemeClr val="accent1"/>
+          </a:lnRef>
+          <a:fillRef idx="0">
+            <a:schemeClr val="accent1"/>
+          </a:fillRef>
+          <a:effectRef idx="0">
+            <a:schemeClr val="accent1"/>
+          </a:effectRef>
+          <a:fontRef idx="minor">
+            <a:schemeClr val="tx1"/>
+          </a:fontRef>
+        </p:style>
+      </p:cxnSp>
+      <p:sp>
+        <p:nvSpPr>
+          <p:cNvPr id="20" name="TextBox 19"/>
+          <p:cNvSpPr txBox="1"/>
+          <p:nvPr/>
+        </p:nvSpPr>
+        <p:spPr>
+          <a:xfrm flipH="1">
+            <a:off x="1183904" y="2485567"/>
+            <a:ext cx="2637324" cy="369332"/>
+          </a:xfrm>
+          <a:prstGeom prst="rect">
+            <a:avLst/>
+          </a:prstGeom>
+          <a:noFill/>
+        </p:spPr>
+        <p:txBody>
+          <a:bodyPr wrap="square" rtlCol="0">
+            <a:spAutoFit/>
+          </a:bodyPr>
+          <a:lstStyle/>
+          <a:p>
             <a:r>
               <a:rPr lang="en-US" dirty="0" err="1" smtClean="0"/>
-              <a:t>rapide</a:t>
-            </a:r>
-            <a:endParaRPr lang="en-US" dirty="0" smtClean="0"/>
-          </a:p>
-          <a:p>
-            <a:endParaRPr lang="en-US" dirty="0" smtClean="0"/>
-          </a:p>
-          <a:p>
-            <a:r>
-              <a:rPr lang="en-US" dirty="0" smtClean="0"/>
-              <a:t>Structure de VueX</a:t>
-            </a:r>
-          </a:p>
-          <a:p>
-            <a:endParaRPr lang="en-US" dirty="0" smtClean="0"/>
-          </a:p>
-          <a:p>
-            <a:r>
-              <a:rPr lang="en-US" dirty="0" err="1" smtClean="0"/>
-              <a:t>Systéme</a:t>
-            </a:r>
-            <a:r>
-              <a:rPr lang="en-US" dirty="0" smtClean="0"/>
-              <a:t> de Grid</a:t>
-            </a:r>
-          </a:p>
-          <a:p>
-            <a:endParaRPr lang="en-US" dirty="0" smtClean="0"/>
-          </a:p>
-          <a:p>
-            <a:r>
-              <a:rPr lang="en-US" dirty="0" err="1" smtClean="0"/>
-              <a:t>Utiliser</a:t>
-            </a:r>
-            <a:r>
-              <a:rPr lang="en-US" dirty="0"/>
-              <a:t> </a:t>
-            </a:r>
-            <a:r>
-              <a:rPr lang="en-US" dirty="0" err="1" smtClean="0"/>
-              <a:t>mieux</a:t>
+              <a:t>Demande</a:t>
             </a:r>
             <a:r>
               <a:rPr lang="en-US" dirty="0" smtClean="0"/>
@@ -10342,40 +11447,342 @@
             </a:r>
             <a:r>
               <a:rPr lang="en-US" dirty="0" err="1" smtClean="0"/>
-              <a:t>l’espace</a:t>
-            </a:r>
-            <a:endParaRPr lang="en-US" dirty="0" smtClean="0"/>
-          </a:p>
-          <a:p>
-            <a:endParaRPr lang="en-US" dirty="0"/>
-          </a:p>
-          <a:p>
+              <a:t>l’execution</a:t>
+            </a:r>
+            <a:endParaRPr lang="fr-CH" dirty="0"/>
+          </a:p>
+        </p:txBody>
+      </p:sp>
+      <p:sp>
+        <p:nvSpPr>
+          <p:cNvPr id="21" name="Oval 20"/>
+          <p:cNvSpPr/>
+          <p:nvPr/>
+        </p:nvSpPr>
+        <p:spPr>
+          <a:xfrm>
+            <a:off x="6535553" y="500514"/>
+            <a:ext cx="1155031" cy="1074458"/>
+          </a:xfrm>
+          <a:prstGeom prst="ellipse">
+            <a:avLst/>
+          </a:prstGeom>
+        </p:spPr>
+        <p:style>
+          <a:lnRef idx="2">
+            <a:schemeClr val="accent1">
+              <a:shade val="50000"/>
+            </a:schemeClr>
+          </a:lnRef>
+          <a:fillRef idx="1">
+            <a:schemeClr val="accent1"/>
+          </a:fillRef>
+          <a:effectRef idx="0">
+            <a:schemeClr val="accent1"/>
+          </a:effectRef>
+          <a:fontRef idx="minor">
+            <a:schemeClr val="lt1"/>
+          </a:fontRef>
+        </p:style>
+        <p:txBody>
+          <a:bodyPr rtlCol="0" anchor="ctr"/>
+          <a:lstStyle/>
+          <a:p>
+            <a:pPr algn="ctr"/>
             <a:r>
               <a:rPr lang="en-US" dirty="0" smtClean="0"/>
-              <a:t>Revoir le </a:t>
+              <a:t>API</a:t>
+            </a:r>
+            <a:endParaRPr lang="fr-CH" dirty="0"/>
+          </a:p>
+        </p:txBody>
+      </p:sp>
+      <p:cxnSp>
+        <p:nvCxnSpPr>
+          <p:cNvPr id="23" name="Straight Arrow Connector 22"/>
+          <p:cNvCxnSpPr>
+            <a:stCxn id="21" idx="4"/>
+            <a:endCxn id="6" idx="0"/>
+          </p:cNvCxnSpPr>
+          <p:nvPr/>
+        </p:nvCxnSpPr>
+        <p:spPr>
+          <a:xfrm>
+            <a:off x="7113069" y="1574972"/>
+            <a:ext cx="20538" cy="713994"/>
+          </a:xfrm>
+          <a:prstGeom prst="straightConnector1">
+            <a:avLst/>
+          </a:prstGeom>
+          <a:ln w="28575">
+            <a:headEnd type="triangle"/>
+            <a:tailEnd type="triangle"/>
+          </a:ln>
+        </p:spPr>
+        <p:style>
+          <a:lnRef idx="1">
+            <a:schemeClr val="accent1"/>
+          </a:lnRef>
+          <a:fillRef idx="0">
+            <a:schemeClr val="accent1"/>
+          </a:fillRef>
+          <a:effectRef idx="0">
+            <a:schemeClr val="accent1"/>
+          </a:effectRef>
+          <a:fontRef idx="minor">
+            <a:schemeClr val="tx1"/>
+          </a:fontRef>
+        </p:style>
+      </p:cxnSp>
+      <p:sp>
+        <p:nvSpPr>
+          <p:cNvPr id="24" name="TextBox 23"/>
+          <p:cNvSpPr txBox="1"/>
+          <p:nvPr/>
+        </p:nvSpPr>
+        <p:spPr>
+          <a:xfrm>
+            <a:off x="7830245" y="2509167"/>
+            <a:ext cx="2685351" cy="369332"/>
+          </a:xfrm>
+          <a:prstGeom prst="rect">
+            <a:avLst/>
+          </a:prstGeom>
+          <a:noFill/>
+        </p:spPr>
+        <p:txBody>
+          <a:bodyPr wrap="none" rtlCol="0">
+            <a:spAutoFit/>
+          </a:bodyPr>
+          <a:lstStyle/>
+          <a:p>
+            <a:r>
+              <a:rPr lang="en-US" dirty="0" err="1" smtClean="0"/>
+              <a:t>Demande</a:t>
             </a:r>
             <a:r>
               <a:rPr lang="en-US" dirty="0" smtClean="0"/>
-              <a:t>design des </a:t>
-            </a:r>
-            <a:r>
-              <a:rPr lang="en-US" i="1" dirty="0" smtClean="0"/>
-              <a:t>cards</a:t>
-            </a:r>
-            <a:endParaRPr lang="fr-CH" i="1" dirty="0"/>
-          </a:p>
-        </p:txBody>
-      </p:sp>
+              <a:t> la modification</a:t>
+            </a:r>
+            <a:endParaRPr lang="fr-CH" dirty="0"/>
+          </a:p>
+        </p:txBody>
+      </p:sp>
+      <p:sp>
+        <p:nvSpPr>
+          <p:cNvPr id="25" name="TextBox 24"/>
+          <p:cNvSpPr txBox="1"/>
+          <p:nvPr/>
+        </p:nvSpPr>
+        <p:spPr>
+          <a:xfrm>
+            <a:off x="8394375" y="5085754"/>
+            <a:ext cx="1406129" cy="369332"/>
+          </a:xfrm>
+          <a:prstGeom prst="rect">
+            <a:avLst/>
+          </a:prstGeom>
+          <a:noFill/>
+        </p:spPr>
+        <p:txBody>
+          <a:bodyPr wrap="square" rtlCol="0">
+            <a:spAutoFit/>
+          </a:bodyPr>
+          <a:lstStyle/>
+          <a:p>
+            <a:r>
+              <a:rPr lang="en-US" dirty="0" err="1" smtClean="0"/>
+              <a:t>Modifie</a:t>
+            </a:r>
+            <a:endParaRPr lang="fr-CH" dirty="0"/>
+          </a:p>
+        </p:txBody>
+      </p:sp>
+      <p:sp>
+        <p:nvSpPr>
+          <p:cNvPr id="26" name="TextBox 25"/>
+          <p:cNvSpPr txBox="1"/>
+          <p:nvPr/>
+        </p:nvSpPr>
+        <p:spPr>
+          <a:xfrm>
+            <a:off x="116345" y="5097939"/>
+            <a:ext cx="3927678" cy="369332"/>
+          </a:xfrm>
+          <a:prstGeom prst="rect">
+            <a:avLst/>
+          </a:prstGeom>
+          <a:noFill/>
+        </p:spPr>
+        <p:txBody>
+          <a:bodyPr wrap="none" rtlCol="0">
+            <a:spAutoFit/>
+          </a:bodyPr>
+          <a:lstStyle/>
+          <a:p>
+            <a:r>
+              <a:rPr lang="en-US" dirty="0" err="1" smtClean="0"/>
+              <a:t>Demande</a:t>
+            </a:r>
+            <a:r>
+              <a:rPr lang="en-US" dirty="0" smtClean="0"/>
+              <a:t> </a:t>
+            </a:r>
+            <a:r>
+              <a:rPr lang="en-US" dirty="0" err="1" smtClean="0"/>
+              <a:t>l’état</a:t>
+            </a:r>
+            <a:r>
+              <a:rPr lang="en-US" dirty="0" smtClean="0"/>
+              <a:t> du state (</a:t>
+            </a:r>
+            <a:r>
+              <a:rPr lang="en-US" dirty="0" err="1" smtClean="0"/>
+              <a:t>réactif</a:t>
+            </a:r>
+            <a:r>
+              <a:rPr lang="en-US" dirty="0" smtClean="0"/>
+              <a:t>)</a:t>
+            </a:r>
+            <a:endParaRPr lang="fr-CH" dirty="0"/>
+          </a:p>
+        </p:txBody>
+      </p:sp>
+      <p:sp>
+        <p:nvSpPr>
+          <p:cNvPr id="28" name="Oval 27"/>
+          <p:cNvSpPr/>
+          <p:nvPr/>
+        </p:nvSpPr>
+        <p:spPr>
+          <a:xfrm>
+            <a:off x="4239927" y="4428514"/>
+            <a:ext cx="1434164" cy="1365487"/>
+          </a:xfrm>
+          <a:prstGeom prst="ellipse">
+            <a:avLst/>
+          </a:prstGeom>
+        </p:spPr>
+        <p:style>
+          <a:lnRef idx="2">
+            <a:schemeClr val="accent1">
+              <a:shade val="50000"/>
+            </a:schemeClr>
+          </a:lnRef>
+          <a:fillRef idx="1">
+            <a:schemeClr val="accent1"/>
+          </a:fillRef>
+          <a:effectRef idx="0">
+            <a:schemeClr val="accent1"/>
+          </a:effectRef>
+          <a:fontRef idx="minor">
+            <a:schemeClr val="lt1"/>
+          </a:fontRef>
+        </p:style>
+        <p:txBody>
+          <a:bodyPr rtlCol="0" anchor="ctr"/>
+          <a:lstStyle/>
+          <a:p>
+            <a:pPr algn="ctr"/>
+            <a:r>
+              <a:rPr lang="en-US" dirty="0" smtClean="0"/>
+              <a:t>getters</a:t>
+            </a:r>
+            <a:endParaRPr lang="fr-CH" dirty="0"/>
+          </a:p>
+        </p:txBody>
+      </p:sp>
+      <p:cxnSp>
+        <p:nvCxnSpPr>
+          <p:cNvPr id="37" name="Elbow Connector 36"/>
+          <p:cNvCxnSpPr>
+            <a:stCxn id="5" idx="2"/>
+            <a:endCxn id="28" idx="2"/>
+          </p:cNvCxnSpPr>
+          <p:nvPr/>
+        </p:nvCxnSpPr>
+        <p:spPr>
+          <a:xfrm rot="16200000" flipH="1">
+            <a:off x="2640213" y="3511544"/>
+            <a:ext cx="832888" cy="2366539"/>
+          </a:xfrm>
+          <a:prstGeom prst="bentConnector2">
+            <a:avLst/>
+          </a:prstGeom>
+          <a:ln>
+            <a:headEnd type="triangle"/>
+            <a:tailEnd type="triangle"/>
+          </a:ln>
+        </p:spPr>
+        <p:style>
+          <a:lnRef idx="1">
+            <a:schemeClr val="accent1"/>
+          </a:lnRef>
+          <a:fillRef idx="0">
+            <a:schemeClr val="accent1"/>
+          </a:fillRef>
+          <a:effectRef idx="0">
+            <a:schemeClr val="accent1"/>
+          </a:effectRef>
+          <a:fontRef idx="minor">
+            <a:schemeClr val="tx1"/>
+          </a:fontRef>
+        </p:style>
+      </p:cxnSp>
+      <p:cxnSp>
+        <p:nvCxnSpPr>
+          <p:cNvPr id="39" name="Elbow Connector 38"/>
+          <p:cNvCxnSpPr>
+            <a:stCxn id="28" idx="6"/>
+            <a:endCxn id="8" idx="2"/>
+          </p:cNvCxnSpPr>
+          <p:nvPr/>
+        </p:nvCxnSpPr>
+        <p:spPr>
+          <a:xfrm flipV="1">
+            <a:off x="5674091" y="5109711"/>
+            <a:ext cx="832586" cy="1547"/>
+          </a:xfrm>
+          <a:prstGeom prst="bentConnector3">
+            <a:avLst/>
+          </a:prstGeom>
+          <a:ln>
+            <a:headEnd type="triangle"/>
+            <a:tailEnd type="triangle"/>
+          </a:ln>
+        </p:spPr>
+        <p:style>
+          <a:lnRef idx="1">
+            <a:schemeClr val="accent1"/>
+          </a:lnRef>
+          <a:fillRef idx="0">
+            <a:schemeClr val="accent1"/>
+          </a:fillRef>
+          <a:effectRef idx="0">
+            <a:schemeClr val="accent1"/>
+          </a:effectRef>
+          <a:fontRef idx="minor">
+            <a:schemeClr val="tx1"/>
+          </a:fontRef>
+        </p:style>
+      </p:cxnSp>
     </p:spTree>
     <p:extLst>
       <p:ext uri="{BB962C8B-B14F-4D97-AF65-F5344CB8AC3E}">
-        <p14:creationId xmlns:p14="http://schemas.microsoft.com/office/powerpoint/2010/main" val="3129264531"/>
+        <p14:creationId xmlns:p14="http://schemas.microsoft.com/office/powerpoint/2010/main" val="3176606928"/>
       </p:ext>
     </p:extLst>
   </p:cSld>
   <p:clrMapOvr>
     <a:masterClrMapping/>
   </p:clrMapOvr>
+  <p:timing>
+    <p:tnLst>
+      <p:par>
+        <p:cTn id="1" dur="indefinite" restart="never" nodeType="tmRoot"/>
+      </p:par>
+    </p:tnLst>
+  </p:timing>
 </p:sld>
 </file>
 

--- a/Documentation/Défense/Shoot4stats.pptx
+++ b/Documentation/Défense/Shoot4stats.pptx
@@ -5,8 +5,11 @@
     <p:sldMasterId id="2147483717" r:id="rId1"/>
   </p:sldMasterIdLst>
   <p:notesMasterIdLst>
-    <p:notesMasterId r:id="rId25"/>
+    <p:notesMasterId r:id="rId26"/>
   </p:notesMasterIdLst>
+  <p:handoutMasterIdLst>
+    <p:handoutMasterId r:id="rId27"/>
+  </p:handoutMasterIdLst>
   <p:sldIdLst>
     <p:sldId id="256" r:id="rId2"/>
     <p:sldId id="272" r:id="rId3"/>
@@ -28,9 +31,10 @@
     <p:sldId id="263" r:id="rId19"/>
     <p:sldId id="259" r:id="rId20"/>
     <p:sldId id="266" r:id="rId21"/>
-    <p:sldId id="260" r:id="rId22"/>
-    <p:sldId id="271" r:id="rId23"/>
-    <p:sldId id="262" r:id="rId24"/>
+    <p:sldId id="283" r:id="rId22"/>
+    <p:sldId id="260" r:id="rId23"/>
+    <p:sldId id="271" r:id="rId24"/>
+    <p:sldId id="262" r:id="rId25"/>
   </p:sldIdLst>
   <p:sldSz cx="12192000" cy="6858000"/>
   <p:notesSz cx="6858000" cy="9144000"/>
@@ -148,6 +152,171 @@
 </p:presentation>
 </file>
 
+<file path=ppt/handoutMasters/handoutMaster1.xml><?xml version="1.0" encoding="utf-8"?>
+<p:handoutMaster xmlns:a="http://schemas.openxmlformats.org/drawingml/2006/main" xmlns:r="http://schemas.openxmlformats.org/officeDocument/2006/relationships" xmlns:p="http://schemas.openxmlformats.org/presentationml/2006/main">
+  <p:cSld>
+    <p:bg>
+      <p:bgRef idx="1001">
+        <a:schemeClr val="bg1"/>
+      </p:bgRef>
+    </p:bg>
+    <p:spTree>
+      <p:nvGrpSpPr>
+        <p:cNvPr id="1" name=""/>
+        <p:cNvGrpSpPr/>
+        <p:nvPr/>
+      </p:nvGrpSpPr>
+      <p:grpSpPr>
+        <a:xfrm>
+          <a:off x="0" y="0"/>
+          <a:ext cx="0" cy="0"/>
+          <a:chOff x="0" y="0"/>
+          <a:chExt cx="0" cy="0"/>
+        </a:xfrm>
+      </p:grpSpPr>
+      <p:sp>
+        <p:nvSpPr>
+          <p:cNvPr id="2" name="Header Placeholder 1"/>
+          <p:cNvSpPr>
+            <a:spLocks noGrp="1"/>
+          </p:cNvSpPr>
+          <p:nvPr>
+            <p:ph type="hdr" sz="quarter"/>
+          </p:nvPr>
+        </p:nvSpPr>
+        <p:spPr>
+          <a:xfrm>
+            <a:off x="0" y="0"/>
+            <a:ext cx="2971800" cy="458788"/>
+          </a:xfrm>
+          <a:prstGeom prst="rect">
+            <a:avLst/>
+          </a:prstGeom>
+        </p:spPr>
+        <p:txBody>
+          <a:bodyPr vert="horz" lIns="91440" tIns="45720" rIns="91440" bIns="45720" rtlCol="0"/>
+          <a:lstStyle>
+            <a:lvl1pPr algn="l">
+              <a:defRPr sz="1200"/>
+            </a:lvl1pPr>
+          </a:lstStyle>
+          <a:p>
+            <a:endParaRPr lang="fr-CH"/>
+          </a:p>
+        </p:txBody>
+      </p:sp>
+      <p:sp>
+        <p:nvSpPr>
+          <p:cNvPr id="3" name="Date Placeholder 2"/>
+          <p:cNvSpPr>
+            <a:spLocks noGrp="1"/>
+          </p:cNvSpPr>
+          <p:nvPr>
+            <p:ph type="dt" sz="quarter" idx="1"/>
+          </p:nvPr>
+        </p:nvSpPr>
+        <p:spPr>
+          <a:xfrm>
+            <a:off x="3884613" y="0"/>
+            <a:ext cx="2971800" cy="458788"/>
+          </a:xfrm>
+          <a:prstGeom prst="rect">
+            <a:avLst/>
+          </a:prstGeom>
+        </p:spPr>
+        <p:txBody>
+          <a:bodyPr vert="horz" lIns="91440" tIns="45720" rIns="91440" bIns="45720" rtlCol="0"/>
+          <a:lstStyle>
+            <a:lvl1pPr algn="r">
+              <a:defRPr sz="1200"/>
+            </a:lvl1pPr>
+          </a:lstStyle>
+          <a:p>
+            <a:fld id="{687FF095-269E-490E-A4FC-E0D68258E42D}" type="datetimeFigureOut">
+              <a:rPr lang="fr-CH" smtClean="0"/>
+              <a:t>28.04.2017</a:t>
+            </a:fld>
+            <a:endParaRPr lang="fr-CH"/>
+          </a:p>
+        </p:txBody>
+      </p:sp>
+      <p:sp>
+        <p:nvSpPr>
+          <p:cNvPr id="4" name="Footer Placeholder 3"/>
+          <p:cNvSpPr>
+            <a:spLocks noGrp="1"/>
+          </p:cNvSpPr>
+          <p:nvPr>
+            <p:ph type="ftr" sz="quarter" idx="2"/>
+          </p:nvPr>
+        </p:nvSpPr>
+        <p:spPr>
+          <a:xfrm>
+            <a:off x="0" y="8685213"/>
+            <a:ext cx="2971800" cy="458787"/>
+          </a:xfrm>
+          <a:prstGeom prst="rect">
+            <a:avLst/>
+          </a:prstGeom>
+        </p:spPr>
+        <p:txBody>
+          <a:bodyPr vert="horz" lIns="91440" tIns="45720" rIns="91440" bIns="45720" rtlCol="0" anchor="b"/>
+          <a:lstStyle>
+            <a:lvl1pPr algn="l">
+              <a:defRPr sz="1200"/>
+            </a:lvl1pPr>
+          </a:lstStyle>
+          <a:p>
+            <a:endParaRPr lang="fr-CH"/>
+          </a:p>
+        </p:txBody>
+      </p:sp>
+      <p:sp>
+        <p:nvSpPr>
+          <p:cNvPr id="5" name="Slide Number Placeholder 4"/>
+          <p:cNvSpPr>
+            <a:spLocks noGrp="1"/>
+          </p:cNvSpPr>
+          <p:nvPr>
+            <p:ph type="sldNum" sz="quarter" idx="3"/>
+          </p:nvPr>
+        </p:nvSpPr>
+        <p:spPr>
+          <a:xfrm>
+            <a:off x="3884613" y="8685213"/>
+            <a:ext cx="2971800" cy="458787"/>
+          </a:xfrm>
+          <a:prstGeom prst="rect">
+            <a:avLst/>
+          </a:prstGeom>
+        </p:spPr>
+        <p:txBody>
+          <a:bodyPr vert="horz" lIns="91440" tIns="45720" rIns="91440" bIns="45720" rtlCol="0" anchor="b"/>
+          <a:lstStyle>
+            <a:lvl1pPr algn="r">
+              <a:defRPr sz="1200"/>
+            </a:lvl1pPr>
+          </a:lstStyle>
+          <a:p>
+            <a:fld id="{03A0A04D-0B2B-41CC-A7EB-E91585B6EA2E}" type="slidenum">
+              <a:rPr lang="fr-CH" smtClean="0"/>
+              <a:t>‹#›</a:t>
+            </a:fld>
+            <a:endParaRPr lang="fr-CH"/>
+          </a:p>
+        </p:txBody>
+      </p:sp>
+    </p:spTree>
+    <p:extLst>
+      <p:ext uri="{BB962C8B-B14F-4D97-AF65-F5344CB8AC3E}">
+        <p14:creationId xmlns:p14="http://schemas.microsoft.com/office/powerpoint/2010/main" val="733759688"/>
+      </p:ext>
+    </p:extLst>
+  </p:cSld>
+  <p:clrMap bg1="lt1" tx1="dk1" bg2="lt2" tx2="dk2" accent1="accent1" accent2="accent2" accent3="accent3" accent4="accent4" accent5="accent5" accent6="accent6" hlink="hlink" folHlink="folHlink"/>
+</p:handoutMaster>
+</file>
+
 <file path=ppt/notesMasters/notesMaster1.xml><?xml version="1.0" encoding="utf-8"?>
 <p:notesMaster xmlns:a="http://schemas.openxmlformats.org/drawingml/2006/main" xmlns:r="http://schemas.openxmlformats.org/officeDocument/2006/relationships" xmlns:p="http://schemas.openxmlformats.org/presentationml/2006/main">
   <p:cSld>
@@ -230,7 +399,7 @@
           <a:p>
             <a:fld id="{27E756F3-6725-4917-9B9C-348D5D6C0252}" type="datetimeFigureOut">
               <a:rPr lang="fr-CH" smtClean="0"/>
-              <a:t>27.04.2017</a:t>
+              <a:t>28.04.2017</a:t>
             </a:fld>
             <a:endParaRPr lang="fr-CH"/>
           </a:p>
@@ -542,7 +711,7 @@
           <a:bodyPr/>
           <a:lstStyle/>
           <a:p>
-            <a:endParaRPr lang="fr-CH" dirty="0"/>
+            <a:endParaRPr lang="fr-CH"/>
           </a:p>
         </p:txBody>
       </p:sp>
@@ -563,7 +732,7 @@
           <a:p>
             <a:fld id="{5667F26F-CF4B-4075-A0DF-7E3987368146}" type="slidenum">
               <a:rPr lang="fr-CH" smtClean="0"/>
-              <a:t>2</a:t>
+              <a:t>1</a:t>
             </a:fld>
             <a:endParaRPr lang="fr-CH"/>
           </a:p>
@@ -572,7 +741,1169 @@
     </p:spTree>
     <p:extLst>
       <p:ext uri="{BB962C8B-B14F-4D97-AF65-F5344CB8AC3E}">
-        <p14:creationId xmlns:p14="http://schemas.microsoft.com/office/powerpoint/2010/main" val="3201977222"/>
+        <p14:creationId xmlns:p14="http://schemas.microsoft.com/office/powerpoint/2010/main" val="147409554"/>
+      </p:ext>
+    </p:extLst>
+  </p:cSld>
+  <p:clrMapOvr>
+    <a:masterClrMapping/>
+  </p:clrMapOvr>
+</p:notes>
+</file>
+
+<file path=ppt/notesSlides/notesSlide10.xml><?xml version="1.0" encoding="utf-8"?>
+<p:notes xmlns:a="http://schemas.openxmlformats.org/drawingml/2006/main" xmlns:r="http://schemas.openxmlformats.org/officeDocument/2006/relationships" xmlns:p="http://schemas.openxmlformats.org/presentationml/2006/main">
+  <p:cSld>
+    <p:spTree>
+      <p:nvGrpSpPr>
+        <p:cNvPr id="1" name=""/>
+        <p:cNvGrpSpPr/>
+        <p:nvPr/>
+      </p:nvGrpSpPr>
+      <p:grpSpPr>
+        <a:xfrm>
+          <a:off x="0" y="0"/>
+          <a:ext cx="0" cy="0"/>
+          <a:chOff x="0" y="0"/>
+          <a:chExt cx="0" cy="0"/>
+        </a:xfrm>
+      </p:grpSpPr>
+      <p:sp>
+        <p:nvSpPr>
+          <p:cNvPr id="2" name="Slide Image Placeholder 1"/>
+          <p:cNvSpPr>
+            <a:spLocks noGrp="1" noRot="1" noChangeAspect="1"/>
+          </p:cNvSpPr>
+          <p:nvPr>
+            <p:ph type="sldImg"/>
+          </p:nvPr>
+        </p:nvSpPr>
+        <p:spPr/>
+      </p:sp>
+      <p:sp>
+        <p:nvSpPr>
+          <p:cNvPr id="3" name="Notes Placeholder 2"/>
+          <p:cNvSpPr>
+            <a:spLocks noGrp="1"/>
+          </p:cNvSpPr>
+          <p:nvPr>
+            <p:ph type="body" idx="1"/>
+          </p:nvPr>
+        </p:nvSpPr>
+        <p:spPr/>
+        <p:txBody>
+          <a:bodyPr/>
+          <a:lstStyle/>
+          <a:p>
+            <a:r>
+              <a:rPr lang="en-US" dirty="0" smtClean="0"/>
+              <a:t>Express Server </a:t>
+            </a:r>
+            <a:r>
+              <a:rPr lang="en-US" dirty="0" smtClean="0">
+                <a:sym typeface="Wingdings" panose="05000000000000000000" pitchFamily="2" charset="2"/>
+              </a:rPr>
+              <a:t> app.js </a:t>
+            </a:r>
+          </a:p>
+          <a:p>
+            <a:r>
+              <a:rPr lang="en-US" dirty="0" smtClean="0">
+                <a:sym typeface="Wingdings" panose="05000000000000000000" pitchFamily="2" charset="2"/>
+              </a:rPr>
+              <a:t>Faire</a:t>
+            </a:r>
+            <a:r>
+              <a:rPr lang="en-US" baseline="0" dirty="0" smtClean="0">
+                <a:sym typeface="Wingdings" panose="05000000000000000000" pitchFamily="2" charset="2"/>
+              </a:rPr>
+              <a:t> </a:t>
+            </a:r>
+            <a:r>
+              <a:rPr lang="en-US" baseline="0" dirty="0" err="1" smtClean="0">
+                <a:sym typeface="Wingdings" panose="05000000000000000000" pitchFamily="2" charset="2"/>
+              </a:rPr>
+              <a:t>Schéma</a:t>
+            </a:r>
+            <a:r>
+              <a:rPr lang="en-US" baseline="0" dirty="0" smtClean="0">
+                <a:sym typeface="Wingdings" panose="05000000000000000000" pitchFamily="2" charset="2"/>
+              </a:rPr>
+              <a:t> tableau avec </a:t>
+            </a:r>
+            <a:r>
+              <a:rPr lang="en-US" baseline="0" dirty="0" err="1" smtClean="0">
+                <a:sym typeface="Wingdings" panose="05000000000000000000" pitchFamily="2" charset="2"/>
+              </a:rPr>
+              <a:t>différentes</a:t>
+            </a:r>
+            <a:r>
+              <a:rPr lang="en-US" baseline="0" dirty="0" smtClean="0">
+                <a:sym typeface="Wingdings" panose="05000000000000000000" pitchFamily="2" charset="2"/>
+              </a:rPr>
+              <a:t> </a:t>
+            </a:r>
+            <a:r>
+              <a:rPr lang="en-US" baseline="0" dirty="0" err="1" smtClean="0">
+                <a:sym typeface="Wingdings" panose="05000000000000000000" pitchFamily="2" charset="2"/>
+              </a:rPr>
+              <a:t>étapes</a:t>
+            </a:r>
+            <a:r>
+              <a:rPr lang="en-US" baseline="0" dirty="0" smtClean="0">
+                <a:sym typeface="Wingdings" panose="05000000000000000000" pitchFamily="2" charset="2"/>
+              </a:rPr>
+              <a:t> de </a:t>
+            </a:r>
+            <a:r>
+              <a:rPr lang="en-US" baseline="0" dirty="0" err="1" smtClean="0">
+                <a:sym typeface="Wingdings" panose="05000000000000000000" pitchFamily="2" charset="2"/>
+              </a:rPr>
+              <a:t>routage</a:t>
+            </a:r>
+            <a:r>
+              <a:rPr lang="en-US" baseline="0" dirty="0" smtClean="0">
+                <a:sym typeface="Wingdings" panose="05000000000000000000" pitchFamily="2" charset="2"/>
+              </a:rPr>
+              <a:t> et </a:t>
+            </a:r>
+            <a:r>
+              <a:rPr lang="en-US" baseline="0" dirty="0" err="1" smtClean="0">
+                <a:sym typeface="Wingdings" panose="05000000000000000000" pitchFamily="2" charset="2"/>
+              </a:rPr>
+              <a:t>d’appels</a:t>
+            </a:r>
+            <a:r>
+              <a:rPr lang="en-US" baseline="0" dirty="0" smtClean="0">
+                <a:sym typeface="Wingdings" panose="05000000000000000000" pitchFamily="2" charset="2"/>
+              </a:rPr>
+              <a:t> à </a:t>
+            </a:r>
+            <a:r>
+              <a:rPr lang="en-US" baseline="0" dirty="0" err="1" smtClean="0">
+                <a:sym typeface="Wingdings" panose="05000000000000000000" pitchFamily="2" charset="2"/>
+              </a:rPr>
+              <a:t>l’API</a:t>
+            </a:r>
+            <a:endParaRPr lang="fr-CH" dirty="0"/>
+          </a:p>
+        </p:txBody>
+      </p:sp>
+      <p:sp>
+        <p:nvSpPr>
+          <p:cNvPr id="4" name="Slide Number Placeholder 3"/>
+          <p:cNvSpPr>
+            <a:spLocks noGrp="1"/>
+          </p:cNvSpPr>
+          <p:nvPr>
+            <p:ph type="sldNum" sz="quarter" idx="10"/>
+          </p:nvPr>
+        </p:nvSpPr>
+        <p:spPr/>
+        <p:txBody>
+          <a:bodyPr/>
+          <a:lstStyle/>
+          <a:p>
+            <a:fld id="{5667F26F-CF4B-4075-A0DF-7E3987368146}" type="slidenum">
+              <a:rPr lang="fr-CH" smtClean="0"/>
+              <a:t>10</a:t>
+            </a:fld>
+            <a:endParaRPr lang="fr-CH"/>
+          </a:p>
+        </p:txBody>
+      </p:sp>
+    </p:spTree>
+    <p:extLst>
+      <p:ext uri="{BB962C8B-B14F-4D97-AF65-F5344CB8AC3E}">
+        <p14:creationId xmlns:p14="http://schemas.microsoft.com/office/powerpoint/2010/main" val="2187878589"/>
+      </p:ext>
+    </p:extLst>
+  </p:cSld>
+  <p:clrMapOvr>
+    <a:masterClrMapping/>
+  </p:clrMapOvr>
+</p:notes>
+</file>
+
+<file path=ppt/notesSlides/notesSlide11.xml><?xml version="1.0" encoding="utf-8"?>
+<p:notes xmlns:a="http://schemas.openxmlformats.org/drawingml/2006/main" xmlns:r="http://schemas.openxmlformats.org/officeDocument/2006/relationships" xmlns:p="http://schemas.openxmlformats.org/presentationml/2006/main">
+  <p:cSld>
+    <p:spTree>
+      <p:nvGrpSpPr>
+        <p:cNvPr id="1" name=""/>
+        <p:cNvGrpSpPr/>
+        <p:nvPr/>
+      </p:nvGrpSpPr>
+      <p:grpSpPr>
+        <a:xfrm>
+          <a:off x="0" y="0"/>
+          <a:ext cx="0" cy="0"/>
+          <a:chOff x="0" y="0"/>
+          <a:chExt cx="0" cy="0"/>
+        </a:xfrm>
+      </p:grpSpPr>
+      <p:sp>
+        <p:nvSpPr>
+          <p:cNvPr id="2" name="Slide Image Placeholder 1"/>
+          <p:cNvSpPr>
+            <a:spLocks noGrp="1" noRot="1" noChangeAspect="1"/>
+          </p:cNvSpPr>
+          <p:nvPr>
+            <p:ph type="sldImg"/>
+          </p:nvPr>
+        </p:nvSpPr>
+        <p:spPr/>
+      </p:sp>
+      <p:sp>
+        <p:nvSpPr>
+          <p:cNvPr id="3" name="Notes Placeholder 2"/>
+          <p:cNvSpPr>
+            <a:spLocks noGrp="1"/>
+          </p:cNvSpPr>
+          <p:nvPr>
+            <p:ph type="body" idx="1"/>
+          </p:nvPr>
+        </p:nvSpPr>
+        <p:spPr/>
+        <p:txBody>
+          <a:bodyPr/>
+          <a:lstStyle/>
+          <a:p>
+            <a:r>
+              <a:rPr lang="en-US" dirty="0" smtClean="0"/>
+              <a:t>Bien </a:t>
+            </a:r>
+            <a:r>
+              <a:rPr lang="en-US" dirty="0" err="1" smtClean="0"/>
+              <a:t>montrer</a:t>
+            </a:r>
+            <a:r>
+              <a:rPr lang="en-US" dirty="0" smtClean="0"/>
+              <a:t> Flux avec </a:t>
+            </a:r>
+            <a:r>
+              <a:rPr lang="en-US" dirty="0" err="1" smtClean="0"/>
+              <a:t>pointeur</a:t>
+            </a:r>
+            <a:endParaRPr lang="fr-CH" dirty="0"/>
+          </a:p>
+        </p:txBody>
+      </p:sp>
+      <p:sp>
+        <p:nvSpPr>
+          <p:cNvPr id="4" name="Slide Number Placeholder 3"/>
+          <p:cNvSpPr>
+            <a:spLocks noGrp="1"/>
+          </p:cNvSpPr>
+          <p:nvPr>
+            <p:ph type="sldNum" sz="quarter" idx="10"/>
+          </p:nvPr>
+        </p:nvSpPr>
+        <p:spPr/>
+        <p:txBody>
+          <a:bodyPr/>
+          <a:lstStyle/>
+          <a:p>
+            <a:fld id="{5667F26F-CF4B-4075-A0DF-7E3987368146}" type="slidenum">
+              <a:rPr lang="fr-CH" smtClean="0"/>
+              <a:t>11</a:t>
+            </a:fld>
+            <a:endParaRPr lang="fr-CH"/>
+          </a:p>
+        </p:txBody>
+      </p:sp>
+    </p:spTree>
+    <p:extLst>
+      <p:ext uri="{BB962C8B-B14F-4D97-AF65-F5344CB8AC3E}">
+        <p14:creationId xmlns:p14="http://schemas.microsoft.com/office/powerpoint/2010/main" val="597488556"/>
+      </p:ext>
+    </p:extLst>
+  </p:cSld>
+  <p:clrMapOvr>
+    <a:masterClrMapping/>
+  </p:clrMapOvr>
+</p:notes>
+</file>
+
+<file path=ppt/notesSlides/notesSlide12.xml><?xml version="1.0" encoding="utf-8"?>
+<p:notes xmlns:a="http://schemas.openxmlformats.org/drawingml/2006/main" xmlns:r="http://schemas.openxmlformats.org/officeDocument/2006/relationships" xmlns:p="http://schemas.openxmlformats.org/presentationml/2006/main">
+  <p:cSld>
+    <p:spTree>
+      <p:nvGrpSpPr>
+        <p:cNvPr id="1" name=""/>
+        <p:cNvGrpSpPr/>
+        <p:nvPr/>
+      </p:nvGrpSpPr>
+      <p:grpSpPr>
+        <a:xfrm>
+          <a:off x="0" y="0"/>
+          <a:ext cx="0" cy="0"/>
+          <a:chOff x="0" y="0"/>
+          <a:chExt cx="0" cy="0"/>
+        </a:xfrm>
+      </p:grpSpPr>
+      <p:sp>
+        <p:nvSpPr>
+          <p:cNvPr id="2" name="Slide Image Placeholder 1"/>
+          <p:cNvSpPr>
+            <a:spLocks noGrp="1" noRot="1" noChangeAspect="1"/>
+          </p:cNvSpPr>
+          <p:nvPr>
+            <p:ph type="sldImg"/>
+          </p:nvPr>
+        </p:nvSpPr>
+        <p:spPr/>
+      </p:sp>
+      <p:sp>
+        <p:nvSpPr>
+          <p:cNvPr id="3" name="Notes Placeholder 2"/>
+          <p:cNvSpPr>
+            <a:spLocks noGrp="1"/>
+          </p:cNvSpPr>
+          <p:nvPr>
+            <p:ph type="body" idx="1"/>
+          </p:nvPr>
+        </p:nvSpPr>
+        <p:spPr/>
+        <p:txBody>
+          <a:bodyPr/>
+          <a:lstStyle/>
+          <a:p>
+            <a:endParaRPr lang="fr-CH" dirty="0"/>
+          </a:p>
+        </p:txBody>
+      </p:sp>
+      <p:sp>
+        <p:nvSpPr>
+          <p:cNvPr id="4" name="Slide Number Placeholder 3"/>
+          <p:cNvSpPr>
+            <a:spLocks noGrp="1"/>
+          </p:cNvSpPr>
+          <p:nvPr>
+            <p:ph type="sldNum" sz="quarter" idx="10"/>
+          </p:nvPr>
+        </p:nvSpPr>
+        <p:spPr/>
+        <p:txBody>
+          <a:bodyPr/>
+          <a:lstStyle/>
+          <a:p>
+            <a:fld id="{5667F26F-CF4B-4075-A0DF-7E3987368146}" type="slidenum">
+              <a:rPr lang="fr-CH" smtClean="0"/>
+              <a:t>12</a:t>
+            </a:fld>
+            <a:endParaRPr lang="fr-CH"/>
+          </a:p>
+        </p:txBody>
+      </p:sp>
+    </p:spTree>
+    <p:extLst>
+      <p:ext uri="{BB962C8B-B14F-4D97-AF65-F5344CB8AC3E}">
+        <p14:creationId xmlns:p14="http://schemas.microsoft.com/office/powerpoint/2010/main" val="2685965668"/>
+      </p:ext>
+    </p:extLst>
+  </p:cSld>
+  <p:clrMapOvr>
+    <a:masterClrMapping/>
+  </p:clrMapOvr>
+</p:notes>
+</file>
+
+<file path=ppt/notesSlides/notesSlide13.xml><?xml version="1.0" encoding="utf-8"?>
+<p:notes xmlns:a="http://schemas.openxmlformats.org/drawingml/2006/main" xmlns:r="http://schemas.openxmlformats.org/officeDocument/2006/relationships" xmlns:p="http://schemas.openxmlformats.org/presentationml/2006/main">
+  <p:cSld>
+    <p:spTree>
+      <p:nvGrpSpPr>
+        <p:cNvPr id="1" name=""/>
+        <p:cNvGrpSpPr/>
+        <p:nvPr/>
+      </p:nvGrpSpPr>
+      <p:grpSpPr>
+        <a:xfrm>
+          <a:off x="0" y="0"/>
+          <a:ext cx="0" cy="0"/>
+          <a:chOff x="0" y="0"/>
+          <a:chExt cx="0" cy="0"/>
+        </a:xfrm>
+      </p:grpSpPr>
+      <p:sp>
+        <p:nvSpPr>
+          <p:cNvPr id="2" name="Slide Image Placeholder 1"/>
+          <p:cNvSpPr>
+            <a:spLocks noGrp="1" noRot="1" noChangeAspect="1"/>
+          </p:cNvSpPr>
+          <p:nvPr>
+            <p:ph type="sldImg"/>
+          </p:nvPr>
+        </p:nvSpPr>
+        <p:spPr/>
+      </p:sp>
+      <p:sp>
+        <p:nvSpPr>
+          <p:cNvPr id="3" name="Notes Placeholder 2"/>
+          <p:cNvSpPr>
+            <a:spLocks noGrp="1"/>
+          </p:cNvSpPr>
+          <p:nvPr>
+            <p:ph type="body" idx="1"/>
+          </p:nvPr>
+        </p:nvSpPr>
+        <p:spPr/>
+        <p:txBody>
+          <a:bodyPr/>
+          <a:lstStyle/>
+          <a:p>
+            <a:endParaRPr lang="fr-CH" dirty="0"/>
+          </a:p>
+        </p:txBody>
+      </p:sp>
+      <p:sp>
+        <p:nvSpPr>
+          <p:cNvPr id="4" name="Slide Number Placeholder 3"/>
+          <p:cNvSpPr>
+            <a:spLocks noGrp="1"/>
+          </p:cNvSpPr>
+          <p:nvPr>
+            <p:ph type="sldNum" sz="quarter" idx="10"/>
+          </p:nvPr>
+        </p:nvSpPr>
+        <p:spPr/>
+        <p:txBody>
+          <a:bodyPr/>
+          <a:lstStyle/>
+          <a:p>
+            <a:fld id="{5667F26F-CF4B-4075-A0DF-7E3987368146}" type="slidenum">
+              <a:rPr lang="fr-CH" smtClean="0"/>
+              <a:t>13</a:t>
+            </a:fld>
+            <a:endParaRPr lang="fr-CH"/>
+          </a:p>
+        </p:txBody>
+      </p:sp>
+    </p:spTree>
+    <p:extLst>
+      <p:ext uri="{BB962C8B-B14F-4D97-AF65-F5344CB8AC3E}">
+        <p14:creationId xmlns:p14="http://schemas.microsoft.com/office/powerpoint/2010/main" val="140894020"/>
+      </p:ext>
+    </p:extLst>
+  </p:cSld>
+  <p:clrMapOvr>
+    <a:masterClrMapping/>
+  </p:clrMapOvr>
+</p:notes>
+</file>
+
+<file path=ppt/notesSlides/notesSlide14.xml><?xml version="1.0" encoding="utf-8"?>
+<p:notes xmlns:a="http://schemas.openxmlformats.org/drawingml/2006/main" xmlns:r="http://schemas.openxmlformats.org/officeDocument/2006/relationships" xmlns:p="http://schemas.openxmlformats.org/presentationml/2006/main">
+  <p:cSld>
+    <p:spTree>
+      <p:nvGrpSpPr>
+        <p:cNvPr id="1" name=""/>
+        <p:cNvGrpSpPr/>
+        <p:nvPr/>
+      </p:nvGrpSpPr>
+      <p:grpSpPr>
+        <a:xfrm>
+          <a:off x="0" y="0"/>
+          <a:ext cx="0" cy="0"/>
+          <a:chOff x="0" y="0"/>
+          <a:chExt cx="0" cy="0"/>
+        </a:xfrm>
+      </p:grpSpPr>
+      <p:sp>
+        <p:nvSpPr>
+          <p:cNvPr id="2" name="Slide Image Placeholder 1"/>
+          <p:cNvSpPr>
+            <a:spLocks noGrp="1" noRot="1" noChangeAspect="1"/>
+          </p:cNvSpPr>
+          <p:nvPr>
+            <p:ph type="sldImg"/>
+          </p:nvPr>
+        </p:nvSpPr>
+        <p:spPr/>
+      </p:sp>
+      <p:sp>
+        <p:nvSpPr>
+          <p:cNvPr id="3" name="Notes Placeholder 2"/>
+          <p:cNvSpPr>
+            <a:spLocks noGrp="1"/>
+          </p:cNvSpPr>
+          <p:nvPr>
+            <p:ph type="body" idx="1"/>
+          </p:nvPr>
+        </p:nvSpPr>
+        <p:spPr/>
+        <p:txBody>
+          <a:bodyPr/>
+          <a:lstStyle/>
+          <a:p>
+            <a:r>
+              <a:rPr lang="en-US" dirty="0" smtClean="0"/>
+              <a:t>Dire que </a:t>
+            </a:r>
+            <a:r>
+              <a:rPr lang="en-US" dirty="0" err="1" smtClean="0"/>
+              <a:t>j’ai</a:t>
+            </a:r>
+            <a:r>
+              <a:rPr lang="en-US" dirty="0" smtClean="0"/>
+              <a:t> prepare pour Admin,</a:t>
+            </a:r>
+            <a:r>
+              <a:rPr lang="en-US" baseline="0" dirty="0" smtClean="0"/>
+              <a:t> pas de </a:t>
+            </a:r>
+            <a:r>
+              <a:rPr lang="en-US" baseline="0" dirty="0" err="1" smtClean="0"/>
+              <a:t>contenu</a:t>
+            </a:r>
+            <a:r>
+              <a:rPr lang="en-US" baseline="0" dirty="0" smtClean="0"/>
+              <a:t> </a:t>
+            </a:r>
+            <a:r>
+              <a:rPr lang="en-US" baseline="0" dirty="0" err="1" smtClean="0"/>
+              <a:t>dans</a:t>
+            </a:r>
+            <a:r>
+              <a:rPr lang="en-US" baseline="0" dirty="0" smtClean="0"/>
+              <a:t> la page </a:t>
+            </a:r>
+            <a:r>
+              <a:rPr lang="en-US" baseline="0" dirty="0" err="1" smtClean="0"/>
+              <a:t>mais</a:t>
+            </a:r>
+            <a:r>
+              <a:rPr lang="en-US" baseline="0" dirty="0" smtClean="0"/>
+              <a:t> le </a:t>
+            </a:r>
+            <a:r>
+              <a:rPr lang="en-US" baseline="0" dirty="0" err="1" smtClean="0"/>
+              <a:t>routage</a:t>
+            </a:r>
+            <a:r>
+              <a:rPr lang="en-US" baseline="0" dirty="0" smtClean="0"/>
+              <a:t> </a:t>
+            </a:r>
+            <a:r>
+              <a:rPr lang="en-US" baseline="0" dirty="0" err="1" smtClean="0"/>
+              <a:t>est</a:t>
+            </a:r>
+            <a:r>
+              <a:rPr lang="en-US" baseline="0" dirty="0" smtClean="0"/>
+              <a:t> fait pour…</a:t>
+            </a:r>
+            <a:endParaRPr lang="fr-CH" dirty="0"/>
+          </a:p>
+        </p:txBody>
+      </p:sp>
+      <p:sp>
+        <p:nvSpPr>
+          <p:cNvPr id="4" name="Slide Number Placeholder 3"/>
+          <p:cNvSpPr>
+            <a:spLocks noGrp="1"/>
+          </p:cNvSpPr>
+          <p:nvPr>
+            <p:ph type="sldNum" sz="quarter" idx="10"/>
+          </p:nvPr>
+        </p:nvSpPr>
+        <p:spPr/>
+        <p:txBody>
+          <a:bodyPr/>
+          <a:lstStyle/>
+          <a:p>
+            <a:fld id="{5667F26F-CF4B-4075-A0DF-7E3987368146}" type="slidenum">
+              <a:rPr lang="fr-CH" smtClean="0"/>
+              <a:t>14</a:t>
+            </a:fld>
+            <a:endParaRPr lang="fr-CH"/>
+          </a:p>
+        </p:txBody>
+      </p:sp>
+    </p:spTree>
+    <p:extLst>
+      <p:ext uri="{BB962C8B-B14F-4D97-AF65-F5344CB8AC3E}">
+        <p14:creationId xmlns:p14="http://schemas.microsoft.com/office/powerpoint/2010/main" val="3332844316"/>
+      </p:ext>
+    </p:extLst>
+  </p:cSld>
+  <p:clrMapOvr>
+    <a:masterClrMapping/>
+  </p:clrMapOvr>
+</p:notes>
+</file>
+
+<file path=ppt/notesSlides/notesSlide15.xml><?xml version="1.0" encoding="utf-8"?>
+<p:notes xmlns:a="http://schemas.openxmlformats.org/drawingml/2006/main" xmlns:r="http://schemas.openxmlformats.org/officeDocument/2006/relationships" xmlns:p="http://schemas.openxmlformats.org/presentationml/2006/main">
+  <p:cSld>
+    <p:spTree>
+      <p:nvGrpSpPr>
+        <p:cNvPr id="1" name=""/>
+        <p:cNvGrpSpPr/>
+        <p:nvPr/>
+      </p:nvGrpSpPr>
+      <p:grpSpPr>
+        <a:xfrm>
+          <a:off x="0" y="0"/>
+          <a:ext cx="0" cy="0"/>
+          <a:chOff x="0" y="0"/>
+          <a:chExt cx="0" cy="0"/>
+        </a:xfrm>
+      </p:grpSpPr>
+      <p:sp>
+        <p:nvSpPr>
+          <p:cNvPr id="2" name="Slide Image Placeholder 1"/>
+          <p:cNvSpPr>
+            <a:spLocks noGrp="1" noRot="1" noChangeAspect="1"/>
+          </p:cNvSpPr>
+          <p:nvPr>
+            <p:ph type="sldImg"/>
+          </p:nvPr>
+        </p:nvSpPr>
+        <p:spPr/>
+      </p:sp>
+      <p:sp>
+        <p:nvSpPr>
+          <p:cNvPr id="3" name="Notes Placeholder 2"/>
+          <p:cNvSpPr>
+            <a:spLocks noGrp="1"/>
+          </p:cNvSpPr>
+          <p:nvPr>
+            <p:ph type="body" idx="1"/>
+          </p:nvPr>
+        </p:nvSpPr>
+        <p:spPr/>
+        <p:txBody>
+          <a:bodyPr/>
+          <a:lstStyle/>
+          <a:p>
+            <a:endParaRPr lang="fr-CH"/>
+          </a:p>
+        </p:txBody>
+      </p:sp>
+      <p:sp>
+        <p:nvSpPr>
+          <p:cNvPr id="4" name="Slide Number Placeholder 3"/>
+          <p:cNvSpPr>
+            <a:spLocks noGrp="1"/>
+          </p:cNvSpPr>
+          <p:nvPr>
+            <p:ph type="sldNum" sz="quarter" idx="10"/>
+          </p:nvPr>
+        </p:nvSpPr>
+        <p:spPr/>
+        <p:txBody>
+          <a:bodyPr/>
+          <a:lstStyle/>
+          <a:p>
+            <a:fld id="{5667F26F-CF4B-4075-A0DF-7E3987368146}" type="slidenum">
+              <a:rPr lang="fr-CH" smtClean="0"/>
+              <a:t>15</a:t>
+            </a:fld>
+            <a:endParaRPr lang="fr-CH"/>
+          </a:p>
+        </p:txBody>
+      </p:sp>
+    </p:spTree>
+    <p:extLst>
+      <p:ext uri="{BB962C8B-B14F-4D97-AF65-F5344CB8AC3E}">
+        <p14:creationId xmlns:p14="http://schemas.microsoft.com/office/powerpoint/2010/main" val="3478437599"/>
+      </p:ext>
+    </p:extLst>
+  </p:cSld>
+  <p:clrMapOvr>
+    <a:masterClrMapping/>
+  </p:clrMapOvr>
+</p:notes>
+</file>
+
+<file path=ppt/notesSlides/notesSlide16.xml><?xml version="1.0" encoding="utf-8"?>
+<p:notes xmlns:a="http://schemas.openxmlformats.org/drawingml/2006/main" xmlns:r="http://schemas.openxmlformats.org/officeDocument/2006/relationships" xmlns:p="http://schemas.openxmlformats.org/presentationml/2006/main">
+  <p:cSld>
+    <p:spTree>
+      <p:nvGrpSpPr>
+        <p:cNvPr id="1" name=""/>
+        <p:cNvGrpSpPr/>
+        <p:nvPr/>
+      </p:nvGrpSpPr>
+      <p:grpSpPr>
+        <a:xfrm>
+          <a:off x="0" y="0"/>
+          <a:ext cx="0" cy="0"/>
+          <a:chOff x="0" y="0"/>
+          <a:chExt cx="0" cy="0"/>
+        </a:xfrm>
+      </p:grpSpPr>
+      <p:sp>
+        <p:nvSpPr>
+          <p:cNvPr id="2" name="Slide Image Placeholder 1"/>
+          <p:cNvSpPr>
+            <a:spLocks noGrp="1" noRot="1" noChangeAspect="1"/>
+          </p:cNvSpPr>
+          <p:nvPr>
+            <p:ph type="sldImg"/>
+          </p:nvPr>
+        </p:nvSpPr>
+        <p:spPr/>
+      </p:sp>
+      <p:sp>
+        <p:nvSpPr>
+          <p:cNvPr id="3" name="Notes Placeholder 2"/>
+          <p:cNvSpPr>
+            <a:spLocks noGrp="1"/>
+          </p:cNvSpPr>
+          <p:nvPr>
+            <p:ph type="body" idx="1"/>
+          </p:nvPr>
+        </p:nvSpPr>
+        <p:spPr/>
+        <p:txBody>
+          <a:bodyPr/>
+          <a:lstStyle/>
+          <a:p>
+            <a:endParaRPr lang="fr-CH"/>
+          </a:p>
+        </p:txBody>
+      </p:sp>
+      <p:sp>
+        <p:nvSpPr>
+          <p:cNvPr id="4" name="Slide Number Placeholder 3"/>
+          <p:cNvSpPr>
+            <a:spLocks noGrp="1"/>
+          </p:cNvSpPr>
+          <p:nvPr>
+            <p:ph type="sldNum" sz="quarter" idx="10"/>
+          </p:nvPr>
+        </p:nvSpPr>
+        <p:spPr/>
+        <p:txBody>
+          <a:bodyPr/>
+          <a:lstStyle/>
+          <a:p>
+            <a:fld id="{5667F26F-CF4B-4075-A0DF-7E3987368146}" type="slidenum">
+              <a:rPr lang="fr-CH" smtClean="0"/>
+              <a:t>16</a:t>
+            </a:fld>
+            <a:endParaRPr lang="fr-CH"/>
+          </a:p>
+        </p:txBody>
+      </p:sp>
+    </p:spTree>
+    <p:extLst>
+      <p:ext uri="{BB962C8B-B14F-4D97-AF65-F5344CB8AC3E}">
+        <p14:creationId xmlns:p14="http://schemas.microsoft.com/office/powerpoint/2010/main" val="3177337012"/>
+      </p:ext>
+    </p:extLst>
+  </p:cSld>
+  <p:clrMapOvr>
+    <a:masterClrMapping/>
+  </p:clrMapOvr>
+</p:notes>
+</file>
+
+<file path=ppt/notesSlides/notesSlide17.xml><?xml version="1.0" encoding="utf-8"?>
+<p:notes xmlns:a="http://schemas.openxmlformats.org/drawingml/2006/main" xmlns:r="http://schemas.openxmlformats.org/officeDocument/2006/relationships" xmlns:p="http://schemas.openxmlformats.org/presentationml/2006/main">
+  <p:cSld>
+    <p:spTree>
+      <p:nvGrpSpPr>
+        <p:cNvPr id="1" name=""/>
+        <p:cNvGrpSpPr/>
+        <p:nvPr/>
+      </p:nvGrpSpPr>
+      <p:grpSpPr>
+        <a:xfrm>
+          <a:off x="0" y="0"/>
+          <a:ext cx="0" cy="0"/>
+          <a:chOff x="0" y="0"/>
+          <a:chExt cx="0" cy="0"/>
+        </a:xfrm>
+      </p:grpSpPr>
+      <p:sp>
+        <p:nvSpPr>
+          <p:cNvPr id="2" name="Slide Image Placeholder 1"/>
+          <p:cNvSpPr>
+            <a:spLocks noGrp="1" noRot="1" noChangeAspect="1"/>
+          </p:cNvSpPr>
+          <p:nvPr>
+            <p:ph type="sldImg"/>
+          </p:nvPr>
+        </p:nvSpPr>
+        <p:spPr/>
+      </p:sp>
+      <p:sp>
+        <p:nvSpPr>
+          <p:cNvPr id="3" name="Notes Placeholder 2"/>
+          <p:cNvSpPr>
+            <a:spLocks noGrp="1"/>
+          </p:cNvSpPr>
+          <p:nvPr>
+            <p:ph type="body" idx="1"/>
+          </p:nvPr>
+        </p:nvSpPr>
+        <p:spPr/>
+        <p:txBody>
+          <a:bodyPr/>
+          <a:lstStyle/>
+          <a:p>
+            <a:endParaRPr lang="fr-CH" dirty="0"/>
+          </a:p>
+        </p:txBody>
+      </p:sp>
+      <p:sp>
+        <p:nvSpPr>
+          <p:cNvPr id="4" name="Slide Number Placeholder 3"/>
+          <p:cNvSpPr>
+            <a:spLocks noGrp="1"/>
+          </p:cNvSpPr>
+          <p:nvPr>
+            <p:ph type="sldNum" sz="quarter" idx="10"/>
+          </p:nvPr>
+        </p:nvSpPr>
+        <p:spPr/>
+        <p:txBody>
+          <a:bodyPr/>
+          <a:lstStyle/>
+          <a:p>
+            <a:fld id="{5667F26F-CF4B-4075-A0DF-7E3987368146}" type="slidenum">
+              <a:rPr lang="fr-CH" smtClean="0"/>
+              <a:t>17</a:t>
+            </a:fld>
+            <a:endParaRPr lang="fr-CH"/>
+          </a:p>
+        </p:txBody>
+      </p:sp>
+    </p:spTree>
+    <p:extLst>
+      <p:ext uri="{BB962C8B-B14F-4D97-AF65-F5344CB8AC3E}">
+        <p14:creationId xmlns:p14="http://schemas.microsoft.com/office/powerpoint/2010/main" val="240566867"/>
+      </p:ext>
+    </p:extLst>
+  </p:cSld>
+  <p:clrMapOvr>
+    <a:masterClrMapping/>
+  </p:clrMapOvr>
+</p:notes>
+</file>
+
+<file path=ppt/notesSlides/notesSlide18.xml><?xml version="1.0" encoding="utf-8"?>
+<p:notes xmlns:a="http://schemas.openxmlformats.org/drawingml/2006/main" xmlns:r="http://schemas.openxmlformats.org/officeDocument/2006/relationships" xmlns:p="http://schemas.openxmlformats.org/presentationml/2006/main">
+  <p:cSld>
+    <p:spTree>
+      <p:nvGrpSpPr>
+        <p:cNvPr id="1" name=""/>
+        <p:cNvGrpSpPr/>
+        <p:nvPr/>
+      </p:nvGrpSpPr>
+      <p:grpSpPr>
+        <a:xfrm>
+          <a:off x="0" y="0"/>
+          <a:ext cx="0" cy="0"/>
+          <a:chOff x="0" y="0"/>
+          <a:chExt cx="0" cy="0"/>
+        </a:xfrm>
+      </p:grpSpPr>
+      <p:sp>
+        <p:nvSpPr>
+          <p:cNvPr id="2" name="Slide Image Placeholder 1"/>
+          <p:cNvSpPr>
+            <a:spLocks noGrp="1" noRot="1" noChangeAspect="1"/>
+          </p:cNvSpPr>
+          <p:nvPr>
+            <p:ph type="sldImg"/>
+          </p:nvPr>
+        </p:nvSpPr>
+        <p:spPr/>
+      </p:sp>
+      <p:sp>
+        <p:nvSpPr>
+          <p:cNvPr id="3" name="Notes Placeholder 2"/>
+          <p:cNvSpPr>
+            <a:spLocks noGrp="1"/>
+          </p:cNvSpPr>
+          <p:nvPr>
+            <p:ph type="body" idx="1"/>
+          </p:nvPr>
+        </p:nvSpPr>
+        <p:spPr/>
+        <p:txBody>
+          <a:bodyPr/>
+          <a:lstStyle/>
+          <a:p>
+            <a:r>
+              <a:rPr lang="en-US" dirty="0" err="1" smtClean="0"/>
+              <a:t>Ajouter</a:t>
+            </a:r>
+            <a:r>
+              <a:rPr lang="en-US" dirty="0" smtClean="0"/>
+              <a:t> </a:t>
+            </a:r>
+            <a:r>
+              <a:rPr lang="en-US" dirty="0" err="1" smtClean="0"/>
+              <a:t>ScreenShot</a:t>
+            </a:r>
+            <a:r>
+              <a:rPr lang="en-US" dirty="0" smtClean="0"/>
+              <a:t> de </a:t>
+            </a:r>
+            <a:r>
+              <a:rPr lang="en-US" dirty="0" err="1" smtClean="0"/>
+              <a:t>l’appli</a:t>
+            </a:r>
+            <a:r>
+              <a:rPr lang="en-US" dirty="0" smtClean="0"/>
+              <a:t> mobile sur le </a:t>
+            </a:r>
+            <a:r>
+              <a:rPr lang="en-US" dirty="0" err="1" smtClean="0"/>
+              <a:t>marché</a:t>
+            </a:r>
+            <a:endParaRPr lang="en-US" dirty="0" smtClean="0"/>
+          </a:p>
+          <a:p>
+            <a:endParaRPr lang="en-US" dirty="0" smtClean="0"/>
+          </a:p>
+          <a:p>
+            <a:r>
+              <a:rPr lang="en-US" dirty="0" smtClean="0"/>
+              <a:t>Transitions pour </a:t>
+            </a:r>
+            <a:r>
+              <a:rPr lang="en-US" dirty="0" smtClean="0"/>
+              <a:t>dynamism </a:t>
+            </a:r>
+            <a:r>
+              <a:rPr lang="en-US" dirty="0" smtClean="0">
+                <a:sym typeface="Wingdings" panose="05000000000000000000" pitchFamily="2" charset="2"/>
+              </a:rPr>
+              <a:t> Dire que je les</a:t>
+            </a:r>
+            <a:r>
+              <a:rPr lang="en-US" baseline="0" dirty="0" smtClean="0">
+                <a:sym typeface="Wingdings" panose="05000000000000000000" pitchFamily="2" charset="2"/>
+              </a:rPr>
+              <a:t> </a:t>
+            </a:r>
+            <a:r>
+              <a:rPr lang="en-US" baseline="0" dirty="0" err="1" smtClean="0">
+                <a:sym typeface="Wingdings" panose="05000000000000000000" pitchFamily="2" charset="2"/>
+              </a:rPr>
+              <a:t>aient</a:t>
+            </a:r>
+            <a:r>
+              <a:rPr lang="en-US" baseline="0" dirty="0" smtClean="0">
+                <a:sym typeface="Wingdings" panose="05000000000000000000" pitchFamily="2" charset="2"/>
+              </a:rPr>
+              <a:t> </a:t>
+            </a:r>
+            <a:r>
+              <a:rPr lang="en-US" baseline="0" dirty="0" err="1" smtClean="0">
+                <a:sym typeface="Wingdings" panose="05000000000000000000" pitchFamily="2" charset="2"/>
+              </a:rPr>
+              <a:t>ajoutées</a:t>
+            </a:r>
+            <a:r>
+              <a:rPr lang="en-US" baseline="0" dirty="0" smtClean="0">
+                <a:sym typeface="Wingdings" panose="05000000000000000000" pitchFamily="2" charset="2"/>
+              </a:rPr>
+              <a:t> </a:t>
+            </a:r>
+            <a:r>
+              <a:rPr lang="en-US" baseline="0" dirty="0" err="1" smtClean="0">
+                <a:sym typeface="Wingdings" panose="05000000000000000000" pitchFamily="2" charset="2"/>
+              </a:rPr>
+              <a:t>moi</a:t>
+            </a:r>
+            <a:endParaRPr lang="en-US" dirty="0" smtClean="0"/>
+          </a:p>
+          <a:p>
+            <a:endParaRPr lang="en-US" dirty="0" smtClean="0"/>
+          </a:p>
+          <a:p>
+            <a:r>
+              <a:rPr lang="en-US" dirty="0" err="1" smtClean="0"/>
+              <a:t>Parler</a:t>
+            </a:r>
+            <a:r>
+              <a:rPr lang="en-US" dirty="0" smtClean="0"/>
+              <a:t> de Material Design et </a:t>
+            </a:r>
+            <a:r>
+              <a:rPr lang="en-US" dirty="0" err="1" smtClean="0"/>
+              <a:t>pourquoi</a:t>
+            </a:r>
+            <a:r>
+              <a:rPr lang="en-US" dirty="0" smtClean="0"/>
+              <a:t> </a:t>
+            </a:r>
+            <a:r>
+              <a:rPr lang="en-US" dirty="0" smtClean="0">
+                <a:sym typeface="Wingdings" panose="05000000000000000000" pitchFamily="2" charset="2"/>
+              </a:rPr>
+              <a:t> De plus </a:t>
+            </a:r>
+            <a:r>
+              <a:rPr lang="en-US" dirty="0" err="1" smtClean="0">
+                <a:sym typeface="Wingdings" panose="05000000000000000000" pitchFamily="2" charset="2"/>
+              </a:rPr>
+              <a:t>en</a:t>
+            </a:r>
+            <a:r>
+              <a:rPr lang="en-US" dirty="0" smtClean="0">
+                <a:sym typeface="Wingdings" panose="05000000000000000000" pitchFamily="2" charset="2"/>
+              </a:rPr>
+              <a:t> plus</a:t>
+            </a:r>
+            <a:r>
+              <a:rPr lang="en-US" baseline="0" dirty="0" smtClean="0">
+                <a:sym typeface="Wingdings" panose="05000000000000000000" pitchFamily="2" charset="2"/>
+              </a:rPr>
+              <a:t> </a:t>
+            </a:r>
+            <a:r>
+              <a:rPr lang="en-US" baseline="0" dirty="0" err="1" smtClean="0">
+                <a:sym typeface="Wingdings" panose="05000000000000000000" pitchFamily="2" charset="2"/>
+              </a:rPr>
+              <a:t>utilisé</a:t>
+            </a:r>
+            <a:r>
+              <a:rPr lang="en-US" baseline="0" dirty="0" smtClean="0">
+                <a:sym typeface="Wingdings" panose="05000000000000000000" pitchFamily="2" charset="2"/>
+              </a:rPr>
+              <a:t> et </a:t>
+            </a:r>
+            <a:r>
+              <a:rPr lang="en-US" baseline="0" dirty="0" err="1" smtClean="0">
+                <a:sym typeface="Wingdings" panose="05000000000000000000" pitchFamily="2" charset="2"/>
+              </a:rPr>
+              <a:t>utilisé</a:t>
+            </a:r>
+            <a:r>
+              <a:rPr lang="en-US" baseline="0" dirty="0" smtClean="0">
+                <a:sym typeface="Wingdings" panose="05000000000000000000" pitchFamily="2" charset="2"/>
+              </a:rPr>
+              <a:t> pour les APP Android relative au mobile first </a:t>
+            </a:r>
+            <a:r>
+              <a:rPr lang="en-US" baseline="0" dirty="0" err="1" smtClean="0">
+                <a:sym typeface="Wingdings" panose="05000000000000000000" pitchFamily="2" charset="2"/>
+              </a:rPr>
+              <a:t>demandé</a:t>
+            </a:r>
+            <a:endParaRPr lang="fr-CH" dirty="0"/>
+          </a:p>
+        </p:txBody>
+      </p:sp>
+      <p:sp>
+        <p:nvSpPr>
+          <p:cNvPr id="4" name="Slide Number Placeholder 3"/>
+          <p:cNvSpPr>
+            <a:spLocks noGrp="1"/>
+          </p:cNvSpPr>
+          <p:nvPr>
+            <p:ph type="sldNum" sz="quarter" idx="10"/>
+          </p:nvPr>
+        </p:nvSpPr>
+        <p:spPr/>
+        <p:txBody>
+          <a:bodyPr/>
+          <a:lstStyle/>
+          <a:p>
+            <a:fld id="{5667F26F-CF4B-4075-A0DF-7E3987368146}" type="slidenum">
+              <a:rPr lang="fr-CH" smtClean="0"/>
+              <a:t>18</a:t>
+            </a:fld>
+            <a:endParaRPr lang="fr-CH"/>
+          </a:p>
+        </p:txBody>
+      </p:sp>
+    </p:spTree>
+    <p:extLst>
+      <p:ext uri="{BB962C8B-B14F-4D97-AF65-F5344CB8AC3E}">
+        <p14:creationId xmlns:p14="http://schemas.microsoft.com/office/powerpoint/2010/main" val="2587370698"/>
+      </p:ext>
+    </p:extLst>
+  </p:cSld>
+  <p:clrMapOvr>
+    <a:masterClrMapping/>
+  </p:clrMapOvr>
+</p:notes>
+</file>
+
+<file path=ppt/notesSlides/notesSlide19.xml><?xml version="1.0" encoding="utf-8"?>
+<p:notes xmlns:a="http://schemas.openxmlformats.org/drawingml/2006/main" xmlns:r="http://schemas.openxmlformats.org/officeDocument/2006/relationships" xmlns:p="http://schemas.openxmlformats.org/presentationml/2006/main">
+  <p:cSld>
+    <p:spTree>
+      <p:nvGrpSpPr>
+        <p:cNvPr id="1" name=""/>
+        <p:cNvGrpSpPr/>
+        <p:nvPr/>
+      </p:nvGrpSpPr>
+      <p:grpSpPr>
+        <a:xfrm>
+          <a:off x="0" y="0"/>
+          <a:ext cx="0" cy="0"/>
+          <a:chOff x="0" y="0"/>
+          <a:chExt cx="0" cy="0"/>
+        </a:xfrm>
+      </p:grpSpPr>
+      <p:sp>
+        <p:nvSpPr>
+          <p:cNvPr id="2" name="Slide Image Placeholder 1"/>
+          <p:cNvSpPr>
+            <a:spLocks noGrp="1" noRot="1" noChangeAspect="1"/>
+          </p:cNvSpPr>
+          <p:nvPr>
+            <p:ph type="sldImg"/>
+          </p:nvPr>
+        </p:nvSpPr>
+        <p:spPr/>
+      </p:sp>
+      <p:sp>
+        <p:nvSpPr>
+          <p:cNvPr id="3" name="Notes Placeholder 2"/>
+          <p:cNvSpPr>
+            <a:spLocks noGrp="1"/>
+          </p:cNvSpPr>
+          <p:nvPr>
+            <p:ph type="body" idx="1"/>
+          </p:nvPr>
+        </p:nvSpPr>
+        <p:spPr/>
+        <p:txBody>
+          <a:bodyPr/>
+          <a:lstStyle/>
+          <a:p>
+            <a:endParaRPr lang="fr-CH"/>
+          </a:p>
+        </p:txBody>
+      </p:sp>
+      <p:sp>
+        <p:nvSpPr>
+          <p:cNvPr id="4" name="Slide Number Placeholder 3"/>
+          <p:cNvSpPr>
+            <a:spLocks noGrp="1"/>
+          </p:cNvSpPr>
+          <p:nvPr>
+            <p:ph type="sldNum" sz="quarter" idx="10"/>
+          </p:nvPr>
+        </p:nvSpPr>
+        <p:spPr/>
+        <p:txBody>
+          <a:bodyPr/>
+          <a:lstStyle/>
+          <a:p>
+            <a:fld id="{5667F26F-CF4B-4075-A0DF-7E3987368146}" type="slidenum">
+              <a:rPr lang="fr-CH" smtClean="0"/>
+              <a:t>19</a:t>
+            </a:fld>
+            <a:endParaRPr lang="fr-CH"/>
+          </a:p>
+        </p:txBody>
+      </p:sp>
+    </p:spTree>
+    <p:extLst>
+      <p:ext uri="{BB962C8B-B14F-4D97-AF65-F5344CB8AC3E}">
+        <p14:creationId xmlns:p14="http://schemas.microsoft.com/office/powerpoint/2010/main" val="744274174"/>
       </p:ext>
     </p:extLst>
   </p:cSld>
@@ -626,53 +1957,6 @@
           <a:bodyPr/>
           <a:lstStyle/>
           <a:p>
-            <a:r>
-              <a:rPr lang="en-US" dirty="0" smtClean="0"/>
-              <a:t>Buts:</a:t>
-            </a:r>
-          </a:p>
-          <a:p>
-            <a:endParaRPr lang="en-US" dirty="0" smtClean="0"/>
-          </a:p>
-          <a:p>
-            <a:r>
-              <a:rPr lang="en-US" dirty="0" err="1" smtClean="0"/>
-              <a:t>Mettre</a:t>
-            </a:r>
-            <a:r>
-              <a:rPr lang="en-US" dirty="0" smtClean="0"/>
-              <a:t> </a:t>
-            </a:r>
-            <a:r>
-              <a:rPr lang="en-US" dirty="0" err="1" smtClean="0"/>
-              <a:t>en</a:t>
-            </a:r>
-            <a:r>
-              <a:rPr lang="en-US" dirty="0" smtClean="0"/>
-              <a:t> place </a:t>
-            </a:r>
-            <a:r>
-              <a:rPr lang="en-US" dirty="0" err="1" smtClean="0"/>
-              <a:t>une</a:t>
-            </a:r>
-            <a:r>
-              <a:rPr lang="en-US" dirty="0" smtClean="0"/>
-              <a:t> app WEB </a:t>
-            </a:r>
-          </a:p>
-          <a:p>
-            <a:r>
-              <a:rPr lang="en-US" dirty="0" err="1" smtClean="0"/>
-              <a:t>Ergonomie</a:t>
-            </a:r>
-            <a:r>
-              <a:rPr lang="en-US" dirty="0" smtClean="0"/>
-              <a:t> de </a:t>
-            </a:r>
-            <a:r>
-              <a:rPr lang="en-US" dirty="0" err="1" smtClean="0"/>
-              <a:t>l’application</a:t>
-            </a:r>
             <a:endParaRPr lang="fr-CH" dirty="0"/>
           </a:p>
         </p:txBody>
@@ -694,7 +1978,7 @@
           <a:p>
             <a:fld id="{5667F26F-CF4B-4075-A0DF-7E3987368146}" type="slidenum">
               <a:rPr lang="fr-CH" smtClean="0"/>
-              <a:t>3</a:t>
+              <a:t>2</a:t>
             </a:fld>
             <a:endParaRPr lang="fr-CH"/>
           </a:p>
@@ -703,7 +1987,631 @@
     </p:spTree>
     <p:extLst>
       <p:ext uri="{BB962C8B-B14F-4D97-AF65-F5344CB8AC3E}">
-        <p14:creationId xmlns:p14="http://schemas.microsoft.com/office/powerpoint/2010/main" val="37785742"/>
+        <p14:creationId xmlns:p14="http://schemas.microsoft.com/office/powerpoint/2010/main" val="3201977222"/>
+      </p:ext>
+    </p:extLst>
+  </p:cSld>
+  <p:clrMapOvr>
+    <a:masterClrMapping/>
+  </p:clrMapOvr>
+</p:notes>
+</file>
+
+<file path=ppt/notesSlides/notesSlide20.xml><?xml version="1.0" encoding="utf-8"?>
+<p:notes xmlns:a="http://schemas.openxmlformats.org/drawingml/2006/main" xmlns:r="http://schemas.openxmlformats.org/officeDocument/2006/relationships" xmlns:p="http://schemas.openxmlformats.org/presentationml/2006/main">
+  <p:cSld>
+    <p:spTree>
+      <p:nvGrpSpPr>
+        <p:cNvPr id="1" name=""/>
+        <p:cNvGrpSpPr/>
+        <p:nvPr/>
+      </p:nvGrpSpPr>
+      <p:grpSpPr>
+        <a:xfrm>
+          <a:off x="0" y="0"/>
+          <a:ext cx="0" cy="0"/>
+          <a:chOff x="0" y="0"/>
+          <a:chExt cx="0" cy="0"/>
+        </a:xfrm>
+      </p:grpSpPr>
+      <p:sp>
+        <p:nvSpPr>
+          <p:cNvPr id="2" name="Slide Image Placeholder 1"/>
+          <p:cNvSpPr>
+            <a:spLocks noGrp="1" noRot="1" noChangeAspect="1"/>
+          </p:cNvSpPr>
+          <p:nvPr>
+            <p:ph type="sldImg"/>
+          </p:nvPr>
+        </p:nvSpPr>
+        <p:spPr/>
+      </p:sp>
+      <p:sp>
+        <p:nvSpPr>
+          <p:cNvPr id="3" name="Notes Placeholder 2"/>
+          <p:cNvSpPr>
+            <a:spLocks noGrp="1"/>
+          </p:cNvSpPr>
+          <p:nvPr>
+            <p:ph type="body" idx="1"/>
+          </p:nvPr>
+        </p:nvSpPr>
+        <p:spPr/>
+        <p:txBody>
+          <a:bodyPr/>
+          <a:lstStyle/>
+          <a:p>
+            <a:r>
+              <a:rPr lang="en-US" b="1" dirty="0" err="1" smtClean="0"/>
+              <a:t>Lors</a:t>
+            </a:r>
+            <a:r>
+              <a:rPr lang="en-US" b="1" dirty="0" smtClean="0"/>
+              <a:t> de la </a:t>
+            </a:r>
+            <a:r>
+              <a:rPr lang="en-US" b="1" dirty="0" err="1" smtClean="0"/>
+              <a:t>transpilation</a:t>
+            </a:r>
+            <a:r>
+              <a:rPr lang="en-US" b="1" dirty="0" smtClean="0"/>
+              <a:t> de babel (ES6 </a:t>
+            </a:r>
+            <a:r>
+              <a:rPr lang="en-US" b="1" dirty="0" smtClean="0">
+                <a:sym typeface="Wingdings" panose="05000000000000000000" pitchFamily="2" charset="2"/>
+              </a:rPr>
+              <a:t> ES5</a:t>
+            </a:r>
+            <a:r>
+              <a:rPr lang="en-US" b="1" dirty="0" smtClean="0"/>
+              <a:t>) babel </a:t>
+            </a:r>
+            <a:r>
+              <a:rPr lang="en-US" b="1" dirty="0" err="1" smtClean="0"/>
+              <a:t>va</a:t>
+            </a:r>
+            <a:r>
+              <a:rPr lang="en-US" b="1" dirty="0" smtClean="0"/>
+              <a:t> modifier les </a:t>
+            </a:r>
+            <a:r>
+              <a:rPr lang="en-US" b="1" dirty="0" err="1" smtClean="0"/>
+              <a:t>fonctions</a:t>
+            </a:r>
+            <a:r>
+              <a:rPr lang="en-US" b="1" dirty="0" smtClean="0"/>
+              <a:t> non </a:t>
+            </a:r>
+            <a:r>
+              <a:rPr lang="en-US" b="1" dirty="0" err="1" smtClean="0"/>
+              <a:t>supportées</a:t>
+            </a:r>
+            <a:r>
+              <a:rPr lang="en-US" b="1" baseline="0" dirty="0" smtClean="0"/>
+              <a:t> </a:t>
+            </a:r>
+          </a:p>
+          <a:p>
+            <a:r>
+              <a:rPr lang="en-US" b="1" baseline="0" dirty="0" smtClean="0"/>
+              <a:t>de </a:t>
+            </a:r>
+            <a:r>
+              <a:rPr lang="en-US" b="1" baseline="0" dirty="0" err="1" smtClean="0"/>
+              <a:t>certains</a:t>
+            </a:r>
+            <a:r>
+              <a:rPr lang="en-US" b="1" baseline="0" dirty="0" smtClean="0"/>
+              <a:t> </a:t>
+            </a:r>
+            <a:r>
+              <a:rPr lang="en-US" b="1" baseline="0" dirty="0" err="1" smtClean="0"/>
+              <a:t>navigateurs</a:t>
+            </a:r>
+            <a:r>
+              <a:rPr lang="en-US" b="1" baseline="0" dirty="0" smtClean="0"/>
+              <a:t> par des </a:t>
+            </a:r>
+            <a:r>
+              <a:rPr lang="en-US" b="1" baseline="0" dirty="0" err="1" smtClean="0"/>
+              <a:t>fonctions</a:t>
+            </a:r>
+            <a:r>
+              <a:rPr lang="en-US" b="1" baseline="0" dirty="0" smtClean="0"/>
+              <a:t> </a:t>
+            </a:r>
+            <a:r>
+              <a:rPr lang="en-US" b="1" baseline="0" dirty="0" err="1" smtClean="0"/>
+              <a:t>connues</a:t>
+            </a:r>
+            <a:endParaRPr lang="en-US" b="1" baseline="0" dirty="0" smtClean="0"/>
+          </a:p>
+          <a:p>
+            <a:endParaRPr lang="en-US" b="1" baseline="0" dirty="0" smtClean="0"/>
+          </a:p>
+          <a:p>
+            <a:r>
+              <a:rPr lang="en-US" b="1" baseline="0" dirty="0" smtClean="0"/>
+              <a:t>Babel-</a:t>
+            </a:r>
+            <a:r>
+              <a:rPr lang="en-US" b="1" baseline="0" dirty="0" err="1" smtClean="0"/>
+              <a:t>polyfill</a:t>
+            </a:r>
+            <a:r>
+              <a:rPr lang="en-US" b="1" baseline="0" dirty="0" smtClean="0"/>
+              <a:t> : module </a:t>
+            </a:r>
+            <a:r>
+              <a:rPr lang="en-US" b="1" baseline="0" dirty="0" err="1" smtClean="0"/>
+              <a:t>WebPack</a:t>
+            </a:r>
+            <a:endParaRPr lang="en-US" b="1" baseline="0" dirty="0" smtClean="0"/>
+          </a:p>
+          <a:p>
+            <a:endParaRPr lang="en-US" b="1" baseline="0" dirty="0" smtClean="0"/>
+          </a:p>
+          <a:p>
+            <a:r>
+              <a:rPr lang="en-US" b="1" baseline="0" dirty="0" err="1" smtClean="0"/>
+              <a:t>Résolu</a:t>
+            </a:r>
+            <a:r>
+              <a:rPr lang="en-US" b="1" baseline="0" dirty="0" smtClean="0"/>
+              <a:t> par SN pour </a:t>
+            </a:r>
+            <a:endParaRPr lang="fr-CH" b="1" dirty="0"/>
+          </a:p>
+        </p:txBody>
+      </p:sp>
+      <p:sp>
+        <p:nvSpPr>
+          <p:cNvPr id="4" name="Slide Number Placeholder 3"/>
+          <p:cNvSpPr>
+            <a:spLocks noGrp="1"/>
+          </p:cNvSpPr>
+          <p:nvPr>
+            <p:ph type="sldNum" sz="quarter" idx="10"/>
+          </p:nvPr>
+        </p:nvSpPr>
+        <p:spPr/>
+        <p:txBody>
+          <a:bodyPr/>
+          <a:lstStyle/>
+          <a:p>
+            <a:fld id="{5667F26F-CF4B-4075-A0DF-7E3987368146}" type="slidenum">
+              <a:rPr lang="fr-CH" smtClean="0"/>
+              <a:t>20</a:t>
+            </a:fld>
+            <a:endParaRPr lang="fr-CH"/>
+          </a:p>
+        </p:txBody>
+      </p:sp>
+    </p:spTree>
+    <p:extLst>
+      <p:ext uri="{BB962C8B-B14F-4D97-AF65-F5344CB8AC3E}">
+        <p14:creationId xmlns:p14="http://schemas.microsoft.com/office/powerpoint/2010/main" val="107043888"/>
+      </p:ext>
+    </p:extLst>
+  </p:cSld>
+  <p:clrMapOvr>
+    <a:masterClrMapping/>
+  </p:clrMapOvr>
+</p:notes>
+</file>
+
+<file path=ppt/notesSlides/notesSlide21.xml><?xml version="1.0" encoding="utf-8"?>
+<p:notes xmlns:a="http://schemas.openxmlformats.org/drawingml/2006/main" xmlns:r="http://schemas.openxmlformats.org/officeDocument/2006/relationships" xmlns:p="http://schemas.openxmlformats.org/presentationml/2006/main">
+  <p:cSld>
+    <p:spTree>
+      <p:nvGrpSpPr>
+        <p:cNvPr id="1" name=""/>
+        <p:cNvGrpSpPr/>
+        <p:nvPr/>
+      </p:nvGrpSpPr>
+      <p:grpSpPr>
+        <a:xfrm>
+          <a:off x="0" y="0"/>
+          <a:ext cx="0" cy="0"/>
+          <a:chOff x="0" y="0"/>
+          <a:chExt cx="0" cy="0"/>
+        </a:xfrm>
+      </p:grpSpPr>
+      <p:sp>
+        <p:nvSpPr>
+          <p:cNvPr id="2" name="Slide Image Placeholder 1"/>
+          <p:cNvSpPr>
+            <a:spLocks noGrp="1" noRot="1" noChangeAspect="1"/>
+          </p:cNvSpPr>
+          <p:nvPr>
+            <p:ph type="sldImg"/>
+          </p:nvPr>
+        </p:nvSpPr>
+        <p:spPr/>
+      </p:sp>
+      <p:sp>
+        <p:nvSpPr>
+          <p:cNvPr id="3" name="Notes Placeholder 2"/>
+          <p:cNvSpPr>
+            <a:spLocks noGrp="1"/>
+          </p:cNvSpPr>
+          <p:nvPr>
+            <p:ph type="body" idx="1"/>
+          </p:nvPr>
+        </p:nvSpPr>
+        <p:spPr/>
+        <p:txBody>
+          <a:bodyPr/>
+          <a:lstStyle/>
+          <a:p>
+            <a:endParaRPr lang="fr-CH" b="1" dirty="0"/>
+          </a:p>
+        </p:txBody>
+      </p:sp>
+      <p:sp>
+        <p:nvSpPr>
+          <p:cNvPr id="4" name="Slide Number Placeholder 3"/>
+          <p:cNvSpPr>
+            <a:spLocks noGrp="1"/>
+          </p:cNvSpPr>
+          <p:nvPr>
+            <p:ph type="sldNum" sz="quarter" idx="10"/>
+          </p:nvPr>
+        </p:nvSpPr>
+        <p:spPr/>
+        <p:txBody>
+          <a:bodyPr/>
+          <a:lstStyle/>
+          <a:p>
+            <a:fld id="{5667F26F-CF4B-4075-A0DF-7E3987368146}" type="slidenum">
+              <a:rPr lang="fr-CH" smtClean="0"/>
+              <a:t>21</a:t>
+            </a:fld>
+            <a:endParaRPr lang="fr-CH"/>
+          </a:p>
+        </p:txBody>
+      </p:sp>
+    </p:spTree>
+    <p:extLst>
+      <p:ext uri="{BB962C8B-B14F-4D97-AF65-F5344CB8AC3E}">
+        <p14:creationId xmlns:p14="http://schemas.microsoft.com/office/powerpoint/2010/main" val="570679211"/>
+      </p:ext>
+    </p:extLst>
+  </p:cSld>
+  <p:clrMapOvr>
+    <a:masterClrMapping/>
+  </p:clrMapOvr>
+</p:notes>
+</file>
+
+<file path=ppt/notesSlides/notesSlide22.xml><?xml version="1.0" encoding="utf-8"?>
+<p:notes xmlns:a="http://schemas.openxmlformats.org/drawingml/2006/main" xmlns:r="http://schemas.openxmlformats.org/officeDocument/2006/relationships" xmlns:p="http://schemas.openxmlformats.org/presentationml/2006/main">
+  <p:cSld>
+    <p:spTree>
+      <p:nvGrpSpPr>
+        <p:cNvPr id="1" name=""/>
+        <p:cNvGrpSpPr/>
+        <p:nvPr/>
+      </p:nvGrpSpPr>
+      <p:grpSpPr>
+        <a:xfrm>
+          <a:off x="0" y="0"/>
+          <a:ext cx="0" cy="0"/>
+          <a:chOff x="0" y="0"/>
+          <a:chExt cx="0" cy="0"/>
+        </a:xfrm>
+      </p:grpSpPr>
+      <p:sp>
+        <p:nvSpPr>
+          <p:cNvPr id="2" name="Slide Image Placeholder 1"/>
+          <p:cNvSpPr>
+            <a:spLocks noGrp="1" noRot="1" noChangeAspect="1"/>
+          </p:cNvSpPr>
+          <p:nvPr>
+            <p:ph type="sldImg"/>
+          </p:nvPr>
+        </p:nvSpPr>
+        <p:spPr/>
+      </p:sp>
+      <p:sp>
+        <p:nvSpPr>
+          <p:cNvPr id="3" name="Notes Placeholder 2"/>
+          <p:cNvSpPr>
+            <a:spLocks noGrp="1"/>
+          </p:cNvSpPr>
+          <p:nvPr>
+            <p:ph type="body" idx="1"/>
+          </p:nvPr>
+        </p:nvSpPr>
+        <p:spPr/>
+        <p:txBody>
+          <a:bodyPr/>
+          <a:lstStyle/>
+          <a:p>
+            <a:r>
+              <a:rPr lang="en-US" b="1" dirty="0" smtClean="0"/>
+              <a:t>Signifier </a:t>
+            </a:r>
+            <a:r>
+              <a:rPr lang="en-US" b="1" dirty="0" err="1" smtClean="0"/>
+              <a:t>qu’il</a:t>
+            </a:r>
+            <a:r>
+              <a:rPr lang="en-US" b="1" dirty="0" smtClean="0"/>
+              <a:t> y a déjà des Solutions qui </a:t>
+            </a:r>
+            <a:r>
+              <a:rPr lang="en-US" b="1" dirty="0" err="1" smtClean="0"/>
+              <a:t>ont</a:t>
+            </a:r>
+            <a:r>
+              <a:rPr lang="en-US" b="1" dirty="0" smtClean="0"/>
+              <a:t> </a:t>
+            </a:r>
+            <a:r>
+              <a:rPr lang="en-US" b="1" dirty="0" err="1" smtClean="0"/>
+              <a:t>été</a:t>
+            </a:r>
+            <a:r>
+              <a:rPr lang="en-US" b="1" dirty="0" smtClean="0"/>
+              <a:t> </a:t>
+            </a:r>
+            <a:r>
+              <a:rPr lang="en-US" b="1" dirty="0" err="1" smtClean="0"/>
+              <a:t>appliquées</a:t>
+            </a:r>
+            <a:r>
+              <a:rPr lang="en-US" b="1" dirty="0" smtClean="0"/>
+              <a:t> </a:t>
+            </a:r>
+            <a:r>
+              <a:rPr lang="en-US" b="1" dirty="0" smtClean="0">
+                <a:sym typeface="Wingdings" panose="05000000000000000000" pitchFamily="2" charset="2"/>
+              </a:rPr>
+              <a:t> </a:t>
+            </a:r>
+            <a:r>
+              <a:rPr lang="en-US" b="1" dirty="0" err="1" smtClean="0">
+                <a:sym typeface="Wingdings" panose="05000000000000000000" pitchFamily="2" charset="2"/>
+              </a:rPr>
+              <a:t>ou</a:t>
+            </a:r>
+            <a:r>
+              <a:rPr lang="en-US" b="1" dirty="0" smtClean="0">
+                <a:sym typeface="Wingdings" panose="05000000000000000000" pitchFamily="2" charset="2"/>
+              </a:rPr>
+              <a:t> </a:t>
+            </a:r>
+            <a:r>
+              <a:rPr lang="en-US" b="1" dirty="0" err="1" smtClean="0">
+                <a:sym typeface="Wingdings" panose="05000000000000000000" pitchFamily="2" charset="2"/>
+              </a:rPr>
+              <a:t>en</a:t>
+            </a:r>
+            <a:r>
+              <a:rPr lang="en-US" b="1" dirty="0" smtClean="0">
+                <a:sym typeface="Wingdings" panose="05000000000000000000" pitchFamily="2" charset="2"/>
+              </a:rPr>
+              <a:t> </a:t>
+            </a:r>
+            <a:r>
+              <a:rPr lang="en-US" b="1" dirty="0" err="1" smtClean="0">
+                <a:sym typeface="Wingdings" panose="05000000000000000000" pitchFamily="2" charset="2"/>
+              </a:rPr>
+              <a:t>cours</a:t>
+            </a:r>
+            <a:r>
+              <a:rPr lang="en-US" b="1" dirty="0" smtClean="0">
+                <a:sym typeface="Wingdings" panose="05000000000000000000" pitchFamily="2" charset="2"/>
+              </a:rPr>
+              <a:t> </a:t>
+            </a:r>
+            <a:r>
+              <a:rPr lang="en-US" b="1" dirty="0" err="1" smtClean="0">
+                <a:sym typeface="Wingdings" panose="05000000000000000000" pitchFamily="2" charset="2"/>
+              </a:rPr>
+              <a:t>d’application</a:t>
+            </a:r>
+            <a:endParaRPr lang="fr-CH" b="1" dirty="0"/>
+          </a:p>
+        </p:txBody>
+      </p:sp>
+      <p:sp>
+        <p:nvSpPr>
+          <p:cNvPr id="4" name="Slide Number Placeholder 3"/>
+          <p:cNvSpPr>
+            <a:spLocks noGrp="1"/>
+          </p:cNvSpPr>
+          <p:nvPr>
+            <p:ph type="sldNum" sz="quarter" idx="10"/>
+          </p:nvPr>
+        </p:nvSpPr>
+        <p:spPr/>
+        <p:txBody>
+          <a:bodyPr/>
+          <a:lstStyle/>
+          <a:p>
+            <a:fld id="{5667F26F-CF4B-4075-A0DF-7E3987368146}" type="slidenum">
+              <a:rPr lang="fr-CH" smtClean="0"/>
+              <a:t>22</a:t>
+            </a:fld>
+            <a:endParaRPr lang="fr-CH"/>
+          </a:p>
+        </p:txBody>
+      </p:sp>
+    </p:spTree>
+    <p:extLst>
+      <p:ext uri="{BB962C8B-B14F-4D97-AF65-F5344CB8AC3E}">
+        <p14:creationId xmlns:p14="http://schemas.microsoft.com/office/powerpoint/2010/main" val="1581906897"/>
+      </p:ext>
+    </p:extLst>
+  </p:cSld>
+  <p:clrMapOvr>
+    <a:masterClrMapping/>
+  </p:clrMapOvr>
+</p:notes>
+</file>
+
+<file path=ppt/notesSlides/notesSlide23.xml><?xml version="1.0" encoding="utf-8"?>
+<p:notes xmlns:a="http://schemas.openxmlformats.org/drawingml/2006/main" xmlns:r="http://schemas.openxmlformats.org/officeDocument/2006/relationships" xmlns:p="http://schemas.openxmlformats.org/presentationml/2006/main">
+  <p:cSld>
+    <p:spTree>
+      <p:nvGrpSpPr>
+        <p:cNvPr id="1" name=""/>
+        <p:cNvGrpSpPr/>
+        <p:nvPr/>
+      </p:nvGrpSpPr>
+      <p:grpSpPr>
+        <a:xfrm>
+          <a:off x="0" y="0"/>
+          <a:ext cx="0" cy="0"/>
+          <a:chOff x="0" y="0"/>
+          <a:chExt cx="0" cy="0"/>
+        </a:xfrm>
+      </p:grpSpPr>
+      <p:sp>
+        <p:nvSpPr>
+          <p:cNvPr id="2" name="Slide Image Placeholder 1"/>
+          <p:cNvSpPr>
+            <a:spLocks noGrp="1" noRot="1" noChangeAspect="1"/>
+          </p:cNvSpPr>
+          <p:nvPr>
+            <p:ph type="sldImg"/>
+          </p:nvPr>
+        </p:nvSpPr>
+        <p:spPr/>
+      </p:sp>
+      <p:sp>
+        <p:nvSpPr>
+          <p:cNvPr id="3" name="Notes Placeholder 2"/>
+          <p:cNvSpPr>
+            <a:spLocks noGrp="1"/>
+          </p:cNvSpPr>
+          <p:nvPr>
+            <p:ph type="body" idx="1"/>
+          </p:nvPr>
+        </p:nvSpPr>
+        <p:spPr/>
+        <p:txBody>
+          <a:bodyPr/>
+          <a:lstStyle/>
+          <a:p>
+            <a:endParaRPr lang="fr-CH"/>
+          </a:p>
+        </p:txBody>
+      </p:sp>
+      <p:sp>
+        <p:nvSpPr>
+          <p:cNvPr id="4" name="Slide Number Placeholder 3"/>
+          <p:cNvSpPr>
+            <a:spLocks noGrp="1"/>
+          </p:cNvSpPr>
+          <p:nvPr>
+            <p:ph type="sldNum" sz="quarter" idx="10"/>
+          </p:nvPr>
+        </p:nvSpPr>
+        <p:spPr/>
+        <p:txBody>
+          <a:bodyPr/>
+          <a:lstStyle/>
+          <a:p>
+            <a:fld id="{5667F26F-CF4B-4075-A0DF-7E3987368146}" type="slidenum">
+              <a:rPr lang="fr-CH" smtClean="0"/>
+              <a:t>23</a:t>
+            </a:fld>
+            <a:endParaRPr lang="fr-CH"/>
+          </a:p>
+        </p:txBody>
+      </p:sp>
+    </p:spTree>
+    <p:extLst>
+      <p:ext uri="{BB962C8B-B14F-4D97-AF65-F5344CB8AC3E}">
+        <p14:creationId xmlns:p14="http://schemas.microsoft.com/office/powerpoint/2010/main" val="2255287392"/>
+      </p:ext>
+    </p:extLst>
+  </p:cSld>
+  <p:clrMapOvr>
+    <a:masterClrMapping/>
+  </p:clrMapOvr>
+</p:notes>
+</file>
+
+<file path=ppt/notesSlides/notesSlide24.xml><?xml version="1.0" encoding="utf-8"?>
+<p:notes xmlns:a="http://schemas.openxmlformats.org/drawingml/2006/main" xmlns:r="http://schemas.openxmlformats.org/officeDocument/2006/relationships" xmlns:p="http://schemas.openxmlformats.org/presentationml/2006/main">
+  <p:cSld>
+    <p:spTree>
+      <p:nvGrpSpPr>
+        <p:cNvPr id="1" name=""/>
+        <p:cNvGrpSpPr/>
+        <p:nvPr/>
+      </p:nvGrpSpPr>
+      <p:grpSpPr>
+        <a:xfrm>
+          <a:off x="0" y="0"/>
+          <a:ext cx="0" cy="0"/>
+          <a:chOff x="0" y="0"/>
+          <a:chExt cx="0" cy="0"/>
+        </a:xfrm>
+      </p:grpSpPr>
+      <p:sp>
+        <p:nvSpPr>
+          <p:cNvPr id="2" name="Slide Image Placeholder 1"/>
+          <p:cNvSpPr>
+            <a:spLocks noGrp="1" noRot="1" noChangeAspect="1"/>
+          </p:cNvSpPr>
+          <p:nvPr>
+            <p:ph type="sldImg"/>
+          </p:nvPr>
+        </p:nvSpPr>
+        <p:spPr/>
+      </p:sp>
+      <p:sp>
+        <p:nvSpPr>
+          <p:cNvPr id="3" name="Notes Placeholder 2"/>
+          <p:cNvSpPr>
+            <a:spLocks noGrp="1"/>
+          </p:cNvSpPr>
+          <p:nvPr>
+            <p:ph type="body" idx="1"/>
+          </p:nvPr>
+        </p:nvSpPr>
+        <p:spPr/>
+        <p:txBody>
+          <a:bodyPr/>
+          <a:lstStyle/>
+          <a:p>
+            <a:endParaRPr lang="fr-CH"/>
+          </a:p>
+        </p:txBody>
+      </p:sp>
+      <p:sp>
+        <p:nvSpPr>
+          <p:cNvPr id="4" name="Slide Number Placeholder 3"/>
+          <p:cNvSpPr>
+            <a:spLocks noGrp="1"/>
+          </p:cNvSpPr>
+          <p:nvPr>
+            <p:ph type="sldNum" sz="quarter" idx="10"/>
+          </p:nvPr>
+        </p:nvSpPr>
+        <p:spPr/>
+        <p:txBody>
+          <a:bodyPr/>
+          <a:lstStyle/>
+          <a:p>
+            <a:fld id="{5667F26F-CF4B-4075-A0DF-7E3987368146}" type="slidenum">
+              <a:rPr lang="fr-CH" smtClean="0"/>
+              <a:t>24</a:t>
+            </a:fld>
+            <a:endParaRPr lang="fr-CH"/>
+          </a:p>
+        </p:txBody>
+      </p:sp>
+    </p:spTree>
+    <p:extLst>
+      <p:ext uri="{BB962C8B-B14F-4D97-AF65-F5344CB8AC3E}">
+        <p14:creationId xmlns:p14="http://schemas.microsoft.com/office/powerpoint/2010/main" val="1074039224"/>
       </p:ext>
     </p:extLst>
   </p:cSld>
@@ -759,83 +2667,50 @@
           <a:p>
             <a:r>
               <a:rPr lang="en-US" dirty="0" smtClean="0"/>
-              <a:t>Client : </a:t>
-            </a:r>
+              <a:t>Buts:</a:t>
+            </a:r>
+          </a:p>
+          <a:p>
+            <a:endParaRPr lang="en-US" dirty="0" smtClean="0"/>
+          </a:p>
+          <a:p>
             <a:r>
               <a:rPr lang="en-US" dirty="0" err="1" smtClean="0"/>
-              <a:t>partagés</a:t>
-            </a:r>
-            <a:r>
-              <a:rPr lang="en-US" baseline="0" dirty="0" smtClean="0"/>
-              <a:t> car </a:t>
-            </a:r>
-            <a:r>
-              <a:rPr lang="en-US" baseline="0" dirty="0" err="1" smtClean="0"/>
+              <a:t>Mettre</a:t>
+            </a:r>
+            <a:r>
+              <a:rPr lang="en-US" dirty="0" smtClean="0"/>
+              <a:t> </a:t>
+            </a:r>
+            <a:r>
+              <a:rPr lang="en-US" dirty="0" err="1" smtClean="0"/>
+              <a:t>en</a:t>
+            </a:r>
+            <a:r>
+              <a:rPr lang="en-US" dirty="0" smtClean="0"/>
+              <a:t> place </a:t>
+            </a:r>
+            <a:r>
+              <a:rPr lang="en-US" dirty="0" err="1" smtClean="0"/>
+              <a:t>une</a:t>
+            </a:r>
+            <a:r>
+              <a:rPr lang="en-US" dirty="0" smtClean="0"/>
+              <a:t> app WEB </a:t>
+            </a:r>
+          </a:p>
+          <a:p>
+            <a:r>
+              <a:rPr lang="en-US" dirty="0" err="1" smtClean="0"/>
+              <a:t>Ergonomie</a:t>
+            </a:r>
+            <a:r>
+              <a:rPr lang="en-US" dirty="0" smtClean="0"/>
+              <a:t> de </a:t>
+            </a:r>
+            <a:r>
+              <a:rPr lang="en-US" dirty="0" err="1" smtClean="0"/>
               <a:t>l’application</a:t>
-            </a:r>
-            <a:r>
-              <a:rPr lang="en-US" baseline="0" dirty="0" smtClean="0"/>
-              <a:t> </a:t>
-            </a:r>
-            <a:r>
-              <a:rPr lang="en-US" baseline="0" dirty="0" err="1" smtClean="0"/>
-              <a:t>répondait</a:t>
-            </a:r>
-            <a:r>
-              <a:rPr lang="en-US" baseline="0" dirty="0" smtClean="0"/>
-              <a:t> à des </a:t>
-            </a:r>
-            <a:r>
-              <a:rPr lang="en-US" baseline="0" dirty="0" err="1" smtClean="0"/>
-              <a:t>besoins</a:t>
-            </a:r>
-            <a:r>
-              <a:rPr lang="en-US" baseline="0" dirty="0" smtClean="0"/>
-              <a:t> </a:t>
-            </a:r>
-            <a:r>
-              <a:rPr lang="en-US" baseline="0" dirty="0" err="1" smtClean="0"/>
-              <a:t>personnels</a:t>
-            </a:r>
-            <a:r>
-              <a:rPr lang="en-US" baseline="0" dirty="0" smtClean="0"/>
-              <a:t> </a:t>
-            </a:r>
-            <a:r>
-              <a:rPr lang="en-US" baseline="0" dirty="0" err="1" smtClean="0"/>
-              <a:t>mais</a:t>
-            </a:r>
-            <a:r>
-              <a:rPr lang="en-US" baseline="0" dirty="0" smtClean="0"/>
-              <a:t> Stefano </a:t>
-            </a:r>
-            <a:r>
-              <a:rPr lang="en-US" baseline="0" dirty="0" err="1" smtClean="0"/>
-              <a:t>intervenait</a:t>
-            </a:r>
-            <a:r>
-              <a:rPr lang="en-US" baseline="0" dirty="0" smtClean="0"/>
-              <a:t> pour me proposer et me faire des </a:t>
-            </a:r>
-            <a:r>
-              <a:rPr lang="en-US" baseline="0" dirty="0" err="1" smtClean="0"/>
-              <a:t>demandes</a:t>
-            </a:r>
-            <a:r>
-              <a:rPr lang="en-US" baseline="0" dirty="0" smtClean="0"/>
-              <a:t> au </a:t>
-            </a:r>
-            <a:r>
-              <a:rPr lang="en-US" baseline="0" dirty="0" err="1" smtClean="0"/>
-              <a:t>niveau</a:t>
-            </a:r>
-            <a:r>
-              <a:rPr lang="en-US" baseline="0" dirty="0" smtClean="0"/>
-              <a:t> de </a:t>
-            </a:r>
-            <a:r>
-              <a:rPr lang="en-US" baseline="0" dirty="0" err="1" smtClean="0"/>
-              <a:t>l’interface</a:t>
             </a:r>
             <a:endParaRPr lang="fr-CH" dirty="0"/>
           </a:p>
@@ -858,7 +2733,7 @@
           <a:p>
             <a:fld id="{5667F26F-CF4B-4075-A0DF-7E3987368146}" type="slidenum">
               <a:rPr lang="fr-CH" smtClean="0"/>
-              <a:t>4</a:t>
+              <a:t>3</a:t>
             </a:fld>
             <a:endParaRPr lang="fr-CH"/>
           </a:p>
@@ -867,7 +2742,7 @@
     </p:spTree>
     <p:extLst>
       <p:ext uri="{BB962C8B-B14F-4D97-AF65-F5344CB8AC3E}">
-        <p14:creationId xmlns:p14="http://schemas.microsoft.com/office/powerpoint/2010/main" val="401256016"/>
+        <p14:creationId xmlns:p14="http://schemas.microsoft.com/office/powerpoint/2010/main" val="37785742"/>
       </p:ext>
     </p:extLst>
   </p:cSld>
@@ -923,168 +2798,85 @@
           <a:p>
             <a:r>
               <a:rPr lang="en-US" dirty="0" smtClean="0"/>
-              <a:t>Flux </a:t>
-            </a:r>
-            <a:r>
-              <a:rPr lang="en-US" dirty="0" smtClean="0">
-                <a:sym typeface="Wingdings" panose="05000000000000000000" pitchFamily="2" charset="2"/>
-              </a:rPr>
-              <a:t> React</a:t>
-            </a:r>
-          </a:p>
-          <a:p>
-            <a:r>
-              <a:rPr lang="en-US" dirty="0" smtClean="0">
-                <a:sym typeface="Wingdings" panose="05000000000000000000" pitchFamily="2" charset="2"/>
-              </a:rPr>
-              <a:t>VueX </a:t>
-            </a:r>
-            <a:r>
-              <a:rPr lang="en-US" dirty="0" err="1" smtClean="0">
-                <a:sym typeface="Wingdings" panose="05000000000000000000" pitchFamily="2" charset="2"/>
-              </a:rPr>
-              <a:t>permet</a:t>
-            </a:r>
-            <a:r>
-              <a:rPr lang="en-US" dirty="0" smtClean="0">
-                <a:sym typeface="Wingdings" panose="05000000000000000000" pitchFamily="2" charset="2"/>
-              </a:rPr>
+              <a:t>Client : </a:t>
+            </a:r>
+            <a:r>
+              <a:rPr lang="en-US" dirty="0" err="1" smtClean="0"/>
+              <a:t>partagés</a:t>
+            </a:r>
+            <a:r>
+              <a:rPr lang="en-US" baseline="0" dirty="0" smtClean="0"/>
+              <a:t> car </a:t>
+            </a:r>
+            <a:r>
+              <a:rPr lang="en-US" baseline="0" dirty="0" err="1" smtClean="0"/>
+              <a:t>l’application</a:t>
+            </a:r>
+            <a:r>
+              <a:rPr lang="en-US" baseline="0" dirty="0" smtClean="0"/>
+              <a:t> </a:t>
+            </a:r>
+            <a:r>
+              <a:rPr lang="en-US" baseline="0" dirty="0" err="1" smtClean="0"/>
+              <a:t>répondait</a:t>
+            </a:r>
+            <a:r>
+              <a:rPr lang="en-US" baseline="0" dirty="0" smtClean="0"/>
+              <a:t> à des </a:t>
+            </a:r>
+            <a:r>
+              <a:rPr lang="en-US" baseline="0" dirty="0" err="1" smtClean="0"/>
+              <a:t>besoins</a:t>
+            </a:r>
+            <a:r>
+              <a:rPr lang="en-US" baseline="0" dirty="0" smtClean="0"/>
+              <a:t> </a:t>
+            </a:r>
+            <a:r>
+              <a:rPr lang="en-US" baseline="0" dirty="0" err="1" smtClean="0"/>
+              <a:t>personnels</a:t>
+            </a:r>
+            <a:r>
+              <a:rPr lang="en-US" baseline="0" dirty="0" smtClean="0"/>
+              <a:t> </a:t>
+            </a:r>
+            <a:r>
+              <a:rPr lang="en-US" baseline="0" dirty="0" err="1" smtClean="0"/>
+              <a:t>mais</a:t>
+            </a:r>
+            <a:r>
+              <a:rPr lang="en-US" baseline="0" dirty="0" smtClean="0"/>
+              <a:t> Stefano </a:t>
+            </a:r>
+            <a:r>
+              <a:rPr lang="en-US" baseline="0" dirty="0" err="1" smtClean="0"/>
+              <a:t>intervenait</a:t>
+            </a:r>
+            <a:r>
+              <a:rPr lang="en-US" baseline="0" dirty="0" smtClean="0"/>
+              <a:t> pour me proposer et me faire des </a:t>
+            </a:r>
+            <a:r>
+              <a:rPr lang="en-US" baseline="0" dirty="0" err="1" smtClean="0"/>
+              <a:t>demandes</a:t>
+            </a:r>
+            <a:r>
+              <a:rPr lang="en-US" baseline="0" dirty="0" smtClean="0"/>
+              <a:t> au </a:t>
+            </a:r>
+            <a:r>
+              <a:rPr lang="en-US" baseline="0" dirty="0" err="1" smtClean="0"/>
+              <a:t>niveau</a:t>
+            </a:r>
+            <a:r>
+              <a:rPr lang="en-US" baseline="0" dirty="0" smtClean="0"/>
               <a:t> de </a:t>
             </a:r>
             <a:r>
-              <a:rPr lang="en-US" dirty="0" err="1" smtClean="0">
-                <a:sym typeface="Wingdings" panose="05000000000000000000" pitchFamily="2" charset="2"/>
-              </a:rPr>
-              <a:t>prioriser</a:t>
-            </a:r>
-            <a:r>
-              <a:rPr lang="en-US" dirty="0" smtClean="0">
-                <a:sym typeface="Wingdings" panose="05000000000000000000" pitchFamily="2" charset="2"/>
-              </a:rPr>
-              <a:t> </a:t>
-            </a:r>
-            <a:r>
-              <a:rPr lang="en-US" dirty="0" err="1" smtClean="0">
-                <a:sym typeface="Wingdings" panose="05000000000000000000" pitchFamily="2" charset="2"/>
-              </a:rPr>
-              <a:t>ou</a:t>
-            </a:r>
-            <a:r>
-              <a:rPr lang="en-US" dirty="0" smtClean="0">
-                <a:sym typeface="Wingdings" panose="05000000000000000000" pitchFamily="2" charset="2"/>
-              </a:rPr>
-              <a:t> stacker les modifications (modification unidirectional)</a:t>
-            </a:r>
-          </a:p>
-          <a:p>
-            <a:endParaRPr lang="en-US" dirty="0" smtClean="0">
-              <a:sym typeface="Wingdings" panose="05000000000000000000" pitchFamily="2" charset="2"/>
-            </a:endParaRPr>
-          </a:p>
-          <a:p>
-            <a:r>
-              <a:rPr lang="en-US" b="1" dirty="0" err="1" smtClean="0">
-                <a:sym typeface="Wingdings" panose="05000000000000000000" pitchFamily="2" charset="2"/>
-              </a:rPr>
-              <a:t>Parler</a:t>
-            </a:r>
-            <a:r>
-              <a:rPr lang="en-US" b="1" dirty="0" smtClean="0">
-                <a:sym typeface="Wingdings" panose="05000000000000000000" pitchFamily="2" charset="2"/>
-              </a:rPr>
-              <a:t> de </a:t>
-            </a:r>
-            <a:r>
-              <a:rPr lang="en-US" b="1" dirty="0" err="1" smtClean="0">
-                <a:sym typeface="Wingdings" panose="05000000000000000000" pitchFamily="2" charset="2"/>
-              </a:rPr>
-              <a:t>l’evolution</a:t>
-            </a:r>
-            <a:r>
-              <a:rPr lang="en-US" b="1" dirty="0" smtClean="0">
-                <a:sym typeface="Wingdings" panose="05000000000000000000" pitchFamily="2" charset="2"/>
-              </a:rPr>
-              <a:t> </a:t>
-            </a:r>
-            <a:r>
-              <a:rPr lang="en-US" b="1" dirty="0" err="1" smtClean="0">
-                <a:sym typeface="Wingdings" panose="05000000000000000000" pitchFamily="2" charset="2"/>
-              </a:rPr>
-              <a:t>faite</a:t>
-            </a:r>
-            <a:r>
-              <a:rPr lang="en-US" b="1" dirty="0" smtClean="0">
-                <a:sym typeface="Wingdings" panose="05000000000000000000" pitchFamily="2" charset="2"/>
-              </a:rPr>
-              <a:t> (</a:t>
-            </a:r>
-            <a:r>
-              <a:rPr lang="en-US" b="1" dirty="0" err="1" smtClean="0">
-                <a:sym typeface="Wingdings" panose="05000000000000000000" pitchFamily="2" charset="2"/>
-              </a:rPr>
-              <a:t>D’abord</a:t>
-            </a:r>
-            <a:r>
-              <a:rPr lang="en-US" b="1" dirty="0" smtClean="0">
-                <a:sym typeface="Wingdings" panose="05000000000000000000" pitchFamily="2" charset="2"/>
-              </a:rPr>
-              <a:t> </a:t>
-            </a:r>
-            <a:r>
-              <a:rPr lang="en-US" b="1" dirty="0" err="1" smtClean="0">
-                <a:sym typeface="Wingdings" panose="05000000000000000000" pitchFamily="2" charset="2"/>
-              </a:rPr>
-              <a:t>requêtes</a:t>
-            </a:r>
-            <a:r>
-              <a:rPr lang="en-US" b="1" baseline="0" dirty="0" smtClean="0">
-                <a:sym typeface="Wingdings" panose="05000000000000000000" pitchFamily="2" charset="2"/>
-              </a:rPr>
-              <a:t> </a:t>
-            </a:r>
-            <a:r>
-              <a:rPr lang="en-US" b="1" baseline="0" dirty="0" err="1" smtClean="0">
-                <a:sym typeface="Wingdings" panose="05000000000000000000" pitchFamily="2" charset="2"/>
-              </a:rPr>
-              <a:t>en</a:t>
-            </a:r>
-            <a:r>
-              <a:rPr lang="en-US" b="1" baseline="0" dirty="0" smtClean="0">
-                <a:sym typeface="Wingdings" panose="05000000000000000000" pitchFamily="2" charset="2"/>
-              </a:rPr>
-              <a:t> </a:t>
-            </a:r>
-            <a:r>
-              <a:rPr lang="en-US" b="1" baseline="0" dirty="0" err="1" smtClean="0">
-                <a:sym typeface="Wingdings" panose="05000000000000000000" pitchFamily="2" charset="2"/>
-              </a:rPr>
-              <a:t>dur</a:t>
-            </a:r>
-            <a:r>
-              <a:rPr lang="en-US" b="1" baseline="0" dirty="0" smtClean="0">
-                <a:sym typeface="Wingdings" panose="05000000000000000000" pitchFamily="2" charset="2"/>
-              </a:rPr>
-              <a:t> </a:t>
-            </a:r>
-            <a:r>
-              <a:rPr lang="en-US" b="1" baseline="0" dirty="0" err="1" smtClean="0">
-                <a:sym typeface="Wingdings" panose="05000000000000000000" pitchFamily="2" charset="2"/>
-              </a:rPr>
-              <a:t>puis</a:t>
-            </a:r>
-            <a:r>
-              <a:rPr lang="en-US" b="1" baseline="0" dirty="0" smtClean="0">
-                <a:sym typeface="Wingdings" panose="05000000000000000000" pitchFamily="2" charset="2"/>
-              </a:rPr>
-              <a:t> utilization VueX</a:t>
-            </a:r>
-            <a:r>
-              <a:rPr lang="en-US" b="1" dirty="0" smtClean="0">
-                <a:sym typeface="Wingdings" panose="05000000000000000000" pitchFamily="2" charset="2"/>
-              </a:rPr>
-              <a:t>)</a:t>
-            </a:r>
-            <a:endParaRPr lang="fr-CH" b="1" dirty="0"/>
+              <a:rPr lang="en-US" baseline="0" dirty="0" err="1" smtClean="0"/>
+              <a:t>l’interface</a:t>
+            </a:r>
+            <a:endParaRPr lang="fr-CH" dirty="0"/>
           </a:p>
         </p:txBody>
       </p:sp>
@@ -1105,7 +2897,7 @@
           <a:p>
             <a:fld id="{5667F26F-CF4B-4075-A0DF-7E3987368146}" type="slidenum">
               <a:rPr lang="fr-CH" smtClean="0"/>
-              <a:t>8</a:t>
+              <a:t>4</a:t>
             </a:fld>
             <a:endParaRPr lang="fr-CH"/>
           </a:p>
@@ -1114,7 +2906,7 @@
     </p:spTree>
     <p:extLst>
       <p:ext uri="{BB962C8B-B14F-4D97-AF65-F5344CB8AC3E}">
-        <p14:creationId xmlns:p14="http://schemas.microsoft.com/office/powerpoint/2010/main" val="1376591109"/>
+        <p14:creationId xmlns:p14="http://schemas.microsoft.com/office/powerpoint/2010/main" val="401256016"/>
       </p:ext>
     </p:extLst>
   </p:cSld>
@@ -1168,7 +2960,7 @@
           <a:bodyPr/>
           <a:lstStyle/>
           <a:p>
-            <a:endParaRPr lang="fr-CH" dirty="0"/>
+            <a:endParaRPr lang="fr-CH"/>
           </a:p>
         </p:txBody>
       </p:sp>
@@ -1189,7 +2981,7 @@
           <a:p>
             <a:fld id="{5667F26F-CF4B-4075-A0DF-7E3987368146}" type="slidenum">
               <a:rPr lang="fr-CH" smtClean="0"/>
-              <a:t>13</a:t>
+              <a:t>5</a:t>
             </a:fld>
             <a:endParaRPr lang="fr-CH"/>
           </a:p>
@@ -1198,7 +2990,7 @@
     </p:spTree>
     <p:extLst>
       <p:ext uri="{BB962C8B-B14F-4D97-AF65-F5344CB8AC3E}">
-        <p14:creationId xmlns:p14="http://schemas.microsoft.com/office/powerpoint/2010/main" val="140894020"/>
+        <p14:creationId xmlns:p14="http://schemas.microsoft.com/office/powerpoint/2010/main" val="1147469857"/>
       </p:ext>
     </p:extLst>
   </p:cSld>
@@ -1252,120 +3044,7 @@
           <a:bodyPr/>
           <a:lstStyle/>
           <a:p>
-            <a:r>
-              <a:rPr lang="en-US" dirty="0" err="1" smtClean="0"/>
-              <a:t>Ajouter</a:t>
-            </a:r>
-            <a:r>
-              <a:rPr lang="en-US" dirty="0" smtClean="0"/>
-              <a:t> </a:t>
-            </a:r>
-            <a:r>
-              <a:rPr lang="en-US" dirty="0" err="1" smtClean="0"/>
-              <a:t>ScreenShot</a:t>
-            </a:r>
-            <a:r>
-              <a:rPr lang="en-US" dirty="0" smtClean="0"/>
-              <a:t> de </a:t>
-            </a:r>
-            <a:r>
-              <a:rPr lang="en-US" dirty="0" err="1" smtClean="0"/>
-              <a:t>l’appli</a:t>
-            </a:r>
-            <a:r>
-              <a:rPr lang="en-US" dirty="0" smtClean="0"/>
-              <a:t> mobile sur le </a:t>
-            </a:r>
-            <a:r>
-              <a:rPr lang="en-US" dirty="0" err="1" smtClean="0"/>
-              <a:t>marché</a:t>
-            </a:r>
-            <a:endParaRPr lang="en-US" dirty="0" smtClean="0"/>
-          </a:p>
-          <a:p>
-            <a:endParaRPr lang="en-US" dirty="0" smtClean="0"/>
-          </a:p>
-          <a:p>
-            <a:r>
-              <a:rPr lang="en-US" dirty="0" smtClean="0"/>
-              <a:t>Transitions pour dynamism</a:t>
-            </a:r>
-          </a:p>
-          <a:p>
-            <a:endParaRPr lang="en-US" dirty="0" smtClean="0"/>
-          </a:p>
-          <a:p>
-            <a:r>
-              <a:rPr lang="en-US" dirty="0" err="1" smtClean="0"/>
-              <a:t>Parler</a:t>
-            </a:r>
-            <a:r>
-              <a:rPr lang="en-US" dirty="0" smtClean="0"/>
-              <a:t> de Material Design et </a:t>
-            </a:r>
-            <a:r>
-              <a:rPr lang="en-US" dirty="0" err="1" smtClean="0"/>
-              <a:t>pourquoi</a:t>
-            </a:r>
-            <a:r>
-              <a:rPr lang="en-US" dirty="0" smtClean="0"/>
-              <a:t> </a:t>
-            </a:r>
-            <a:r>
-              <a:rPr lang="en-US" dirty="0" smtClean="0">
-                <a:sym typeface="Wingdings" panose="05000000000000000000" pitchFamily="2" charset="2"/>
-              </a:rPr>
-              <a:t> De plus </a:t>
-            </a:r>
-            <a:r>
-              <a:rPr lang="en-US" dirty="0" err="1" smtClean="0">
-                <a:sym typeface="Wingdings" panose="05000000000000000000" pitchFamily="2" charset="2"/>
-              </a:rPr>
-              <a:t>en</a:t>
-            </a:r>
-            <a:r>
-              <a:rPr lang="en-US" dirty="0" smtClean="0">
-                <a:sym typeface="Wingdings" panose="05000000000000000000" pitchFamily="2" charset="2"/>
-              </a:rPr>
-              <a:t> plus</a:t>
-            </a:r>
-            <a:r>
-              <a:rPr lang="en-US" baseline="0" dirty="0" smtClean="0">
-                <a:sym typeface="Wingdings" panose="05000000000000000000" pitchFamily="2" charset="2"/>
-              </a:rPr>
-              <a:t> </a:t>
-            </a:r>
-            <a:r>
-              <a:rPr lang="en-US" baseline="0" dirty="0" err="1" smtClean="0">
-                <a:sym typeface="Wingdings" panose="05000000000000000000" pitchFamily="2" charset="2"/>
-              </a:rPr>
-              <a:t>utilisé</a:t>
-            </a:r>
-            <a:r>
-              <a:rPr lang="en-US" baseline="0" dirty="0" smtClean="0">
-                <a:sym typeface="Wingdings" panose="05000000000000000000" pitchFamily="2" charset="2"/>
-              </a:rPr>
-              <a:t> et </a:t>
-            </a:r>
-            <a:r>
-              <a:rPr lang="en-US" baseline="0" dirty="0" err="1" smtClean="0">
-                <a:sym typeface="Wingdings" panose="05000000000000000000" pitchFamily="2" charset="2"/>
-              </a:rPr>
-              <a:t>utilisé</a:t>
-            </a:r>
-            <a:r>
-              <a:rPr lang="en-US" baseline="0" dirty="0" smtClean="0">
-                <a:sym typeface="Wingdings" panose="05000000000000000000" pitchFamily="2" charset="2"/>
-              </a:rPr>
-              <a:t> pour les APP Android relative au mobile first </a:t>
-            </a:r>
-            <a:r>
-              <a:rPr lang="en-US" baseline="0" smtClean="0">
-                <a:sym typeface="Wingdings" panose="05000000000000000000" pitchFamily="2" charset="2"/>
-              </a:rPr>
-              <a:t>demandé</a:t>
-            </a:r>
-            <a:endParaRPr lang="fr-CH" dirty="0"/>
+            <a:endParaRPr lang="fr-CH"/>
           </a:p>
         </p:txBody>
       </p:sp>
@@ -1386,7 +3065,7 @@
           <a:p>
             <a:fld id="{5667F26F-CF4B-4075-A0DF-7E3987368146}" type="slidenum">
               <a:rPr lang="fr-CH" smtClean="0"/>
-              <a:t>18</a:t>
+              <a:t>6</a:t>
             </a:fld>
             <a:endParaRPr lang="fr-CH"/>
           </a:p>
@@ -1395,7 +3074,7 @@
     </p:spTree>
     <p:extLst>
       <p:ext uri="{BB962C8B-B14F-4D97-AF65-F5344CB8AC3E}">
-        <p14:creationId xmlns:p14="http://schemas.microsoft.com/office/powerpoint/2010/main" val="2587370698"/>
+        <p14:creationId xmlns:p14="http://schemas.microsoft.com/office/powerpoint/2010/main" val="1097445696"/>
       </p:ext>
     </p:extLst>
   </p:cSld>
@@ -1449,113 +3128,7 @@
           <a:bodyPr/>
           <a:lstStyle/>
           <a:p>
-            <a:r>
-              <a:rPr lang="en-US" b="1" dirty="0" err="1" smtClean="0"/>
-              <a:t>Lors</a:t>
-            </a:r>
-            <a:r>
-              <a:rPr lang="en-US" b="1" dirty="0" smtClean="0"/>
-              <a:t> de la </a:t>
-            </a:r>
-            <a:r>
-              <a:rPr lang="en-US" b="1" dirty="0" err="1" smtClean="0"/>
-              <a:t>transpilation</a:t>
-            </a:r>
-            <a:r>
-              <a:rPr lang="en-US" b="1" dirty="0" smtClean="0"/>
-              <a:t> de babel (ES6 </a:t>
-            </a:r>
-            <a:r>
-              <a:rPr lang="en-US" b="1" dirty="0" smtClean="0">
-                <a:sym typeface="Wingdings" panose="05000000000000000000" pitchFamily="2" charset="2"/>
-              </a:rPr>
-              <a:t> ES5</a:t>
-            </a:r>
-            <a:r>
-              <a:rPr lang="en-US" b="1" dirty="0" smtClean="0"/>
-              <a:t>) babel </a:t>
-            </a:r>
-            <a:r>
-              <a:rPr lang="en-US" b="1" dirty="0" err="1" smtClean="0"/>
-              <a:t>va</a:t>
-            </a:r>
-            <a:r>
-              <a:rPr lang="en-US" b="1" dirty="0" smtClean="0"/>
-              <a:t> modifier les </a:t>
-            </a:r>
-            <a:r>
-              <a:rPr lang="en-US" b="1" dirty="0" err="1" smtClean="0"/>
-              <a:t>fonctions</a:t>
-            </a:r>
-            <a:r>
-              <a:rPr lang="en-US" b="1" dirty="0" smtClean="0"/>
-              <a:t> non </a:t>
-            </a:r>
-            <a:r>
-              <a:rPr lang="en-US" b="1" dirty="0" err="1" smtClean="0"/>
-              <a:t>supportées</a:t>
-            </a:r>
-            <a:r>
-              <a:rPr lang="en-US" b="1" baseline="0" dirty="0" smtClean="0"/>
-              <a:t> </a:t>
-            </a:r>
-          </a:p>
-          <a:p>
-            <a:r>
-              <a:rPr lang="en-US" b="1" baseline="0" dirty="0" smtClean="0"/>
-              <a:t>de </a:t>
-            </a:r>
-            <a:r>
-              <a:rPr lang="en-US" b="1" baseline="0" dirty="0" err="1" smtClean="0"/>
-              <a:t>certains</a:t>
-            </a:r>
-            <a:r>
-              <a:rPr lang="en-US" b="1" baseline="0" dirty="0" smtClean="0"/>
-              <a:t> </a:t>
-            </a:r>
-            <a:r>
-              <a:rPr lang="en-US" b="1" baseline="0" dirty="0" err="1" smtClean="0"/>
-              <a:t>navigateurs</a:t>
-            </a:r>
-            <a:r>
-              <a:rPr lang="en-US" b="1" baseline="0" dirty="0" smtClean="0"/>
-              <a:t> par des </a:t>
-            </a:r>
-            <a:r>
-              <a:rPr lang="en-US" b="1" baseline="0" dirty="0" err="1" smtClean="0"/>
-              <a:t>fonctions</a:t>
-            </a:r>
-            <a:r>
-              <a:rPr lang="en-US" b="1" baseline="0" dirty="0" smtClean="0"/>
-              <a:t> </a:t>
-            </a:r>
-            <a:r>
-              <a:rPr lang="en-US" b="1" baseline="0" dirty="0" err="1" smtClean="0"/>
-              <a:t>connues</a:t>
-            </a:r>
-            <a:endParaRPr lang="en-US" b="1" baseline="0" dirty="0" smtClean="0"/>
-          </a:p>
-          <a:p>
-            <a:endParaRPr lang="en-US" b="1" baseline="0" dirty="0" smtClean="0"/>
-          </a:p>
-          <a:p>
-            <a:r>
-              <a:rPr lang="en-US" b="1" baseline="0" dirty="0" smtClean="0"/>
-              <a:t>Babel-</a:t>
-            </a:r>
-            <a:r>
-              <a:rPr lang="en-US" b="1" baseline="0" dirty="0" err="1" smtClean="0"/>
-              <a:t>polyfill</a:t>
-            </a:r>
-            <a:r>
-              <a:rPr lang="en-US" b="1" baseline="0" dirty="0" smtClean="0"/>
-              <a:t> : module </a:t>
-            </a:r>
-            <a:r>
-              <a:rPr lang="en-US" b="1" baseline="0" dirty="0" err="1" smtClean="0"/>
-              <a:t>WebPack</a:t>
-            </a:r>
-            <a:endParaRPr lang="fr-CH" b="1" dirty="0"/>
+            <a:endParaRPr lang="fr-CH"/>
           </a:p>
         </p:txBody>
       </p:sp>
@@ -1576,7 +3149,7 @@
           <a:p>
             <a:fld id="{5667F26F-CF4B-4075-A0DF-7E3987368146}" type="slidenum">
               <a:rPr lang="fr-CH" smtClean="0"/>
-              <a:t>20</a:t>
+              <a:t>7</a:t>
             </a:fld>
             <a:endParaRPr lang="fr-CH"/>
           </a:p>
@@ -1585,7 +3158,7 @@
     </p:spTree>
     <p:extLst>
       <p:ext uri="{BB962C8B-B14F-4D97-AF65-F5344CB8AC3E}">
-        <p14:creationId xmlns:p14="http://schemas.microsoft.com/office/powerpoint/2010/main" val="107043888"/>
+        <p14:creationId xmlns:p14="http://schemas.microsoft.com/office/powerpoint/2010/main" val="1782725796"/>
       </p:ext>
     </p:extLst>
   </p:cSld>
@@ -1640,52 +3213,83 @@
           <a:lstStyle/>
           <a:p>
             <a:r>
-              <a:rPr lang="en-US" b="1" dirty="0" smtClean="0"/>
-              <a:t>Signifier </a:t>
-            </a:r>
-            <a:r>
-              <a:rPr lang="en-US" b="1" dirty="0" err="1" smtClean="0"/>
-              <a:t>qu’il</a:t>
-            </a:r>
-            <a:r>
-              <a:rPr lang="en-US" b="1" dirty="0" smtClean="0"/>
-              <a:t> y a déjà des Solutions qui </a:t>
-            </a:r>
-            <a:r>
-              <a:rPr lang="en-US" b="1" dirty="0" err="1" smtClean="0"/>
-              <a:t>ont</a:t>
-            </a:r>
-            <a:r>
-              <a:rPr lang="en-US" b="1" dirty="0" smtClean="0"/>
+              <a:rPr lang="en-US" dirty="0" smtClean="0"/>
+              <a:t>Flux </a:t>
+            </a:r>
+            <a:r>
+              <a:rPr lang="en-US" dirty="0" smtClean="0">
+                <a:sym typeface="Wingdings" panose="05000000000000000000" pitchFamily="2" charset="2"/>
+              </a:rPr>
+              <a:t> React</a:t>
+            </a:r>
+          </a:p>
+          <a:p>
+            <a:r>
+              <a:rPr lang="en-US" dirty="0" smtClean="0">
+                <a:sym typeface="Wingdings" panose="05000000000000000000" pitchFamily="2" charset="2"/>
+              </a:rPr>
+              <a:t>VueX </a:t>
+            </a:r>
+            <a:r>
+              <a:rPr lang="en-US" dirty="0" err="1" smtClean="0">
+                <a:sym typeface="Wingdings" panose="05000000000000000000" pitchFamily="2" charset="2"/>
+              </a:rPr>
+              <a:t>permet</a:t>
+            </a:r>
+            <a:r>
+              <a:rPr lang="en-US" dirty="0" smtClean="0">
+                <a:sym typeface="Wingdings" panose="05000000000000000000" pitchFamily="2" charset="2"/>
+              </a:rPr>
+              <a:t> de </a:t>
+            </a:r>
+            <a:r>
+              <a:rPr lang="en-US" dirty="0" err="1" smtClean="0">
+                <a:sym typeface="Wingdings" panose="05000000000000000000" pitchFamily="2" charset="2"/>
+              </a:rPr>
+              <a:t>prioriser</a:t>
+            </a:r>
+            <a:r>
+              <a:rPr lang="en-US" dirty="0" smtClean="0">
+                <a:sym typeface="Wingdings" panose="05000000000000000000" pitchFamily="2" charset="2"/>
+              </a:rPr>
               <a:t> </a:t>
             </a:r>
             <a:r>
-              <a:rPr lang="en-US" b="1" dirty="0" err="1" smtClean="0"/>
-              <a:t>été</a:t>
-            </a:r>
-            <a:r>
-              <a:rPr lang="en-US" b="1" dirty="0" smtClean="0"/>
-              <a:t> </a:t>
-            </a:r>
-            <a:r>
-              <a:rPr lang="en-US" b="1" dirty="0" err="1" smtClean="0"/>
-              <a:t>appliquées</a:t>
-            </a:r>
-            <a:r>
-              <a:rPr lang="en-US" b="1" dirty="0" smtClean="0"/>
-              <a:t> </a:t>
+              <a:rPr lang="en-US" dirty="0" err="1" smtClean="0">
+                <a:sym typeface="Wingdings" panose="05000000000000000000" pitchFamily="2" charset="2"/>
+              </a:rPr>
+              <a:t>ou</a:t>
+            </a:r>
+            <a:r>
+              <a:rPr lang="en-US" dirty="0" smtClean="0">
+                <a:sym typeface="Wingdings" panose="05000000000000000000" pitchFamily="2" charset="2"/>
+              </a:rPr>
+              <a:t> stacker les modifications (modification unidirectional)</a:t>
+            </a:r>
+          </a:p>
+          <a:p>
+            <a:endParaRPr lang="en-US" dirty="0" smtClean="0">
+              <a:sym typeface="Wingdings" panose="05000000000000000000" pitchFamily="2" charset="2"/>
+            </a:endParaRPr>
+          </a:p>
+          <a:p>
+            <a:r>
+              <a:rPr lang="en-US" b="1" dirty="0" err="1" smtClean="0">
+                <a:sym typeface="Wingdings" panose="05000000000000000000" pitchFamily="2" charset="2"/>
+              </a:rPr>
+              <a:t>Parler</a:t>
             </a:r>
             <a:r>
               <a:rPr lang="en-US" b="1" dirty="0" smtClean="0">
                 <a:sym typeface="Wingdings" panose="05000000000000000000" pitchFamily="2" charset="2"/>
               </a:rPr>
-              <a:t> </a:t>
+              <a:t> de </a:t>
             </a:r>
             <a:r>
               <a:rPr lang="en-US" b="1" dirty="0" err="1" smtClean="0">
                 <a:sym typeface="Wingdings" panose="05000000000000000000" pitchFamily="2" charset="2"/>
               </a:rPr>
-              <a:t>ou</a:t>
+              <a:t>l’evolution</a:t>
             </a:r>
             <a:r>
               <a:rPr lang="en-US" b="1" dirty="0" smtClean="0">
@@ -1697,7 +3301,19 @@
               <a:rPr lang="en-US" b="1" dirty="0" err="1" smtClean="0">
                 <a:sym typeface="Wingdings" panose="05000000000000000000" pitchFamily="2" charset="2"/>
               </a:rPr>
-              <a:t>en</a:t>
+              <a:t>faite</a:t>
+            </a:r>
+            <a:r>
+              <a:rPr lang="en-US" b="1" dirty="0" smtClean="0">
+                <a:sym typeface="Wingdings" panose="05000000000000000000" pitchFamily="2" charset="2"/>
+              </a:rPr>
+              <a:t> (</a:t>
+            </a:r>
+            <a:r>
+              <a:rPr lang="en-US" b="1" dirty="0" err="1" smtClean="0">
+                <a:sym typeface="Wingdings" panose="05000000000000000000" pitchFamily="2" charset="2"/>
+              </a:rPr>
+              <a:t>D’abord</a:t>
             </a:r>
             <a:r>
               <a:rPr lang="en-US" b="1" dirty="0" smtClean="0">
@@ -1709,19 +3325,55 @@
               <a:rPr lang="en-US" b="1" dirty="0" err="1" smtClean="0">
                 <a:sym typeface="Wingdings" panose="05000000000000000000" pitchFamily="2" charset="2"/>
               </a:rPr>
-              <a:t>cours</a:t>
+              <a:t>requêtes</a:t>
+            </a:r>
+            <a:r>
+              <a:rPr lang="en-US" b="1" baseline="0" dirty="0" smtClean="0">
+                <a:sym typeface="Wingdings" panose="05000000000000000000" pitchFamily="2" charset="2"/>
+              </a:rPr>
+              <a:t> </a:t>
+            </a:r>
+            <a:r>
+              <a:rPr lang="en-US" b="1" baseline="0" dirty="0" err="1" smtClean="0">
+                <a:sym typeface="Wingdings" panose="05000000000000000000" pitchFamily="2" charset="2"/>
+              </a:rPr>
+              <a:t>en</a:t>
+            </a:r>
+            <a:r>
+              <a:rPr lang="en-US" b="1" baseline="0" dirty="0" smtClean="0">
+                <a:sym typeface="Wingdings" panose="05000000000000000000" pitchFamily="2" charset="2"/>
+              </a:rPr>
+              <a:t> </a:t>
+            </a:r>
+            <a:r>
+              <a:rPr lang="en-US" b="1" baseline="0" dirty="0" err="1" smtClean="0">
+                <a:sym typeface="Wingdings" panose="05000000000000000000" pitchFamily="2" charset="2"/>
+              </a:rPr>
+              <a:t>dur</a:t>
+            </a:r>
+            <a:r>
+              <a:rPr lang="en-US" b="1" baseline="0" dirty="0" smtClean="0">
+                <a:sym typeface="Wingdings" panose="05000000000000000000" pitchFamily="2" charset="2"/>
+              </a:rPr>
+              <a:t> </a:t>
+            </a:r>
+            <a:r>
+              <a:rPr lang="en-US" b="1" baseline="0" dirty="0" err="1" smtClean="0">
+                <a:sym typeface="Wingdings" panose="05000000000000000000" pitchFamily="2" charset="2"/>
+              </a:rPr>
+              <a:t>puis</a:t>
+            </a:r>
+            <a:r>
+              <a:rPr lang="en-US" b="1" baseline="0" dirty="0" smtClean="0">
+                <a:sym typeface="Wingdings" panose="05000000000000000000" pitchFamily="2" charset="2"/>
+              </a:rPr>
+              <a:t> utilization VueX</a:t>
             </a:r>
             <a:r>
               <a:rPr lang="en-US" b="1" dirty="0" smtClean="0">
                 <a:sym typeface="Wingdings" panose="05000000000000000000" pitchFamily="2" charset="2"/>
               </a:rPr>
-              <a:t> </a:t>
-            </a:r>
-            <a:r>
-              <a:rPr lang="en-US" b="1" dirty="0" err="1" smtClean="0">
-                <a:sym typeface="Wingdings" panose="05000000000000000000" pitchFamily="2" charset="2"/>
-              </a:rPr>
-              <a:t>d’application</a:t>
+              <a:t>)</a:t>
             </a:r>
             <a:endParaRPr lang="fr-CH" b="1" dirty="0"/>
           </a:p>
@@ -1744,7 +3396,7 @@
           <a:p>
             <a:fld id="{5667F26F-CF4B-4075-A0DF-7E3987368146}" type="slidenum">
               <a:rPr lang="fr-CH" smtClean="0"/>
-              <a:t>21</a:t>
+              <a:t>8</a:t>
             </a:fld>
             <a:endParaRPr lang="fr-CH"/>
           </a:p>
@@ -1753,7 +3405,166 @@
     </p:spTree>
     <p:extLst>
       <p:ext uri="{BB962C8B-B14F-4D97-AF65-F5344CB8AC3E}">
-        <p14:creationId xmlns:p14="http://schemas.microsoft.com/office/powerpoint/2010/main" val="1581906897"/>
+        <p14:creationId xmlns:p14="http://schemas.microsoft.com/office/powerpoint/2010/main" val="1376591109"/>
+      </p:ext>
+    </p:extLst>
+  </p:cSld>
+  <p:clrMapOvr>
+    <a:masterClrMapping/>
+  </p:clrMapOvr>
+</p:notes>
+</file>
+
+<file path=ppt/notesSlides/notesSlide9.xml><?xml version="1.0" encoding="utf-8"?>
+<p:notes xmlns:a="http://schemas.openxmlformats.org/drawingml/2006/main" xmlns:r="http://schemas.openxmlformats.org/officeDocument/2006/relationships" xmlns:p="http://schemas.openxmlformats.org/presentationml/2006/main">
+  <p:cSld>
+    <p:spTree>
+      <p:nvGrpSpPr>
+        <p:cNvPr id="1" name=""/>
+        <p:cNvGrpSpPr/>
+        <p:nvPr/>
+      </p:nvGrpSpPr>
+      <p:grpSpPr>
+        <a:xfrm>
+          <a:off x="0" y="0"/>
+          <a:ext cx="0" cy="0"/>
+          <a:chOff x="0" y="0"/>
+          <a:chExt cx="0" cy="0"/>
+        </a:xfrm>
+      </p:grpSpPr>
+      <p:sp>
+        <p:nvSpPr>
+          <p:cNvPr id="2" name="Slide Image Placeholder 1"/>
+          <p:cNvSpPr>
+            <a:spLocks noGrp="1" noRot="1" noChangeAspect="1"/>
+          </p:cNvSpPr>
+          <p:nvPr>
+            <p:ph type="sldImg"/>
+          </p:nvPr>
+        </p:nvSpPr>
+        <p:spPr/>
+      </p:sp>
+      <p:sp>
+        <p:nvSpPr>
+          <p:cNvPr id="3" name="Notes Placeholder 2"/>
+          <p:cNvSpPr>
+            <a:spLocks noGrp="1"/>
+          </p:cNvSpPr>
+          <p:nvPr>
+            <p:ph type="body" idx="1"/>
+          </p:nvPr>
+        </p:nvSpPr>
+        <p:spPr/>
+        <p:txBody>
+          <a:bodyPr/>
+          <a:lstStyle/>
+          <a:p>
+            <a:r>
+              <a:rPr lang="en-US" dirty="0" err="1" smtClean="0"/>
+              <a:t>Fichier</a:t>
+            </a:r>
+            <a:r>
+              <a:rPr lang="en-US" dirty="0" smtClean="0"/>
+              <a:t> </a:t>
+            </a:r>
+            <a:r>
+              <a:rPr lang="en-US" dirty="0" err="1" smtClean="0"/>
+              <a:t>démarré</a:t>
+            </a:r>
+            <a:r>
+              <a:rPr lang="en-US" dirty="0" smtClean="0"/>
+              <a:t> pour </a:t>
+            </a:r>
+            <a:r>
+              <a:rPr lang="en-US" dirty="0" err="1" smtClean="0"/>
+              <a:t>écouter</a:t>
+            </a:r>
+            <a:r>
+              <a:rPr lang="en-US" dirty="0" smtClean="0"/>
+              <a:t> “Starter le </a:t>
+            </a:r>
+            <a:r>
+              <a:rPr lang="en-US" dirty="0" err="1" smtClean="0"/>
+              <a:t>serveur</a:t>
+            </a:r>
+            <a:r>
+              <a:rPr lang="en-US" dirty="0" smtClean="0"/>
+              <a:t>” 2 parties </a:t>
+            </a:r>
+            <a:r>
+              <a:rPr lang="en-US" dirty="0" err="1" smtClean="0"/>
+              <a:t>importantes</a:t>
+            </a:r>
+            <a:r>
+              <a:rPr lang="en-US" baseline="0" dirty="0" smtClean="0"/>
+              <a:t> du server </a:t>
+            </a:r>
+            <a:r>
+              <a:rPr lang="en-US" baseline="0" dirty="0" err="1" smtClean="0"/>
+              <a:t>dynamique</a:t>
+            </a:r>
+            <a:r>
+              <a:rPr lang="en-US" baseline="0" dirty="0" smtClean="0"/>
+              <a:t> et static</a:t>
+            </a:r>
+          </a:p>
+          <a:p>
+            <a:endParaRPr lang="en-US" baseline="0" dirty="0" smtClean="0"/>
+          </a:p>
+          <a:p>
+            <a:r>
+              <a:rPr lang="en-US" baseline="0" dirty="0" smtClean="0"/>
+              <a:t>Dire Client </a:t>
+            </a:r>
+            <a:r>
+              <a:rPr lang="en-US" baseline="0" dirty="0" smtClean="0">
+                <a:sym typeface="Wingdings" panose="05000000000000000000" pitchFamily="2" charset="2"/>
+              </a:rPr>
+              <a:t> </a:t>
+            </a:r>
+            <a:r>
+              <a:rPr lang="en-US" baseline="0" dirty="0" err="1" smtClean="0">
+                <a:sym typeface="Wingdings" panose="05000000000000000000" pitchFamily="2" charset="2"/>
+              </a:rPr>
+              <a:t>Vue</a:t>
+            </a:r>
+            <a:r>
+              <a:rPr lang="en-US" baseline="0" dirty="0" smtClean="0">
+                <a:sym typeface="Wingdings" panose="05000000000000000000" pitchFamily="2" charset="2"/>
+              </a:rPr>
+              <a:t> SPA</a:t>
+            </a:r>
+            <a:endParaRPr lang="fr-CH" dirty="0"/>
+          </a:p>
+        </p:txBody>
+      </p:sp>
+      <p:sp>
+        <p:nvSpPr>
+          <p:cNvPr id="4" name="Slide Number Placeholder 3"/>
+          <p:cNvSpPr>
+            <a:spLocks noGrp="1"/>
+          </p:cNvSpPr>
+          <p:nvPr>
+            <p:ph type="sldNum" sz="quarter" idx="10"/>
+          </p:nvPr>
+        </p:nvSpPr>
+        <p:spPr/>
+        <p:txBody>
+          <a:bodyPr/>
+          <a:lstStyle/>
+          <a:p>
+            <a:fld id="{5667F26F-CF4B-4075-A0DF-7E3987368146}" type="slidenum">
+              <a:rPr lang="fr-CH" smtClean="0"/>
+              <a:t>9</a:t>
+            </a:fld>
+            <a:endParaRPr lang="fr-CH"/>
+          </a:p>
+        </p:txBody>
+      </p:sp>
+    </p:spTree>
+    <p:extLst>
+      <p:ext uri="{BB962C8B-B14F-4D97-AF65-F5344CB8AC3E}">
+        <p14:creationId xmlns:p14="http://schemas.microsoft.com/office/powerpoint/2010/main" val="3624543904"/>
       </p:ext>
     </p:extLst>
   </p:cSld>
@@ -1949,7 +3760,7 @@
           <a:p>
             <a:fld id="{48A87A34-81AB-432B-8DAE-1953F412C126}" type="datetimeFigureOut">
               <a:rPr lang="en-US" smtClean="0"/>
-              <a:t>4/27/2017</a:t>
+              <a:t>4/28/2017</a:t>
             </a:fld>
             <a:endParaRPr lang="en-US" dirty="0"/>
           </a:p>
@@ -2225,7 +4036,7 @@
             <a:fld id="{48A87A34-81AB-432B-8DAE-1953F412C126}" type="datetimeFigureOut">
               <a:rPr lang="en-US" smtClean="0"/>
               <a:pPr/>
-              <a:t>4/27/2017</a:t>
+              <a:t>4/28/2017</a:t>
             </a:fld>
             <a:endParaRPr lang="en-US" dirty="0"/>
           </a:p>
@@ -2421,7 +4232,7 @@
             <a:fld id="{48A87A34-81AB-432B-8DAE-1953F412C126}" type="datetimeFigureOut">
               <a:rPr lang="en-US" smtClean="0"/>
               <a:pPr/>
-              <a:t>4/27/2017</a:t>
+              <a:t>4/28/2017</a:t>
             </a:fld>
             <a:endParaRPr lang="en-US" dirty="0"/>
           </a:p>
@@ -2696,7 +4507,7 @@
             <a:fld id="{48A87A34-81AB-432B-8DAE-1953F412C126}" type="datetimeFigureOut">
               <a:rPr lang="en-US" smtClean="0"/>
               <a:pPr/>
-              <a:t>4/27/2017</a:t>
+              <a:t>4/28/2017</a:t>
             </a:fld>
             <a:endParaRPr lang="en-US" dirty="0"/>
           </a:p>
@@ -3039,7 +4850,7 @@
             <a:fld id="{48A87A34-81AB-432B-8DAE-1953F412C126}" type="datetimeFigureOut">
               <a:rPr lang="en-US" smtClean="0"/>
               <a:pPr/>
-              <a:t>4/27/2017</a:t>
+              <a:t>4/28/2017</a:t>
             </a:fld>
             <a:endParaRPr lang="en-US" dirty="0"/>
           </a:p>
@@ -3664,7 +5475,7 @@
             <a:fld id="{48A87A34-81AB-432B-8DAE-1953F412C126}" type="datetimeFigureOut">
               <a:rPr lang="en-US" smtClean="0"/>
               <a:pPr/>
-              <a:t>4/27/2017</a:t>
+              <a:t>4/28/2017</a:t>
             </a:fld>
             <a:endParaRPr lang="en-US" dirty="0"/>
           </a:p>
@@ -4526,7 +6337,7 @@
             <a:fld id="{48A87A34-81AB-432B-8DAE-1953F412C126}" type="datetimeFigureOut">
               <a:rPr lang="en-US" smtClean="0"/>
               <a:pPr/>
-              <a:t>4/27/2017</a:t>
+              <a:t>4/28/2017</a:t>
             </a:fld>
             <a:endParaRPr lang="en-US" dirty="0"/>
           </a:p>
@@ -4697,7 +6508,7 @@
           <a:p>
             <a:fld id="{48A87A34-81AB-432B-8DAE-1953F412C126}" type="datetimeFigureOut">
               <a:rPr lang="en-US" smtClean="0"/>
-              <a:t>4/27/2017</a:t>
+              <a:t>4/28/2017</a:t>
             </a:fld>
             <a:endParaRPr lang="en-US" dirty="0"/>
           </a:p>
@@ -4877,7 +6688,7 @@
           <a:p>
             <a:fld id="{48A87A34-81AB-432B-8DAE-1953F412C126}" type="datetimeFigureOut">
               <a:rPr lang="en-US" smtClean="0"/>
-              <a:t>4/27/2017</a:t>
+              <a:t>4/28/2017</a:t>
             </a:fld>
             <a:endParaRPr lang="en-US" dirty="0"/>
           </a:p>
@@ -5047,7 +6858,7 @@
           <a:p>
             <a:fld id="{48A87A34-81AB-432B-8DAE-1953F412C126}" type="datetimeFigureOut">
               <a:rPr lang="en-US" smtClean="0"/>
-              <a:t>4/27/2017</a:t>
+              <a:t>4/28/2017</a:t>
             </a:fld>
             <a:endParaRPr lang="en-US" dirty="0"/>
           </a:p>
@@ -5294,7 +7105,7 @@
           <a:p>
             <a:fld id="{48A87A34-81AB-432B-8DAE-1953F412C126}" type="datetimeFigureOut">
               <a:rPr lang="en-US" smtClean="0"/>
-              <a:t>4/27/2017</a:t>
+              <a:t>4/28/2017</a:t>
             </a:fld>
             <a:endParaRPr lang="en-US" dirty="0"/>
           </a:p>
@@ -5586,7 +7397,7 @@
           <a:p>
             <a:fld id="{48A87A34-81AB-432B-8DAE-1953F412C126}" type="datetimeFigureOut">
               <a:rPr lang="en-US" smtClean="0"/>
-              <a:t>4/27/2017</a:t>
+              <a:t>4/28/2017</a:t>
             </a:fld>
             <a:endParaRPr lang="en-US" dirty="0"/>
           </a:p>
@@ -6030,7 +7841,7 @@
           <a:p>
             <a:fld id="{48A87A34-81AB-432B-8DAE-1953F412C126}" type="datetimeFigureOut">
               <a:rPr lang="en-US" smtClean="0"/>
-              <a:t>4/27/2017</a:t>
+              <a:t>4/28/2017</a:t>
             </a:fld>
             <a:endParaRPr lang="en-US" dirty="0"/>
           </a:p>
@@ -6148,7 +7959,7 @@
           <a:p>
             <a:fld id="{48A87A34-81AB-432B-8DAE-1953F412C126}" type="datetimeFigureOut">
               <a:rPr lang="en-US" smtClean="0"/>
-              <a:t>4/27/2017</a:t>
+              <a:t>4/28/2017</a:t>
             </a:fld>
             <a:endParaRPr lang="en-US" dirty="0"/>
           </a:p>
@@ -6243,7 +8054,7 @@
           <a:p>
             <a:fld id="{48A87A34-81AB-432B-8DAE-1953F412C126}" type="datetimeFigureOut">
               <a:rPr lang="en-US" smtClean="0"/>
-              <a:t>4/27/2017</a:t>
+              <a:t>4/28/2017</a:t>
             </a:fld>
             <a:endParaRPr lang="en-US" dirty="0"/>
           </a:p>
@@ -6522,7 +8333,7 @@
           <a:p>
             <a:fld id="{48A87A34-81AB-432B-8DAE-1953F412C126}" type="datetimeFigureOut">
               <a:rPr lang="en-US" smtClean="0"/>
-              <a:t>4/27/2017</a:t>
+              <a:t>4/28/2017</a:t>
             </a:fld>
             <a:endParaRPr lang="en-US" dirty="0"/>
           </a:p>
@@ -6797,7 +8608,7 @@
           <a:p>
             <a:fld id="{48A87A34-81AB-432B-8DAE-1953F412C126}" type="datetimeFigureOut">
               <a:rPr lang="en-US" smtClean="0"/>
-              <a:t>4/27/2017</a:t>
+              <a:t>4/28/2017</a:t>
             </a:fld>
             <a:endParaRPr lang="en-US" dirty="0"/>
           </a:p>
@@ -7227,7 +9038,7 @@
             <a:fld id="{48A87A34-81AB-432B-8DAE-1953F412C126}" type="datetimeFigureOut">
               <a:rPr lang="en-US" smtClean="0"/>
               <a:pPr/>
-              <a:t>4/27/2017</a:t>
+              <a:t>4/28/2017</a:t>
             </a:fld>
             <a:endParaRPr lang="en-US" dirty="0"/>
           </a:p>
@@ -8153,6 +9964,201 @@
           </a:p>
         </p:txBody>
       </p:sp>
+      <p:cxnSp>
+        <p:nvCxnSpPr>
+          <p:cNvPr id="13" name="Straight Arrow Connector 12"/>
+          <p:cNvCxnSpPr/>
+          <p:nvPr/>
+        </p:nvCxnSpPr>
+        <p:spPr>
+          <a:xfrm flipV="1">
+            <a:off x="350952" y="4020437"/>
+            <a:ext cx="1128585" cy="1021492"/>
+          </a:xfrm>
+          <a:prstGeom prst="straightConnector1">
+            <a:avLst/>
+          </a:prstGeom>
+          <a:ln>
+            <a:tailEnd type="triangle"/>
+          </a:ln>
+        </p:spPr>
+        <p:style>
+          <a:lnRef idx="1">
+            <a:schemeClr val="accent1"/>
+          </a:lnRef>
+          <a:fillRef idx="0">
+            <a:schemeClr val="accent1"/>
+          </a:fillRef>
+          <a:effectRef idx="0">
+            <a:schemeClr val="accent1"/>
+          </a:effectRef>
+          <a:fontRef idx="minor">
+            <a:schemeClr val="tx1"/>
+          </a:fontRef>
+        </p:style>
+      </p:cxnSp>
+      <p:cxnSp>
+        <p:nvCxnSpPr>
+          <p:cNvPr id="14" name="Straight Arrow Connector 13"/>
+          <p:cNvCxnSpPr/>
+          <p:nvPr/>
+        </p:nvCxnSpPr>
+        <p:spPr>
+          <a:xfrm flipV="1">
+            <a:off x="1112232" y="4201670"/>
+            <a:ext cx="535783" cy="840259"/>
+          </a:xfrm>
+          <a:prstGeom prst="straightConnector1">
+            <a:avLst/>
+          </a:prstGeom>
+          <a:ln>
+            <a:tailEnd type="triangle"/>
+          </a:ln>
+        </p:spPr>
+        <p:style>
+          <a:lnRef idx="1">
+            <a:schemeClr val="accent1"/>
+          </a:lnRef>
+          <a:fillRef idx="0">
+            <a:schemeClr val="accent1"/>
+          </a:fillRef>
+          <a:effectRef idx="0">
+            <a:schemeClr val="accent1"/>
+          </a:effectRef>
+          <a:fontRef idx="minor">
+            <a:schemeClr val="tx1"/>
+          </a:fontRef>
+        </p:style>
+      </p:cxnSp>
+      <p:cxnSp>
+        <p:nvCxnSpPr>
+          <p:cNvPr id="15" name="Straight Arrow Connector 14"/>
+          <p:cNvCxnSpPr/>
+          <p:nvPr/>
+        </p:nvCxnSpPr>
+        <p:spPr>
+          <a:xfrm flipH="1" flipV="1">
+            <a:off x="1989384" y="4201670"/>
+            <a:ext cx="17502" cy="928761"/>
+          </a:xfrm>
+          <a:prstGeom prst="straightConnector1">
+            <a:avLst/>
+          </a:prstGeom>
+          <a:ln>
+            <a:tailEnd type="triangle"/>
+          </a:ln>
+        </p:spPr>
+        <p:style>
+          <a:lnRef idx="1">
+            <a:schemeClr val="accent1"/>
+          </a:lnRef>
+          <a:fillRef idx="0">
+            <a:schemeClr val="accent1"/>
+          </a:fillRef>
+          <a:effectRef idx="0">
+            <a:schemeClr val="accent1"/>
+          </a:effectRef>
+          <a:fontRef idx="minor">
+            <a:schemeClr val="tx1"/>
+          </a:fontRef>
+        </p:style>
+      </p:cxnSp>
+      <p:cxnSp>
+        <p:nvCxnSpPr>
+          <p:cNvPr id="16" name="Straight Arrow Connector 15"/>
+          <p:cNvCxnSpPr/>
+          <p:nvPr/>
+        </p:nvCxnSpPr>
+        <p:spPr>
+          <a:xfrm flipH="1" flipV="1">
+            <a:off x="2203873" y="4121663"/>
+            <a:ext cx="475315" cy="762000"/>
+          </a:xfrm>
+          <a:prstGeom prst="straightConnector1">
+            <a:avLst/>
+          </a:prstGeom>
+          <a:ln>
+            <a:tailEnd type="triangle"/>
+          </a:ln>
+        </p:spPr>
+        <p:style>
+          <a:lnRef idx="1">
+            <a:schemeClr val="accent1"/>
+          </a:lnRef>
+          <a:fillRef idx="0">
+            <a:schemeClr val="accent1"/>
+          </a:fillRef>
+          <a:effectRef idx="0">
+            <a:schemeClr val="accent1"/>
+          </a:effectRef>
+          <a:fontRef idx="minor">
+            <a:schemeClr val="tx1"/>
+          </a:fontRef>
+        </p:style>
+      </p:cxnSp>
+      <p:cxnSp>
+        <p:nvCxnSpPr>
+          <p:cNvPr id="17" name="Straight Arrow Connector 16"/>
+          <p:cNvCxnSpPr/>
+          <p:nvPr/>
+        </p:nvCxnSpPr>
+        <p:spPr>
+          <a:xfrm flipH="1" flipV="1">
+            <a:off x="2413514" y="4103817"/>
+            <a:ext cx="659864" cy="741405"/>
+          </a:xfrm>
+          <a:prstGeom prst="straightConnector1">
+            <a:avLst/>
+          </a:prstGeom>
+          <a:ln>
+            <a:tailEnd type="triangle"/>
+          </a:ln>
+        </p:spPr>
+        <p:style>
+          <a:lnRef idx="1">
+            <a:schemeClr val="accent1"/>
+          </a:lnRef>
+          <a:fillRef idx="0">
+            <a:schemeClr val="accent1"/>
+          </a:fillRef>
+          <a:effectRef idx="0">
+            <a:schemeClr val="accent1"/>
+          </a:effectRef>
+          <a:fontRef idx="minor">
+            <a:schemeClr val="tx1"/>
+          </a:fontRef>
+        </p:style>
+      </p:cxnSp>
+      <p:sp>
+        <p:nvSpPr>
+          <p:cNvPr id="18" name="TextBox 17"/>
+          <p:cNvSpPr txBox="1"/>
+          <p:nvPr/>
+        </p:nvSpPr>
+        <p:spPr>
+          <a:xfrm>
+            <a:off x="3192453" y="4317997"/>
+            <a:ext cx="1629804" cy="646331"/>
+          </a:xfrm>
+          <a:prstGeom prst="rect">
+            <a:avLst/>
+          </a:prstGeom>
+          <a:noFill/>
+        </p:spPr>
+        <p:txBody>
+          <a:bodyPr wrap="square" rtlCol="0">
+            <a:spAutoFit/>
+          </a:bodyPr>
+          <a:lstStyle/>
+          <a:p>
+            <a:r>
+              <a:rPr lang="en-US" dirty="0" smtClean="0"/>
+              <a:t>Client requests</a:t>
+            </a:r>
+            <a:endParaRPr lang="fr-CH" dirty="0"/>
+          </a:p>
+        </p:txBody>
+      </p:sp>
     </p:spTree>
     <p:extLst>
       <p:ext uri="{BB962C8B-B14F-4D97-AF65-F5344CB8AC3E}">
@@ -8296,7 +10302,7 @@
               <a:avLst/>
             </a:prstGeom>
             <a:ln>
-              <a:tailEnd type="triangle"/>
+              <a:tailEnd type="none"/>
             </a:ln>
           </p:spPr>
           <p:style>
@@ -8389,7 +10395,7 @@
               <a:avLst/>
             </a:prstGeom>
             <a:ln>
-              <a:tailEnd type="triangle"/>
+              <a:tailEnd type="none"/>
             </a:ln>
           </p:spPr>
           <p:style>
@@ -8424,7 +10430,7 @@
               <a:avLst/>
             </a:prstGeom>
             <a:ln>
-              <a:tailEnd type="triangle"/>
+              <a:tailEnd type="none"/>
             </a:ln>
           </p:spPr>
           <p:style>
@@ -8629,7 +10635,7 @@
         </p:nvGrpSpPr>
         <p:grpSpPr>
           <a:xfrm>
-            <a:off x="6039110" y="2730810"/>
+            <a:off x="8714577" y="2716851"/>
             <a:ext cx="2603233" cy="2383075"/>
             <a:chOff x="3344562" y="2314832"/>
             <a:chExt cx="2115944" cy="1936997"/>
@@ -8695,7 +10701,7 @@
               <a:avLst/>
             </a:prstGeom>
             <a:ln>
-              <a:tailEnd type="triangle"/>
+              <a:tailEnd type="none"/>
             </a:ln>
           </p:spPr>
           <p:style>
@@ -8768,7 +10774,6 @@
                 <a:rPr lang="en-US" dirty="0" smtClean="0"/>
                 <a:t>static</a:t>
               </a:r>
-              <a:endParaRPr lang="en-US" dirty="0" smtClean="0"/>
             </a:p>
           </p:txBody>
         </p:sp>
@@ -8789,7 +10794,7 @@
               <a:avLst/>
             </a:prstGeom>
             <a:ln>
-              <a:tailEnd type="triangle"/>
+              <a:tailEnd type="none"/>
             </a:ln>
           </p:spPr>
           <p:style>
@@ -8816,7 +10821,7 @@
         </p:nvSpPr>
         <p:spPr>
           <a:xfrm>
-            <a:off x="2938099" y="1357757"/>
+            <a:off x="969339" y="1381694"/>
             <a:ext cx="1182693" cy="1227834"/>
           </a:xfrm>
           <a:prstGeom prst="ellipse">
@@ -8862,14 +10867,14 @@
         </p:nvCxnSpPr>
         <p:spPr>
           <a:xfrm rot="16200000" flipH="1">
-            <a:off x="2557227" y="2337017"/>
+            <a:off x="588467" y="2360954"/>
             <a:ext cx="943798" cy="160061"/>
           </a:xfrm>
           <a:prstGeom prst="bentConnector2">
             <a:avLst/>
           </a:prstGeom>
           <a:ln>
-            <a:tailEnd type="triangle"/>
+            <a:tailEnd type="none"/>
           </a:ln>
         </p:spPr>
         <p:style>
@@ -8895,7 +10900,7 @@
         </p:nvSpPr>
         <p:spPr>
           <a:xfrm>
-            <a:off x="3109157" y="2704281"/>
+            <a:off x="1140397" y="2728218"/>
             <a:ext cx="564434" cy="369332"/>
           </a:xfrm>
           <a:prstGeom prst="rect">
@@ -8917,42 +10922,46 @@
           </a:p>
         </p:txBody>
       </p:sp>
-      <p:cxnSp>
-        <p:nvCxnSpPr>
-          <p:cNvPr id="13" name="Straight Arrow Connector 12"/>
-          <p:cNvCxnSpPr>
-            <a:stCxn id="10" idx="6"/>
-            <a:endCxn id="5" idx="1"/>
-          </p:cNvCxnSpPr>
+      <p:sp>
+        <p:nvSpPr>
+          <p:cNvPr id="15" name="Right Arrow 14"/>
+          <p:cNvSpPr/>
           <p:nvPr/>
-        </p:nvCxnSpPr>
+        </p:nvSpPr>
         <p:spPr>
-          <a:xfrm>
-            <a:off x="4120792" y="1971674"/>
-            <a:ext cx="2163215" cy="956540"/>
+          <a:xfrm rot="873157">
+            <a:off x="3057659" y="2177253"/>
+            <a:ext cx="5198489" cy="1079196"/>
           </a:xfrm>
-          <a:prstGeom prst="straightConnector1">
+          <a:prstGeom prst="rightArrow">
             <a:avLst/>
           </a:prstGeom>
-          <a:ln>
-            <a:tailEnd type="triangle"/>
-          </a:ln>
         </p:spPr>
         <p:style>
-          <a:lnRef idx="1">
-            <a:schemeClr val="accent1"/>
+          <a:lnRef idx="2">
+            <a:schemeClr val="accent1">
+              <a:shade val="50000"/>
+            </a:schemeClr>
           </a:lnRef>
-          <a:fillRef idx="0">
+          <a:fillRef idx="1">
             <a:schemeClr val="accent1"/>
           </a:fillRef>
           <a:effectRef idx="0">
             <a:schemeClr val="accent1"/>
           </a:effectRef>
           <a:fontRef idx="minor">
-            <a:schemeClr val="tx1"/>
+            <a:schemeClr val="lt1"/>
           </a:fontRef>
         </p:style>
-      </p:cxnSp>
+        <p:txBody>
+          <a:bodyPr rtlCol="0" anchor="ctr"/>
+          <a:lstStyle/>
+          <a:p>
+            <a:pPr algn="ctr"/>
+            <a:endParaRPr lang="fr-CH"/>
+          </a:p>
+        </p:txBody>
+      </p:sp>
       <p:sp>
         <p:nvSpPr>
           <p:cNvPr id="14" name="TextBox 13"/>
@@ -8960,8 +10969,8 @@
           <p:nvPr/>
         </p:nvSpPr>
         <p:spPr>
-          <a:xfrm rot="1530106">
-            <a:off x="4087727" y="2143768"/>
+          <a:xfrm rot="848732">
+            <a:off x="4269956" y="2529085"/>
             <a:ext cx="2773895" cy="369332"/>
           </a:xfrm>
           <a:prstGeom prst="rect">
@@ -9036,8 +11045,8 @@
         </p:nvSpPr>
         <p:spPr>
           <a:xfrm>
-            <a:off x="0" y="0"/>
-            <a:ext cx="10212404" cy="777220"/>
+            <a:off x="-1" y="0"/>
+            <a:ext cx="11006667" cy="777220"/>
           </a:xfrm>
         </p:spPr>
         <p:txBody>
@@ -9048,30 +11057,34 @@
           <a:p>
             <a:pPr algn="l"/>
             <a:r>
-              <a:rPr lang="en-US" sz="5400" dirty="0" smtClean="0"/>
+              <a:rPr lang="en-US" sz="4400" dirty="0" smtClean="0"/>
               <a:t> </a:t>
             </a:r>
             <a:r>
-              <a:rPr lang="en-US" sz="5400" dirty="0" err="1" smtClean="0"/>
+              <a:rPr lang="en-US" sz="4400" dirty="0" err="1" smtClean="0"/>
               <a:t>Processus</a:t>
             </a:r>
             <a:r>
-              <a:rPr lang="en-US" sz="5400" dirty="0" smtClean="0"/>
+              <a:rPr lang="en-US" sz="4400" dirty="0" smtClean="0"/>
               <a:t> </a:t>
             </a:r>
             <a:r>
-              <a:rPr lang="en-US" sz="5400" dirty="0" err="1" smtClean="0"/>
+              <a:rPr lang="en-US" sz="4400" dirty="0" err="1" smtClean="0"/>
               <a:t>d’authentification</a:t>
             </a:r>
             <a:r>
-              <a:rPr lang="en-US" sz="5400" dirty="0" smtClean="0"/>
-              <a:t>  	</a:t>
-            </a:r>
-            <a:r>
-              <a:rPr lang="en-US" sz="5400" i="1" dirty="0" smtClean="0"/>
-              <a:t>Frontend</a:t>
-            </a:r>
-            <a:endParaRPr lang="fr-CH" sz="5400" i="1" dirty="0"/>
+              <a:rPr lang="en-US" sz="4400" dirty="0" smtClean="0"/>
+              <a:t> </a:t>
+            </a:r>
+            <a:r>
+              <a:rPr lang="en-US" sz="4400" i="1" dirty="0"/>
+              <a:t>f</a:t>
+            </a:r>
+            <a:r>
+              <a:rPr lang="en-US" sz="4400" i="1" dirty="0" smtClean="0"/>
+              <a:t>rontend</a:t>
+            </a:r>
+            <a:endParaRPr lang="fr-CH" sz="4400" i="1" dirty="0"/>
           </a:p>
         </p:txBody>
       </p:sp>
@@ -11542,8 +13555,8 @@
         </p:nvSpPr>
         <p:spPr>
           <a:xfrm>
-            <a:off x="1944977" y="2966544"/>
-            <a:ext cx="8302046" cy="924911"/>
+            <a:off x="672353" y="2738239"/>
+            <a:ext cx="10847294" cy="1381521"/>
           </a:xfrm>
         </p:spPr>
         <p:txBody>
@@ -11551,14 +13564,14 @@
           <a:lstStyle/>
           <a:p>
             <a:r>
-              <a:rPr lang="en-US" sz="5400" dirty="0" smtClean="0"/>
+              <a:rPr lang="en-US" sz="7200" dirty="0" smtClean="0"/>
               <a:t>Composants </a:t>
             </a:r>
             <a:r>
-              <a:rPr lang="en-US" sz="5400" dirty="0" err="1" smtClean="0"/>
+              <a:rPr lang="en-US" sz="7200" dirty="0" err="1" smtClean="0"/>
               <a:t>principaux</a:t>
             </a:r>
-            <a:endParaRPr lang="fr-CH" sz="5400" dirty="0"/>
+            <a:endParaRPr lang="fr-CH" sz="7200" dirty="0"/>
           </a:p>
         </p:txBody>
       </p:sp>
@@ -11572,6 +13585,18 @@
   <p:clrMapOvr>
     <a:masterClrMapping/>
   </p:clrMapOvr>
+  <mc:AlternateContent xmlns:mc="http://schemas.openxmlformats.org/markup-compatibility/2006">
+    <mc:Choice xmlns:p14="http://schemas.microsoft.com/office/powerpoint/2010/main" Requires="p14">
+      <p:transition spd="med" p14:dur="700" advClick="0" advTm="3000">
+        <p:fade/>
+      </p:transition>
+    </mc:Choice>
+    <mc:Fallback>
+      <p:transition spd="med" advClick="0" advTm="3000">
+        <p:fade/>
+      </p:transition>
+    </mc:Fallback>
+  </mc:AlternateContent>
   <p:timing>
     <p:tnLst>
       <p:par>
@@ -11639,7 +13664,7 @@
         </p:nvSpPr>
         <p:spPr>
           <a:xfrm>
-            <a:off x="229090" y="1400530"/>
+            <a:off x="306092" y="935177"/>
             <a:ext cx="4165627" cy="4195481"/>
           </a:xfrm>
         </p:spPr>
@@ -11650,9 +13675,18 @@
           <a:lstStyle/>
           <a:p>
             <a:r>
+              <a:rPr lang="en-US" sz="2400" b="1" dirty="0" err="1" smtClean="0"/>
+              <a:t>Etat</a:t>
+            </a:r>
+            <a:r>
               <a:rPr lang="en-US" sz="2400" b="1" dirty="0" smtClean="0"/>
-              <a:t>Get du state</a:t>
-            </a:r>
+              <a:t> </a:t>
+            </a:r>
+            <a:r>
+              <a:rPr lang="en-US" sz="2400" b="1" dirty="0" err="1" smtClean="0"/>
+              <a:t>Vuex</a:t>
+            </a:r>
+            <a:endParaRPr lang="en-US" sz="2400" b="1" dirty="0" smtClean="0"/>
           </a:p>
           <a:p>
             <a:pPr lvl="1"/>
@@ -11665,19 +13699,19 @@
           <a:p>
             <a:r>
               <a:rPr lang="en-US" sz="2400" b="1" dirty="0" err="1" smtClean="0"/>
-              <a:t>Contient</a:t>
+              <a:t>Composants</a:t>
             </a:r>
             <a:r>
               <a:rPr lang="en-US" sz="2400" b="1" dirty="0" smtClean="0"/>
-              <a:t>  :</a:t>
+              <a:t>  </a:t>
+            </a:r>
+            <a:r>
+              <a:rPr lang="en-US" sz="2400" b="1" dirty="0" smtClean="0"/>
+              <a:t>:</a:t>
             </a:r>
           </a:p>
           <a:p>
             <a:pPr lvl="1"/>
-            <a:r>
-              <a:rPr lang="en-US" sz="2200" dirty="0" smtClean="0"/>
-              <a:t>Composant </a:t>
-            </a:r>
             <a:r>
               <a:rPr lang="en-US" sz="2200" i="1" dirty="0" err="1" smtClean="0"/>
               <a:t>PointsTable</a:t>
@@ -11686,10 +13720,6 @@
           </a:p>
           <a:p>
             <a:pPr lvl="1"/>
-            <a:r>
-              <a:rPr lang="en-US" sz="2200" dirty="0" smtClean="0"/>
-              <a:t>Composant </a:t>
-            </a:r>
             <a:r>
               <a:rPr lang="en-US" sz="2200" i="1" dirty="0" smtClean="0"/>
               <a:t>theSelector</a:t>
@@ -11707,14 +13737,14 @@
           <p:nvPr/>
         </p:nvPicPr>
         <p:blipFill>
-          <a:blip r:embed="rId2"/>
+          <a:blip r:embed="rId3"/>
           <a:stretch>
             <a:fillRect/>
           </a:stretch>
         </p:blipFill>
         <p:spPr>
           <a:xfrm>
-            <a:off x="6503242" y="357382"/>
+            <a:off x="6934661" y="357382"/>
             <a:ext cx="3418334" cy="6043419"/>
           </a:xfrm>
           <a:prstGeom prst="rect">
@@ -11729,9 +13759,9 @@
           <p:nvPr/>
         </p:nvCxnSpPr>
         <p:spPr>
-          <a:xfrm flipV="1">
-            <a:off x="3890865" y="1801277"/>
-            <a:ext cx="3013788" cy="279450"/>
+          <a:xfrm>
+            <a:off x="4018844" y="1653301"/>
+            <a:ext cx="3399964" cy="173649"/>
           </a:xfrm>
           <a:prstGeom prst="straightConnector1">
             <a:avLst/>
@@ -11758,15 +13788,13 @@
       <p:cxnSp>
         <p:nvCxnSpPr>
           <p:cNvPr id="8" name="Straight Arrow Connector 7"/>
-          <p:cNvCxnSpPr>
-            <a:endCxn id="9" idx="1"/>
-          </p:cNvCxnSpPr>
+          <p:cNvCxnSpPr/>
           <p:nvPr/>
         </p:nvCxnSpPr>
         <p:spPr>
           <a:xfrm flipV="1">
-            <a:off x="4394717" y="2473316"/>
-            <a:ext cx="2108525" cy="596455"/>
+            <a:off x="3048000" y="2473317"/>
+            <a:ext cx="3735159" cy="171360"/>
           </a:xfrm>
           <a:prstGeom prst="straightConnector1">
             <a:avLst/>
@@ -11798,7 +13826,7 @@
         </p:nvSpPr>
         <p:spPr>
           <a:xfrm>
-            <a:off x="6503242" y="1400530"/>
+            <a:off x="6934661" y="1400530"/>
             <a:ext cx="3418334" cy="2145572"/>
           </a:xfrm>
           <a:prstGeom prst="rect">
@@ -11835,15 +13863,13 @@
       <p:cxnSp>
         <p:nvCxnSpPr>
           <p:cNvPr id="12" name="Straight Arrow Connector 11"/>
-          <p:cNvCxnSpPr>
-            <a:stCxn id="3" idx="3"/>
-          </p:cNvCxnSpPr>
+          <p:cNvCxnSpPr/>
           <p:nvPr/>
         </p:nvCxnSpPr>
         <p:spPr>
           <a:xfrm>
-            <a:off x="4394717" y="3498271"/>
-            <a:ext cx="2108525" cy="1632387"/>
+            <a:off x="2946400" y="3002059"/>
+            <a:ext cx="3988261" cy="2096777"/>
           </a:xfrm>
           <a:prstGeom prst="straightConnector1">
             <a:avLst/>
@@ -11875,7 +13901,7 @@
         </p:nvSpPr>
         <p:spPr>
           <a:xfrm>
-            <a:off x="6503242" y="4665306"/>
+            <a:off x="6934661" y="4665306"/>
             <a:ext cx="3418334" cy="930705"/>
           </a:xfrm>
           <a:prstGeom prst="rect">
@@ -11909,6 +13935,30 @@
           </a:p>
         </p:txBody>
       </p:sp>
+      <p:pic>
+        <p:nvPicPr>
+          <p:cNvPr id="11" name="Picture 10"/>
+          <p:cNvPicPr>
+            <a:picLocks noChangeAspect="1"/>
+          </p:cNvPicPr>
+          <p:nvPr/>
+        </p:nvPicPr>
+        <p:blipFill>
+          <a:blip r:embed="rId4"/>
+          <a:stretch>
+            <a:fillRect/>
+          </a:stretch>
+        </p:blipFill>
+        <p:spPr>
+          <a:xfrm>
+            <a:off x="177164" y="1972665"/>
+            <a:ext cx="6148915" cy="4428136"/>
+          </a:xfrm>
+          <a:prstGeom prst="rect">
+            <a:avLst/>
+          </a:prstGeom>
+        </p:spPr>
+      </p:pic>
     </p:spTree>
     <p:extLst>
       <p:ext uri="{BB962C8B-B14F-4D97-AF65-F5344CB8AC3E}">
@@ -12012,39 +14062,21 @@
                                   </p:childTnLst>
                                 </p:cTn>
                               </p:par>
-                            </p:childTnLst>
-                          </p:cTn>
-                        </p:par>
-                      </p:childTnLst>
-                    </p:cTn>
-                  </p:par>
-                  <p:par>
-                    <p:cTn id="9" fill="hold">
-                      <p:stCondLst>
-                        <p:cond delay="indefinite"/>
-                      </p:stCondLst>
-                      <p:childTnLst>
-                        <p:par>
-                          <p:cTn id="10" fill="hold">
-                            <p:stCondLst>
-                              <p:cond delay="0"/>
-                            </p:stCondLst>
-                            <p:childTnLst>
                               <p:par>
-                                <p:cTn id="11" presetID="2" presetClass="entr" presetSubtype="4" fill="hold" nodeType="clickEffect">
+                                <p:cTn id="9" presetID="2" presetClass="entr" presetSubtype="4" fill="hold" nodeType="withEffect">
                                   <p:stCondLst>
                                     <p:cond delay="0"/>
                                   </p:stCondLst>
                                   <p:childTnLst>
                                     <p:set>
                                       <p:cBhvr>
-                                        <p:cTn id="12" dur="1" fill="hold">
+                                        <p:cTn id="10" dur="1" fill="hold">
                                           <p:stCondLst>
                                             <p:cond delay="0"/>
                                           </p:stCondLst>
                                         </p:cTn>
                                         <p:tgtEl>
-                                          <p:spTgt spid="8"/>
+                                          <p:spTgt spid="11"/>
                                         </p:tgtEl>
                                         <p:attrNameLst>
                                           <p:attrName>style.visibility</p:attrName>
@@ -12056,9 +14088,9 @@
                                     </p:set>
                                     <p:anim calcmode="lin" valueType="num">
                                       <p:cBhvr additive="base">
-                                        <p:cTn id="13" dur="500" fill="hold"/>
+                                        <p:cTn id="11" dur="500" fill="hold"/>
                                         <p:tgtEl>
-                                          <p:spTgt spid="8"/>
+                                          <p:spTgt spid="11"/>
                                         </p:tgtEl>
                                         <p:attrNameLst>
                                           <p:attrName>ppt_x</p:attrName>
@@ -12079,82 +14111,9 @@
                                     </p:anim>
                                     <p:anim calcmode="lin" valueType="num">
                                       <p:cBhvr additive="base">
-                                        <p:cTn id="14" dur="500" fill="hold"/>
+                                        <p:cTn id="12" dur="500" fill="hold"/>
                                         <p:tgtEl>
-                                          <p:spTgt spid="8"/>
-                                        </p:tgtEl>
-                                        <p:attrNameLst>
-                                          <p:attrName>ppt_y</p:attrName>
-                                        </p:attrNameLst>
-                                      </p:cBhvr>
-                                      <p:tavLst>
-                                        <p:tav tm="0">
-                                          <p:val>
-                                            <p:strVal val="1+#ppt_h/2"/>
-                                          </p:val>
-                                        </p:tav>
-                                        <p:tav tm="100000">
-                                          <p:val>
-                                            <p:strVal val="#ppt_y"/>
-                                          </p:val>
-                                        </p:tav>
-                                      </p:tavLst>
-                                    </p:anim>
-                                  </p:childTnLst>
-                                </p:cTn>
-                              </p:par>
-                              <p:par>
-                                <p:cTn id="15" presetID="2" presetClass="entr" presetSubtype="4" fill="hold" grpId="0" nodeType="withEffect">
-                                  <p:stCondLst>
-                                    <p:cond delay="0"/>
-                                  </p:stCondLst>
-                                  <p:childTnLst>
-                                    <p:set>
-                                      <p:cBhvr>
-                                        <p:cTn id="16" dur="1" fill="hold">
-                                          <p:stCondLst>
-                                            <p:cond delay="0"/>
-                                          </p:stCondLst>
-                                        </p:cTn>
-                                        <p:tgtEl>
-                                          <p:spTgt spid="9"/>
-                                        </p:tgtEl>
-                                        <p:attrNameLst>
-                                          <p:attrName>style.visibility</p:attrName>
-                                        </p:attrNameLst>
-                                      </p:cBhvr>
-                                      <p:to>
-                                        <p:strVal val="visible"/>
-                                      </p:to>
-                                    </p:set>
-                                    <p:anim calcmode="lin" valueType="num">
-                                      <p:cBhvr additive="base">
-                                        <p:cTn id="17" dur="500" fill="hold"/>
-                                        <p:tgtEl>
-                                          <p:spTgt spid="9"/>
-                                        </p:tgtEl>
-                                        <p:attrNameLst>
-                                          <p:attrName>ppt_x</p:attrName>
-                                        </p:attrNameLst>
-                                      </p:cBhvr>
-                                      <p:tavLst>
-                                        <p:tav tm="0">
-                                          <p:val>
-                                            <p:strVal val="#ppt_x"/>
-                                          </p:val>
-                                        </p:tav>
-                                        <p:tav tm="100000">
-                                          <p:val>
-                                            <p:strVal val="#ppt_x"/>
-                                          </p:val>
-                                        </p:tav>
-                                      </p:tavLst>
-                                    </p:anim>
-                                    <p:anim calcmode="lin" valueType="num">
-                                      <p:cBhvr additive="base">
-                                        <p:cTn id="18" dur="500" fill="hold"/>
-                                        <p:tgtEl>
-                                          <p:spTgt spid="9"/>
+                                          <p:spTgt spid="11"/>
                                         </p:tgtEl>
                                         <p:attrNameLst>
                                           <p:attrName>ppt_y</p:attrName>
@@ -12183,26 +14142,225 @@
                     </p:cTn>
                   </p:par>
                   <p:par>
-                    <p:cTn id="19" fill="hold">
+                    <p:cTn id="13" fill="hold">
                       <p:stCondLst>
                         <p:cond delay="indefinite"/>
                       </p:stCondLst>
                       <p:childTnLst>
                         <p:par>
-                          <p:cTn id="20" fill="hold">
+                          <p:cTn id="14" fill="hold">
                             <p:stCondLst>
                               <p:cond delay="0"/>
                             </p:stCondLst>
                             <p:childTnLst>
                               <p:par>
-                                <p:cTn id="21" presetID="2" presetClass="entr" presetSubtype="4" fill="hold" nodeType="clickEffect">
+                                <p:cTn id="15" presetID="2" presetClass="entr" presetSubtype="4" fill="hold" nodeType="clickEffect">
                                   <p:stCondLst>
                                     <p:cond delay="0"/>
                                   </p:stCondLst>
                                   <p:childTnLst>
                                     <p:set>
                                       <p:cBhvr>
-                                        <p:cTn id="22" dur="1" fill="hold">
+                                        <p:cTn id="16" dur="1" fill="hold">
+                                          <p:stCondLst>
+                                            <p:cond delay="0"/>
+                                          </p:stCondLst>
+                                        </p:cTn>
+                                        <p:tgtEl>
+                                          <p:spTgt spid="8"/>
+                                        </p:tgtEl>
+                                        <p:attrNameLst>
+                                          <p:attrName>style.visibility</p:attrName>
+                                        </p:attrNameLst>
+                                      </p:cBhvr>
+                                      <p:to>
+                                        <p:strVal val="visible"/>
+                                      </p:to>
+                                    </p:set>
+                                    <p:anim calcmode="lin" valueType="num">
+                                      <p:cBhvr additive="base">
+                                        <p:cTn id="17" dur="500" fill="hold"/>
+                                        <p:tgtEl>
+                                          <p:spTgt spid="8"/>
+                                        </p:tgtEl>
+                                        <p:attrNameLst>
+                                          <p:attrName>ppt_x</p:attrName>
+                                        </p:attrNameLst>
+                                      </p:cBhvr>
+                                      <p:tavLst>
+                                        <p:tav tm="0">
+                                          <p:val>
+                                            <p:strVal val="#ppt_x"/>
+                                          </p:val>
+                                        </p:tav>
+                                        <p:tav tm="100000">
+                                          <p:val>
+                                            <p:strVal val="#ppt_x"/>
+                                          </p:val>
+                                        </p:tav>
+                                      </p:tavLst>
+                                    </p:anim>
+                                    <p:anim calcmode="lin" valueType="num">
+                                      <p:cBhvr additive="base">
+                                        <p:cTn id="18" dur="500" fill="hold"/>
+                                        <p:tgtEl>
+                                          <p:spTgt spid="8"/>
+                                        </p:tgtEl>
+                                        <p:attrNameLst>
+                                          <p:attrName>ppt_y</p:attrName>
+                                        </p:attrNameLst>
+                                      </p:cBhvr>
+                                      <p:tavLst>
+                                        <p:tav tm="0">
+                                          <p:val>
+                                            <p:strVal val="1+#ppt_h/2"/>
+                                          </p:val>
+                                        </p:tav>
+                                        <p:tav tm="100000">
+                                          <p:val>
+                                            <p:strVal val="#ppt_y"/>
+                                          </p:val>
+                                        </p:tav>
+                                      </p:tavLst>
+                                    </p:anim>
+                                  </p:childTnLst>
+                                </p:cTn>
+                              </p:par>
+                              <p:par>
+                                <p:cTn id="19" presetID="2" presetClass="entr" presetSubtype="4" fill="hold" grpId="0" nodeType="withEffect">
+                                  <p:stCondLst>
+                                    <p:cond delay="0"/>
+                                  </p:stCondLst>
+                                  <p:childTnLst>
+                                    <p:set>
+                                      <p:cBhvr>
+                                        <p:cTn id="20" dur="1" fill="hold">
+                                          <p:stCondLst>
+                                            <p:cond delay="0"/>
+                                          </p:stCondLst>
+                                        </p:cTn>
+                                        <p:tgtEl>
+                                          <p:spTgt spid="9"/>
+                                        </p:tgtEl>
+                                        <p:attrNameLst>
+                                          <p:attrName>style.visibility</p:attrName>
+                                        </p:attrNameLst>
+                                      </p:cBhvr>
+                                      <p:to>
+                                        <p:strVal val="visible"/>
+                                      </p:to>
+                                    </p:set>
+                                    <p:anim calcmode="lin" valueType="num">
+                                      <p:cBhvr additive="base">
+                                        <p:cTn id="21" dur="500" fill="hold"/>
+                                        <p:tgtEl>
+                                          <p:spTgt spid="9"/>
+                                        </p:tgtEl>
+                                        <p:attrNameLst>
+                                          <p:attrName>ppt_x</p:attrName>
+                                        </p:attrNameLst>
+                                      </p:cBhvr>
+                                      <p:tavLst>
+                                        <p:tav tm="0">
+                                          <p:val>
+                                            <p:strVal val="#ppt_x"/>
+                                          </p:val>
+                                        </p:tav>
+                                        <p:tav tm="100000">
+                                          <p:val>
+                                            <p:strVal val="#ppt_x"/>
+                                          </p:val>
+                                        </p:tav>
+                                      </p:tavLst>
+                                    </p:anim>
+                                    <p:anim calcmode="lin" valueType="num">
+                                      <p:cBhvr additive="base">
+                                        <p:cTn id="22" dur="500" fill="hold"/>
+                                        <p:tgtEl>
+                                          <p:spTgt spid="9"/>
+                                        </p:tgtEl>
+                                        <p:attrNameLst>
+                                          <p:attrName>ppt_y</p:attrName>
+                                        </p:attrNameLst>
+                                      </p:cBhvr>
+                                      <p:tavLst>
+                                        <p:tav tm="0">
+                                          <p:val>
+                                            <p:strVal val="1+#ppt_h/2"/>
+                                          </p:val>
+                                        </p:tav>
+                                        <p:tav tm="100000">
+                                          <p:val>
+                                            <p:strVal val="#ppt_y"/>
+                                          </p:val>
+                                        </p:tav>
+                                      </p:tavLst>
+                                    </p:anim>
+                                  </p:childTnLst>
+                                </p:cTn>
+                              </p:par>
+                              <p:par>
+                                <p:cTn id="23" presetID="10" presetClass="exit" presetSubtype="0" fill="hold" nodeType="withEffect">
+                                  <p:stCondLst>
+                                    <p:cond delay="0"/>
+                                  </p:stCondLst>
+                                  <p:childTnLst>
+                                    <p:animEffect transition="out" filter="fade">
+                                      <p:cBhvr>
+                                        <p:cTn id="24" dur="500"/>
+                                        <p:tgtEl>
+                                          <p:spTgt spid="11"/>
+                                        </p:tgtEl>
+                                      </p:cBhvr>
+                                    </p:animEffect>
+                                    <p:set>
+                                      <p:cBhvr>
+                                        <p:cTn id="25" dur="1" fill="hold">
+                                          <p:stCondLst>
+                                            <p:cond delay="499"/>
+                                          </p:stCondLst>
+                                        </p:cTn>
+                                        <p:tgtEl>
+                                          <p:spTgt spid="11"/>
+                                        </p:tgtEl>
+                                        <p:attrNameLst>
+                                          <p:attrName>style.visibility</p:attrName>
+                                        </p:attrNameLst>
+                                      </p:cBhvr>
+                                      <p:to>
+                                        <p:strVal val="hidden"/>
+                                      </p:to>
+                                    </p:set>
+                                  </p:childTnLst>
+                                </p:cTn>
+                              </p:par>
+                            </p:childTnLst>
+                          </p:cTn>
+                        </p:par>
+                      </p:childTnLst>
+                    </p:cTn>
+                  </p:par>
+                  <p:par>
+                    <p:cTn id="26" fill="hold">
+                      <p:stCondLst>
+                        <p:cond delay="indefinite"/>
+                      </p:stCondLst>
+                      <p:childTnLst>
+                        <p:par>
+                          <p:cTn id="27" fill="hold">
+                            <p:stCondLst>
+                              <p:cond delay="0"/>
+                            </p:stCondLst>
+                            <p:childTnLst>
+                              <p:par>
+                                <p:cTn id="28" presetID="2" presetClass="entr" presetSubtype="4" fill="hold" nodeType="clickEffect">
+                                  <p:stCondLst>
+                                    <p:cond delay="0"/>
+                                  </p:stCondLst>
+                                  <p:childTnLst>
+                                    <p:set>
+                                      <p:cBhvr>
+                                        <p:cTn id="29" dur="1" fill="hold">
                                           <p:stCondLst>
                                             <p:cond delay="0"/>
                                           </p:stCondLst>
@@ -12220,7 +14378,7 @@
                                     </p:set>
                                     <p:anim calcmode="lin" valueType="num">
                                       <p:cBhvr additive="base">
-                                        <p:cTn id="23" dur="500" fill="hold"/>
+                                        <p:cTn id="30" dur="500" fill="hold"/>
                                         <p:tgtEl>
                                           <p:spTgt spid="12"/>
                                         </p:tgtEl>
@@ -12243,7 +14401,7 @@
                                     </p:anim>
                                     <p:anim calcmode="lin" valueType="num">
                                       <p:cBhvr additive="base">
-                                        <p:cTn id="24" dur="500" fill="hold"/>
+                                        <p:cTn id="31" dur="500" fill="hold"/>
                                         <p:tgtEl>
                                           <p:spTgt spid="12"/>
                                         </p:tgtEl>
@@ -12268,14 +14426,14 @@
                                 </p:cTn>
                               </p:par>
                               <p:par>
-                                <p:cTn id="25" presetID="2" presetClass="entr" presetSubtype="4" fill="hold" grpId="0" nodeType="withEffect">
+                                <p:cTn id="32" presetID="2" presetClass="entr" presetSubtype="4" fill="hold" grpId="0" nodeType="withEffect">
                                   <p:stCondLst>
                                     <p:cond delay="0"/>
                                   </p:stCondLst>
                                   <p:childTnLst>
                                     <p:set>
                                       <p:cBhvr>
-                                        <p:cTn id="26" dur="1" fill="hold">
+                                        <p:cTn id="33" dur="1" fill="hold">
                                           <p:stCondLst>
                                             <p:cond delay="0"/>
                                           </p:stCondLst>
@@ -12293,7 +14451,7 @@
                                     </p:set>
                                     <p:anim calcmode="lin" valueType="num">
                                       <p:cBhvr additive="base">
-                                        <p:cTn id="27" dur="500" fill="hold"/>
+                                        <p:cTn id="34" dur="500" fill="hold"/>
                                         <p:tgtEl>
                                           <p:spTgt spid="13"/>
                                         </p:tgtEl>
@@ -12316,7 +14474,7 @@
                                     </p:anim>
                                     <p:anim calcmode="lin" valueType="num">
                                       <p:cBhvr additive="base">
-                                        <p:cTn id="28" dur="500" fill="hold"/>
+                                        <p:cTn id="35" dur="500" fill="hold"/>
                                         <p:tgtEl>
                                           <p:spTgt spid="13"/>
                                         </p:tgtEl>
@@ -12442,38 +14600,32 @@
           <a:p>
             <a:r>
               <a:rPr lang="en-US" sz="2400" b="1" dirty="0" err="1" smtClean="0"/>
-              <a:t>Contient</a:t>
+              <a:t>Composants</a:t>
             </a:r>
             <a:r>
               <a:rPr lang="en-US" sz="2400" b="1" dirty="0" smtClean="0"/>
-              <a:t> : </a:t>
+              <a:t> :</a:t>
             </a:r>
           </a:p>
           <a:p>
             <a:pPr lvl="1"/>
             <a:r>
-              <a:rPr lang="en-US" sz="2200" dirty="0" smtClean="0"/>
-              <a:t>Composant</a:t>
-            </a:r>
-            <a:r>
-              <a:rPr lang="en-US" sz="2200" b="1" dirty="0" smtClean="0"/>
-              <a:t> </a:t>
-            </a:r>
-            <a:r>
               <a:rPr lang="en-US" sz="2200" i="1" dirty="0" smtClean="0"/>
-              <a:t>ShootItem</a:t>
-            </a:r>
+              <a:t>[n]</a:t>
+            </a:r>
+            <a:r>
+              <a:rPr lang="en-US" sz="2200" i="1" dirty="0" smtClean="0"/>
+              <a:t> ShootItem</a:t>
+            </a:r>
+            <a:endParaRPr lang="en-US" sz="2200" i="1" dirty="0" smtClean="0"/>
           </a:p>
           <a:p>
             <a:pPr lvl="2"/>
             <a:r>
-              <a:rPr lang="en-US" sz="2000" i="1" dirty="0"/>
-              <a:t>S</a:t>
-            </a:r>
-            <a:r>
               <a:rPr lang="en-US" sz="2000" i="1" dirty="0" smtClean="0"/>
-              <a:t>hootDetails</a:t>
-            </a:r>
+              <a:t>ShootDetails</a:t>
+            </a:r>
+            <a:endParaRPr lang="en-US" sz="2000" i="1" dirty="0" smtClean="0"/>
           </a:p>
           <a:p>
             <a:pPr lvl="2"/>
@@ -12484,8 +14636,12 @@
           </a:p>
           <a:p>
             <a:r>
+              <a:rPr lang="en-US" sz="2400" b="1" dirty="0" err="1" smtClean="0"/>
+              <a:t>Vuex</a:t>
+            </a:r>
+            <a:r>
               <a:rPr lang="en-US" sz="2400" b="1" dirty="0" smtClean="0"/>
-              <a:t>VueX</a:t>
+              <a:t> :</a:t>
             </a:r>
             <a:endParaRPr lang="en-US" b="1" dirty="0" smtClean="0"/>
           </a:p>
@@ -12499,30 +14655,6 @@
           </a:p>
         </p:txBody>
       </p:sp>
-      <p:pic>
-        <p:nvPicPr>
-          <p:cNvPr id="4" name="Picture 3"/>
-          <p:cNvPicPr>
-            <a:picLocks noChangeAspect="1"/>
-          </p:cNvPicPr>
-          <p:nvPr/>
-        </p:nvPicPr>
-        <p:blipFill>
-          <a:blip r:embed="rId2"/>
-          <a:stretch>
-            <a:fillRect/>
-          </a:stretch>
-        </p:blipFill>
-        <p:spPr>
-          <a:xfrm>
-            <a:off x="6117742" y="216798"/>
-            <a:ext cx="3643810" cy="6422542"/>
-          </a:xfrm>
-          <a:prstGeom prst="rect">
-            <a:avLst/>
-          </a:prstGeom>
-        </p:spPr>
-      </p:pic>
       <p:cxnSp>
         <p:nvCxnSpPr>
           <p:cNvPr id="6" name="Straight Arrow Connector 5"/>
@@ -12533,8 +14665,8 @@
         </p:nvCxnSpPr>
         <p:spPr>
           <a:xfrm flipV="1">
-            <a:off x="4780722" y="1769137"/>
-            <a:ext cx="1337020" cy="487047"/>
+            <a:off x="3426594" y="1776377"/>
+            <a:ext cx="2691148" cy="456684"/>
           </a:xfrm>
           <a:prstGeom prst="straightConnector1">
             <a:avLst/>
@@ -12558,6 +14690,65 @@
           </a:fontRef>
         </p:style>
       </p:cxnSp>
+      <p:cxnSp>
+        <p:nvCxnSpPr>
+          <p:cNvPr id="10" name="Straight Arrow Connector 9"/>
+          <p:cNvCxnSpPr>
+            <a:endCxn id="12" idx="1"/>
+          </p:cNvCxnSpPr>
+          <p:nvPr/>
+        </p:nvCxnSpPr>
+        <p:spPr>
+          <a:xfrm flipV="1">
+            <a:off x="3917482" y="2155920"/>
+            <a:ext cx="2200260" cy="1009311"/>
+          </a:xfrm>
+          <a:prstGeom prst="straightConnector1">
+            <a:avLst/>
+          </a:prstGeom>
+          <a:ln>
+            <a:tailEnd type="triangle"/>
+          </a:ln>
+        </p:spPr>
+        <p:style>
+          <a:lnRef idx="1">
+            <a:schemeClr val="accent1"/>
+          </a:lnRef>
+          <a:fillRef idx="0">
+            <a:schemeClr val="accent1"/>
+          </a:fillRef>
+          <a:effectRef idx="0">
+            <a:schemeClr val="accent1"/>
+          </a:effectRef>
+          <a:fontRef idx="minor">
+            <a:schemeClr val="tx1"/>
+          </a:fontRef>
+        </p:style>
+      </p:cxnSp>
+      <p:pic>
+        <p:nvPicPr>
+          <p:cNvPr id="5" name="Picture 4"/>
+          <p:cNvPicPr>
+            <a:picLocks noChangeAspect="1"/>
+          </p:cNvPicPr>
+          <p:nvPr/>
+        </p:nvPicPr>
+        <p:blipFill>
+          <a:blip r:embed="rId3"/>
+          <a:stretch>
+            <a:fillRect/>
+          </a:stretch>
+        </p:blipFill>
+        <p:spPr>
+          <a:xfrm>
+            <a:off x="6110479" y="331097"/>
+            <a:ext cx="3636547" cy="6422542"/>
+          </a:xfrm>
+          <a:prstGeom prst="rect">
+            <a:avLst/>
+          </a:prstGeom>
+        </p:spPr>
+      </p:pic>
       <p:sp>
         <p:nvSpPr>
           <p:cNvPr id="7" name="Rectangle 6"/>
@@ -12566,8 +14757,8 @@
         </p:nvSpPr>
         <p:spPr>
           <a:xfrm>
-            <a:off x="6117742" y="1093247"/>
-            <a:ext cx="3643810" cy="1351779"/>
+            <a:off x="6117742" y="1178831"/>
+            <a:ext cx="3643810" cy="1195091"/>
           </a:xfrm>
           <a:prstGeom prst="rect">
             <a:avLst/>
@@ -12600,18 +14791,58 @@
           </a:p>
         </p:txBody>
       </p:sp>
+      <p:sp>
+        <p:nvSpPr>
+          <p:cNvPr id="12" name="Rectangle 11"/>
+          <p:cNvSpPr/>
+          <p:nvPr/>
+        </p:nvSpPr>
+        <p:spPr>
+          <a:xfrm>
+            <a:off x="6117742" y="1986317"/>
+            <a:ext cx="3643810" cy="339205"/>
+          </a:xfrm>
+          <a:prstGeom prst="rect">
+            <a:avLst/>
+          </a:prstGeom>
+          <a:noFill/>
+          <a:ln w="38100"/>
+        </p:spPr>
+        <p:style>
+          <a:lnRef idx="2">
+            <a:schemeClr val="accent1">
+              <a:shade val="50000"/>
+            </a:schemeClr>
+          </a:lnRef>
+          <a:fillRef idx="1">
+            <a:schemeClr val="accent1"/>
+          </a:fillRef>
+          <a:effectRef idx="0">
+            <a:schemeClr val="accent1"/>
+          </a:effectRef>
+          <a:fontRef idx="minor">
+            <a:schemeClr val="lt1"/>
+          </a:fontRef>
+        </p:style>
+        <p:txBody>
+          <a:bodyPr rtlCol="0" anchor="ctr"/>
+          <a:lstStyle/>
+          <a:p>
+            <a:pPr algn="ctr"/>
+            <a:endParaRPr lang="fr-CH"/>
+          </a:p>
+        </p:txBody>
+      </p:sp>
       <p:cxnSp>
         <p:nvCxnSpPr>
-          <p:cNvPr id="10" name="Straight Arrow Connector 9"/>
-          <p:cNvCxnSpPr>
-            <a:endCxn id="12" idx="1"/>
-          </p:cNvCxnSpPr>
+          <p:cNvPr id="14" name="Straight Arrow Connector 13"/>
+          <p:cNvCxnSpPr/>
           <p:nvPr/>
         </p:nvCxnSpPr>
         <p:spPr>
-          <a:xfrm flipV="1">
-            <a:off x="3876261" y="2207125"/>
-            <a:ext cx="2241481" cy="883945"/>
+          <a:xfrm>
+            <a:off x="3619099" y="2695074"/>
+            <a:ext cx="2604327" cy="892188"/>
           </a:xfrm>
           <a:prstGeom prst="straightConnector1">
             <a:avLst/>
@@ -12637,14 +14868,14 @@
       </p:cxnSp>
       <p:sp>
         <p:nvSpPr>
-          <p:cNvPr id="12" name="Rectangle 11"/>
+          <p:cNvPr id="15" name="Rectangle 14"/>
           <p:cNvSpPr/>
           <p:nvPr/>
         </p:nvSpPr>
         <p:spPr>
           <a:xfrm>
-            <a:off x="6117742" y="2037522"/>
-            <a:ext cx="3643810" cy="339205"/>
+            <a:off x="6216163" y="3165231"/>
+            <a:ext cx="3441806" cy="3103684"/>
           </a:xfrm>
           <a:prstGeom prst="rect">
             <a:avLst/>
@@ -12885,7 +15116,7 @@
                                           </p:stCondLst>
                                         </p:cTn>
                                         <p:tgtEl>
-                                          <p:spTgt spid="10"/>
+                                          <p:spTgt spid="14"/>
                                         </p:tgtEl>
                                         <p:attrNameLst>
                                           <p:attrName>style.visibility</p:attrName>
@@ -12899,7 +15130,7 @@
                                       <p:cBhvr additive="base">
                                         <p:cTn id="17" dur="500" fill="hold"/>
                                         <p:tgtEl>
-                                          <p:spTgt spid="10"/>
+                                          <p:spTgt spid="14"/>
                                         </p:tgtEl>
                                         <p:attrNameLst>
                                           <p:attrName>ppt_x</p:attrName>
@@ -12922,7 +15153,7 @@
                                       <p:cBhvr additive="base">
                                         <p:cTn id="18" dur="500" fill="hold"/>
                                         <p:tgtEl>
-                                          <p:spTgt spid="10"/>
+                                          <p:spTgt spid="14"/>
                                         </p:tgtEl>
                                         <p:attrNameLst>
                                           <p:attrName>ppt_y</p:attrName>
@@ -12958,7 +15189,7 @@
                                           </p:stCondLst>
                                         </p:cTn>
                                         <p:tgtEl>
-                                          <p:spTgt spid="12"/>
+                                          <p:spTgt spid="15"/>
                                         </p:tgtEl>
                                         <p:attrNameLst>
                                           <p:attrName>style.visibility</p:attrName>
@@ -12972,7 +15203,7 @@
                                       <p:cBhvr additive="base">
                                         <p:cTn id="21" dur="500" fill="hold"/>
                                         <p:tgtEl>
-                                          <p:spTgt spid="12"/>
+                                          <p:spTgt spid="15"/>
                                         </p:tgtEl>
                                         <p:attrNameLst>
                                           <p:attrName>ppt_x</p:attrName>
@@ -12995,7 +15226,7 @@
                                       <p:cBhvr additive="base">
                                         <p:cTn id="22" dur="500" fill="hold"/>
                                         <p:tgtEl>
-                                          <p:spTgt spid="12"/>
+                                          <p:spTgt spid="15"/>
                                         </p:tgtEl>
                                         <p:attrNameLst>
                                           <p:attrName>ppt_y</p:attrName>
@@ -13093,6 +15324,240 @@
                       </p:childTnLst>
                     </p:cTn>
                   </p:par>
+                  <p:par>
+                    <p:cTn id="29" fill="hold">
+                      <p:stCondLst>
+                        <p:cond delay="indefinite"/>
+                      </p:stCondLst>
+                      <p:childTnLst>
+                        <p:par>
+                          <p:cTn id="30" fill="hold">
+                            <p:stCondLst>
+                              <p:cond delay="0"/>
+                            </p:stCondLst>
+                            <p:childTnLst>
+                              <p:par>
+                                <p:cTn id="31" presetID="10" presetClass="exit" presetSubtype="0" fill="hold" nodeType="clickEffect">
+                                  <p:stCondLst>
+                                    <p:cond delay="0"/>
+                                  </p:stCondLst>
+                                  <p:childTnLst>
+                                    <p:animEffect transition="out" filter="fade">
+                                      <p:cBhvr>
+                                        <p:cTn id="32" dur="500"/>
+                                        <p:tgtEl>
+                                          <p:spTgt spid="14"/>
+                                        </p:tgtEl>
+                                      </p:cBhvr>
+                                    </p:animEffect>
+                                    <p:set>
+                                      <p:cBhvr>
+                                        <p:cTn id="33" dur="1" fill="hold">
+                                          <p:stCondLst>
+                                            <p:cond delay="499"/>
+                                          </p:stCondLst>
+                                        </p:cTn>
+                                        <p:tgtEl>
+                                          <p:spTgt spid="14"/>
+                                        </p:tgtEl>
+                                        <p:attrNameLst>
+                                          <p:attrName>style.visibility</p:attrName>
+                                        </p:attrNameLst>
+                                      </p:cBhvr>
+                                      <p:to>
+                                        <p:strVal val="hidden"/>
+                                      </p:to>
+                                    </p:set>
+                                  </p:childTnLst>
+                                </p:cTn>
+                              </p:par>
+                              <p:par>
+                                <p:cTn id="34" presetID="10" presetClass="exit" presetSubtype="0" fill="hold" grpId="1" nodeType="withEffect">
+                                  <p:stCondLst>
+                                    <p:cond delay="0"/>
+                                  </p:stCondLst>
+                                  <p:childTnLst>
+                                    <p:animEffect transition="out" filter="fade">
+                                      <p:cBhvr>
+                                        <p:cTn id="35" dur="500"/>
+                                        <p:tgtEl>
+                                          <p:spTgt spid="15"/>
+                                        </p:tgtEl>
+                                      </p:cBhvr>
+                                    </p:animEffect>
+                                    <p:set>
+                                      <p:cBhvr>
+                                        <p:cTn id="36" dur="1" fill="hold">
+                                          <p:stCondLst>
+                                            <p:cond delay="499"/>
+                                          </p:stCondLst>
+                                        </p:cTn>
+                                        <p:tgtEl>
+                                          <p:spTgt spid="15"/>
+                                        </p:tgtEl>
+                                        <p:attrNameLst>
+                                          <p:attrName>style.visibility</p:attrName>
+                                        </p:attrNameLst>
+                                      </p:cBhvr>
+                                      <p:to>
+                                        <p:strVal val="hidden"/>
+                                      </p:to>
+                                    </p:set>
+                                  </p:childTnLst>
+                                </p:cTn>
+                              </p:par>
+                              <p:par>
+                                <p:cTn id="37" presetID="2" presetClass="entr" presetSubtype="4" fill="hold" nodeType="withEffect">
+                                  <p:stCondLst>
+                                    <p:cond delay="0"/>
+                                  </p:stCondLst>
+                                  <p:childTnLst>
+                                    <p:set>
+                                      <p:cBhvr>
+                                        <p:cTn id="38" dur="1" fill="hold">
+                                          <p:stCondLst>
+                                            <p:cond delay="0"/>
+                                          </p:stCondLst>
+                                        </p:cTn>
+                                        <p:tgtEl>
+                                          <p:spTgt spid="10"/>
+                                        </p:tgtEl>
+                                        <p:attrNameLst>
+                                          <p:attrName>style.visibility</p:attrName>
+                                        </p:attrNameLst>
+                                      </p:cBhvr>
+                                      <p:to>
+                                        <p:strVal val="visible"/>
+                                      </p:to>
+                                    </p:set>
+                                    <p:anim calcmode="lin" valueType="num">
+                                      <p:cBhvr additive="base">
+                                        <p:cTn id="39" dur="500" fill="hold"/>
+                                        <p:tgtEl>
+                                          <p:spTgt spid="10"/>
+                                        </p:tgtEl>
+                                        <p:attrNameLst>
+                                          <p:attrName>ppt_x</p:attrName>
+                                        </p:attrNameLst>
+                                      </p:cBhvr>
+                                      <p:tavLst>
+                                        <p:tav tm="0">
+                                          <p:val>
+                                            <p:strVal val="#ppt_x"/>
+                                          </p:val>
+                                        </p:tav>
+                                        <p:tav tm="100000">
+                                          <p:val>
+                                            <p:strVal val="#ppt_x"/>
+                                          </p:val>
+                                        </p:tav>
+                                      </p:tavLst>
+                                    </p:anim>
+                                    <p:anim calcmode="lin" valueType="num">
+                                      <p:cBhvr additive="base">
+                                        <p:cTn id="40" dur="500" fill="hold"/>
+                                        <p:tgtEl>
+                                          <p:spTgt spid="10"/>
+                                        </p:tgtEl>
+                                        <p:attrNameLst>
+                                          <p:attrName>ppt_y</p:attrName>
+                                        </p:attrNameLst>
+                                      </p:cBhvr>
+                                      <p:tavLst>
+                                        <p:tav tm="0">
+                                          <p:val>
+                                            <p:strVal val="1+#ppt_h/2"/>
+                                          </p:val>
+                                        </p:tav>
+                                        <p:tav tm="100000">
+                                          <p:val>
+                                            <p:strVal val="#ppt_y"/>
+                                          </p:val>
+                                        </p:tav>
+                                      </p:tavLst>
+                                    </p:anim>
+                                  </p:childTnLst>
+                                </p:cTn>
+                              </p:par>
+                              <p:par>
+                                <p:cTn id="41" presetID="2" presetClass="entr" presetSubtype="4" fill="hold" grpId="0" nodeType="withEffect">
+                                  <p:stCondLst>
+                                    <p:cond delay="0"/>
+                                  </p:stCondLst>
+                                  <p:childTnLst>
+                                    <p:set>
+                                      <p:cBhvr>
+                                        <p:cTn id="42" dur="1" fill="hold">
+                                          <p:stCondLst>
+                                            <p:cond delay="0"/>
+                                          </p:stCondLst>
+                                        </p:cTn>
+                                        <p:tgtEl>
+                                          <p:spTgt spid="12"/>
+                                        </p:tgtEl>
+                                        <p:attrNameLst>
+                                          <p:attrName>style.visibility</p:attrName>
+                                        </p:attrNameLst>
+                                      </p:cBhvr>
+                                      <p:to>
+                                        <p:strVal val="visible"/>
+                                      </p:to>
+                                    </p:set>
+                                    <p:anim calcmode="lin" valueType="num">
+                                      <p:cBhvr additive="base">
+                                        <p:cTn id="43" dur="500" fill="hold"/>
+                                        <p:tgtEl>
+                                          <p:spTgt spid="12"/>
+                                        </p:tgtEl>
+                                        <p:attrNameLst>
+                                          <p:attrName>ppt_x</p:attrName>
+                                        </p:attrNameLst>
+                                      </p:cBhvr>
+                                      <p:tavLst>
+                                        <p:tav tm="0">
+                                          <p:val>
+                                            <p:strVal val="#ppt_x"/>
+                                          </p:val>
+                                        </p:tav>
+                                        <p:tav tm="100000">
+                                          <p:val>
+                                            <p:strVal val="#ppt_x"/>
+                                          </p:val>
+                                        </p:tav>
+                                      </p:tavLst>
+                                    </p:anim>
+                                    <p:anim calcmode="lin" valueType="num">
+                                      <p:cBhvr additive="base">
+                                        <p:cTn id="44" dur="500" fill="hold"/>
+                                        <p:tgtEl>
+                                          <p:spTgt spid="12"/>
+                                        </p:tgtEl>
+                                        <p:attrNameLst>
+                                          <p:attrName>ppt_y</p:attrName>
+                                        </p:attrNameLst>
+                                      </p:cBhvr>
+                                      <p:tavLst>
+                                        <p:tav tm="0">
+                                          <p:val>
+                                            <p:strVal val="1+#ppt_h/2"/>
+                                          </p:val>
+                                        </p:tav>
+                                        <p:tav tm="100000">
+                                          <p:val>
+                                            <p:strVal val="#ppt_y"/>
+                                          </p:val>
+                                        </p:tav>
+                                      </p:tavLst>
+                                    </p:anim>
+                                  </p:childTnLst>
+                                </p:cTn>
+                              </p:par>
+                            </p:childTnLst>
+                          </p:cTn>
+                        </p:par>
+                      </p:childTnLst>
+                    </p:cTn>
+                  </p:par>
                 </p:childTnLst>
               </p:cTn>
               <p:prevCondLst>
@@ -13118,6 +15583,8 @@
       <p:bldP spid="7" grpId="0" animBg="1"/>
       <p:bldP spid="7" grpId="1" animBg="1"/>
       <p:bldP spid="12" grpId="0" animBg="1"/>
+      <p:bldP spid="15" grpId="0" animBg="1"/>
+      <p:bldP spid="15" grpId="1" animBg="1"/>
     </p:bldLst>
   </p:timing>
 </p:sld>
@@ -13183,45 +15650,41 @@
         </p:nvSpPr>
         <p:spPr>
           <a:xfrm>
-            <a:off x="916986" y="2274048"/>
-            <a:ext cx="8946541" cy="2444941"/>
+            <a:off x="608977" y="2132305"/>
+            <a:ext cx="10411949" cy="4377009"/>
           </a:xfrm>
         </p:spPr>
         <p:txBody>
           <a:bodyPr numCol="2">
-            <a:normAutofit fontScale="85000" lnSpcReduction="20000"/>
+            <a:noAutofit/>
           </a:bodyPr>
           <a:lstStyle/>
           <a:p>
             <a:r>
-              <a:rPr lang="en-US" dirty="0" smtClean="0"/>
+              <a:rPr lang="en-US" sz="2800" dirty="0" smtClean="0"/>
               <a:t>Material design</a:t>
             </a:r>
           </a:p>
           <a:p>
-            <a:endParaRPr lang="en-US" dirty="0" smtClean="0"/>
-          </a:p>
-          <a:p>
-            <a:r>
-              <a:rPr lang="en-US" dirty="0" smtClean="0"/>
-              <a:t>Simple </a:t>
-            </a:r>
-            <a:r>
-              <a:rPr lang="en-US" dirty="0" smtClean="0"/>
-              <a:t>et </a:t>
-            </a:r>
-            <a:r>
-              <a:rPr lang="en-US" dirty="0" err="1" smtClean="0"/>
+            <a:endParaRPr lang="en-US" sz="2800" dirty="0" smtClean="0"/>
+          </a:p>
+          <a:p>
+            <a:r>
+              <a:rPr lang="en-US" sz="2800" dirty="0" smtClean="0"/>
+              <a:t>Simple et </a:t>
+            </a:r>
+            <a:r>
+              <a:rPr lang="en-US" sz="2800" dirty="0" err="1" smtClean="0"/>
               <a:t>épuré</a:t>
             </a:r>
-            <a:endParaRPr lang="en-US" dirty="0"/>
-          </a:p>
-          <a:p>
-            <a:endParaRPr lang="en-US" dirty="0" smtClean="0"/>
-          </a:p>
-          <a:p>
-            <a:r>
-              <a:rPr lang="en-US" dirty="0" smtClean="0"/>
+            <a:endParaRPr lang="en-US" sz="2800" dirty="0"/>
+          </a:p>
+          <a:p>
+            <a:endParaRPr lang="en-US" sz="2800" dirty="0" smtClean="0"/>
+          </a:p>
+          <a:p>
+            <a:r>
+              <a:rPr lang="en-US" sz="2800" dirty="0" smtClean="0"/>
               <a:t>Google - &gt; Android</a:t>
             </a:r>
           </a:p>
@@ -13229,70 +15692,91 @@
             <a:pPr marL="0" indent="0">
               <a:buNone/>
             </a:pPr>
-            <a:endParaRPr lang="en-US" dirty="0"/>
-          </a:p>
-          <a:p>
-            <a:endParaRPr lang="en-US" dirty="0" smtClean="0"/>
-          </a:p>
-          <a:p>
-            <a:r>
-              <a:rPr lang="en-US" dirty="0" smtClean="0"/>
+            <a:endParaRPr lang="en-US" sz="2800" dirty="0"/>
+          </a:p>
+          <a:p>
+            <a:endParaRPr lang="en-US" sz="2800" dirty="0"/>
+          </a:p>
+          <a:p>
+            <a:r>
+              <a:rPr lang="en-US" sz="2800" dirty="0" err="1"/>
+              <a:t>Thème</a:t>
+            </a:r>
+            <a:r>
+              <a:rPr lang="en-US" sz="2800" dirty="0"/>
+              <a:t> de </a:t>
+            </a:r>
+            <a:r>
+              <a:rPr lang="en-US" sz="2800" dirty="0" err="1"/>
+              <a:t>couleurs</a:t>
+            </a:r>
+            <a:endParaRPr lang="en-US" sz="2800" dirty="0"/>
+          </a:p>
+          <a:p>
+            <a:endParaRPr lang="en-US" sz="2800" dirty="0" smtClean="0"/>
+          </a:p>
+          <a:p>
+            <a:r>
+              <a:rPr lang="en-US" sz="2800" dirty="0" smtClean="0"/>
               <a:t>Transitions</a:t>
             </a:r>
-            <a:endParaRPr lang="en-US" dirty="0" smtClean="0"/>
-          </a:p>
-          <a:p>
-            <a:endParaRPr lang="en-US" dirty="0" smtClean="0"/>
-          </a:p>
-          <a:p>
-            <a:r>
-              <a:rPr lang="en-US" dirty="0" err="1" smtClean="0"/>
+            <a:endParaRPr lang="en-US" sz="2800" dirty="0" smtClean="0"/>
+          </a:p>
+          <a:p>
+            <a:pPr marL="0" indent="0">
+              <a:buNone/>
+            </a:pPr>
+            <a:endParaRPr lang="en-US" sz="2800" dirty="0"/>
+          </a:p>
+          <a:p>
+            <a:r>
+              <a:rPr lang="en-US" sz="2800" b="1" dirty="0" err="1" smtClean="0"/>
+              <a:t>Élements</a:t>
+            </a:r>
+            <a:r>
+              <a:rPr lang="en-US" sz="2800" b="1" dirty="0" smtClean="0"/>
+              <a:t> </a:t>
+            </a:r>
+            <a:r>
+              <a:rPr lang="en-US" sz="2800" b="1" dirty="0" err="1" smtClean="0"/>
+              <a:t>personnalisés</a:t>
+            </a:r>
+            <a:r>
+              <a:rPr lang="en-US" sz="2800" b="1" dirty="0" smtClean="0"/>
+              <a:t> :</a:t>
+            </a:r>
+          </a:p>
+          <a:p>
+            <a:pPr lvl="1"/>
+            <a:r>
+              <a:rPr lang="en-US" sz="2400" dirty="0" smtClean="0"/>
+              <a:t>Notation </a:t>
+            </a:r>
+            <a:r>
+              <a:rPr lang="en-US" sz="2400" dirty="0" smtClean="0"/>
+              <a:t>des </a:t>
+            </a:r>
+            <a:r>
+              <a:rPr lang="en-US" sz="2400" dirty="0" err="1" smtClean="0"/>
+              <a:t>flèches</a:t>
+            </a:r>
+            <a:endParaRPr lang="en-US" sz="2400" dirty="0"/>
+          </a:p>
+          <a:p>
+            <a:pPr lvl="1"/>
+            <a:r>
+              <a:rPr lang="en-US" sz="2400" dirty="0" err="1" smtClean="0"/>
               <a:t>Boutons</a:t>
             </a:r>
             <a:r>
-              <a:rPr lang="en-US" dirty="0" smtClean="0"/>
+              <a:rPr lang="en-US" sz="2400" dirty="0" smtClean="0"/>
               <a:t> </a:t>
             </a:r>
             <a:r>
-              <a:rPr lang="en-US" dirty="0" err="1" smtClean="0"/>
+              <a:rPr lang="en-US" sz="2400" dirty="0" err="1" smtClean="0"/>
               <a:t>personalisés</a:t>
             </a:r>
-            <a:endParaRPr lang="en-US" dirty="0" smtClean="0"/>
-          </a:p>
-          <a:p>
-            <a:pPr marL="0" indent="0">
-              <a:buNone/>
-            </a:pPr>
-            <a:endParaRPr lang="en-US" dirty="0"/>
-          </a:p>
-          <a:p>
-            <a:r>
-              <a:rPr lang="en-US" dirty="0" smtClean="0"/>
-              <a:t>Notation des </a:t>
-            </a:r>
-            <a:r>
-              <a:rPr lang="en-US" dirty="0" err="1" smtClean="0"/>
-              <a:t>flèches</a:t>
-            </a:r>
-            <a:endParaRPr lang="en-US" dirty="0" smtClean="0"/>
-          </a:p>
-          <a:p>
-            <a:endParaRPr lang="en-US" dirty="0" smtClean="0"/>
-          </a:p>
-          <a:p>
-            <a:r>
-              <a:rPr lang="en-US" dirty="0" err="1" smtClean="0"/>
-              <a:t>Thème</a:t>
-            </a:r>
-            <a:r>
-              <a:rPr lang="en-US" dirty="0" smtClean="0"/>
-              <a:t> de </a:t>
-            </a:r>
-            <a:r>
-              <a:rPr lang="en-US" dirty="0" err="1" smtClean="0"/>
-              <a:t>couleurs</a:t>
-            </a:r>
-            <a:endParaRPr lang="en-US" dirty="0"/>
+            <a:endParaRPr lang="en-US" sz="2400" dirty="0"/>
           </a:p>
         </p:txBody>
       </p:sp>
@@ -13319,8 +15803,8 @@
         </p:blipFill>
         <p:spPr bwMode="auto">
           <a:xfrm>
-            <a:off x="5975341" y="4847696"/>
-            <a:ext cx="1778089" cy="1778089"/>
+            <a:off x="7380630" y="1024837"/>
+            <a:ext cx="1050622" cy="1050622"/>
           </a:xfrm>
           <a:prstGeom prst="rect">
             <a:avLst/>
@@ -13359,32 +15843,8 @@
         </p:blipFill>
         <p:spPr>
           <a:xfrm>
-            <a:off x="1081498" y="826248"/>
+            <a:off x="1139249" y="826248"/>
             <a:ext cx="1447800" cy="1447800"/>
-          </a:xfrm>
-          <a:prstGeom prst="rect">
-            <a:avLst/>
-          </a:prstGeom>
-        </p:spPr>
-      </p:pic>
-      <p:pic>
-        <p:nvPicPr>
-          <p:cNvPr id="8" name="Picture 7"/>
-          <p:cNvPicPr>
-            <a:picLocks noChangeAspect="1"/>
-          </p:cNvPicPr>
-          <p:nvPr/>
-        </p:nvPicPr>
-        <p:blipFill>
-          <a:blip r:embed="rId5"/>
-          <a:stretch>
-            <a:fillRect/>
-          </a:stretch>
-        </p:blipFill>
-        <p:spPr>
-          <a:xfrm>
-            <a:off x="8251215" y="1872044"/>
-            <a:ext cx="3784528" cy="1695450"/>
           </a:xfrm>
           <a:prstGeom prst="rect">
             <a:avLst/>
@@ -13520,11 +15980,7 @@
             </a:r>
             <a:r>
               <a:rPr lang="en-US" sz="2800" dirty="0" smtClean="0"/>
-              <a:t> </a:t>
-            </a:r>
-            <a:r>
-              <a:rPr lang="en-US" sz="2800" dirty="0" smtClean="0"/>
-              <a:t>de Grid</a:t>
+              <a:t> de Grid</a:t>
             </a:r>
           </a:p>
           <a:p>
@@ -13568,11 +16024,7 @@
             </a:r>
             <a:r>
               <a:rPr lang="en-US" sz="2800" dirty="0" smtClean="0"/>
-              <a:t> </a:t>
-            </a:r>
-            <a:r>
-              <a:rPr lang="en-US" sz="2800" dirty="0" smtClean="0"/>
-              <a:t>et </a:t>
+              <a:t> et </a:t>
             </a:r>
             <a:r>
               <a:rPr lang="en-US" sz="2800" dirty="0" err="1" smtClean="0"/>
@@ -13614,11 +16066,7 @@
             </a:r>
             <a:r>
               <a:rPr lang="en-US" sz="2800" i="1" dirty="0" smtClean="0"/>
-              <a:t> </a:t>
-            </a:r>
-            <a:r>
-              <a:rPr lang="en-US" sz="2800" i="1" dirty="0" smtClean="0"/>
-              <a:t>(</a:t>
+              <a:t> (</a:t>
             </a:r>
             <a:r>
               <a:rPr lang="en-US" sz="2800" i="1" dirty="0" err="1" smtClean="0"/>
@@ -13628,20 +16076,11 @@
               <a:rPr lang="en-US" sz="2800" i="1" dirty="0" smtClean="0"/>
               <a:t>)</a:t>
             </a:r>
-            <a:endParaRPr lang="en-US" sz="2800" i="1" dirty="0" smtClean="0"/>
           </a:p>
           <a:p>
             <a:r>
               <a:rPr lang="en-US" sz="2800" i="1" dirty="0" smtClean="0"/>
-              <a:t> Publication/Export </a:t>
-            </a:r>
-            <a:r>
-              <a:rPr lang="en-US" sz="2800" i="1" dirty="0" smtClean="0"/>
-              <a:t>des </a:t>
-            </a:r>
-            <a:r>
-              <a:rPr lang="en-US" sz="2800" i="1" dirty="0" smtClean="0"/>
-              <a:t>données</a:t>
+              <a:t> Publication/Export des données</a:t>
             </a:r>
             <a:endParaRPr lang="en-US" sz="2800" i="1" dirty="0"/>
           </a:p>
@@ -13652,7 +16091,7 @@
             </a:r>
             <a:r>
               <a:rPr lang="en-US" sz="2800" i="1" dirty="0" err="1" smtClean="0"/>
-              <a:t>Flèche</a:t>
+              <a:t>Flèches</a:t>
             </a:r>
             <a:r>
               <a:rPr lang="en-US" sz="2800" i="1" dirty="0" smtClean="0"/>
@@ -14004,7 +16443,7 @@
                                 </p:cTn>
                               </p:par>
                               <p:par>
-                                <p:cTn id="20" presetID="10" presetClass="entr" presetSubtype="0" fill="hold" nodeType="withEffect">
+                                <p:cTn id="20" presetID="42" presetClass="entr" presetSubtype="0" fill="hold" nodeType="withEffect">
                                   <p:stCondLst>
                                     <p:cond delay="0"/>
                                   </p:stCondLst>
@@ -14012,49 +16451,6 @@
                                     <p:set>
                                       <p:cBhvr>
                                         <p:cTn id="21" dur="1" fill="hold">
-                                          <p:stCondLst>
-                                            <p:cond delay="0"/>
-                                          </p:stCondLst>
-                                        </p:cTn>
-                                        <p:tgtEl>
-                                          <p:spTgt spid="3">
-                                            <p:txEl>
-                                              <p:pRg st="3" end="3"/>
-                                            </p:txEl>
-                                          </p:spTgt>
-                                        </p:tgtEl>
-                                        <p:attrNameLst>
-                                          <p:attrName>style.visibility</p:attrName>
-                                        </p:attrNameLst>
-                                      </p:cBhvr>
-                                      <p:to>
-                                        <p:strVal val="visible"/>
-                                      </p:to>
-                                    </p:set>
-                                    <p:animEffect transition="in" filter="fade">
-                                      <p:cBhvr>
-                                        <p:cTn id="22" dur="500"/>
-                                        <p:tgtEl>
-                                          <p:spTgt spid="3">
-                                            <p:txEl>
-                                              <p:pRg st="3" end="3"/>
-                                            </p:txEl>
-                                          </p:spTgt>
-                                        </p:tgtEl>
-                                      </p:cBhvr>
-                                    </p:animEffect>
-                                  </p:childTnLst>
-                                </p:cTn>
-                              </p:par>
-                              <p:par>
-                                <p:cTn id="23" presetID="42" presetClass="entr" presetSubtype="0" fill="hold" nodeType="withEffect">
-                                  <p:stCondLst>
-                                    <p:cond delay="0"/>
-                                  </p:stCondLst>
-                                  <p:childTnLst>
-                                    <p:set>
-                                      <p:cBhvr>
-                                        <p:cTn id="24" dur="1" fill="hold">
                                           <p:stCondLst>
                                             <p:cond delay="0"/>
                                           </p:stCondLst>
@@ -14076,7 +16472,7 @@
                                     </p:set>
                                     <p:animEffect transition="in" filter="fade">
                                       <p:cBhvr>
-                                        <p:cTn id="25" dur="1000"/>
+                                        <p:cTn id="22" dur="1000"/>
                                         <p:tgtEl>
                                           <p:spTgt spid="3">
                                             <p:txEl>
@@ -14088,7 +16484,7 @@
                                     </p:animEffect>
                                     <p:anim calcmode="lin" valueType="num">
                                       <p:cBhvr>
-                                        <p:cTn id="26" dur="1000" fill="hold"/>
+                                        <p:cTn id="23" dur="1000" fill="hold"/>
                                         <p:tgtEl>
                                           <p:spTgt spid="3">
                                             <p:txEl>
@@ -14115,11 +16511,108 @@
                                     </p:anim>
                                     <p:anim calcmode="lin" valueType="num">
                                       <p:cBhvr>
-                                        <p:cTn id="27" dur="1000" fill="hold"/>
+                                        <p:cTn id="24" dur="1000" fill="hold"/>
                                         <p:tgtEl>
                                           <p:spTgt spid="3">
                                             <p:txEl>
                                               <p:pRg st="4" end="4"/>
+                                            </p:txEl>
+                                          </p:spTgt>
+                                        </p:tgtEl>
+                                        <p:attrNameLst>
+                                          <p:attrName>ppt_y</p:attrName>
+                                        </p:attrNameLst>
+                                      </p:cBhvr>
+                                      <p:tavLst>
+                                        <p:tav tm="0">
+                                          <p:val>
+                                            <p:strVal val="#ppt_y+.1"/>
+                                          </p:val>
+                                        </p:tav>
+                                        <p:tav tm="100000">
+                                          <p:val>
+                                            <p:strVal val="#ppt_y"/>
+                                          </p:val>
+                                        </p:tav>
+                                      </p:tavLst>
+                                    </p:anim>
+                                  </p:childTnLst>
+                                </p:cTn>
+                              </p:par>
+                              <p:par>
+                                <p:cTn id="25" presetID="42" presetClass="entr" presetSubtype="0" fill="hold" nodeType="withEffect">
+                                  <p:stCondLst>
+                                    <p:cond delay="0"/>
+                                  </p:stCondLst>
+                                  <p:childTnLst>
+                                    <p:set>
+                                      <p:cBhvr>
+                                        <p:cTn id="26" dur="1" fill="hold">
+                                          <p:stCondLst>
+                                            <p:cond delay="0"/>
+                                          </p:stCondLst>
+                                        </p:cTn>
+                                        <p:tgtEl>
+                                          <p:spTgt spid="3">
+                                            <p:txEl>
+                                              <p:pRg st="3" end="3"/>
+                                            </p:txEl>
+                                          </p:spTgt>
+                                        </p:tgtEl>
+                                        <p:attrNameLst>
+                                          <p:attrName>style.visibility</p:attrName>
+                                        </p:attrNameLst>
+                                      </p:cBhvr>
+                                      <p:to>
+                                        <p:strVal val="visible"/>
+                                      </p:to>
+                                    </p:set>
+                                    <p:animEffect transition="in" filter="fade">
+                                      <p:cBhvr>
+                                        <p:cTn id="27" dur="1000"/>
+                                        <p:tgtEl>
+                                          <p:spTgt spid="3">
+                                            <p:txEl>
+                                              <p:pRg st="3" end="3"/>
+                                            </p:txEl>
+                                          </p:spTgt>
+                                        </p:tgtEl>
+                                      </p:cBhvr>
+                                    </p:animEffect>
+                                    <p:anim calcmode="lin" valueType="num">
+                                      <p:cBhvr>
+                                        <p:cTn id="28" dur="1000" fill="hold"/>
+                                        <p:tgtEl>
+                                          <p:spTgt spid="3">
+                                            <p:txEl>
+                                              <p:pRg st="3" end="3"/>
+                                            </p:txEl>
+                                          </p:spTgt>
+                                        </p:tgtEl>
+                                        <p:attrNameLst>
+                                          <p:attrName>ppt_x</p:attrName>
+                                        </p:attrNameLst>
+                                      </p:cBhvr>
+                                      <p:tavLst>
+                                        <p:tav tm="0">
+                                          <p:val>
+                                            <p:strVal val="#ppt_x"/>
+                                          </p:val>
+                                        </p:tav>
+                                        <p:tav tm="100000">
+                                          <p:val>
+                                            <p:strVal val="#ppt_x"/>
+                                          </p:val>
+                                        </p:tav>
+                                      </p:tavLst>
+                                    </p:anim>
+                                    <p:anim calcmode="lin" valueType="num">
+                                      <p:cBhvr>
+                                        <p:cTn id="29" dur="1000" fill="hold"/>
+                                        <p:tgtEl>
+                                          <p:spTgt spid="3">
+                                            <p:txEl>
+                                              <p:pRg st="3" end="3"/>
                                             </p:txEl>
                                           </p:spTgt>
                                         </p:tgtEl>
@@ -14150,26 +16643,26 @@
                     </p:cTn>
                   </p:par>
                   <p:par>
-                    <p:cTn id="28" fill="hold">
+                    <p:cTn id="30" fill="hold">
                       <p:stCondLst>
                         <p:cond delay="indefinite"/>
                       </p:stCondLst>
                       <p:childTnLst>
                         <p:par>
-                          <p:cTn id="29" fill="hold">
+                          <p:cTn id="31" fill="hold">
                             <p:stCondLst>
                               <p:cond delay="0"/>
                             </p:stCondLst>
                             <p:childTnLst>
                               <p:par>
-                                <p:cTn id="30" presetID="42" presetClass="entr" presetSubtype="0" fill="hold" nodeType="clickEffect">
+                                <p:cTn id="32" presetID="42" presetClass="entr" presetSubtype="0" fill="hold" nodeType="clickEffect">
                                   <p:stCondLst>
                                     <p:cond delay="0"/>
                                   </p:stCondLst>
                                   <p:childTnLst>
                                     <p:set>
                                       <p:cBhvr>
-                                        <p:cTn id="31" dur="1" fill="hold">
+                                        <p:cTn id="33" dur="1" fill="hold">
                                           <p:stCondLst>
                                             <p:cond delay="0"/>
                                           </p:stCondLst>
@@ -14191,7 +16684,7 @@
                                     </p:set>
                                     <p:animEffect transition="in" filter="fade">
                                       <p:cBhvr>
-                                        <p:cTn id="32" dur="1000"/>
+                                        <p:cTn id="34" dur="1000"/>
                                         <p:tgtEl>
                                           <p:spTgt spid="3">
                                             <p:txEl>
@@ -14203,7 +16696,7 @@
                                     </p:animEffect>
                                     <p:anim calcmode="lin" valueType="num">
                                       <p:cBhvr>
-                                        <p:cTn id="33" dur="1000" fill="hold"/>
+                                        <p:cTn id="35" dur="1000" fill="hold"/>
                                         <p:tgtEl>
                                           <p:spTgt spid="3">
                                             <p:txEl>
@@ -14230,7 +16723,7 @@
                                     </p:anim>
                                     <p:anim calcmode="lin" valueType="num">
                                       <p:cBhvr>
-                                        <p:cTn id="34" dur="1000" fill="hold"/>
+                                        <p:cTn id="36" dur="1000" fill="hold"/>
                                         <p:tgtEl>
                                           <p:spTgt spid="3">
                                             <p:txEl>
@@ -14259,14 +16752,14 @@
                                 </p:cTn>
                               </p:par>
                               <p:par>
-                                <p:cTn id="35" presetID="42" presetClass="entr" presetSubtype="0" fill="hold" nodeType="withEffect">
+                                <p:cTn id="37" presetID="42" presetClass="entr" presetSubtype="0" fill="hold" nodeType="withEffect">
                                   <p:stCondLst>
                                     <p:cond delay="0"/>
                                   </p:stCondLst>
                                   <p:childTnLst>
                                     <p:set>
                                       <p:cBhvr>
-                                        <p:cTn id="36" dur="1" fill="hold">
+                                        <p:cTn id="38" dur="1" fill="hold">
                                           <p:stCondLst>
                                             <p:cond delay="0"/>
                                           </p:stCondLst>
@@ -14288,7 +16781,7 @@
                                     </p:set>
                                     <p:animEffect transition="in" filter="fade">
                                       <p:cBhvr>
-                                        <p:cTn id="37" dur="1000"/>
+                                        <p:cTn id="39" dur="1000"/>
                                         <p:tgtEl>
                                           <p:spTgt spid="3">
                                             <p:txEl>
@@ -14300,7 +16793,7 @@
                                     </p:animEffect>
                                     <p:anim calcmode="lin" valueType="num">
                                       <p:cBhvr>
-                                        <p:cTn id="38" dur="1000" fill="hold"/>
+                                        <p:cTn id="40" dur="1000" fill="hold"/>
                                         <p:tgtEl>
                                           <p:spTgt spid="3">
                                             <p:txEl>
@@ -14327,7 +16820,7 @@
                                     </p:anim>
                                     <p:anim calcmode="lin" valueType="num">
                                       <p:cBhvr>
-                                        <p:cTn id="39" dur="1000" fill="hold"/>
+                                        <p:cTn id="41" dur="1000" fill="hold"/>
                                         <p:tgtEl>
                                           <p:spTgt spid="3">
                                             <p:txEl>
@@ -14356,14 +16849,14 @@
                                 </p:cTn>
                               </p:par>
                               <p:par>
-                                <p:cTn id="40" presetID="42" presetClass="entr" presetSubtype="0" fill="hold" nodeType="withEffect">
+                                <p:cTn id="42" presetID="42" presetClass="entr" presetSubtype="0" fill="hold" nodeType="withEffect">
                                   <p:stCondLst>
                                     <p:cond delay="0"/>
                                   </p:stCondLst>
                                   <p:childTnLst>
                                     <p:set>
                                       <p:cBhvr>
-                                        <p:cTn id="41" dur="1" fill="hold">
+                                        <p:cTn id="43" dur="1" fill="hold">
                                           <p:stCondLst>
                                             <p:cond delay="0"/>
                                           </p:stCondLst>
@@ -14385,7 +16878,7 @@
                                     </p:set>
                                     <p:animEffect transition="in" filter="fade">
                                       <p:cBhvr>
-                                        <p:cTn id="42" dur="1000"/>
+                                        <p:cTn id="44" dur="1000"/>
                                         <p:tgtEl>
                                           <p:spTgt spid="3">
                                             <p:txEl>
@@ -14397,7 +16890,7 @@
                                     </p:animEffect>
                                     <p:anim calcmode="lin" valueType="num">
                                       <p:cBhvr>
-                                        <p:cTn id="43" dur="1000" fill="hold"/>
+                                        <p:cTn id="45" dur="1000" fill="hold"/>
                                         <p:tgtEl>
                                           <p:spTgt spid="3">
                                             <p:txEl>
@@ -14424,7 +16917,7 @@
                                     </p:anim>
                                     <p:anim calcmode="lin" valueType="num">
                                       <p:cBhvr>
-                                        <p:cTn id="44" dur="1000" fill="hold"/>
+                                        <p:cTn id="46" dur="1000" fill="hold"/>
                                         <p:tgtEl>
                                           <p:spTgt spid="3">
                                             <p:txEl>
@@ -14453,14 +16946,14 @@
                                 </p:cTn>
                               </p:par>
                               <p:par>
-                                <p:cTn id="45" presetID="42" presetClass="entr" presetSubtype="0" fill="hold" nodeType="withEffect">
+                                <p:cTn id="47" presetID="42" presetClass="entr" presetSubtype="0" fill="hold" nodeType="withEffect">
                                   <p:stCondLst>
                                     <p:cond delay="0"/>
                                   </p:stCondLst>
                                   <p:childTnLst>
                                     <p:set>
                                       <p:cBhvr>
-                                        <p:cTn id="46" dur="1" fill="hold">
+                                        <p:cTn id="48" dur="1" fill="hold">
                                           <p:stCondLst>
                                             <p:cond delay="0"/>
                                           </p:stCondLst>
@@ -14482,7 +16975,7 @@
                                     </p:set>
                                     <p:animEffect transition="in" filter="fade">
                                       <p:cBhvr>
-                                        <p:cTn id="47" dur="1000"/>
+                                        <p:cTn id="49" dur="1000"/>
                                         <p:tgtEl>
                                           <p:spTgt spid="3">
                                             <p:txEl>
@@ -14494,7 +16987,7 @@
                                     </p:animEffect>
                                     <p:anim calcmode="lin" valueType="num">
                                       <p:cBhvr>
-                                        <p:cTn id="48" dur="1000" fill="hold"/>
+                                        <p:cTn id="50" dur="1000" fill="hold"/>
                                         <p:tgtEl>
                                           <p:spTgt spid="3">
                                             <p:txEl>
@@ -14521,7 +17014,7 @@
                                     </p:anim>
                                     <p:anim calcmode="lin" valueType="num">
                                       <p:cBhvr>
-                                        <p:cTn id="49" dur="1000" fill="hold"/>
+                                        <p:cTn id="51" dur="1000" fill="hold"/>
                                         <p:tgtEl>
                                           <p:spTgt spid="3">
                                             <p:txEl>
@@ -14641,7 +17134,7 @@
         </p:nvSpPr>
         <p:spPr>
           <a:xfrm>
-            <a:off x="1721421" y="992550"/>
+            <a:off x="2380844" y="1208012"/>
             <a:ext cx="8946541" cy="5649988"/>
           </a:xfrm>
         </p:spPr>
@@ -14653,103 +17146,100 @@
           <a:p>
             <a:r>
               <a:rPr lang="en-US" sz="2800" dirty="0" smtClean="0"/>
-              <a:t> Introduction</a:t>
-            </a:r>
-          </a:p>
-          <a:p>
-            <a:r>
-              <a:rPr lang="en-US" sz="2800" dirty="0" smtClean="0"/>
+              <a:t> </a:t>
+            </a:r>
+            <a:r>
+              <a:rPr lang="en-US" sz="3200" dirty="0" smtClean="0"/>
+              <a:t>Introduction</a:t>
+            </a:r>
+          </a:p>
+          <a:p>
+            <a:r>
+              <a:rPr lang="en-US" sz="3200" dirty="0" smtClean="0"/>
               <a:t> Technologies utilisées</a:t>
             </a:r>
-            <a:endParaRPr lang="en-US" sz="2800" dirty="0"/>
-          </a:p>
-          <a:p>
-            <a:r>
-              <a:rPr lang="en-US" sz="2800" dirty="0" smtClean="0"/>
+            <a:endParaRPr lang="en-US" sz="3200" dirty="0"/>
+          </a:p>
+          <a:p>
+            <a:r>
+              <a:rPr lang="en-US" sz="3200" dirty="0" smtClean="0"/>
               <a:t> Contexte</a:t>
             </a:r>
           </a:p>
           <a:p>
             <a:r>
-              <a:rPr lang="en-US" sz="2800" dirty="0" smtClean="0"/>
-              <a:t> Composants</a:t>
-            </a:r>
-          </a:p>
-          <a:p>
-            <a:r>
-              <a:rPr lang="en-US" sz="2800" dirty="0"/>
+              <a:rPr lang="en-US" sz="3200" dirty="0" smtClean="0"/>
               <a:t> </a:t>
             </a:r>
             <a:r>
-              <a:rPr lang="en-US" sz="2800" dirty="0" smtClean="0"/>
-              <a:t>Avantages</a:t>
-            </a:r>
-          </a:p>
-          <a:p>
-            <a:r>
-              <a:rPr lang="en-US" sz="2800" dirty="0"/>
+              <a:rPr lang="en-US" sz="3200" dirty="0" err="1" smtClean="0"/>
+              <a:t>Composants</a:t>
+            </a:r>
+            <a:r>
+              <a:rPr lang="en-US" sz="3200" dirty="0" smtClean="0"/>
               <a:t> </a:t>
             </a:r>
             <a:r>
-              <a:rPr lang="en-US" sz="2800" dirty="0" err="1" smtClean="0"/>
+              <a:rPr lang="en-US" sz="3200" dirty="0" err="1" smtClean="0"/>
+              <a:t>Principaux</a:t>
+            </a:r>
+            <a:endParaRPr lang="en-US" sz="3200" dirty="0" smtClean="0"/>
+          </a:p>
+          <a:p>
+            <a:r>
+              <a:rPr lang="en-US" sz="3200" dirty="0" smtClean="0"/>
+              <a:t> Design</a:t>
+            </a:r>
+            <a:endParaRPr lang="en-US" sz="3200" dirty="0" smtClean="0"/>
+          </a:p>
+          <a:p>
+            <a:r>
+              <a:rPr lang="en-US" sz="3200" dirty="0" smtClean="0"/>
+              <a:t> </a:t>
+            </a:r>
+            <a:r>
+              <a:rPr lang="en-US" sz="3200" dirty="0" err="1" smtClean="0"/>
               <a:t>Améliorations</a:t>
             </a:r>
-            <a:endParaRPr lang="en-US" sz="2800" dirty="0" smtClean="0"/>
-          </a:p>
-          <a:p>
-            <a:r>
-              <a:rPr lang="en-US" sz="2800" dirty="0" smtClean="0"/>
+            <a:endParaRPr lang="en-US" sz="3200" dirty="0" smtClean="0"/>
+          </a:p>
+          <a:p>
+            <a:r>
+              <a:rPr lang="en-US" sz="3200" dirty="0" smtClean="0"/>
               <a:t> </a:t>
             </a:r>
             <a:r>
-              <a:rPr lang="en-US" sz="2800" dirty="0" err="1" smtClean="0"/>
+              <a:rPr lang="en-US" sz="3200" dirty="0" err="1" smtClean="0"/>
               <a:t>Problèmes</a:t>
             </a:r>
             <a:r>
-              <a:rPr lang="en-US" sz="2800" dirty="0" smtClean="0"/>
+              <a:rPr lang="en-US" sz="3200" dirty="0" smtClean="0"/>
               <a:t> </a:t>
             </a:r>
             <a:r>
-              <a:rPr lang="en-US" sz="2800" dirty="0" err="1" smtClean="0"/>
+              <a:rPr lang="en-US" sz="3200" dirty="0" err="1" smtClean="0"/>
               <a:t>rencontrés</a:t>
             </a:r>
-            <a:endParaRPr lang="en-US" sz="2800" dirty="0"/>
-          </a:p>
-          <a:p>
-            <a:r>
-              <a:rPr lang="en-US" sz="2800" dirty="0" smtClean="0"/>
+            <a:endParaRPr lang="en-US" sz="3200" dirty="0"/>
+          </a:p>
+          <a:p>
+            <a:r>
+              <a:rPr lang="en-US" sz="3200" dirty="0" smtClean="0"/>
               <a:t> </a:t>
             </a:r>
             <a:r>
-              <a:rPr lang="en-US" sz="2800" dirty="0" err="1" smtClean="0"/>
+              <a:rPr lang="en-US" sz="3200" dirty="0" err="1" smtClean="0"/>
               <a:t>Erreurs</a:t>
             </a:r>
             <a:r>
-              <a:rPr lang="en-US" sz="2800" dirty="0" smtClean="0"/>
+              <a:rPr lang="en-US" sz="3200" dirty="0" smtClean="0"/>
               <a:t> </a:t>
             </a:r>
             <a:r>
-              <a:rPr lang="en-US" sz="2800" dirty="0" err="1" smtClean="0"/>
+              <a:rPr lang="en-US" sz="3200" dirty="0" err="1" smtClean="0"/>
               <a:t>restantes</a:t>
             </a:r>
-            <a:endParaRPr lang="en-US" sz="2800" dirty="0" smtClean="0"/>
-          </a:p>
-          <a:p>
-            <a:r>
-              <a:rPr lang="en-US" sz="2800" dirty="0" smtClean="0"/>
-              <a:t> </a:t>
-            </a:r>
-            <a:r>
-              <a:rPr lang="en-US" sz="2800" dirty="0" err="1" smtClean="0"/>
-              <a:t>Remerciements</a:t>
-            </a:r>
-            <a:endParaRPr lang="en-US" sz="2800" dirty="0"/>
-          </a:p>
-          <a:p>
-            <a:r>
-              <a:rPr lang="en-US" sz="2800" dirty="0" smtClean="0"/>
-              <a:t> Questions</a:t>
-            </a:r>
+            <a:endParaRPr lang="en-US" sz="3200" dirty="0" smtClean="0"/>
           </a:p>
         </p:txBody>
       </p:sp>
@@ -14843,38 +17333,40 @@
         </p:nvSpPr>
         <p:spPr>
           <a:xfrm>
-            <a:off x="682558" y="3265083"/>
-            <a:ext cx="3968956" cy="1376491"/>
+            <a:off x="1884529" y="1917549"/>
+            <a:ext cx="8422942" cy="1376491"/>
           </a:xfrm>
         </p:spPr>
         <p:txBody>
-          <a:bodyPr/>
+          <a:bodyPr>
+            <a:noAutofit/>
+          </a:bodyPr>
           <a:lstStyle/>
           <a:p>
             <a:r>
-              <a:rPr lang="en-US" dirty="0" smtClean="0"/>
+              <a:rPr lang="en-US" sz="4000" dirty="0" smtClean="0"/>
               <a:t>IE avec VueX</a:t>
             </a:r>
           </a:p>
           <a:p>
             <a:pPr lvl="1"/>
             <a:r>
-              <a:rPr lang="en-US" dirty="0" err="1" smtClean="0"/>
+              <a:rPr lang="en-US" sz="3600" dirty="0" err="1" smtClean="0"/>
               <a:t>Résolution</a:t>
             </a:r>
             <a:r>
-              <a:rPr lang="en-US" dirty="0" smtClean="0"/>
+              <a:rPr lang="en-US" sz="3600" dirty="0" smtClean="0"/>
               <a:t> : </a:t>
             </a:r>
             <a:r>
-              <a:rPr lang="en-US" b="1" dirty="0" smtClean="0"/>
+              <a:rPr lang="en-US" sz="3600" b="1" dirty="0" smtClean="0"/>
               <a:t>babel-</a:t>
             </a:r>
             <a:r>
-              <a:rPr lang="en-US" b="1" dirty="0" err="1" smtClean="0"/>
+              <a:rPr lang="en-US" sz="3600" b="1" dirty="0" err="1" smtClean="0"/>
               <a:t>polyfill</a:t>
             </a:r>
-            <a:endParaRPr lang="en-US" b="1" dirty="0" smtClean="0"/>
+            <a:endParaRPr lang="en-US" sz="3600" b="1" dirty="0" smtClean="0"/>
           </a:p>
         </p:txBody>
       </p:sp>
@@ -14894,8 +17386,8 @@
         </p:blipFill>
         <p:spPr>
           <a:xfrm>
-            <a:off x="5060201" y="2642640"/>
-            <a:ext cx="6743700" cy="1828800"/>
+            <a:off x="1276871" y="3686476"/>
+            <a:ext cx="9638258" cy="2613765"/>
           </a:xfrm>
           <a:prstGeom prst="rect">
             <a:avLst/>
@@ -14951,8 +17443,49 @@
         </p:nvSpPr>
         <p:spPr>
           <a:xfrm>
-            <a:off x="0" y="0"/>
-            <a:ext cx="9404723" cy="617838"/>
+            <a:off x="0" y="24350"/>
+            <a:ext cx="9404723" cy="832385"/>
+          </a:xfrm>
+        </p:spPr>
+        <p:txBody>
+          <a:bodyPr/>
+          <a:lstStyle/>
+          <a:p>
+            <a:pPr algn="l"/>
+            <a:r>
+              <a:rPr lang="en-US" sz="5400" dirty="0" smtClean="0"/>
+              <a:t> </a:t>
+            </a:r>
+            <a:r>
+              <a:rPr lang="en-US" sz="5400" dirty="0" err="1" smtClean="0"/>
+              <a:t>Problèmes</a:t>
+            </a:r>
+            <a:r>
+              <a:rPr lang="en-US" sz="5400" dirty="0" smtClean="0"/>
+              <a:t> </a:t>
+            </a:r>
+            <a:r>
+              <a:rPr lang="en-US" sz="5400" dirty="0" err="1" smtClean="0"/>
+              <a:t>rencontrés</a:t>
+            </a:r>
+            <a:endParaRPr lang="fr-CH" sz="5400" dirty="0"/>
+          </a:p>
+        </p:txBody>
+      </p:sp>
+      <p:sp>
+        <p:nvSpPr>
+          <p:cNvPr id="3" name="Content Placeholder 2"/>
+          <p:cNvSpPr>
+            <a:spLocks noGrp="1"/>
+          </p:cNvSpPr>
+          <p:nvPr>
+            <p:ph idx="1"/>
+          </p:nvPr>
+        </p:nvSpPr>
+        <p:spPr>
+          <a:xfrm>
+            <a:off x="748748" y="1984926"/>
+            <a:ext cx="8422942" cy="1376491"/>
           </a:xfrm>
         </p:spPr>
         <p:txBody>
@@ -14961,140 +17494,30 @@
           </a:bodyPr>
           <a:lstStyle/>
           <a:p>
-            <a:pPr algn="l"/>
-            <a:r>
-              <a:rPr lang="en-US" sz="5400" dirty="0" smtClean="0"/>
+            <a:r>
+              <a:rPr lang="en-US" sz="4000" dirty="0" smtClean="0"/>
               <a:t> </a:t>
             </a:r>
             <a:r>
-              <a:rPr lang="en-US" sz="5400" dirty="0" err="1" smtClean="0"/>
-              <a:t>Erreurs</a:t>
-            </a:r>
-            <a:r>
-              <a:rPr lang="en-US" sz="5400" dirty="0" smtClean="0"/>
+              <a:rPr lang="en-US" sz="4000" dirty="0" err="1" smtClean="0"/>
+              <a:t>Rendu</a:t>
+            </a:r>
+            <a:r>
+              <a:rPr lang="en-US" sz="4000" dirty="0" smtClean="0"/>
               <a:t> </a:t>
             </a:r>
             <a:r>
-              <a:rPr lang="en-US" sz="5400" dirty="0" err="1" smtClean="0"/>
-              <a:t>Restantes</a:t>
-            </a:r>
-            <a:endParaRPr lang="fr-CH" sz="5400" dirty="0"/>
-          </a:p>
-        </p:txBody>
-      </p:sp>
-      <p:sp>
-        <p:nvSpPr>
-          <p:cNvPr id="3" name="Content Placeholder 2"/>
-          <p:cNvSpPr>
-            <a:spLocks noGrp="1"/>
-          </p:cNvSpPr>
-          <p:nvPr>
-            <p:ph idx="1"/>
-          </p:nvPr>
-        </p:nvSpPr>
-        <p:spPr>
-          <a:xfrm>
-            <a:off x="1103312" y="2052918"/>
-            <a:ext cx="10217831" cy="4195481"/>
-          </a:xfrm>
-        </p:spPr>
-        <p:txBody>
-          <a:bodyPr>
-            <a:normAutofit/>
-          </a:bodyPr>
-          <a:lstStyle/>
-          <a:p>
-            <a:r>
-              <a:rPr lang="en-US" sz="2800" dirty="0" err="1" smtClean="0"/>
-              <a:t>Refus</a:t>
-            </a:r>
-            <a:r>
-              <a:rPr lang="en-US" sz="2800" dirty="0" smtClean="0"/>
-              <a:t> </a:t>
-            </a:r>
-            <a:r>
-              <a:rPr lang="en-US" sz="2800" dirty="0" err="1" smtClean="0"/>
-              <a:t>d’authentification</a:t>
-            </a:r>
-            <a:r>
-              <a:rPr lang="en-US" sz="2800" dirty="0" smtClean="0"/>
-              <a:t> pour </a:t>
-            </a:r>
-            <a:r>
-              <a:rPr lang="en-US" sz="2800" dirty="0" err="1" smtClean="0"/>
-              <a:t>l’email</a:t>
-            </a:r>
-            <a:endParaRPr lang="en-US" sz="2800" dirty="0" smtClean="0"/>
-          </a:p>
-          <a:p>
-            <a:pPr marL="36900" indent="0">
-              <a:buNone/>
-            </a:pPr>
-            <a:endParaRPr lang="en-US" sz="2800" dirty="0" smtClean="0"/>
-          </a:p>
-          <a:p>
-            <a:r>
-              <a:rPr lang="en-US" sz="2800" dirty="0" smtClean="0"/>
-              <a:t>Sessions </a:t>
-            </a:r>
-            <a:r>
-              <a:rPr lang="en-US" sz="2800" dirty="0" err="1" smtClean="0"/>
-              <a:t>expirées</a:t>
-            </a:r>
-            <a:r>
-              <a:rPr lang="en-US" sz="2800" dirty="0" smtClean="0"/>
-              <a:t> pas </a:t>
-            </a:r>
-            <a:r>
-              <a:rPr lang="en-US" sz="2800" dirty="0" err="1" smtClean="0"/>
-              <a:t>gérèes</a:t>
-            </a:r>
-            <a:endParaRPr lang="en-US" sz="2800" dirty="0" smtClean="0"/>
-          </a:p>
-          <a:p>
-            <a:endParaRPr lang="en-US" sz="2800" dirty="0" smtClean="0"/>
-          </a:p>
-          <a:p>
-            <a:r>
-              <a:rPr lang="en-US" sz="2800" i="1" dirty="0" smtClean="0"/>
-              <a:t>End</a:t>
-            </a:r>
-            <a:r>
-              <a:rPr lang="en-US" sz="2800" dirty="0" smtClean="0"/>
-              <a:t> </a:t>
-            </a:r>
-            <a:r>
-              <a:rPr lang="en-US" sz="2800" dirty="0" smtClean="0"/>
-              <a:t>avec </a:t>
-            </a:r>
-            <a:r>
-              <a:rPr lang="en-US" sz="2800" dirty="0" err="1" smtClean="0"/>
-              <a:t>une</a:t>
-            </a:r>
-            <a:r>
-              <a:rPr lang="en-US" sz="2800" dirty="0" smtClean="0"/>
-              <a:t> </a:t>
-            </a:r>
-            <a:r>
-              <a:rPr lang="en-US" sz="2800" dirty="0" err="1" smtClean="0"/>
-              <a:t>seule</a:t>
-            </a:r>
-            <a:r>
-              <a:rPr lang="en-US" sz="2800" dirty="0" smtClean="0"/>
-              <a:t> </a:t>
-            </a:r>
-            <a:r>
-              <a:rPr lang="en-US" sz="2800" i="1" dirty="0" smtClean="0"/>
-              <a:t>Arrow</a:t>
-            </a:r>
-            <a:endParaRPr lang="fr-CH" sz="2800" i="1" dirty="0"/>
+              <a:rPr lang="en-US" sz="4000" dirty="0" err="1" smtClean="0"/>
+              <a:t>vue-chartjs</a:t>
+            </a:r>
+            <a:endParaRPr lang="en-US" sz="3600" b="1" dirty="0" smtClean="0"/>
           </a:p>
         </p:txBody>
       </p:sp>
     </p:spTree>
     <p:extLst>
       <p:ext uri="{BB962C8B-B14F-4D97-AF65-F5344CB8AC3E}">
-        <p14:creationId xmlns:p14="http://schemas.microsoft.com/office/powerpoint/2010/main" val="1941745085"/>
+        <p14:creationId xmlns:p14="http://schemas.microsoft.com/office/powerpoint/2010/main" val="1235748813"/>
       </p:ext>
     </p:extLst>
   </p:cSld>
@@ -15140,26 +17563,146 @@
         </p:nvSpPr>
         <p:spPr>
           <a:xfrm>
-            <a:off x="3400869" y="2962174"/>
-            <a:ext cx="5390262" cy="933651"/>
+            <a:off x="0" y="0"/>
+            <a:ext cx="9404723" cy="617838"/>
           </a:xfrm>
         </p:spPr>
         <p:txBody>
-          <a:bodyPr/>
+          <a:bodyPr>
+            <a:noAutofit/>
+          </a:bodyPr>
           <a:lstStyle/>
           <a:p>
-            <a:r>
-              <a:rPr lang="fr-CH" sz="5400" dirty="0" smtClean="0"/>
-              <a:t>Remerciements</a:t>
-            </a:r>
-            <a:endParaRPr lang="fr-CH" dirty="0"/>
+            <a:pPr algn="l"/>
+            <a:r>
+              <a:rPr lang="en-US" sz="5400" dirty="0" smtClean="0"/>
+              <a:t> </a:t>
+            </a:r>
+            <a:r>
+              <a:rPr lang="en-US" sz="5400" dirty="0" err="1" smtClean="0"/>
+              <a:t>Erreurs</a:t>
+            </a:r>
+            <a:r>
+              <a:rPr lang="en-US" sz="5400" dirty="0" smtClean="0"/>
+              <a:t> </a:t>
+            </a:r>
+            <a:r>
+              <a:rPr lang="en-US" sz="5400" dirty="0" err="1" smtClean="0"/>
+              <a:t>Restantes</a:t>
+            </a:r>
+            <a:endParaRPr lang="fr-CH" sz="5400" dirty="0"/>
+          </a:p>
+        </p:txBody>
+      </p:sp>
+      <p:sp>
+        <p:nvSpPr>
+          <p:cNvPr id="3" name="Content Placeholder 2"/>
+          <p:cNvSpPr>
+            <a:spLocks noGrp="1"/>
+          </p:cNvSpPr>
+          <p:nvPr>
+            <p:ph idx="1"/>
+          </p:nvPr>
+        </p:nvSpPr>
+        <p:spPr>
+          <a:xfrm>
+            <a:off x="1103312" y="2052918"/>
+            <a:ext cx="10217831" cy="4195481"/>
+          </a:xfrm>
+        </p:spPr>
+        <p:txBody>
+          <a:bodyPr>
+            <a:normAutofit/>
+          </a:bodyPr>
+          <a:lstStyle/>
+          <a:p>
+            <a:r>
+              <a:rPr lang="en-US" sz="2800" dirty="0" err="1" smtClean="0"/>
+              <a:t>Refus</a:t>
+            </a:r>
+            <a:r>
+              <a:rPr lang="en-US" sz="2800" dirty="0" smtClean="0"/>
+              <a:t> </a:t>
+            </a:r>
+            <a:r>
+              <a:rPr lang="en-US" sz="2800" dirty="0" err="1" smtClean="0"/>
+              <a:t>d’authentification</a:t>
+            </a:r>
+            <a:r>
+              <a:rPr lang="en-US" sz="2800" dirty="0" smtClean="0"/>
+              <a:t> pour </a:t>
+            </a:r>
+            <a:r>
+              <a:rPr lang="en-US" sz="2800" dirty="0" err="1" smtClean="0"/>
+              <a:t>l’email</a:t>
+            </a:r>
+            <a:endParaRPr lang="en-US" sz="2800" dirty="0" smtClean="0"/>
+          </a:p>
+          <a:p>
+            <a:pPr marL="36900" indent="0">
+              <a:buNone/>
+            </a:pPr>
+            <a:endParaRPr lang="en-US" sz="2800" dirty="0" smtClean="0"/>
+          </a:p>
+          <a:p>
+            <a:r>
+              <a:rPr lang="en-US" sz="2800" dirty="0" smtClean="0"/>
+              <a:t>Sessions </a:t>
+            </a:r>
+            <a:r>
+              <a:rPr lang="en-US" sz="2800" dirty="0" err="1" smtClean="0"/>
+              <a:t>expirées</a:t>
+            </a:r>
+            <a:r>
+              <a:rPr lang="en-US" sz="2800" dirty="0" smtClean="0"/>
+              <a:t> pas </a:t>
+            </a:r>
+            <a:r>
+              <a:rPr lang="en-US" sz="2800" dirty="0" err="1" smtClean="0"/>
+              <a:t>gérées</a:t>
+            </a:r>
+            <a:endParaRPr lang="en-US" sz="2800" dirty="0" smtClean="0"/>
+          </a:p>
+          <a:p>
+            <a:endParaRPr lang="en-US" sz="2800" dirty="0" smtClean="0"/>
+          </a:p>
+          <a:p>
+            <a:r>
+              <a:rPr lang="en-US" sz="2800" i="1" dirty="0" smtClean="0"/>
+              <a:t>End</a:t>
+            </a:r>
+            <a:r>
+              <a:rPr lang="en-US" sz="2800" dirty="0" smtClean="0"/>
+              <a:t> avec </a:t>
+            </a:r>
+            <a:r>
+              <a:rPr lang="en-US" sz="2800" dirty="0" err="1" smtClean="0"/>
+              <a:t>une</a:t>
+            </a:r>
+            <a:r>
+              <a:rPr lang="en-US" sz="2800" dirty="0" smtClean="0"/>
+              <a:t> </a:t>
+            </a:r>
+            <a:r>
+              <a:rPr lang="en-US" sz="2800" dirty="0" err="1" smtClean="0"/>
+              <a:t>seule</a:t>
+            </a:r>
+            <a:r>
+              <a:rPr lang="en-US" sz="2800" dirty="0" smtClean="0"/>
+              <a:t> </a:t>
+            </a:r>
+            <a:r>
+              <a:rPr lang="en-US" sz="2800" i="1" dirty="0" smtClean="0"/>
+              <a:t>Arrow</a:t>
+            </a:r>
+            <a:endParaRPr lang="fr-CH" sz="2800" i="1" dirty="0"/>
           </a:p>
         </p:txBody>
       </p:sp>
     </p:spTree>
     <p:extLst>
       <p:ext uri="{BB962C8B-B14F-4D97-AF65-F5344CB8AC3E}">
-        <p14:creationId xmlns:p14="http://schemas.microsoft.com/office/powerpoint/2010/main" val="156821349"/>
+        <p14:creationId xmlns:p14="http://schemas.microsoft.com/office/powerpoint/2010/main" val="1941745085"/>
       </p:ext>
     </p:extLst>
   </p:cSld>
@@ -15205,8 +17748,8 @@
         </p:nvSpPr>
         <p:spPr>
           <a:xfrm>
-            <a:off x="4152826" y="3062234"/>
-            <a:ext cx="3886348" cy="733531"/>
+            <a:off x="2459324" y="2787372"/>
+            <a:ext cx="7142723" cy="1283255"/>
           </a:xfrm>
         </p:spPr>
         <p:txBody>
@@ -15214,14 +17757,75 @@
           <a:lstStyle/>
           <a:p>
             <a:r>
-              <a:rPr lang="en-US" sz="5400" dirty="0" smtClean="0"/>
-              <a:t>Questions</a:t>
-            </a:r>
-            <a:r>
-              <a:rPr lang="en-US" dirty="0" smtClean="0"/>
-              <a:t> ?</a:t>
+              <a:rPr lang="fr-CH" sz="7200" dirty="0" smtClean="0"/>
+              <a:t>Remerciements</a:t>
             </a:r>
             <a:endParaRPr lang="fr-CH" dirty="0"/>
+          </a:p>
+        </p:txBody>
+      </p:sp>
+    </p:spTree>
+    <p:extLst>
+      <p:ext uri="{BB962C8B-B14F-4D97-AF65-F5344CB8AC3E}">
+        <p14:creationId xmlns:p14="http://schemas.microsoft.com/office/powerpoint/2010/main" val="156821349"/>
+      </p:ext>
+    </p:extLst>
+  </p:cSld>
+  <p:clrMapOvr>
+    <a:masterClrMapping/>
+  </p:clrMapOvr>
+  <p:timing>
+    <p:tnLst>
+      <p:par>
+        <p:cTn id="1" dur="indefinite" restart="never" nodeType="tmRoot"/>
+      </p:par>
+    </p:tnLst>
+  </p:timing>
+</p:sld>
+</file>
+
+<file path=ppt/slides/slide24.xml><?xml version="1.0" encoding="utf-8"?>
+<p:sld xmlns:a="http://schemas.openxmlformats.org/drawingml/2006/main" xmlns:r="http://schemas.openxmlformats.org/officeDocument/2006/relationships" xmlns:p="http://schemas.openxmlformats.org/presentationml/2006/main">
+  <p:cSld>
+    <p:spTree>
+      <p:nvGrpSpPr>
+        <p:cNvPr id="1" name=""/>
+        <p:cNvGrpSpPr/>
+        <p:nvPr/>
+      </p:nvGrpSpPr>
+      <p:grpSpPr>
+        <a:xfrm>
+          <a:off x="0" y="0"/>
+          <a:ext cx="0" cy="0"/>
+          <a:chOff x="0" y="0"/>
+          <a:chExt cx="0" cy="0"/>
+        </a:xfrm>
+      </p:grpSpPr>
+      <p:sp>
+        <p:nvSpPr>
+          <p:cNvPr id="2" name="Title 1"/>
+          <p:cNvSpPr>
+            <a:spLocks noGrp="1"/>
+          </p:cNvSpPr>
+          <p:nvPr>
+            <p:ph type="title"/>
+          </p:nvPr>
+        </p:nvSpPr>
+        <p:spPr>
+          <a:xfrm>
+            <a:off x="3382522" y="2803849"/>
+            <a:ext cx="5426955" cy="1250302"/>
+          </a:xfrm>
+        </p:spPr>
+        <p:txBody>
+          <a:bodyPr/>
+          <a:lstStyle/>
+          <a:p>
+            <a:r>
+              <a:rPr lang="en-US" sz="7200" dirty="0" smtClean="0"/>
+              <a:t>Questions ?</a:t>
+            </a:r>
+            <a:endParaRPr lang="fr-CH" sz="7200" dirty="0"/>
           </a:p>
         </p:txBody>
       </p:sp>
@@ -15274,8 +17878,8 @@
         </p:nvSpPr>
         <p:spPr>
           <a:xfrm>
-            <a:off x="3862938" y="2986238"/>
-            <a:ext cx="4466123" cy="885524"/>
+            <a:off x="3142893" y="2780633"/>
+            <a:ext cx="5906213" cy="1296734"/>
           </a:xfrm>
         </p:spPr>
         <p:txBody>
@@ -15284,7 +17888,11 @@
           <a:p>
             <a:r>
               <a:rPr lang="en-US" sz="5400" dirty="0" smtClean="0"/>
-              <a:t> Introduction</a:t>
+              <a:t> </a:t>
+            </a:r>
+            <a:r>
+              <a:rPr lang="en-US" sz="7200" dirty="0" smtClean="0"/>
+              <a:t>Introduction</a:t>
             </a:r>
             <a:endParaRPr lang="fr-CH" dirty="0"/>
           </a:p>
@@ -15300,6 +17908,18 @@
   <p:clrMapOvr>
     <a:masterClrMapping/>
   </p:clrMapOvr>
+  <mc:AlternateContent xmlns:mc="http://schemas.openxmlformats.org/markup-compatibility/2006">
+    <mc:Choice xmlns:p14="http://schemas.microsoft.com/office/powerpoint/2010/main" Requires="p14">
+      <p:transition spd="med" p14:dur="700" advClick="0" advTm="3000">
+        <p:fade/>
+      </p:transition>
+    </mc:Choice>
+    <mc:Fallback>
+      <p:transition spd="med" advClick="0" advTm="3000">
+        <p:fade/>
+      </p:transition>
+    </mc:Fallback>
+  </mc:AlternateContent>
   <p:timing>
     <p:tnLst>
       <p:par>
@@ -15388,7 +18008,7 @@
         </p:nvSpPr>
         <p:spPr>
           <a:xfrm>
-            <a:off x="407773" y="1654018"/>
+            <a:off x="1088907" y="1595775"/>
             <a:ext cx="11969578" cy="4450220"/>
           </a:xfrm>
         </p:spPr>
@@ -15548,8 +18168,8 @@
         </p:nvSpPr>
         <p:spPr>
           <a:xfrm>
-            <a:off x="2289055" y="3000841"/>
-            <a:ext cx="7613890" cy="856318"/>
+            <a:off x="1278266" y="2736726"/>
+            <a:ext cx="9635467" cy="1384548"/>
           </a:xfrm>
         </p:spPr>
         <p:txBody>
@@ -15557,10 +18177,10 @@
           <a:lstStyle/>
           <a:p>
             <a:r>
-              <a:rPr lang="en-US" sz="5400" dirty="0" smtClean="0"/>
+              <a:rPr lang="en-US" sz="7200" dirty="0" smtClean="0"/>
               <a:t>Technologies utilisées</a:t>
             </a:r>
-            <a:endParaRPr lang="fr-CH" sz="5400" dirty="0"/>
+            <a:endParaRPr lang="fr-CH" sz="7200" dirty="0"/>
           </a:p>
         </p:txBody>
       </p:sp>
@@ -15574,6 +18194,18 @@
   <p:clrMapOvr>
     <a:masterClrMapping/>
   </p:clrMapOvr>
+  <mc:AlternateContent xmlns:mc="http://schemas.openxmlformats.org/markup-compatibility/2006">
+    <mc:Choice xmlns:p14="http://schemas.microsoft.com/office/powerpoint/2010/main" Requires="p14">
+      <p:transition spd="med" p14:dur="700" advClick="0" advTm="3000">
+        <p:fade/>
+      </p:transition>
+    </mc:Choice>
+    <mc:Fallback>
+      <p:transition spd="med" advClick="0" advTm="3000">
+        <p:fade/>
+      </p:transition>
+    </mc:Fallback>
+  </mc:AlternateContent>
   <p:timing>
     <p:tnLst>
       <p:par>
@@ -15647,7 +18279,7 @@
         </p:spPr>
         <p:txBody>
           <a:bodyPr>
-            <a:normAutofit fontScale="85000" lnSpcReduction="10000"/>
+            <a:normAutofit fontScale="92500"/>
           </a:bodyPr>
           <a:lstStyle/>
           <a:p>
@@ -15668,11 +18300,7 @@
             </a:r>
             <a:r>
               <a:rPr lang="en-US" sz="2800" dirty="0" smtClean="0"/>
-              <a:t> un framework </a:t>
-            </a:r>
-            <a:r>
-              <a:rPr lang="en-US" sz="2800" dirty="0" smtClean="0"/>
-              <a:t>JS </a:t>
+              <a:t> un framework JS </a:t>
             </a:r>
             <a:r>
               <a:rPr lang="en-US" sz="2800" dirty="0" err="1" smtClean="0"/>
@@ -15692,30 +18320,161 @@
             </a:r>
             <a:r>
               <a:rPr lang="en-US" sz="2800" i="1" dirty="0" err="1" smtClean="0"/>
-              <a:t>WebComponents</a:t>
+              <a:t>Composants</a:t>
+            </a:r>
+            <a:r>
+              <a:rPr lang="en-US" sz="2800" i="1" dirty="0" smtClean="0"/>
+              <a:t> WEB</a:t>
             </a:r>
             <a:endParaRPr lang="fr-CH" sz="2800" i="1" dirty="0"/>
+          </a:p>
+        </p:txBody>
+      </p:sp>
+      <p:sp>
+        <p:nvSpPr>
+          <p:cNvPr id="5" name="Rectangle 4"/>
+          <p:cNvSpPr/>
+          <p:nvPr/>
+        </p:nvSpPr>
+        <p:spPr>
+          <a:xfrm>
+            <a:off x="274550" y="2422177"/>
+            <a:ext cx="11367436" cy="4235116"/>
+          </a:xfrm>
+          <a:prstGeom prst="rect">
+            <a:avLst/>
+          </a:prstGeom>
+          <a:noFill/>
+          <a:ln w="28575"/>
+        </p:spPr>
+        <p:style>
+          <a:lnRef idx="2">
+            <a:schemeClr val="accent1">
+              <a:shade val="50000"/>
+            </a:schemeClr>
+          </a:lnRef>
+          <a:fillRef idx="1">
+            <a:schemeClr val="accent1"/>
+          </a:fillRef>
+          <a:effectRef idx="0">
+            <a:schemeClr val="accent1"/>
+          </a:effectRef>
+          <a:fontRef idx="minor">
+            <a:schemeClr val="lt1"/>
+          </a:fontRef>
+        </p:style>
+        <p:txBody>
+          <a:bodyPr rtlCol="0" anchor="ctr"/>
+          <a:lstStyle/>
+          <a:p>
+            <a:pPr algn="ctr"/>
+            <a:endParaRPr lang="fr-CH"/>
+          </a:p>
+        </p:txBody>
+      </p:sp>
+      <p:sp>
+        <p:nvSpPr>
+          <p:cNvPr id="6" name="TextBox 5"/>
+          <p:cNvSpPr txBox="1"/>
+          <p:nvPr/>
+        </p:nvSpPr>
+        <p:spPr>
+          <a:xfrm>
+            <a:off x="274550" y="2052845"/>
+            <a:ext cx="2391648" cy="369332"/>
+          </a:xfrm>
+          <a:prstGeom prst="rect">
+            <a:avLst/>
+          </a:prstGeom>
+          <a:noFill/>
+          <a:ln w="28575">
+            <a:solidFill>
+              <a:schemeClr val="accent1">
+                <a:lumMod val="75000"/>
+              </a:schemeClr>
+            </a:solidFill>
+          </a:ln>
+        </p:spPr>
+        <p:txBody>
+          <a:bodyPr wrap="square" rtlCol="0">
+            <a:spAutoFit/>
+          </a:bodyPr>
+          <a:lstStyle/>
+          <a:p>
+            <a:r>
+              <a:rPr lang="en-US" i="1" dirty="0" err="1" smtClean="0"/>
+              <a:t>shootSummary.vue</a:t>
+            </a:r>
+            <a:endParaRPr lang="fr-CH" i="1" dirty="0"/>
           </a:p>
         </p:txBody>
       </p:sp>
       <p:pic>
         <p:nvPicPr>
-          <p:cNvPr id="4" name="Picture 3"/>
+          <p:cNvPr id="8" name="Picture 7"/>
           <p:cNvPicPr>
             <a:picLocks noChangeAspect="1"/>
           </p:cNvPicPr>
           <p:nvPr/>
         </p:nvPicPr>
         <p:blipFill>
-          <a:blip r:embed="rId2"/>
+          <a:blip r:embed="rId3"/>
           <a:stretch>
             <a:fillRect/>
           </a:stretch>
         </p:blipFill>
         <p:spPr>
           <a:xfrm>
-            <a:off x="274550" y="1917177"/>
-            <a:ext cx="11587987" cy="4450371"/>
+            <a:off x="923674" y="4539735"/>
+            <a:ext cx="2897556" cy="1428749"/>
+          </a:xfrm>
+          <a:prstGeom prst="rect">
+            <a:avLst/>
+          </a:prstGeom>
+        </p:spPr>
+      </p:pic>
+      <p:pic>
+        <p:nvPicPr>
+          <p:cNvPr id="9" name="Picture 8"/>
+          <p:cNvPicPr>
+            <a:picLocks noChangeAspect="1"/>
+          </p:cNvPicPr>
+          <p:nvPr/>
+        </p:nvPicPr>
+        <p:blipFill>
+          <a:blip r:embed="rId4"/>
+          <a:stretch>
+            <a:fillRect/>
+          </a:stretch>
+        </p:blipFill>
+        <p:spPr>
+          <a:xfrm>
+            <a:off x="316187" y="2474772"/>
+            <a:ext cx="5574705" cy="1283234"/>
+          </a:xfrm>
+          <a:prstGeom prst="rect">
+            <a:avLst/>
+          </a:prstGeom>
+        </p:spPr>
+      </p:pic>
+      <p:pic>
+        <p:nvPicPr>
+          <p:cNvPr id="10" name="Picture 9"/>
+          <p:cNvPicPr>
+            <a:picLocks noChangeAspect="1"/>
+          </p:cNvPicPr>
+          <p:nvPr/>
+        </p:nvPicPr>
+        <p:blipFill>
+          <a:blip r:embed="rId5"/>
+          <a:stretch>
+            <a:fillRect/>
+          </a:stretch>
+        </p:blipFill>
+        <p:spPr>
+          <a:xfrm>
+            <a:off x="5659054" y="3891900"/>
+            <a:ext cx="5866165" cy="2678249"/>
           </a:xfrm>
           <a:prstGeom prst="rect">
             <a:avLst/>
@@ -15732,140 +18491,18 @@
   <p:clrMapOvr>
     <a:masterClrMapping/>
   </p:clrMapOvr>
-  <mc:AlternateContent xmlns:mc="http://schemas.openxmlformats.org/markup-compatibility/2006">
-    <mc:Choice xmlns:p14="http://schemas.microsoft.com/office/powerpoint/2010/main" Requires="p14">
+  <mc:AlternateContent xmlns:mc="http://schemas.openxmlformats.org/markup-compatibility/2006" xmlns:p14="http://schemas.microsoft.com/office/powerpoint/2010/main">
+    <mc:Choice Requires="p14">
       <p:transition p14:dur="0"/>
     </mc:Choice>
-    <mc:Fallback>
+    <mc:Fallback xmlns="">
       <p:transition/>
     </mc:Fallback>
   </mc:AlternateContent>
   <p:timing>
     <p:tnLst>
       <p:par>
-        <p:cTn id="1" dur="indefinite" restart="never" nodeType="tmRoot">
-          <p:childTnLst>
-            <p:seq concurrent="1" nextAc="seek">
-              <p:cTn id="2" dur="indefinite" nodeType="mainSeq">
-                <p:childTnLst>
-                  <p:par>
-                    <p:cTn id="3" fill="hold">
-                      <p:stCondLst>
-                        <p:cond delay="indefinite"/>
-                      </p:stCondLst>
-                      <p:childTnLst>
-                        <p:par>
-                          <p:cTn id="4" fill="hold">
-                            <p:stCondLst>
-                              <p:cond delay="0"/>
-                            </p:stCondLst>
-                            <p:childTnLst>
-                              <p:par>
-                                <p:cTn id="5" presetID="42" presetClass="entr" presetSubtype="0" fill="hold" nodeType="clickEffect">
-                                  <p:stCondLst>
-                                    <p:cond delay="0"/>
-                                  </p:stCondLst>
-                                  <p:childTnLst>
-                                    <p:set>
-                                      <p:cBhvr>
-                                        <p:cTn id="6" dur="1" fill="hold">
-                                          <p:stCondLst>
-                                            <p:cond delay="0"/>
-                                          </p:stCondLst>
-                                        </p:cTn>
-                                        <p:tgtEl>
-                                          <p:spTgt spid="4"/>
-                                        </p:tgtEl>
-                                        <p:attrNameLst>
-                                          <p:attrName>style.visibility</p:attrName>
-                                        </p:attrNameLst>
-                                      </p:cBhvr>
-                                      <p:to>
-                                        <p:strVal val="visible"/>
-                                      </p:to>
-                                    </p:set>
-                                    <p:animEffect transition="in" filter="fade">
-                                      <p:cBhvr>
-                                        <p:cTn id="7" dur="1000"/>
-                                        <p:tgtEl>
-                                          <p:spTgt spid="4"/>
-                                        </p:tgtEl>
-                                      </p:cBhvr>
-                                    </p:animEffect>
-                                    <p:anim calcmode="lin" valueType="num">
-                                      <p:cBhvr>
-                                        <p:cTn id="8" dur="1000" fill="hold"/>
-                                        <p:tgtEl>
-                                          <p:spTgt spid="4"/>
-                                        </p:tgtEl>
-                                        <p:attrNameLst>
-                                          <p:attrName>ppt_x</p:attrName>
-                                        </p:attrNameLst>
-                                      </p:cBhvr>
-                                      <p:tavLst>
-                                        <p:tav tm="0">
-                                          <p:val>
-                                            <p:strVal val="#ppt_x"/>
-                                          </p:val>
-                                        </p:tav>
-                                        <p:tav tm="100000">
-                                          <p:val>
-                                            <p:strVal val="#ppt_x"/>
-                                          </p:val>
-                                        </p:tav>
-                                      </p:tavLst>
-                                    </p:anim>
-                                    <p:anim calcmode="lin" valueType="num">
-                                      <p:cBhvr>
-                                        <p:cTn id="9" dur="1000" fill="hold"/>
-                                        <p:tgtEl>
-                                          <p:spTgt spid="4"/>
-                                        </p:tgtEl>
-                                        <p:attrNameLst>
-                                          <p:attrName>ppt_y</p:attrName>
-                                        </p:attrNameLst>
-                                      </p:cBhvr>
-                                      <p:tavLst>
-                                        <p:tav tm="0">
-                                          <p:val>
-                                            <p:strVal val="#ppt_y+.1"/>
-                                          </p:val>
-                                        </p:tav>
-                                        <p:tav tm="100000">
-                                          <p:val>
-                                            <p:strVal val="#ppt_y"/>
-                                          </p:val>
-                                        </p:tav>
-                                      </p:tavLst>
-                                    </p:anim>
-                                  </p:childTnLst>
-                                </p:cTn>
-                              </p:par>
-                            </p:childTnLst>
-                          </p:cTn>
-                        </p:par>
-                      </p:childTnLst>
-                    </p:cTn>
-                  </p:par>
-                </p:childTnLst>
-              </p:cTn>
-              <p:prevCondLst>
-                <p:cond evt="onPrev" delay="0">
-                  <p:tgtEl>
-                    <p:sldTgt/>
-                  </p:tgtEl>
-                </p:cond>
-              </p:prevCondLst>
-              <p:nextCondLst>
-                <p:cond evt="onNext" delay="0">
-                  <p:tgtEl>
-                    <p:sldTgt/>
-                  </p:tgtEl>
-                </p:cond>
-              </p:nextCondLst>
-            </p:seq>
-          </p:childTnLst>
-        </p:cTn>
+        <p:cTn id="1" dur="indefinite" restart="never" nodeType="tmRoot"/>
       </p:par>
     </p:tnLst>
   </p:timing>
@@ -15996,14 +18633,14 @@
           <p:nvPr/>
         </p:nvPicPr>
         <p:blipFill>
-          <a:blip r:embed="rId2"/>
+          <a:blip r:embed="rId3"/>
           <a:stretch>
             <a:fillRect/>
           </a:stretch>
         </p:blipFill>
         <p:spPr>
           <a:xfrm>
-            <a:off x="2921454" y="2161780"/>
+            <a:off x="3826524" y="1919184"/>
             <a:ext cx="6958692" cy="4433548"/>
           </a:xfrm>
           <a:prstGeom prst="rect">
@@ -16147,7 +18784,11 @@
             <a:pPr algn="l"/>
             <a:r>
               <a:rPr lang="en-US" sz="5400" dirty="0" smtClean="0"/>
-              <a:t> VueX</a:t>
+              <a:t> </a:t>
+            </a:r>
+            <a:r>
+              <a:rPr lang="en-US" sz="5400" dirty="0" err="1" smtClean="0"/>
+              <a:t>Vuex</a:t>
             </a:r>
             <a:endParaRPr lang="fr-CH" dirty="0"/>
           </a:p>
@@ -16174,20 +18815,28 @@
           <a:lstStyle/>
           <a:p>
             <a:r>
+              <a:rPr lang="en-US" dirty="0" err="1" smtClean="0"/>
+              <a:t>Vuex</a:t>
+            </a:r>
+            <a:r>
               <a:rPr lang="en-US" dirty="0" smtClean="0"/>
-              <a:t>VueX et Flux : Gestion de </a:t>
+              <a:t> </a:t>
+            </a:r>
+            <a:r>
+              <a:rPr lang="en-US" dirty="0" smtClean="0"/>
+              <a:t>: Gestion </a:t>
+            </a:r>
+            <a:r>
+              <a:rPr lang="en-US" dirty="0" err="1" smtClean="0"/>
+              <a:t>unidirectionnelle</a:t>
+            </a:r>
+            <a:r>
+              <a:rPr lang="en-US" dirty="0" smtClean="0"/>
+              <a:t> de </a:t>
             </a:r>
             <a:r>
               <a:rPr lang="en-US" dirty="0" err="1" smtClean="0"/>
               <a:t>données</a:t>
-            </a:r>
-            <a:r>
-              <a:rPr lang="en-US" dirty="0" smtClean="0"/>
-              <a:t> </a:t>
-            </a:r>
-            <a:r>
-              <a:rPr lang="en-US" dirty="0" err="1" smtClean="0"/>
-              <a:t>réactives</a:t>
             </a:r>
             <a:endParaRPr lang="en-US" dirty="0" smtClean="0"/>
           </a:p>
@@ -16441,7 +19090,7 @@
         <p:spPr>
           <a:xfrm>
             <a:off x="9598269" y="1594222"/>
-            <a:ext cx="742191" cy="369332"/>
+            <a:ext cx="748923" cy="369332"/>
           </a:xfrm>
           <a:prstGeom prst="rect">
             <a:avLst/>
@@ -16455,8 +19104,8 @@
           <a:lstStyle/>
           <a:p>
             <a:r>
-              <a:rPr lang="en-US" dirty="0" smtClean="0"/>
-              <a:t>VueX</a:t>
+              <a:rPr lang="en-US" dirty="0" err="1" smtClean="0"/>
+              <a:t>Vuex</a:t>
             </a:r>
             <a:endParaRPr lang="fr-CH" dirty="0"/>
           </a:p>
@@ -17970,79 +20619,13 @@
       </p:sp>
       <p:cxnSp>
         <p:nvCxnSpPr>
-          <p:cNvPr id="58" name="Straight Arrow Connector 57"/>
-          <p:cNvCxnSpPr>
-            <a:stCxn id="6" idx="2"/>
-            <a:endCxn id="59" idx="0"/>
-          </p:cNvCxnSpPr>
-          <p:nvPr/>
-        </p:nvCxnSpPr>
-        <p:spPr>
-          <a:xfrm>
-            <a:off x="6104500" y="3468563"/>
-            <a:ext cx="0" cy="1066640"/>
-          </a:xfrm>
-          <a:prstGeom prst="straightConnector1">
-            <a:avLst/>
-          </a:prstGeom>
-          <a:ln>
-            <a:tailEnd type="triangle"/>
-          </a:ln>
-        </p:spPr>
-        <p:style>
-          <a:lnRef idx="1">
-            <a:schemeClr val="accent1"/>
-          </a:lnRef>
-          <a:fillRef idx="0">
-            <a:schemeClr val="accent1"/>
-          </a:fillRef>
-          <a:effectRef idx="0">
-            <a:schemeClr val="accent1"/>
-          </a:effectRef>
-          <a:fontRef idx="minor">
-            <a:schemeClr val="tx1"/>
-          </a:fontRef>
-        </p:style>
-      </p:cxnSp>
-      <p:sp>
-        <p:nvSpPr>
-          <p:cNvPr id="59" name="TextBox 58"/>
-          <p:cNvSpPr txBox="1"/>
-          <p:nvPr/>
-        </p:nvSpPr>
-        <p:spPr>
-          <a:xfrm>
-            <a:off x="5523065" y="4535203"/>
-            <a:ext cx="1162870" cy="646331"/>
-          </a:xfrm>
-          <a:prstGeom prst="rect">
-            <a:avLst/>
-          </a:prstGeom>
-          <a:noFill/>
-        </p:spPr>
-        <p:txBody>
-          <a:bodyPr wrap="square" rtlCol="0">
-            <a:spAutoFit/>
-          </a:bodyPr>
-          <a:lstStyle/>
-          <a:p>
-            <a:r>
-              <a:rPr lang="en-US" dirty="0" smtClean="0"/>
-              <a:t>Start a server</a:t>
-            </a:r>
-            <a:endParaRPr lang="fr-CH" dirty="0"/>
-          </a:p>
-        </p:txBody>
-      </p:sp>
-      <p:cxnSp>
-        <p:nvCxnSpPr>
           <p:cNvPr id="62" name="Straight Arrow Connector 61"/>
           <p:cNvCxnSpPr/>
           <p:nvPr/>
         </p:nvCxnSpPr>
         <p:spPr>
           <a:xfrm flipV="1">
-            <a:off x="4477803" y="5181534"/>
+            <a:off x="4549389" y="3971772"/>
             <a:ext cx="1128585" cy="1021492"/>
           </a:xfrm>
           <a:prstGeom prst="straightConnector1">
@@ -18075,7 +20658,7 @@
         </p:nvCxnSpPr>
         <p:spPr>
           <a:xfrm flipV="1">
-            <a:off x="5239083" y="5362767"/>
+            <a:off x="5310669" y="4153005"/>
             <a:ext cx="535783" cy="840259"/>
           </a:xfrm>
           <a:prstGeom prst="straightConnector1">
@@ -18108,7 +20691,7 @@
         </p:nvCxnSpPr>
         <p:spPr>
           <a:xfrm flipH="1" flipV="1">
-            <a:off x="6116235" y="5362767"/>
+            <a:off x="6187821" y="4153005"/>
             <a:ext cx="17502" cy="928761"/>
           </a:xfrm>
           <a:prstGeom prst="straightConnector1">
@@ -18141,7 +20724,7 @@
         </p:nvCxnSpPr>
         <p:spPr>
           <a:xfrm flipH="1" flipV="1">
-            <a:off x="6330724" y="5282760"/>
+            <a:off x="6402310" y="4072998"/>
             <a:ext cx="475315" cy="762000"/>
           </a:xfrm>
           <a:prstGeom prst="straightConnector1">
@@ -18174,7 +20757,7 @@
         </p:nvCxnSpPr>
         <p:spPr>
           <a:xfrm flipH="1" flipV="1">
-            <a:off x="6540365" y="5264914"/>
+            <a:off x="6611951" y="4055152"/>
             <a:ext cx="659864" cy="741405"/>
           </a:xfrm>
           <a:prstGeom prst="straightConnector1">
@@ -18207,7 +20790,7 @@
         </p:nvSpPr>
         <p:spPr>
           <a:xfrm>
-            <a:off x="7319304" y="5479094"/>
+            <a:off x="7390890" y="4269332"/>
             <a:ext cx="1629804" cy="646331"/>
           </a:xfrm>
           <a:prstGeom prst="rect">
@@ -18774,4 +21357,265 @@
     </a:ext>
   </a:extLst>
 </a:theme>
+</file>
+
+<file path=ppt/theme/theme3.xml><?xml version="1.0" encoding="utf-8"?>
+<a:theme xmlns:a="http://schemas.openxmlformats.org/drawingml/2006/main" name="Office Theme">
+  <a:themeElements>
+    <a:clrScheme name="Office">
+      <a:dk1>
+        <a:sysClr val="windowText" lastClr="000000"/>
+      </a:dk1>
+      <a:lt1>
+        <a:sysClr val="window" lastClr="FFFFFF"/>
+      </a:lt1>
+      <a:dk2>
+        <a:srgbClr val="44546A"/>
+      </a:dk2>
+      <a:lt2>
+        <a:srgbClr val="E7E6E6"/>
+      </a:lt2>
+      <a:accent1>
+        <a:srgbClr val="5B9BD5"/>
+      </a:accent1>
+      <a:accent2>
+        <a:srgbClr val="ED7D31"/>
+      </a:accent2>
+      <a:accent3>
+        <a:srgbClr val="A5A5A5"/>
+      </a:accent3>
+      <a:accent4>
+        <a:srgbClr val="FFC000"/>
+      </a:accent4>
+      <a:accent5>
+        <a:srgbClr val="4472C4"/>
+      </a:accent5>
+      <a:accent6>
+        <a:srgbClr val="70AD47"/>
+      </a:accent6>
+      <a:hlink>
+        <a:srgbClr val="0563C1"/>
+      </a:hlink>
+      <a:folHlink>
+        <a:srgbClr val="954F72"/>
+      </a:folHlink>
+    </a:clrScheme>
+    <a:fontScheme name="Office">
+      <a:majorFont>
+        <a:latin typeface="Calibri Light" panose="020F0302020204030204"/>
+        <a:ea typeface=""/>
+        <a:cs typeface=""/>
+        <a:font script="Jpan" typeface="游ゴシック Light"/>
+        <a:font script="Hang" typeface="맑은 고딕"/>
+        <a:font script="Hans" typeface="等线 Light"/>
+        <a:font script="Hant" typeface="新細明體"/>
+        <a:font script="Arab" typeface="Times New Roman"/>
+        <a:font script="Hebr" typeface="Times New Roman"/>
+        <a:font script="Thai" typeface="Angsana New"/>
+        <a:font script="Ethi" typeface="Nyala"/>
+        <a:font script="Beng" typeface="Vrinda"/>
+        <a:font script="Gujr" typeface="Shruti"/>
+        <a:font script="Khmr" typeface="MoolBoran"/>
+        <a:font script="Knda" typeface="Tunga"/>
+        <a:font script="Guru" typeface="Raavi"/>
+        <a:font script="Cans" typeface="Euphemia"/>
+        <a:font script="Cher" typeface="Plantagenet Cherokee"/>
+        <a:font script="Yiii" typeface="Microsoft Yi Baiti"/>
+        <a:font script="Tibt" typeface="Microsoft Himalaya"/>
+        <a:font script="Thaa" typeface="MV Boli"/>
+        <a:font script="Deva" typeface="Mangal"/>
+        <a:font script="Telu" typeface="Gautami"/>
+        <a:font script="Taml" typeface="Latha"/>
+        <a:font script="Syrc" typeface="Estrangelo Edessa"/>
+        <a:font script="Orya" typeface="Kalinga"/>
+        <a:font script="Mlym" typeface="Kartika"/>
+        <a:font script="Laoo" typeface="DokChampa"/>
+        <a:font script="Sinh" typeface="Iskoola Pota"/>
+        <a:font script="Mong" typeface="Mongolian Baiti"/>
+        <a:font script="Viet" typeface="Times New Roman"/>
+        <a:font script="Uigh" typeface="Microsoft Uighur"/>
+        <a:font script="Geor" typeface="Sylfaen"/>
+      </a:majorFont>
+      <a:minorFont>
+        <a:latin typeface="Calibri" panose="020F0502020204030204"/>
+        <a:ea typeface=""/>
+        <a:cs typeface=""/>
+        <a:font script="Jpan" typeface="游ゴシック"/>
+        <a:font script="Hang" typeface="맑은 고딕"/>
+        <a:font script="Hans" typeface="等线"/>
+        <a:font script="Hant" typeface="新細明體"/>
+        <a:font script="Arab" typeface="Arial"/>
+        <a:font script="Hebr" typeface="Arial"/>
+        <a:font script="Thai" typeface="Cordia New"/>
+        <a:font script="Ethi" typeface="Nyala"/>
+        <a:font script="Beng" typeface="Vrinda"/>
+        <a:font script="Gujr" typeface="Shruti"/>
+        <a:font script="Khmr" typeface="DaunPenh"/>
+        <a:font script="Knda" typeface="Tunga"/>
+        <a:font script="Guru" typeface="Raavi"/>
+        <a:font script="Cans" typeface="Euphemia"/>
+        <a:font script="Cher" typeface="Plantagenet Cherokee"/>
+        <a:font script="Yiii" typeface="Microsoft Yi Baiti"/>
+        <a:font script="Tibt" typeface="Microsoft Himalaya"/>
+        <a:font script="Thaa" typeface="MV Boli"/>
+        <a:font script="Deva" typeface="Mangal"/>
+        <a:font script="Telu" typeface="Gautami"/>
+        <a:font script="Taml" typeface="Latha"/>
+        <a:font script="Syrc" typeface="Estrangelo Edessa"/>
+        <a:font script="Orya" typeface="Kalinga"/>
+        <a:font script="Mlym" typeface="Kartika"/>
+        <a:font script="Laoo" typeface="DokChampa"/>
+        <a:font script="Sinh" typeface="Iskoola Pota"/>
+        <a:font script="Mong" typeface="Mongolian Baiti"/>
+        <a:font script="Viet" typeface="Arial"/>
+        <a:font script="Uigh" typeface="Microsoft Uighur"/>
+        <a:font script="Geor" typeface="Sylfaen"/>
+      </a:minorFont>
+    </a:fontScheme>
+    <a:fmtScheme name="Office">
+      <a:fillStyleLst>
+        <a:solidFill>
+          <a:schemeClr val="phClr"/>
+        </a:solidFill>
+        <a:gradFill rotWithShape="1">
+          <a:gsLst>
+            <a:gs pos="0">
+              <a:schemeClr val="phClr">
+                <a:lumMod val="110000"/>
+                <a:satMod val="105000"/>
+                <a:tint val="67000"/>
+              </a:schemeClr>
+            </a:gs>
+            <a:gs pos="50000">
+              <a:schemeClr val="phClr">
+                <a:lumMod val="105000"/>
+                <a:satMod val="103000"/>
+                <a:tint val="73000"/>
+              </a:schemeClr>
+            </a:gs>
+            <a:gs pos="100000">
+              <a:schemeClr val="phClr">
+                <a:lumMod val="105000"/>
+                <a:satMod val="109000"/>
+                <a:tint val="81000"/>
+              </a:schemeClr>
+            </a:gs>
+          </a:gsLst>
+          <a:lin ang="5400000" scaled="0"/>
+        </a:gradFill>
+        <a:gradFill rotWithShape="1">
+          <a:gsLst>
+            <a:gs pos="0">
+              <a:schemeClr val="phClr">
+                <a:satMod val="103000"/>
+                <a:lumMod val="102000"/>
+                <a:tint val="94000"/>
+              </a:schemeClr>
+            </a:gs>
+            <a:gs pos="50000">
+              <a:schemeClr val="phClr">
+                <a:satMod val="110000"/>
+                <a:lumMod val="100000"/>
+                <a:shade val="100000"/>
+              </a:schemeClr>
+            </a:gs>
+            <a:gs pos="100000">
+              <a:schemeClr val="phClr">
+                <a:lumMod val="99000"/>
+                <a:satMod val="120000"/>
+                <a:shade val="78000"/>
+              </a:schemeClr>
+            </a:gs>
+          </a:gsLst>
+          <a:lin ang="5400000" scaled="0"/>
+        </a:gradFill>
+      </a:fillStyleLst>
+      <a:lnStyleLst>
+        <a:ln w="6350" cap="flat" cmpd="sng" algn="ctr">
+          <a:solidFill>
+            <a:schemeClr val="phClr"/>
+          </a:solidFill>
+          <a:prstDash val="solid"/>
+          <a:miter lim="800000"/>
+        </a:ln>
+        <a:ln w="12700" cap="flat" cmpd="sng" algn="ctr">
+          <a:solidFill>
+            <a:schemeClr val="phClr"/>
+          </a:solidFill>
+          <a:prstDash val="solid"/>
+          <a:miter lim="800000"/>
+        </a:ln>
+        <a:ln w="19050" cap="flat" cmpd="sng" algn="ctr">
+          <a:solidFill>
+            <a:schemeClr val="phClr"/>
+          </a:solidFill>
+          <a:prstDash val="solid"/>
+          <a:miter lim="800000"/>
+        </a:ln>
+      </a:lnStyleLst>
+      <a:effectStyleLst>
+        <a:effectStyle>
+          <a:effectLst/>
+        </a:effectStyle>
+        <a:effectStyle>
+          <a:effectLst/>
+        </a:effectStyle>
+        <a:effectStyle>
+          <a:effectLst>
+            <a:outerShdw blurRad="57150" dist="19050" dir="5400000" algn="ctr" rotWithShape="0">
+              <a:srgbClr val="000000">
+                <a:alpha val="63000"/>
+              </a:srgbClr>
+            </a:outerShdw>
+          </a:effectLst>
+        </a:effectStyle>
+      </a:effectStyleLst>
+      <a:bgFillStyleLst>
+        <a:solidFill>
+          <a:schemeClr val="phClr"/>
+        </a:solidFill>
+        <a:solidFill>
+          <a:schemeClr val="phClr">
+            <a:tint val="95000"/>
+            <a:satMod val="170000"/>
+          </a:schemeClr>
+        </a:solidFill>
+        <a:gradFill rotWithShape="1">
+          <a:gsLst>
+            <a:gs pos="0">
+              <a:schemeClr val="phClr">
+                <a:tint val="93000"/>
+                <a:satMod val="150000"/>
+                <a:shade val="98000"/>
+                <a:lumMod val="102000"/>
+              </a:schemeClr>
+            </a:gs>
+            <a:gs pos="50000">
+              <a:schemeClr val="phClr">
+                <a:tint val="98000"/>
+                <a:satMod val="130000"/>
+                <a:shade val="90000"/>
+                <a:lumMod val="103000"/>
+              </a:schemeClr>
+            </a:gs>
+            <a:gs pos="100000">
+              <a:schemeClr val="phClr">
+                <a:shade val="63000"/>
+                <a:satMod val="120000"/>
+              </a:schemeClr>
+            </a:gs>
+          </a:gsLst>
+          <a:lin ang="5400000" scaled="0"/>
+        </a:gradFill>
+      </a:bgFillStyleLst>
+    </a:fmtScheme>
+  </a:themeElements>
+  <a:objectDefaults/>
+  <a:extraClrSchemeLst/>
+  <a:extLst>
+    <a:ext uri="{05A4C25C-085E-4340-85A3-A5531E510DB2}">
+      <thm15:themeFamily xmlns:thm15="http://schemas.microsoft.com/office/thememl/2012/main" name="Office Theme" id="{62F939B6-93AF-4DB8-9C6B-D6C7DFDC589F}" vid="{4A3C46E8-61CC-4603-A589-7422A47A8E4A}"/>
+    </a:ext>
+  </a:extLst>
+</a:theme>
 </file>
--- a/Documentation/Défense/Shoot4stats.pptx
+++ b/Documentation/Défense/Shoot4stats.pptx
@@ -5,10 +5,10 @@
     <p:sldMasterId id="2147483717" r:id="rId1"/>
   </p:sldMasterIdLst>
   <p:notesMasterIdLst>
-    <p:notesMasterId r:id="rId26"/>
+    <p:notesMasterId r:id="rId25"/>
   </p:notesMasterIdLst>
   <p:handoutMasterIdLst>
-    <p:handoutMasterId r:id="rId27"/>
+    <p:handoutMasterId r:id="rId26"/>
   </p:handoutMasterIdLst>
   <p:sldIdLst>
     <p:sldId id="256" r:id="rId2"/>
@@ -19,22 +19,21 @@
     <p:sldId id="277" r:id="rId7"/>
     <p:sldId id="278" r:id="rId8"/>
     <p:sldId id="265" r:id="rId9"/>
-    <p:sldId id="257" r:id="rId10"/>
-    <p:sldId id="268" r:id="rId11"/>
-    <p:sldId id="274" r:id="rId12"/>
-    <p:sldId id="275" r:id="rId13"/>
-    <p:sldId id="258" r:id="rId14"/>
-    <p:sldId id="280" r:id="rId15"/>
-    <p:sldId id="279" r:id="rId16"/>
-    <p:sldId id="281" r:id="rId17"/>
-    <p:sldId id="282" r:id="rId18"/>
-    <p:sldId id="263" r:id="rId19"/>
-    <p:sldId id="259" r:id="rId20"/>
-    <p:sldId id="266" r:id="rId21"/>
-    <p:sldId id="283" r:id="rId22"/>
-    <p:sldId id="260" r:id="rId23"/>
-    <p:sldId id="271" r:id="rId24"/>
-    <p:sldId id="262" r:id="rId25"/>
+    <p:sldId id="268" r:id="rId10"/>
+    <p:sldId id="274" r:id="rId11"/>
+    <p:sldId id="275" r:id="rId12"/>
+    <p:sldId id="258" r:id="rId13"/>
+    <p:sldId id="280" r:id="rId14"/>
+    <p:sldId id="279" r:id="rId15"/>
+    <p:sldId id="281" r:id="rId16"/>
+    <p:sldId id="282" r:id="rId17"/>
+    <p:sldId id="263" r:id="rId18"/>
+    <p:sldId id="259" r:id="rId19"/>
+    <p:sldId id="266" r:id="rId20"/>
+    <p:sldId id="283" r:id="rId21"/>
+    <p:sldId id="260" r:id="rId22"/>
+    <p:sldId id="271" r:id="rId23"/>
+    <p:sldId id="262" r:id="rId24"/>
   </p:sldIdLst>
   <p:sldSz cx="12192000" cy="6858000"/>
   <p:notesSz cx="6858000" cy="9144000"/>
@@ -141,7 +140,7 @@
             <a:srgbClr val="A4A3A4"/>
           </p15:clr>
         </p15:guide>
-        <p15:guide id="2" pos="3840" userDrawn="1">
+        <p15:guide id="2" pos="3816" userDrawn="1">
           <p15:clr>
             <a:srgbClr val="A4A3A4"/>
           </p15:clr>
@@ -797,93 +796,19 @@
           <a:p>
             <a:r>
               <a:rPr lang="en-US" dirty="0" smtClean="0"/>
-              <a:t>Express Server </a:t>
-            </a:r>
-            <a:r>
-              <a:rPr lang="en-US" dirty="0" smtClean="0">
-                <a:sym typeface="Wingdings" panose="05000000000000000000" pitchFamily="2" charset="2"/>
-              </a:rPr>
-              <a:t> app.js </a:t>
-            </a:r>
-          </a:p>
-          <a:p>
-            <a:r>
-              <a:rPr lang="en-US" dirty="0" smtClean="0">
-                <a:sym typeface="Wingdings" panose="05000000000000000000" pitchFamily="2" charset="2"/>
-              </a:rPr>
-              <a:t>Faire</a:t>
-            </a:r>
-            <a:r>
-              <a:rPr lang="en-US" baseline="0" dirty="0" smtClean="0">
-                <a:sym typeface="Wingdings" panose="05000000000000000000" pitchFamily="2" charset="2"/>
-              </a:rPr>
-              <a:t> </a:t>
-            </a:r>
-            <a:r>
-              <a:rPr lang="en-US" baseline="0" dirty="0" err="1" smtClean="0">
-                <a:sym typeface="Wingdings" panose="05000000000000000000" pitchFamily="2" charset="2"/>
-              </a:rPr>
-              <a:t>Schéma</a:t>
-            </a:r>
-            <a:r>
-              <a:rPr lang="en-US" baseline="0" dirty="0" smtClean="0">
-                <a:sym typeface="Wingdings" panose="05000000000000000000" pitchFamily="2" charset="2"/>
-              </a:rPr>
-              <a:t> tableau avec </a:t>
-            </a:r>
-            <a:r>
-              <a:rPr lang="en-US" baseline="0" dirty="0" err="1" smtClean="0">
-                <a:sym typeface="Wingdings" panose="05000000000000000000" pitchFamily="2" charset="2"/>
-              </a:rPr>
-              <a:t>différentes</a:t>
-            </a:r>
-            <a:r>
-              <a:rPr lang="en-US" baseline="0" dirty="0" smtClean="0">
-                <a:sym typeface="Wingdings" panose="05000000000000000000" pitchFamily="2" charset="2"/>
-              </a:rPr>
-              <a:t> </a:t>
-            </a:r>
-            <a:r>
-              <a:rPr lang="en-US" baseline="0" dirty="0" err="1" smtClean="0">
-                <a:sym typeface="Wingdings" panose="05000000000000000000" pitchFamily="2" charset="2"/>
-              </a:rPr>
-              <a:t>étapes</a:t>
-            </a:r>
-            <a:r>
-              <a:rPr lang="en-US" baseline="0" dirty="0" smtClean="0">
-                <a:sym typeface="Wingdings" panose="05000000000000000000" pitchFamily="2" charset="2"/>
-              </a:rPr>
-              <a:t> de </a:t>
-            </a:r>
-            <a:r>
-              <a:rPr lang="en-US" baseline="0" dirty="0" err="1" smtClean="0">
-                <a:sym typeface="Wingdings" panose="05000000000000000000" pitchFamily="2" charset="2"/>
-              </a:rPr>
-              <a:t>routage</a:t>
-            </a:r>
-            <a:r>
-              <a:rPr lang="en-US" baseline="0" dirty="0" smtClean="0">
-                <a:sym typeface="Wingdings" panose="05000000000000000000" pitchFamily="2" charset="2"/>
-              </a:rPr>
-              <a:t> et </a:t>
-            </a:r>
-            <a:r>
-              <a:rPr lang="en-US" baseline="0" dirty="0" err="1" smtClean="0">
-                <a:sym typeface="Wingdings" panose="05000000000000000000" pitchFamily="2" charset="2"/>
-              </a:rPr>
-              <a:t>d’appels</a:t>
-            </a:r>
-            <a:r>
-              <a:rPr lang="en-US" baseline="0" dirty="0" smtClean="0">
-                <a:sym typeface="Wingdings" panose="05000000000000000000" pitchFamily="2" charset="2"/>
-              </a:rPr>
-              <a:t> à </a:t>
-            </a:r>
-            <a:r>
-              <a:rPr lang="en-US" baseline="0" dirty="0" err="1" smtClean="0">
-                <a:sym typeface="Wingdings" panose="05000000000000000000" pitchFamily="2" charset="2"/>
-              </a:rPr>
-              <a:t>l’API</a:t>
+              <a:t>Bien </a:t>
+            </a:r>
+            <a:r>
+              <a:rPr lang="en-US" dirty="0" err="1" smtClean="0"/>
+              <a:t>montrer</a:t>
+            </a:r>
+            <a:r>
+              <a:rPr lang="en-US" dirty="0" smtClean="0"/>
+              <a:t> Flux avec </a:t>
+            </a:r>
+            <a:r>
+              <a:rPr lang="en-US" dirty="0" err="1" smtClean="0"/>
+              <a:t>pointeur</a:t>
             </a:r>
             <a:endParaRPr lang="fr-CH" dirty="0"/>
           </a:p>
@@ -915,7 +840,7 @@
     </p:spTree>
     <p:extLst>
       <p:ext uri="{BB962C8B-B14F-4D97-AF65-F5344CB8AC3E}">
-        <p14:creationId xmlns:p14="http://schemas.microsoft.com/office/powerpoint/2010/main" val="2187878589"/>
+        <p14:creationId xmlns:p14="http://schemas.microsoft.com/office/powerpoint/2010/main" val="597488556"/>
       </p:ext>
     </p:extLst>
   </p:cSld>
@@ -971,19 +896,234 @@
           <a:p>
             <a:r>
               <a:rPr lang="en-US" dirty="0" smtClean="0"/>
-              <a:t>Bien </a:t>
-            </a:r>
+              <a:t>Helpers –&gt;</a:t>
+            </a:r>
+            <a:r>
+              <a:rPr lang="en-US" baseline="0" dirty="0" smtClean="0"/>
+              <a:t> event Bus</a:t>
+            </a:r>
+          </a:p>
+          <a:p>
+            <a:r>
+              <a:rPr lang="en-US" baseline="0" dirty="0" smtClean="0"/>
+              <a:t>Assets </a:t>
+            </a:r>
+            <a:r>
+              <a:rPr lang="en-US" baseline="0" dirty="0" err="1" smtClean="0"/>
+              <a:t>Img</a:t>
+            </a:r>
+            <a:endParaRPr lang="en-US" baseline="0" dirty="0" smtClean="0"/>
+          </a:p>
+          <a:p>
+            <a:r>
+              <a:rPr lang="en-US" baseline="0" dirty="0" smtClean="0"/>
+              <a:t>Router initialization de </a:t>
+            </a:r>
+            <a:r>
+              <a:rPr lang="en-US" baseline="0" dirty="0" err="1" smtClean="0"/>
+              <a:t>Vueouter</a:t>
+            </a:r>
+            <a:endParaRPr lang="en-US" baseline="0" dirty="0" smtClean="0"/>
+          </a:p>
+          <a:p>
             <a:r>
               <a:rPr lang="en-US" dirty="0" err="1" smtClean="0"/>
-              <a:t>montrer</a:t>
+              <a:t>App.Vue</a:t>
             </a:r>
             <a:r>
               <a:rPr lang="en-US" dirty="0" smtClean="0"/>
-              <a:t> Flux avec </a:t>
-            </a:r>
-            <a:r>
-              <a:rPr lang="en-US" dirty="0" err="1" smtClean="0"/>
-              <a:t>pointeur</a:t>
+              <a:t> </a:t>
+            </a:r>
+            <a:r>
+              <a:rPr lang="en-US" dirty="0" smtClean="0">
+                <a:sym typeface="Wingdings" panose="05000000000000000000" pitchFamily="2" charset="2"/>
+              </a:rPr>
+              <a:t> container global de </a:t>
+            </a:r>
+            <a:r>
+              <a:rPr lang="en-US" dirty="0" err="1" smtClean="0">
+                <a:sym typeface="Wingdings" panose="05000000000000000000" pitchFamily="2" charset="2"/>
+              </a:rPr>
+              <a:t>l’appli</a:t>
+            </a:r>
+            <a:r>
+              <a:rPr lang="en-US" dirty="0" smtClean="0">
+                <a:sym typeface="Wingdings" panose="05000000000000000000" pitchFamily="2" charset="2"/>
+              </a:rPr>
+              <a:t>,</a:t>
+            </a:r>
+            <a:r>
+              <a:rPr lang="en-US" baseline="0" dirty="0" smtClean="0">
+                <a:sym typeface="Wingdings" panose="05000000000000000000" pitchFamily="2" charset="2"/>
+              </a:rPr>
+              <a:t> </a:t>
+            </a:r>
+            <a:r>
+              <a:rPr lang="en-US" baseline="0" dirty="0" err="1" smtClean="0">
+                <a:sym typeface="Wingdings" panose="05000000000000000000" pitchFamily="2" charset="2"/>
+              </a:rPr>
+              <a:t>ici</a:t>
+            </a:r>
+            <a:r>
+              <a:rPr lang="en-US" baseline="0" dirty="0" smtClean="0">
+                <a:sym typeface="Wingdings" panose="05000000000000000000" pitchFamily="2" charset="2"/>
+              </a:rPr>
+              <a:t> que le </a:t>
+            </a:r>
+            <a:r>
+              <a:rPr lang="en-US" baseline="0" dirty="0" err="1" smtClean="0">
+                <a:sym typeface="Wingdings" panose="05000000000000000000" pitchFamily="2" charset="2"/>
+              </a:rPr>
+              <a:t>routage</a:t>
+            </a:r>
+            <a:r>
+              <a:rPr lang="en-US" baseline="0" dirty="0" smtClean="0">
+                <a:sym typeface="Wingdings" panose="05000000000000000000" pitchFamily="2" charset="2"/>
+              </a:rPr>
+              <a:t> se fait entre les </a:t>
+            </a:r>
+            <a:r>
+              <a:rPr lang="en-US" baseline="0" dirty="0" err="1" smtClean="0">
+                <a:sym typeface="Wingdings" panose="05000000000000000000" pitchFamily="2" charset="2"/>
+              </a:rPr>
+              <a:t>composants</a:t>
+            </a:r>
+            <a:r>
+              <a:rPr lang="en-US" baseline="0" dirty="0" smtClean="0">
+                <a:sym typeface="Wingdings" panose="05000000000000000000" pitchFamily="2" charset="2"/>
+              </a:rPr>
+              <a:t> </a:t>
+            </a:r>
+            <a:r>
+              <a:rPr lang="en-US" baseline="0" dirty="0" err="1" smtClean="0">
+                <a:sym typeface="Wingdings" panose="05000000000000000000" pitchFamily="2" charset="2"/>
+              </a:rPr>
+              <a:t>permet</a:t>
+            </a:r>
+            <a:r>
+              <a:rPr lang="en-US" baseline="0" dirty="0" smtClean="0">
+                <a:sym typeface="Wingdings" panose="05000000000000000000" pitchFamily="2" charset="2"/>
+              </a:rPr>
+              <a:t> de </a:t>
+            </a:r>
+            <a:r>
+              <a:rPr lang="en-US" baseline="0" dirty="0" err="1" smtClean="0">
+                <a:sym typeface="Wingdings" panose="05000000000000000000" pitchFamily="2" charset="2"/>
+              </a:rPr>
+              <a:t>mettre</a:t>
+            </a:r>
+            <a:r>
+              <a:rPr lang="en-US" baseline="0" dirty="0" smtClean="0">
+                <a:sym typeface="Wingdings" panose="05000000000000000000" pitchFamily="2" charset="2"/>
+              </a:rPr>
+              <a:t> la </a:t>
+            </a:r>
+            <a:r>
+              <a:rPr lang="en-US" baseline="0" dirty="0" err="1" smtClean="0">
+                <a:sym typeface="Wingdings" panose="05000000000000000000" pitchFamily="2" charset="2"/>
+              </a:rPr>
+              <a:t>navigationBar</a:t>
+            </a:r>
+            <a:endParaRPr lang="en-US" baseline="0" dirty="0" smtClean="0">
+              <a:sym typeface="Wingdings" panose="05000000000000000000" pitchFamily="2" charset="2"/>
+            </a:endParaRPr>
+          </a:p>
+          <a:p>
+            <a:r>
+              <a:rPr lang="en-US" baseline="0" dirty="0" smtClean="0">
+                <a:sym typeface="Wingdings" panose="05000000000000000000" pitchFamily="2" charset="2"/>
+              </a:rPr>
+              <a:t>Main.js </a:t>
+            </a:r>
+            <a:r>
+              <a:rPr lang="en-US" baseline="0" dirty="0" err="1" smtClean="0">
+                <a:sym typeface="Wingdings" panose="05000000000000000000" pitchFamily="2" charset="2"/>
+              </a:rPr>
+              <a:t>instancie</a:t>
+            </a:r>
+            <a:r>
+              <a:rPr lang="en-US" baseline="0" dirty="0" smtClean="0">
+                <a:sym typeface="Wingdings" panose="05000000000000000000" pitchFamily="2" charset="2"/>
+              </a:rPr>
+              <a:t> </a:t>
+            </a:r>
+            <a:r>
+              <a:rPr lang="en-US" baseline="0" dirty="0" err="1" smtClean="0">
+                <a:sym typeface="Wingdings" panose="05000000000000000000" pitchFamily="2" charset="2"/>
+              </a:rPr>
+              <a:t>Vue</a:t>
+            </a:r>
+            <a:r>
+              <a:rPr lang="en-US" baseline="0" dirty="0" smtClean="0">
+                <a:sym typeface="Wingdings" panose="05000000000000000000" pitchFamily="2" charset="2"/>
+              </a:rPr>
+              <a:t> et dis </a:t>
+            </a:r>
+            <a:r>
+              <a:rPr lang="en-US" baseline="0" dirty="0" err="1" smtClean="0">
+                <a:sym typeface="Wingdings" panose="05000000000000000000" pitchFamily="2" charset="2"/>
+              </a:rPr>
+              <a:t>où</a:t>
+            </a:r>
+            <a:r>
+              <a:rPr lang="en-US" baseline="0" dirty="0" smtClean="0">
+                <a:sym typeface="Wingdings" panose="05000000000000000000" pitchFamily="2" charset="2"/>
+              </a:rPr>
+              <a:t> </a:t>
+            </a:r>
+            <a:r>
+              <a:rPr lang="en-US" baseline="0" dirty="0" err="1" smtClean="0">
+                <a:sym typeface="Wingdings" panose="05000000000000000000" pitchFamily="2" charset="2"/>
+              </a:rPr>
+              <a:t>il</a:t>
+            </a:r>
+            <a:r>
+              <a:rPr lang="en-US" baseline="0" dirty="0" smtClean="0">
+                <a:sym typeface="Wingdings" panose="05000000000000000000" pitchFamily="2" charset="2"/>
+              </a:rPr>
+              <a:t> </a:t>
+            </a:r>
+            <a:r>
+              <a:rPr lang="en-US" baseline="0" dirty="0" err="1" smtClean="0">
+                <a:sym typeface="Wingdings" panose="05000000000000000000" pitchFamily="2" charset="2"/>
+              </a:rPr>
+              <a:t>va</a:t>
+            </a:r>
+            <a:r>
+              <a:rPr lang="en-US" baseline="0" dirty="0" smtClean="0">
+                <a:sym typeface="Wingdings" panose="05000000000000000000" pitchFamily="2" charset="2"/>
+              </a:rPr>
+              <a:t> </a:t>
+            </a:r>
+            <a:r>
+              <a:rPr lang="en-US" baseline="0" dirty="0" err="1" smtClean="0">
+                <a:sym typeface="Wingdings" panose="05000000000000000000" pitchFamily="2" charset="2"/>
+              </a:rPr>
+              <a:t>injecté</a:t>
+            </a:r>
+            <a:r>
+              <a:rPr lang="en-US" baseline="0" dirty="0" smtClean="0">
+                <a:sym typeface="Wingdings" panose="05000000000000000000" pitchFamily="2" charset="2"/>
+              </a:rPr>
+              <a:t> le code JS </a:t>
+            </a:r>
+            <a:r>
+              <a:rPr lang="en-US" baseline="0" dirty="0" err="1" smtClean="0">
+                <a:sym typeface="Wingdings" panose="05000000000000000000" pitchFamily="2" charset="2"/>
+              </a:rPr>
+              <a:t>en</a:t>
+            </a:r>
+            <a:r>
+              <a:rPr lang="en-US" baseline="0" dirty="0" smtClean="0">
+                <a:sym typeface="Wingdings" panose="05000000000000000000" pitchFamily="2" charset="2"/>
+              </a:rPr>
+              <a:t> </a:t>
+            </a:r>
+            <a:r>
+              <a:rPr lang="en-US" baseline="0" dirty="0" err="1" smtClean="0">
+                <a:sym typeface="Wingdings" panose="05000000000000000000" pitchFamily="2" charset="2"/>
+              </a:rPr>
+              <a:t>gros</a:t>
             </a:r>
             <a:endParaRPr lang="fr-CH" dirty="0"/>
           </a:p>
@@ -1015,7 +1155,7 @@
     </p:spTree>
     <p:extLst>
       <p:ext uri="{BB962C8B-B14F-4D97-AF65-F5344CB8AC3E}">
-        <p14:creationId xmlns:p14="http://schemas.microsoft.com/office/powerpoint/2010/main" val="597488556"/>
+        <p14:creationId xmlns:p14="http://schemas.microsoft.com/office/powerpoint/2010/main" val="2685965668"/>
       </p:ext>
     </p:extLst>
   </p:cSld>
@@ -1099,7 +1239,7 @@
     </p:spTree>
     <p:extLst>
       <p:ext uri="{BB962C8B-B14F-4D97-AF65-F5344CB8AC3E}">
-        <p14:creationId xmlns:p14="http://schemas.microsoft.com/office/powerpoint/2010/main" val="2685965668"/>
+        <p14:creationId xmlns:p14="http://schemas.microsoft.com/office/powerpoint/2010/main" val="140894020"/>
       </p:ext>
     </p:extLst>
   </p:cSld>
@@ -1153,6 +1293,62 @@
           <a:bodyPr/>
           <a:lstStyle/>
           <a:p>
+            <a:r>
+              <a:rPr lang="en-US" dirty="0" smtClean="0"/>
+              <a:t>Dire que </a:t>
+            </a:r>
+            <a:r>
+              <a:rPr lang="en-US" dirty="0" err="1" smtClean="0"/>
+              <a:t>j’ai</a:t>
+            </a:r>
+            <a:r>
+              <a:rPr lang="en-US" dirty="0" smtClean="0"/>
+              <a:t> prepare pour Admin,</a:t>
+            </a:r>
+            <a:r>
+              <a:rPr lang="en-US" baseline="0" dirty="0" smtClean="0"/>
+              <a:t> pas de </a:t>
+            </a:r>
+            <a:r>
+              <a:rPr lang="en-US" baseline="0" dirty="0" err="1" smtClean="0"/>
+              <a:t>contenu</a:t>
+            </a:r>
+            <a:r>
+              <a:rPr lang="en-US" baseline="0" dirty="0" smtClean="0"/>
+              <a:t> </a:t>
+            </a:r>
+            <a:r>
+              <a:rPr lang="en-US" baseline="0" dirty="0" err="1" smtClean="0"/>
+              <a:t>dans</a:t>
+            </a:r>
+            <a:r>
+              <a:rPr lang="en-US" baseline="0" dirty="0" smtClean="0"/>
+              <a:t> la page </a:t>
+            </a:r>
+            <a:r>
+              <a:rPr lang="en-US" baseline="0" dirty="0" err="1" smtClean="0"/>
+              <a:t>mais</a:t>
+            </a:r>
+            <a:r>
+              <a:rPr lang="en-US" baseline="0" dirty="0" smtClean="0"/>
+              <a:t> le </a:t>
+            </a:r>
+            <a:r>
+              <a:rPr lang="en-US" baseline="0" dirty="0" err="1" smtClean="0"/>
+              <a:t>routage</a:t>
+            </a:r>
+            <a:r>
+              <a:rPr lang="en-US" baseline="0" dirty="0" smtClean="0"/>
+              <a:t> </a:t>
+            </a:r>
+            <a:r>
+              <a:rPr lang="en-US" baseline="0" dirty="0" err="1" smtClean="0"/>
+              <a:t>est</a:t>
+            </a:r>
+            <a:r>
+              <a:rPr lang="en-US" baseline="0" dirty="0" smtClean="0"/>
+              <a:t> fait pour…</a:t>
+            </a:r>
             <a:endParaRPr lang="fr-CH" dirty="0"/>
           </a:p>
         </p:txBody>
@@ -1183,7 +1379,7 @@
     </p:spTree>
     <p:extLst>
       <p:ext uri="{BB962C8B-B14F-4D97-AF65-F5344CB8AC3E}">
-        <p14:creationId xmlns:p14="http://schemas.microsoft.com/office/powerpoint/2010/main" val="140894020"/>
+        <p14:creationId xmlns:p14="http://schemas.microsoft.com/office/powerpoint/2010/main" val="3332844316"/>
       </p:ext>
     </p:extLst>
   </p:cSld>
@@ -1237,63 +1433,7 @@
           <a:bodyPr/>
           <a:lstStyle/>
           <a:p>
-            <a:r>
-              <a:rPr lang="en-US" dirty="0" smtClean="0"/>
-              <a:t>Dire que </a:t>
-            </a:r>
-            <a:r>
-              <a:rPr lang="en-US" dirty="0" err="1" smtClean="0"/>
-              <a:t>j’ai</a:t>
-            </a:r>
-            <a:r>
-              <a:rPr lang="en-US" dirty="0" smtClean="0"/>
-              <a:t> prepare pour Admin,</a:t>
-            </a:r>
-            <a:r>
-              <a:rPr lang="en-US" baseline="0" dirty="0" smtClean="0"/>
-              <a:t> pas de </a:t>
-            </a:r>
-            <a:r>
-              <a:rPr lang="en-US" baseline="0" dirty="0" err="1" smtClean="0"/>
-              <a:t>contenu</a:t>
-            </a:r>
-            <a:r>
-              <a:rPr lang="en-US" baseline="0" dirty="0" smtClean="0"/>
-              <a:t> </a:t>
-            </a:r>
-            <a:r>
-              <a:rPr lang="en-US" baseline="0" dirty="0" err="1" smtClean="0"/>
-              <a:t>dans</a:t>
-            </a:r>
-            <a:r>
-              <a:rPr lang="en-US" baseline="0" dirty="0" smtClean="0"/>
-              <a:t> la page </a:t>
-            </a:r>
-            <a:r>
-              <a:rPr lang="en-US" baseline="0" dirty="0" err="1" smtClean="0"/>
-              <a:t>mais</a:t>
-            </a:r>
-            <a:r>
-              <a:rPr lang="en-US" baseline="0" dirty="0" smtClean="0"/>
-              <a:t> le </a:t>
-            </a:r>
-            <a:r>
-              <a:rPr lang="en-US" baseline="0" dirty="0" err="1" smtClean="0"/>
-              <a:t>routage</a:t>
-            </a:r>
-            <a:r>
-              <a:rPr lang="en-US" baseline="0" dirty="0" smtClean="0"/>
-              <a:t> </a:t>
-            </a:r>
-            <a:r>
-              <a:rPr lang="en-US" baseline="0" dirty="0" err="1" smtClean="0"/>
-              <a:t>est</a:t>
-            </a:r>
-            <a:r>
-              <a:rPr lang="en-US" baseline="0" dirty="0" smtClean="0"/>
-              <a:t> fait pour…</a:t>
-            </a:r>
-            <a:endParaRPr lang="fr-CH" dirty="0"/>
+            <a:endParaRPr lang="fr-CH"/>
           </a:p>
         </p:txBody>
       </p:sp>
@@ -1323,7 +1463,7 @@
     </p:spTree>
     <p:extLst>
       <p:ext uri="{BB962C8B-B14F-4D97-AF65-F5344CB8AC3E}">
-        <p14:creationId xmlns:p14="http://schemas.microsoft.com/office/powerpoint/2010/main" val="3332844316"/>
+        <p14:creationId xmlns:p14="http://schemas.microsoft.com/office/powerpoint/2010/main" val="3478437599"/>
       </p:ext>
     </p:extLst>
   </p:cSld>
@@ -1407,7 +1547,7 @@
     </p:spTree>
     <p:extLst>
       <p:ext uri="{BB962C8B-B14F-4D97-AF65-F5344CB8AC3E}">
-        <p14:creationId xmlns:p14="http://schemas.microsoft.com/office/powerpoint/2010/main" val="3478437599"/>
+        <p14:creationId xmlns:p14="http://schemas.microsoft.com/office/powerpoint/2010/main" val="3177337012"/>
       </p:ext>
     </p:extLst>
   </p:cSld>
@@ -1461,7 +1601,7 @@
           <a:bodyPr/>
           <a:lstStyle/>
           <a:p>
-            <a:endParaRPr lang="fr-CH"/>
+            <a:endParaRPr lang="fr-CH" dirty="0"/>
           </a:p>
         </p:txBody>
       </p:sp>
@@ -1491,7 +1631,7 @@
     </p:spTree>
     <p:extLst>
       <p:ext uri="{BB962C8B-B14F-4D97-AF65-F5344CB8AC3E}">
-        <p14:creationId xmlns:p14="http://schemas.microsoft.com/office/powerpoint/2010/main" val="3177337012"/>
+        <p14:creationId xmlns:p14="http://schemas.microsoft.com/office/powerpoint/2010/main" val="240566867"/>
       </p:ext>
     </p:extLst>
   </p:cSld>
@@ -1545,6 +1685,162 @@
           <a:bodyPr/>
           <a:lstStyle/>
           <a:p>
+            <a:r>
+              <a:rPr lang="en-US" dirty="0" err="1" smtClean="0"/>
+              <a:t>Ajouter</a:t>
+            </a:r>
+            <a:r>
+              <a:rPr lang="en-US" dirty="0" smtClean="0"/>
+              <a:t> </a:t>
+            </a:r>
+            <a:r>
+              <a:rPr lang="en-US" dirty="0" err="1" smtClean="0"/>
+              <a:t>ScreenShot</a:t>
+            </a:r>
+            <a:r>
+              <a:rPr lang="en-US" dirty="0" smtClean="0"/>
+              <a:t> de </a:t>
+            </a:r>
+            <a:r>
+              <a:rPr lang="en-US" dirty="0" err="1" smtClean="0"/>
+              <a:t>l’appli</a:t>
+            </a:r>
+            <a:r>
+              <a:rPr lang="en-US" dirty="0" smtClean="0"/>
+              <a:t> mobile sur le </a:t>
+            </a:r>
+            <a:r>
+              <a:rPr lang="en-US" dirty="0" err="1" smtClean="0"/>
+              <a:t>marché</a:t>
+            </a:r>
+            <a:endParaRPr lang="en-US" dirty="0" smtClean="0"/>
+          </a:p>
+          <a:p>
+            <a:endParaRPr lang="en-US" dirty="0" smtClean="0"/>
+          </a:p>
+          <a:p>
+            <a:r>
+              <a:rPr lang="en-US" dirty="0" smtClean="0"/>
+              <a:t>Transitions pour dynamism </a:t>
+            </a:r>
+            <a:r>
+              <a:rPr lang="en-US" dirty="0" smtClean="0">
+                <a:sym typeface="Wingdings" panose="05000000000000000000" pitchFamily="2" charset="2"/>
+              </a:rPr>
+              <a:t> Dire que je les</a:t>
+            </a:r>
+            <a:r>
+              <a:rPr lang="en-US" baseline="0" dirty="0" smtClean="0">
+                <a:sym typeface="Wingdings" panose="05000000000000000000" pitchFamily="2" charset="2"/>
+              </a:rPr>
+              <a:t> </a:t>
+            </a:r>
+            <a:r>
+              <a:rPr lang="en-US" baseline="0" dirty="0" err="1" smtClean="0">
+                <a:sym typeface="Wingdings" panose="05000000000000000000" pitchFamily="2" charset="2"/>
+              </a:rPr>
+              <a:t>aient</a:t>
+            </a:r>
+            <a:r>
+              <a:rPr lang="en-US" baseline="0" dirty="0" smtClean="0">
+                <a:sym typeface="Wingdings" panose="05000000000000000000" pitchFamily="2" charset="2"/>
+              </a:rPr>
+              <a:t> </a:t>
+            </a:r>
+            <a:r>
+              <a:rPr lang="en-US" baseline="0" dirty="0" err="1" smtClean="0">
+                <a:sym typeface="Wingdings" panose="05000000000000000000" pitchFamily="2" charset="2"/>
+              </a:rPr>
+              <a:t>ajoutées</a:t>
+            </a:r>
+            <a:r>
+              <a:rPr lang="en-US" baseline="0" dirty="0" smtClean="0">
+                <a:sym typeface="Wingdings" panose="05000000000000000000" pitchFamily="2" charset="2"/>
+              </a:rPr>
+              <a:t> </a:t>
+            </a:r>
+            <a:r>
+              <a:rPr lang="en-US" baseline="0" dirty="0" err="1" smtClean="0">
+                <a:sym typeface="Wingdings" panose="05000000000000000000" pitchFamily="2" charset="2"/>
+              </a:rPr>
+              <a:t>moi</a:t>
+            </a:r>
+            <a:endParaRPr lang="en-US" dirty="0" smtClean="0"/>
+          </a:p>
+          <a:p>
+            <a:endParaRPr lang="en-US" dirty="0" smtClean="0"/>
+          </a:p>
+          <a:p>
+            <a:r>
+              <a:rPr lang="en-US" dirty="0" err="1" smtClean="0"/>
+              <a:t>Parler</a:t>
+            </a:r>
+            <a:r>
+              <a:rPr lang="en-US" dirty="0" smtClean="0"/>
+              <a:t> de Material Design et </a:t>
+            </a:r>
+            <a:r>
+              <a:rPr lang="en-US" dirty="0" err="1" smtClean="0"/>
+              <a:t>pourquoi</a:t>
+            </a:r>
+            <a:r>
+              <a:rPr lang="en-US" dirty="0" smtClean="0"/>
+              <a:t> </a:t>
+            </a:r>
+            <a:r>
+              <a:rPr lang="en-US" dirty="0" smtClean="0">
+                <a:sym typeface="Wingdings" panose="05000000000000000000" pitchFamily="2" charset="2"/>
+              </a:rPr>
+              <a:t> De plus </a:t>
+            </a:r>
+            <a:r>
+              <a:rPr lang="en-US" dirty="0" err="1" smtClean="0">
+                <a:sym typeface="Wingdings" panose="05000000000000000000" pitchFamily="2" charset="2"/>
+              </a:rPr>
+              <a:t>en</a:t>
+            </a:r>
+            <a:r>
+              <a:rPr lang="en-US" dirty="0" smtClean="0">
+                <a:sym typeface="Wingdings" panose="05000000000000000000" pitchFamily="2" charset="2"/>
+              </a:rPr>
+              <a:t> plus</a:t>
+            </a:r>
+            <a:r>
+              <a:rPr lang="en-US" baseline="0" dirty="0" smtClean="0">
+                <a:sym typeface="Wingdings" panose="05000000000000000000" pitchFamily="2" charset="2"/>
+              </a:rPr>
+              <a:t> </a:t>
+            </a:r>
+            <a:r>
+              <a:rPr lang="en-US" baseline="0" dirty="0" err="1" smtClean="0">
+                <a:sym typeface="Wingdings" panose="05000000000000000000" pitchFamily="2" charset="2"/>
+              </a:rPr>
+              <a:t>utilisé</a:t>
+            </a:r>
+            <a:r>
+              <a:rPr lang="en-US" baseline="0" dirty="0" smtClean="0">
+                <a:sym typeface="Wingdings" panose="05000000000000000000" pitchFamily="2" charset="2"/>
+              </a:rPr>
+              <a:t> et </a:t>
+            </a:r>
+            <a:r>
+              <a:rPr lang="en-US" baseline="0" dirty="0" err="1" smtClean="0">
+                <a:sym typeface="Wingdings" panose="05000000000000000000" pitchFamily="2" charset="2"/>
+              </a:rPr>
+              <a:t>utilisé</a:t>
+            </a:r>
+            <a:r>
+              <a:rPr lang="en-US" baseline="0" dirty="0" smtClean="0">
+                <a:sym typeface="Wingdings" panose="05000000000000000000" pitchFamily="2" charset="2"/>
+              </a:rPr>
+              <a:t> pour les APP Android relative au mobile first </a:t>
+            </a:r>
+            <a:r>
+              <a:rPr lang="en-US" baseline="0" dirty="0" err="1" smtClean="0">
+                <a:sym typeface="Wingdings" panose="05000000000000000000" pitchFamily="2" charset="2"/>
+              </a:rPr>
+              <a:t>demandé</a:t>
+            </a:r>
             <a:endParaRPr lang="fr-CH" dirty="0"/>
           </a:p>
         </p:txBody>
@@ -1575,7 +1871,7 @@
     </p:spTree>
     <p:extLst>
       <p:ext uri="{BB962C8B-B14F-4D97-AF65-F5344CB8AC3E}">
-        <p14:creationId xmlns:p14="http://schemas.microsoft.com/office/powerpoint/2010/main" val="240566867"/>
+        <p14:creationId xmlns:p14="http://schemas.microsoft.com/office/powerpoint/2010/main" val="2587370698"/>
       </p:ext>
     </p:extLst>
   </p:cSld>
@@ -1629,167 +1925,7 @@
           <a:bodyPr/>
           <a:lstStyle/>
           <a:p>
-            <a:r>
-              <a:rPr lang="en-US" dirty="0" err="1" smtClean="0"/>
-              <a:t>Ajouter</a:t>
-            </a:r>
-            <a:r>
-              <a:rPr lang="en-US" dirty="0" smtClean="0"/>
-              <a:t> </a:t>
-            </a:r>
-            <a:r>
-              <a:rPr lang="en-US" dirty="0" err="1" smtClean="0"/>
-              <a:t>ScreenShot</a:t>
-            </a:r>
-            <a:r>
-              <a:rPr lang="en-US" dirty="0" smtClean="0"/>
-              <a:t> de </a:t>
-            </a:r>
-            <a:r>
-              <a:rPr lang="en-US" dirty="0" err="1" smtClean="0"/>
-              <a:t>l’appli</a:t>
-            </a:r>
-            <a:r>
-              <a:rPr lang="en-US" dirty="0" smtClean="0"/>
-              <a:t> mobile sur le </a:t>
-            </a:r>
-            <a:r>
-              <a:rPr lang="en-US" dirty="0" err="1" smtClean="0"/>
-              <a:t>marché</a:t>
-            </a:r>
-            <a:endParaRPr lang="en-US" dirty="0" smtClean="0"/>
-          </a:p>
-          <a:p>
-            <a:endParaRPr lang="en-US" dirty="0" smtClean="0"/>
-          </a:p>
-          <a:p>
-            <a:r>
-              <a:rPr lang="en-US" dirty="0" smtClean="0"/>
-              <a:t>Transitions pour </a:t>
-            </a:r>
-            <a:r>
-              <a:rPr lang="en-US" dirty="0" smtClean="0"/>
-              <a:t>dynamism </a:t>
-            </a:r>
-            <a:r>
-              <a:rPr lang="en-US" dirty="0" smtClean="0">
-                <a:sym typeface="Wingdings" panose="05000000000000000000" pitchFamily="2" charset="2"/>
-              </a:rPr>
-              <a:t> Dire que je les</a:t>
-            </a:r>
-            <a:r>
-              <a:rPr lang="en-US" baseline="0" dirty="0" smtClean="0">
-                <a:sym typeface="Wingdings" panose="05000000000000000000" pitchFamily="2" charset="2"/>
-              </a:rPr>
-              <a:t> </a:t>
-            </a:r>
-            <a:r>
-              <a:rPr lang="en-US" baseline="0" dirty="0" err="1" smtClean="0">
-                <a:sym typeface="Wingdings" panose="05000000000000000000" pitchFamily="2" charset="2"/>
-              </a:rPr>
-              <a:t>aient</a:t>
-            </a:r>
-            <a:r>
-              <a:rPr lang="en-US" baseline="0" dirty="0" smtClean="0">
-                <a:sym typeface="Wingdings" panose="05000000000000000000" pitchFamily="2" charset="2"/>
-              </a:rPr>
-              <a:t> </a:t>
-            </a:r>
-            <a:r>
-              <a:rPr lang="en-US" baseline="0" dirty="0" err="1" smtClean="0">
-                <a:sym typeface="Wingdings" panose="05000000000000000000" pitchFamily="2" charset="2"/>
-              </a:rPr>
-              <a:t>ajoutées</a:t>
-            </a:r>
-            <a:r>
-              <a:rPr lang="en-US" baseline="0" dirty="0" smtClean="0">
-                <a:sym typeface="Wingdings" panose="05000000000000000000" pitchFamily="2" charset="2"/>
-              </a:rPr>
-              <a:t> </a:t>
-            </a:r>
-            <a:r>
-              <a:rPr lang="en-US" baseline="0" dirty="0" err="1" smtClean="0">
-                <a:sym typeface="Wingdings" panose="05000000000000000000" pitchFamily="2" charset="2"/>
-              </a:rPr>
-              <a:t>moi</a:t>
-            </a:r>
-            <a:endParaRPr lang="en-US" dirty="0" smtClean="0"/>
-          </a:p>
-          <a:p>
-            <a:endParaRPr lang="en-US" dirty="0" smtClean="0"/>
-          </a:p>
-          <a:p>
-            <a:r>
-              <a:rPr lang="en-US" dirty="0" err="1" smtClean="0"/>
-              <a:t>Parler</a:t>
-            </a:r>
-            <a:r>
-              <a:rPr lang="en-US" dirty="0" smtClean="0"/>
-              <a:t> de Material Design et </a:t>
-            </a:r>
-            <a:r>
-              <a:rPr lang="en-US" dirty="0" err="1" smtClean="0"/>
-              <a:t>pourquoi</a:t>
-            </a:r>
-            <a:r>
-              <a:rPr lang="en-US" dirty="0" smtClean="0"/>
-              <a:t> </a:t>
-            </a:r>
-            <a:r>
-              <a:rPr lang="en-US" dirty="0" smtClean="0">
-                <a:sym typeface="Wingdings" panose="05000000000000000000" pitchFamily="2" charset="2"/>
-              </a:rPr>
-              <a:t> De plus </a:t>
-            </a:r>
-            <a:r>
-              <a:rPr lang="en-US" dirty="0" err="1" smtClean="0">
-                <a:sym typeface="Wingdings" panose="05000000000000000000" pitchFamily="2" charset="2"/>
-              </a:rPr>
-              <a:t>en</a:t>
-            </a:r>
-            <a:r>
-              <a:rPr lang="en-US" dirty="0" smtClean="0">
-                <a:sym typeface="Wingdings" panose="05000000000000000000" pitchFamily="2" charset="2"/>
-              </a:rPr>
-              <a:t> plus</a:t>
-            </a:r>
-            <a:r>
-              <a:rPr lang="en-US" baseline="0" dirty="0" smtClean="0">
-                <a:sym typeface="Wingdings" panose="05000000000000000000" pitchFamily="2" charset="2"/>
-              </a:rPr>
-              <a:t> </a:t>
-            </a:r>
-            <a:r>
-              <a:rPr lang="en-US" baseline="0" dirty="0" err="1" smtClean="0">
-                <a:sym typeface="Wingdings" panose="05000000000000000000" pitchFamily="2" charset="2"/>
-              </a:rPr>
-              <a:t>utilisé</a:t>
-            </a:r>
-            <a:r>
-              <a:rPr lang="en-US" baseline="0" dirty="0" smtClean="0">
-                <a:sym typeface="Wingdings" panose="05000000000000000000" pitchFamily="2" charset="2"/>
-              </a:rPr>
-              <a:t> et </a:t>
-            </a:r>
-            <a:r>
-              <a:rPr lang="en-US" baseline="0" dirty="0" err="1" smtClean="0">
-                <a:sym typeface="Wingdings" panose="05000000000000000000" pitchFamily="2" charset="2"/>
-              </a:rPr>
-              <a:t>utilisé</a:t>
-            </a:r>
-            <a:r>
-              <a:rPr lang="en-US" baseline="0" dirty="0" smtClean="0">
-                <a:sym typeface="Wingdings" panose="05000000000000000000" pitchFamily="2" charset="2"/>
-              </a:rPr>
-              <a:t> pour les APP Android relative au mobile first </a:t>
-            </a:r>
-            <a:r>
-              <a:rPr lang="en-US" baseline="0" dirty="0" err="1" smtClean="0">
-                <a:sym typeface="Wingdings" panose="05000000000000000000" pitchFamily="2" charset="2"/>
-              </a:rPr>
-              <a:t>demandé</a:t>
-            </a:r>
-            <a:endParaRPr lang="fr-CH" dirty="0"/>
+            <a:endParaRPr lang="fr-CH"/>
           </a:p>
         </p:txBody>
       </p:sp>
@@ -1819,7 +1955,7 @@
     </p:spTree>
     <p:extLst>
       <p:ext uri="{BB962C8B-B14F-4D97-AF65-F5344CB8AC3E}">
-        <p14:creationId xmlns:p14="http://schemas.microsoft.com/office/powerpoint/2010/main" val="2587370698"/>
+        <p14:creationId xmlns:p14="http://schemas.microsoft.com/office/powerpoint/2010/main" val="744274174"/>
       </p:ext>
     </p:extLst>
   </p:cSld>
@@ -1873,7 +2009,127 @@
           <a:bodyPr/>
           <a:lstStyle/>
           <a:p>
-            <a:endParaRPr lang="fr-CH"/>
+            <a:r>
+              <a:rPr lang="en-US" b="1" dirty="0" err="1" smtClean="0"/>
+              <a:t>Lors</a:t>
+            </a:r>
+            <a:r>
+              <a:rPr lang="en-US" b="1" dirty="0" smtClean="0"/>
+              <a:t> de la </a:t>
+            </a:r>
+            <a:r>
+              <a:rPr lang="en-US" b="1" dirty="0" err="1" smtClean="0"/>
+              <a:t>transpilation</a:t>
+            </a:r>
+            <a:r>
+              <a:rPr lang="en-US" b="1" dirty="0" smtClean="0"/>
+              <a:t> de babel (ES6 </a:t>
+            </a:r>
+            <a:r>
+              <a:rPr lang="en-US" b="1" dirty="0" smtClean="0">
+                <a:sym typeface="Wingdings" panose="05000000000000000000" pitchFamily="2" charset="2"/>
+              </a:rPr>
+              <a:t> ES5</a:t>
+            </a:r>
+            <a:r>
+              <a:rPr lang="en-US" b="1" dirty="0" smtClean="0"/>
+              <a:t>) babel </a:t>
+            </a:r>
+            <a:r>
+              <a:rPr lang="en-US" b="1" dirty="0" err="1" smtClean="0"/>
+              <a:t>va</a:t>
+            </a:r>
+            <a:r>
+              <a:rPr lang="en-US" b="1" dirty="0" smtClean="0"/>
+              <a:t> modifier les </a:t>
+            </a:r>
+            <a:r>
+              <a:rPr lang="en-US" b="1" dirty="0" err="1" smtClean="0"/>
+              <a:t>fonctions</a:t>
+            </a:r>
+            <a:r>
+              <a:rPr lang="en-US" b="1" dirty="0" smtClean="0"/>
+              <a:t> non </a:t>
+            </a:r>
+            <a:r>
+              <a:rPr lang="en-US" b="1" dirty="0" err="1" smtClean="0"/>
+              <a:t>supportées</a:t>
+            </a:r>
+            <a:r>
+              <a:rPr lang="en-US" b="1" baseline="0" dirty="0" smtClean="0"/>
+              <a:t> </a:t>
+            </a:r>
+          </a:p>
+          <a:p>
+            <a:r>
+              <a:rPr lang="en-US" b="1" baseline="0" dirty="0" smtClean="0"/>
+              <a:t>de </a:t>
+            </a:r>
+            <a:r>
+              <a:rPr lang="en-US" b="1" baseline="0" dirty="0" err="1" smtClean="0"/>
+              <a:t>certains</a:t>
+            </a:r>
+            <a:r>
+              <a:rPr lang="en-US" b="1" baseline="0" dirty="0" smtClean="0"/>
+              <a:t> </a:t>
+            </a:r>
+            <a:r>
+              <a:rPr lang="en-US" b="1" baseline="0" dirty="0" err="1" smtClean="0"/>
+              <a:t>navigateurs</a:t>
+            </a:r>
+            <a:r>
+              <a:rPr lang="en-US" b="1" baseline="0" dirty="0" smtClean="0"/>
+              <a:t> par des </a:t>
+            </a:r>
+            <a:r>
+              <a:rPr lang="en-US" b="1" baseline="0" dirty="0" err="1" smtClean="0"/>
+              <a:t>fonctions</a:t>
+            </a:r>
+            <a:r>
+              <a:rPr lang="en-US" b="1" baseline="0" dirty="0" smtClean="0"/>
+              <a:t> </a:t>
+            </a:r>
+            <a:r>
+              <a:rPr lang="en-US" b="1" baseline="0" dirty="0" err="1" smtClean="0"/>
+              <a:t>connues</a:t>
+            </a:r>
+            <a:endParaRPr lang="en-US" b="1" baseline="0" dirty="0" smtClean="0"/>
+          </a:p>
+          <a:p>
+            <a:endParaRPr lang="en-US" b="1" baseline="0" dirty="0" smtClean="0"/>
+          </a:p>
+          <a:p>
+            <a:r>
+              <a:rPr lang="en-US" b="1" baseline="0" dirty="0" smtClean="0"/>
+              <a:t>Babel-</a:t>
+            </a:r>
+            <a:r>
+              <a:rPr lang="en-US" b="1" baseline="0" dirty="0" err="1" smtClean="0"/>
+              <a:t>polyfill</a:t>
+            </a:r>
+            <a:r>
+              <a:rPr lang="en-US" b="1" baseline="0" dirty="0" smtClean="0"/>
+              <a:t> : module </a:t>
+            </a:r>
+            <a:r>
+              <a:rPr lang="en-US" b="1" baseline="0" dirty="0" err="1" smtClean="0"/>
+              <a:t>WebPack</a:t>
+            </a:r>
+            <a:endParaRPr lang="en-US" b="1" baseline="0" dirty="0" smtClean="0"/>
+          </a:p>
+          <a:p>
+            <a:endParaRPr lang="en-US" b="1" baseline="0" dirty="0" smtClean="0"/>
+          </a:p>
+          <a:p>
+            <a:r>
+              <a:rPr lang="en-US" b="1" baseline="0" dirty="0" err="1" smtClean="0"/>
+              <a:t>Résolu</a:t>
+            </a:r>
+            <a:r>
+              <a:rPr lang="en-US" b="1" baseline="0" dirty="0" smtClean="0"/>
+              <a:t> par SN pour </a:t>
+            </a:r>
+            <a:endParaRPr lang="fr-CH" b="1" dirty="0"/>
           </a:p>
         </p:txBody>
       </p:sp>
@@ -1903,7 +2159,7 @@
     </p:spTree>
     <p:extLst>
       <p:ext uri="{BB962C8B-B14F-4D97-AF65-F5344CB8AC3E}">
-        <p14:creationId xmlns:p14="http://schemas.microsoft.com/office/powerpoint/2010/main" val="744274174"/>
+        <p14:creationId xmlns:p14="http://schemas.microsoft.com/office/powerpoint/2010/main" val="107043888"/>
       </p:ext>
     </p:extLst>
   </p:cSld>
@@ -2041,126 +2297,6 @@
           <a:bodyPr/>
           <a:lstStyle/>
           <a:p>
-            <a:r>
-              <a:rPr lang="en-US" b="1" dirty="0" err="1" smtClean="0"/>
-              <a:t>Lors</a:t>
-            </a:r>
-            <a:r>
-              <a:rPr lang="en-US" b="1" dirty="0" smtClean="0"/>
-              <a:t> de la </a:t>
-            </a:r>
-            <a:r>
-              <a:rPr lang="en-US" b="1" dirty="0" err="1" smtClean="0"/>
-              <a:t>transpilation</a:t>
-            </a:r>
-            <a:r>
-              <a:rPr lang="en-US" b="1" dirty="0" smtClean="0"/>
-              <a:t> de babel (ES6 </a:t>
-            </a:r>
-            <a:r>
-              <a:rPr lang="en-US" b="1" dirty="0" smtClean="0">
-                <a:sym typeface="Wingdings" panose="05000000000000000000" pitchFamily="2" charset="2"/>
-              </a:rPr>
-              <a:t> ES5</a:t>
-            </a:r>
-            <a:r>
-              <a:rPr lang="en-US" b="1" dirty="0" smtClean="0"/>
-              <a:t>) babel </a:t>
-            </a:r>
-            <a:r>
-              <a:rPr lang="en-US" b="1" dirty="0" err="1" smtClean="0"/>
-              <a:t>va</a:t>
-            </a:r>
-            <a:r>
-              <a:rPr lang="en-US" b="1" dirty="0" smtClean="0"/>
-              <a:t> modifier les </a:t>
-            </a:r>
-            <a:r>
-              <a:rPr lang="en-US" b="1" dirty="0" err="1" smtClean="0"/>
-              <a:t>fonctions</a:t>
-            </a:r>
-            <a:r>
-              <a:rPr lang="en-US" b="1" dirty="0" smtClean="0"/>
-              <a:t> non </a:t>
-            </a:r>
-            <a:r>
-              <a:rPr lang="en-US" b="1" dirty="0" err="1" smtClean="0"/>
-              <a:t>supportées</a:t>
-            </a:r>
-            <a:r>
-              <a:rPr lang="en-US" b="1" baseline="0" dirty="0" smtClean="0"/>
-              <a:t> </a:t>
-            </a:r>
-          </a:p>
-          <a:p>
-            <a:r>
-              <a:rPr lang="en-US" b="1" baseline="0" dirty="0" smtClean="0"/>
-              <a:t>de </a:t>
-            </a:r>
-            <a:r>
-              <a:rPr lang="en-US" b="1" baseline="0" dirty="0" err="1" smtClean="0"/>
-              <a:t>certains</a:t>
-            </a:r>
-            <a:r>
-              <a:rPr lang="en-US" b="1" baseline="0" dirty="0" smtClean="0"/>
-              <a:t> </a:t>
-            </a:r>
-            <a:r>
-              <a:rPr lang="en-US" b="1" baseline="0" dirty="0" err="1" smtClean="0"/>
-              <a:t>navigateurs</a:t>
-            </a:r>
-            <a:r>
-              <a:rPr lang="en-US" b="1" baseline="0" dirty="0" smtClean="0"/>
-              <a:t> par des </a:t>
-            </a:r>
-            <a:r>
-              <a:rPr lang="en-US" b="1" baseline="0" dirty="0" err="1" smtClean="0"/>
-              <a:t>fonctions</a:t>
-            </a:r>
-            <a:r>
-              <a:rPr lang="en-US" b="1" baseline="0" dirty="0" smtClean="0"/>
-              <a:t> </a:t>
-            </a:r>
-            <a:r>
-              <a:rPr lang="en-US" b="1" baseline="0" dirty="0" err="1" smtClean="0"/>
-              <a:t>connues</a:t>
-            </a:r>
-            <a:endParaRPr lang="en-US" b="1" baseline="0" dirty="0" smtClean="0"/>
-          </a:p>
-          <a:p>
-            <a:endParaRPr lang="en-US" b="1" baseline="0" dirty="0" smtClean="0"/>
-          </a:p>
-          <a:p>
-            <a:r>
-              <a:rPr lang="en-US" b="1" baseline="0" dirty="0" smtClean="0"/>
-              <a:t>Babel-</a:t>
-            </a:r>
-            <a:r>
-              <a:rPr lang="en-US" b="1" baseline="0" dirty="0" err="1" smtClean="0"/>
-              <a:t>polyfill</a:t>
-            </a:r>
-            <a:r>
-              <a:rPr lang="en-US" b="1" baseline="0" dirty="0" smtClean="0"/>
-              <a:t> : module </a:t>
-            </a:r>
-            <a:r>
-              <a:rPr lang="en-US" b="1" baseline="0" dirty="0" err="1" smtClean="0"/>
-              <a:t>WebPack</a:t>
-            </a:r>
-            <a:endParaRPr lang="en-US" b="1" baseline="0" dirty="0" smtClean="0"/>
-          </a:p>
-          <a:p>
-            <a:endParaRPr lang="en-US" b="1" baseline="0" dirty="0" smtClean="0"/>
-          </a:p>
-          <a:p>
-            <a:r>
-              <a:rPr lang="en-US" b="1" baseline="0" dirty="0" err="1" smtClean="0"/>
-              <a:t>Résolu</a:t>
-            </a:r>
-            <a:r>
-              <a:rPr lang="en-US" b="1" baseline="0" dirty="0" smtClean="0"/>
-              <a:t> par SN pour </a:t>
-            </a:r>
             <a:endParaRPr lang="fr-CH" b="1" dirty="0"/>
           </a:p>
         </p:txBody>
@@ -2191,7 +2327,7 @@
     </p:spTree>
     <p:extLst>
       <p:ext uri="{BB962C8B-B14F-4D97-AF65-F5344CB8AC3E}">
-        <p14:creationId xmlns:p14="http://schemas.microsoft.com/office/powerpoint/2010/main" val="107043888"/>
+        <p14:creationId xmlns:p14="http://schemas.microsoft.com/office/powerpoint/2010/main" val="570679211"/>
       </p:ext>
     </p:extLst>
   </p:cSld>
@@ -2245,6 +2381,90 @@
           <a:bodyPr/>
           <a:lstStyle/>
           <a:p>
+            <a:r>
+              <a:rPr lang="en-US" b="1" dirty="0" smtClean="0"/>
+              <a:t>Signifier </a:t>
+            </a:r>
+            <a:r>
+              <a:rPr lang="en-US" b="1" dirty="0" err="1" smtClean="0"/>
+              <a:t>qu’il</a:t>
+            </a:r>
+            <a:r>
+              <a:rPr lang="en-US" b="1" dirty="0" smtClean="0"/>
+              <a:t> y a déjà des Solutions qui </a:t>
+            </a:r>
+            <a:r>
+              <a:rPr lang="en-US" b="1" dirty="0" err="1" smtClean="0"/>
+              <a:t>ont</a:t>
+            </a:r>
+            <a:r>
+              <a:rPr lang="en-US" b="1" dirty="0" smtClean="0"/>
+              <a:t> </a:t>
+            </a:r>
+            <a:r>
+              <a:rPr lang="en-US" b="1" dirty="0" err="1" smtClean="0"/>
+              <a:t>été</a:t>
+            </a:r>
+            <a:r>
+              <a:rPr lang="en-US" b="1" dirty="0" smtClean="0"/>
+              <a:t> </a:t>
+            </a:r>
+            <a:r>
+              <a:rPr lang="en-US" b="1" dirty="0" err="1" smtClean="0"/>
+              <a:t>appliquées</a:t>
+            </a:r>
+            <a:r>
+              <a:rPr lang="en-US" b="1" dirty="0" smtClean="0"/>
+              <a:t> </a:t>
+            </a:r>
+            <a:r>
+              <a:rPr lang="en-US" b="1" dirty="0" smtClean="0">
+                <a:sym typeface="Wingdings" panose="05000000000000000000" pitchFamily="2" charset="2"/>
+              </a:rPr>
+              <a:t> </a:t>
+            </a:r>
+            <a:r>
+              <a:rPr lang="en-US" b="1" dirty="0" err="1" smtClean="0">
+                <a:sym typeface="Wingdings" panose="05000000000000000000" pitchFamily="2" charset="2"/>
+              </a:rPr>
+              <a:t>ou</a:t>
+            </a:r>
+            <a:r>
+              <a:rPr lang="en-US" b="1" dirty="0" smtClean="0">
+                <a:sym typeface="Wingdings" panose="05000000000000000000" pitchFamily="2" charset="2"/>
+              </a:rPr>
+              <a:t> </a:t>
+            </a:r>
+            <a:r>
+              <a:rPr lang="en-US" b="1" dirty="0" err="1" smtClean="0">
+                <a:sym typeface="Wingdings" panose="05000000000000000000" pitchFamily="2" charset="2"/>
+              </a:rPr>
+              <a:t>en</a:t>
+            </a:r>
+            <a:r>
+              <a:rPr lang="en-US" b="1" dirty="0" smtClean="0">
+                <a:sym typeface="Wingdings" panose="05000000000000000000" pitchFamily="2" charset="2"/>
+              </a:rPr>
+              <a:t> </a:t>
+            </a:r>
+            <a:r>
+              <a:rPr lang="en-US" b="1" dirty="0" err="1" smtClean="0">
+                <a:sym typeface="Wingdings" panose="05000000000000000000" pitchFamily="2" charset="2"/>
+              </a:rPr>
+              <a:t>cours</a:t>
+            </a:r>
+            <a:r>
+              <a:rPr lang="en-US" b="1" dirty="0" smtClean="0">
+                <a:sym typeface="Wingdings" panose="05000000000000000000" pitchFamily="2" charset="2"/>
+              </a:rPr>
+              <a:t> </a:t>
+            </a:r>
+            <a:r>
+              <a:rPr lang="en-US" b="1" dirty="0" err="1" smtClean="0">
+                <a:sym typeface="Wingdings" panose="05000000000000000000" pitchFamily="2" charset="2"/>
+              </a:rPr>
+              <a:t>d’application</a:t>
+            </a:r>
             <a:endParaRPr lang="fr-CH" b="1" dirty="0"/>
           </a:p>
         </p:txBody>
@@ -2275,7 +2495,7 @@
     </p:spTree>
     <p:extLst>
       <p:ext uri="{BB962C8B-B14F-4D97-AF65-F5344CB8AC3E}">
-        <p14:creationId xmlns:p14="http://schemas.microsoft.com/office/powerpoint/2010/main" val="570679211"/>
+        <p14:creationId xmlns:p14="http://schemas.microsoft.com/office/powerpoint/2010/main" val="1581906897"/>
       </p:ext>
     </p:extLst>
   </p:cSld>
@@ -2329,91 +2549,7 @@
           <a:bodyPr/>
           <a:lstStyle/>
           <a:p>
-            <a:r>
-              <a:rPr lang="en-US" b="1" dirty="0" smtClean="0"/>
-              <a:t>Signifier </a:t>
-            </a:r>
-            <a:r>
-              <a:rPr lang="en-US" b="1" dirty="0" err="1" smtClean="0"/>
-              <a:t>qu’il</a:t>
-            </a:r>
-            <a:r>
-              <a:rPr lang="en-US" b="1" dirty="0" smtClean="0"/>
-              <a:t> y a déjà des Solutions qui </a:t>
-            </a:r>
-            <a:r>
-              <a:rPr lang="en-US" b="1" dirty="0" err="1" smtClean="0"/>
-              <a:t>ont</a:t>
-            </a:r>
-            <a:r>
-              <a:rPr lang="en-US" b="1" dirty="0" smtClean="0"/>
-              <a:t> </a:t>
-            </a:r>
-            <a:r>
-              <a:rPr lang="en-US" b="1" dirty="0" err="1" smtClean="0"/>
-              <a:t>été</a:t>
-            </a:r>
-            <a:r>
-              <a:rPr lang="en-US" b="1" dirty="0" smtClean="0"/>
-              <a:t> </a:t>
-            </a:r>
-            <a:r>
-              <a:rPr lang="en-US" b="1" dirty="0" err="1" smtClean="0"/>
-              <a:t>appliquées</a:t>
-            </a:r>
-            <a:r>
-              <a:rPr lang="en-US" b="1" dirty="0" smtClean="0"/>
-              <a:t> </a:t>
-            </a:r>
-            <a:r>
-              <a:rPr lang="en-US" b="1" dirty="0" smtClean="0">
-                <a:sym typeface="Wingdings" panose="05000000000000000000" pitchFamily="2" charset="2"/>
-              </a:rPr>
-              <a:t> </a:t>
-            </a:r>
-            <a:r>
-              <a:rPr lang="en-US" b="1" dirty="0" err="1" smtClean="0">
-                <a:sym typeface="Wingdings" panose="05000000000000000000" pitchFamily="2" charset="2"/>
-              </a:rPr>
-              <a:t>ou</a:t>
-            </a:r>
-            <a:r>
-              <a:rPr lang="en-US" b="1" dirty="0" smtClean="0">
-                <a:sym typeface="Wingdings" panose="05000000000000000000" pitchFamily="2" charset="2"/>
-              </a:rPr>
-              <a:t> </a:t>
-            </a:r>
-            <a:r>
-              <a:rPr lang="en-US" b="1" dirty="0" err="1" smtClean="0">
-                <a:sym typeface="Wingdings" panose="05000000000000000000" pitchFamily="2" charset="2"/>
-              </a:rPr>
-              <a:t>en</a:t>
-            </a:r>
-            <a:r>
-              <a:rPr lang="en-US" b="1" dirty="0" smtClean="0">
-                <a:sym typeface="Wingdings" panose="05000000000000000000" pitchFamily="2" charset="2"/>
-              </a:rPr>
-              <a:t> </a:t>
-            </a:r>
-            <a:r>
-              <a:rPr lang="en-US" b="1" dirty="0" err="1" smtClean="0">
-                <a:sym typeface="Wingdings" panose="05000000000000000000" pitchFamily="2" charset="2"/>
-              </a:rPr>
-              <a:t>cours</a:t>
-            </a:r>
-            <a:r>
-              <a:rPr lang="en-US" b="1" dirty="0" smtClean="0">
-                <a:sym typeface="Wingdings" panose="05000000000000000000" pitchFamily="2" charset="2"/>
-              </a:rPr>
-              <a:t> </a:t>
-            </a:r>
-            <a:r>
-              <a:rPr lang="en-US" b="1" dirty="0" err="1" smtClean="0">
-                <a:sym typeface="Wingdings" panose="05000000000000000000" pitchFamily="2" charset="2"/>
-              </a:rPr>
-              <a:t>d’application</a:t>
-            </a:r>
-            <a:endParaRPr lang="fr-CH" b="1" dirty="0"/>
+            <a:endParaRPr lang="fr-CH"/>
           </a:p>
         </p:txBody>
       </p:sp>
@@ -2443,7 +2579,7 @@
     </p:spTree>
     <p:extLst>
       <p:ext uri="{BB962C8B-B14F-4D97-AF65-F5344CB8AC3E}">
-        <p14:creationId xmlns:p14="http://schemas.microsoft.com/office/powerpoint/2010/main" val="1581906897"/>
+        <p14:creationId xmlns:p14="http://schemas.microsoft.com/office/powerpoint/2010/main" val="2255287392"/>
       </p:ext>
     </p:extLst>
   </p:cSld>
@@ -2519,90 +2655,6 @@
             <a:fld id="{5667F26F-CF4B-4075-A0DF-7E3987368146}" type="slidenum">
               <a:rPr lang="fr-CH" smtClean="0"/>
               <a:t>23</a:t>
-            </a:fld>
-            <a:endParaRPr lang="fr-CH"/>
-          </a:p>
-        </p:txBody>
-      </p:sp>
-    </p:spTree>
-    <p:extLst>
-      <p:ext uri="{BB962C8B-B14F-4D97-AF65-F5344CB8AC3E}">
-        <p14:creationId xmlns:p14="http://schemas.microsoft.com/office/powerpoint/2010/main" val="2255287392"/>
-      </p:ext>
-    </p:extLst>
-  </p:cSld>
-  <p:clrMapOvr>
-    <a:masterClrMapping/>
-  </p:clrMapOvr>
-</p:notes>
-</file>
-
-<file path=ppt/notesSlides/notesSlide24.xml><?xml version="1.0" encoding="utf-8"?>
-<p:notes xmlns:a="http://schemas.openxmlformats.org/drawingml/2006/main" xmlns:r="http://schemas.openxmlformats.org/officeDocument/2006/relationships" xmlns:p="http://schemas.openxmlformats.org/presentationml/2006/main">
-  <p:cSld>
-    <p:spTree>
-      <p:nvGrpSpPr>
-        <p:cNvPr id="1" name=""/>
-        <p:cNvGrpSpPr/>
-        <p:nvPr/>
-      </p:nvGrpSpPr>
-      <p:grpSpPr>
-        <a:xfrm>
-          <a:off x="0" y="0"/>
-          <a:ext cx="0" cy="0"/>
-          <a:chOff x="0" y="0"/>
-          <a:chExt cx="0" cy="0"/>
-        </a:xfrm>
-      </p:grpSpPr>
-      <p:sp>
-        <p:nvSpPr>
-          <p:cNvPr id="2" name="Slide Image Placeholder 1"/>
-          <p:cNvSpPr>
-            <a:spLocks noGrp="1" noRot="1" noChangeAspect="1"/>
-          </p:cNvSpPr>
-          <p:nvPr>
-            <p:ph type="sldImg"/>
-          </p:nvPr>
-        </p:nvSpPr>
-        <p:spPr/>
-      </p:sp>
-      <p:sp>
-        <p:nvSpPr>
-          <p:cNvPr id="3" name="Notes Placeholder 2"/>
-          <p:cNvSpPr>
-            <a:spLocks noGrp="1"/>
-          </p:cNvSpPr>
-          <p:nvPr>
-            <p:ph type="body" idx="1"/>
-          </p:nvPr>
-        </p:nvSpPr>
-        <p:spPr/>
-        <p:txBody>
-          <a:bodyPr/>
-          <a:lstStyle/>
-          <a:p>
-            <a:endParaRPr lang="fr-CH"/>
-          </a:p>
-        </p:txBody>
-      </p:sp>
-      <p:sp>
-        <p:nvSpPr>
-          <p:cNvPr id="4" name="Slide Number Placeholder 3"/>
-          <p:cNvSpPr>
-            <a:spLocks noGrp="1"/>
-          </p:cNvSpPr>
-          <p:nvPr>
-            <p:ph type="sldNum" sz="quarter" idx="10"/>
-          </p:nvPr>
-        </p:nvSpPr>
-        <p:spPr/>
-        <p:txBody>
-          <a:bodyPr/>
-          <a:lstStyle/>
-          <a:p>
-            <a:fld id="{5667F26F-CF4B-4075-A0DF-7E3987368146}" type="slidenum">
-              <a:rPr lang="fr-CH" smtClean="0"/>
-              <a:t>24</a:t>
             </a:fld>
             <a:endParaRPr lang="fr-CH"/>
           </a:p>
@@ -3460,79 +3512,94 @@
           <a:lstStyle/>
           <a:p>
             <a:r>
-              <a:rPr lang="en-US" dirty="0" err="1" smtClean="0"/>
-              <a:t>Fichier</a:t>
-            </a:r>
-            <a:r>
               <a:rPr lang="en-US" dirty="0" smtClean="0"/>
-              <a:t> </a:t>
-            </a:r>
-            <a:r>
-              <a:rPr lang="en-US" dirty="0" err="1" smtClean="0"/>
-              <a:t>démarré</a:t>
-            </a:r>
-            <a:r>
-              <a:rPr lang="en-US" dirty="0" smtClean="0"/>
-              <a:t> pour </a:t>
-            </a:r>
-            <a:r>
-              <a:rPr lang="en-US" dirty="0" err="1" smtClean="0"/>
-              <a:t>écouter</a:t>
-            </a:r>
-            <a:r>
-              <a:rPr lang="en-US" dirty="0" smtClean="0"/>
-              <a:t> “Starter le </a:t>
-            </a:r>
-            <a:r>
-              <a:rPr lang="en-US" dirty="0" err="1" smtClean="0"/>
-              <a:t>serveur</a:t>
-            </a:r>
-            <a:r>
-              <a:rPr lang="en-US" dirty="0" smtClean="0"/>
-              <a:t>” 2 parties </a:t>
-            </a:r>
-            <a:r>
-              <a:rPr lang="en-US" dirty="0" err="1" smtClean="0"/>
-              <a:t>importantes</a:t>
-            </a:r>
-            <a:r>
-              <a:rPr lang="en-US" baseline="0" dirty="0" smtClean="0"/>
-              <a:t> du server </a:t>
-            </a:r>
-            <a:r>
-              <a:rPr lang="en-US" baseline="0" dirty="0" err="1" smtClean="0"/>
-              <a:t>dynamique</a:t>
-            </a:r>
-            <a:r>
-              <a:rPr lang="en-US" baseline="0" dirty="0" smtClean="0"/>
-              <a:t> et static</a:t>
-            </a:r>
-          </a:p>
-          <a:p>
-            <a:endParaRPr lang="en-US" baseline="0" dirty="0" smtClean="0"/>
-          </a:p>
-          <a:p>
-            <a:r>
-              <a:rPr lang="en-US" baseline="0" dirty="0" smtClean="0"/>
-              <a:t>Dire Client </a:t>
+              <a:t>Express Server </a:t>
+            </a:r>
+            <a:r>
+              <a:rPr lang="en-US" dirty="0" smtClean="0">
+                <a:sym typeface="Wingdings" panose="05000000000000000000" pitchFamily="2" charset="2"/>
+              </a:rPr>
+              <a:t> app.js </a:t>
+            </a:r>
+          </a:p>
+          <a:p>
+            <a:r>
+              <a:rPr lang="en-US" dirty="0" smtClean="0">
+                <a:sym typeface="Wingdings" panose="05000000000000000000" pitchFamily="2" charset="2"/>
+              </a:rPr>
+              <a:t>Faire</a:t>
             </a:r>
             <a:r>
               <a:rPr lang="en-US" baseline="0" dirty="0" smtClean="0">
                 <a:sym typeface="Wingdings" panose="05000000000000000000" pitchFamily="2" charset="2"/>
               </a:rPr>
-              <a:t> </a:t>
+              <a:t> </a:t>
             </a:r>
             <a:r>
               <a:rPr lang="en-US" baseline="0" dirty="0" err="1" smtClean="0">
                 <a:sym typeface="Wingdings" panose="05000000000000000000" pitchFamily="2" charset="2"/>
               </a:rPr>
-              <a:t>Vue</a:t>
+              <a:t>Schéma</a:t>
             </a:r>
             <a:r>
               <a:rPr lang="en-US" baseline="0" dirty="0" smtClean="0">
                 <a:sym typeface="Wingdings" panose="05000000000000000000" pitchFamily="2" charset="2"/>
               </a:rPr>
-              <a:t> SPA</a:t>
+              <a:t> tableau avec </a:t>
+            </a:r>
+            <a:r>
+              <a:rPr lang="en-US" baseline="0" dirty="0" err="1" smtClean="0">
+                <a:sym typeface="Wingdings" panose="05000000000000000000" pitchFamily="2" charset="2"/>
+              </a:rPr>
+              <a:t>différentes</a:t>
+            </a:r>
+            <a:r>
+              <a:rPr lang="en-US" baseline="0" dirty="0" smtClean="0">
+                <a:sym typeface="Wingdings" panose="05000000000000000000" pitchFamily="2" charset="2"/>
+              </a:rPr>
+              <a:t> </a:t>
+            </a:r>
+            <a:r>
+              <a:rPr lang="en-US" baseline="0" dirty="0" err="1" smtClean="0">
+                <a:sym typeface="Wingdings" panose="05000000000000000000" pitchFamily="2" charset="2"/>
+              </a:rPr>
+              <a:t>étapes</a:t>
+            </a:r>
+            <a:r>
+              <a:rPr lang="en-US" baseline="0" dirty="0" smtClean="0">
+                <a:sym typeface="Wingdings" panose="05000000000000000000" pitchFamily="2" charset="2"/>
+              </a:rPr>
+              <a:t> de </a:t>
+            </a:r>
+            <a:r>
+              <a:rPr lang="en-US" baseline="0" dirty="0" err="1" smtClean="0">
+                <a:sym typeface="Wingdings" panose="05000000000000000000" pitchFamily="2" charset="2"/>
+              </a:rPr>
+              <a:t>routage</a:t>
+            </a:r>
+            <a:r>
+              <a:rPr lang="en-US" baseline="0" dirty="0" smtClean="0">
+                <a:sym typeface="Wingdings" panose="05000000000000000000" pitchFamily="2" charset="2"/>
+              </a:rPr>
+              <a:t> et </a:t>
+            </a:r>
+            <a:r>
+              <a:rPr lang="en-US" baseline="0" dirty="0" err="1" smtClean="0">
+                <a:sym typeface="Wingdings" panose="05000000000000000000" pitchFamily="2" charset="2"/>
+              </a:rPr>
+              <a:t>d’appels</a:t>
+            </a:r>
+            <a:r>
+              <a:rPr lang="en-US" baseline="0" dirty="0" smtClean="0">
+                <a:sym typeface="Wingdings" panose="05000000000000000000" pitchFamily="2" charset="2"/>
+              </a:rPr>
+              <a:t> à </a:t>
+            </a:r>
+            <a:r>
+              <a:rPr lang="en-US" baseline="0" dirty="0" err="1" smtClean="0">
+                <a:sym typeface="Wingdings" panose="05000000000000000000" pitchFamily="2" charset="2"/>
+              </a:rPr>
+              <a:t>l’API</a:t>
             </a:r>
             <a:endParaRPr lang="fr-CH" dirty="0"/>
           </a:p>
@@ -3564,7 +3631,7 @@
     </p:spTree>
     <p:extLst>
       <p:ext uri="{BB962C8B-B14F-4D97-AF65-F5344CB8AC3E}">
-        <p14:creationId xmlns:p14="http://schemas.microsoft.com/office/powerpoint/2010/main" val="3624543904"/>
+        <p14:creationId xmlns:p14="http://schemas.microsoft.com/office/powerpoint/2010/main" val="2187878589"/>
       </p:ext>
     </p:extLst>
   </p:cSld>
@@ -9664,550 +9731,6 @@
         </p:nvSpPr>
         <p:spPr>
           <a:xfrm>
-            <a:off x="-1" y="0"/>
-            <a:ext cx="9760017" cy="866274"/>
-          </a:xfrm>
-        </p:spPr>
-        <p:txBody>
-          <a:bodyPr/>
-          <a:lstStyle/>
-          <a:p>
-            <a:pPr algn="l"/>
-            <a:r>
-              <a:rPr lang="en-US" sz="5400" dirty="0" smtClean="0"/>
-              <a:t> Zoom sur ExpressJS</a:t>
-            </a:r>
-            <a:endParaRPr lang="fr-CH" sz="5400" i="1" dirty="0"/>
-          </a:p>
-        </p:txBody>
-      </p:sp>
-      <p:cxnSp>
-        <p:nvCxnSpPr>
-          <p:cNvPr id="5" name="Straight Arrow Connector 4"/>
-          <p:cNvCxnSpPr>
-            <a:stCxn id="12" idx="6"/>
-            <a:endCxn id="10" idx="2"/>
-          </p:cNvCxnSpPr>
-          <p:nvPr/>
-        </p:nvCxnSpPr>
-        <p:spPr>
-          <a:xfrm flipV="1">
-            <a:off x="4822257" y="2616286"/>
-            <a:ext cx="2521819" cy="1012439"/>
-          </a:xfrm>
-          <a:prstGeom prst="straightConnector1">
-            <a:avLst/>
-          </a:prstGeom>
-          <a:ln>
-            <a:tailEnd type="triangle"/>
-          </a:ln>
-        </p:spPr>
-        <p:style>
-          <a:lnRef idx="1">
-            <a:schemeClr val="accent1"/>
-          </a:lnRef>
-          <a:fillRef idx="0">
-            <a:schemeClr val="accent1"/>
-          </a:fillRef>
-          <a:effectRef idx="0">
-            <a:schemeClr val="accent1"/>
-          </a:effectRef>
-          <a:fontRef idx="minor">
-            <a:schemeClr val="tx1"/>
-          </a:fontRef>
-        </p:style>
-      </p:cxnSp>
-      <p:cxnSp>
-        <p:nvCxnSpPr>
-          <p:cNvPr id="6" name="Straight Arrow Connector 5"/>
-          <p:cNvCxnSpPr>
-            <a:stCxn id="12" idx="6"/>
-            <a:endCxn id="11" idx="2"/>
-          </p:cNvCxnSpPr>
-          <p:nvPr/>
-        </p:nvCxnSpPr>
-        <p:spPr>
-          <a:xfrm>
-            <a:off x="4822257" y="3628725"/>
-            <a:ext cx="2521819" cy="1145405"/>
-          </a:xfrm>
-          <a:prstGeom prst="straightConnector1">
-            <a:avLst/>
-          </a:prstGeom>
-          <a:ln>
-            <a:tailEnd type="triangle"/>
-          </a:ln>
-        </p:spPr>
-        <p:style>
-          <a:lnRef idx="1">
-            <a:schemeClr val="accent1"/>
-          </a:lnRef>
-          <a:fillRef idx="0">
-            <a:schemeClr val="accent1"/>
-          </a:fillRef>
-          <a:effectRef idx="0">
-            <a:schemeClr val="accent1"/>
-          </a:effectRef>
-          <a:fontRef idx="minor">
-            <a:schemeClr val="tx1"/>
-          </a:fontRef>
-        </p:style>
-      </p:cxnSp>
-      <p:sp>
-        <p:nvSpPr>
-          <p:cNvPr id="7" name="TextBox 6"/>
-          <p:cNvSpPr txBox="1"/>
-          <p:nvPr/>
-        </p:nvSpPr>
-        <p:spPr>
-          <a:xfrm rot="20185048">
-            <a:off x="5726268" y="2672252"/>
-            <a:ext cx="958917" cy="369332"/>
-          </a:xfrm>
-          <a:prstGeom prst="rect">
-            <a:avLst/>
-          </a:prstGeom>
-          <a:noFill/>
-        </p:spPr>
-        <p:txBody>
-          <a:bodyPr wrap="none" rtlCol="0">
-            <a:spAutoFit/>
-          </a:bodyPr>
-          <a:lstStyle/>
-          <a:p>
-            <a:r>
-              <a:rPr lang="en-US" dirty="0" smtClean="0"/>
-              <a:t>/</a:t>
-            </a:r>
-            <a:r>
-              <a:rPr lang="en-US" dirty="0" err="1" smtClean="0"/>
-              <a:t>api</a:t>
-            </a:r>
-            <a:r>
-              <a:rPr lang="en-US" dirty="0" smtClean="0"/>
-              <a:t>/…</a:t>
-            </a:r>
-            <a:endParaRPr lang="fr-CH" dirty="0"/>
-          </a:p>
-        </p:txBody>
-      </p:sp>
-      <p:sp>
-        <p:nvSpPr>
-          <p:cNvPr id="9" name="TextBox 8"/>
-          <p:cNvSpPr txBox="1"/>
-          <p:nvPr/>
-        </p:nvSpPr>
-        <p:spPr>
-          <a:xfrm rot="1568273">
-            <a:off x="5706869" y="4201427"/>
-            <a:ext cx="306494" cy="369332"/>
-          </a:xfrm>
-          <a:prstGeom prst="rect">
-            <a:avLst/>
-          </a:prstGeom>
-          <a:noFill/>
-        </p:spPr>
-        <p:txBody>
-          <a:bodyPr wrap="none" rtlCol="0">
-            <a:spAutoFit/>
-          </a:bodyPr>
-          <a:lstStyle/>
-          <a:p>
-            <a:r>
-              <a:rPr lang="en-US" dirty="0" smtClean="0"/>
-              <a:t>/</a:t>
-            </a:r>
-            <a:endParaRPr lang="fr-CH" dirty="0"/>
-          </a:p>
-        </p:txBody>
-      </p:sp>
-      <p:sp>
-        <p:nvSpPr>
-          <p:cNvPr id="10" name="Oval 9"/>
-          <p:cNvSpPr/>
-          <p:nvPr/>
-        </p:nvSpPr>
-        <p:spPr>
-          <a:xfrm>
-            <a:off x="7344076" y="2133236"/>
-            <a:ext cx="1318661" cy="966099"/>
-          </a:xfrm>
-          <a:prstGeom prst="ellipse">
-            <a:avLst/>
-          </a:prstGeom>
-        </p:spPr>
-        <p:style>
-          <a:lnRef idx="2">
-            <a:schemeClr val="accent1">
-              <a:shade val="50000"/>
-            </a:schemeClr>
-          </a:lnRef>
-          <a:fillRef idx="1">
-            <a:schemeClr val="accent1"/>
-          </a:fillRef>
-          <a:effectRef idx="0">
-            <a:schemeClr val="accent1"/>
-          </a:effectRef>
-          <a:fontRef idx="minor">
-            <a:schemeClr val="lt1"/>
-          </a:fontRef>
-        </p:style>
-        <p:txBody>
-          <a:bodyPr rtlCol="0" anchor="ctr"/>
-          <a:lstStyle/>
-          <a:p>
-            <a:pPr algn="ctr"/>
-            <a:r>
-              <a:rPr lang="en-US" dirty="0" smtClean="0"/>
-              <a:t>API</a:t>
-            </a:r>
-            <a:endParaRPr lang="fr-CH" dirty="0"/>
-          </a:p>
-        </p:txBody>
-      </p:sp>
-      <p:sp>
-        <p:nvSpPr>
-          <p:cNvPr id="11" name="Oval 10"/>
-          <p:cNvSpPr/>
-          <p:nvPr/>
-        </p:nvSpPr>
-        <p:spPr>
-          <a:xfrm>
-            <a:off x="7344076" y="4263991"/>
-            <a:ext cx="1193533" cy="1020278"/>
-          </a:xfrm>
-          <a:prstGeom prst="ellipse">
-            <a:avLst/>
-          </a:prstGeom>
-        </p:spPr>
-        <p:style>
-          <a:lnRef idx="2">
-            <a:schemeClr val="accent1">
-              <a:shade val="50000"/>
-            </a:schemeClr>
-          </a:lnRef>
-          <a:fillRef idx="1">
-            <a:schemeClr val="accent1"/>
-          </a:fillRef>
-          <a:effectRef idx="0">
-            <a:schemeClr val="accent1"/>
-          </a:effectRef>
-          <a:fontRef idx="minor">
-            <a:schemeClr val="lt1"/>
-          </a:fontRef>
-        </p:style>
-        <p:txBody>
-          <a:bodyPr rtlCol="0" anchor="ctr"/>
-          <a:lstStyle/>
-          <a:p>
-            <a:pPr algn="ctr"/>
-            <a:r>
-              <a:rPr lang="en-US" dirty="0" err="1" smtClean="0"/>
-              <a:t>Vue</a:t>
-            </a:r>
-            <a:r>
-              <a:rPr lang="en-US" dirty="0" smtClean="0"/>
-              <a:t> SPA</a:t>
-            </a:r>
-            <a:endParaRPr lang="fr-CH" dirty="0"/>
-          </a:p>
-        </p:txBody>
-      </p:sp>
-      <p:sp>
-        <p:nvSpPr>
-          <p:cNvPr id="12" name="Oval 11"/>
-          <p:cNvSpPr/>
-          <p:nvPr/>
-        </p:nvSpPr>
-        <p:spPr>
-          <a:xfrm>
-            <a:off x="3378467" y="2964581"/>
-            <a:ext cx="1443790" cy="1328287"/>
-          </a:xfrm>
-          <a:prstGeom prst="ellipse">
-            <a:avLst/>
-          </a:prstGeom>
-        </p:spPr>
-        <p:style>
-          <a:lnRef idx="2">
-            <a:schemeClr val="accent1">
-              <a:shade val="50000"/>
-            </a:schemeClr>
-          </a:lnRef>
-          <a:fillRef idx="1">
-            <a:schemeClr val="accent1"/>
-          </a:fillRef>
-          <a:effectRef idx="0">
-            <a:schemeClr val="accent1"/>
-          </a:effectRef>
-          <a:fontRef idx="minor">
-            <a:schemeClr val="lt1"/>
-          </a:fontRef>
-        </p:style>
-        <p:txBody>
-          <a:bodyPr rtlCol="0" anchor="ctr"/>
-          <a:lstStyle/>
-          <a:p>
-            <a:pPr algn="ctr"/>
-            <a:r>
-              <a:rPr lang="en-US" dirty="0" smtClean="0"/>
-              <a:t>Express</a:t>
-            </a:r>
-          </a:p>
-          <a:p>
-            <a:pPr algn="ctr"/>
-            <a:r>
-              <a:rPr lang="en-US" dirty="0" smtClean="0"/>
-              <a:t>Server</a:t>
-            </a:r>
-            <a:endParaRPr lang="fr-CH" dirty="0"/>
-          </a:p>
-        </p:txBody>
-      </p:sp>
-      <p:cxnSp>
-        <p:nvCxnSpPr>
-          <p:cNvPr id="13" name="Straight Arrow Connector 12"/>
-          <p:cNvCxnSpPr/>
-          <p:nvPr/>
-        </p:nvCxnSpPr>
-        <p:spPr>
-          <a:xfrm flipV="1">
-            <a:off x="350952" y="4020437"/>
-            <a:ext cx="1128585" cy="1021492"/>
-          </a:xfrm>
-          <a:prstGeom prst="straightConnector1">
-            <a:avLst/>
-          </a:prstGeom>
-          <a:ln>
-            <a:tailEnd type="triangle"/>
-          </a:ln>
-        </p:spPr>
-        <p:style>
-          <a:lnRef idx="1">
-            <a:schemeClr val="accent1"/>
-          </a:lnRef>
-          <a:fillRef idx="0">
-            <a:schemeClr val="accent1"/>
-          </a:fillRef>
-          <a:effectRef idx="0">
-            <a:schemeClr val="accent1"/>
-          </a:effectRef>
-          <a:fontRef idx="minor">
-            <a:schemeClr val="tx1"/>
-          </a:fontRef>
-        </p:style>
-      </p:cxnSp>
-      <p:cxnSp>
-        <p:nvCxnSpPr>
-          <p:cNvPr id="14" name="Straight Arrow Connector 13"/>
-          <p:cNvCxnSpPr/>
-          <p:nvPr/>
-        </p:nvCxnSpPr>
-        <p:spPr>
-          <a:xfrm flipV="1">
-            <a:off x="1112232" y="4201670"/>
-            <a:ext cx="535783" cy="840259"/>
-          </a:xfrm>
-          <a:prstGeom prst="straightConnector1">
-            <a:avLst/>
-          </a:prstGeom>
-          <a:ln>
-            <a:tailEnd type="triangle"/>
-          </a:ln>
-        </p:spPr>
-        <p:style>
-          <a:lnRef idx="1">
-            <a:schemeClr val="accent1"/>
-          </a:lnRef>
-          <a:fillRef idx="0">
-            <a:schemeClr val="accent1"/>
-          </a:fillRef>
-          <a:effectRef idx="0">
-            <a:schemeClr val="accent1"/>
-          </a:effectRef>
-          <a:fontRef idx="minor">
-            <a:schemeClr val="tx1"/>
-          </a:fontRef>
-        </p:style>
-      </p:cxnSp>
-      <p:cxnSp>
-        <p:nvCxnSpPr>
-          <p:cNvPr id="15" name="Straight Arrow Connector 14"/>
-          <p:cNvCxnSpPr/>
-          <p:nvPr/>
-        </p:nvCxnSpPr>
-        <p:spPr>
-          <a:xfrm flipH="1" flipV="1">
-            <a:off x="1989384" y="4201670"/>
-            <a:ext cx="17502" cy="928761"/>
-          </a:xfrm>
-          <a:prstGeom prst="straightConnector1">
-            <a:avLst/>
-          </a:prstGeom>
-          <a:ln>
-            <a:tailEnd type="triangle"/>
-          </a:ln>
-        </p:spPr>
-        <p:style>
-          <a:lnRef idx="1">
-            <a:schemeClr val="accent1"/>
-          </a:lnRef>
-          <a:fillRef idx="0">
-            <a:schemeClr val="accent1"/>
-          </a:fillRef>
-          <a:effectRef idx="0">
-            <a:schemeClr val="accent1"/>
-          </a:effectRef>
-          <a:fontRef idx="minor">
-            <a:schemeClr val="tx1"/>
-          </a:fontRef>
-        </p:style>
-      </p:cxnSp>
-      <p:cxnSp>
-        <p:nvCxnSpPr>
-          <p:cNvPr id="16" name="Straight Arrow Connector 15"/>
-          <p:cNvCxnSpPr/>
-          <p:nvPr/>
-        </p:nvCxnSpPr>
-        <p:spPr>
-          <a:xfrm flipH="1" flipV="1">
-            <a:off x="2203873" y="4121663"/>
-            <a:ext cx="475315" cy="762000"/>
-          </a:xfrm>
-          <a:prstGeom prst="straightConnector1">
-            <a:avLst/>
-          </a:prstGeom>
-          <a:ln>
-            <a:tailEnd type="triangle"/>
-          </a:ln>
-        </p:spPr>
-        <p:style>
-          <a:lnRef idx="1">
-            <a:schemeClr val="accent1"/>
-          </a:lnRef>
-          <a:fillRef idx="0">
-            <a:schemeClr val="accent1"/>
-          </a:fillRef>
-          <a:effectRef idx="0">
-            <a:schemeClr val="accent1"/>
-          </a:effectRef>
-          <a:fontRef idx="minor">
-            <a:schemeClr val="tx1"/>
-          </a:fontRef>
-        </p:style>
-      </p:cxnSp>
-      <p:cxnSp>
-        <p:nvCxnSpPr>
-          <p:cNvPr id="17" name="Straight Arrow Connector 16"/>
-          <p:cNvCxnSpPr/>
-          <p:nvPr/>
-        </p:nvCxnSpPr>
-        <p:spPr>
-          <a:xfrm flipH="1" flipV="1">
-            <a:off x="2413514" y="4103817"/>
-            <a:ext cx="659864" cy="741405"/>
-          </a:xfrm>
-          <a:prstGeom prst="straightConnector1">
-            <a:avLst/>
-          </a:prstGeom>
-          <a:ln>
-            <a:tailEnd type="triangle"/>
-          </a:ln>
-        </p:spPr>
-        <p:style>
-          <a:lnRef idx="1">
-            <a:schemeClr val="accent1"/>
-          </a:lnRef>
-          <a:fillRef idx="0">
-            <a:schemeClr val="accent1"/>
-          </a:fillRef>
-          <a:effectRef idx="0">
-            <a:schemeClr val="accent1"/>
-          </a:effectRef>
-          <a:fontRef idx="minor">
-            <a:schemeClr val="tx1"/>
-          </a:fontRef>
-        </p:style>
-      </p:cxnSp>
-      <p:sp>
-        <p:nvSpPr>
-          <p:cNvPr id="18" name="TextBox 17"/>
-          <p:cNvSpPr txBox="1"/>
-          <p:nvPr/>
-        </p:nvSpPr>
-        <p:spPr>
-          <a:xfrm>
-            <a:off x="3192453" y="4317997"/>
-            <a:ext cx="1629804" cy="646331"/>
-          </a:xfrm>
-          <a:prstGeom prst="rect">
-            <a:avLst/>
-          </a:prstGeom>
-          <a:noFill/>
-        </p:spPr>
-        <p:txBody>
-          <a:bodyPr wrap="square" rtlCol="0">
-            <a:spAutoFit/>
-          </a:bodyPr>
-          <a:lstStyle/>
-          <a:p>
-            <a:r>
-              <a:rPr lang="en-US" dirty="0" smtClean="0"/>
-              <a:t>Client requests</a:t>
-            </a:r>
-            <a:endParaRPr lang="fr-CH" dirty="0"/>
-          </a:p>
-        </p:txBody>
-      </p:sp>
-    </p:spTree>
-    <p:extLst>
-      <p:ext uri="{BB962C8B-B14F-4D97-AF65-F5344CB8AC3E}">
-        <p14:creationId xmlns:p14="http://schemas.microsoft.com/office/powerpoint/2010/main" val="2571070811"/>
-      </p:ext>
-    </p:extLst>
-  </p:cSld>
-  <p:clrMapOvr>
-    <a:masterClrMapping/>
-  </p:clrMapOvr>
-  <p:timing>
-    <p:tnLst>
-      <p:par>
-        <p:cTn id="1" dur="indefinite" restart="never" nodeType="tmRoot"/>
-      </p:par>
-    </p:tnLst>
-  </p:timing>
-</p:sld>
-</file>
-
-<file path=ppt/slides/slide11.xml><?xml version="1.0" encoding="utf-8"?>
-<p:sld xmlns:a="http://schemas.openxmlformats.org/drawingml/2006/main" xmlns:r="http://schemas.openxmlformats.org/officeDocument/2006/relationships" xmlns:p="http://schemas.openxmlformats.org/presentationml/2006/main">
-  <p:cSld>
-    <p:spTree>
-      <p:nvGrpSpPr>
-        <p:cNvPr id="1" name=""/>
-        <p:cNvGrpSpPr/>
-        <p:nvPr/>
-      </p:nvGrpSpPr>
-      <p:grpSpPr>
-        <a:xfrm>
-          <a:off x="0" y="0"/>
-          <a:ext cx="0" cy="0"/>
-          <a:chOff x="0" y="0"/>
-          <a:chExt cx="0" cy="0"/>
-        </a:xfrm>
-      </p:grpSpPr>
-      <p:sp>
-        <p:nvSpPr>
-          <p:cNvPr id="2" name="Title 1"/>
-          <p:cNvSpPr>
-            <a:spLocks noGrp="1"/>
-          </p:cNvSpPr>
-          <p:nvPr>
-            <p:ph type="title"/>
-          </p:nvPr>
-        </p:nvSpPr>
-        <p:spPr>
-          <a:xfrm>
             <a:off x="0" y="0"/>
             <a:ext cx="9404723" cy="895149"/>
           </a:xfrm>
@@ -10578,7 +10101,7 @@
 </p:sld>
 </file>
 
-<file path=ppt/slides/slide12.xml><?xml version="1.0" encoding="utf-8"?>
+<file path=ppt/slides/slide11.xml><?xml version="1.0" encoding="utf-8"?>
 <p:sld xmlns:a="http://schemas.openxmlformats.org/drawingml/2006/main" xmlns:r="http://schemas.openxmlformats.org/officeDocument/2006/relationships" xmlns:p="http://schemas.openxmlformats.org/presentationml/2006/main">
   <p:cSld>
     <p:spTree>
@@ -10873,7 +10396,7 @@
           <a:prstGeom prst="bentConnector2">
             <a:avLst/>
           </a:prstGeom>
-          <a:ln>
+          <a:ln w="19050">
             <a:tailEnd type="none"/>
           </a:ln>
         </p:spPr>
@@ -10907,6 +10430,9 @@
             <a:avLst/>
           </a:prstGeom>
           <a:noFill/>
+          <a:ln w="19050">
+            <a:noFill/>
+          </a:ln>
         </p:spPr>
         <p:txBody>
           <a:bodyPr wrap="square" rtlCol="0">
@@ -10929,8 +10455,8 @@
           <p:nvPr/>
         </p:nvSpPr>
         <p:spPr>
-          <a:xfrm rot="873157">
-            <a:off x="3057659" y="2177253"/>
+          <a:xfrm rot="664269">
+            <a:off x="3194717" y="2123714"/>
             <a:ext cx="5198489" cy="1079196"/>
           </a:xfrm>
           <a:prstGeom prst="rightArrow">
@@ -10958,20 +10484,494 @@
           <a:lstStyle/>
           <a:p>
             <a:pPr algn="ctr"/>
-            <a:endParaRPr lang="fr-CH"/>
-          </a:p>
-        </p:txBody>
-      </p:sp>
-      <p:sp>
-        <p:nvSpPr>
-          <p:cNvPr id="14" name="TextBox 13"/>
+            <a:r>
+              <a:rPr lang="en-US"/>
+              <a:t>Compilé (webpack)</a:t>
+            </a:r>
+            <a:endParaRPr lang="fr-CH" dirty="0"/>
+          </a:p>
+        </p:txBody>
+      </p:sp>
+      <p:cxnSp>
+        <p:nvCxnSpPr>
+          <p:cNvPr id="16" name="Elbow Connector 15"/>
+          <p:cNvCxnSpPr>
+            <a:endCxn id="13" idx="1"/>
+          </p:cNvCxnSpPr>
+          <p:nvPr/>
+        </p:nvCxnSpPr>
+        <p:spPr>
+          <a:xfrm rot="16200000" flipH="1">
+            <a:off x="1351475" y="3073006"/>
+            <a:ext cx="220158" cy="198262"/>
+          </a:xfrm>
+          <a:prstGeom prst="bentConnector2">
+            <a:avLst/>
+          </a:prstGeom>
+          <a:ln w="19050">
+            <a:tailEnd type="none"/>
+          </a:ln>
+        </p:spPr>
+        <p:style>
+          <a:lnRef idx="1">
+            <a:schemeClr val="accent1"/>
+          </a:lnRef>
+          <a:fillRef idx="0">
+            <a:schemeClr val="accent1"/>
+          </a:fillRef>
+          <a:effectRef idx="0">
+            <a:schemeClr val="accent1"/>
+          </a:effectRef>
+          <a:fontRef idx="minor">
+            <a:schemeClr val="tx1"/>
+          </a:fontRef>
+        </p:style>
+      </p:cxnSp>
+      <p:sp>
+        <p:nvSpPr>
+          <p:cNvPr id="13" name="TextBox 12"/>
           <p:cNvSpPr txBox="1"/>
           <p:nvPr/>
         </p:nvSpPr>
         <p:spPr>
-          <a:xfrm rot="848732">
-            <a:off x="4269956" y="2529085"/>
-            <a:ext cx="2773895" cy="369332"/>
+          <a:xfrm>
+            <a:off x="1560685" y="3097550"/>
+            <a:ext cx="1444780" cy="369332"/>
+          </a:xfrm>
+          <a:prstGeom prst="rect">
+            <a:avLst/>
+          </a:prstGeom>
+          <a:noFill/>
+          <a:ln w="19050">
+            <a:noFill/>
+          </a:ln>
+        </p:spPr>
+        <p:txBody>
+          <a:bodyPr wrap="square" rtlCol="0">
+            <a:spAutoFit/>
+          </a:bodyPr>
+          <a:lstStyle/>
+          <a:p>
+            <a:r>
+              <a:rPr lang="en-US" dirty="0" smtClean="0"/>
+              <a:t>assets</a:t>
+            </a:r>
+            <a:endParaRPr lang="fr-CH" dirty="0"/>
+          </a:p>
+        </p:txBody>
+      </p:sp>
+      <p:sp>
+        <p:nvSpPr>
+          <p:cNvPr id="22" name="TextBox 21"/>
+          <p:cNvSpPr txBox="1"/>
+          <p:nvPr/>
+        </p:nvSpPr>
+        <p:spPr>
+          <a:xfrm>
+            <a:off x="1560685" y="3431391"/>
+            <a:ext cx="1444780" cy="369332"/>
+          </a:xfrm>
+          <a:prstGeom prst="rect">
+            <a:avLst/>
+          </a:prstGeom>
+          <a:noFill/>
+          <a:ln w="19050">
+            <a:noFill/>
+          </a:ln>
+        </p:spPr>
+        <p:txBody>
+          <a:bodyPr wrap="square" rtlCol="0">
+            <a:spAutoFit/>
+          </a:bodyPr>
+          <a:lstStyle/>
+          <a:p>
+            <a:r>
+              <a:rPr lang="en-US" dirty="0" smtClean="0"/>
+              <a:t>helpers</a:t>
+            </a:r>
+            <a:endParaRPr lang="fr-CH" dirty="0"/>
+          </a:p>
+        </p:txBody>
+      </p:sp>
+      <p:sp>
+        <p:nvSpPr>
+          <p:cNvPr id="23" name="TextBox 22"/>
+          <p:cNvSpPr txBox="1"/>
+          <p:nvPr/>
+        </p:nvSpPr>
+        <p:spPr>
+          <a:xfrm>
+            <a:off x="1560685" y="3765231"/>
+            <a:ext cx="1444780" cy="369332"/>
+          </a:xfrm>
+          <a:prstGeom prst="rect">
+            <a:avLst/>
+          </a:prstGeom>
+          <a:noFill/>
+          <a:ln w="19050">
+            <a:noFill/>
+          </a:ln>
+        </p:spPr>
+        <p:txBody>
+          <a:bodyPr wrap="square" rtlCol="0">
+            <a:spAutoFit/>
+          </a:bodyPr>
+          <a:lstStyle/>
+          <a:p>
+            <a:r>
+              <a:rPr lang="en-US" dirty="0" smtClean="0"/>
+              <a:t>router</a:t>
+            </a:r>
+            <a:endParaRPr lang="fr-CH" dirty="0"/>
+          </a:p>
+        </p:txBody>
+      </p:sp>
+      <p:sp>
+        <p:nvSpPr>
+          <p:cNvPr id="24" name="TextBox 23"/>
+          <p:cNvSpPr txBox="1"/>
+          <p:nvPr/>
+        </p:nvSpPr>
+        <p:spPr>
+          <a:xfrm>
+            <a:off x="1560685" y="4101844"/>
+            <a:ext cx="1444780" cy="369332"/>
+          </a:xfrm>
+          <a:prstGeom prst="rect">
+            <a:avLst/>
+          </a:prstGeom>
+          <a:noFill/>
+          <a:ln w="19050">
+            <a:noFill/>
+          </a:ln>
+        </p:spPr>
+        <p:txBody>
+          <a:bodyPr wrap="square" rtlCol="0">
+            <a:spAutoFit/>
+          </a:bodyPr>
+          <a:lstStyle/>
+          <a:p>
+            <a:r>
+              <a:rPr lang="en-US" dirty="0" smtClean="0"/>
+              <a:t>vuex</a:t>
+            </a:r>
+            <a:endParaRPr lang="fr-CH" dirty="0"/>
+          </a:p>
+        </p:txBody>
+      </p:sp>
+      <p:sp>
+        <p:nvSpPr>
+          <p:cNvPr id="25" name="TextBox 24"/>
+          <p:cNvSpPr txBox="1"/>
+          <p:nvPr/>
+        </p:nvSpPr>
+        <p:spPr>
+          <a:xfrm>
+            <a:off x="1566176" y="5058377"/>
+            <a:ext cx="834124" cy="369332"/>
+          </a:xfrm>
+          <a:prstGeom prst="rect">
+            <a:avLst/>
+          </a:prstGeom>
+          <a:noFill/>
+          <a:ln w="19050">
+            <a:noFill/>
+          </a:ln>
+        </p:spPr>
+        <p:txBody>
+          <a:bodyPr wrap="square" rtlCol="0">
+            <a:spAutoFit/>
+          </a:bodyPr>
+          <a:lstStyle/>
+          <a:p>
+            <a:r>
+              <a:rPr lang="en-US" dirty="0" smtClean="0"/>
+              <a:t>views</a:t>
+            </a:r>
+            <a:endParaRPr lang="fr-CH" dirty="0"/>
+          </a:p>
+        </p:txBody>
+      </p:sp>
+      <p:cxnSp>
+        <p:nvCxnSpPr>
+          <p:cNvPr id="26" name="Elbow Connector 25"/>
+          <p:cNvCxnSpPr>
+            <a:endCxn id="22" idx="1"/>
+          </p:cNvCxnSpPr>
+          <p:nvPr/>
+        </p:nvCxnSpPr>
+        <p:spPr>
+          <a:xfrm rot="16200000" flipH="1">
+            <a:off x="1274672" y="3330043"/>
+            <a:ext cx="373765" cy="198262"/>
+          </a:xfrm>
+          <a:prstGeom prst="bentConnector2">
+            <a:avLst/>
+          </a:prstGeom>
+          <a:ln w="19050">
+            <a:tailEnd type="none"/>
+          </a:ln>
+        </p:spPr>
+        <p:style>
+          <a:lnRef idx="1">
+            <a:schemeClr val="accent1"/>
+          </a:lnRef>
+          <a:fillRef idx="0">
+            <a:schemeClr val="accent1"/>
+          </a:fillRef>
+          <a:effectRef idx="0">
+            <a:schemeClr val="accent1"/>
+          </a:effectRef>
+          <a:fontRef idx="minor">
+            <a:schemeClr val="tx1"/>
+          </a:fontRef>
+        </p:style>
+      </p:cxnSp>
+      <p:cxnSp>
+        <p:nvCxnSpPr>
+          <p:cNvPr id="28" name="Elbow Connector 27"/>
+          <p:cNvCxnSpPr/>
+          <p:nvPr/>
+        </p:nvCxnSpPr>
+        <p:spPr>
+          <a:xfrm rot="16200000" flipH="1">
+            <a:off x="1262154" y="3656860"/>
+            <a:ext cx="392258" cy="193817"/>
+          </a:xfrm>
+          <a:prstGeom prst="bentConnector2">
+            <a:avLst/>
+          </a:prstGeom>
+          <a:ln w="19050">
+            <a:tailEnd type="none"/>
+          </a:ln>
+        </p:spPr>
+        <p:style>
+          <a:lnRef idx="1">
+            <a:schemeClr val="accent1"/>
+          </a:lnRef>
+          <a:fillRef idx="0">
+            <a:schemeClr val="accent1"/>
+          </a:fillRef>
+          <a:effectRef idx="0">
+            <a:schemeClr val="accent1"/>
+          </a:effectRef>
+          <a:fontRef idx="minor">
+            <a:schemeClr val="tx1"/>
+          </a:fontRef>
+        </p:style>
+      </p:cxnSp>
+      <p:cxnSp>
+        <p:nvCxnSpPr>
+          <p:cNvPr id="30" name="Elbow Connector 29"/>
+          <p:cNvCxnSpPr/>
+          <p:nvPr/>
+        </p:nvCxnSpPr>
+        <p:spPr>
+          <a:xfrm rot="16200000" flipH="1">
+            <a:off x="1268125" y="3992899"/>
+            <a:ext cx="388959" cy="198262"/>
+          </a:xfrm>
+          <a:prstGeom prst="bentConnector2">
+            <a:avLst/>
+          </a:prstGeom>
+          <a:ln w="19050">
+            <a:tailEnd type="none"/>
+          </a:ln>
+        </p:spPr>
+        <p:style>
+          <a:lnRef idx="1">
+            <a:schemeClr val="accent1"/>
+          </a:lnRef>
+          <a:fillRef idx="0">
+            <a:schemeClr val="accent1"/>
+          </a:fillRef>
+          <a:effectRef idx="0">
+            <a:schemeClr val="accent1"/>
+          </a:effectRef>
+          <a:fontRef idx="minor">
+            <a:schemeClr val="tx1"/>
+          </a:fontRef>
+        </p:style>
+      </p:cxnSp>
+      <p:cxnSp>
+        <p:nvCxnSpPr>
+          <p:cNvPr id="33" name="Elbow Connector 32"/>
+          <p:cNvCxnSpPr/>
+          <p:nvPr/>
+        </p:nvCxnSpPr>
+        <p:spPr>
+          <a:xfrm rot="16200000" flipH="1">
+            <a:off x="1232350" y="4912432"/>
+            <a:ext cx="458852" cy="199310"/>
+          </a:xfrm>
+          <a:prstGeom prst="bentConnector2">
+            <a:avLst/>
+          </a:prstGeom>
+          <a:ln w="19050">
+            <a:tailEnd type="none"/>
+          </a:ln>
+        </p:spPr>
+        <p:style>
+          <a:lnRef idx="1">
+            <a:schemeClr val="accent1"/>
+          </a:lnRef>
+          <a:fillRef idx="0">
+            <a:schemeClr val="accent1"/>
+          </a:fillRef>
+          <a:effectRef idx="0">
+            <a:schemeClr val="accent1"/>
+          </a:effectRef>
+          <a:fontRef idx="minor">
+            <a:schemeClr val="tx1"/>
+          </a:fontRef>
+        </p:style>
+      </p:cxnSp>
+      <p:sp>
+        <p:nvSpPr>
+          <p:cNvPr id="35" name="TextBox 34"/>
+          <p:cNvSpPr txBox="1"/>
+          <p:nvPr/>
+        </p:nvSpPr>
+        <p:spPr>
+          <a:xfrm>
+            <a:off x="1559637" y="4402965"/>
+            <a:ext cx="1444780" cy="369332"/>
+          </a:xfrm>
+          <a:prstGeom prst="rect">
+            <a:avLst/>
+          </a:prstGeom>
+          <a:noFill/>
+          <a:ln w="19050">
+            <a:noFill/>
+          </a:ln>
+        </p:spPr>
+        <p:txBody>
+          <a:bodyPr wrap="square" rtlCol="0">
+            <a:spAutoFit/>
+          </a:bodyPr>
+          <a:lstStyle/>
+          <a:p>
+            <a:r>
+              <a:rPr lang="en-US" b="1" dirty="0" err="1" smtClean="0"/>
+              <a:t>App.vue</a:t>
+            </a:r>
+            <a:endParaRPr lang="fr-CH" b="1" dirty="0"/>
+          </a:p>
+        </p:txBody>
+      </p:sp>
+      <p:cxnSp>
+        <p:nvCxnSpPr>
+          <p:cNvPr id="36" name="Elbow Connector 35"/>
+          <p:cNvCxnSpPr/>
+          <p:nvPr/>
+        </p:nvCxnSpPr>
+        <p:spPr>
+          <a:xfrm rot="16200000" flipH="1">
+            <a:off x="1268124" y="4294021"/>
+            <a:ext cx="388959" cy="198262"/>
+          </a:xfrm>
+          <a:prstGeom prst="bentConnector2">
+            <a:avLst/>
+          </a:prstGeom>
+          <a:ln w="19050">
+            <a:tailEnd type="none"/>
+          </a:ln>
+        </p:spPr>
+        <p:style>
+          <a:lnRef idx="1">
+            <a:schemeClr val="accent1"/>
+          </a:lnRef>
+          <a:fillRef idx="0">
+            <a:schemeClr val="accent1"/>
+          </a:fillRef>
+          <a:effectRef idx="0">
+            <a:schemeClr val="accent1"/>
+          </a:effectRef>
+          <a:fontRef idx="minor">
+            <a:schemeClr val="tx1"/>
+          </a:fontRef>
+        </p:style>
+      </p:cxnSp>
+      <p:sp>
+        <p:nvSpPr>
+          <p:cNvPr id="37" name="TextBox 36"/>
+          <p:cNvSpPr txBox="1"/>
+          <p:nvPr/>
+        </p:nvSpPr>
+        <p:spPr>
+          <a:xfrm>
+            <a:off x="1558589" y="4730671"/>
+            <a:ext cx="1444780" cy="369332"/>
+          </a:xfrm>
+          <a:prstGeom prst="rect">
+            <a:avLst/>
+          </a:prstGeom>
+          <a:noFill/>
+          <a:ln w="19050">
+            <a:noFill/>
+          </a:ln>
+        </p:spPr>
+        <p:txBody>
+          <a:bodyPr wrap="square" rtlCol="0">
+            <a:spAutoFit/>
+          </a:bodyPr>
+          <a:lstStyle/>
+          <a:p>
+            <a:r>
+              <a:rPr lang="en-US" b="1" dirty="0"/>
+              <a:t>m</a:t>
+            </a:r>
+            <a:r>
+              <a:rPr lang="en-US" b="1" dirty="0" smtClean="0"/>
+              <a:t>ain.js</a:t>
+            </a:r>
+            <a:endParaRPr lang="fr-CH" b="1" dirty="0"/>
+          </a:p>
+        </p:txBody>
+      </p:sp>
+      <p:cxnSp>
+        <p:nvCxnSpPr>
+          <p:cNvPr id="38" name="Elbow Connector 37"/>
+          <p:cNvCxnSpPr/>
+          <p:nvPr/>
+        </p:nvCxnSpPr>
+        <p:spPr>
+          <a:xfrm rot="16200000" flipH="1">
+            <a:off x="1266026" y="4621649"/>
+            <a:ext cx="388959" cy="198262"/>
+          </a:xfrm>
+          <a:prstGeom prst="bentConnector2">
+            <a:avLst/>
+          </a:prstGeom>
+          <a:ln w="19050">
+            <a:tailEnd type="none"/>
+          </a:ln>
+        </p:spPr>
+        <p:style>
+          <a:lnRef idx="1">
+            <a:schemeClr val="accent1"/>
+          </a:lnRef>
+          <a:fillRef idx="0">
+            <a:schemeClr val="accent1"/>
+          </a:fillRef>
+          <a:effectRef idx="0">
+            <a:schemeClr val="accent1"/>
+          </a:effectRef>
+          <a:fontRef idx="minor">
+            <a:schemeClr val="tx1"/>
+          </a:fontRef>
+        </p:style>
+      </p:cxnSp>
+      <p:sp>
+        <p:nvSpPr>
+          <p:cNvPr id="39" name="TextBox 38"/>
+          <p:cNvSpPr txBox="1"/>
+          <p:nvPr/>
+        </p:nvSpPr>
+        <p:spPr>
+          <a:xfrm>
+            <a:off x="4385582" y="4198672"/>
+            <a:ext cx="2453054" cy="369332"/>
           </a:xfrm>
           <a:prstGeom prst="rect">
             <a:avLst/>
@@ -10986,16 +10986,308 @@
           <a:p>
             <a:r>
               <a:rPr lang="en-US" dirty="0" err="1" smtClean="0"/>
-              <a:t>Compilé</a:t>
-            </a:r>
+              <a:t>SharedComponents</a:t>
+            </a:r>
+            <a:endParaRPr lang="fr-CH" dirty="0"/>
+          </a:p>
+        </p:txBody>
+      </p:sp>
+      <p:cxnSp>
+        <p:nvCxnSpPr>
+          <p:cNvPr id="41" name="Elbow Connector 40"/>
+          <p:cNvCxnSpPr>
+            <a:stCxn id="25" idx="3"/>
+            <a:endCxn id="39" idx="1"/>
+          </p:cNvCxnSpPr>
+          <p:nvPr/>
+        </p:nvCxnSpPr>
+        <p:spPr>
+          <a:xfrm flipV="1">
+            <a:off x="2400300" y="4383338"/>
+            <a:ext cx="1985282" cy="859705"/>
+          </a:xfrm>
+          <a:prstGeom prst="bentConnector3">
+            <a:avLst/>
+          </a:prstGeom>
+          <a:ln w="19050">
+            <a:tailEnd type="none"/>
+          </a:ln>
+        </p:spPr>
+        <p:style>
+          <a:lnRef idx="1">
+            <a:schemeClr val="accent1"/>
+          </a:lnRef>
+          <a:fillRef idx="0">
+            <a:schemeClr val="accent1"/>
+          </a:fillRef>
+          <a:effectRef idx="0">
+            <a:schemeClr val="accent1"/>
+          </a:effectRef>
+          <a:fontRef idx="minor">
+            <a:schemeClr val="tx1"/>
+          </a:fontRef>
+        </p:style>
+      </p:cxnSp>
+      <p:sp>
+        <p:nvSpPr>
+          <p:cNvPr id="45" name="TextBox 44"/>
+          <p:cNvSpPr txBox="1"/>
+          <p:nvPr/>
+        </p:nvSpPr>
+        <p:spPr>
+          <a:xfrm>
+            <a:off x="4380991" y="4658760"/>
+            <a:ext cx="2453054" cy="369332"/>
+          </a:xfrm>
+          <a:prstGeom prst="rect">
+            <a:avLst/>
+          </a:prstGeom>
+          <a:noFill/>
+        </p:spPr>
+        <p:txBody>
+          <a:bodyPr wrap="square" rtlCol="0">
+            <a:spAutoFit/>
+          </a:bodyPr>
+          <a:lstStyle/>
+          <a:p>
             <a:r>
               <a:rPr lang="en-US" dirty="0" smtClean="0"/>
-              <a:t> (webpack)</a:t>
+              <a:t>Home</a:t>
             </a:r>
             <a:endParaRPr lang="fr-CH" dirty="0"/>
           </a:p>
         </p:txBody>
       </p:sp>
+      <p:sp>
+        <p:nvSpPr>
+          <p:cNvPr id="46" name="TextBox 45"/>
+          <p:cNvSpPr txBox="1"/>
+          <p:nvPr/>
+        </p:nvSpPr>
+        <p:spPr>
+          <a:xfrm>
+            <a:off x="4380991" y="5114769"/>
+            <a:ext cx="2453054" cy="369332"/>
+          </a:xfrm>
+          <a:prstGeom prst="rect">
+            <a:avLst/>
+          </a:prstGeom>
+          <a:noFill/>
+        </p:spPr>
+        <p:txBody>
+          <a:bodyPr wrap="square" rtlCol="0">
+            <a:spAutoFit/>
+          </a:bodyPr>
+          <a:lstStyle/>
+          <a:p>
+            <a:r>
+              <a:rPr lang="en-US" dirty="0" smtClean="0"/>
+              <a:t>CreateShoot</a:t>
+            </a:r>
+            <a:endParaRPr lang="fr-CH" dirty="0"/>
+          </a:p>
+        </p:txBody>
+      </p:sp>
+      <p:sp>
+        <p:nvSpPr>
+          <p:cNvPr id="47" name="TextBox 46"/>
+          <p:cNvSpPr txBox="1"/>
+          <p:nvPr/>
+        </p:nvSpPr>
+        <p:spPr>
+          <a:xfrm>
+            <a:off x="4387677" y="5570778"/>
+            <a:ext cx="2453054" cy="369332"/>
+          </a:xfrm>
+          <a:prstGeom prst="rect">
+            <a:avLst/>
+          </a:prstGeom>
+          <a:noFill/>
+        </p:spPr>
+        <p:txBody>
+          <a:bodyPr wrap="square" rtlCol="0">
+            <a:spAutoFit/>
+          </a:bodyPr>
+          <a:lstStyle/>
+          <a:p>
+            <a:r>
+              <a:rPr lang="en-US" dirty="0" smtClean="0"/>
+              <a:t>Dashboard</a:t>
+            </a:r>
+            <a:endParaRPr lang="fr-CH" dirty="0"/>
+          </a:p>
+        </p:txBody>
+      </p:sp>
+      <p:sp>
+        <p:nvSpPr>
+          <p:cNvPr id="48" name="TextBox 47"/>
+          <p:cNvSpPr txBox="1"/>
+          <p:nvPr/>
+        </p:nvSpPr>
+        <p:spPr>
+          <a:xfrm>
+            <a:off x="4387677" y="6026787"/>
+            <a:ext cx="2453054" cy="369332"/>
+          </a:xfrm>
+          <a:prstGeom prst="rect">
+            <a:avLst/>
+          </a:prstGeom>
+          <a:noFill/>
+        </p:spPr>
+        <p:txBody>
+          <a:bodyPr wrap="square" rtlCol="0">
+            <a:spAutoFit/>
+          </a:bodyPr>
+          <a:lstStyle/>
+          <a:p>
+            <a:r>
+              <a:rPr lang="en-US" dirty="0" smtClean="0"/>
+              <a:t>EditShoot</a:t>
+            </a:r>
+            <a:endParaRPr lang="fr-CH" dirty="0"/>
+          </a:p>
+        </p:txBody>
+      </p:sp>
+      <p:cxnSp>
+        <p:nvCxnSpPr>
+          <p:cNvPr id="50" name="Elbow Connector 49"/>
+          <p:cNvCxnSpPr>
+            <a:endCxn id="45" idx="1"/>
+          </p:cNvCxnSpPr>
+          <p:nvPr/>
+        </p:nvCxnSpPr>
+        <p:spPr>
+          <a:xfrm rot="16200000" flipH="1">
+            <a:off x="4045328" y="4507763"/>
+            <a:ext cx="460088" cy="211237"/>
+          </a:xfrm>
+          <a:prstGeom prst="bentConnector2">
+            <a:avLst/>
+          </a:prstGeom>
+          <a:ln w="19050">
+            <a:tailEnd type="none"/>
+          </a:ln>
+        </p:spPr>
+        <p:style>
+          <a:lnRef idx="1">
+            <a:schemeClr val="accent1"/>
+          </a:lnRef>
+          <a:fillRef idx="0">
+            <a:schemeClr val="accent1"/>
+          </a:fillRef>
+          <a:effectRef idx="0">
+            <a:schemeClr val="accent1"/>
+          </a:effectRef>
+          <a:fontRef idx="minor">
+            <a:schemeClr val="tx1"/>
+          </a:fontRef>
+        </p:style>
+      </p:cxnSp>
+      <p:cxnSp>
+        <p:nvCxnSpPr>
+          <p:cNvPr id="51" name="Elbow Connector 50"/>
+          <p:cNvCxnSpPr>
+            <a:endCxn id="46" idx="1"/>
+          </p:cNvCxnSpPr>
+          <p:nvPr/>
+        </p:nvCxnSpPr>
+        <p:spPr>
+          <a:xfrm rot="16200000" flipH="1">
+            <a:off x="4031816" y="4950260"/>
+            <a:ext cx="486064" cy="212285"/>
+          </a:xfrm>
+          <a:prstGeom prst="bentConnector2">
+            <a:avLst/>
+          </a:prstGeom>
+          <a:ln w="19050">
+            <a:tailEnd type="none"/>
+          </a:ln>
+        </p:spPr>
+        <p:style>
+          <a:lnRef idx="1">
+            <a:schemeClr val="accent1"/>
+          </a:lnRef>
+          <a:fillRef idx="0">
+            <a:schemeClr val="accent1"/>
+          </a:fillRef>
+          <a:effectRef idx="0">
+            <a:schemeClr val="accent1"/>
+          </a:effectRef>
+          <a:fontRef idx="minor">
+            <a:schemeClr val="tx1"/>
+          </a:fontRef>
+        </p:style>
+      </p:cxnSp>
+      <p:cxnSp>
+        <p:nvCxnSpPr>
+          <p:cNvPr id="53" name="Elbow Connector 52"/>
+          <p:cNvCxnSpPr>
+            <a:endCxn id="47" idx="1"/>
+          </p:cNvCxnSpPr>
+          <p:nvPr/>
+        </p:nvCxnSpPr>
+        <p:spPr>
+          <a:xfrm rot="16200000" flipH="1">
+            <a:off x="4018890" y="5386656"/>
+            <a:ext cx="518565" cy="219009"/>
+          </a:xfrm>
+          <a:prstGeom prst="bentConnector2">
+            <a:avLst/>
+          </a:prstGeom>
+          <a:ln w="19050">
+            <a:tailEnd type="none"/>
+          </a:ln>
+        </p:spPr>
+        <p:style>
+          <a:lnRef idx="1">
+            <a:schemeClr val="accent1"/>
+          </a:lnRef>
+          <a:fillRef idx="0">
+            <a:schemeClr val="accent1"/>
+          </a:fillRef>
+          <a:effectRef idx="0">
+            <a:schemeClr val="accent1"/>
+          </a:effectRef>
+          <a:fontRef idx="minor">
+            <a:schemeClr val="tx1"/>
+          </a:fontRef>
+        </p:style>
+      </p:cxnSp>
+      <p:cxnSp>
+        <p:nvCxnSpPr>
+          <p:cNvPr id="57" name="Elbow Connector 56"/>
+          <p:cNvCxnSpPr>
+            <a:endCxn id="48" idx="1"/>
+          </p:cNvCxnSpPr>
+          <p:nvPr/>
+        </p:nvCxnSpPr>
+        <p:spPr>
+          <a:xfrm rot="16200000" flipH="1">
+            <a:off x="4043866" y="5867641"/>
+            <a:ext cx="469173" cy="218449"/>
+          </a:xfrm>
+          <a:prstGeom prst="bentConnector2">
+            <a:avLst/>
+          </a:prstGeom>
+          <a:ln w="19050">
+            <a:tailEnd type="none"/>
+          </a:ln>
+        </p:spPr>
+        <p:style>
+          <a:lnRef idx="1">
+            <a:schemeClr val="accent1"/>
+          </a:lnRef>
+          <a:fillRef idx="0">
+            <a:schemeClr val="accent1"/>
+          </a:fillRef>
+          <a:effectRef idx="0">
+            <a:schemeClr val="accent1"/>
+          </a:effectRef>
+          <a:fontRef idx="minor">
+            <a:schemeClr val="tx1"/>
+          </a:fontRef>
+        </p:style>
+      </p:cxnSp>
     </p:spTree>
     <p:extLst>
       <p:ext uri="{BB962C8B-B14F-4D97-AF65-F5344CB8AC3E}">
@@ -11016,7 +11308,7 @@
 </p:sld>
 </file>
 
-<file path=ppt/slides/slide13.xml><?xml version="1.0" encoding="utf-8"?>
+<file path=ppt/slides/slide12.xml><?xml version="1.0" encoding="utf-8"?>
 <p:sld xmlns:a="http://schemas.openxmlformats.org/drawingml/2006/main" xmlns:r="http://schemas.openxmlformats.org/officeDocument/2006/relationships" xmlns:p="http://schemas.openxmlformats.org/presentationml/2006/main">
   <p:cSld>
     <p:spTree>
@@ -12395,7 +12687,7 @@
 </p:sld>
 </file>
 
-<file path=ppt/slides/slide14.xml><?xml version="1.0" encoding="utf-8"?>
+<file path=ppt/slides/slide13.xml><?xml version="1.0" encoding="utf-8"?>
 <p:sld xmlns:a="http://schemas.openxmlformats.org/drawingml/2006/main" xmlns:r="http://schemas.openxmlformats.org/officeDocument/2006/relationships" xmlns:p="http://schemas.openxmlformats.org/presentationml/2006/main">
   <p:cSld>
     <p:spTree>
@@ -13526,6 +13818,87 @@
 </p:sld>
 </file>
 
+<file path=ppt/slides/slide14.xml><?xml version="1.0" encoding="utf-8"?>
+<p:sld xmlns:a="http://schemas.openxmlformats.org/drawingml/2006/main" xmlns:r="http://schemas.openxmlformats.org/officeDocument/2006/relationships" xmlns:p="http://schemas.openxmlformats.org/presentationml/2006/main">
+  <p:cSld>
+    <p:spTree>
+      <p:nvGrpSpPr>
+        <p:cNvPr id="1" name=""/>
+        <p:cNvGrpSpPr/>
+        <p:nvPr/>
+      </p:nvGrpSpPr>
+      <p:grpSpPr>
+        <a:xfrm>
+          <a:off x="0" y="0"/>
+          <a:ext cx="0" cy="0"/>
+          <a:chOff x="0" y="0"/>
+          <a:chExt cx="0" cy="0"/>
+        </a:xfrm>
+      </p:grpSpPr>
+      <p:sp>
+        <p:nvSpPr>
+          <p:cNvPr id="2" name="Title 1"/>
+          <p:cNvSpPr>
+            <a:spLocks noGrp="1"/>
+          </p:cNvSpPr>
+          <p:nvPr>
+            <p:ph type="title"/>
+          </p:nvPr>
+        </p:nvSpPr>
+        <p:spPr>
+          <a:xfrm>
+            <a:off x="672353" y="2738239"/>
+            <a:ext cx="10847294" cy="1381521"/>
+          </a:xfrm>
+        </p:spPr>
+        <p:txBody>
+          <a:bodyPr/>
+          <a:lstStyle/>
+          <a:p>
+            <a:r>
+              <a:rPr lang="en-US" sz="7200" dirty="0" smtClean="0"/>
+              <a:t>Composants </a:t>
+            </a:r>
+            <a:r>
+              <a:rPr lang="en-US" sz="7200" dirty="0" err="1" smtClean="0"/>
+              <a:t>principaux</a:t>
+            </a:r>
+            <a:endParaRPr lang="fr-CH" sz="7200" dirty="0"/>
+          </a:p>
+        </p:txBody>
+      </p:sp>
+    </p:spTree>
+    <p:extLst>
+      <p:ext uri="{BB962C8B-B14F-4D97-AF65-F5344CB8AC3E}">
+        <p14:creationId xmlns:p14="http://schemas.microsoft.com/office/powerpoint/2010/main" val="1616259153"/>
+      </p:ext>
+    </p:extLst>
+  </p:cSld>
+  <p:clrMapOvr>
+    <a:masterClrMapping/>
+  </p:clrMapOvr>
+  <mc:AlternateContent xmlns:mc="http://schemas.openxmlformats.org/markup-compatibility/2006" xmlns:p14="http://schemas.microsoft.com/office/powerpoint/2010/main">
+    <mc:Choice Requires="p14">
+      <p:transition spd="med" p14:dur="700" advClick="0" advTm="3000">
+        <p:fade/>
+      </p:transition>
+    </mc:Choice>
+    <mc:Fallback xmlns="">
+      <p:transition spd="med" advClick="0" advTm="3000">
+        <p:fade/>
+      </p:transition>
+    </mc:Fallback>
+  </mc:AlternateContent>
+  <p:timing>
+    <p:tnLst>
+      <p:par>
+        <p:cTn id="1" dur="indefinite" restart="never" nodeType="tmRoot"/>
+      </p:par>
+    </p:tnLst>
+  </p:timing>
+</p:sld>
+</file>
+
 <file path=ppt/slides/slide15.xml><?xml version="1.0" encoding="utf-8"?>
 <p:sld xmlns:a="http://schemas.openxmlformats.org/drawingml/2006/main" xmlns:r="http://schemas.openxmlformats.org/officeDocument/2006/relationships" xmlns:p="http://schemas.openxmlformats.org/presentationml/2006/main">
   <p:cSld>
@@ -13555,87 +13928,6 @@
         </p:nvSpPr>
         <p:spPr>
           <a:xfrm>
-            <a:off x="672353" y="2738239"/>
-            <a:ext cx="10847294" cy="1381521"/>
-          </a:xfrm>
-        </p:spPr>
-        <p:txBody>
-          <a:bodyPr/>
-          <a:lstStyle/>
-          <a:p>
-            <a:r>
-              <a:rPr lang="en-US" sz="7200" dirty="0" smtClean="0"/>
-              <a:t>Composants </a:t>
-            </a:r>
-            <a:r>
-              <a:rPr lang="en-US" sz="7200" dirty="0" err="1" smtClean="0"/>
-              <a:t>principaux</a:t>
-            </a:r>
-            <a:endParaRPr lang="fr-CH" sz="7200" dirty="0"/>
-          </a:p>
-        </p:txBody>
-      </p:sp>
-    </p:spTree>
-    <p:extLst>
-      <p:ext uri="{BB962C8B-B14F-4D97-AF65-F5344CB8AC3E}">
-        <p14:creationId xmlns:p14="http://schemas.microsoft.com/office/powerpoint/2010/main" val="1616259153"/>
-      </p:ext>
-    </p:extLst>
-  </p:cSld>
-  <p:clrMapOvr>
-    <a:masterClrMapping/>
-  </p:clrMapOvr>
-  <mc:AlternateContent xmlns:mc="http://schemas.openxmlformats.org/markup-compatibility/2006">
-    <mc:Choice xmlns:p14="http://schemas.microsoft.com/office/powerpoint/2010/main" Requires="p14">
-      <p:transition spd="med" p14:dur="700" advClick="0" advTm="3000">
-        <p:fade/>
-      </p:transition>
-    </mc:Choice>
-    <mc:Fallback>
-      <p:transition spd="med" advClick="0" advTm="3000">
-        <p:fade/>
-      </p:transition>
-    </mc:Fallback>
-  </mc:AlternateContent>
-  <p:timing>
-    <p:tnLst>
-      <p:par>
-        <p:cTn id="1" dur="indefinite" restart="never" nodeType="tmRoot"/>
-      </p:par>
-    </p:tnLst>
-  </p:timing>
-</p:sld>
-</file>
-
-<file path=ppt/slides/slide16.xml><?xml version="1.0" encoding="utf-8"?>
-<p:sld xmlns:a="http://schemas.openxmlformats.org/drawingml/2006/main" xmlns:r="http://schemas.openxmlformats.org/officeDocument/2006/relationships" xmlns:p="http://schemas.openxmlformats.org/presentationml/2006/main">
-  <p:cSld>
-    <p:spTree>
-      <p:nvGrpSpPr>
-        <p:cNvPr id="1" name=""/>
-        <p:cNvGrpSpPr/>
-        <p:nvPr/>
-      </p:nvGrpSpPr>
-      <p:grpSpPr>
-        <a:xfrm>
-          <a:off x="0" y="0"/>
-          <a:ext cx="0" cy="0"/>
-          <a:chOff x="0" y="0"/>
-          <a:chExt cx="0" cy="0"/>
-        </a:xfrm>
-      </p:grpSpPr>
-      <p:sp>
-        <p:nvSpPr>
-          <p:cNvPr id="2" name="Title 1"/>
-          <p:cNvSpPr>
-            <a:spLocks noGrp="1"/>
-          </p:cNvSpPr>
-          <p:nvPr>
-            <p:ph type="title"/>
-          </p:nvPr>
-        </p:nvSpPr>
-        <p:spPr>
-          <a:xfrm>
             <a:off x="0" y="0"/>
             <a:ext cx="9404723" cy="1400530"/>
           </a:xfrm>
@@ -13680,13 +13972,8 @@
             </a:r>
             <a:r>
               <a:rPr lang="en-US" sz="2400" b="1" dirty="0" smtClean="0"/>
-              <a:t> </a:t>
-            </a:r>
-            <a:r>
-              <a:rPr lang="en-US" sz="2400" b="1" dirty="0" err="1" smtClean="0"/>
-              <a:t>Vuex</a:t>
-            </a:r>
-            <a:endParaRPr lang="en-US" sz="2400" b="1" dirty="0" smtClean="0"/>
+              <a:t> Vuex</a:t>
+            </a:r>
           </a:p>
           <a:p>
             <a:pPr lvl="1"/>
@@ -13703,11 +13990,7 @@
             </a:r>
             <a:r>
               <a:rPr lang="en-US" sz="2400" b="1" dirty="0" smtClean="0"/>
-              <a:t>  </a:t>
-            </a:r>
-            <a:r>
-              <a:rPr lang="en-US" sz="2400" b="1" dirty="0" smtClean="0"/>
-              <a:t>:</a:t>
+              <a:t>  :</a:t>
             </a:r>
           </a:p>
           <a:p>
@@ -14533,7 +14816,7 @@
 </p:sld>
 </file>
 
-<file path=ppt/slides/slide17.xml><?xml version="1.0" encoding="utf-8"?>
+<file path=ppt/slides/slide16.xml><?xml version="1.0" encoding="utf-8"?>
 <p:sld xmlns:a="http://schemas.openxmlformats.org/drawingml/2006/main" xmlns:r="http://schemas.openxmlformats.org/officeDocument/2006/relationships" xmlns:p="http://schemas.openxmlformats.org/presentationml/2006/main">
   <p:cSld>
     <p:spTree>
@@ -14611,13 +14894,8 @@
             <a:pPr lvl="1"/>
             <a:r>
               <a:rPr lang="en-US" sz="2200" i="1" dirty="0" smtClean="0"/>
-              <a:t>[n]</a:t>
-            </a:r>
-            <a:r>
-              <a:rPr lang="en-US" sz="2200" i="1" dirty="0" smtClean="0"/>
-              <a:t> ShootItem</a:t>
-            </a:r>
-            <a:endParaRPr lang="en-US" sz="2200" i="1" dirty="0" smtClean="0"/>
+              <a:t>[n] ShootItem</a:t>
+            </a:r>
           </a:p>
           <a:p>
             <a:pPr lvl="2"/>
@@ -14625,7 +14903,6 @@
               <a:rPr lang="en-US" sz="2000" i="1" dirty="0" smtClean="0"/>
               <a:t>ShootDetails</a:t>
             </a:r>
-            <a:endParaRPr lang="en-US" sz="2000" i="1" dirty="0" smtClean="0"/>
           </a:p>
           <a:p>
             <a:pPr lvl="2"/>
@@ -14636,12 +14913,8 @@
           </a:p>
           <a:p>
             <a:r>
-              <a:rPr lang="en-US" sz="2400" b="1" dirty="0" err="1" smtClean="0"/>
-              <a:t>Vuex</a:t>
-            </a:r>
-            <a:r>
               <a:rPr lang="en-US" sz="2400" b="1" dirty="0" smtClean="0"/>
-              <a:t> :</a:t>
+              <a:t>Vuex :</a:t>
             </a:r>
             <a:endParaRPr lang="en-US" b="1" dirty="0" smtClean="0"/>
           </a:p>
@@ -15590,7 +15863,7 @@
 </p:sld>
 </file>
 
-<file path=ppt/slides/slide18.xml><?xml version="1.0" encoding="utf-8"?>
+<file path=ppt/slides/slide17.xml><?xml version="1.0" encoding="utf-8"?>
 <p:sld xmlns:a="http://schemas.openxmlformats.org/drawingml/2006/main" xmlns:r="http://schemas.openxmlformats.org/officeDocument/2006/relationships" xmlns:p="http://schemas.openxmlformats.org/presentationml/2006/main">
   <p:cSld>
     <p:spTree>
@@ -15720,7 +15993,6 @@
               <a:rPr lang="en-US" sz="2800" dirty="0" smtClean="0"/>
               <a:t>Transitions</a:t>
             </a:r>
-            <a:endParaRPr lang="en-US" sz="2800" dirty="0" smtClean="0"/>
           </a:p>
           <a:p>
             <a:pPr marL="0" indent="0">
@@ -15750,11 +16022,7 @@
             <a:pPr lvl="1"/>
             <a:r>
               <a:rPr lang="en-US" sz="2400" dirty="0" smtClean="0"/>
-              <a:t>Notation </a:t>
-            </a:r>
-            <a:r>
-              <a:rPr lang="en-US" sz="2400" dirty="0" smtClean="0"/>
-              <a:t>des </a:t>
+              <a:t>Notation des </a:t>
             </a:r>
             <a:r>
               <a:rPr lang="en-US" sz="2400" dirty="0" err="1" smtClean="0"/>
@@ -15871,7 +16139,7 @@
 </p:sld>
 </file>
 
-<file path=ppt/slides/slide19.xml><?xml version="1.0" encoding="utf-8"?>
+<file path=ppt/slides/slide18.xml><?xml version="1.0" encoding="utf-8"?>
 <p:sld xmlns:a="http://schemas.openxmlformats.org/drawingml/2006/main" xmlns:r="http://schemas.openxmlformats.org/officeDocument/2006/relationships" xmlns:p="http://schemas.openxmlformats.org/presentationml/2006/main">
   <p:cSld>
     <p:spTree>
@@ -17073,197 +17341,7 @@
 </p:sld>
 </file>
 
-<file path=ppt/slides/slide2.xml><?xml version="1.0" encoding="utf-8"?>
-<p:sld xmlns:a="http://schemas.openxmlformats.org/drawingml/2006/main" xmlns:r="http://schemas.openxmlformats.org/officeDocument/2006/relationships" xmlns:p="http://schemas.openxmlformats.org/presentationml/2006/main">
-  <p:cSld>
-    <p:spTree>
-      <p:nvGrpSpPr>
-        <p:cNvPr id="1" name=""/>
-        <p:cNvGrpSpPr/>
-        <p:nvPr/>
-      </p:nvGrpSpPr>
-      <p:grpSpPr>
-        <a:xfrm>
-          <a:off x="0" y="0"/>
-          <a:ext cx="0" cy="0"/>
-          <a:chOff x="0" y="0"/>
-          <a:chExt cx="0" cy="0"/>
-        </a:xfrm>
-      </p:grpSpPr>
-      <p:sp>
-        <p:nvSpPr>
-          <p:cNvPr id="2" name="Title 1"/>
-          <p:cNvSpPr>
-            <a:spLocks noGrp="1"/>
-          </p:cNvSpPr>
-          <p:nvPr>
-            <p:ph type="title"/>
-          </p:nvPr>
-        </p:nvSpPr>
-        <p:spPr>
-          <a:xfrm>
-            <a:off x="0" y="0"/>
-            <a:ext cx="9404723" cy="914400"/>
-          </a:xfrm>
-        </p:spPr>
-        <p:txBody>
-          <a:bodyPr/>
-          <a:lstStyle/>
-          <a:p>
-            <a:r>
-              <a:rPr lang="en-US" dirty="0" smtClean="0"/>
-              <a:t> </a:t>
-            </a:r>
-            <a:r>
-              <a:rPr lang="en-US" sz="5400" dirty="0" err="1" smtClean="0"/>
-              <a:t>Sommaire</a:t>
-            </a:r>
-            <a:endParaRPr lang="fr-CH" dirty="0"/>
-          </a:p>
-        </p:txBody>
-      </p:sp>
-      <p:sp>
-        <p:nvSpPr>
-          <p:cNvPr id="3" name="Content Placeholder 2"/>
-          <p:cNvSpPr>
-            <a:spLocks noGrp="1"/>
-          </p:cNvSpPr>
-          <p:nvPr>
-            <p:ph idx="1"/>
-          </p:nvPr>
-        </p:nvSpPr>
-        <p:spPr>
-          <a:xfrm>
-            <a:off x="2380844" y="1208012"/>
-            <a:ext cx="8946541" cy="5649988"/>
-          </a:xfrm>
-        </p:spPr>
-        <p:txBody>
-          <a:bodyPr>
-            <a:noAutofit/>
-          </a:bodyPr>
-          <a:lstStyle/>
-          <a:p>
-            <a:r>
-              <a:rPr lang="en-US" sz="2800" dirty="0" smtClean="0"/>
-              <a:t> </a:t>
-            </a:r>
-            <a:r>
-              <a:rPr lang="en-US" sz="3200" dirty="0" smtClean="0"/>
-              <a:t>Introduction</a:t>
-            </a:r>
-          </a:p>
-          <a:p>
-            <a:r>
-              <a:rPr lang="en-US" sz="3200" dirty="0" smtClean="0"/>
-              <a:t> Technologies utilisées</a:t>
-            </a:r>
-            <a:endParaRPr lang="en-US" sz="3200" dirty="0"/>
-          </a:p>
-          <a:p>
-            <a:r>
-              <a:rPr lang="en-US" sz="3200" dirty="0" smtClean="0"/>
-              <a:t> Contexte</a:t>
-            </a:r>
-          </a:p>
-          <a:p>
-            <a:r>
-              <a:rPr lang="en-US" sz="3200" dirty="0" smtClean="0"/>
-              <a:t> </a:t>
-            </a:r>
-            <a:r>
-              <a:rPr lang="en-US" sz="3200" dirty="0" err="1" smtClean="0"/>
-              <a:t>Composants</a:t>
-            </a:r>
-            <a:r>
-              <a:rPr lang="en-US" sz="3200" dirty="0" smtClean="0"/>
-              <a:t> </a:t>
-            </a:r>
-            <a:r>
-              <a:rPr lang="en-US" sz="3200" dirty="0" err="1" smtClean="0"/>
-              <a:t>Principaux</a:t>
-            </a:r>
-            <a:endParaRPr lang="en-US" sz="3200" dirty="0" smtClean="0"/>
-          </a:p>
-          <a:p>
-            <a:r>
-              <a:rPr lang="en-US" sz="3200" dirty="0" smtClean="0"/>
-              <a:t> Design</a:t>
-            </a:r>
-            <a:endParaRPr lang="en-US" sz="3200" dirty="0" smtClean="0"/>
-          </a:p>
-          <a:p>
-            <a:r>
-              <a:rPr lang="en-US" sz="3200" dirty="0" smtClean="0"/>
-              <a:t> </a:t>
-            </a:r>
-            <a:r>
-              <a:rPr lang="en-US" sz="3200" dirty="0" err="1" smtClean="0"/>
-              <a:t>Améliorations</a:t>
-            </a:r>
-            <a:endParaRPr lang="en-US" sz="3200" dirty="0" smtClean="0"/>
-          </a:p>
-          <a:p>
-            <a:r>
-              <a:rPr lang="en-US" sz="3200" dirty="0" smtClean="0"/>
-              <a:t> </a:t>
-            </a:r>
-            <a:r>
-              <a:rPr lang="en-US" sz="3200" dirty="0" err="1" smtClean="0"/>
-              <a:t>Problèmes</a:t>
-            </a:r>
-            <a:r>
-              <a:rPr lang="en-US" sz="3200" dirty="0" smtClean="0"/>
-              <a:t> </a:t>
-            </a:r>
-            <a:r>
-              <a:rPr lang="en-US" sz="3200" dirty="0" err="1" smtClean="0"/>
-              <a:t>rencontrés</a:t>
-            </a:r>
-            <a:endParaRPr lang="en-US" sz="3200" dirty="0"/>
-          </a:p>
-          <a:p>
-            <a:r>
-              <a:rPr lang="en-US" sz="3200" dirty="0" smtClean="0"/>
-              <a:t> </a:t>
-            </a:r>
-            <a:r>
-              <a:rPr lang="en-US" sz="3200" dirty="0" err="1" smtClean="0"/>
-              <a:t>Erreurs</a:t>
-            </a:r>
-            <a:r>
-              <a:rPr lang="en-US" sz="3200" dirty="0" smtClean="0"/>
-              <a:t> </a:t>
-            </a:r>
-            <a:r>
-              <a:rPr lang="en-US" sz="3200" dirty="0" err="1" smtClean="0"/>
-              <a:t>restantes</a:t>
-            </a:r>
-            <a:endParaRPr lang="en-US" sz="3200" dirty="0" smtClean="0"/>
-          </a:p>
-        </p:txBody>
-      </p:sp>
-    </p:spTree>
-    <p:extLst>
-      <p:ext uri="{BB962C8B-B14F-4D97-AF65-F5344CB8AC3E}">
-        <p14:creationId xmlns:p14="http://schemas.microsoft.com/office/powerpoint/2010/main" val="4214189279"/>
-      </p:ext>
-    </p:extLst>
-  </p:cSld>
-  <p:clrMapOvr>
-    <a:masterClrMapping/>
-  </p:clrMapOvr>
-  <p:timing>
-    <p:tnLst>
-      <p:par>
-        <p:cTn id="1" dur="indefinite" restart="never" nodeType="tmRoot"/>
-      </p:par>
-    </p:tnLst>
-  </p:timing>
-</p:sld>
-</file>
-
-<file path=ppt/slides/slide20.xml><?xml version="1.0" encoding="utf-8"?>
+<file path=ppt/slides/slide19.xml><?xml version="1.0" encoding="utf-8"?>
 <p:sld xmlns:a="http://schemas.openxmlformats.org/drawingml/2006/main" xmlns:r="http://schemas.openxmlformats.org/officeDocument/2006/relationships" xmlns:p="http://schemas.openxmlformats.org/presentationml/2006/main">
   <p:cSld>
     <p:spTree>
@@ -17414,6 +17492,407 @@
 </p:sld>
 </file>
 
+<file path=ppt/slides/slide2.xml><?xml version="1.0" encoding="utf-8"?>
+<p:sld xmlns:a="http://schemas.openxmlformats.org/drawingml/2006/main" xmlns:r="http://schemas.openxmlformats.org/officeDocument/2006/relationships" xmlns:p="http://schemas.openxmlformats.org/presentationml/2006/main">
+  <p:cSld>
+    <p:spTree>
+      <p:nvGrpSpPr>
+        <p:cNvPr id="1" name=""/>
+        <p:cNvGrpSpPr/>
+        <p:nvPr/>
+      </p:nvGrpSpPr>
+      <p:grpSpPr>
+        <a:xfrm>
+          <a:off x="0" y="0"/>
+          <a:ext cx="0" cy="0"/>
+          <a:chOff x="0" y="0"/>
+          <a:chExt cx="0" cy="0"/>
+        </a:xfrm>
+      </p:grpSpPr>
+      <p:sp>
+        <p:nvSpPr>
+          <p:cNvPr id="2" name="Title 1"/>
+          <p:cNvSpPr>
+            <a:spLocks noGrp="1"/>
+          </p:cNvSpPr>
+          <p:nvPr>
+            <p:ph type="title"/>
+          </p:nvPr>
+        </p:nvSpPr>
+        <p:spPr>
+          <a:xfrm>
+            <a:off x="0" y="0"/>
+            <a:ext cx="9404723" cy="914400"/>
+          </a:xfrm>
+        </p:spPr>
+        <p:txBody>
+          <a:bodyPr/>
+          <a:lstStyle/>
+          <a:p>
+            <a:r>
+              <a:rPr lang="en-US" dirty="0" smtClean="0"/>
+              <a:t> </a:t>
+            </a:r>
+            <a:r>
+              <a:rPr lang="en-US" sz="5400" dirty="0" err="1" smtClean="0"/>
+              <a:t>Sommaire</a:t>
+            </a:r>
+            <a:endParaRPr lang="fr-CH" dirty="0"/>
+          </a:p>
+        </p:txBody>
+      </p:sp>
+      <p:sp>
+        <p:nvSpPr>
+          <p:cNvPr id="3" name="Content Placeholder 2"/>
+          <p:cNvSpPr>
+            <a:spLocks noGrp="1"/>
+          </p:cNvSpPr>
+          <p:nvPr>
+            <p:ph idx="1"/>
+          </p:nvPr>
+        </p:nvSpPr>
+        <p:spPr>
+          <a:xfrm>
+            <a:off x="2380844" y="1208012"/>
+            <a:ext cx="8946541" cy="5649988"/>
+          </a:xfrm>
+        </p:spPr>
+        <p:txBody>
+          <a:bodyPr>
+            <a:noAutofit/>
+          </a:bodyPr>
+          <a:lstStyle/>
+          <a:p>
+            <a:r>
+              <a:rPr lang="en-US" sz="2800" dirty="0" smtClean="0"/>
+              <a:t> </a:t>
+            </a:r>
+            <a:r>
+              <a:rPr lang="en-US" sz="3200" dirty="0" smtClean="0"/>
+              <a:t>Introduction</a:t>
+            </a:r>
+          </a:p>
+          <a:p>
+            <a:r>
+              <a:rPr lang="en-US" sz="3200" dirty="0" smtClean="0"/>
+              <a:t> Technologies utilisées</a:t>
+            </a:r>
+            <a:endParaRPr lang="en-US" sz="3200" dirty="0"/>
+          </a:p>
+          <a:p>
+            <a:r>
+              <a:rPr lang="en-US" sz="3200" dirty="0" smtClean="0"/>
+              <a:t> Contexte</a:t>
+            </a:r>
+          </a:p>
+          <a:p>
+            <a:r>
+              <a:rPr lang="en-US" sz="3200" dirty="0" smtClean="0"/>
+              <a:t> </a:t>
+            </a:r>
+            <a:r>
+              <a:rPr lang="en-US" sz="3200" dirty="0" err="1" smtClean="0"/>
+              <a:t>Composants</a:t>
+            </a:r>
+            <a:r>
+              <a:rPr lang="en-US" sz="3200" dirty="0" smtClean="0"/>
+              <a:t> </a:t>
+            </a:r>
+            <a:r>
+              <a:rPr lang="en-US" sz="3200" dirty="0" err="1" smtClean="0"/>
+              <a:t>Principaux</a:t>
+            </a:r>
+            <a:endParaRPr lang="en-US" sz="3200" dirty="0" smtClean="0"/>
+          </a:p>
+          <a:p>
+            <a:r>
+              <a:rPr lang="en-US" sz="3200" dirty="0" smtClean="0"/>
+              <a:t> Design</a:t>
+            </a:r>
+          </a:p>
+          <a:p>
+            <a:r>
+              <a:rPr lang="en-US" sz="3200" dirty="0" smtClean="0"/>
+              <a:t> </a:t>
+            </a:r>
+            <a:r>
+              <a:rPr lang="en-US" sz="3200" dirty="0" err="1" smtClean="0"/>
+              <a:t>Améliorations</a:t>
+            </a:r>
+            <a:endParaRPr lang="en-US" sz="3200" dirty="0" smtClean="0"/>
+          </a:p>
+          <a:p>
+            <a:r>
+              <a:rPr lang="en-US" sz="3200" dirty="0" smtClean="0"/>
+              <a:t> </a:t>
+            </a:r>
+            <a:r>
+              <a:rPr lang="en-US" sz="3200" dirty="0" err="1" smtClean="0"/>
+              <a:t>Problèmes</a:t>
+            </a:r>
+            <a:r>
+              <a:rPr lang="en-US" sz="3200" dirty="0" smtClean="0"/>
+              <a:t> </a:t>
+            </a:r>
+            <a:r>
+              <a:rPr lang="en-US" sz="3200" dirty="0" err="1" smtClean="0"/>
+              <a:t>rencontrés</a:t>
+            </a:r>
+            <a:endParaRPr lang="en-US" sz="3200" dirty="0"/>
+          </a:p>
+          <a:p>
+            <a:r>
+              <a:rPr lang="en-US" sz="3200" dirty="0" smtClean="0"/>
+              <a:t> </a:t>
+            </a:r>
+            <a:r>
+              <a:rPr lang="en-US" sz="3200" dirty="0" err="1" smtClean="0"/>
+              <a:t>Erreurs</a:t>
+            </a:r>
+            <a:r>
+              <a:rPr lang="en-US" sz="3200" dirty="0" smtClean="0"/>
+              <a:t> </a:t>
+            </a:r>
+            <a:r>
+              <a:rPr lang="en-US" sz="3200" dirty="0" err="1" smtClean="0"/>
+              <a:t>restantes</a:t>
+            </a:r>
+            <a:endParaRPr lang="en-US" sz="3200" dirty="0" smtClean="0"/>
+          </a:p>
+        </p:txBody>
+      </p:sp>
+    </p:spTree>
+    <p:extLst>
+      <p:ext uri="{BB962C8B-B14F-4D97-AF65-F5344CB8AC3E}">
+        <p14:creationId xmlns:p14="http://schemas.microsoft.com/office/powerpoint/2010/main" val="4214189279"/>
+      </p:ext>
+    </p:extLst>
+  </p:cSld>
+  <p:clrMapOvr>
+    <a:masterClrMapping/>
+  </p:clrMapOvr>
+  <p:timing>
+    <p:tnLst>
+      <p:par>
+        <p:cTn id="1" dur="indefinite" restart="never" nodeType="tmRoot"/>
+      </p:par>
+    </p:tnLst>
+  </p:timing>
+</p:sld>
+</file>
+
+<file path=ppt/slides/slide20.xml><?xml version="1.0" encoding="utf-8"?>
+<p:sld xmlns:a="http://schemas.openxmlformats.org/drawingml/2006/main" xmlns:r="http://schemas.openxmlformats.org/officeDocument/2006/relationships" xmlns:p="http://schemas.openxmlformats.org/presentationml/2006/main">
+  <p:cSld>
+    <p:spTree>
+      <p:nvGrpSpPr>
+        <p:cNvPr id="1" name=""/>
+        <p:cNvGrpSpPr/>
+        <p:nvPr/>
+      </p:nvGrpSpPr>
+      <p:grpSpPr>
+        <a:xfrm>
+          <a:off x="0" y="0"/>
+          <a:ext cx="0" cy="0"/>
+          <a:chOff x="0" y="0"/>
+          <a:chExt cx="0" cy="0"/>
+        </a:xfrm>
+      </p:grpSpPr>
+      <p:sp>
+        <p:nvSpPr>
+          <p:cNvPr id="2" name="Title 1"/>
+          <p:cNvSpPr>
+            <a:spLocks noGrp="1"/>
+          </p:cNvSpPr>
+          <p:nvPr>
+            <p:ph type="title"/>
+          </p:nvPr>
+        </p:nvSpPr>
+        <p:spPr>
+          <a:xfrm>
+            <a:off x="0" y="24350"/>
+            <a:ext cx="9404723" cy="832385"/>
+          </a:xfrm>
+        </p:spPr>
+        <p:txBody>
+          <a:bodyPr/>
+          <a:lstStyle/>
+          <a:p>
+            <a:pPr algn="l"/>
+            <a:r>
+              <a:rPr lang="en-US" sz="5400" dirty="0" smtClean="0"/>
+              <a:t> </a:t>
+            </a:r>
+            <a:r>
+              <a:rPr lang="en-US" sz="5400" dirty="0" err="1" smtClean="0"/>
+              <a:t>Problèmes</a:t>
+            </a:r>
+            <a:r>
+              <a:rPr lang="en-US" sz="5400" dirty="0" smtClean="0"/>
+              <a:t> </a:t>
+            </a:r>
+            <a:r>
+              <a:rPr lang="en-US" sz="5400" dirty="0" err="1" smtClean="0"/>
+              <a:t>rencontrés</a:t>
+            </a:r>
+            <a:endParaRPr lang="fr-CH" sz="5400" dirty="0"/>
+          </a:p>
+        </p:txBody>
+      </p:sp>
+      <p:sp>
+        <p:nvSpPr>
+          <p:cNvPr id="3" name="Content Placeholder 2"/>
+          <p:cNvSpPr>
+            <a:spLocks noGrp="1"/>
+          </p:cNvSpPr>
+          <p:nvPr>
+            <p:ph idx="1"/>
+          </p:nvPr>
+        </p:nvSpPr>
+        <p:spPr>
+          <a:xfrm>
+            <a:off x="722371" y="1677195"/>
+            <a:ext cx="10637290" cy="1376491"/>
+          </a:xfrm>
+        </p:spPr>
+        <p:txBody>
+          <a:bodyPr>
+            <a:noAutofit/>
+          </a:bodyPr>
+          <a:lstStyle/>
+          <a:p>
+            <a:r>
+              <a:rPr lang="en-US" sz="4000" dirty="0" smtClean="0"/>
+              <a:t> </a:t>
+            </a:r>
+            <a:r>
+              <a:rPr lang="en-US" sz="4000" dirty="0" err="1" smtClean="0"/>
+              <a:t>Rendu</a:t>
+            </a:r>
+            <a:r>
+              <a:rPr lang="en-US" sz="4000" dirty="0" smtClean="0"/>
+              <a:t> </a:t>
+            </a:r>
+            <a:r>
+              <a:rPr lang="en-US" sz="4000" dirty="0" err="1" smtClean="0"/>
+              <a:t>vue-chartjs</a:t>
+            </a:r>
+            <a:endParaRPr lang="en-US" sz="4000" dirty="0" smtClean="0"/>
+          </a:p>
+          <a:p>
+            <a:pPr lvl="1"/>
+            <a:r>
+              <a:rPr lang="en-US" sz="3400" b="1" dirty="0"/>
+              <a:t> </a:t>
+            </a:r>
+            <a:r>
+              <a:rPr lang="en-US" sz="3200" dirty="0" err="1" smtClean="0"/>
+              <a:t>Résolution</a:t>
+            </a:r>
+            <a:r>
+              <a:rPr lang="en-US" sz="3200" dirty="0" smtClean="0"/>
+              <a:t> : </a:t>
+            </a:r>
+            <a:r>
+              <a:rPr lang="en-US" sz="3200" dirty="0" err="1" smtClean="0"/>
+              <a:t>Rendre</a:t>
+            </a:r>
+            <a:r>
+              <a:rPr lang="en-US" sz="3200" dirty="0" smtClean="0"/>
+              <a:t> </a:t>
+            </a:r>
+            <a:r>
+              <a:rPr lang="en-US" sz="3200" dirty="0" err="1" smtClean="0"/>
+              <a:t>l’objet</a:t>
+            </a:r>
+            <a:r>
+              <a:rPr lang="en-US" sz="3200" dirty="0" smtClean="0"/>
+              <a:t> </a:t>
+            </a:r>
+            <a:r>
+              <a:rPr lang="en-US" sz="3200" dirty="0" err="1" smtClean="0"/>
+              <a:t>une</a:t>
+            </a:r>
+            <a:r>
+              <a:rPr lang="en-US" sz="3200" dirty="0" smtClean="0"/>
+              <a:t> </a:t>
+            </a:r>
+            <a:r>
+              <a:rPr lang="en-US" sz="3200" dirty="0" err="1" smtClean="0"/>
+              <a:t>fois</a:t>
+            </a:r>
+            <a:r>
+              <a:rPr lang="en-US" sz="3200" dirty="0" smtClean="0"/>
+              <a:t> que les </a:t>
+            </a:r>
+            <a:r>
+              <a:rPr lang="en-US" sz="3200" dirty="0" err="1" smtClean="0"/>
+              <a:t>datas</a:t>
+            </a:r>
+            <a:r>
+              <a:rPr lang="en-US" sz="3200" dirty="0" smtClean="0"/>
+              <a:t> </a:t>
+            </a:r>
+            <a:r>
+              <a:rPr lang="en-US" sz="3200" dirty="0" err="1" smtClean="0"/>
+              <a:t>sont</a:t>
+            </a:r>
+            <a:r>
+              <a:rPr lang="en-US" sz="3200" dirty="0" smtClean="0"/>
+              <a:t> </a:t>
+            </a:r>
+            <a:r>
+              <a:rPr lang="en-US" sz="3200" dirty="0" err="1" smtClean="0"/>
+              <a:t>changées</a:t>
+            </a:r>
+            <a:endParaRPr lang="en-US" sz="3400" b="1" dirty="0" smtClean="0"/>
+          </a:p>
+        </p:txBody>
+      </p:sp>
+      <p:pic>
+        <p:nvPicPr>
+          <p:cNvPr id="4" name="Picture 3"/>
+          <p:cNvPicPr>
+            <a:picLocks noChangeAspect="1"/>
+          </p:cNvPicPr>
+          <p:nvPr/>
+        </p:nvPicPr>
+        <p:blipFill>
+          <a:blip r:embed="rId3"/>
+          <a:stretch>
+            <a:fillRect/>
+          </a:stretch>
+        </p:blipFill>
+        <p:spPr>
+          <a:xfrm>
+            <a:off x="3225645" y="3874146"/>
+            <a:ext cx="5618406" cy="2385279"/>
+          </a:xfrm>
+          <a:prstGeom prst="rect">
+            <a:avLst/>
+          </a:prstGeom>
+        </p:spPr>
+      </p:pic>
+    </p:spTree>
+    <p:extLst>
+      <p:ext uri="{BB962C8B-B14F-4D97-AF65-F5344CB8AC3E}">
+        <p14:creationId xmlns:p14="http://schemas.microsoft.com/office/powerpoint/2010/main" val="1235748813"/>
+      </p:ext>
+    </p:extLst>
+  </p:cSld>
+  <p:clrMapOvr>
+    <a:masterClrMapping/>
+  </p:clrMapOvr>
+  <p:timing>
+    <p:tnLst>
+      <p:par>
+        <p:cTn id="1" dur="indefinite" restart="never" nodeType="tmRoot"/>
+      </p:par>
+    </p:tnLst>
+  </p:timing>
+</p:sld>
+</file>
+
 <file path=ppt/slides/slide21.xml><?xml version="1.0" encoding="utf-8"?>
 <p:sld xmlns:a="http://schemas.openxmlformats.org/drawingml/2006/main" xmlns:r="http://schemas.openxmlformats.org/officeDocument/2006/relationships" xmlns:p="http://schemas.openxmlformats.org/presentationml/2006/main">
   <p:cSld>
@@ -17443,49 +17922,8 @@
         </p:nvSpPr>
         <p:spPr>
           <a:xfrm>
-            <a:off x="0" y="24350"/>
-            <a:ext cx="9404723" cy="832385"/>
-          </a:xfrm>
-        </p:spPr>
-        <p:txBody>
-          <a:bodyPr/>
-          <a:lstStyle/>
-          <a:p>
-            <a:pPr algn="l"/>
-            <a:r>
-              <a:rPr lang="en-US" sz="5400" dirty="0" smtClean="0"/>
-              <a:t> </a:t>
-            </a:r>
-            <a:r>
-              <a:rPr lang="en-US" sz="5400" dirty="0" err="1" smtClean="0"/>
-              <a:t>Problèmes</a:t>
-            </a:r>
-            <a:r>
-              <a:rPr lang="en-US" sz="5400" dirty="0" smtClean="0"/>
-              <a:t> </a:t>
-            </a:r>
-            <a:r>
-              <a:rPr lang="en-US" sz="5400" dirty="0" err="1" smtClean="0"/>
-              <a:t>rencontrés</a:t>
-            </a:r>
-            <a:endParaRPr lang="fr-CH" sz="5400" dirty="0"/>
-          </a:p>
-        </p:txBody>
-      </p:sp>
-      <p:sp>
-        <p:nvSpPr>
-          <p:cNvPr id="3" name="Content Placeholder 2"/>
-          <p:cNvSpPr>
-            <a:spLocks noGrp="1"/>
-          </p:cNvSpPr>
-          <p:nvPr>
-            <p:ph idx="1"/>
-          </p:nvPr>
-        </p:nvSpPr>
-        <p:spPr>
-          <a:xfrm>
-            <a:off x="748748" y="1984926"/>
-            <a:ext cx="8422942" cy="1376491"/>
+            <a:off x="0" y="0"/>
+            <a:ext cx="9404723" cy="617838"/>
           </a:xfrm>
         </p:spPr>
         <p:txBody>
@@ -17494,30 +17932,136 @@
           </a:bodyPr>
           <a:lstStyle/>
           <a:p>
-            <a:r>
-              <a:rPr lang="en-US" sz="4000" dirty="0" smtClean="0"/>
+            <a:pPr algn="l"/>
+            <a:r>
+              <a:rPr lang="en-US" sz="5400" dirty="0" smtClean="0"/>
               <a:t> </a:t>
             </a:r>
             <a:r>
-              <a:rPr lang="en-US" sz="4000" dirty="0" err="1" smtClean="0"/>
-              <a:t>Rendu</a:t>
-            </a:r>
-            <a:r>
-              <a:rPr lang="en-US" sz="4000" dirty="0" smtClean="0"/>
+              <a:rPr lang="en-US" sz="5400" dirty="0" err="1" smtClean="0"/>
+              <a:t>Erreurs</a:t>
+            </a:r>
+            <a:r>
+              <a:rPr lang="en-US" sz="5400" dirty="0" smtClean="0"/>
               <a:t> </a:t>
             </a:r>
             <a:r>
-              <a:rPr lang="en-US" sz="4000" dirty="0" err="1" smtClean="0"/>
-              <a:t>vue-chartjs</a:t>
-            </a:r>
-            <a:endParaRPr lang="en-US" sz="3600" b="1" dirty="0" smtClean="0"/>
+              <a:rPr lang="en-US" sz="5400" dirty="0" err="1" smtClean="0"/>
+              <a:t>Restantes</a:t>
+            </a:r>
+            <a:endParaRPr lang="fr-CH" sz="5400" dirty="0"/>
+          </a:p>
+        </p:txBody>
+      </p:sp>
+      <p:sp>
+        <p:nvSpPr>
+          <p:cNvPr id="3" name="Content Placeholder 2"/>
+          <p:cNvSpPr>
+            <a:spLocks noGrp="1"/>
+          </p:cNvSpPr>
+          <p:nvPr>
+            <p:ph idx="1"/>
+          </p:nvPr>
+        </p:nvSpPr>
+        <p:spPr>
+          <a:xfrm>
+            <a:off x="1103312" y="2052918"/>
+            <a:ext cx="10217831" cy="4195481"/>
+          </a:xfrm>
+        </p:spPr>
+        <p:txBody>
+          <a:bodyPr>
+            <a:normAutofit/>
+          </a:bodyPr>
+          <a:lstStyle/>
+          <a:p>
+            <a:r>
+              <a:rPr lang="en-US" sz="2800" dirty="0" err="1" smtClean="0"/>
+              <a:t>Refus</a:t>
+            </a:r>
+            <a:r>
+              <a:rPr lang="en-US" sz="2800" dirty="0" smtClean="0"/>
+              <a:t> </a:t>
+            </a:r>
+            <a:r>
+              <a:rPr lang="en-US" sz="2800" dirty="0" err="1" smtClean="0"/>
+              <a:t>d’authentification</a:t>
+            </a:r>
+            <a:r>
+              <a:rPr lang="en-US" sz="2800" dirty="0" smtClean="0"/>
+              <a:t> pour </a:t>
+            </a:r>
+            <a:r>
+              <a:rPr lang="en-US" sz="2800" dirty="0" err="1" smtClean="0"/>
+              <a:t>l’email</a:t>
+            </a:r>
+            <a:endParaRPr lang="en-US" sz="2800" dirty="0" smtClean="0"/>
+          </a:p>
+          <a:p>
+            <a:pPr marL="36900" indent="0">
+              <a:buNone/>
+            </a:pPr>
+            <a:endParaRPr lang="en-US" sz="2800" dirty="0" smtClean="0"/>
+          </a:p>
+          <a:p>
+            <a:r>
+              <a:rPr lang="en-US" sz="2800" dirty="0" smtClean="0"/>
+              <a:t>Sessions </a:t>
+            </a:r>
+            <a:r>
+              <a:rPr lang="en-US" sz="2800" dirty="0" err="1" smtClean="0"/>
+              <a:t>expirées</a:t>
+            </a:r>
+            <a:r>
+              <a:rPr lang="en-US" sz="2800" dirty="0" smtClean="0"/>
+              <a:t> pas </a:t>
+            </a:r>
+            <a:r>
+              <a:rPr lang="en-US" sz="2800" dirty="0" err="1" smtClean="0"/>
+              <a:t>gérées</a:t>
+            </a:r>
+            <a:endParaRPr lang="en-US" sz="2800" dirty="0" smtClean="0"/>
+          </a:p>
+          <a:p>
+            <a:endParaRPr lang="en-US" sz="2800" dirty="0" smtClean="0"/>
+          </a:p>
+          <a:p>
+            <a:r>
+              <a:rPr lang="en-US" sz="2800" i="1" dirty="0" smtClean="0"/>
+              <a:t>End</a:t>
+            </a:r>
+            <a:r>
+              <a:rPr lang="en-US" sz="2800" dirty="0" smtClean="0"/>
+              <a:t> avec </a:t>
+            </a:r>
+            <a:r>
+              <a:rPr lang="en-US" sz="2800" dirty="0" err="1" smtClean="0"/>
+              <a:t>une</a:t>
+            </a:r>
+            <a:r>
+              <a:rPr lang="en-US" sz="2800" dirty="0" smtClean="0"/>
+              <a:t> </a:t>
+            </a:r>
+            <a:r>
+              <a:rPr lang="en-US" sz="2800" dirty="0" err="1" smtClean="0"/>
+              <a:t>seule</a:t>
+            </a:r>
+            <a:r>
+              <a:rPr lang="en-US" sz="2800" dirty="0" smtClean="0"/>
+              <a:t> </a:t>
+            </a:r>
+            <a:r>
+              <a:rPr lang="en-US" sz="2800" i="1" dirty="0" smtClean="0"/>
+              <a:t>Arrow</a:t>
+            </a:r>
+            <a:endParaRPr lang="fr-CH" sz="2800" i="1" dirty="0"/>
           </a:p>
         </p:txBody>
       </p:sp>
     </p:spTree>
     <p:extLst>
       <p:ext uri="{BB962C8B-B14F-4D97-AF65-F5344CB8AC3E}">
-        <p14:creationId xmlns:p14="http://schemas.microsoft.com/office/powerpoint/2010/main" val="1235748813"/>
+        <p14:creationId xmlns:p14="http://schemas.microsoft.com/office/powerpoint/2010/main" val="1941745085"/>
       </p:ext>
     </p:extLst>
   </p:cSld>
@@ -17563,191 +18107,6 @@
         </p:nvSpPr>
         <p:spPr>
           <a:xfrm>
-            <a:off x="0" y="0"/>
-            <a:ext cx="9404723" cy="617838"/>
-          </a:xfrm>
-        </p:spPr>
-        <p:txBody>
-          <a:bodyPr>
-            <a:noAutofit/>
-          </a:bodyPr>
-          <a:lstStyle/>
-          <a:p>
-            <a:pPr algn="l"/>
-            <a:r>
-              <a:rPr lang="en-US" sz="5400" dirty="0" smtClean="0"/>
-              <a:t> </a:t>
-            </a:r>
-            <a:r>
-              <a:rPr lang="en-US" sz="5400" dirty="0" err="1" smtClean="0"/>
-              <a:t>Erreurs</a:t>
-            </a:r>
-            <a:r>
-              <a:rPr lang="en-US" sz="5400" dirty="0" smtClean="0"/>
-              <a:t> </a:t>
-            </a:r>
-            <a:r>
-              <a:rPr lang="en-US" sz="5400" dirty="0" err="1" smtClean="0"/>
-              <a:t>Restantes</a:t>
-            </a:r>
-            <a:endParaRPr lang="fr-CH" sz="5400" dirty="0"/>
-          </a:p>
-        </p:txBody>
-      </p:sp>
-      <p:sp>
-        <p:nvSpPr>
-          <p:cNvPr id="3" name="Content Placeholder 2"/>
-          <p:cNvSpPr>
-            <a:spLocks noGrp="1"/>
-          </p:cNvSpPr>
-          <p:nvPr>
-            <p:ph idx="1"/>
-          </p:nvPr>
-        </p:nvSpPr>
-        <p:spPr>
-          <a:xfrm>
-            <a:off x="1103312" y="2052918"/>
-            <a:ext cx="10217831" cy="4195481"/>
-          </a:xfrm>
-        </p:spPr>
-        <p:txBody>
-          <a:bodyPr>
-            <a:normAutofit/>
-          </a:bodyPr>
-          <a:lstStyle/>
-          <a:p>
-            <a:r>
-              <a:rPr lang="en-US" sz="2800" dirty="0" err="1" smtClean="0"/>
-              <a:t>Refus</a:t>
-            </a:r>
-            <a:r>
-              <a:rPr lang="en-US" sz="2800" dirty="0" smtClean="0"/>
-              <a:t> </a:t>
-            </a:r>
-            <a:r>
-              <a:rPr lang="en-US" sz="2800" dirty="0" err="1" smtClean="0"/>
-              <a:t>d’authentification</a:t>
-            </a:r>
-            <a:r>
-              <a:rPr lang="en-US" sz="2800" dirty="0" smtClean="0"/>
-              <a:t> pour </a:t>
-            </a:r>
-            <a:r>
-              <a:rPr lang="en-US" sz="2800" dirty="0" err="1" smtClean="0"/>
-              <a:t>l’email</a:t>
-            </a:r>
-            <a:endParaRPr lang="en-US" sz="2800" dirty="0" smtClean="0"/>
-          </a:p>
-          <a:p>
-            <a:pPr marL="36900" indent="0">
-              <a:buNone/>
-            </a:pPr>
-            <a:endParaRPr lang="en-US" sz="2800" dirty="0" smtClean="0"/>
-          </a:p>
-          <a:p>
-            <a:r>
-              <a:rPr lang="en-US" sz="2800" dirty="0" smtClean="0"/>
-              <a:t>Sessions </a:t>
-            </a:r>
-            <a:r>
-              <a:rPr lang="en-US" sz="2800" dirty="0" err="1" smtClean="0"/>
-              <a:t>expirées</a:t>
-            </a:r>
-            <a:r>
-              <a:rPr lang="en-US" sz="2800" dirty="0" smtClean="0"/>
-              <a:t> pas </a:t>
-            </a:r>
-            <a:r>
-              <a:rPr lang="en-US" sz="2800" dirty="0" err="1" smtClean="0"/>
-              <a:t>gérées</a:t>
-            </a:r>
-            <a:endParaRPr lang="en-US" sz="2800" dirty="0" smtClean="0"/>
-          </a:p>
-          <a:p>
-            <a:endParaRPr lang="en-US" sz="2800" dirty="0" smtClean="0"/>
-          </a:p>
-          <a:p>
-            <a:r>
-              <a:rPr lang="en-US" sz="2800" i="1" dirty="0" smtClean="0"/>
-              <a:t>End</a:t>
-            </a:r>
-            <a:r>
-              <a:rPr lang="en-US" sz="2800" dirty="0" smtClean="0"/>
-              <a:t> avec </a:t>
-            </a:r>
-            <a:r>
-              <a:rPr lang="en-US" sz="2800" dirty="0" err="1" smtClean="0"/>
-              <a:t>une</a:t>
-            </a:r>
-            <a:r>
-              <a:rPr lang="en-US" sz="2800" dirty="0" smtClean="0"/>
-              <a:t> </a:t>
-            </a:r>
-            <a:r>
-              <a:rPr lang="en-US" sz="2800" dirty="0" err="1" smtClean="0"/>
-              <a:t>seule</a:t>
-            </a:r>
-            <a:r>
-              <a:rPr lang="en-US" sz="2800" dirty="0" smtClean="0"/>
-              <a:t> </a:t>
-            </a:r>
-            <a:r>
-              <a:rPr lang="en-US" sz="2800" i="1" dirty="0" smtClean="0"/>
-              <a:t>Arrow</a:t>
-            </a:r>
-            <a:endParaRPr lang="fr-CH" sz="2800" i="1" dirty="0"/>
-          </a:p>
-        </p:txBody>
-      </p:sp>
-    </p:spTree>
-    <p:extLst>
-      <p:ext uri="{BB962C8B-B14F-4D97-AF65-F5344CB8AC3E}">
-        <p14:creationId xmlns:p14="http://schemas.microsoft.com/office/powerpoint/2010/main" val="1941745085"/>
-      </p:ext>
-    </p:extLst>
-  </p:cSld>
-  <p:clrMapOvr>
-    <a:masterClrMapping/>
-  </p:clrMapOvr>
-  <p:timing>
-    <p:tnLst>
-      <p:par>
-        <p:cTn id="1" dur="indefinite" restart="never" nodeType="tmRoot"/>
-      </p:par>
-    </p:tnLst>
-  </p:timing>
-</p:sld>
-</file>
-
-<file path=ppt/slides/slide23.xml><?xml version="1.0" encoding="utf-8"?>
-<p:sld xmlns:a="http://schemas.openxmlformats.org/drawingml/2006/main" xmlns:r="http://schemas.openxmlformats.org/officeDocument/2006/relationships" xmlns:p="http://schemas.openxmlformats.org/presentationml/2006/main">
-  <p:cSld>
-    <p:spTree>
-      <p:nvGrpSpPr>
-        <p:cNvPr id="1" name=""/>
-        <p:cNvGrpSpPr/>
-        <p:nvPr/>
-      </p:nvGrpSpPr>
-      <p:grpSpPr>
-        <a:xfrm>
-          <a:off x="0" y="0"/>
-          <a:ext cx="0" cy="0"/>
-          <a:chOff x="0" y="0"/>
-          <a:chExt cx="0" cy="0"/>
-        </a:xfrm>
-      </p:grpSpPr>
-      <p:sp>
-        <p:nvSpPr>
-          <p:cNvPr id="2" name="Title 1"/>
-          <p:cNvSpPr>
-            <a:spLocks noGrp="1"/>
-          </p:cNvSpPr>
-          <p:nvPr>
-            <p:ph type="title"/>
-          </p:nvPr>
-        </p:nvSpPr>
-        <p:spPr>
-          <a:xfrm>
             <a:off x="2459324" y="2787372"/>
             <a:ext cx="7142723" cy="1283255"/>
           </a:xfrm>
@@ -17784,7 +18143,7 @@
 </p:sld>
 </file>
 
-<file path=ppt/slides/slide24.xml><?xml version="1.0" encoding="utf-8"?>
+<file path=ppt/slides/slide23.xml><?xml version="1.0" encoding="utf-8"?>
 <p:sld xmlns:a="http://schemas.openxmlformats.org/drawingml/2006/main" xmlns:r="http://schemas.openxmlformats.org/officeDocument/2006/relationships" xmlns:p="http://schemas.openxmlformats.org/presentationml/2006/main">
   <p:cSld>
     <p:spTree>
@@ -17908,13 +18267,13 @@
   <p:clrMapOvr>
     <a:masterClrMapping/>
   </p:clrMapOvr>
-  <mc:AlternateContent xmlns:mc="http://schemas.openxmlformats.org/markup-compatibility/2006">
-    <mc:Choice xmlns:p14="http://schemas.microsoft.com/office/powerpoint/2010/main" Requires="p14">
+  <mc:AlternateContent xmlns:mc="http://schemas.openxmlformats.org/markup-compatibility/2006" xmlns:p14="http://schemas.microsoft.com/office/powerpoint/2010/main">
+    <mc:Choice Requires="p14">
       <p:transition spd="med" p14:dur="700" advClick="0" advTm="3000">
         <p:fade/>
       </p:transition>
     </mc:Choice>
-    <mc:Fallback>
+    <mc:Fallback xmlns="">
       <p:transition spd="med" advClick="0" advTm="3000">
         <p:fade/>
       </p:transition>
@@ -18194,13 +18553,13 @@
   <p:clrMapOvr>
     <a:masterClrMapping/>
   </p:clrMapOvr>
-  <mc:AlternateContent xmlns:mc="http://schemas.openxmlformats.org/markup-compatibility/2006">
-    <mc:Choice xmlns:p14="http://schemas.microsoft.com/office/powerpoint/2010/main" Requires="p14">
+  <mc:AlternateContent xmlns:mc="http://schemas.openxmlformats.org/markup-compatibility/2006" xmlns:p14="http://schemas.microsoft.com/office/powerpoint/2010/main">
+    <mc:Choice Requires="p14">
       <p:transition spd="med" p14:dur="700" advClick="0" advTm="3000">
         <p:fade/>
       </p:transition>
     </mc:Choice>
-    <mc:Fallback>
+    <mc:Fallback xmlns="">
       <p:transition spd="med" advClick="0" advTm="3000">
         <p:fade/>
       </p:transition>
@@ -18345,7 +18704,7 @@
             <a:avLst/>
           </a:prstGeom>
           <a:noFill/>
-          <a:ln w="28575"/>
+          <a:ln w="38100"/>
         </p:spPr>
         <p:style>
           <a:lnRef idx="2">
@@ -18387,7 +18746,7 @@
             <a:avLst/>
           </a:prstGeom>
           <a:noFill/>
-          <a:ln w="28575">
+          <a:ln w="38100">
             <a:solidFill>
               <a:schemeClr val="accent1">
                 <a:lumMod val="75000"/>
@@ -18784,11 +19143,7 @@
             <a:pPr algn="l"/>
             <a:r>
               <a:rPr lang="en-US" sz="5400" dirty="0" smtClean="0"/>
-              <a:t> </a:t>
-            </a:r>
-            <a:r>
-              <a:rPr lang="en-US" sz="5400" dirty="0" err="1" smtClean="0"/>
-              <a:t>Vuex</a:t>
+              <a:t> Vuex</a:t>
             </a:r>
             <a:endParaRPr lang="fr-CH" dirty="0"/>
           </a:p>
@@ -18815,16 +19170,8 @@
           <a:lstStyle/>
           <a:p>
             <a:r>
-              <a:rPr lang="en-US" dirty="0" err="1" smtClean="0"/>
-              <a:t>Vuex</a:t>
-            </a:r>
-            <a:r>
               <a:rPr lang="en-US" dirty="0" smtClean="0"/>
-              <a:t> </a:t>
-            </a:r>
-            <a:r>
-              <a:rPr lang="en-US" dirty="0" smtClean="0"/>
-              <a:t>: Gestion </a:t>
+              <a:t>Vuex : Gestion </a:t>
             </a:r>
             <a:r>
               <a:rPr lang="en-US" dirty="0" err="1" smtClean="0"/>
@@ -19104,7 +19451,7 @@
           <a:lstStyle/>
           <a:p>
             <a:r>
-              <a:rPr lang="en-US" dirty="0" err="1" smtClean="0"/>
+              <a:rPr lang="en-US" dirty="0" smtClean="0"/>
               <a:t>Vuex</a:t>
             </a:r>
             <a:endParaRPr lang="fr-CH" dirty="0"/>
@@ -19128,7 +19475,7 @@
           <a:prstGeom prst="bentConnector2">
             <a:avLst/>
           </a:prstGeom>
-          <a:ln>
+          <a:ln w="28575">
             <a:tailEnd type="triangle"/>
           </a:ln>
         </p:spPr>
@@ -19164,7 +19511,7 @@
           <a:prstGeom prst="bentConnector2">
             <a:avLst/>
           </a:prstGeom>
-          <a:ln>
+          <a:ln w="28575">
             <a:tailEnd type="triangle"/>
           </a:ln>
         </p:spPr>
@@ -19200,7 +19547,7 @@
           <a:prstGeom prst="bentConnector2">
             <a:avLst/>
           </a:prstGeom>
-          <a:ln>
+          <a:ln w="28575">
             <a:tailEnd type="triangle"/>
           </a:ln>
         </p:spPr>
@@ -19318,7 +19665,7 @@
           <a:prstGeom prst="straightConnector1">
             <a:avLst/>
           </a:prstGeom>
-          <a:ln w="28575">
+          <a:ln w="38100">
             <a:headEnd type="triangle"/>
             <a:tailEnd type="triangle"/>
           </a:ln>
@@ -19353,6 +19700,9 @@
             <a:avLst/>
           </a:prstGeom>
           <a:noFill/>
+          <a:ln w="28575">
+            <a:noFill/>
+          </a:ln>
         </p:spPr>
         <p:txBody>
           <a:bodyPr wrap="none" rtlCol="0">
@@ -19513,7 +19863,7 @@
           <a:prstGeom prst="bentConnector2">
             <a:avLst/>
           </a:prstGeom>
-          <a:ln>
+          <a:ln w="28575">
             <a:headEnd type="triangle"/>
             <a:tailEnd type="triangle"/>
           </a:ln>
@@ -19550,7 +19900,7 @@
           <a:prstGeom prst="bentConnector3">
             <a:avLst/>
           </a:prstGeom>
-          <a:ln>
+          <a:ln w="28575">
             <a:headEnd type="triangle"/>
             <a:tailEnd type="triangle"/>
           </a:ln>
@@ -20322,97 +20672,43 @@
         </p:nvSpPr>
         <p:spPr>
           <a:xfrm>
-            <a:off x="0" y="0"/>
-            <a:ext cx="3542097" cy="758244"/>
+            <a:off x="-1" y="0"/>
+            <a:ext cx="9760017" cy="866274"/>
           </a:xfrm>
         </p:spPr>
         <p:txBody>
-          <a:bodyPr>
-            <a:normAutofit fontScale="90000"/>
-          </a:bodyPr>
+          <a:bodyPr/>
           <a:lstStyle/>
           <a:p>
             <a:pPr algn="l"/>
             <a:r>
-              <a:rPr lang="en-US" sz="6000" dirty="0" smtClean="0"/>
+              <a:rPr lang="en-US" sz="5400" dirty="0" smtClean="0"/>
               <a:t> Contexte</a:t>
             </a:r>
-            <a:endParaRPr lang="fr-CH" dirty="0"/>
-          </a:p>
-        </p:txBody>
-      </p:sp>
-      <p:sp>
-        <p:nvSpPr>
-          <p:cNvPr id="6" name="Rectangle 5"/>
-          <p:cNvSpPr/>
-          <p:nvPr/>
-        </p:nvSpPr>
-        <p:spPr>
-          <a:xfrm>
-            <a:off x="5083008" y="2323503"/>
-            <a:ext cx="2042983" cy="1145060"/>
-          </a:xfrm>
-          <a:prstGeom prst="rect">
-            <a:avLst/>
-          </a:prstGeom>
-        </p:spPr>
-        <p:style>
-          <a:lnRef idx="2">
-            <a:schemeClr val="accent1">
-              <a:shade val="50000"/>
-            </a:schemeClr>
-          </a:lnRef>
-          <a:fillRef idx="1">
-            <a:schemeClr val="accent1"/>
-          </a:fillRef>
-          <a:effectRef idx="0">
-            <a:schemeClr val="accent1"/>
-          </a:effectRef>
-          <a:fontRef idx="minor">
-            <a:schemeClr val="lt1"/>
-          </a:fontRef>
-        </p:style>
-        <p:txBody>
-          <a:bodyPr rtlCol="0" anchor="ctr"/>
-          <a:lstStyle/>
-          <a:p>
-            <a:pPr algn="ctr"/>
-            <a:r>
-              <a:rPr lang="en-US" dirty="0"/>
-              <a:t>a</a:t>
-            </a:r>
-            <a:r>
-              <a:rPr lang="en-US" dirty="0" smtClean="0"/>
-              <a:t>pp.js</a:t>
-            </a:r>
-          </a:p>
-          <a:p>
-            <a:pPr algn="ctr"/>
-            <a:r>
-              <a:rPr lang="en-US" dirty="0" smtClean="0"/>
-              <a:t>Framework Express</a:t>
-            </a:r>
-            <a:endParaRPr lang="fr-CH" dirty="0"/>
+            <a:endParaRPr lang="fr-CH" sz="5400" i="1" dirty="0"/>
           </a:p>
         </p:txBody>
       </p:sp>
       <p:cxnSp>
         <p:nvCxnSpPr>
-          <p:cNvPr id="8" name="Straight Connector 7"/>
+          <p:cNvPr id="5" name="Straight Arrow Connector 4"/>
           <p:cNvCxnSpPr>
-            <a:stCxn id="5" idx="6"/>
-            <a:endCxn id="6" idx="1"/>
+            <a:stCxn id="12" idx="6"/>
+            <a:endCxn id="10" idx="2"/>
           </p:cNvCxnSpPr>
           <p:nvPr/>
         </p:nvCxnSpPr>
         <p:spPr>
-          <a:xfrm>
-            <a:off x="3962136" y="2104345"/>
-            <a:ext cx="1120872" cy="791688"/>
+          <a:xfrm flipV="1">
+            <a:off x="5657527" y="2208603"/>
+            <a:ext cx="3118585" cy="1288238"/>
           </a:xfrm>
-          <a:prstGeom prst="line">
+          <a:prstGeom prst="straightConnector1">
             <a:avLst/>
           </a:prstGeom>
+          <a:ln w="28575">
+            <a:tailEnd type="triangle"/>
+          </a:ln>
         </p:spPr>
         <p:style>
           <a:lnRef idx="1">
@@ -20431,58 +20727,22 @@
       </p:cxnSp>
       <p:cxnSp>
         <p:nvCxnSpPr>
-          <p:cNvPr id="10" name="Straight Connector 9"/>
+          <p:cNvPr id="6" name="Straight Arrow Connector 5"/>
           <p:cNvCxnSpPr>
-            <a:stCxn id="6" idx="3"/>
-            <a:endCxn id="4" idx="2"/>
+            <a:stCxn id="12" idx="6"/>
+            <a:endCxn id="11" idx="2"/>
           </p:cNvCxnSpPr>
           <p:nvPr/>
         </p:nvCxnSpPr>
         <p:spPr>
-          <a:xfrm flipV="1">
-            <a:off x="7125991" y="2015175"/>
-            <a:ext cx="659027" cy="880858"/>
-          </a:xfrm>
-          <a:prstGeom prst="line">
-            <a:avLst/>
-          </a:prstGeom>
-        </p:spPr>
-        <p:style>
-          <a:lnRef idx="1">
-            <a:schemeClr val="accent1"/>
-          </a:lnRef>
-          <a:fillRef idx="0">
-            <a:schemeClr val="accent1"/>
-          </a:fillRef>
-          <a:effectRef idx="0">
-            <a:schemeClr val="accent1"/>
-          </a:effectRef>
-          <a:fontRef idx="minor">
-            <a:schemeClr val="tx1"/>
-          </a:fontRef>
-        </p:style>
-      </p:cxnSp>
-      <p:cxnSp>
-        <p:nvCxnSpPr>
-          <p:cNvPr id="13" name="Straight Arrow Connector 12"/>
-          <p:cNvCxnSpPr>
-            <a:stCxn id="14" idx="2"/>
-            <a:endCxn id="6" idx="0"/>
-          </p:cNvCxnSpPr>
-          <p:nvPr/>
-        </p:nvCxnSpPr>
-        <p:spPr>
-          <a:xfrm flipH="1">
-            <a:off x="6104500" y="1820294"/>
-            <a:ext cx="16076" cy="503209"/>
+          <a:xfrm>
+            <a:off x="5657527" y="3496841"/>
+            <a:ext cx="3181148" cy="1426852"/>
           </a:xfrm>
           <a:prstGeom prst="straightConnector1">
             <a:avLst/>
           </a:prstGeom>
-          <a:ln>
-            <a:solidFill>
-              <a:schemeClr val="accent1"/>
-            </a:solidFill>
+          <a:ln w="28575">
             <a:tailEnd type="triangle"/>
           </a:ln>
         </p:spPr>
@@ -20503,14 +20763,14 @@
       </p:cxnSp>
       <p:sp>
         <p:nvSpPr>
-          <p:cNvPr id="14" name="TextBox 13"/>
+          <p:cNvPr id="7" name="TextBox 6"/>
           <p:cNvSpPr txBox="1"/>
           <p:nvPr/>
         </p:nvSpPr>
         <p:spPr>
-          <a:xfrm>
-            <a:off x="5267959" y="1173963"/>
-            <a:ext cx="1705233" cy="646331"/>
+          <a:xfrm rot="20185048">
+            <a:off x="6561538" y="2540368"/>
+            <a:ext cx="958917" cy="369332"/>
           </a:xfrm>
           <a:prstGeom prst="rect">
             <a:avLst/>
@@ -20518,14 +20778,22 @@
           <a:noFill/>
         </p:spPr>
         <p:txBody>
-          <a:bodyPr wrap="square" rtlCol="0">
+          <a:bodyPr wrap="none" rtlCol="0">
             <a:spAutoFit/>
           </a:bodyPr>
           <a:lstStyle/>
           <a:p>
             <a:r>
               <a:rPr lang="en-US" dirty="0" smtClean="0"/>
-              <a:t>Node.JS execute</a:t>
+              <a:t>/</a:t>
+            </a:r>
+            <a:r>
+              <a:rPr lang="en-US" dirty="0" err="1" smtClean="0"/>
+              <a:t>api</a:t>
+            </a:r>
+            <a:r>
+              <a:rPr lang="en-US" dirty="0" smtClean="0"/>
+              <a:t>/…</a:t>
             </a:r>
             <a:endParaRPr lang="fr-CH" dirty="0"/>
           </a:p>
@@ -20533,14 +20801,44 @@
       </p:sp>
       <p:sp>
         <p:nvSpPr>
-          <p:cNvPr id="4" name="Oval 3"/>
+          <p:cNvPr id="9" name="TextBox 8"/>
+          <p:cNvSpPr txBox="1"/>
+          <p:nvPr/>
+        </p:nvSpPr>
+        <p:spPr>
+          <a:xfrm rot="1568273">
+            <a:off x="6542139" y="4069543"/>
+            <a:ext cx="306494" cy="369332"/>
+          </a:xfrm>
+          <a:prstGeom prst="rect">
+            <a:avLst/>
+          </a:prstGeom>
+          <a:noFill/>
+        </p:spPr>
+        <p:txBody>
+          <a:bodyPr wrap="none" rtlCol="0">
+            <a:spAutoFit/>
+          </a:bodyPr>
+          <a:lstStyle/>
+          <a:p>
+            <a:r>
+              <a:rPr lang="en-US" dirty="0" smtClean="0"/>
+              <a:t>/</a:t>
+            </a:r>
+            <a:endParaRPr lang="fr-CH" dirty="0"/>
+          </a:p>
+        </p:txBody>
+      </p:sp>
+      <p:sp>
+        <p:nvSpPr>
+          <p:cNvPr id="10" name="Oval 9"/>
           <p:cNvSpPr/>
           <p:nvPr/>
         </p:nvSpPr>
         <p:spPr>
           <a:xfrm>
-            <a:off x="7785018" y="1508548"/>
-            <a:ext cx="1235676" cy="1013254"/>
+            <a:off x="8776112" y="1725553"/>
+            <a:ext cx="1318661" cy="966099"/>
           </a:xfrm>
           <a:prstGeom prst="ellipse">
             <a:avLst/>
@@ -20571,19 +20869,20 @@
               <a:rPr lang="en-US" dirty="0" smtClean="0"/>
               <a:t>API</a:t>
             </a:r>
-          </a:p>
-        </p:txBody>
-      </p:sp>
-      <p:sp>
-        <p:nvSpPr>
-          <p:cNvPr id="5" name="Oval 4"/>
+            <a:endParaRPr lang="fr-CH" dirty="0"/>
+          </a:p>
+        </p:txBody>
+      </p:sp>
+      <p:sp>
+        <p:nvSpPr>
+          <p:cNvPr id="11" name="Oval 10"/>
           <p:cNvSpPr/>
           <p:nvPr/>
         </p:nvSpPr>
         <p:spPr>
           <a:xfrm>
-            <a:off x="2602892" y="1556529"/>
-            <a:ext cx="1359244" cy="1095632"/>
+            <a:off x="8838675" y="4413554"/>
+            <a:ext cx="1193533" cy="1020278"/>
           </a:xfrm>
           <a:prstGeom prst="ellipse">
             <a:avLst/>
@@ -20611,27 +20910,83 @@
           <a:p>
             <a:pPr algn="ctr"/>
             <a:r>
+              <a:rPr lang="en-US" dirty="0" err="1" smtClean="0"/>
+              <a:t>Vue</a:t>
+            </a:r>
+            <a:r>
               <a:rPr lang="en-US" dirty="0" smtClean="0"/>
-              <a:t>Client</a:t>
-            </a:r>
+              <a:t> SPA</a:t>
+            </a:r>
+            <a:endParaRPr lang="fr-CH" dirty="0"/>
+          </a:p>
+        </p:txBody>
+      </p:sp>
+      <p:sp>
+        <p:nvSpPr>
+          <p:cNvPr id="12" name="Oval 11"/>
+          <p:cNvSpPr/>
+          <p:nvPr/>
+        </p:nvSpPr>
+        <p:spPr>
+          <a:xfrm>
+            <a:off x="4213737" y="2832697"/>
+            <a:ext cx="1443790" cy="1328287"/>
+          </a:xfrm>
+          <a:prstGeom prst="ellipse">
+            <a:avLst/>
+          </a:prstGeom>
+        </p:spPr>
+        <p:style>
+          <a:lnRef idx="2">
+            <a:schemeClr val="accent1">
+              <a:shade val="50000"/>
+            </a:schemeClr>
+          </a:lnRef>
+          <a:fillRef idx="1">
+            <a:schemeClr val="accent1"/>
+          </a:fillRef>
+          <a:effectRef idx="0">
+            <a:schemeClr val="accent1"/>
+          </a:effectRef>
+          <a:fontRef idx="minor">
+            <a:schemeClr val="lt1"/>
+          </a:fontRef>
+        </p:style>
+        <p:txBody>
+          <a:bodyPr rtlCol="0" anchor="ctr"/>
+          <a:lstStyle/>
+          <a:p>
+            <a:pPr algn="ctr"/>
+            <a:r>
+              <a:rPr lang="en-US" dirty="0" smtClean="0"/>
+              <a:t>Express</a:t>
+            </a:r>
+          </a:p>
+          <a:p>
+            <a:pPr algn="ctr"/>
+            <a:r>
+              <a:rPr lang="en-US" dirty="0" smtClean="0"/>
+              <a:t>Server</a:t>
+            </a:r>
+            <a:endParaRPr lang="fr-CH" dirty="0"/>
           </a:p>
         </p:txBody>
       </p:sp>
       <p:cxnSp>
         <p:nvCxnSpPr>
-          <p:cNvPr id="62" name="Straight Arrow Connector 61"/>
+          <p:cNvPr id="13" name="Straight Arrow Connector 12"/>
           <p:cNvCxnSpPr/>
           <p:nvPr/>
         </p:nvCxnSpPr>
         <p:spPr>
-          <a:xfrm flipV="1">
-            <a:off x="4549389" y="3971772"/>
-            <a:ext cx="1128585" cy="1021492"/>
+          <a:xfrm>
+            <a:off x="978983" y="2858551"/>
+            <a:ext cx="2187475" cy="438380"/>
           </a:xfrm>
           <a:prstGeom prst="straightConnector1">
             <a:avLst/>
           </a:prstGeom>
-          <a:ln>
+          <a:ln w="28575">
             <a:tailEnd type="triangle"/>
           </a:ln>
         </p:spPr>
@@ -20652,19 +21007,19 @@
       </p:cxnSp>
       <p:cxnSp>
         <p:nvCxnSpPr>
-          <p:cNvPr id="63" name="Straight Arrow Connector 62"/>
+          <p:cNvPr id="14" name="Straight Arrow Connector 13"/>
           <p:cNvCxnSpPr/>
           <p:nvPr/>
         </p:nvCxnSpPr>
         <p:spPr>
           <a:xfrm flipV="1">
-            <a:off x="5310669" y="4153005"/>
-            <a:ext cx="535783" cy="840259"/>
+            <a:off x="978983" y="3604661"/>
+            <a:ext cx="2271783" cy="123093"/>
           </a:xfrm>
           <a:prstGeom prst="straightConnector1">
             <a:avLst/>
           </a:prstGeom>
-          <a:ln>
+          <a:ln w="28575">
             <a:tailEnd type="triangle"/>
           </a:ln>
         </p:spPr>
@@ -20685,19 +21040,19 @@
       </p:cxnSp>
       <p:cxnSp>
         <p:nvCxnSpPr>
-          <p:cNvPr id="64" name="Straight Arrow Connector 63"/>
+          <p:cNvPr id="15" name="Straight Arrow Connector 14"/>
           <p:cNvCxnSpPr/>
           <p:nvPr/>
         </p:nvCxnSpPr>
         <p:spPr>
-          <a:xfrm flipH="1" flipV="1">
-            <a:off x="6187821" y="4153005"/>
-            <a:ext cx="17502" cy="928761"/>
+          <a:xfrm flipV="1">
+            <a:off x="1340910" y="3885466"/>
+            <a:ext cx="2017585" cy="491742"/>
           </a:xfrm>
           <a:prstGeom prst="straightConnector1">
             <a:avLst/>
           </a:prstGeom>
-          <a:ln>
+          <a:ln w="28575">
             <a:tailEnd type="triangle"/>
           </a:ln>
         </p:spPr>
@@ -20718,19 +21073,19 @@
       </p:cxnSp>
       <p:cxnSp>
         <p:nvCxnSpPr>
-          <p:cNvPr id="65" name="Straight Arrow Connector 64"/>
+          <p:cNvPr id="16" name="Straight Arrow Connector 15"/>
           <p:cNvCxnSpPr/>
           <p:nvPr/>
         </p:nvCxnSpPr>
         <p:spPr>
-          <a:xfrm flipH="1" flipV="1">
-            <a:off x="6402310" y="4072998"/>
-            <a:ext cx="475315" cy="762000"/>
+          <a:xfrm flipV="1">
+            <a:off x="2100947" y="4035485"/>
+            <a:ext cx="1436305" cy="756138"/>
           </a:xfrm>
           <a:prstGeom prst="straightConnector1">
             <a:avLst/>
           </a:prstGeom>
-          <a:ln>
+          <a:ln w="28575">
             <a:tailEnd type="triangle"/>
           </a:ln>
         </p:spPr>
@@ -20751,19 +21106,19 @@
       </p:cxnSp>
       <p:cxnSp>
         <p:nvCxnSpPr>
-          <p:cNvPr id="66" name="Straight Arrow Connector 65"/>
+          <p:cNvPr id="17" name="Straight Arrow Connector 16"/>
           <p:cNvCxnSpPr/>
           <p:nvPr/>
         </p:nvCxnSpPr>
         <p:spPr>
-          <a:xfrm flipH="1" flipV="1">
-            <a:off x="6611951" y="4055152"/>
-            <a:ext cx="659864" cy="741405"/>
+          <a:xfrm>
+            <a:off x="1969412" y="2270017"/>
+            <a:ext cx="1281354" cy="684009"/>
           </a:xfrm>
           <a:prstGeom prst="straightConnector1">
             <a:avLst/>
           </a:prstGeom>
-          <a:ln>
+          <a:ln w="28575">
             <a:tailEnd type="triangle"/>
           </a:ln>
         </p:spPr>
@@ -20784,19 +21139,22 @@
       </p:cxnSp>
       <p:sp>
         <p:nvSpPr>
-          <p:cNvPr id="71" name="TextBox 70"/>
+          <p:cNvPr id="18" name="TextBox 17"/>
           <p:cNvSpPr txBox="1"/>
           <p:nvPr/>
         </p:nvSpPr>
         <p:spPr>
           <a:xfrm>
-            <a:off x="7390890" y="4269332"/>
+            <a:off x="916420" y="3052622"/>
             <a:ext cx="1629804" cy="646331"/>
           </a:xfrm>
           <a:prstGeom prst="rect">
             <a:avLst/>
           </a:prstGeom>
           <a:noFill/>
+          <a:ln w="28575">
+            <a:noFill/>
+          </a:ln>
         </p:spPr>
         <p:txBody>
           <a:bodyPr wrap="square" rtlCol="0">
@@ -20815,7 +21173,7 @@
     </p:spTree>
     <p:extLst>
       <p:ext uri="{BB962C8B-B14F-4D97-AF65-F5344CB8AC3E}">
-        <p14:creationId xmlns:p14="http://schemas.microsoft.com/office/powerpoint/2010/main" val="3490676739"/>
+        <p14:creationId xmlns:p14="http://schemas.microsoft.com/office/powerpoint/2010/main" val="2571070811"/>
       </p:ext>
     </p:extLst>
   </p:cSld>
